--- a/trunk/pic/pic.pptx
+++ b/trunk/pic/pic.pptx
@@ -11,6 +11,7 @@
     <p:sldId id="259" r:id="rId5"/>
     <p:sldId id="260" r:id="rId6"/>
     <p:sldId id="261" r:id="rId7"/>
+    <p:sldId id="262" r:id="rId8"/>
   </p:sldIdLst>
   <p:sldSz cx="9144000" cy="6858000" type="screen4x3"/>
   <p:notesSz cx="6858000" cy="9144000"/>
@@ -294,7 +295,7 @@
             <a:fld id="{1D8BD707-D9CF-40AE-B4C6-C98DA3205C09}" type="datetimeFigureOut">
               <a:rPr lang="en-US" smtClean="0"/>
               <a:pPr/>
-              <a:t>8/31/2014</a:t>
+              <a:t>9/1/2014</a:t>
             </a:fld>
             <a:endParaRPr lang="en-US"/>
           </a:p>
@@ -461,7 +462,7 @@
             <a:fld id="{1D8BD707-D9CF-40AE-B4C6-C98DA3205C09}" type="datetimeFigureOut">
               <a:rPr lang="en-US" smtClean="0"/>
               <a:pPr/>
-              <a:t>8/31/2014</a:t>
+              <a:t>9/1/2014</a:t>
             </a:fld>
             <a:endParaRPr lang="en-US"/>
           </a:p>
@@ -638,7 +639,7 @@
             <a:fld id="{1D8BD707-D9CF-40AE-B4C6-C98DA3205C09}" type="datetimeFigureOut">
               <a:rPr lang="en-US" smtClean="0"/>
               <a:pPr/>
-              <a:t>8/31/2014</a:t>
+              <a:t>9/1/2014</a:t>
             </a:fld>
             <a:endParaRPr lang="en-US"/>
           </a:p>
@@ -805,7 +806,7 @@
             <a:fld id="{1D8BD707-D9CF-40AE-B4C6-C98DA3205C09}" type="datetimeFigureOut">
               <a:rPr lang="en-US" smtClean="0"/>
               <a:pPr/>
-              <a:t>8/31/2014</a:t>
+              <a:t>9/1/2014</a:t>
             </a:fld>
             <a:endParaRPr lang="en-US"/>
           </a:p>
@@ -1048,7 +1049,7 @@
             <a:fld id="{1D8BD707-D9CF-40AE-B4C6-C98DA3205C09}" type="datetimeFigureOut">
               <a:rPr lang="en-US" smtClean="0"/>
               <a:pPr/>
-              <a:t>8/31/2014</a:t>
+              <a:t>9/1/2014</a:t>
             </a:fld>
             <a:endParaRPr lang="en-US"/>
           </a:p>
@@ -1333,7 +1334,7 @@
             <a:fld id="{1D8BD707-D9CF-40AE-B4C6-C98DA3205C09}" type="datetimeFigureOut">
               <a:rPr lang="en-US" smtClean="0"/>
               <a:pPr/>
-              <a:t>8/31/2014</a:t>
+              <a:t>9/1/2014</a:t>
             </a:fld>
             <a:endParaRPr lang="en-US"/>
           </a:p>
@@ -1752,7 +1753,7 @@
             <a:fld id="{1D8BD707-D9CF-40AE-B4C6-C98DA3205C09}" type="datetimeFigureOut">
               <a:rPr lang="en-US" smtClean="0"/>
               <a:pPr/>
-              <a:t>8/31/2014</a:t>
+              <a:t>9/1/2014</a:t>
             </a:fld>
             <a:endParaRPr lang="en-US"/>
           </a:p>
@@ -1867,7 +1868,7 @@
             <a:fld id="{1D8BD707-D9CF-40AE-B4C6-C98DA3205C09}" type="datetimeFigureOut">
               <a:rPr lang="en-US" smtClean="0"/>
               <a:pPr/>
-              <a:t>8/31/2014</a:t>
+              <a:t>9/1/2014</a:t>
             </a:fld>
             <a:endParaRPr lang="en-US"/>
           </a:p>
@@ -1959,7 +1960,7 @@
             <a:fld id="{1D8BD707-D9CF-40AE-B4C6-C98DA3205C09}" type="datetimeFigureOut">
               <a:rPr lang="en-US" smtClean="0"/>
               <a:pPr/>
-              <a:t>8/31/2014</a:t>
+              <a:t>9/1/2014</a:t>
             </a:fld>
             <a:endParaRPr lang="en-US"/>
           </a:p>
@@ -2233,7 +2234,7 @@
             <a:fld id="{1D8BD707-D9CF-40AE-B4C6-C98DA3205C09}" type="datetimeFigureOut">
               <a:rPr lang="en-US" smtClean="0"/>
               <a:pPr/>
-              <a:t>8/31/2014</a:t>
+              <a:t>9/1/2014</a:t>
             </a:fld>
             <a:endParaRPr lang="en-US"/>
           </a:p>
@@ -2483,7 +2484,7 @@
             <a:fld id="{1D8BD707-D9CF-40AE-B4C6-C98DA3205C09}" type="datetimeFigureOut">
               <a:rPr lang="en-US" smtClean="0"/>
               <a:pPr/>
-              <a:t>8/31/2014</a:t>
+              <a:t>9/1/2014</a:t>
             </a:fld>
             <a:endParaRPr lang="en-US"/>
           </a:p>
@@ -2693,7 +2694,7 @@
             <a:fld id="{1D8BD707-D9CF-40AE-B4C6-C98DA3205C09}" type="datetimeFigureOut">
               <a:rPr lang="en-US" smtClean="0"/>
               <a:pPr/>
-              <a:t>8/31/2014</a:t>
+              <a:t>9/1/2014</a:t>
             </a:fld>
             <a:endParaRPr lang="en-US"/>
           </a:p>
@@ -10229,8 +10230,8 @@
             </a:p>
           </p:txBody>
         </p:sp>
-        <mc:AlternateContent xmlns:mc="http://schemas.openxmlformats.org/markup-compatibility/2006">
-          <mc:Choice xmlns:a14="http://schemas.microsoft.com/office/drawing/2010/main" Requires="a14">
+        <mc:AlternateContent xmlns:mc="http://schemas.openxmlformats.org/markup-compatibility/2006" xmlns:a14="http://schemas.microsoft.com/office/drawing/2010/main">
+          <mc:Choice Requires="a14">
             <p:sp>
               <p:nvSpPr>
                 <p:cNvPr id="15" name="Oval 14"/>
@@ -10291,7 +10292,7 @@
               </p:txBody>
             </p:sp>
           </mc:Choice>
-          <mc:Fallback>
+          <mc:Fallback xmlns="">
             <p:sp>
               <p:nvSpPr>
                 <p:cNvPr id="15" name="Oval 14"/>
@@ -10461,8 +10462,8 @@
             </a:fontRef>
           </p:style>
         </p:cxnSp>
-        <mc:AlternateContent xmlns:mc="http://schemas.openxmlformats.org/markup-compatibility/2006">
-          <mc:Choice xmlns:a14="http://schemas.microsoft.com/office/drawing/2010/main" Requires="a14">
+        <mc:AlternateContent xmlns:mc="http://schemas.openxmlformats.org/markup-compatibility/2006" xmlns:a14="http://schemas.microsoft.com/office/drawing/2010/main">
+          <mc:Choice Requires="a14">
             <p:sp>
               <p:nvSpPr>
                 <p:cNvPr id="27" name="Oval 26"/>
@@ -10523,7 +10524,7 @@
               </p:txBody>
             </p:sp>
           </mc:Choice>
-          <mc:Fallback>
+          <mc:Fallback xmlns="">
             <p:sp>
               <p:nvSpPr>
                 <p:cNvPr id="27" name="Oval 26"/>
@@ -10563,8 +10564,8 @@
             </p:sp>
           </mc:Fallback>
         </mc:AlternateContent>
-        <mc:AlternateContent xmlns:mc="http://schemas.openxmlformats.org/markup-compatibility/2006">
-          <mc:Choice xmlns:a14="http://schemas.microsoft.com/office/drawing/2010/main" Requires="a14">
+        <mc:AlternateContent xmlns:mc="http://schemas.openxmlformats.org/markup-compatibility/2006" xmlns:a14="http://schemas.microsoft.com/office/drawing/2010/main">
+          <mc:Choice Requires="a14">
             <p:sp>
               <p:nvSpPr>
                 <p:cNvPr id="28" name="Oval 27"/>
@@ -10625,7 +10626,7 @@
               </p:txBody>
             </p:sp>
           </mc:Choice>
-          <mc:Fallback>
+          <mc:Fallback xmlns="">
             <p:sp>
               <p:nvSpPr>
                 <p:cNvPr id="28" name="Oval 27"/>
@@ -11541,8 +11542,8 @@
             </a:p>
           </p:txBody>
         </p:sp>
-        <mc:AlternateContent xmlns:mc="http://schemas.openxmlformats.org/markup-compatibility/2006">
-          <mc:Choice xmlns:a14="http://schemas.microsoft.com/office/drawing/2010/main" Requires="a14">
+        <mc:AlternateContent xmlns:mc="http://schemas.openxmlformats.org/markup-compatibility/2006" xmlns:a14="http://schemas.microsoft.com/office/drawing/2010/main">
+          <mc:Choice Requires="a14">
             <p:sp>
               <p:nvSpPr>
                 <p:cNvPr id="77" name="Oval 76"/>
@@ -11603,7 +11604,7 @@
               </p:txBody>
             </p:sp>
           </mc:Choice>
-          <mc:Fallback>
+          <mc:Fallback xmlns="">
             <p:sp>
               <p:nvSpPr>
                 <p:cNvPr id="77" name="Oval 76"/>
@@ -11773,8 +11774,8 @@
             </a:fontRef>
           </p:style>
         </p:cxnSp>
-        <mc:AlternateContent xmlns:mc="http://schemas.openxmlformats.org/markup-compatibility/2006">
-          <mc:Choice xmlns:a14="http://schemas.microsoft.com/office/drawing/2010/main" Requires="a14">
+        <mc:AlternateContent xmlns:mc="http://schemas.openxmlformats.org/markup-compatibility/2006" xmlns:a14="http://schemas.microsoft.com/office/drawing/2010/main">
+          <mc:Choice Requires="a14">
             <p:sp>
               <p:nvSpPr>
                 <p:cNvPr id="82" name="Oval 81"/>
@@ -11835,7 +11836,7 @@
               </p:txBody>
             </p:sp>
           </mc:Choice>
-          <mc:Fallback>
+          <mc:Fallback xmlns="">
             <p:sp>
               <p:nvSpPr>
                 <p:cNvPr id="82" name="Oval 81"/>
@@ -11875,8 +11876,8 @@
             </p:sp>
           </mc:Fallback>
         </mc:AlternateContent>
-        <mc:AlternateContent xmlns:mc="http://schemas.openxmlformats.org/markup-compatibility/2006">
-          <mc:Choice xmlns:a14="http://schemas.microsoft.com/office/drawing/2010/main" Requires="a14">
+        <mc:AlternateContent xmlns:mc="http://schemas.openxmlformats.org/markup-compatibility/2006" xmlns:a14="http://schemas.microsoft.com/office/drawing/2010/main">
+          <mc:Choice Requires="a14">
             <p:sp>
               <p:nvSpPr>
                 <p:cNvPr id="83" name="Oval 82"/>
@@ -11937,7 +11938,7 @@
               </p:txBody>
             </p:sp>
           </mc:Choice>
-          <mc:Fallback>
+          <mc:Fallback xmlns="">
             <p:sp>
               <p:nvSpPr>
                 <p:cNvPr id="83" name="Oval 82"/>
@@ -12610,8 +12611,8 @@
             </a:p>
           </p:txBody>
         </p:sp>
-        <mc:AlternateContent xmlns:mc="http://schemas.openxmlformats.org/markup-compatibility/2006">
-          <mc:Choice xmlns:a14="http://schemas.microsoft.com/office/drawing/2010/main" Requires="a14">
+        <mc:AlternateContent xmlns:mc="http://schemas.openxmlformats.org/markup-compatibility/2006" xmlns:a14="http://schemas.microsoft.com/office/drawing/2010/main">
+          <mc:Choice Requires="a14">
             <p:sp>
               <p:nvSpPr>
                 <p:cNvPr id="119" name="Oval 118"/>
@@ -12672,7 +12673,7 @@
               </p:txBody>
             </p:sp>
           </mc:Choice>
-          <mc:Fallback>
+          <mc:Fallback xmlns="">
             <p:sp>
               <p:nvSpPr>
                 <p:cNvPr id="119" name="Oval 118"/>
@@ -12842,8 +12843,8 @@
             </a:fontRef>
           </p:style>
         </p:cxnSp>
-        <mc:AlternateContent xmlns:mc="http://schemas.openxmlformats.org/markup-compatibility/2006">
-          <mc:Choice xmlns:a14="http://schemas.microsoft.com/office/drawing/2010/main" Requires="a14">
+        <mc:AlternateContent xmlns:mc="http://schemas.openxmlformats.org/markup-compatibility/2006" xmlns:a14="http://schemas.microsoft.com/office/drawing/2010/main">
+          <mc:Choice Requires="a14">
             <p:sp>
               <p:nvSpPr>
                 <p:cNvPr id="124" name="Oval 123"/>
@@ -12904,7 +12905,7 @@
               </p:txBody>
             </p:sp>
           </mc:Choice>
-          <mc:Fallback>
+          <mc:Fallback xmlns="">
             <p:sp>
               <p:nvSpPr>
                 <p:cNvPr id="124" name="Oval 123"/>
@@ -12944,8 +12945,8 @@
             </p:sp>
           </mc:Fallback>
         </mc:AlternateContent>
-        <mc:AlternateContent xmlns:mc="http://schemas.openxmlformats.org/markup-compatibility/2006">
-          <mc:Choice xmlns:a14="http://schemas.microsoft.com/office/drawing/2010/main" Requires="a14">
+        <mc:AlternateContent xmlns:mc="http://schemas.openxmlformats.org/markup-compatibility/2006" xmlns:a14="http://schemas.microsoft.com/office/drawing/2010/main">
+          <mc:Choice Requires="a14">
             <p:sp>
               <p:nvSpPr>
                 <p:cNvPr id="125" name="Oval 124"/>
@@ -13006,7 +13007,7 @@
               </p:txBody>
             </p:sp>
           </mc:Choice>
-          <mc:Fallback>
+          <mc:Fallback xmlns="">
             <p:sp>
               <p:nvSpPr>
                 <p:cNvPr id="125" name="Oval 124"/>
@@ -13781,8 +13782,8 @@
             <a:chExt cx="6934200" cy="2111277"/>
           </a:xfrm>
         </p:grpSpPr>
-        <mc:AlternateContent xmlns:mc="http://schemas.openxmlformats.org/markup-compatibility/2006">
-          <mc:Choice xmlns:a14="http://schemas.microsoft.com/office/drawing/2010/main" Requires="a14">
+        <mc:AlternateContent xmlns:mc="http://schemas.openxmlformats.org/markup-compatibility/2006" xmlns:a14="http://schemas.microsoft.com/office/drawing/2010/main">
+          <mc:Choice Requires="a14">
             <p:sp>
               <p:nvSpPr>
                 <p:cNvPr id="421" name="TextBox 420"/>
@@ -13805,6 +13806,7 @@
                 </a:bodyPr>
                 <a:lstStyle/>
                 <a:p>
+                  <a:pPr/>
                   <a14:m>
                     <m:oMathPara xmlns:m="http://schemas.openxmlformats.org/officeDocument/2006/math">
                       <m:oMathParaPr>
@@ -13857,7 +13859,7 @@
               </p:txBody>
             </p:sp>
           </mc:Choice>
-          <mc:Fallback>
+          <mc:Fallback xmlns="">
             <p:sp>
               <p:nvSpPr>
                 <p:cNvPr id="421" name="TextBox 420"/>
@@ -13896,8 +13898,8 @@
             </p:sp>
           </mc:Fallback>
         </mc:AlternateContent>
-        <mc:AlternateContent xmlns:mc="http://schemas.openxmlformats.org/markup-compatibility/2006">
-          <mc:Choice xmlns:a14="http://schemas.microsoft.com/office/drawing/2010/main" Requires="a14">
+        <mc:AlternateContent xmlns:mc="http://schemas.openxmlformats.org/markup-compatibility/2006" xmlns:a14="http://schemas.microsoft.com/office/drawing/2010/main">
+          <mc:Choice Requires="a14">
             <p:sp>
               <p:nvSpPr>
                 <p:cNvPr id="420" name="TextBox 419"/>
@@ -13920,6 +13922,7 @@
                 </a:bodyPr>
                 <a:lstStyle/>
                 <a:p>
+                  <a:pPr/>
                   <a14:m>
                     <m:oMathPara xmlns:m="http://schemas.openxmlformats.org/officeDocument/2006/math">
                       <m:oMathParaPr>
@@ -13972,7 +13975,7 @@
               </p:txBody>
             </p:sp>
           </mc:Choice>
-          <mc:Fallback>
+          <mc:Fallback xmlns="">
             <p:sp>
               <p:nvSpPr>
                 <p:cNvPr id="420" name="TextBox 419"/>
@@ -14111,8 +14114,8 @@
             </a:p>
           </p:txBody>
         </p:sp>
-        <mc:AlternateContent xmlns:mc="http://schemas.openxmlformats.org/markup-compatibility/2006">
-          <mc:Choice xmlns:a14="http://schemas.microsoft.com/office/drawing/2010/main" Requires="a14">
+        <mc:AlternateContent xmlns:mc="http://schemas.openxmlformats.org/markup-compatibility/2006" xmlns:a14="http://schemas.microsoft.com/office/drawing/2010/main">
+          <mc:Choice Requires="a14">
             <p:sp>
               <p:nvSpPr>
                 <p:cNvPr id="203" name="Rectangle 202"/>
@@ -14207,7 +14210,7 @@
               </p:txBody>
             </p:sp>
           </mc:Choice>
-          <mc:Fallback>
+          <mc:Fallback xmlns="">
             <p:sp>
               <p:nvSpPr>
                 <p:cNvPr id="203" name="Rectangle 202"/>
@@ -14247,8 +14250,8 @@
             </p:sp>
           </mc:Fallback>
         </mc:AlternateContent>
-        <mc:AlternateContent xmlns:mc="http://schemas.openxmlformats.org/markup-compatibility/2006">
-          <mc:Choice xmlns:a14="http://schemas.microsoft.com/office/drawing/2010/main" Requires="a14">
+        <mc:AlternateContent xmlns:mc="http://schemas.openxmlformats.org/markup-compatibility/2006" xmlns:a14="http://schemas.microsoft.com/office/drawing/2010/main">
+          <mc:Choice Requires="a14">
             <p:sp>
               <p:nvSpPr>
                 <p:cNvPr id="204" name="Rectangle 203"/>
@@ -14343,7 +14346,7 @@
               </p:txBody>
             </p:sp>
           </mc:Choice>
-          <mc:Fallback>
+          <mc:Fallback xmlns="">
             <p:sp>
               <p:nvSpPr>
                 <p:cNvPr id="204" name="Rectangle 203"/>
@@ -14383,8 +14386,8 @@
             </p:sp>
           </mc:Fallback>
         </mc:AlternateContent>
-        <mc:AlternateContent xmlns:mc="http://schemas.openxmlformats.org/markup-compatibility/2006">
-          <mc:Choice xmlns:a14="http://schemas.microsoft.com/office/drawing/2010/main" Requires="a14">
+        <mc:AlternateContent xmlns:mc="http://schemas.openxmlformats.org/markup-compatibility/2006" xmlns:a14="http://schemas.microsoft.com/office/drawing/2010/main">
+          <mc:Choice Requires="a14">
             <p:sp>
               <p:nvSpPr>
                 <p:cNvPr id="207" name="Oval 206"/>
@@ -14445,7 +14448,7 @@
               </p:txBody>
             </p:sp>
           </mc:Choice>
-          <mc:Fallback>
+          <mc:Fallback xmlns="">
             <p:sp>
               <p:nvSpPr>
                 <p:cNvPr id="207" name="Oval 206"/>
@@ -14552,8 +14555,8 @@
             </a:fontRef>
           </p:style>
         </p:cxnSp>
-        <mc:AlternateContent xmlns:mc="http://schemas.openxmlformats.org/markup-compatibility/2006">
-          <mc:Choice xmlns:a14="http://schemas.microsoft.com/office/drawing/2010/main" Requires="a14">
+        <mc:AlternateContent xmlns:mc="http://schemas.openxmlformats.org/markup-compatibility/2006" xmlns:a14="http://schemas.microsoft.com/office/drawing/2010/main">
+          <mc:Choice Requires="a14">
             <p:sp>
               <p:nvSpPr>
                 <p:cNvPr id="212" name="Oval 211"/>
@@ -14614,7 +14617,7 @@
               </p:txBody>
             </p:sp>
           </mc:Choice>
-          <mc:Fallback>
+          <mc:Fallback xmlns="">
             <p:sp>
               <p:nvSpPr>
                 <p:cNvPr id="212" name="Oval 211"/>
@@ -14685,8 +14688,8 @@
             </a:p>
           </p:txBody>
         </p:sp>
-        <mc:AlternateContent xmlns:mc="http://schemas.openxmlformats.org/markup-compatibility/2006">
-          <mc:Choice xmlns:a14="http://schemas.microsoft.com/office/drawing/2010/main" Requires="a14">
+        <mc:AlternateContent xmlns:mc="http://schemas.openxmlformats.org/markup-compatibility/2006" xmlns:a14="http://schemas.microsoft.com/office/drawing/2010/main">
+          <mc:Choice Requires="a14">
             <p:sp>
               <p:nvSpPr>
                 <p:cNvPr id="225" name="Rectangle 224"/>
@@ -14781,7 +14784,7 @@
               </p:txBody>
             </p:sp>
           </mc:Choice>
-          <mc:Fallback>
+          <mc:Fallback xmlns="">
             <p:sp>
               <p:nvSpPr>
                 <p:cNvPr id="225" name="Rectangle 224"/>
@@ -14821,8 +14824,8 @@
             </p:sp>
           </mc:Fallback>
         </mc:AlternateContent>
-        <mc:AlternateContent xmlns:mc="http://schemas.openxmlformats.org/markup-compatibility/2006">
-          <mc:Choice xmlns:a14="http://schemas.microsoft.com/office/drawing/2010/main" Requires="a14">
+        <mc:AlternateContent xmlns:mc="http://schemas.openxmlformats.org/markup-compatibility/2006" xmlns:a14="http://schemas.microsoft.com/office/drawing/2010/main">
+          <mc:Choice Requires="a14">
             <p:sp>
               <p:nvSpPr>
                 <p:cNvPr id="226" name="Rectangle 225"/>
@@ -14917,7 +14920,7 @@
               </p:txBody>
             </p:sp>
           </mc:Choice>
-          <mc:Fallback>
+          <mc:Fallback xmlns="">
             <p:sp>
               <p:nvSpPr>
                 <p:cNvPr id="226" name="Rectangle 225"/>
@@ -14988,8 +14991,8 @@
             </a:p>
           </p:txBody>
         </p:sp>
-        <mc:AlternateContent xmlns:mc="http://schemas.openxmlformats.org/markup-compatibility/2006">
-          <mc:Choice xmlns:a14="http://schemas.microsoft.com/office/drawing/2010/main" Requires="a14">
+        <mc:AlternateContent xmlns:mc="http://schemas.openxmlformats.org/markup-compatibility/2006" xmlns:a14="http://schemas.microsoft.com/office/drawing/2010/main">
+          <mc:Choice Requires="a14">
             <p:sp>
               <p:nvSpPr>
                 <p:cNvPr id="303" name="Rectangle 302"/>
@@ -15084,7 +15087,7 @@
               </p:txBody>
             </p:sp>
           </mc:Choice>
-          <mc:Fallback>
+          <mc:Fallback xmlns="">
             <p:sp>
               <p:nvSpPr>
                 <p:cNvPr id="303" name="Rectangle 302"/>
@@ -15124,8 +15127,8 @@
             </p:sp>
           </mc:Fallback>
         </mc:AlternateContent>
-        <mc:AlternateContent xmlns:mc="http://schemas.openxmlformats.org/markup-compatibility/2006">
-          <mc:Choice xmlns:a14="http://schemas.microsoft.com/office/drawing/2010/main" Requires="a14">
+        <mc:AlternateContent xmlns:mc="http://schemas.openxmlformats.org/markup-compatibility/2006" xmlns:a14="http://schemas.microsoft.com/office/drawing/2010/main">
+          <mc:Choice Requires="a14">
             <p:sp>
               <p:nvSpPr>
                 <p:cNvPr id="304" name="Rectangle 303"/>
@@ -15220,7 +15223,7 @@
               </p:txBody>
             </p:sp>
           </mc:Choice>
-          <mc:Fallback>
+          <mc:Fallback xmlns="">
             <p:sp>
               <p:nvSpPr>
                 <p:cNvPr id="304" name="Rectangle 303"/>
@@ -15310,8 +15313,8 @@
             </a:p>
           </p:txBody>
         </p:sp>
-        <mc:AlternateContent xmlns:mc="http://schemas.openxmlformats.org/markup-compatibility/2006">
-          <mc:Choice xmlns:a14="http://schemas.microsoft.com/office/drawing/2010/main" Requires="a14">
+        <mc:AlternateContent xmlns:mc="http://schemas.openxmlformats.org/markup-compatibility/2006" xmlns:a14="http://schemas.microsoft.com/office/drawing/2010/main">
+          <mc:Choice Requires="a14">
             <p:sp>
               <p:nvSpPr>
                 <p:cNvPr id="323" name="Rectangle 322"/>
@@ -15406,7 +15409,7 @@
               </p:txBody>
             </p:sp>
           </mc:Choice>
-          <mc:Fallback>
+          <mc:Fallback xmlns="">
             <p:sp>
               <p:nvSpPr>
                 <p:cNvPr id="323" name="Rectangle 322"/>
@@ -15446,8 +15449,8 @@
             </p:sp>
           </mc:Fallback>
         </mc:AlternateContent>
-        <mc:AlternateContent xmlns:mc="http://schemas.openxmlformats.org/markup-compatibility/2006">
-          <mc:Choice xmlns:a14="http://schemas.microsoft.com/office/drawing/2010/main" Requires="a14">
+        <mc:AlternateContent xmlns:mc="http://schemas.openxmlformats.org/markup-compatibility/2006" xmlns:a14="http://schemas.microsoft.com/office/drawing/2010/main">
+          <mc:Choice Requires="a14">
             <p:sp>
               <p:nvSpPr>
                 <p:cNvPr id="324" name="Rectangle 323"/>
@@ -15542,7 +15545,7 @@
               </p:txBody>
             </p:sp>
           </mc:Choice>
-          <mc:Fallback>
+          <mc:Fallback xmlns="">
             <p:sp>
               <p:nvSpPr>
                 <p:cNvPr id="324" name="Rectangle 323"/>
@@ -15663,8 +15666,8 @@
             </a:p>
           </p:txBody>
         </p:sp>
-        <mc:AlternateContent xmlns:mc="http://schemas.openxmlformats.org/markup-compatibility/2006">
-          <mc:Choice xmlns:a14="http://schemas.microsoft.com/office/drawing/2010/main" Requires="a14">
+        <mc:AlternateContent xmlns:mc="http://schemas.openxmlformats.org/markup-compatibility/2006" xmlns:a14="http://schemas.microsoft.com/office/drawing/2010/main">
+          <mc:Choice Requires="a14">
             <p:sp>
               <p:nvSpPr>
                 <p:cNvPr id="331" name="Rectangle 330"/>
@@ -15759,7 +15762,7 @@
               </p:txBody>
             </p:sp>
           </mc:Choice>
-          <mc:Fallback>
+          <mc:Fallback xmlns="">
             <p:sp>
               <p:nvSpPr>
                 <p:cNvPr id="331" name="Rectangle 330"/>
@@ -15799,8 +15802,8 @@
             </p:sp>
           </mc:Fallback>
         </mc:AlternateContent>
-        <mc:AlternateContent xmlns:mc="http://schemas.openxmlformats.org/markup-compatibility/2006">
-          <mc:Choice xmlns:a14="http://schemas.microsoft.com/office/drawing/2010/main" Requires="a14">
+        <mc:AlternateContent xmlns:mc="http://schemas.openxmlformats.org/markup-compatibility/2006" xmlns:a14="http://schemas.microsoft.com/office/drawing/2010/main">
+          <mc:Choice Requires="a14">
             <p:sp>
               <p:nvSpPr>
                 <p:cNvPr id="332" name="Rectangle 331"/>
@@ -15895,7 +15898,7 @@
               </p:txBody>
             </p:sp>
           </mc:Choice>
-          <mc:Fallback>
+          <mc:Fallback xmlns="">
             <p:sp>
               <p:nvSpPr>
                 <p:cNvPr id="332" name="Rectangle 331"/>
@@ -15935,8 +15938,8 @@
             </p:sp>
           </mc:Fallback>
         </mc:AlternateContent>
-        <mc:AlternateContent xmlns:mc="http://schemas.openxmlformats.org/markup-compatibility/2006">
-          <mc:Choice xmlns:a14="http://schemas.microsoft.com/office/drawing/2010/main" Requires="a14">
+        <mc:AlternateContent xmlns:mc="http://schemas.openxmlformats.org/markup-compatibility/2006" xmlns:a14="http://schemas.microsoft.com/office/drawing/2010/main">
+          <mc:Choice Requires="a14">
             <p:sp>
               <p:nvSpPr>
                 <p:cNvPr id="333" name="Oval 332"/>
@@ -15994,7 +15997,7 @@
               </p:txBody>
             </p:sp>
           </mc:Choice>
-          <mc:Fallback>
+          <mc:Fallback xmlns="">
             <p:sp>
               <p:nvSpPr>
                 <p:cNvPr id="333" name="Oval 332"/>
@@ -16101,8 +16104,8 @@
             </a:fontRef>
           </p:style>
         </p:cxnSp>
-        <mc:AlternateContent xmlns:mc="http://schemas.openxmlformats.org/markup-compatibility/2006">
-          <mc:Choice xmlns:a14="http://schemas.microsoft.com/office/drawing/2010/main" Requires="a14">
+        <mc:AlternateContent xmlns:mc="http://schemas.openxmlformats.org/markup-compatibility/2006" xmlns:a14="http://schemas.microsoft.com/office/drawing/2010/main">
+          <mc:Choice Requires="a14">
             <p:sp>
               <p:nvSpPr>
                 <p:cNvPr id="336" name="Oval 335"/>
@@ -16160,7 +16163,7 @@
               </p:txBody>
             </p:sp>
           </mc:Choice>
-          <mc:Fallback>
+          <mc:Fallback xmlns="">
             <p:sp>
               <p:nvSpPr>
                 <p:cNvPr id="336" name="Oval 335"/>
@@ -16571,8 +16574,8 @@
             </a:fontRef>
           </p:style>
         </p:cxnSp>
-        <mc:AlternateContent xmlns:mc="http://schemas.openxmlformats.org/markup-compatibility/2006">
-          <mc:Choice xmlns:a14="http://schemas.microsoft.com/office/drawing/2010/main" Requires="a14">
+        <mc:AlternateContent xmlns:mc="http://schemas.openxmlformats.org/markup-compatibility/2006" xmlns:a14="http://schemas.microsoft.com/office/drawing/2010/main">
+          <mc:Choice Requires="a14">
             <p:sp>
               <p:nvSpPr>
                 <p:cNvPr id="362" name="Oval 361"/>
@@ -16630,7 +16633,7 @@
               </p:txBody>
             </p:sp>
           </mc:Choice>
-          <mc:Fallback>
+          <mc:Fallback xmlns="">
             <p:sp>
               <p:nvSpPr>
                 <p:cNvPr id="362" name="Oval 361"/>
@@ -16670,8 +16673,8 @@
             </p:sp>
           </mc:Fallback>
         </mc:AlternateContent>
-        <mc:AlternateContent xmlns:mc="http://schemas.openxmlformats.org/markup-compatibility/2006">
-          <mc:Choice xmlns:a14="http://schemas.microsoft.com/office/drawing/2010/main" Requires="a14">
+        <mc:AlternateContent xmlns:mc="http://schemas.openxmlformats.org/markup-compatibility/2006" xmlns:a14="http://schemas.microsoft.com/office/drawing/2010/main">
+          <mc:Choice Requires="a14">
             <p:sp>
               <p:nvSpPr>
                 <p:cNvPr id="363" name="Oval 362"/>
@@ -16729,7 +16732,7 @@
               </p:txBody>
             </p:sp>
           </mc:Choice>
-          <mc:Fallback>
+          <mc:Fallback xmlns="">
             <p:sp>
               <p:nvSpPr>
                 <p:cNvPr id="363" name="Oval 362"/>
@@ -16837,8 +16840,8 @@
             </a:fontRef>
           </p:style>
         </p:cxnSp>
-        <mc:AlternateContent xmlns:mc="http://schemas.openxmlformats.org/markup-compatibility/2006">
-          <mc:Choice xmlns:a14="http://schemas.microsoft.com/office/drawing/2010/main" Requires="a14">
+        <mc:AlternateContent xmlns:mc="http://schemas.openxmlformats.org/markup-compatibility/2006" xmlns:a14="http://schemas.microsoft.com/office/drawing/2010/main">
+          <mc:Choice Requires="a14">
             <p:sp>
               <p:nvSpPr>
                 <p:cNvPr id="373" name="TextBox 372"/>
@@ -16861,6 +16864,7 @@
                 </a:bodyPr>
                 <a:lstStyle/>
                 <a:p>
+                  <a:pPr/>
                   <a14:m>
                     <m:oMathPara xmlns:m="http://schemas.openxmlformats.org/officeDocument/2006/math">
                       <m:oMathParaPr>
@@ -16913,7 +16917,7 @@
               </p:txBody>
             </p:sp>
           </mc:Choice>
-          <mc:Fallback>
+          <mc:Fallback xmlns="">
             <p:sp>
               <p:nvSpPr>
                 <p:cNvPr id="373" name="TextBox 372"/>
@@ -16952,8 +16956,8 @@
             </p:sp>
           </mc:Fallback>
         </mc:AlternateContent>
-        <mc:AlternateContent xmlns:mc="http://schemas.openxmlformats.org/markup-compatibility/2006">
-          <mc:Choice xmlns:a14="http://schemas.microsoft.com/office/drawing/2010/main" Requires="a14">
+        <mc:AlternateContent xmlns:mc="http://schemas.openxmlformats.org/markup-compatibility/2006" xmlns:a14="http://schemas.microsoft.com/office/drawing/2010/main">
+          <mc:Choice Requires="a14">
             <p:sp>
               <p:nvSpPr>
                 <p:cNvPr id="392" name="TextBox 391"/>
@@ -16976,6 +16980,7 @@
                 </a:bodyPr>
                 <a:lstStyle/>
                 <a:p>
+                  <a:pPr/>
                   <a14:m>
                     <m:oMathPara xmlns:m="http://schemas.openxmlformats.org/officeDocument/2006/math">
                       <m:oMathParaPr>
@@ -17028,7 +17033,7 @@
               </p:txBody>
             </p:sp>
           </mc:Choice>
-          <mc:Fallback>
+          <mc:Fallback xmlns="">
             <p:sp>
               <p:nvSpPr>
                 <p:cNvPr id="392" name="TextBox 391"/>
@@ -17135,8 +17140,8 @@
             </a:fontRef>
           </p:style>
         </p:cxnSp>
-        <mc:AlternateContent xmlns:mc="http://schemas.openxmlformats.org/markup-compatibility/2006">
-          <mc:Choice xmlns:a14="http://schemas.microsoft.com/office/drawing/2010/main" Requires="a14">
+        <mc:AlternateContent xmlns:mc="http://schemas.openxmlformats.org/markup-compatibility/2006" xmlns:a14="http://schemas.microsoft.com/office/drawing/2010/main">
+          <mc:Choice Requires="a14">
             <p:sp>
               <p:nvSpPr>
                 <p:cNvPr id="398" name="TextBox 397"/>
@@ -17159,6 +17164,7 @@
                 </a:bodyPr>
                 <a:lstStyle/>
                 <a:p>
+                  <a:pPr/>
                   <a14:m>
                     <m:oMathPara xmlns:m="http://schemas.openxmlformats.org/officeDocument/2006/math">
                       <m:oMathParaPr>
@@ -17211,7 +17217,7 @@
               </p:txBody>
             </p:sp>
           </mc:Choice>
-          <mc:Fallback>
+          <mc:Fallback xmlns="">
             <p:sp>
               <p:nvSpPr>
                 <p:cNvPr id="398" name="TextBox 397"/>
@@ -17512,8 +17518,8 @@
             </a:fontRef>
           </p:style>
         </p:cxnSp>
-        <mc:AlternateContent xmlns:mc="http://schemas.openxmlformats.org/markup-compatibility/2006">
-          <mc:Choice xmlns:a14="http://schemas.microsoft.com/office/drawing/2010/main" Requires="a14">
+        <mc:AlternateContent xmlns:mc="http://schemas.openxmlformats.org/markup-compatibility/2006" xmlns:a14="http://schemas.microsoft.com/office/drawing/2010/main">
+          <mc:Choice Requires="a14">
             <p:sp>
               <p:nvSpPr>
                 <p:cNvPr id="431" name="TextBox 430"/>
@@ -17536,6 +17542,7 @@
                 </a:bodyPr>
                 <a:lstStyle/>
                 <a:p>
+                  <a:pPr/>
                   <a14:m>
                     <m:oMathPara xmlns:m="http://schemas.openxmlformats.org/officeDocument/2006/math">
                       <m:oMathParaPr>
@@ -17588,7 +17595,7 @@
               </p:txBody>
             </p:sp>
           </mc:Choice>
-          <mc:Fallback>
+          <mc:Fallback xmlns="">
             <p:sp>
               <p:nvSpPr>
                 <p:cNvPr id="431" name="TextBox 430"/>
@@ -17632,6 +17639,1703 @@
     <p:extLst>
       <p:ext uri="{BB962C8B-B14F-4D97-AF65-F5344CB8AC3E}">
         <p14:creationId xmlns:p14="http://schemas.microsoft.com/office/powerpoint/2010/main" val="1678360878"/>
+      </p:ext>
+    </p:extLst>
+  </p:cSld>
+  <p:clrMapOvr>
+    <a:masterClrMapping/>
+  </p:clrMapOvr>
+</p:sld>
+</file>
+
+<file path=ppt/slides/slide7.xml><?xml version="1.0" encoding="utf-8"?>
+<p:sld xmlns:a="http://schemas.openxmlformats.org/drawingml/2006/main" xmlns:r="http://schemas.openxmlformats.org/officeDocument/2006/relationships" xmlns:p="http://schemas.openxmlformats.org/presentationml/2006/main">
+  <p:cSld>
+    <p:spTree>
+      <p:nvGrpSpPr>
+        <p:cNvPr id="1" name=""/>
+        <p:cNvGrpSpPr/>
+        <p:nvPr/>
+      </p:nvGrpSpPr>
+      <p:grpSpPr>
+        <a:xfrm>
+          <a:off x="0" y="0"/>
+          <a:ext cx="0" cy="0"/>
+          <a:chOff x="0" y="0"/>
+          <a:chExt cx="0" cy="0"/>
+        </a:xfrm>
+      </p:grpSpPr>
+      <p:grpSp>
+        <p:nvGrpSpPr>
+          <p:cNvPr id="255" name="Group 254"/>
+          <p:cNvGrpSpPr/>
+          <p:nvPr/>
+        </p:nvGrpSpPr>
+        <p:grpSpPr>
+          <a:xfrm>
+            <a:off x="1789430" y="2012752"/>
+            <a:ext cx="5359385" cy="1204159"/>
+            <a:chOff x="1789430" y="2012752"/>
+            <a:chExt cx="5359385" cy="1204159"/>
+          </a:xfrm>
+        </p:grpSpPr>
+        <mc:AlternateContent xmlns:mc="http://schemas.openxmlformats.org/markup-compatibility/2006">
+          <mc:Choice xmlns:a14="http://schemas.microsoft.com/office/drawing/2010/main" Requires="a14">
+            <p:sp>
+              <p:nvSpPr>
+                <p:cNvPr id="101" name="Rounded Rectangle 100"/>
+                <p:cNvSpPr/>
+                <p:nvPr/>
+              </p:nvSpPr>
+              <p:spPr>
+                <a:xfrm>
+                  <a:off x="5349879" y="2637056"/>
+                  <a:ext cx="419100" cy="228600"/>
+                </a:xfrm>
+                <a:prstGeom prst="roundRect">
+                  <a:avLst>
+                    <a:gd name="adj" fmla="val 50000"/>
+                  </a:avLst>
+                </a:prstGeom>
+                <a:ln w="12700"/>
+              </p:spPr>
+              <p:style>
+                <a:lnRef idx="2">
+                  <a:schemeClr val="accent6">
+                    <a:shade val="50000"/>
+                  </a:schemeClr>
+                </a:lnRef>
+                <a:fillRef idx="1">
+                  <a:schemeClr val="accent6"/>
+                </a:fillRef>
+                <a:effectRef idx="0">
+                  <a:schemeClr val="accent6"/>
+                </a:effectRef>
+                <a:fontRef idx="minor">
+                  <a:schemeClr val="lt1"/>
+                </a:fontRef>
+              </p:style>
+              <p:txBody>
+                <a:bodyPr rtlCol="0" anchor="ctr"/>
+                <a:lstStyle/>
+                <a:p>
+                  <a:pPr algn="ctr"/>
+                  <a14:m>
+                    <m:oMathPara xmlns:m="http://schemas.openxmlformats.org/officeDocument/2006/math">
+                      <m:oMathParaPr>
+                        <m:jc m:val="centerGroup"/>
+                      </m:oMathParaPr>
+                      <m:oMath xmlns:m="http://schemas.openxmlformats.org/officeDocument/2006/math">
+                        <m:r>
+                          <a:rPr lang="en-US" sz="1600" b="0" i="0" smtClean="0">
+                            <a:latin typeface="Cambria Math"/>
+                          </a:rPr>
+                          <m:t>  </m:t>
+                        </m:r>
+                        <m:r>
+                          <m:rPr>
+                            <m:sty m:val="p"/>
+                          </m:rPr>
+                          <a:rPr lang="en-US" sz="1600" b="0" i="0" smtClean="0">
+                            <a:latin typeface="Cambria Math"/>
+                          </a:rPr>
+                          <m:t>Σ</m:t>
+                        </m:r>
+                      </m:oMath>
+                    </m:oMathPara>
+                  </a14:m>
+                  <a:endParaRPr lang="en-US" sz="1600" dirty="0"/>
+                </a:p>
+              </p:txBody>
+            </p:sp>
+          </mc:Choice>
+          <mc:Fallback>
+            <p:sp>
+              <p:nvSpPr>
+                <p:cNvPr id="101" name="Rounded Rectangle 100"/>
+                <p:cNvSpPr>
+                  <a:spLocks noRot="1" noChangeAspect="1" noMove="1" noResize="1" noEditPoints="1" noAdjustHandles="1" noChangeArrowheads="1" noChangeShapeType="1" noTextEdit="1"/>
+                </p:cNvSpPr>
+                <p:nvPr/>
+              </p:nvSpPr>
+              <p:spPr>
+                <a:xfrm>
+                  <a:off x="5349879" y="2637056"/>
+                  <a:ext cx="419100" cy="228600"/>
+                </a:xfrm>
+                <a:prstGeom prst="roundRect">
+                  <a:avLst>
+                    <a:gd name="adj" fmla="val 50000"/>
+                  </a:avLst>
+                </a:prstGeom>
+                <a:blipFill rotWithShape="1">
+                  <a:blip r:embed="rId2"/>
+                  <a:stretch>
+                    <a:fillRect b="-7692"/>
+                  </a:stretch>
+                </a:blipFill>
+                <a:ln w="12700"/>
+              </p:spPr>
+              <p:txBody>
+                <a:bodyPr/>
+                <a:lstStyle/>
+                <a:p>
+                  <a:r>
+                    <a:rPr lang="en-US">
+                      <a:noFill/>
+                    </a:rPr>
+                    <a:t> </a:t>
+                  </a:r>
+                </a:p>
+              </p:txBody>
+            </p:sp>
+          </mc:Fallback>
+        </mc:AlternateContent>
+        <p:sp>
+          <p:nvSpPr>
+            <p:cNvPr id="65" name="Rounded Rectangle 64"/>
+            <p:cNvSpPr/>
+            <p:nvPr/>
+          </p:nvSpPr>
+          <p:spPr>
+            <a:xfrm>
+              <a:off x="3178179" y="2637062"/>
+              <a:ext cx="1117604" cy="228600"/>
+            </a:xfrm>
+            <a:prstGeom prst="roundRect">
+              <a:avLst>
+                <a:gd name="adj" fmla="val 50000"/>
+              </a:avLst>
+            </a:prstGeom>
+            <a:ln w="12700"/>
+          </p:spPr>
+          <p:style>
+            <a:lnRef idx="2">
+              <a:schemeClr val="accent6">
+                <a:shade val="50000"/>
+              </a:schemeClr>
+            </a:lnRef>
+            <a:fillRef idx="1">
+              <a:schemeClr val="accent6"/>
+            </a:fillRef>
+            <a:effectRef idx="0">
+              <a:schemeClr val="accent6"/>
+            </a:effectRef>
+            <a:fontRef idx="minor">
+              <a:schemeClr val="lt1"/>
+            </a:fontRef>
+          </p:style>
+          <p:txBody>
+            <a:bodyPr rtlCol="0" anchor="ctr"/>
+            <a:lstStyle/>
+            <a:p>
+              <a:pPr algn="ctr"/>
+              <a:r>
+                <a:rPr lang="en-US" sz="1600" dirty="0" smtClean="0"/>
+                <a:t>Output</a:t>
+              </a:r>
+              <a:endParaRPr lang="en-US" sz="1600" dirty="0"/>
+            </a:p>
+          </p:txBody>
+        </p:sp>
+        <mc:AlternateContent xmlns:mc="http://schemas.openxmlformats.org/markup-compatibility/2006">
+          <mc:Choice xmlns:a14="http://schemas.microsoft.com/office/drawing/2010/main" Requires="a14">
+            <p:sp>
+              <p:nvSpPr>
+                <p:cNvPr id="63" name="Rounded Rectangle 62"/>
+                <p:cNvSpPr/>
+                <p:nvPr/>
+              </p:nvSpPr>
+              <p:spPr>
+                <a:xfrm>
+                  <a:off x="3178179" y="2351306"/>
+                  <a:ext cx="419100" cy="228600"/>
+                </a:xfrm>
+                <a:prstGeom prst="roundRect">
+                  <a:avLst>
+                    <a:gd name="adj" fmla="val 50000"/>
+                  </a:avLst>
+                </a:prstGeom>
+                <a:ln w="12700"/>
+              </p:spPr>
+              <p:style>
+                <a:lnRef idx="2">
+                  <a:schemeClr val="accent1">
+                    <a:shade val="50000"/>
+                  </a:schemeClr>
+                </a:lnRef>
+                <a:fillRef idx="1">
+                  <a:schemeClr val="accent1"/>
+                </a:fillRef>
+                <a:effectRef idx="0">
+                  <a:schemeClr val="accent1"/>
+                </a:effectRef>
+                <a:fontRef idx="minor">
+                  <a:schemeClr val="lt1"/>
+                </a:fontRef>
+              </p:style>
+              <p:txBody>
+                <a:bodyPr rtlCol="0" anchor="ctr"/>
+                <a:lstStyle/>
+                <a:p>
+                  <a:pPr algn="ctr"/>
+                  <a14:m>
+                    <m:oMathPara xmlns:m="http://schemas.openxmlformats.org/officeDocument/2006/math">
+                      <m:oMathParaPr>
+                        <m:jc m:val="centerGroup"/>
+                      </m:oMathParaPr>
+                      <m:oMath xmlns:m="http://schemas.openxmlformats.org/officeDocument/2006/math">
+                        <m:r>
+                          <m:rPr>
+                            <m:sty m:val="p"/>
+                          </m:rPr>
+                          <a:rPr lang="en-US" sz="1600" b="0" i="0" smtClean="0">
+                            <a:latin typeface="Cambria Math"/>
+                          </a:rPr>
+                          <m:t>Σ</m:t>
+                        </m:r>
+                      </m:oMath>
+                    </m:oMathPara>
+                  </a14:m>
+                  <a:endParaRPr lang="en-US" sz="1600" dirty="0"/>
+                </a:p>
+              </p:txBody>
+            </p:sp>
+          </mc:Choice>
+          <mc:Fallback>
+            <p:sp>
+              <p:nvSpPr>
+                <p:cNvPr id="63" name="Rounded Rectangle 62"/>
+                <p:cNvSpPr>
+                  <a:spLocks noRot="1" noChangeAspect="1" noMove="1" noResize="1" noEditPoints="1" noAdjustHandles="1" noChangeArrowheads="1" noChangeShapeType="1" noTextEdit="1"/>
+                </p:cNvSpPr>
+                <p:nvPr/>
+              </p:nvSpPr>
+              <p:spPr>
+                <a:xfrm>
+                  <a:off x="3178179" y="2351306"/>
+                  <a:ext cx="419100" cy="228600"/>
+                </a:xfrm>
+                <a:prstGeom prst="roundRect">
+                  <a:avLst>
+                    <a:gd name="adj" fmla="val 50000"/>
+                  </a:avLst>
+                </a:prstGeom>
+                <a:blipFill rotWithShape="1">
+                  <a:blip r:embed="rId3"/>
+                  <a:stretch>
+                    <a:fillRect b="-7692"/>
+                  </a:stretch>
+                </a:blipFill>
+                <a:ln w="12700"/>
+              </p:spPr>
+              <p:txBody>
+                <a:bodyPr/>
+                <a:lstStyle/>
+                <a:p>
+                  <a:r>
+                    <a:rPr lang="en-US">
+                      <a:noFill/>
+                    </a:rPr>
+                    <a:t> </a:t>
+                  </a:r>
+                </a:p>
+              </p:txBody>
+            </p:sp>
+          </mc:Fallback>
+        </mc:AlternateContent>
+        <p:sp>
+          <p:nvSpPr>
+            <p:cNvPr id="6" name="Rounded Rectangle 5"/>
+            <p:cNvSpPr/>
+            <p:nvPr/>
+          </p:nvSpPr>
+          <p:spPr>
+            <a:xfrm>
+              <a:off x="4670429" y="2351306"/>
+              <a:ext cx="1098550" cy="228600"/>
+            </a:xfrm>
+            <a:prstGeom prst="roundRect">
+              <a:avLst>
+                <a:gd name="adj" fmla="val 50000"/>
+              </a:avLst>
+            </a:prstGeom>
+            <a:ln w="12700"/>
+          </p:spPr>
+          <p:style>
+            <a:lnRef idx="2">
+              <a:schemeClr val="accent1">
+                <a:shade val="50000"/>
+              </a:schemeClr>
+            </a:lnRef>
+            <a:fillRef idx="1">
+              <a:schemeClr val="accent1"/>
+            </a:fillRef>
+            <a:effectRef idx="0">
+              <a:schemeClr val="accent1"/>
+            </a:effectRef>
+            <a:fontRef idx="minor">
+              <a:schemeClr val="lt1"/>
+            </a:fontRef>
+          </p:style>
+          <p:txBody>
+            <a:bodyPr rtlCol="0" anchor="ctr"/>
+            <a:lstStyle/>
+            <a:p>
+              <a:pPr algn="ctr"/>
+              <a:r>
+                <a:rPr lang="en-US" sz="1600" dirty="0" smtClean="0"/>
+                <a:t>Output</a:t>
+              </a:r>
+              <a:endParaRPr lang="en-US" sz="1600" dirty="0"/>
+            </a:p>
+          </p:txBody>
+        </p:sp>
+        <mc:AlternateContent xmlns:mc="http://schemas.openxmlformats.org/markup-compatibility/2006">
+          <mc:Choice xmlns:a14="http://schemas.microsoft.com/office/drawing/2010/main" Requires="a14">
+            <p:sp>
+              <p:nvSpPr>
+                <p:cNvPr id="4" name="Rectangle 3"/>
+                <p:cNvSpPr/>
+                <p:nvPr/>
+              </p:nvSpPr>
+              <p:spPr>
+                <a:xfrm>
+                  <a:off x="4181479" y="2351306"/>
+                  <a:ext cx="609600" cy="228600"/>
+                </a:xfrm>
+                <a:prstGeom prst="rect">
+                  <a:avLst/>
+                </a:prstGeom>
+                <a:ln w="12700"/>
+              </p:spPr>
+              <p:style>
+                <a:lnRef idx="2">
+                  <a:schemeClr val="accent1">
+                    <a:shade val="50000"/>
+                  </a:schemeClr>
+                </a:lnRef>
+                <a:fillRef idx="1">
+                  <a:schemeClr val="accent1"/>
+                </a:fillRef>
+                <a:effectRef idx="0">
+                  <a:schemeClr val="accent1"/>
+                </a:effectRef>
+                <a:fontRef idx="minor">
+                  <a:schemeClr val="lt1"/>
+                </a:fontRef>
+              </p:style>
+              <p:txBody>
+                <a:bodyPr rtlCol="0" anchor="ctr"/>
+                <a:lstStyle/>
+                <a:p>
+                  <a:pPr algn="ctr"/>
+                  <a14:m>
+                    <m:oMathPara xmlns:m="http://schemas.openxmlformats.org/officeDocument/2006/math">
+                      <m:oMathParaPr>
+                        <m:jc m:val="centerGroup"/>
+                      </m:oMathParaPr>
+                      <m:oMath xmlns:m="http://schemas.openxmlformats.org/officeDocument/2006/math">
+                        <m:r>
+                          <a:rPr lang="en-US" sz="1600" b="0" i="1" smtClean="0">
+                            <a:latin typeface="Cambria Math"/>
+                          </a:rPr>
+                          <m:t>𝑓</m:t>
+                        </m:r>
+                        <m:d>
+                          <m:dPr>
+                            <m:ctrlPr>
+                              <a:rPr lang="en-US" sz="1600" b="0" i="1" smtClean="0">
+                                <a:latin typeface="Cambria Math"/>
+                              </a:rPr>
+                            </m:ctrlPr>
+                          </m:dPr>
+                          <m:e>
+                            <m:r>
+                              <a:rPr lang="en-US" sz="1600" b="0" i="1" smtClean="0">
+                                <a:latin typeface="Cambria Math"/>
+                                <a:ea typeface="Cambria Math"/>
+                              </a:rPr>
+                              <m:t>∙</m:t>
+                            </m:r>
+                          </m:e>
+                        </m:d>
+                      </m:oMath>
+                    </m:oMathPara>
+                  </a14:m>
+                  <a:endParaRPr lang="en-US" sz="1600" dirty="0"/>
+                </a:p>
+              </p:txBody>
+            </p:sp>
+          </mc:Choice>
+          <mc:Fallback>
+            <p:sp>
+              <p:nvSpPr>
+                <p:cNvPr id="4" name="Rectangle 3"/>
+                <p:cNvSpPr>
+                  <a:spLocks noRot="1" noChangeAspect="1" noMove="1" noResize="1" noEditPoints="1" noAdjustHandles="1" noChangeArrowheads="1" noChangeShapeType="1" noTextEdit="1"/>
+                </p:cNvSpPr>
+                <p:nvPr/>
+              </p:nvSpPr>
+              <p:spPr>
+                <a:xfrm>
+                  <a:off x="4181479" y="2351306"/>
+                  <a:ext cx="609600" cy="228600"/>
+                </a:xfrm>
+                <a:prstGeom prst="rect">
+                  <a:avLst/>
+                </a:prstGeom>
+                <a:blipFill rotWithShape="1">
+                  <a:blip r:embed="rId4"/>
+                  <a:stretch>
+                    <a:fillRect b="-35897"/>
+                  </a:stretch>
+                </a:blipFill>
+                <a:ln w="12700"/>
+              </p:spPr>
+              <p:txBody>
+                <a:bodyPr/>
+                <a:lstStyle/>
+                <a:p>
+                  <a:r>
+                    <a:rPr lang="en-US">
+                      <a:noFill/>
+                    </a:rPr>
+                    <a:t> </a:t>
+                  </a:r>
+                </a:p>
+              </p:txBody>
+            </p:sp>
+          </mc:Fallback>
+        </mc:AlternateContent>
+        <mc:AlternateContent xmlns:mc="http://schemas.openxmlformats.org/markup-compatibility/2006">
+          <mc:Choice xmlns:a14="http://schemas.microsoft.com/office/drawing/2010/main" Requires="a14">
+            <p:sp>
+              <p:nvSpPr>
+                <p:cNvPr id="5" name="Rectangle 4"/>
+                <p:cNvSpPr/>
+                <p:nvPr/>
+              </p:nvSpPr>
+              <p:spPr>
+                <a:xfrm>
+                  <a:off x="4181479" y="2637062"/>
+                  <a:ext cx="609600" cy="228600"/>
+                </a:xfrm>
+                <a:prstGeom prst="rect">
+                  <a:avLst/>
+                </a:prstGeom>
+                <a:ln w="12700"/>
+              </p:spPr>
+              <p:style>
+                <a:lnRef idx="2">
+                  <a:schemeClr val="accent6">
+                    <a:shade val="50000"/>
+                  </a:schemeClr>
+                </a:lnRef>
+                <a:fillRef idx="1">
+                  <a:schemeClr val="accent6"/>
+                </a:fillRef>
+                <a:effectRef idx="0">
+                  <a:schemeClr val="accent6"/>
+                </a:effectRef>
+                <a:fontRef idx="minor">
+                  <a:schemeClr val="lt1"/>
+                </a:fontRef>
+              </p:style>
+              <p:txBody>
+                <a:bodyPr rtlCol="0" anchor="ctr"/>
+                <a:lstStyle/>
+                <a:p>
+                  <a:pPr algn="ctr"/>
+                  <a14:m>
+                    <m:oMathPara xmlns:m="http://schemas.openxmlformats.org/officeDocument/2006/math">
+                      <m:oMathParaPr>
+                        <m:jc m:val="centerGroup"/>
+                      </m:oMathParaPr>
+                      <m:oMath xmlns:m="http://schemas.openxmlformats.org/officeDocument/2006/math">
+                        <m:sSup>
+                          <m:sSupPr>
+                            <m:ctrlPr>
+                              <a:rPr lang="en-US" sz="1600" b="0" i="1" smtClean="0">
+                                <a:latin typeface="Cambria Math"/>
+                              </a:rPr>
+                            </m:ctrlPr>
+                          </m:sSupPr>
+                          <m:e>
+                            <m:r>
+                              <a:rPr lang="en-US" sz="1600" b="0" i="1" smtClean="0">
+                                <a:latin typeface="Cambria Math"/>
+                              </a:rPr>
+                              <m:t>𝑓</m:t>
+                            </m:r>
+                          </m:e>
+                          <m:sup>
+                            <m:r>
+                              <a:rPr lang="en-US" sz="1600" b="0" i="1" smtClean="0">
+                                <a:latin typeface="Cambria Math"/>
+                              </a:rPr>
+                              <m:t>′</m:t>
+                            </m:r>
+                          </m:sup>
+                        </m:sSup>
+                        <m:d>
+                          <m:dPr>
+                            <m:ctrlPr>
+                              <a:rPr lang="en-US" sz="1600" b="0" i="1" smtClean="0">
+                                <a:latin typeface="Cambria Math"/>
+                              </a:rPr>
+                            </m:ctrlPr>
+                          </m:dPr>
+                          <m:e>
+                            <m:r>
+                              <a:rPr lang="en-US" sz="1600" b="0" i="1" smtClean="0">
+                                <a:latin typeface="Cambria Math"/>
+                                <a:ea typeface="Cambria Math"/>
+                              </a:rPr>
+                              <m:t>∙</m:t>
+                            </m:r>
+                          </m:e>
+                        </m:d>
+                      </m:oMath>
+                    </m:oMathPara>
+                  </a14:m>
+                  <a:endParaRPr lang="en-US" sz="1600" dirty="0"/>
+                </a:p>
+              </p:txBody>
+            </p:sp>
+          </mc:Choice>
+          <mc:Fallback>
+            <p:sp>
+              <p:nvSpPr>
+                <p:cNvPr id="5" name="Rectangle 4"/>
+                <p:cNvSpPr>
+                  <a:spLocks noRot="1" noChangeAspect="1" noMove="1" noResize="1" noEditPoints="1" noAdjustHandles="1" noChangeArrowheads="1" noChangeShapeType="1" noTextEdit="1"/>
+                </p:cNvSpPr>
+                <p:nvPr/>
+              </p:nvSpPr>
+              <p:spPr>
+                <a:xfrm>
+                  <a:off x="4181479" y="2637062"/>
+                  <a:ext cx="609600" cy="228600"/>
+                </a:xfrm>
+                <a:prstGeom prst="rect">
+                  <a:avLst/>
+                </a:prstGeom>
+                <a:blipFill rotWithShape="1">
+                  <a:blip r:embed="rId5"/>
+                  <a:stretch>
+                    <a:fillRect l="-980" b="-35897"/>
+                  </a:stretch>
+                </a:blipFill>
+                <a:ln w="12700"/>
+              </p:spPr>
+              <p:txBody>
+                <a:bodyPr/>
+                <a:lstStyle/>
+                <a:p>
+                  <a:r>
+                    <a:rPr lang="en-US">
+                      <a:noFill/>
+                    </a:rPr>
+                    <a:t> </a:t>
+                  </a:r>
+                </a:p>
+              </p:txBody>
+            </p:sp>
+          </mc:Fallback>
+        </mc:AlternateContent>
+        <p:sp>
+          <p:nvSpPr>
+            <p:cNvPr id="69" name="TextBox 68"/>
+            <p:cNvSpPr txBox="1"/>
+            <p:nvPr/>
+          </p:nvSpPr>
+          <p:spPr>
+            <a:xfrm>
+              <a:off x="2562221" y="2654096"/>
+              <a:ext cx="430887" cy="243310"/>
+            </a:xfrm>
+            <a:prstGeom prst="rect">
+              <a:avLst/>
+            </a:prstGeom>
+            <a:noFill/>
+          </p:spPr>
+          <p:txBody>
+            <a:bodyPr vert="vert" wrap="square" rtlCol="0">
+              <a:spAutoFit/>
+            </a:bodyPr>
+            <a:lstStyle/>
+            <a:p>
+              <a:pPr algn="ctr"/>
+              <a:r>
+                <a:rPr lang="en-US" sz="1600" dirty="0" smtClean="0"/>
+                <a:t>…</a:t>
+              </a:r>
+              <a:endParaRPr lang="en-US" sz="1600" dirty="0"/>
+            </a:p>
+          </p:txBody>
+        </p:sp>
+        <p:sp>
+          <p:nvSpPr>
+            <p:cNvPr id="77" name="TextBox 76"/>
+            <p:cNvSpPr txBox="1"/>
+            <p:nvPr/>
+          </p:nvSpPr>
+          <p:spPr>
+            <a:xfrm>
+              <a:off x="6091244" y="2654096"/>
+              <a:ext cx="430887" cy="243310"/>
+            </a:xfrm>
+            <a:prstGeom prst="rect">
+              <a:avLst/>
+            </a:prstGeom>
+            <a:noFill/>
+          </p:spPr>
+          <p:txBody>
+            <a:bodyPr vert="vert" wrap="square" rtlCol="0">
+              <a:spAutoFit/>
+            </a:bodyPr>
+            <a:lstStyle/>
+            <a:p>
+              <a:pPr algn="ctr"/>
+              <a:r>
+                <a:rPr lang="en-US" sz="1600" dirty="0" smtClean="0"/>
+                <a:t>…</a:t>
+              </a:r>
+              <a:endParaRPr lang="en-US" sz="1600" dirty="0"/>
+            </a:p>
+          </p:txBody>
+        </p:sp>
+        <p:cxnSp>
+          <p:nvCxnSpPr>
+            <p:cNvPr id="8" name="Straight Arrow Connector 7"/>
+            <p:cNvCxnSpPr>
+              <a:stCxn id="118" idx="3"/>
+              <a:endCxn id="63" idx="1"/>
+            </p:cNvCxnSpPr>
+            <p:nvPr/>
+          </p:nvCxnSpPr>
+          <p:spPr>
+            <a:xfrm>
+              <a:off x="2835270" y="2217956"/>
+              <a:ext cx="342909" cy="247650"/>
+            </a:xfrm>
+            <a:prstGeom prst="straightConnector1">
+              <a:avLst/>
+            </a:prstGeom>
+            <a:ln w="12700">
+              <a:headEnd type="none" w="med" len="med"/>
+              <a:tailEnd type="triangle" w="med" len="med"/>
+            </a:ln>
+          </p:spPr>
+          <p:style>
+            <a:lnRef idx="1">
+              <a:schemeClr val="accent1"/>
+            </a:lnRef>
+            <a:fillRef idx="0">
+              <a:schemeClr val="accent1"/>
+            </a:fillRef>
+            <a:effectRef idx="0">
+              <a:schemeClr val="accent1"/>
+            </a:effectRef>
+            <a:fontRef idx="minor">
+              <a:schemeClr val="tx1"/>
+            </a:fontRef>
+          </p:style>
+        </p:cxnSp>
+        <p:cxnSp>
+          <p:nvCxnSpPr>
+            <p:cNvPr id="80" name="Straight Arrow Connector 79"/>
+            <p:cNvCxnSpPr>
+              <a:stCxn id="127" idx="3"/>
+              <a:endCxn id="63" idx="1"/>
+            </p:cNvCxnSpPr>
+            <p:nvPr/>
+          </p:nvCxnSpPr>
+          <p:spPr>
+            <a:xfrm flipV="1">
+              <a:off x="2835270" y="2465606"/>
+              <a:ext cx="342909" cy="57150"/>
+            </a:xfrm>
+            <a:prstGeom prst="straightConnector1">
+              <a:avLst/>
+            </a:prstGeom>
+            <a:ln w="12700">
+              <a:headEnd type="none" w="med" len="med"/>
+              <a:tailEnd type="triangle" w="med" len="med"/>
+            </a:ln>
+          </p:spPr>
+          <p:style>
+            <a:lnRef idx="1">
+              <a:schemeClr val="accent1"/>
+            </a:lnRef>
+            <a:fillRef idx="0">
+              <a:schemeClr val="accent1"/>
+            </a:fillRef>
+            <a:effectRef idx="0">
+              <a:schemeClr val="accent1"/>
+            </a:effectRef>
+            <a:fontRef idx="minor">
+              <a:schemeClr val="tx1"/>
+            </a:fontRef>
+          </p:style>
+        </p:cxnSp>
+        <p:cxnSp>
+          <p:nvCxnSpPr>
+            <p:cNvPr id="84" name="Straight Arrow Connector 83"/>
+            <p:cNvCxnSpPr>
+              <a:stCxn id="129" idx="3"/>
+              <a:endCxn id="63" idx="1"/>
+            </p:cNvCxnSpPr>
+            <p:nvPr/>
+          </p:nvCxnSpPr>
+          <p:spPr>
+            <a:xfrm flipV="1">
+              <a:off x="2835270" y="2465606"/>
+              <a:ext cx="342909" cy="559336"/>
+            </a:xfrm>
+            <a:prstGeom prst="straightConnector1">
+              <a:avLst/>
+            </a:prstGeom>
+            <a:ln w="12700">
+              <a:headEnd type="none" w="med" len="med"/>
+              <a:tailEnd type="triangle" w="med" len="med"/>
+            </a:ln>
+          </p:spPr>
+          <p:style>
+            <a:lnRef idx="1">
+              <a:schemeClr val="accent1"/>
+            </a:lnRef>
+            <a:fillRef idx="0">
+              <a:schemeClr val="accent1"/>
+            </a:fillRef>
+            <a:effectRef idx="0">
+              <a:schemeClr val="accent1"/>
+            </a:effectRef>
+            <a:fontRef idx="minor">
+              <a:schemeClr val="tx1"/>
+            </a:fontRef>
+          </p:style>
+        </p:cxnSp>
+        <p:cxnSp>
+          <p:nvCxnSpPr>
+            <p:cNvPr id="87" name="Straight Arrow Connector 86"/>
+            <p:cNvCxnSpPr>
+              <a:endCxn id="101" idx="3"/>
+            </p:cNvCxnSpPr>
+            <p:nvPr/>
+          </p:nvCxnSpPr>
+          <p:spPr>
+            <a:xfrm flipH="1">
+              <a:off x="5768979" y="2217956"/>
+              <a:ext cx="366715" cy="533400"/>
+            </a:xfrm>
+            <a:prstGeom prst="straightConnector1">
+              <a:avLst/>
+            </a:prstGeom>
+            <a:ln w="12700">
+              <a:headEnd type="none" w="med" len="med"/>
+              <a:tailEnd type="triangle" w="med" len="med"/>
+            </a:ln>
+          </p:spPr>
+          <p:style>
+            <a:lnRef idx="1">
+              <a:schemeClr val="accent6"/>
+            </a:lnRef>
+            <a:fillRef idx="0">
+              <a:schemeClr val="accent6"/>
+            </a:fillRef>
+            <a:effectRef idx="0">
+              <a:schemeClr val="accent6"/>
+            </a:effectRef>
+            <a:fontRef idx="minor">
+              <a:schemeClr val="tx1"/>
+            </a:fontRef>
+          </p:style>
+        </p:cxnSp>
+        <p:cxnSp>
+          <p:nvCxnSpPr>
+            <p:cNvPr id="90" name="Straight Arrow Connector 89"/>
+            <p:cNvCxnSpPr>
+              <a:endCxn id="101" idx="3"/>
+            </p:cNvCxnSpPr>
+            <p:nvPr/>
+          </p:nvCxnSpPr>
+          <p:spPr>
+            <a:xfrm flipH="1">
+              <a:off x="5768979" y="2522756"/>
+              <a:ext cx="366715" cy="228600"/>
+            </a:xfrm>
+            <a:prstGeom prst="straightConnector1">
+              <a:avLst/>
+            </a:prstGeom>
+            <a:ln w="12700">
+              <a:headEnd type="none" w="med" len="med"/>
+              <a:tailEnd type="triangle" w="med" len="med"/>
+            </a:ln>
+          </p:spPr>
+          <p:style>
+            <a:lnRef idx="1">
+              <a:schemeClr val="accent6"/>
+            </a:lnRef>
+            <a:fillRef idx="0">
+              <a:schemeClr val="accent6"/>
+            </a:fillRef>
+            <a:effectRef idx="0">
+              <a:schemeClr val="accent6"/>
+            </a:effectRef>
+            <a:fontRef idx="minor">
+              <a:schemeClr val="tx1"/>
+            </a:fontRef>
+          </p:style>
+        </p:cxnSp>
+        <p:cxnSp>
+          <p:nvCxnSpPr>
+            <p:cNvPr id="93" name="Straight Arrow Connector 92"/>
+            <p:cNvCxnSpPr>
+              <a:stCxn id="136" idx="1"/>
+              <a:endCxn id="101" idx="3"/>
+            </p:cNvCxnSpPr>
+            <p:nvPr/>
+          </p:nvCxnSpPr>
+          <p:spPr>
+            <a:xfrm flipH="1" flipV="1">
+              <a:off x="5768979" y="2751356"/>
+              <a:ext cx="366715" cy="273050"/>
+            </a:xfrm>
+            <a:prstGeom prst="straightConnector1">
+              <a:avLst/>
+            </a:prstGeom>
+            <a:ln w="12700">
+              <a:headEnd type="none" w="med" len="med"/>
+              <a:tailEnd type="triangle" w="med" len="med"/>
+            </a:ln>
+          </p:spPr>
+          <p:style>
+            <a:lnRef idx="1">
+              <a:schemeClr val="accent6"/>
+            </a:lnRef>
+            <a:fillRef idx="0">
+              <a:schemeClr val="accent6"/>
+            </a:fillRef>
+            <a:effectRef idx="0">
+              <a:schemeClr val="accent6"/>
+            </a:effectRef>
+            <a:fontRef idx="minor">
+              <a:schemeClr val="tx1"/>
+            </a:fontRef>
+          </p:style>
+        </p:cxnSp>
+        <p:sp>
+          <p:nvSpPr>
+            <p:cNvPr id="96" name="Rectangle 95"/>
+            <p:cNvSpPr/>
+            <p:nvPr/>
+          </p:nvSpPr>
+          <p:spPr>
+            <a:xfrm>
+              <a:off x="3502029" y="2351306"/>
+              <a:ext cx="679450" cy="228600"/>
+            </a:xfrm>
+            <a:prstGeom prst="rect">
+              <a:avLst/>
+            </a:prstGeom>
+            <a:ln w="12700"/>
+          </p:spPr>
+          <p:style>
+            <a:lnRef idx="2">
+              <a:schemeClr val="accent1">
+                <a:shade val="50000"/>
+              </a:schemeClr>
+            </a:lnRef>
+            <a:fillRef idx="1">
+              <a:schemeClr val="accent1"/>
+            </a:fillRef>
+            <a:effectRef idx="0">
+              <a:schemeClr val="accent1"/>
+            </a:effectRef>
+            <a:fontRef idx="minor">
+              <a:schemeClr val="lt1"/>
+            </a:fontRef>
+          </p:style>
+          <p:txBody>
+            <a:bodyPr rtlCol="0" anchor="ctr"/>
+            <a:lstStyle/>
+            <a:p>
+              <a:pPr algn="ctr"/>
+              <a:r>
+                <a:rPr lang="en-US" sz="1600" dirty="0" smtClean="0"/>
+                <a:t>Input</a:t>
+              </a:r>
+              <a:endParaRPr lang="en-US" sz="1600" dirty="0"/>
+            </a:p>
+          </p:txBody>
+        </p:sp>
+        <p:sp>
+          <p:nvSpPr>
+            <p:cNvPr id="100" name="Rectangle 99"/>
+            <p:cNvSpPr/>
+            <p:nvPr/>
+          </p:nvSpPr>
+          <p:spPr>
+            <a:xfrm>
+              <a:off x="4791079" y="2637056"/>
+              <a:ext cx="679450" cy="228600"/>
+            </a:xfrm>
+            <a:prstGeom prst="rect">
+              <a:avLst/>
+            </a:prstGeom>
+            <a:ln w="12700"/>
+          </p:spPr>
+          <p:style>
+            <a:lnRef idx="2">
+              <a:schemeClr val="accent6">
+                <a:shade val="50000"/>
+              </a:schemeClr>
+            </a:lnRef>
+            <a:fillRef idx="1">
+              <a:schemeClr val="accent6"/>
+            </a:fillRef>
+            <a:effectRef idx="0">
+              <a:schemeClr val="accent6"/>
+            </a:effectRef>
+            <a:fontRef idx="minor">
+              <a:schemeClr val="lt1"/>
+            </a:fontRef>
+          </p:style>
+          <p:txBody>
+            <a:bodyPr rtlCol="0" anchor="ctr"/>
+            <a:lstStyle/>
+            <a:p>
+              <a:pPr algn="ctr"/>
+              <a:r>
+                <a:rPr lang="en-US" sz="1600" dirty="0" smtClean="0"/>
+                <a:t>Input</a:t>
+              </a:r>
+              <a:endParaRPr lang="en-US" sz="1600" dirty="0"/>
+            </a:p>
+          </p:txBody>
+        </p:sp>
+        <p:sp>
+          <p:nvSpPr>
+            <p:cNvPr id="26" name="TextBox 25"/>
+            <p:cNvSpPr txBox="1"/>
+            <p:nvPr/>
+          </p:nvSpPr>
+          <p:spPr>
+            <a:xfrm>
+              <a:off x="3813787" y="2012752"/>
+              <a:ext cx="1344984" cy="338554"/>
+            </a:xfrm>
+            <a:prstGeom prst="rect">
+              <a:avLst/>
+            </a:prstGeom>
+            <a:noFill/>
+          </p:spPr>
+          <p:txBody>
+            <a:bodyPr wrap="none" rtlCol="0">
+              <a:spAutoFit/>
+            </a:bodyPr>
+            <a:lstStyle/>
+            <a:p>
+              <a:r>
+                <a:rPr lang="en-US" sz="1600" dirty="0" smtClean="0"/>
+                <a:t>Feed-Forward</a:t>
+              </a:r>
+              <a:endParaRPr lang="en-US" sz="1600" dirty="0"/>
+            </a:p>
+          </p:txBody>
+        </p:sp>
+        <p:cxnSp>
+          <p:nvCxnSpPr>
+            <p:cNvPr id="28" name="Straight Arrow Connector 27"/>
+            <p:cNvCxnSpPr/>
+            <p:nvPr/>
+          </p:nvCxnSpPr>
+          <p:spPr>
+            <a:xfrm>
+              <a:off x="3663489" y="2292251"/>
+              <a:ext cx="1645579" cy="0"/>
+            </a:xfrm>
+            <a:prstGeom prst="straightConnector1">
+              <a:avLst/>
+            </a:prstGeom>
+            <a:ln w="12700">
+              <a:headEnd type="none" w="med" len="med"/>
+              <a:tailEnd type="triangle" w="med" len="med"/>
+            </a:ln>
+          </p:spPr>
+          <p:style>
+            <a:lnRef idx="1">
+              <a:schemeClr val="accent1"/>
+            </a:lnRef>
+            <a:fillRef idx="0">
+              <a:schemeClr val="accent1"/>
+            </a:fillRef>
+            <a:effectRef idx="0">
+              <a:schemeClr val="accent1"/>
+            </a:effectRef>
+            <a:fontRef idx="minor">
+              <a:schemeClr val="tx1"/>
+            </a:fontRef>
+          </p:style>
+        </p:cxnSp>
+        <p:sp>
+          <p:nvSpPr>
+            <p:cNvPr id="112" name="TextBox 111"/>
+            <p:cNvSpPr txBox="1"/>
+            <p:nvPr/>
+          </p:nvSpPr>
+          <p:spPr>
+            <a:xfrm>
+              <a:off x="3663489" y="2865656"/>
+              <a:ext cx="1645579" cy="338554"/>
+            </a:xfrm>
+            <a:prstGeom prst="rect">
+              <a:avLst/>
+            </a:prstGeom>
+            <a:noFill/>
+          </p:spPr>
+          <p:txBody>
+            <a:bodyPr wrap="none" rtlCol="0">
+              <a:spAutoFit/>
+            </a:bodyPr>
+            <a:lstStyle/>
+            <a:p>
+              <a:r>
+                <a:rPr lang="en-US" sz="1600" dirty="0" smtClean="0"/>
+                <a:t>Back-Propagation</a:t>
+              </a:r>
+              <a:endParaRPr lang="en-US" sz="1600" dirty="0"/>
+            </a:p>
+          </p:txBody>
+        </p:sp>
+        <p:cxnSp>
+          <p:nvCxnSpPr>
+            <p:cNvPr id="113" name="Straight Arrow Connector 112"/>
+            <p:cNvCxnSpPr/>
+            <p:nvPr/>
+          </p:nvCxnSpPr>
+          <p:spPr>
+            <a:xfrm flipH="1">
+              <a:off x="3663489" y="2924711"/>
+              <a:ext cx="1645579" cy="0"/>
+            </a:xfrm>
+            <a:prstGeom prst="straightConnector1">
+              <a:avLst/>
+            </a:prstGeom>
+            <a:ln w="12700">
+              <a:headEnd type="none" w="med" len="med"/>
+              <a:tailEnd type="triangle" w="med" len="med"/>
+            </a:ln>
+          </p:spPr>
+          <p:style>
+            <a:lnRef idx="1">
+              <a:schemeClr val="accent6"/>
+            </a:lnRef>
+            <a:fillRef idx="0">
+              <a:schemeClr val="accent6"/>
+            </a:fillRef>
+            <a:effectRef idx="0">
+              <a:schemeClr val="accent6"/>
+            </a:effectRef>
+            <a:fontRef idx="minor">
+              <a:schemeClr val="tx1"/>
+            </a:fontRef>
+          </p:style>
+        </p:cxnSp>
+        <p:sp>
+          <p:nvSpPr>
+            <p:cNvPr id="118" name="Rounded Rectangle 117"/>
+            <p:cNvSpPr/>
+            <p:nvPr/>
+          </p:nvSpPr>
+          <p:spPr>
+            <a:xfrm>
+              <a:off x="1797050" y="2103656"/>
+              <a:ext cx="1038220" cy="228600"/>
+            </a:xfrm>
+            <a:prstGeom prst="roundRect">
+              <a:avLst>
+                <a:gd name="adj" fmla="val 50000"/>
+              </a:avLst>
+            </a:prstGeom>
+            <a:ln w="12700"/>
+          </p:spPr>
+          <p:style>
+            <a:lnRef idx="2">
+              <a:schemeClr val="accent1">
+                <a:shade val="50000"/>
+              </a:schemeClr>
+            </a:lnRef>
+            <a:fillRef idx="1">
+              <a:schemeClr val="accent1"/>
+            </a:fillRef>
+            <a:effectRef idx="0">
+              <a:schemeClr val="accent1"/>
+            </a:effectRef>
+            <a:fontRef idx="minor">
+              <a:schemeClr val="lt1"/>
+            </a:fontRef>
+          </p:style>
+          <p:txBody>
+            <a:bodyPr rtlCol="0" anchor="ctr"/>
+            <a:lstStyle/>
+            <a:p>
+              <a:pPr algn="ctr"/>
+              <a:r>
+                <a:rPr lang="en-US" sz="1600" dirty="0" smtClean="0"/>
+                <a:t>   Output</a:t>
+              </a:r>
+              <a:endParaRPr lang="en-US" sz="1600" dirty="0"/>
+            </a:p>
+          </p:txBody>
+        </p:sp>
+        <p:sp>
+          <p:nvSpPr>
+            <p:cNvPr id="127" name="Rounded Rectangle 126"/>
+            <p:cNvSpPr/>
+            <p:nvPr/>
+          </p:nvSpPr>
+          <p:spPr>
+            <a:xfrm>
+              <a:off x="1797050" y="2408456"/>
+              <a:ext cx="1038220" cy="228600"/>
+            </a:xfrm>
+            <a:prstGeom prst="roundRect">
+              <a:avLst>
+                <a:gd name="adj" fmla="val 50000"/>
+              </a:avLst>
+            </a:prstGeom>
+            <a:ln w="12700"/>
+          </p:spPr>
+          <p:style>
+            <a:lnRef idx="2">
+              <a:schemeClr val="accent1">
+                <a:shade val="50000"/>
+              </a:schemeClr>
+            </a:lnRef>
+            <a:fillRef idx="1">
+              <a:schemeClr val="accent1"/>
+            </a:fillRef>
+            <a:effectRef idx="0">
+              <a:schemeClr val="accent1"/>
+            </a:effectRef>
+            <a:fontRef idx="minor">
+              <a:schemeClr val="lt1"/>
+            </a:fontRef>
+          </p:style>
+          <p:txBody>
+            <a:bodyPr rtlCol="0" anchor="ctr"/>
+            <a:lstStyle/>
+            <a:p>
+              <a:pPr algn="ctr"/>
+              <a:r>
+                <a:rPr lang="en-US" sz="1600" dirty="0" smtClean="0"/>
+                <a:t>   Output</a:t>
+              </a:r>
+              <a:endParaRPr lang="en-US" sz="1600" dirty="0"/>
+            </a:p>
+          </p:txBody>
+        </p:sp>
+        <p:sp>
+          <p:nvSpPr>
+            <p:cNvPr id="129" name="Rounded Rectangle 128"/>
+            <p:cNvSpPr/>
+            <p:nvPr/>
+          </p:nvSpPr>
+          <p:spPr>
+            <a:xfrm>
+              <a:off x="1797050" y="2910642"/>
+              <a:ext cx="1038220" cy="228600"/>
+            </a:xfrm>
+            <a:prstGeom prst="roundRect">
+              <a:avLst>
+                <a:gd name="adj" fmla="val 50000"/>
+              </a:avLst>
+            </a:prstGeom>
+            <a:ln w="12700"/>
+          </p:spPr>
+          <p:style>
+            <a:lnRef idx="2">
+              <a:schemeClr val="accent1">
+                <a:shade val="50000"/>
+              </a:schemeClr>
+            </a:lnRef>
+            <a:fillRef idx="1">
+              <a:schemeClr val="accent1"/>
+            </a:fillRef>
+            <a:effectRef idx="0">
+              <a:schemeClr val="accent1"/>
+            </a:effectRef>
+            <a:fontRef idx="minor">
+              <a:schemeClr val="lt1"/>
+            </a:fontRef>
+          </p:style>
+          <p:txBody>
+            <a:bodyPr rtlCol="0" anchor="ctr"/>
+            <a:lstStyle/>
+            <a:p>
+              <a:pPr algn="ctr"/>
+              <a:r>
+                <a:rPr lang="en-US" sz="1600" dirty="0" smtClean="0"/>
+                <a:t>   Output</a:t>
+              </a:r>
+              <a:endParaRPr lang="en-US" sz="1600" dirty="0"/>
+            </a:p>
+          </p:txBody>
+        </p:sp>
+        <p:sp>
+          <p:nvSpPr>
+            <p:cNvPr id="241" name="Rectangle 240"/>
+            <p:cNvSpPr/>
+            <p:nvPr/>
+          </p:nvSpPr>
+          <p:spPr>
+            <a:xfrm>
+              <a:off x="1789430" y="2025453"/>
+              <a:ext cx="187764" cy="1191458"/>
+            </a:xfrm>
+            <a:prstGeom prst="rect">
+              <a:avLst/>
+            </a:prstGeom>
+            <a:solidFill>
+              <a:schemeClr val="bg1"/>
+            </a:solidFill>
+            <a:ln>
+              <a:noFill/>
+            </a:ln>
+          </p:spPr>
+          <p:style>
+            <a:lnRef idx="2">
+              <a:schemeClr val="accent1">
+                <a:shade val="50000"/>
+              </a:schemeClr>
+            </a:lnRef>
+            <a:fillRef idx="1">
+              <a:schemeClr val="accent1"/>
+            </a:fillRef>
+            <a:effectRef idx="0">
+              <a:schemeClr val="accent1"/>
+            </a:effectRef>
+            <a:fontRef idx="minor">
+              <a:schemeClr val="lt1"/>
+            </a:fontRef>
+          </p:style>
+          <p:txBody>
+            <a:bodyPr rtlCol="0" anchor="ctr"/>
+            <a:lstStyle/>
+            <a:p>
+              <a:pPr algn="ctr"/>
+              <a:endParaRPr lang="en-US"/>
+            </a:p>
+          </p:txBody>
+        </p:sp>
+        <p:sp>
+          <p:nvSpPr>
+            <p:cNvPr id="136" name="Rounded Rectangle 135"/>
+            <p:cNvSpPr/>
+            <p:nvPr/>
+          </p:nvSpPr>
+          <p:spPr>
+            <a:xfrm>
+              <a:off x="6135694" y="2910106"/>
+              <a:ext cx="995356" cy="228600"/>
+            </a:xfrm>
+            <a:prstGeom prst="roundRect">
+              <a:avLst>
+                <a:gd name="adj" fmla="val 50000"/>
+              </a:avLst>
+            </a:prstGeom>
+            <a:ln w="12700"/>
+          </p:spPr>
+          <p:style>
+            <a:lnRef idx="2">
+              <a:schemeClr val="accent6">
+                <a:shade val="50000"/>
+              </a:schemeClr>
+            </a:lnRef>
+            <a:fillRef idx="1">
+              <a:schemeClr val="accent6"/>
+            </a:fillRef>
+            <a:effectRef idx="0">
+              <a:schemeClr val="accent6"/>
+            </a:effectRef>
+            <a:fontRef idx="minor">
+              <a:schemeClr val="lt1"/>
+            </a:fontRef>
+          </p:style>
+          <p:txBody>
+            <a:bodyPr rtlCol="0" anchor="ctr"/>
+            <a:lstStyle/>
+            <a:p>
+              <a:r>
+                <a:rPr lang="en-US" sz="1600" dirty="0" smtClean="0"/>
+                <a:t>Output</a:t>
+              </a:r>
+              <a:endParaRPr lang="en-US" sz="1600" dirty="0"/>
+            </a:p>
+          </p:txBody>
+        </p:sp>
+        <p:sp>
+          <p:nvSpPr>
+            <p:cNvPr id="138" name="Rounded Rectangle 137"/>
+            <p:cNvSpPr/>
+            <p:nvPr/>
+          </p:nvSpPr>
+          <p:spPr>
+            <a:xfrm>
+              <a:off x="6135694" y="2408456"/>
+              <a:ext cx="995356" cy="228600"/>
+            </a:xfrm>
+            <a:prstGeom prst="roundRect">
+              <a:avLst>
+                <a:gd name="adj" fmla="val 50000"/>
+              </a:avLst>
+            </a:prstGeom>
+            <a:ln w="12700"/>
+          </p:spPr>
+          <p:style>
+            <a:lnRef idx="2">
+              <a:schemeClr val="accent6">
+                <a:shade val="50000"/>
+              </a:schemeClr>
+            </a:lnRef>
+            <a:fillRef idx="1">
+              <a:schemeClr val="accent6"/>
+            </a:fillRef>
+            <a:effectRef idx="0">
+              <a:schemeClr val="accent6"/>
+            </a:effectRef>
+            <a:fontRef idx="minor">
+              <a:schemeClr val="lt1"/>
+            </a:fontRef>
+          </p:style>
+          <p:txBody>
+            <a:bodyPr rtlCol="0" anchor="ctr"/>
+            <a:lstStyle/>
+            <a:p>
+              <a:r>
+                <a:rPr lang="en-US" sz="1600" dirty="0" smtClean="0"/>
+                <a:t>Output</a:t>
+              </a:r>
+              <a:endParaRPr lang="en-US" sz="1600" dirty="0"/>
+            </a:p>
+          </p:txBody>
+        </p:sp>
+        <p:sp>
+          <p:nvSpPr>
+            <p:cNvPr id="139" name="Rounded Rectangle 138"/>
+            <p:cNvSpPr/>
+            <p:nvPr/>
+          </p:nvSpPr>
+          <p:spPr>
+            <a:xfrm>
+              <a:off x="6135694" y="2103656"/>
+              <a:ext cx="995356" cy="228600"/>
+            </a:xfrm>
+            <a:prstGeom prst="roundRect">
+              <a:avLst>
+                <a:gd name="adj" fmla="val 50000"/>
+              </a:avLst>
+            </a:prstGeom>
+            <a:ln w="12700"/>
+          </p:spPr>
+          <p:style>
+            <a:lnRef idx="2">
+              <a:schemeClr val="accent6">
+                <a:shade val="50000"/>
+              </a:schemeClr>
+            </a:lnRef>
+            <a:fillRef idx="1">
+              <a:schemeClr val="accent6"/>
+            </a:fillRef>
+            <a:effectRef idx="0">
+              <a:schemeClr val="accent6"/>
+            </a:effectRef>
+            <a:fontRef idx="minor">
+              <a:schemeClr val="lt1"/>
+            </a:fontRef>
+          </p:style>
+          <p:txBody>
+            <a:bodyPr rtlCol="0" anchor="ctr"/>
+            <a:lstStyle/>
+            <a:p>
+              <a:r>
+                <a:rPr lang="en-US" sz="1600" dirty="0" smtClean="0"/>
+                <a:t>Output</a:t>
+              </a:r>
+              <a:endParaRPr lang="en-US" sz="1600" dirty="0"/>
+            </a:p>
+          </p:txBody>
+        </p:sp>
+        <p:cxnSp>
+          <p:nvCxnSpPr>
+            <p:cNvPr id="247" name="Straight Connector 246"/>
+            <p:cNvCxnSpPr/>
+            <p:nvPr/>
+          </p:nvCxnSpPr>
+          <p:spPr>
+            <a:xfrm>
+              <a:off x="1979930" y="2103656"/>
+              <a:ext cx="0" cy="228600"/>
+            </a:xfrm>
+            <a:prstGeom prst="line">
+              <a:avLst/>
+            </a:prstGeom>
+            <a:ln w="12700">
+              <a:solidFill>
+                <a:schemeClr val="accent1">
+                  <a:lumMod val="75000"/>
+                </a:schemeClr>
+              </a:solidFill>
+            </a:ln>
+          </p:spPr>
+          <p:style>
+            <a:lnRef idx="1">
+              <a:schemeClr val="accent1"/>
+            </a:lnRef>
+            <a:fillRef idx="0">
+              <a:schemeClr val="accent1"/>
+            </a:fillRef>
+            <a:effectRef idx="0">
+              <a:schemeClr val="accent1"/>
+            </a:effectRef>
+            <a:fontRef idx="minor">
+              <a:schemeClr val="tx1"/>
+            </a:fontRef>
+          </p:style>
+        </p:cxnSp>
+        <p:cxnSp>
+          <p:nvCxnSpPr>
+            <p:cNvPr id="146" name="Straight Connector 145"/>
+            <p:cNvCxnSpPr/>
+            <p:nvPr/>
+          </p:nvCxnSpPr>
+          <p:spPr>
+            <a:xfrm>
+              <a:off x="1982470" y="2407920"/>
+              <a:ext cx="0" cy="228600"/>
+            </a:xfrm>
+            <a:prstGeom prst="line">
+              <a:avLst/>
+            </a:prstGeom>
+            <a:ln w="12700">
+              <a:solidFill>
+                <a:schemeClr val="accent1">
+                  <a:lumMod val="75000"/>
+                </a:schemeClr>
+              </a:solidFill>
+            </a:ln>
+          </p:spPr>
+          <p:style>
+            <a:lnRef idx="1">
+              <a:schemeClr val="accent1"/>
+            </a:lnRef>
+            <a:fillRef idx="0">
+              <a:schemeClr val="accent1"/>
+            </a:fillRef>
+            <a:effectRef idx="0">
+              <a:schemeClr val="accent1"/>
+            </a:effectRef>
+            <a:fontRef idx="minor">
+              <a:schemeClr val="tx1"/>
+            </a:fontRef>
+          </p:style>
+        </p:cxnSp>
+        <p:cxnSp>
+          <p:nvCxnSpPr>
+            <p:cNvPr id="147" name="Straight Connector 146"/>
+            <p:cNvCxnSpPr/>
+            <p:nvPr/>
+          </p:nvCxnSpPr>
+          <p:spPr>
+            <a:xfrm>
+              <a:off x="1977194" y="2912745"/>
+              <a:ext cx="0" cy="228600"/>
+            </a:xfrm>
+            <a:prstGeom prst="line">
+              <a:avLst/>
+            </a:prstGeom>
+            <a:ln w="12700">
+              <a:solidFill>
+                <a:schemeClr val="accent1">
+                  <a:lumMod val="75000"/>
+                </a:schemeClr>
+              </a:solidFill>
+            </a:ln>
+          </p:spPr>
+          <p:style>
+            <a:lnRef idx="1">
+              <a:schemeClr val="accent1"/>
+            </a:lnRef>
+            <a:fillRef idx="0">
+              <a:schemeClr val="accent1"/>
+            </a:fillRef>
+            <a:effectRef idx="0">
+              <a:schemeClr val="accent1"/>
+            </a:effectRef>
+            <a:fontRef idx="minor">
+              <a:schemeClr val="tx1"/>
+            </a:fontRef>
+          </p:style>
+        </p:cxnSp>
+        <p:cxnSp>
+          <p:nvCxnSpPr>
+            <p:cNvPr id="148" name="Straight Connector 147"/>
+            <p:cNvCxnSpPr/>
+            <p:nvPr/>
+          </p:nvCxnSpPr>
+          <p:spPr>
+            <a:xfrm>
+              <a:off x="6936162" y="2103656"/>
+              <a:ext cx="0" cy="228600"/>
+            </a:xfrm>
+            <a:prstGeom prst="line">
+              <a:avLst/>
+            </a:prstGeom>
+            <a:ln w="12700">
+              <a:solidFill>
+                <a:srgbClr val="B66D31"/>
+              </a:solidFill>
+            </a:ln>
+          </p:spPr>
+          <p:style>
+            <a:lnRef idx="1">
+              <a:schemeClr val="accent1"/>
+            </a:lnRef>
+            <a:fillRef idx="0">
+              <a:schemeClr val="accent1"/>
+            </a:fillRef>
+            <a:effectRef idx="0">
+              <a:schemeClr val="accent1"/>
+            </a:effectRef>
+            <a:fontRef idx="minor">
+              <a:schemeClr val="tx1"/>
+            </a:fontRef>
+          </p:style>
+        </p:cxnSp>
+        <p:cxnSp>
+          <p:nvCxnSpPr>
+            <p:cNvPr id="149" name="Straight Connector 148"/>
+            <p:cNvCxnSpPr/>
+            <p:nvPr/>
+          </p:nvCxnSpPr>
+          <p:spPr>
+            <a:xfrm>
+              <a:off x="6936420" y="2410295"/>
+              <a:ext cx="0" cy="228600"/>
+            </a:xfrm>
+            <a:prstGeom prst="line">
+              <a:avLst/>
+            </a:prstGeom>
+            <a:ln w="12700">
+              <a:solidFill>
+                <a:srgbClr val="B66D31"/>
+              </a:solidFill>
+            </a:ln>
+          </p:spPr>
+          <p:style>
+            <a:lnRef idx="1">
+              <a:schemeClr val="accent1"/>
+            </a:lnRef>
+            <a:fillRef idx="0">
+              <a:schemeClr val="accent1"/>
+            </a:fillRef>
+            <a:effectRef idx="0">
+              <a:schemeClr val="accent1"/>
+            </a:effectRef>
+            <a:fontRef idx="minor">
+              <a:schemeClr val="tx1"/>
+            </a:fontRef>
+          </p:style>
+        </p:cxnSp>
+        <p:cxnSp>
+          <p:nvCxnSpPr>
+            <p:cNvPr id="150" name="Straight Connector 149"/>
+            <p:cNvCxnSpPr/>
+            <p:nvPr/>
+          </p:nvCxnSpPr>
+          <p:spPr>
+            <a:xfrm>
+              <a:off x="6934200" y="2912745"/>
+              <a:ext cx="0" cy="228600"/>
+            </a:xfrm>
+            <a:prstGeom prst="line">
+              <a:avLst/>
+            </a:prstGeom>
+            <a:ln w="12700">
+              <a:solidFill>
+                <a:srgbClr val="B66D31"/>
+              </a:solidFill>
+            </a:ln>
+          </p:spPr>
+          <p:style>
+            <a:lnRef idx="1">
+              <a:schemeClr val="accent1"/>
+            </a:lnRef>
+            <a:fillRef idx="0">
+              <a:schemeClr val="accent1"/>
+            </a:fillRef>
+            <a:effectRef idx="0">
+              <a:schemeClr val="accent1"/>
+            </a:effectRef>
+            <a:fontRef idx="minor">
+              <a:schemeClr val="tx1"/>
+            </a:fontRef>
+          </p:style>
+        </p:cxnSp>
+        <p:sp>
+          <p:nvSpPr>
+            <p:cNvPr id="155" name="Rectangle 154"/>
+            <p:cNvSpPr/>
+            <p:nvPr/>
+          </p:nvSpPr>
+          <p:spPr>
+            <a:xfrm>
+              <a:off x="6942275" y="2012950"/>
+              <a:ext cx="206540" cy="1191458"/>
+            </a:xfrm>
+            <a:prstGeom prst="rect">
+              <a:avLst/>
+            </a:prstGeom>
+            <a:solidFill>
+              <a:schemeClr val="bg1"/>
+            </a:solidFill>
+            <a:ln>
+              <a:noFill/>
+            </a:ln>
+          </p:spPr>
+          <p:style>
+            <a:lnRef idx="2">
+              <a:schemeClr val="accent1">
+                <a:shade val="50000"/>
+              </a:schemeClr>
+            </a:lnRef>
+            <a:fillRef idx="1">
+              <a:schemeClr val="accent1"/>
+            </a:fillRef>
+            <a:effectRef idx="0">
+              <a:schemeClr val="accent1"/>
+            </a:effectRef>
+            <a:fontRef idx="minor">
+              <a:schemeClr val="lt1"/>
+            </a:fontRef>
+          </p:style>
+          <p:txBody>
+            <a:bodyPr rtlCol="0" anchor="ctr"/>
+            <a:lstStyle/>
+            <a:p>
+              <a:pPr algn="ctr"/>
+              <a:endParaRPr lang="en-US"/>
+            </a:p>
+          </p:txBody>
+        </p:sp>
+      </p:grpSp>
+    </p:spTree>
+    <p:extLst>
+      <p:ext uri="{BB962C8B-B14F-4D97-AF65-F5344CB8AC3E}">
+        <p14:creationId xmlns:p14="http://schemas.microsoft.com/office/powerpoint/2010/main" val="1997678120"/>
       </p:ext>
     </p:extLst>
   </p:cSld>

--- a/trunk/pic/pic.pptx
+++ b/trunk/pic/pic.pptx
@@ -12,6 +12,7 @@
     <p:sldId id="260" r:id="rId6"/>
     <p:sldId id="261" r:id="rId7"/>
     <p:sldId id="262" r:id="rId8"/>
+    <p:sldId id="263" r:id="rId9"/>
   </p:sldIdLst>
   <p:sldSz cx="9144000" cy="6858000" type="screen4x3"/>
   <p:notesSz cx="6858000" cy="9144000"/>
@@ -295,7 +296,7 @@
             <a:fld id="{1D8BD707-D9CF-40AE-B4C6-C98DA3205C09}" type="datetimeFigureOut">
               <a:rPr lang="en-US" smtClean="0"/>
               <a:pPr/>
-              <a:t>9/1/2014</a:t>
+              <a:t>9/2/2014</a:t>
             </a:fld>
             <a:endParaRPr lang="en-US"/>
           </a:p>
@@ -462,7 +463,7 @@
             <a:fld id="{1D8BD707-D9CF-40AE-B4C6-C98DA3205C09}" type="datetimeFigureOut">
               <a:rPr lang="en-US" smtClean="0"/>
               <a:pPr/>
-              <a:t>9/1/2014</a:t>
+              <a:t>9/2/2014</a:t>
             </a:fld>
             <a:endParaRPr lang="en-US"/>
           </a:p>
@@ -639,7 +640,7 @@
             <a:fld id="{1D8BD707-D9CF-40AE-B4C6-C98DA3205C09}" type="datetimeFigureOut">
               <a:rPr lang="en-US" smtClean="0"/>
               <a:pPr/>
-              <a:t>9/1/2014</a:t>
+              <a:t>9/2/2014</a:t>
             </a:fld>
             <a:endParaRPr lang="en-US"/>
           </a:p>
@@ -806,7 +807,7 @@
             <a:fld id="{1D8BD707-D9CF-40AE-B4C6-C98DA3205C09}" type="datetimeFigureOut">
               <a:rPr lang="en-US" smtClean="0"/>
               <a:pPr/>
-              <a:t>9/1/2014</a:t>
+              <a:t>9/2/2014</a:t>
             </a:fld>
             <a:endParaRPr lang="en-US"/>
           </a:p>
@@ -1049,7 +1050,7 @@
             <a:fld id="{1D8BD707-D9CF-40AE-B4C6-C98DA3205C09}" type="datetimeFigureOut">
               <a:rPr lang="en-US" smtClean="0"/>
               <a:pPr/>
-              <a:t>9/1/2014</a:t>
+              <a:t>9/2/2014</a:t>
             </a:fld>
             <a:endParaRPr lang="en-US"/>
           </a:p>
@@ -1334,7 +1335,7 @@
             <a:fld id="{1D8BD707-D9CF-40AE-B4C6-C98DA3205C09}" type="datetimeFigureOut">
               <a:rPr lang="en-US" smtClean="0"/>
               <a:pPr/>
-              <a:t>9/1/2014</a:t>
+              <a:t>9/2/2014</a:t>
             </a:fld>
             <a:endParaRPr lang="en-US"/>
           </a:p>
@@ -1753,7 +1754,7 @@
             <a:fld id="{1D8BD707-D9CF-40AE-B4C6-C98DA3205C09}" type="datetimeFigureOut">
               <a:rPr lang="en-US" smtClean="0"/>
               <a:pPr/>
-              <a:t>9/1/2014</a:t>
+              <a:t>9/2/2014</a:t>
             </a:fld>
             <a:endParaRPr lang="en-US"/>
           </a:p>
@@ -1868,7 +1869,7 @@
             <a:fld id="{1D8BD707-D9CF-40AE-B4C6-C98DA3205C09}" type="datetimeFigureOut">
               <a:rPr lang="en-US" smtClean="0"/>
               <a:pPr/>
-              <a:t>9/1/2014</a:t>
+              <a:t>9/2/2014</a:t>
             </a:fld>
             <a:endParaRPr lang="en-US"/>
           </a:p>
@@ -1960,7 +1961,7 @@
             <a:fld id="{1D8BD707-D9CF-40AE-B4C6-C98DA3205C09}" type="datetimeFigureOut">
               <a:rPr lang="en-US" smtClean="0"/>
               <a:pPr/>
-              <a:t>9/1/2014</a:t>
+              <a:t>9/2/2014</a:t>
             </a:fld>
             <a:endParaRPr lang="en-US"/>
           </a:p>
@@ -2234,7 +2235,7 @@
             <a:fld id="{1D8BD707-D9CF-40AE-B4C6-C98DA3205C09}" type="datetimeFigureOut">
               <a:rPr lang="en-US" smtClean="0"/>
               <a:pPr/>
-              <a:t>9/1/2014</a:t>
+              <a:t>9/2/2014</a:t>
             </a:fld>
             <a:endParaRPr lang="en-US"/>
           </a:p>
@@ -2484,7 +2485,7 @@
             <a:fld id="{1D8BD707-D9CF-40AE-B4C6-C98DA3205C09}" type="datetimeFigureOut">
               <a:rPr lang="en-US" smtClean="0"/>
               <a:pPr/>
-              <a:t>9/1/2014</a:t>
+              <a:t>9/2/2014</a:t>
             </a:fld>
             <a:endParaRPr lang="en-US"/>
           </a:p>
@@ -2694,7 +2695,7 @@
             <a:fld id="{1D8BD707-D9CF-40AE-B4C6-C98DA3205C09}" type="datetimeFigureOut">
               <a:rPr lang="en-US" smtClean="0"/>
               <a:pPr/>
-              <a:t>9/1/2014</a:t>
+              <a:t>9/2/2014</a:t>
             </a:fld>
             <a:endParaRPr lang="en-US"/>
           </a:p>
@@ -9694,7 +9695,7 @@
       </p:grpSpPr>
       <p:grpSp>
         <p:nvGrpSpPr>
-          <p:cNvPr id="166" name="Group 165"/>
+          <p:cNvPr id="2" name="Group 1"/>
           <p:cNvGrpSpPr/>
           <p:nvPr/>
         </p:nvGrpSpPr>
@@ -9714,8 +9715,8 @@
           </p:nvSpPr>
           <p:spPr>
             <a:xfrm>
-              <a:off x="1440180" y="1089660"/>
-              <a:ext cx="1143000" cy="584775"/>
+              <a:off x="1409700" y="1085850"/>
+              <a:ext cx="1143000" cy="338554"/>
             </a:xfrm>
             <a:prstGeom prst="rect">
               <a:avLst/>
@@ -9738,14 +9739,6 @@
                 <a:t>Fwd</a:t>
               </a:r>
               <a:endParaRPr lang="en-US" sz="1600" dirty="0" smtClean="0"/>
-            </a:p>
-            <a:p>
-              <a:pPr algn="ctr"/>
-              <a:r>
-                <a:rPr lang="en-US" sz="1600" dirty="0" smtClean="0"/>
-                <a:t>&amp; Update</a:t>
-              </a:r>
-              <a:endParaRPr lang="en-US" sz="1600" dirty="0"/>
             </a:p>
           </p:txBody>
         </p:sp>
@@ -12116,15 +12109,12 @@
         <p:cxnSp>
           <p:nvCxnSpPr>
             <p:cNvPr id="110" name="Straight Arrow Connector 109"/>
-            <p:cNvCxnSpPr>
-              <a:stCxn id="111" idx="1"/>
-              <a:endCxn id="111" idx="3"/>
-            </p:cNvCxnSpPr>
+            <p:cNvCxnSpPr/>
             <p:nvPr/>
           </p:nvCxnSpPr>
           <p:spPr>
             <a:xfrm>
-              <a:off x="1440180" y="1382048"/>
+              <a:off x="1409700" y="1379220"/>
               <a:ext cx="1143000" cy="0"/>
             </a:xfrm>
             <a:prstGeom prst="straightConnector1">
@@ -13613,7 +13603,7 @@
           </p:nvCxnSpPr>
           <p:spPr>
             <a:xfrm>
-              <a:off x="4007241" y="1355610"/>
+              <a:off x="4007241" y="1379220"/>
               <a:ext cx="270847" cy="0"/>
             </a:xfrm>
             <a:prstGeom prst="straightConnector1">
@@ -17667,20 +17657,64 @@
       </p:grpSpPr>
       <p:grpSp>
         <p:nvGrpSpPr>
-          <p:cNvPr id="255" name="Group 254"/>
+          <p:cNvPr id="32" name="Group 31"/>
           <p:cNvGrpSpPr/>
           <p:nvPr/>
         </p:nvGrpSpPr>
         <p:grpSpPr>
           <a:xfrm>
-            <a:off x="1789430" y="2012752"/>
-            <a:ext cx="5359385" cy="1204159"/>
-            <a:chOff x="1789430" y="2012752"/>
-            <a:chExt cx="5359385" cy="1204159"/>
+            <a:off x="1667412" y="1458304"/>
+            <a:ext cx="5657752" cy="2319410"/>
+            <a:chOff x="1667412" y="1458304"/>
+            <a:chExt cx="5657752" cy="2319410"/>
           </a:xfrm>
         </p:grpSpPr>
-        <mc:AlternateContent xmlns:mc="http://schemas.openxmlformats.org/markup-compatibility/2006">
-          <mc:Choice xmlns:a14="http://schemas.microsoft.com/office/drawing/2010/main" Requires="a14">
+        <p:sp>
+          <p:nvSpPr>
+            <p:cNvPr id="232" name="Rounded Rectangle 231"/>
+            <p:cNvSpPr/>
+            <p:nvPr/>
+          </p:nvSpPr>
+          <p:spPr>
+            <a:xfrm>
+              <a:off x="3006724" y="1544320"/>
+              <a:ext cx="2945612" cy="2146842"/>
+            </a:xfrm>
+            <a:prstGeom prst="roundRect">
+              <a:avLst/>
+            </a:prstGeom>
+            <a:solidFill>
+              <a:schemeClr val="bg1"/>
+            </a:solidFill>
+            <a:ln w="12700"/>
+          </p:spPr>
+          <p:style>
+            <a:lnRef idx="2">
+              <a:schemeClr val="accent1">
+                <a:shade val="50000"/>
+              </a:schemeClr>
+            </a:lnRef>
+            <a:fillRef idx="1">
+              <a:schemeClr val="accent1"/>
+            </a:fillRef>
+            <a:effectRef idx="0">
+              <a:schemeClr val="accent1"/>
+            </a:effectRef>
+            <a:fontRef idx="minor">
+              <a:schemeClr val="lt1"/>
+            </a:fontRef>
+          </p:style>
+          <p:txBody>
+            <a:bodyPr rtlCol="0" anchor="ctr"/>
+            <a:lstStyle/>
+            <a:p>
+              <a:pPr algn="ctr"/>
+              <a:endParaRPr lang="en-US" sz="1600" dirty="0"/>
+            </a:p>
+          </p:txBody>
+        </p:sp>
+        <mc:AlternateContent xmlns:mc="http://schemas.openxmlformats.org/markup-compatibility/2006" xmlns:a14="http://schemas.microsoft.com/office/drawing/2010/main">
+          <mc:Choice Requires="a14">
             <p:sp>
               <p:nvSpPr>
                 <p:cNvPr id="101" name="Rounded Rectangle 100"/>
@@ -17689,7 +17723,7 @@
               </p:nvSpPr>
               <p:spPr>
                 <a:xfrm>
-                  <a:off x="5349879" y="2637056"/>
+                  <a:off x="5349879" y="3157789"/>
                   <a:ext cx="419100" cy="228600"/>
                 </a:xfrm>
                 <a:prstGeom prst="roundRect">
@@ -17749,7 +17783,7 @@
               </p:txBody>
             </p:sp>
           </mc:Choice>
-          <mc:Fallback>
+          <mc:Fallback xmlns="">
             <p:sp>
               <p:nvSpPr>
                 <p:cNvPr id="101" name="Rounded Rectangle 100"/>
@@ -17760,7 +17794,7 @@
               </p:nvSpPr>
               <p:spPr>
                 <a:xfrm>
-                  <a:off x="5349879" y="2637056"/>
+                  <a:off x="5349879" y="3157789"/>
                   <a:ext cx="419100" cy="228600"/>
                 </a:xfrm>
                 <a:prstGeom prst="roundRect">
@@ -17771,7 +17805,7 @@
                 <a:blipFill rotWithShape="1">
                   <a:blip r:embed="rId2"/>
                   <a:stretch>
-                    <a:fillRect b="-7692"/>
+                    <a:fillRect b="-5000"/>
                   </a:stretch>
                 </a:blipFill>
                 <a:ln w="12700"/>
@@ -17799,7 +17833,7 @@
           </p:nvSpPr>
           <p:spPr>
             <a:xfrm>
-              <a:off x="3178179" y="2637062"/>
+              <a:off x="3178179" y="3157789"/>
               <a:ext cx="1117604" cy="228600"/>
             </a:xfrm>
             <a:prstGeom prst="roundRect">
@@ -17838,8 +17872,8 @@
             </a:p>
           </p:txBody>
         </p:sp>
-        <mc:AlternateContent xmlns:mc="http://schemas.openxmlformats.org/markup-compatibility/2006">
-          <mc:Choice xmlns:a14="http://schemas.microsoft.com/office/drawing/2010/main" Requires="a14">
+        <mc:AlternateContent xmlns:mc="http://schemas.openxmlformats.org/markup-compatibility/2006" xmlns:a14="http://schemas.microsoft.com/office/drawing/2010/main">
+          <mc:Choice Requires="a14">
             <p:sp>
               <p:nvSpPr>
                 <p:cNvPr id="63" name="Rounded Rectangle 62"/>
@@ -17848,7 +17882,7 @@
               </p:nvSpPr>
               <p:spPr>
                 <a:xfrm>
-                  <a:off x="3178179" y="2351306"/>
+                  <a:off x="3178179" y="1848584"/>
                   <a:ext cx="419100" cy="228600"/>
                 </a:xfrm>
                 <a:prstGeom prst="roundRect">
@@ -17902,7 +17936,7 @@
               </p:txBody>
             </p:sp>
           </mc:Choice>
-          <mc:Fallback>
+          <mc:Fallback xmlns="">
             <p:sp>
               <p:nvSpPr>
                 <p:cNvPr id="63" name="Rounded Rectangle 62"/>
@@ -17913,7 +17947,7 @@
               </p:nvSpPr>
               <p:spPr>
                 <a:xfrm>
-                  <a:off x="3178179" y="2351306"/>
+                  <a:off x="3178179" y="1848584"/>
                   <a:ext cx="419100" cy="228600"/>
                 </a:xfrm>
                 <a:prstGeom prst="roundRect">
@@ -17924,7 +17958,7 @@
                 <a:blipFill rotWithShape="1">
                   <a:blip r:embed="rId3"/>
                   <a:stretch>
-                    <a:fillRect b="-7692"/>
+                    <a:fillRect b="-5000"/>
                   </a:stretch>
                 </a:blipFill>
                 <a:ln w="12700"/>
@@ -17952,7 +17986,7 @@
           </p:nvSpPr>
           <p:spPr>
             <a:xfrm>
-              <a:off x="4670429" y="2351306"/>
+              <a:off x="4670429" y="1848584"/>
               <a:ext cx="1098550" cy="228600"/>
             </a:xfrm>
             <a:prstGeom prst="roundRect">
@@ -17991,8 +18025,8 @@
             </a:p>
           </p:txBody>
         </p:sp>
-        <mc:AlternateContent xmlns:mc="http://schemas.openxmlformats.org/markup-compatibility/2006">
-          <mc:Choice xmlns:a14="http://schemas.microsoft.com/office/drawing/2010/main" Requires="a14">
+        <mc:AlternateContent xmlns:mc="http://schemas.openxmlformats.org/markup-compatibility/2006" xmlns:a14="http://schemas.microsoft.com/office/drawing/2010/main">
+          <mc:Choice Requires="a14">
             <p:sp>
               <p:nvSpPr>
                 <p:cNvPr id="4" name="Rectangle 3"/>
@@ -18001,7 +18035,7 @@
               </p:nvSpPr>
               <p:spPr>
                 <a:xfrm>
-                  <a:off x="4181479" y="2351306"/>
+                  <a:off x="4181479" y="1848584"/>
                   <a:ext cx="609600" cy="228600"/>
                 </a:xfrm>
                 <a:prstGeom prst="rect">
@@ -18068,7 +18102,7 @@
               </p:txBody>
             </p:sp>
           </mc:Choice>
-          <mc:Fallback>
+          <mc:Fallback xmlns="">
             <p:sp>
               <p:nvSpPr>
                 <p:cNvPr id="4" name="Rectangle 3"/>
@@ -18079,7 +18113,7 @@
               </p:nvSpPr>
               <p:spPr>
                 <a:xfrm>
-                  <a:off x="4181479" y="2351306"/>
+                  <a:off x="4181479" y="1848584"/>
                   <a:ext cx="609600" cy="228600"/>
                 </a:xfrm>
                 <a:prstGeom prst="rect">
@@ -18088,7 +18122,7 @@
                 <a:blipFill rotWithShape="1">
                   <a:blip r:embed="rId4"/>
                   <a:stretch>
-                    <a:fillRect b="-35897"/>
+                    <a:fillRect b="-32500"/>
                   </a:stretch>
                 </a:blipFill>
                 <a:ln w="12700"/>
@@ -18108,8 +18142,8 @@
             </p:sp>
           </mc:Fallback>
         </mc:AlternateContent>
-        <mc:AlternateContent xmlns:mc="http://schemas.openxmlformats.org/markup-compatibility/2006">
-          <mc:Choice xmlns:a14="http://schemas.microsoft.com/office/drawing/2010/main" Requires="a14">
+        <mc:AlternateContent xmlns:mc="http://schemas.openxmlformats.org/markup-compatibility/2006" xmlns:a14="http://schemas.microsoft.com/office/drawing/2010/main">
+          <mc:Choice Requires="a14">
             <p:sp>
               <p:nvSpPr>
                 <p:cNvPr id="5" name="Rectangle 4"/>
@@ -18118,7 +18152,7 @@
               </p:nvSpPr>
               <p:spPr>
                 <a:xfrm>
-                  <a:off x="4181479" y="2637062"/>
+                  <a:off x="4181479" y="3157789"/>
                   <a:ext cx="609600" cy="228600"/>
                 </a:xfrm>
                 <a:prstGeom prst="rect">
@@ -18204,7 +18238,7 @@
               </p:txBody>
             </p:sp>
           </mc:Choice>
-          <mc:Fallback>
+          <mc:Fallback xmlns="">
             <p:sp>
               <p:nvSpPr>
                 <p:cNvPr id="5" name="Rectangle 4"/>
@@ -18215,7 +18249,7 @@
               </p:nvSpPr>
               <p:spPr>
                 <a:xfrm>
-                  <a:off x="4181479" y="2637062"/>
+                  <a:off x="4181479" y="3157789"/>
                   <a:ext cx="609600" cy="228600"/>
                 </a:xfrm>
                 <a:prstGeom prst="rect">
@@ -18224,7 +18258,7 @@
                 <a:blipFill rotWithShape="1">
                   <a:blip r:embed="rId5"/>
                   <a:stretch>
-                    <a:fillRect l="-980" b="-35897"/>
+                    <a:fillRect l="-980" b="-32500"/>
                   </a:stretch>
                 </a:blipFill>
                 <a:ln w="12700"/>
@@ -18244,68 +18278,6 @@
             </p:sp>
           </mc:Fallback>
         </mc:AlternateContent>
-        <p:sp>
-          <p:nvSpPr>
-            <p:cNvPr id="69" name="TextBox 68"/>
-            <p:cNvSpPr txBox="1"/>
-            <p:nvPr/>
-          </p:nvSpPr>
-          <p:spPr>
-            <a:xfrm>
-              <a:off x="2562221" y="2654096"/>
-              <a:ext cx="430887" cy="243310"/>
-            </a:xfrm>
-            <a:prstGeom prst="rect">
-              <a:avLst/>
-            </a:prstGeom>
-            <a:noFill/>
-          </p:spPr>
-          <p:txBody>
-            <a:bodyPr vert="vert" wrap="square" rtlCol="0">
-              <a:spAutoFit/>
-            </a:bodyPr>
-            <a:lstStyle/>
-            <a:p>
-              <a:pPr algn="ctr"/>
-              <a:r>
-                <a:rPr lang="en-US" sz="1600" dirty="0" smtClean="0"/>
-                <a:t>…</a:t>
-              </a:r>
-              <a:endParaRPr lang="en-US" sz="1600" dirty="0"/>
-            </a:p>
-          </p:txBody>
-        </p:sp>
-        <p:sp>
-          <p:nvSpPr>
-            <p:cNvPr id="77" name="TextBox 76"/>
-            <p:cNvSpPr txBox="1"/>
-            <p:nvPr/>
-          </p:nvSpPr>
-          <p:spPr>
-            <a:xfrm>
-              <a:off x="6091244" y="2654096"/>
-              <a:ext cx="430887" cy="243310"/>
-            </a:xfrm>
-            <a:prstGeom prst="rect">
-              <a:avLst/>
-            </a:prstGeom>
-            <a:noFill/>
-          </p:spPr>
-          <p:txBody>
-            <a:bodyPr vert="vert" wrap="square" rtlCol="0">
-              <a:spAutoFit/>
-            </a:bodyPr>
-            <a:lstStyle/>
-            <a:p>
-              <a:pPr algn="ctr"/>
-              <a:r>
-                <a:rPr lang="en-US" sz="1600" dirty="0" smtClean="0"/>
-                <a:t>…</a:t>
-              </a:r>
-              <a:endParaRPr lang="en-US" sz="1600" dirty="0"/>
-            </a:p>
-          </p:txBody>
-        </p:sp>
         <p:cxnSp>
           <p:nvCxnSpPr>
             <p:cNvPr id="8" name="Straight Arrow Connector 7"/>
@@ -18317,8 +18289,8 @@
           </p:nvCxnSpPr>
           <p:spPr>
             <a:xfrm>
-              <a:off x="2835270" y="2217956"/>
-              <a:ext cx="342909" cy="247650"/>
+              <a:off x="2835270" y="1658620"/>
+              <a:ext cx="342909" cy="304264"/>
             </a:xfrm>
             <a:prstGeom prst="straightConnector1">
               <a:avLst/>
@@ -18354,8 +18326,8 @@
           </p:nvCxnSpPr>
           <p:spPr>
             <a:xfrm flipV="1">
-              <a:off x="2835270" y="2465606"/>
-              <a:ext cx="342909" cy="57150"/>
+              <a:off x="2835270" y="1962884"/>
+              <a:ext cx="342909" cy="536"/>
             </a:xfrm>
             <a:prstGeom prst="straightConnector1">
               <a:avLst/>
@@ -18391,8 +18363,8 @@
           </p:nvCxnSpPr>
           <p:spPr>
             <a:xfrm flipV="1">
-              <a:off x="2835270" y="2465606"/>
-              <a:ext cx="342909" cy="559336"/>
+              <a:off x="2835270" y="1962884"/>
+              <a:ext cx="342909" cy="502722"/>
             </a:xfrm>
             <a:prstGeom prst="straightConnector1">
               <a:avLst/>
@@ -18421,14 +18393,15 @@
           <p:nvCxnSpPr>
             <p:cNvPr id="87" name="Straight Arrow Connector 86"/>
             <p:cNvCxnSpPr>
+              <a:stCxn id="139" idx="1"/>
               <a:endCxn id="101" idx="3"/>
             </p:cNvCxnSpPr>
             <p:nvPr/>
           </p:nvCxnSpPr>
           <p:spPr>
             <a:xfrm flipH="1">
-              <a:off x="5768979" y="2217956"/>
-              <a:ext cx="366715" cy="533400"/>
+              <a:off x="5768979" y="2770412"/>
+              <a:ext cx="366715" cy="501677"/>
             </a:xfrm>
             <a:prstGeom prst="straightConnector1">
               <a:avLst/>
@@ -18457,14 +18430,15 @@
           <p:nvCxnSpPr>
             <p:cNvPr id="90" name="Straight Arrow Connector 89"/>
             <p:cNvCxnSpPr>
+              <a:stCxn id="138" idx="1"/>
               <a:endCxn id="101" idx="3"/>
             </p:cNvCxnSpPr>
             <p:nvPr/>
           </p:nvCxnSpPr>
           <p:spPr>
             <a:xfrm flipH="1">
-              <a:off x="5768979" y="2522756"/>
-              <a:ext cx="366715" cy="228600"/>
+              <a:off x="5768979" y="3271837"/>
+              <a:ext cx="366715" cy="252"/>
             </a:xfrm>
             <a:prstGeom prst="straightConnector1">
               <a:avLst/>
@@ -18500,8 +18474,8 @@
           </p:nvCxnSpPr>
           <p:spPr>
             <a:xfrm flipH="1" flipV="1">
-              <a:off x="5768979" y="2751356"/>
-              <a:ext cx="366715" cy="273050"/>
+              <a:off x="5768979" y="3272089"/>
+              <a:ext cx="366715" cy="304773"/>
             </a:xfrm>
             <a:prstGeom prst="straightConnector1">
               <a:avLst/>
@@ -18534,7 +18508,7 @@
           </p:nvSpPr>
           <p:spPr>
             <a:xfrm>
-              <a:off x="3502029" y="2351306"/>
+              <a:off x="3502029" y="1848584"/>
               <a:ext cx="679450" cy="228600"/>
             </a:xfrm>
             <a:prstGeom prst="rect">
@@ -18579,7 +18553,7 @@
           </p:nvSpPr>
           <p:spPr>
             <a:xfrm>
-              <a:off x="4791079" y="2637056"/>
+              <a:off x="4791079" y="3157789"/>
               <a:ext cx="679450" cy="228600"/>
             </a:xfrm>
             <a:prstGeom prst="rect">
@@ -18624,7 +18598,7 @@
           </p:nvSpPr>
           <p:spPr>
             <a:xfrm>
-              <a:off x="3813787" y="2012752"/>
+              <a:off x="3807037" y="2077184"/>
               <a:ext cx="1344984" cy="338554"/>
             </a:xfrm>
             <a:prstGeom prst="rect">
@@ -18654,7 +18628,7 @@
           </p:nvCxnSpPr>
           <p:spPr>
             <a:xfrm>
-              <a:off x="3663489" y="2292251"/>
+              <a:off x="3656740" y="2133600"/>
               <a:ext cx="1645579" cy="0"/>
             </a:xfrm>
             <a:prstGeom prst="straightConnector1">
@@ -18688,7 +18662,7 @@
           </p:nvSpPr>
           <p:spPr>
             <a:xfrm>
-              <a:off x="3663489" y="2865656"/>
+              <a:off x="3656740" y="2805877"/>
               <a:ext cx="1645579" cy="338554"/>
             </a:xfrm>
             <a:prstGeom prst="rect">
@@ -18718,7 +18692,7 @@
           </p:nvCxnSpPr>
           <p:spPr>
             <a:xfrm flipH="1">
-              <a:off x="3663489" y="2924711"/>
+              <a:off x="3656740" y="3098800"/>
               <a:ext cx="1645579" cy="0"/>
             </a:xfrm>
             <a:prstGeom prst="straightConnector1">
@@ -18752,8 +18726,8 @@
           </p:nvSpPr>
           <p:spPr>
             <a:xfrm>
-              <a:off x="1797050" y="2103656"/>
-              <a:ext cx="1038220" cy="228600"/>
+              <a:off x="1676400" y="1544320"/>
+              <a:ext cx="1158870" cy="228600"/>
             </a:xfrm>
             <a:prstGeom prst="roundRect">
               <a:avLst>
@@ -18799,8 +18773,8 @@
           </p:nvSpPr>
           <p:spPr>
             <a:xfrm>
-              <a:off x="1797050" y="2408456"/>
-              <a:ext cx="1038220" cy="228600"/>
+              <a:off x="1676400" y="1849120"/>
+              <a:ext cx="1158870" cy="228600"/>
             </a:xfrm>
             <a:prstGeom prst="roundRect">
               <a:avLst>
@@ -18846,8 +18820,8 @@
           </p:nvSpPr>
           <p:spPr>
             <a:xfrm>
-              <a:off x="1797050" y="2910642"/>
-              <a:ext cx="1038220" cy="228600"/>
+              <a:off x="1676400" y="2351306"/>
+              <a:ext cx="1158870" cy="228600"/>
             </a:xfrm>
             <a:prstGeom prst="roundRect">
               <a:avLst>
@@ -18887,60 +18861,14 @@
         </p:sp>
         <p:sp>
           <p:nvSpPr>
-            <p:cNvPr id="241" name="Rectangle 240"/>
-            <p:cNvSpPr/>
-            <p:nvPr/>
-          </p:nvSpPr>
-          <p:spPr>
-            <a:xfrm>
-              <a:off x="1789430" y="2025453"/>
-              <a:ext cx="187764" cy="1191458"/>
-            </a:xfrm>
-            <a:prstGeom prst="rect">
-              <a:avLst/>
-            </a:prstGeom>
-            <a:solidFill>
-              <a:schemeClr val="bg1"/>
-            </a:solidFill>
-            <a:ln>
-              <a:noFill/>
-            </a:ln>
-          </p:spPr>
-          <p:style>
-            <a:lnRef idx="2">
-              <a:schemeClr val="accent1">
-                <a:shade val="50000"/>
-              </a:schemeClr>
-            </a:lnRef>
-            <a:fillRef idx="1">
-              <a:schemeClr val="accent1"/>
-            </a:fillRef>
-            <a:effectRef idx="0">
-              <a:schemeClr val="accent1"/>
-            </a:effectRef>
-            <a:fontRef idx="minor">
-              <a:schemeClr val="lt1"/>
-            </a:fontRef>
-          </p:style>
-          <p:txBody>
-            <a:bodyPr rtlCol="0" anchor="ctr"/>
-            <a:lstStyle/>
-            <a:p>
-              <a:pPr algn="ctr"/>
-              <a:endParaRPr lang="en-US"/>
-            </a:p>
-          </p:txBody>
-        </p:sp>
-        <p:sp>
-          <p:nvSpPr>
             <p:cNvPr id="136" name="Rounded Rectangle 135"/>
             <p:cNvSpPr/>
             <p:nvPr/>
           </p:nvSpPr>
           <p:spPr>
             <a:xfrm>
-              <a:off x="6135694" y="2910106"/>
-              <a:ext cx="995356" cy="228600"/>
+              <a:off x="6135694" y="3462562"/>
+              <a:ext cx="1179506" cy="228600"/>
             </a:xfrm>
             <a:prstGeom prst="roundRect">
               <a:avLst>
@@ -18985,8 +18913,8 @@
           </p:nvSpPr>
           <p:spPr>
             <a:xfrm>
-              <a:off x="6135694" y="2408456"/>
-              <a:ext cx="995356" cy="228600"/>
+              <a:off x="6135694" y="3157537"/>
+              <a:ext cx="1179506" cy="228600"/>
             </a:xfrm>
             <a:prstGeom prst="roundRect">
               <a:avLst>
@@ -19031,8 +18959,8 @@
           </p:nvSpPr>
           <p:spPr>
             <a:xfrm>
-              <a:off x="6135694" y="2103656"/>
-              <a:ext cx="995356" cy="228600"/>
+              <a:off x="6135694" y="2656112"/>
+              <a:ext cx="1179506" cy="228600"/>
             </a:xfrm>
             <a:prstGeom prst="roundRect">
               <a:avLst>
@@ -19077,7 +19005,7 @@
           </p:nvCxnSpPr>
           <p:spPr>
             <a:xfrm>
-              <a:off x="1979930" y="2103656"/>
+              <a:off x="1859182" y="1544320"/>
               <a:ext cx="0" cy="228600"/>
             </a:xfrm>
             <a:prstGeom prst="line">
@@ -19114,7 +19042,7 @@
           </p:nvCxnSpPr>
           <p:spPr>
             <a:xfrm>
-              <a:off x="1982470" y="2407920"/>
+              <a:off x="1859182" y="1848584"/>
               <a:ext cx="0" cy="228600"/>
             </a:xfrm>
             <a:prstGeom prst="line">
@@ -19151,7 +19079,7 @@
           </p:nvCxnSpPr>
           <p:spPr>
             <a:xfrm>
-              <a:off x="1977194" y="2912745"/>
+              <a:off x="1857912" y="2357318"/>
               <a:ext cx="0" cy="228600"/>
             </a:xfrm>
             <a:prstGeom prst="line">
@@ -19188,7 +19116,7 @@
           </p:nvCxnSpPr>
           <p:spPr>
             <a:xfrm>
-              <a:off x="6936162" y="2103656"/>
+              <a:off x="7131050" y="2656112"/>
               <a:ext cx="0" cy="228600"/>
             </a:xfrm>
             <a:prstGeom prst="line">
@@ -19223,7 +19151,7 @@
           </p:nvCxnSpPr>
           <p:spPr>
             <a:xfrm>
-              <a:off x="6936420" y="2410295"/>
+              <a:off x="7131050" y="3162300"/>
               <a:ext cx="0" cy="228600"/>
             </a:xfrm>
             <a:prstGeom prst="line">
@@ -19258,7 +19186,7 @@
           </p:nvCxnSpPr>
           <p:spPr>
             <a:xfrm>
-              <a:off x="6934200" y="2912745"/>
+              <a:off x="7131050" y="3465201"/>
               <a:ext cx="0" cy="228600"/>
             </a:xfrm>
             <a:prstGeom prst="line">
@@ -19285,16 +19213,580 @@
             </a:fontRef>
           </p:style>
         </p:cxnSp>
+        <mc:AlternateContent xmlns:mc="http://schemas.openxmlformats.org/markup-compatibility/2006" xmlns:a14="http://schemas.microsoft.com/office/drawing/2010/main">
+          <mc:Choice Requires="a14">
+            <p:sp>
+              <p:nvSpPr>
+                <p:cNvPr id="47" name="Rounded Rectangle 46"/>
+                <p:cNvSpPr/>
+                <p:nvPr/>
+              </p:nvSpPr>
+              <p:spPr>
+                <a:xfrm>
+                  <a:off x="6135694" y="2351306"/>
+                  <a:ext cx="419100" cy="228600"/>
+                </a:xfrm>
+                <a:prstGeom prst="roundRect">
+                  <a:avLst>
+                    <a:gd name="adj" fmla="val 50000"/>
+                  </a:avLst>
+                </a:prstGeom>
+                <a:ln w="12700"/>
+              </p:spPr>
+              <p:style>
+                <a:lnRef idx="2">
+                  <a:schemeClr val="accent1">
+                    <a:shade val="50000"/>
+                  </a:schemeClr>
+                </a:lnRef>
+                <a:fillRef idx="1">
+                  <a:schemeClr val="accent1"/>
+                </a:fillRef>
+                <a:effectRef idx="0">
+                  <a:schemeClr val="accent1"/>
+                </a:effectRef>
+                <a:fontRef idx="minor">
+                  <a:schemeClr val="lt1"/>
+                </a:fontRef>
+              </p:style>
+              <p:txBody>
+                <a:bodyPr rtlCol="0" anchor="ctr"/>
+                <a:lstStyle/>
+                <a:p>
+                  <a:pPr algn="ctr"/>
+                  <a14:m>
+                    <m:oMathPara xmlns:m="http://schemas.openxmlformats.org/officeDocument/2006/math">
+                      <m:oMathParaPr>
+                        <m:jc m:val="centerGroup"/>
+                      </m:oMathParaPr>
+                      <m:oMath xmlns:m="http://schemas.openxmlformats.org/officeDocument/2006/math">
+                        <m:r>
+                          <m:rPr>
+                            <m:sty m:val="p"/>
+                          </m:rPr>
+                          <a:rPr lang="en-US" sz="1600" b="0" i="0" smtClean="0">
+                            <a:latin typeface="Cambria Math"/>
+                          </a:rPr>
+                          <m:t>Σ</m:t>
+                        </m:r>
+                      </m:oMath>
+                    </m:oMathPara>
+                  </a14:m>
+                  <a:endParaRPr lang="en-US" sz="1600" dirty="0"/>
+                </a:p>
+              </p:txBody>
+            </p:sp>
+          </mc:Choice>
+          <mc:Fallback xmlns="">
+            <p:sp>
+              <p:nvSpPr>
+                <p:cNvPr id="47" name="Rounded Rectangle 46"/>
+                <p:cNvSpPr>
+                  <a:spLocks noRot="1" noChangeAspect="1" noMove="1" noResize="1" noEditPoints="1" noAdjustHandles="1" noChangeArrowheads="1" noChangeShapeType="1" noTextEdit="1"/>
+                </p:cNvSpPr>
+                <p:nvPr/>
+              </p:nvSpPr>
+              <p:spPr>
+                <a:xfrm>
+                  <a:off x="6135694" y="2351306"/>
+                  <a:ext cx="419100" cy="228600"/>
+                </a:xfrm>
+                <a:prstGeom prst="roundRect">
+                  <a:avLst>
+                    <a:gd name="adj" fmla="val 50000"/>
+                  </a:avLst>
+                </a:prstGeom>
+                <a:blipFill rotWithShape="1">
+                  <a:blip r:embed="rId6"/>
+                  <a:stretch>
+                    <a:fillRect b="-7692"/>
+                  </a:stretch>
+                </a:blipFill>
+                <a:ln w="12700"/>
+              </p:spPr>
+              <p:txBody>
+                <a:bodyPr/>
+                <a:lstStyle/>
+                <a:p>
+                  <a:r>
+                    <a:rPr lang="en-US">
+                      <a:noFill/>
+                    </a:rPr>
+                    <a:t> </a:t>
+                  </a:r>
+                </a:p>
+              </p:txBody>
+            </p:sp>
+          </mc:Fallback>
+        </mc:AlternateContent>
         <p:sp>
           <p:nvSpPr>
-            <p:cNvPr id="155" name="Rectangle 154"/>
+            <p:cNvPr id="48" name="Rectangle 47"/>
             <p:cNvSpPr/>
             <p:nvPr/>
           </p:nvSpPr>
           <p:spPr>
             <a:xfrm>
-              <a:off x="6942275" y="2012950"/>
-              <a:ext cx="206540" cy="1191458"/>
+              <a:off x="6451600" y="2351306"/>
+              <a:ext cx="679450" cy="228600"/>
+            </a:xfrm>
+            <a:prstGeom prst="rect">
+              <a:avLst/>
+            </a:prstGeom>
+            <a:ln w="12700"/>
+          </p:spPr>
+          <p:style>
+            <a:lnRef idx="2">
+              <a:schemeClr val="accent1">
+                <a:shade val="50000"/>
+              </a:schemeClr>
+            </a:lnRef>
+            <a:fillRef idx="1">
+              <a:schemeClr val="accent1"/>
+            </a:fillRef>
+            <a:effectRef idx="0">
+              <a:schemeClr val="accent1"/>
+            </a:effectRef>
+            <a:fontRef idx="minor">
+              <a:schemeClr val="lt1"/>
+            </a:fontRef>
+          </p:style>
+          <p:txBody>
+            <a:bodyPr rtlCol="0" anchor="ctr"/>
+            <a:lstStyle/>
+            <a:p>
+              <a:pPr algn="ctr"/>
+              <a:r>
+                <a:rPr lang="en-US" sz="1600" dirty="0" smtClean="0"/>
+                <a:t>Input</a:t>
+              </a:r>
+              <a:endParaRPr lang="en-US" sz="1600" dirty="0"/>
+            </a:p>
+          </p:txBody>
+        </p:sp>
+        <mc:AlternateContent xmlns:mc="http://schemas.openxmlformats.org/markup-compatibility/2006" xmlns:a14="http://schemas.microsoft.com/office/drawing/2010/main">
+          <mc:Choice Requires="a14">
+            <p:sp>
+              <p:nvSpPr>
+                <p:cNvPr id="49" name="Rounded Rectangle 48"/>
+                <p:cNvSpPr/>
+                <p:nvPr/>
+              </p:nvSpPr>
+              <p:spPr>
+                <a:xfrm>
+                  <a:off x="6135694" y="1849120"/>
+                  <a:ext cx="419100" cy="228600"/>
+                </a:xfrm>
+                <a:prstGeom prst="roundRect">
+                  <a:avLst>
+                    <a:gd name="adj" fmla="val 50000"/>
+                  </a:avLst>
+                </a:prstGeom>
+                <a:ln w="12700"/>
+              </p:spPr>
+              <p:style>
+                <a:lnRef idx="2">
+                  <a:schemeClr val="accent1">
+                    <a:shade val="50000"/>
+                  </a:schemeClr>
+                </a:lnRef>
+                <a:fillRef idx="1">
+                  <a:schemeClr val="accent1"/>
+                </a:fillRef>
+                <a:effectRef idx="0">
+                  <a:schemeClr val="accent1"/>
+                </a:effectRef>
+                <a:fontRef idx="minor">
+                  <a:schemeClr val="lt1"/>
+                </a:fontRef>
+              </p:style>
+              <p:txBody>
+                <a:bodyPr rtlCol="0" anchor="ctr"/>
+                <a:lstStyle/>
+                <a:p>
+                  <a:pPr algn="ctr"/>
+                  <a14:m>
+                    <m:oMathPara xmlns:m="http://schemas.openxmlformats.org/officeDocument/2006/math">
+                      <m:oMathParaPr>
+                        <m:jc m:val="centerGroup"/>
+                      </m:oMathParaPr>
+                      <m:oMath xmlns:m="http://schemas.openxmlformats.org/officeDocument/2006/math">
+                        <m:r>
+                          <m:rPr>
+                            <m:sty m:val="p"/>
+                          </m:rPr>
+                          <a:rPr lang="en-US" sz="1600" b="0" i="0" smtClean="0">
+                            <a:latin typeface="Cambria Math"/>
+                          </a:rPr>
+                          <m:t>Σ</m:t>
+                        </m:r>
+                      </m:oMath>
+                    </m:oMathPara>
+                  </a14:m>
+                  <a:endParaRPr lang="en-US" sz="1600" dirty="0"/>
+                </a:p>
+              </p:txBody>
+            </p:sp>
+          </mc:Choice>
+          <mc:Fallback xmlns="">
+            <p:sp>
+              <p:nvSpPr>
+                <p:cNvPr id="49" name="Rounded Rectangle 48"/>
+                <p:cNvSpPr>
+                  <a:spLocks noRot="1" noChangeAspect="1" noMove="1" noResize="1" noEditPoints="1" noAdjustHandles="1" noChangeArrowheads="1" noChangeShapeType="1" noTextEdit="1"/>
+                </p:cNvSpPr>
+                <p:nvPr/>
+              </p:nvSpPr>
+              <p:spPr>
+                <a:xfrm>
+                  <a:off x="6135694" y="1849120"/>
+                  <a:ext cx="419100" cy="228600"/>
+                </a:xfrm>
+                <a:prstGeom prst="roundRect">
+                  <a:avLst>
+                    <a:gd name="adj" fmla="val 50000"/>
+                  </a:avLst>
+                </a:prstGeom>
+                <a:blipFill rotWithShape="1">
+                  <a:blip r:embed="rId7"/>
+                  <a:stretch>
+                    <a:fillRect b="-7500"/>
+                  </a:stretch>
+                </a:blipFill>
+                <a:ln w="12700"/>
+              </p:spPr>
+              <p:txBody>
+                <a:bodyPr/>
+                <a:lstStyle/>
+                <a:p>
+                  <a:r>
+                    <a:rPr lang="en-US">
+                      <a:noFill/>
+                    </a:rPr>
+                    <a:t> </a:t>
+                  </a:r>
+                </a:p>
+              </p:txBody>
+            </p:sp>
+          </mc:Fallback>
+        </mc:AlternateContent>
+        <p:sp>
+          <p:nvSpPr>
+            <p:cNvPr id="50" name="Rectangle 49"/>
+            <p:cNvSpPr/>
+            <p:nvPr/>
+          </p:nvSpPr>
+          <p:spPr>
+            <a:xfrm>
+              <a:off x="6451600" y="1849120"/>
+              <a:ext cx="679450" cy="228600"/>
+            </a:xfrm>
+            <a:prstGeom prst="rect">
+              <a:avLst/>
+            </a:prstGeom>
+            <a:ln w="12700"/>
+          </p:spPr>
+          <p:style>
+            <a:lnRef idx="2">
+              <a:schemeClr val="accent1">
+                <a:shade val="50000"/>
+              </a:schemeClr>
+            </a:lnRef>
+            <a:fillRef idx="1">
+              <a:schemeClr val="accent1"/>
+            </a:fillRef>
+            <a:effectRef idx="0">
+              <a:schemeClr val="accent1"/>
+            </a:effectRef>
+            <a:fontRef idx="minor">
+              <a:schemeClr val="lt1"/>
+            </a:fontRef>
+          </p:style>
+          <p:txBody>
+            <a:bodyPr rtlCol="0" anchor="ctr"/>
+            <a:lstStyle/>
+            <a:p>
+              <a:pPr algn="ctr"/>
+              <a:r>
+                <a:rPr lang="en-US" sz="1600" dirty="0" smtClean="0"/>
+                <a:t>Input</a:t>
+              </a:r>
+              <a:endParaRPr lang="en-US" sz="1600" dirty="0"/>
+            </a:p>
+          </p:txBody>
+        </p:sp>
+        <mc:AlternateContent xmlns:mc="http://schemas.openxmlformats.org/markup-compatibility/2006" xmlns:a14="http://schemas.microsoft.com/office/drawing/2010/main">
+          <mc:Choice Requires="a14">
+            <p:sp>
+              <p:nvSpPr>
+                <p:cNvPr id="53" name="Rounded Rectangle 52"/>
+                <p:cNvSpPr/>
+                <p:nvPr/>
+              </p:nvSpPr>
+              <p:spPr>
+                <a:xfrm>
+                  <a:off x="6135694" y="1544320"/>
+                  <a:ext cx="419100" cy="228600"/>
+                </a:xfrm>
+                <a:prstGeom prst="roundRect">
+                  <a:avLst>
+                    <a:gd name="adj" fmla="val 50000"/>
+                  </a:avLst>
+                </a:prstGeom>
+                <a:ln w="12700"/>
+              </p:spPr>
+              <p:style>
+                <a:lnRef idx="2">
+                  <a:schemeClr val="accent1">
+                    <a:shade val="50000"/>
+                  </a:schemeClr>
+                </a:lnRef>
+                <a:fillRef idx="1">
+                  <a:schemeClr val="accent1"/>
+                </a:fillRef>
+                <a:effectRef idx="0">
+                  <a:schemeClr val="accent1"/>
+                </a:effectRef>
+                <a:fontRef idx="minor">
+                  <a:schemeClr val="lt1"/>
+                </a:fontRef>
+              </p:style>
+              <p:txBody>
+                <a:bodyPr rtlCol="0" anchor="ctr"/>
+                <a:lstStyle/>
+                <a:p>
+                  <a:pPr algn="ctr"/>
+                  <a14:m>
+                    <m:oMathPara xmlns:m="http://schemas.openxmlformats.org/officeDocument/2006/math">
+                      <m:oMathParaPr>
+                        <m:jc m:val="centerGroup"/>
+                      </m:oMathParaPr>
+                      <m:oMath xmlns:m="http://schemas.openxmlformats.org/officeDocument/2006/math">
+                        <m:r>
+                          <m:rPr>
+                            <m:sty m:val="p"/>
+                          </m:rPr>
+                          <a:rPr lang="en-US" sz="1600" b="0" i="0" smtClean="0">
+                            <a:latin typeface="Cambria Math"/>
+                          </a:rPr>
+                          <m:t>Σ</m:t>
+                        </m:r>
+                      </m:oMath>
+                    </m:oMathPara>
+                  </a14:m>
+                  <a:endParaRPr lang="en-US" sz="1600" dirty="0"/>
+                </a:p>
+              </p:txBody>
+            </p:sp>
+          </mc:Choice>
+          <mc:Fallback xmlns="">
+            <p:sp>
+              <p:nvSpPr>
+                <p:cNvPr id="53" name="Rounded Rectangle 52"/>
+                <p:cNvSpPr>
+                  <a:spLocks noRot="1" noChangeAspect="1" noMove="1" noResize="1" noEditPoints="1" noAdjustHandles="1" noChangeArrowheads="1" noChangeShapeType="1" noTextEdit="1"/>
+                </p:cNvSpPr>
+                <p:nvPr/>
+              </p:nvSpPr>
+              <p:spPr>
+                <a:xfrm>
+                  <a:off x="6135694" y="1544320"/>
+                  <a:ext cx="419100" cy="228600"/>
+                </a:xfrm>
+                <a:prstGeom prst="roundRect">
+                  <a:avLst>
+                    <a:gd name="adj" fmla="val 50000"/>
+                  </a:avLst>
+                </a:prstGeom>
+                <a:blipFill rotWithShape="1">
+                  <a:blip r:embed="rId7"/>
+                  <a:stretch>
+                    <a:fillRect b="-7500"/>
+                  </a:stretch>
+                </a:blipFill>
+                <a:ln w="12700"/>
+              </p:spPr>
+              <p:txBody>
+                <a:bodyPr/>
+                <a:lstStyle/>
+                <a:p>
+                  <a:r>
+                    <a:rPr lang="en-US">
+                      <a:noFill/>
+                    </a:rPr>
+                    <a:t> </a:t>
+                  </a:r>
+                </a:p>
+              </p:txBody>
+            </p:sp>
+          </mc:Fallback>
+        </mc:AlternateContent>
+        <p:sp>
+          <p:nvSpPr>
+            <p:cNvPr id="54" name="Rectangle 53"/>
+            <p:cNvSpPr/>
+            <p:nvPr/>
+          </p:nvSpPr>
+          <p:spPr>
+            <a:xfrm>
+              <a:off x="6451600" y="1544320"/>
+              <a:ext cx="679450" cy="228600"/>
+            </a:xfrm>
+            <a:prstGeom prst="rect">
+              <a:avLst/>
+            </a:prstGeom>
+            <a:ln w="12700"/>
+          </p:spPr>
+          <p:style>
+            <a:lnRef idx="2">
+              <a:schemeClr val="accent1">
+                <a:shade val="50000"/>
+              </a:schemeClr>
+            </a:lnRef>
+            <a:fillRef idx="1">
+              <a:schemeClr val="accent1"/>
+            </a:fillRef>
+            <a:effectRef idx="0">
+              <a:schemeClr val="accent1"/>
+            </a:effectRef>
+            <a:fontRef idx="minor">
+              <a:schemeClr val="lt1"/>
+            </a:fontRef>
+          </p:style>
+          <p:txBody>
+            <a:bodyPr rtlCol="0" anchor="ctr"/>
+            <a:lstStyle/>
+            <a:p>
+              <a:pPr algn="ctr"/>
+              <a:r>
+                <a:rPr lang="en-US" sz="1600" dirty="0" smtClean="0"/>
+                <a:t>Input</a:t>
+              </a:r>
+              <a:endParaRPr lang="en-US" sz="1600" dirty="0"/>
+            </a:p>
+          </p:txBody>
+        </p:sp>
+        <p:cxnSp>
+          <p:nvCxnSpPr>
+            <p:cNvPr id="55" name="Straight Arrow Connector 54"/>
+            <p:cNvCxnSpPr>
+              <a:stCxn id="6" idx="3"/>
+              <a:endCxn id="47" idx="1"/>
+            </p:cNvCxnSpPr>
+            <p:nvPr/>
+          </p:nvCxnSpPr>
+          <p:spPr>
+            <a:xfrm>
+              <a:off x="5768979" y="1962884"/>
+              <a:ext cx="366715" cy="502722"/>
+            </a:xfrm>
+            <a:prstGeom prst="straightConnector1">
+              <a:avLst/>
+            </a:prstGeom>
+            <a:ln w="12700">
+              <a:headEnd type="none" w="med" len="med"/>
+              <a:tailEnd type="triangle" w="med" len="med"/>
+            </a:ln>
+          </p:spPr>
+          <p:style>
+            <a:lnRef idx="1">
+              <a:schemeClr val="accent1"/>
+            </a:lnRef>
+            <a:fillRef idx="0">
+              <a:schemeClr val="accent1"/>
+            </a:fillRef>
+            <a:effectRef idx="0">
+              <a:schemeClr val="accent1"/>
+            </a:effectRef>
+            <a:fontRef idx="minor">
+              <a:schemeClr val="tx1"/>
+            </a:fontRef>
+          </p:style>
+        </p:cxnSp>
+        <p:cxnSp>
+          <p:nvCxnSpPr>
+            <p:cNvPr id="58" name="Straight Arrow Connector 57"/>
+            <p:cNvCxnSpPr>
+              <a:stCxn id="6" idx="3"/>
+              <a:endCxn id="49" idx="1"/>
+            </p:cNvCxnSpPr>
+            <p:nvPr/>
+          </p:nvCxnSpPr>
+          <p:spPr>
+            <a:xfrm>
+              <a:off x="5768979" y="1962884"/>
+              <a:ext cx="366715" cy="536"/>
+            </a:xfrm>
+            <a:prstGeom prst="straightConnector1">
+              <a:avLst/>
+            </a:prstGeom>
+            <a:ln w="12700">
+              <a:headEnd type="none" w="med" len="med"/>
+              <a:tailEnd type="triangle" w="med" len="med"/>
+            </a:ln>
+          </p:spPr>
+          <p:style>
+            <a:lnRef idx="1">
+              <a:schemeClr val="accent1"/>
+            </a:lnRef>
+            <a:fillRef idx="0">
+              <a:schemeClr val="accent1"/>
+            </a:fillRef>
+            <a:effectRef idx="0">
+              <a:schemeClr val="accent1"/>
+            </a:effectRef>
+            <a:fontRef idx="minor">
+              <a:schemeClr val="tx1"/>
+            </a:fontRef>
+          </p:style>
+        </p:cxnSp>
+        <p:cxnSp>
+          <p:nvCxnSpPr>
+            <p:cNvPr id="61" name="Straight Arrow Connector 60"/>
+            <p:cNvCxnSpPr>
+              <a:stCxn id="6" idx="3"/>
+              <a:endCxn id="53" idx="1"/>
+            </p:cNvCxnSpPr>
+            <p:nvPr/>
+          </p:nvCxnSpPr>
+          <p:spPr>
+            <a:xfrm flipV="1">
+              <a:off x="5768979" y="1658620"/>
+              <a:ext cx="366715" cy="304264"/>
+            </a:xfrm>
+            <a:prstGeom prst="straightConnector1">
+              <a:avLst/>
+            </a:prstGeom>
+            <a:ln w="12700">
+              <a:headEnd type="none" w="med" len="med"/>
+              <a:tailEnd type="triangle" w="med" len="med"/>
+            </a:ln>
+          </p:spPr>
+          <p:style>
+            <a:lnRef idx="1">
+              <a:schemeClr val="accent1"/>
+            </a:lnRef>
+            <a:fillRef idx="0">
+              <a:schemeClr val="accent1"/>
+            </a:fillRef>
+            <a:effectRef idx="0">
+              <a:schemeClr val="accent1"/>
+            </a:effectRef>
+            <a:fontRef idx="minor">
+              <a:schemeClr val="tx1"/>
+            </a:fontRef>
+          </p:style>
+        </p:cxnSp>
+        <p:sp>
+          <p:nvSpPr>
+            <p:cNvPr id="67" name="Rectangle 66"/>
+            <p:cNvSpPr/>
+            <p:nvPr/>
+          </p:nvSpPr>
+          <p:spPr>
+            <a:xfrm>
+              <a:off x="7137400" y="2586256"/>
+              <a:ext cx="187764" cy="1191458"/>
             </a:xfrm>
             <a:prstGeom prst="rect">
               <a:avLst/>
@@ -19331,11 +19823,887 @@
             </a:p>
           </p:txBody>
         </p:sp>
+        <mc:AlternateContent xmlns:mc="http://schemas.openxmlformats.org/markup-compatibility/2006" xmlns:a14="http://schemas.microsoft.com/office/drawing/2010/main">
+          <mc:Choice Requires="a14">
+            <p:sp>
+              <p:nvSpPr>
+                <p:cNvPr id="68" name="Rounded Rectangle 67"/>
+                <p:cNvSpPr/>
+                <p:nvPr/>
+              </p:nvSpPr>
+              <p:spPr>
+                <a:xfrm>
+                  <a:off x="2416170" y="2656106"/>
+                  <a:ext cx="419100" cy="228600"/>
+                </a:xfrm>
+                <a:prstGeom prst="roundRect">
+                  <a:avLst>
+                    <a:gd name="adj" fmla="val 50000"/>
+                  </a:avLst>
+                </a:prstGeom>
+                <a:ln w="12700"/>
+              </p:spPr>
+              <p:style>
+                <a:lnRef idx="2">
+                  <a:schemeClr val="accent6">
+                    <a:shade val="50000"/>
+                  </a:schemeClr>
+                </a:lnRef>
+                <a:fillRef idx="1">
+                  <a:schemeClr val="accent6"/>
+                </a:fillRef>
+                <a:effectRef idx="0">
+                  <a:schemeClr val="accent6"/>
+                </a:effectRef>
+                <a:fontRef idx="minor">
+                  <a:schemeClr val="lt1"/>
+                </a:fontRef>
+              </p:style>
+              <p:txBody>
+                <a:bodyPr rtlCol="0" anchor="ctr"/>
+                <a:lstStyle/>
+                <a:p>
+                  <a:pPr algn="ctr"/>
+                  <a14:m>
+                    <m:oMathPara xmlns:m="http://schemas.openxmlformats.org/officeDocument/2006/math">
+                      <m:oMathParaPr>
+                        <m:jc m:val="centerGroup"/>
+                      </m:oMathParaPr>
+                      <m:oMath xmlns:m="http://schemas.openxmlformats.org/officeDocument/2006/math">
+                        <m:r>
+                          <a:rPr lang="en-US" sz="1600" b="0" i="0" smtClean="0">
+                            <a:latin typeface="Cambria Math"/>
+                          </a:rPr>
+                          <m:t>  </m:t>
+                        </m:r>
+                        <m:r>
+                          <m:rPr>
+                            <m:sty m:val="p"/>
+                          </m:rPr>
+                          <a:rPr lang="en-US" sz="1600" b="0" i="0" smtClean="0">
+                            <a:latin typeface="Cambria Math"/>
+                          </a:rPr>
+                          <m:t>Σ</m:t>
+                        </m:r>
+                      </m:oMath>
+                    </m:oMathPara>
+                  </a14:m>
+                  <a:endParaRPr lang="en-US" sz="1600" dirty="0"/>
+                </a:p>
+              </p:txBody>
+            </p:sp>
+          </mc:Choice>
+          <mc:Fallback xmlns="">
+            <p:sp>
+              <p:nvSpPr>
+                <p:cNvPr id="68" name="Rounded Rectangle 67"/>
+                <p:cNvSpPr>
+                  <a:spLocks noRot="1" noChangeAspect="1" noMove="1" noResize="1" noEditPoints="1" noAdjustHandles="1" noChangeArrowheads="1" noChangeShapeType="1" noTextEdit="1"/>
+                </p:cNvSpPr>
+                <p:nvPr/>
+              </p:nvSpPr>
+              <p:spPr>
+                <a:xfrm>
+                  <a:off x="2416170" y="2656106"/>
+                  <a:ext cx="419100" cy="228600"/>
+                </a:xfrm>
+                <a:prstGeom prst="roundRect">
+                  <a:avLst>
+                    <a:gd name="adj" fmla="val 50000"/>
+                  </a:avLst>
+                </a:prstGeom>
+                <a:blipFill rotWithShape="1">
+                  <a:blip r:embed="rId8"/>
+                  <a:stretch>
+                    <a:fillRect b="-7692"/>
+                  </a:stretch>
+                </a:blipFill>
+                <a:ln w="12700"/>
+              </p:spPr>
+              <p:txBody>
+                <a:bodyPr/>
+                <a:lstStyle/>
+                <a:p>
+                  <a:r>
+                    <a:rPr lang="en-US">
+                      <a:noFill/>
+                    </a:rPr>
+                    <a:t> </a:t>
+                  </a:r>
+                </a:p>
+              </p:txBody>
+            </p:sp>
+          </mc:Fallback>
+        </mc:AlternateContent>
+        <p:sp>
+          <p:nvSpPr>
+            <p:cNvPr id="70" name="Rectangle 69"/>
+            <p:cNvSpPr/>
+            <p:nvPr/>
+          </p:nvSpPr>
+          <p:spPr>
+            <a:xfrm>
+              <a:off x="1857912" y="2656106"/>
+              <a:ext cx="679450" cy="228600"/>
+            </a:xfrm>
+            <a:prstGeom prst="rect">
+              <a:avLst/>
+            </a:prstGeom>
+            <a:ln w="12700"/>
+          </p:spPr>
+          <p:style>
+            <a:lnRef idx="2">
+              <a:schemeClr val="accent6">
+                <a:shade val="50000"/>
+              </a:schemeClr>
+            </a:lnRef>
+            <a:fillRef idx="1">
+              <a:schemeClr val="accent6"/>
+            </a:fillRef>
+            <a:effectRef idx="0">
+              <a:schemeClr val="accent6"/>
+            </a:effectRef>
+            <a:fontRef idx="minor">
+              <a:schemeClr val="lt1"/>
+            </a:fontRef>
+          </p:style>
+          <p:txBody>
+            <a:bodyPr rtlCol="0" anchor="ctr"/>
+            <a:lstStyle/>
+            <a:p>
+              <a:pPr algn="ctr"/>
+              <a:r>
+                <a:rPr lang="en-US" sz="1600" dirty="0" smtClean="0"/>
+                <a:t>Input</a:t>
+              </a:r>
+              <a:endParaRPr lang="en-US" sz="1600" dirty="0"/>
+            </a:p>
+          </p:txBody>
+        </p:sp>
+        <mc:AlternateContent xmlns:mc="http://schemas.openxmlformats.org/markup-compatibility/2006" xmlns:a14="http://schemas.microsoft.com/office/drawing/2010/main">
+          <mc:Choice Requires="a14">
+            <p:sp>
+              <p:nvSpPr>
+                <p:cNvPr id="71" name="Rounded Rectangle 70"/>
+                <p:cNvSpPr/>
+                <p:nvPr/>
+              </p:nvSpPr>
+              <p:spPr>
+                <a:xfrm>
+                  <a:off x="2416170" y="3157537"/>
+                  <a:ext cx="419100" cy="228600"/>
+                </a:xfrm>
+                <a:prstGeom prst="roundRect">
+                  <a:avLst>
+                    <a:gd name="adj" fmla="val 50000"/>
+                  </a:avLst>
+                </a:prstGeom>
+                <a:ln w="12700"/>
+              </p:spPr>
+              <p:style>
+                <a:lnRef idx="2">
+                  <a:schemeClr val="accent6">
+                    <a:shade val="50000"/>
+                  </a:schemeClr>
+                </a:lnRef>
+                <a:fillRef idx="1">
+                  <a:schemeClr val="accent6"/>
+                </a:fillRef>
+                <a:effectRef idx="0">
+                  <a:schemeClr val="accent6"/>
+                </a:effectRef>
+                <a:fontRef idx="minor">
+                  <a:schemeClr val="lt1"/>
+                </a:fontRef>
+              </p:style>
+              <p:txBody>
+                <a:bodyPr rtlCol="0" anchor="ctr"/>
+                <a:lstStyle/>
+                <a:p>
+                  <a:pPr algn="ctr"/>
+                  <a14:m>
+                    <m:oMathPara xmlns:m="http://schemas.openxmlformats.org/officeDocument/2006/math">
+                      <m:oMathParaPr>
+                        <m:jc m:val="centerGroup"/>
+                      </m:oMathParaPr>
+                      <m:oMath xmlns:m="http://schemas.openxmlformats.org/officeDocument/2006/math">
+                        <m:r>
+                          <a:rPr lang="en-US" sz="1600" b="0" i="0" smtClean="0">
+                            <a:latin typeface="Cambria Math"/>
+                          </a:rPr>
+                          <m:t>  </m:t>
+                        </m:r>
+                        <m:r>
+                          <m:rPr>
+                            <m:sty m:val="p"/>
+                          </m:rPr>
+                          <a:rPr lang="en-US" sz="1600" b="0" i="0" smtClean="0">
+                            <a:latin typeface="Cambria Math"/>
+                          </a:rPr>
+                          <m:t>Σ</m:t>
+                        </m:r>
+                      </m:oMath>
+                    </m:oMathPara>
+                  </a14:m>
+                  <a:endParaRPr lang="en-US" sz="1600" dirty="0"/>
+                </a:p>
+              </p:txBody>
+            </p:sp>
+          </mc:Choice>
+          <mc:Fallback xmlns="">
+            <p:sp>
+              <p:nvSpPr>
+                <p:cNvPr id="71" name="Rounded Rectangle 70"/>
+                <p:cNvSpPr>
+                  <a:spLocks noRot="1" noChangeAspect="1" noMove="1" noResize="1" noEditPoints="1" noAdjustHandles="1" noChangeArrowheads="1" noChangeShapeType="1" noTextEdit="1"/>
+                </p:cNvSpPr>
+                <p:nvPr/>
+              </p:nvSpPr>
+              <p:spPr>
+                <a:xfrm>
+                  <a:off x="2416170" y="3157537"/>
+                  <a:ext cx="419100" cy="228600"/>
+                </a:xfrm>
+                <a:prstGeom prst="roundRect">
+                  <a:avLst>
+                    <a:gd name="adj" fmla="val 50000"/>
+                  </a:avLst>
+                </a:prstGeom>
+                <a:blipFill rotWithShape="1">
+                  <a:blip r:embed="rId9"/>
+                  <a:stretch>
+                    <a:fillRect b="-7692"/>
+                  </a:stretch>
+                </a:blipFill>
+                <a:ln w="12700"/>
+              </p:spPr>
+              <p:txBody>
+                <a:bodyPr/>
+                <a:lstStyle/>
+                <a:p>
+                  <a:r>
+                    <a:rPr lang="en-US">
+                      <a:noFill/>
+                    </a:rPr>
+                    <a:t> </a:t>
+                  </a:r>
+                </a:p>
+              </p:txBody>
+            </p:sp>
+          </mc:Fallback>
+        </mc:AlternateContent>
+        <p:sp>
+          <p:nvSpPr>
+            <p:cNvPr id="72" name="Rectangle 71"/>
+            <p:cNvSpPr/>
+            <p:nvPr/>
+          </p:nvSpPr>
+          <p:spPr>
+            <a:xfrm>
+              <a:off x="1857912" y="3157537"/>
+              <a:ext cx="679450" cy="228600"/>
+            </a:xfrm>
+            <a:prstGeom prst="rect">
+              <a:avLst/>
+            </a:prstGeom>
+            <a:ln w="12700"/>
+          </p:spPr>
+          <p:style>
+            <a:lnRef idx="2">
+              <a:schemeClr val="accent6">
+                <a:shade val="50000"/>
+              </a:schemeClr>
+            </a:lnRef>
+            <a:fillRef idx="1">
+              <a:schemeClr val="accent6"/>
+            </a:fillRef>
+            <a:effectRef idx="0">
+              <a:schemeClr val="accent6"/>
+            </a:effectRef>
+            <a:fontRef idx="minor">
+              <a:schemeClr val="lt1"/>
+            </a:fontRef>
+          </p:style>
+          <p:txBody>
+            <a:bodyPr rtlCol="0" anchor="ctr"/>
+            <a:lstStyle/>
+            <a:p>
+              <a:pPr algn="ctr"/>
+              <a:r>
+                <a:rPr lang="en-US" sz="1600" dirty="0" smtClean="0"/>
+                <a:t>Input</a:t>
+              </a:r>
+              <a:endParaRPr lang="en-US" sz="1600" dirty="0"/>
+            </a:p>
+          </p:txBody>
+        </p:sp>
+        <mc:AlternateContent xmlns:mc="http://schemas.openxmlformats.org/markup-compatibility/2006" xmlns:a14="http://schemas.microsoft.com/office/drawing/2010/main">
+          <mc:Choice Requires="a14">
+            <p:sp>
+              <p:nvSpPr>
+                <p:cNvPr id="73" name="Rounded Rectangle 72"/>
+                <p:cNvSpPr/>
+                <p:nvPr/>
+              </p:nvSpPr>
+              <p:spPr>
+                <a:xfrm>
+                  <a:off x="2416170" y="3462562"/>
+                  <a:ext cx="419100" cy="228600"/>
+                </a:xfrm>
+                <a:prstGeom prst="roundRect">
+                  <a:avLst>
+                    <a:gd name="adj" fmla="val 50000"/>
+                  </a:avLst>
+                </a:prstGeom>
+                <a:ln w="12700"/>
+              </p:spPr>
+              <p:style>
+                <a:lnRef idx="2">
+                  <a:schemeClr val="accent6">
+                    <a:shade val="50000"/>
+                  </a:schemeClr>
+                </a:lnRef>
+                <a:fillRef idx="1">
+                  <a:schemeClr val="accent6"/>
+                </a:fillRef>
+                <a:effectRef idx="0">
+                  <a:schemeClr val="accent6"/>
+                </a:effectRef>
+                <a:fontRef idx="minor">
+                  <a:schemeClr val="lt1"/>
+                </a:fontRef>
+              </p:style>
+              <p:txBody>
+                <a:bodyPr rtlCol="0" anchor="ctr"/>
+                <a:lstStyle/>
+                <a:p>
+                  <a:pPr algn="ctr"/>
+                  <a14:m>
+                    <m:oMathPara xmlns:m="http://schemas.openxmlformats.org/officeDocument/2006/math">
+                      <m:oMathParaPr>
+                        <m:jc m:val="centerGroup"/>
+                      </m:oMathParaPr>
+                      <m:oMath xmlns:m="http://schemas.openxmlformats.org/officeDocument/2006/math">
+                        <m:r>
+                          <a:rPr lang="en-US" sz="1600" b="0" i="0" smtClean="0">
+                            <a:latin typeface="Cambria Math"/>
+                          </a:rPr>
+                          <m:t>  </m:t>
+                        </m:r>
+                        <m:r>
+                          <m:rPr>
+                            <m:sty m:val="p"/>
+                          </m:rPr>
+                          <a:rPr lang="en-US" sz="1600" b="0" i="0" smtClean="0">
+                            <a:latin typeface="Cambria Math"/>
+                          </a:rPr>
+                          <m:t>Σ</m:t>
+                        </m:r>
+                      </m:oMath>
+                    </m:oMathPara>
+                  </a14:m>
+                  <a:endParaRPr lang="en-US" sz="1600" dirty="0"/>
+                </a:p>
+              </p:txBody>
+            </p:sp>
+          </mc:Choice>
+          <mc:Fallback xmlns="">
+            <p:sp>
+              <p:nvSpPr>
+                <p:cNvPr id="73" name="Rounded Rectangle 72"/>
+                <p:cNvSpPr>
+                  <a:spLocks noRot="1" noChangeAspect="1" noMove="1" noResize="1" noEditPoints="1" noAdjustHandles="1" noChangeArrowheads="1" noChangeShapeType="1" noTextEdit="1"/>
+                </p:cNvSpPr>
+                <p:nvPr/>
+              </p:nvSpPr>
+              <p:spPr>
+                <a:xfrm>
+                  <a:off x="2416170" y="3462562"/>
+                  <a:ext cx="419100" cy="228600"/>
+                </a:xfrm>
+                <a:prstGeom prst="roundRect">
+                  <a:avLst>
+                    <a:gd name="adj" fmla="val 50000"/>
+                  </a:avLst>
+                </a:prstGeom>
+                <a:blipFill rotWithShape="1">
+                  <a:blip r:embed="rId10"/>
+                  <a:stretch>
+                    <a:fillRect b="-5000"/>
+                  </a:stretch>
+                </a:blipFill>
+                <a:ln w="12700"/>
+              </p:spPr>
+              <p:txBody>
+                <a:bodyPr/>
+                <a:lstStyle/>
+                <a:p>
+                  <a:r>
+                    <a:rPr lang="en-US">
+                      <a:noFill/>
+                    </a:rPr>
+                    <a:t> </a:t>
+                  </a:r>
+                </a:p>
+              </p:txBody>
+            </p:sp>
+          </mc:Fallback>
+        </mc:AlternateContent>
+        <p:sp>
+          <p:nvSpPr>
+            <p:cNvPr id="74" name="Rectangle 73"/>
+            <p:cNvSpPr/>
+            <p:nvPr/>
+          </p:nvSpPr>
+          <p:spPr>
+            <a:xfrm>
+              <a:off x="1857912" y="3462562"/>
+              <a:ext cx="679450" cy="228600"/>
+            </a:xfrm>
+            <a:prstGeom prst="rect">
+              <a:avLst/>
+            </a:prstGeom>
+            <a:ln w="12700"/>
+          </p:spPr>
+          <p:style>
+            <a:lnRef idx="2">
+              <a:schemeClr val="accent6">
+                <a:shade val="50000"/>
+              </a:schemeClr>
+            </a:lnRef>
+            <a:fillRef idx="1">
+              <a:schemeClr val="accent6"/>
+            </a:fillRef>
+            <a:effectRef idx="0">
+              <a:schemeClr val="accent6"/>
+            </a:effectRef>
+            <a:fontRef idx="minor">
+              <a:schemeClr val="lt1"/>
+            </a:fontRef>
+          </p:style>
+          <p:txBody>
+            <a:bodyPr rtlCol="0" anchor="ctr"/>
+            <a:lstStyle/>
+            <a:p>
+              <a:pPr algn="ctr"/>
+              <a:r>
+                <a:rPr lang="en-US" sz="1600" dirty="0" smtClean="0"/>
+                <a:t>Input</a:t>
+              </a:r>
+              <a:endParaRPr lang="en-US" sz="1600" dirty="0"/>
+            </a:p>
+          </p:txBody>
+        </p:sp>
+        <p:sp>
+          <p:nvSpPr>
+            <p:cNvPr id="75" name="TextBox 74"/>
+            <p:cNvSpPr txBox="1"/>
+            <p:nvPr/>
+          </p:nvSpPr>
+          <p:spPr>
+            <a:xfrm>
+              <a:off x="6484603" y="2086147"/>
+              <a:ext cx="430887" cy="243310"/>
+            </a:xfrm>
+            <a:prstGeom prst="rect">
+              <a:avLst/>
+            </a:prstGeom>
+            <a:noFill/>
+          </p:spPr>
+          <p:txBody>
+            <a:bodyPr vert="vert" wrap="square" rtlCol="0">
+              <a:spAutoFit/>
+            </a:bodyPr>
+            <a:lstStyle/>
+            <a:p>
+              <a:pPr algn="ctr"/>
+              <a:r>
+                <a:rPr lang="en-US" sz="1600" dirty="0" smtClean="0"/>
+                <a:t>…</a:t>
+              </a:r>
+              <a:endParaRPr lang="en-US" sz="1600" dirty="0"/>
+            </a:p>
+          </p:txBody>
+        </p:sp>
+        <p:sp>
+          <p:nvSpPr>
+            <p:cNvPr id="79" name="Rectangle 78"/>
+            <p:cNvSpPr/>
+            <p:nvPr/>
+          </p:nvSpPr>
+          <p:spPr>
+            <a:xfrm>
+              <a:off x="1667412" y="1458304"/>
+              <a:ext cx="187764" cy="1191458"/>
+            </a:xfrm>
+            <a:prstGeom prst="rect">
+              <a:avLst/>
+            </a:prstGeom>
+            <a:solidFill>
+              <a:schemeClr val="bg1"/>
+            </a:solidFill>
+            <a:ln>
+              <a:noFill/>
+            </a:ln>
+          </p:spPr>
+          <p:style>
+            <a:lnRef idx="2">
+              <a:schemeClr val="accent1">
+                <a:shade val="50000"/>
+              </a:schemeClr>
+            </a:lnRef>
+            <a:fillRef idx="1">
+              <a:schemeClr val="accent1"/>
+            </a:fillRef>
+            <a:effectRef idx="0">
+              <a:schemeClr val="accent1"/>
+            </a:effectRef>
+            <a:fontRef idx="minor">
+              <a:schemeClr val="lt1"/>
+            </a:fontRef>
+          </p:style>
+          <p:txBody>
+            <a:bodyPr rtlCol="0" anchor="ctr"/>
+            <a:lstStyle/>
+            <a:p>
+              <a:pPr algn="ctr"/>
+              <a:endParaRPr lang="en-US"/>
+            </a:p>
+          </p:txBody>
+        </p:sp>
+        <p:sp>
+          <p:nvSpPr>
+            <p:cNvPr id="81" name="TextBox 80"/>
+            <p:cNvSpPr txBox="1"/>
+            <p:nvPr/>
+          </p:nvSpPr>
+          <p:spPr>
+            <a:xfrm>
+              <a:off x="2176916" y="2092858"/>
+              <a:ext cx="430887" cy="243310"/>
+            </a:xfrm>
+            <a:prstGeom prst="rect">
+              <a:avLst/>
+            </a:prstGeom>
+            <a:noFill/>
+          </p:spPr>
+          <p:txBody>
+            <a:bodyPr vert="vert" wrap="square" rtlCol="0">
+              <a:spAutoFit/>
+            </a:bodyPr>
+            <a:lstStyle/>
+            <a:p>
+              <a:pPr algn="ctr"/>
+              <a:r>
+                <a:rPr lang="en-US" sz="1600" dirty="0" smtClean="0"/>
+                <a:t>…</a:t>
+              </a:r>
+              <a:endParaRPr lang="en-US" sz="1600" dirty="0"/>
+            </a:p>
+          </p:txBody>
+        </p:sp>
+        <p:cxnSp>
+          <p:nvCxnSpPr>
+            <p:cNvPr id="82" name="Straight Arrow Connector 81"/>
+            <p:cNvCxnSpPr>
+              <a:stCxn id="65" idx="1"/>
+              <a:endCxn id="68" idx="3"/>
+            </p:cNvCxnSpPr>
+            <p:nvPr/>
+          </p:nvCxnSpPr>
+          <p:spPr>
+            <a:xfrm flipH="1" flipV="1">
+              <a:off x="2835270" y="2770406"/>
+              <a:ext cx="342909" cy="501683"/>
+            </a:xfrm>
+            <a:prstGeom prst="straightConnector1">
+              <a:avLst/>
+            </a:prstGeom>
+            <a:ln w="12700">
+              <a:headEnd type="none" w="med" len="med"/>
+              <a:tailEnd type="triangle" w="med" len="med"/>
+            </a:ln>
+          </p:spPr>
+          <p:style>
+            <a:lnRef idx="1">
+              <a:schemeClr val="accent6"/>
+            </a:lnRef>
+            <a:fillRef idx="0">
+              <a:schemeClr val="accent6"/>
+            </a:fillRef>
+            <a:effectRef idx="0">
+              <a:schemeClr val="accent6"/>
+            </a:effectRef>
+            <a:fontRef idx="minor">
+              <a:schemeClr val="tx1"/>
+            </a:fontRef>
+          </p:style>
+        </p:cxnSp>
+        <p:cxnSp>
+          <p:nvCxnSpPr>
+            <p:cNvPr id="85" name="Straight Arrow Connector 84"/>
+            <p:cNvCxnSpPr>
+              <a:stCxn id="65" idx="1"/>
+              <a:endCxn id="71" idx="3"/>
+            </p:cNvCxnSpPr>
+            <p:nvPr/>
+          </p:nvCxnSpPr>
+          <p:spPr>
+            <a:xfrm flipH="1" flipV="1">
+              <a:off x="2835270" y="3271837"/>
+              <a:ext cx="342909" cy="252"/>
+            </a:xfrm>
+            <a:prstGeom prst="straightConnector1">
+              <a:avLst/>
+            </a:prstGeom>
+            <a:ln w="12700">
+              <a:headEnd type="none" w="med" len="med"/>
+              <a:tailEnd type="triangle" w="med" len="med"/>
+            </a:ln>
+          </p:spPr>
+          <p:style>
+            <a:lnRef idx="1">
+              <a:schemeClr val="accent6"/>
+            </a:lnRef>
+            <a:fillRef idx="0">
+              <a:schemeClr val="accent6"/>
+            </a:fillRef>
+            <a:effectRef idx="0">
+              <a:schemeClr val="accent6"/>
+            </a:effectRef>
+            <a:fontRef idx="minor">
+              <a:schemeClr val="tx1"/>
+            </a:fontRef>
+          </p:style>
+        </p:cxnSp>
+        <p:cxnSp>
+          <p:nvCxnSpPr>
+            <p:cNvPr id="88" name="Straight Arrow Connector 87"/>
+            <p:cNvCxnSpPr>
+              <a:stCxn id="65" idx="1"/>
+              <a:endCxn id="73" idx="3"/>
+            </p:cNvCxnSpPr>
+            <p:nvPr/>
+          </p:nvCxnSpPr>
+          <p:spPr>
+            <a:xfrm flipH="1">
+              <a:off x="2835270" y="3272089"/>
+              <a:ext cx="342909" cy="304773"/>
+            </a:xfrm>
+            <a:prstGeom prst="straightConnector1">
+              <a:avLst/>
+            </a:prstGeom>
+            <a:ln w="12700">
+              <a:headEnd type="none" w="med" len="med"/>
+              <a:tailEnd type="triangle" w="med" len="med"/>
+            </a:ln>
+          </p:spPr>
+          <p:style>
+            <a:lnRef idx="1">
+              <a:schemeClr val="accent6"/>
+            </a:lnRef>
+            <a:fillRef idx="0">
+              <a:schemeClr val="accent6"/>
+            </a:fillRef>
+            <a:effectRef idx="0">
+              <a:schemeClr val="accent6"/>
+            </a:effectRef>
+            <a:fontRef idx="minor">
+              <a:schemeClr val="tx1"/>
+            </a:fontRef>
+          </p:style>
+        </p:cxnSp>
+        <p:sp>
+          <p:nvSpPr>
+            <p:cNvPr id="94" name="TextBox 93"/>
+            <p:cNvSpPr txBox="1"/>
+            <p:nvPr/>
+          </p:nvSpPr>
+          <p:spPr>
+            <a:xfrm>
+              <a:off x="4161173" y="2448464"/>
+              <a:ext cx="636713" cy="338554"/>
+            </a:xfrm>
+            <a:prstGeom prst="rect">
+              <a:avLst/>
+            </a:prstGeom>
+            <a:noFill/>
+          </p:spPr>
+          <p:txBody>
+            <a:bodyPr wrap="none" rtlCol="0">
+              <a:spAutoFit/>
+            </a:bodyPr>
+            <a:lstStyle/>
+            <a:p>
+              <a:r>
+                <a:rPr lang="en-US" sz="1600" dirty="0" smtClean="0"/>
+                <a:t>Node</a:t>
+              </a:r>
+              <a:endParaRPr lang="en-US" sz="1600" dirty="0"/>
+            </a:p>
+          </p:txBody>
+        </p:sp>
+        <p:sp>
+          <p:nvSpPr>
+            <p:cNvPr id="98" name="TextBox 97"/>
+            <p:cNvSpPr txBox="1"/>
+            <p:nvPr/>
+          </p:nvSpPr>
+          <p:spPr>
+            <a:xfrm>
+              <a:off x="2176916" y="2901121"/>
+              <a:ext cx="430887" cy="243310"/>
+            </a:xfrm>
+            <a:prstGeom prst="rect">
+              <a:avLst/>
+            </a:prstGeom>
+            <a:noFill/>
+          </p:spPr>
+          <p:txBody>
+            <a:bodyPr vert="vert" wrap="square" rtlCol="0">
+              <a:spAutoFit/>
+            </a:bodyPr>
+            <a:lstStyle/>
+            <a:p>
+              <a:pPr algn="ctr"/>
+              <a:r>
+                <a:rPr lang="en-US" sz="1600" dirty="0" smtClean="0"/>
+                <a:t>…</a:t>
+              </a:r>
+              <a:endParaRPr lang="en-US" sz="1600" dirty="0"/>
+            </a:p>
+          </p:txBody>
+        </p:sp>
+        <p:sp>
+          <p:nvSpPr>
+            <p:cNvPr id="99" name="TextBox 98"/>
+            <p:cNvSpPr txBox="1"/>
+            <p:nvPr/>
+          </p:nvSpPr>
+          <p:spPr>
+            <a:xfrm>
+              <a:off x="6484602" y="2901121"/>
+              <a:ext cx="430887" cy="243310"/>
+            </a:xfrm>
+            <a:prstGeom prst="rect">
+              <a:avLst/>
+            </a:prstGeom>
+            <a:noFill/>
+          </p:spPr>
+          <p:txBody>
+            <a:bodyPr vert="vert" wrap="square" rtlCol="0">
+              <a:spAutoFit/>
+            </a:bodyPr>
+            <a:lstStyle/>
+            <a:p>
+              <a:pPr algn="ctr"/>
+              <a:r>
+                <a:rPr lang="en-US" sz="1600" dirty="0" smtClean="0"/>
+                <a:t>…</a:t>
+              </a:r>
+              <a:endParaRPr lang="en-US" sz="1600" dirty="0"/>
+            </a:p>
+          </p:txBody>
+        </p:sp>
       </p:grpSp>
     </p:spTree>
     <p:extLst>
       <p:ext uri="{BB962C8B-B14F-4D97-AF65-F5344CB8AC3E}">
         <p14:creationId xmlns:p14="http://schemas.microsoft.com/office/powerpoint/2010/main" val="1997678120"/>
+      </p:ext>
+    </p:extLst>
+  </p:cSld>
+  <p:clrMapOvr>
+    <a:masterClrMapping/>
+  </p:clrMapOvr>
+</p:sld>
+</file>
+
+<file path=ppt/slides/slide8.xml><?xml version="1.0" encoding="utf-8"?>
+<p:sld xmlns:a="http://schemas.openxmlformats.org/drawingml/2006/main" xmlns:r="http://schemas.openxmlformats.org/officeDocument/2006/relationships" xmlns:p="http://schemas.openxmlformats.org/presentationml/2006/main">
+  <p:cSld>
+    <p:spTree>
+      <p:nvGrpSpPr>
+        <p:cNvPr id="1" name=""/>
+        <p:cNvGrpSpPr/>
+        <p:nvPr/>
+      </p:nvGrpSpPr>
+      <p:grpSpPr>
+        <a:xfrm>
+          <a:off x="0" y="0"/>
+          <a:ext cx="0" cy="0"/>
+          <a:chOff x="0" y="0"/>
+          <a:chExt cx="0" cy="0"/>
+        </a:xfrm>
+      </p:grpSpPr>
+      <p:pic>
+        <p:nvPicPr>
+          <p:cNvPr id="2" name="Picture 2"/>
+          <p:cNvPicPr>
+            <a:picLocks noChangeAspect="1" noChangeArrowheads="1"/>
+          </p:cNvPicPr>
+          <p:nvPr/>
+        </p:nvPicPr>
+        <p:blipFill>
+          <a:blip r:embed="rId2">
+            <a:extLst>
+              <a:ext uri="{28A0092B-C50C-407E-A947-70E740481C1C}">
+                <a14:useLocalDpi xmlns:a14="http://schemas.microsoft.com/office/drawing/2010/main" val="0"/>
+              </a:ext>
+            </a:extLst>
+          </a:blip>
+          <a:srcRect/>
+          <a:stretch>
+            <a:fillRect/>
+          </a:stretch>
+        </p:blipFill>
+        <p:spPr bwMode="auto">
+          <a:xfrm>
+            <a:off x="3343275" y="2738438"/>
+            <a:ext cx="2457450" cy="1381125"/>
+          </a:xfrm>
+          <a:prstGeom prst="rect">
+            <a:avLst/>
+          </a:prstGeom>
+          <a:noFill/>
+          <a:ln>
+            <a:noFill/>
+          </a:ln>
+          <a:effectLst/>
+          <a:extLst>
+            <a:ext uri="{909E8E84-426E-40DD-AFC4-6F175D3DCCD1}">
+              <a14:hiddenFill xmlns:a14="http://schemas.microsoft.com/office/drawing/2010/main">
+                <a:solidFill>
+                  <a:schemeClr val="accent1"/>
+                </a:solidFill>
+              </a14:hiddenFill>
+            </a:ext>
+            <a:ext uri="{91240B29-F687-4F45-9708-019B960494DF}">
+              <a14:hiddenLine xmlns:a14="http://schemas.microsoft.com/office/drawing/2010/main" w="9525">
+                <a:solidFill>
+                  <a:schemeClr val="tx1"/>
+                </a:solidFill>
+                <a:miter lim="800000"/>
+                <a:headEnd/>
+                <a:tailEnd/>
+              </a14:hiddenLine>
+            </a:ext>
+            <a:ext uri="{AF507438-7753-43E0-B8FC-AC1667EBCBE1}">
+              <a14:hiddenEffects xmlns:a14="http://schemas.microsoft.com/office/drawing/2010/main">
+                <a:effectLst>
+                  <a:outerShdw dist="35921" dir="2700000" algn="ctr" rotWithShape="0">
+                    <a:schemeClr val="bg2"/>
+                  </a:outerShdw>
+                </a:effectLst>
+              </a14:hiddenEffects>
+            </a:ext>
+          </a:extLst>
+        </p:spPr>
+      </p:pic>
+    </p:spTree>
+    <p:extLst>
+      <p:ext uri="{BB962C8B-B14F-4D97-AF65-F5344CB8AC3E}">
+        <p14:creationId xmlns:p14="http://schemas.microsoft.com/office/powerpoint/2010/main" val="795875027"/>
       </p:ext>
     </p:extLst>
   </p:cSld>

--- a/trunk/pic/pic.pptx
+++ b/trunk/pic/pic.pptx
@@ -296,7 +296,7 @@
             <a:fld id="{1D8BD707-D9CF-40AE-B4C6-C98DA3205C09}" type="datetimeFigureOut">
               <a:rPr lang="en-US" smtClean="0"/>
               <a:pPr/>
-              <a:t>9/2/2014</a:t>
+              <a:t>9/15/2014</a:t>
             </a:fld>
             <a:endParaRPr lang="en-US"/>
           </a:p>
@@ -463,7 +463,7 @@
             <a:fld id="{1D8BD707-D9CF-40AE-B4C6-C98DA3205C09}" type="datetimeFigureOut">
               <a:rPr lang="en-US" smtClean="0"/>
               <a:pPr/>
-              <a:t>9/2/2014</a:t>
+              <a:t>9/15/2014</a:t>
             </a:fld>
             <a:endParaRPr lang="en-US"/>
           </a:p>
@@ -640,7 +640,7 @@
             <a:fld id="{1D8BD707-D9CF-40AE-B4C6-C98DA3205C09}" type="datetimeFigureOut">
               <a:rPr lang="en-US" smtClean="0"/>
               <a:pPr/>
-              <a:t>9/2/2014</a:t>
+              <a:t>9/15/2014</a:t>
             </a:fld>
             <a:endParaRPr lang="en-US"/>
           </a:p>
@@ -807,7 +807,7 @@
             <a:fld id="{1D8BD707-D9CF-40AE-B4C6-C98DA3205C09}" type="datetimeFigureOut">
               <a:rPr lang="en-US" smtClean="0"/>
               <a:pPr/>
-              <a:t>9/2/2014</a:t>
+              <a:t>9/15/2014</a:t>
             </a:fld>
             <a:endParaRPr lang="en-US"/>
           </a:p>
@@ -1050,7 +1050,7 @@
             <a:fld id="{1D8BD707-D9CF-40AE-B4C6-C98DA3205C09}" type="datetimeFigureOut">
               <a:rPr lang="en-US" smtClean="0"/>
               <a:pPr/>
-              <a:t>9/2/2014</a:t>
+              <a:t>9/15/2014</a:t>
             </a:fld>
             <a:endParaRPr lang="en-US"/>
           </a:p>
@@ -1335,7 +1335,7 @@
             <a:fld id="{1D8BD707-D9CF-40AE-B4C6-C98DA3205C09}" type="datetimeFigureOut">
               <a:rPr lang="en-US" smtClean="0"/>
               <a:pPr/>
-              <a:t>9/2/2014</a:t>
+              <a:t>9/15/2014</a:t>
             </a:fld>
             <a:endParaRPr lang="en-US"/>
           </a:p>
@@ -1754,7 +1754,7 @@
             <a:fld id="{1D8BD707-D9CF-40AE-B4C6-C98DA3205C09}" type="datetimeFigureOut">
               <a:rPr lang="en-US" smtClean="0"/>
               <a:pPr/>
-              <a:t>9/2/2014</a:t>
+              <a:t>9/15/2014</a:t>
             </a:fld>
             <a:endParaRPr lang="en-US"/>
           </a:p>
@@ -1869,7 +1869,7 @@
             <a:fld id="{1D8BD707-D9CF-40AE-B4C6-C98DA3205C09}" type="datetimeFigureOut">
               <a:rPr lang="en-US" smtClean="0"/>
               <a:pPr/>
-              <a:t>9/2/2014</a:t>
+              <a:t>9/15/2014</a:t>
             </a:fld>
             <a:endParaRPr lang="en-US"/>
           </a:p>
@@ -1961,7 +1961,7 @@
             <a:fld id="{1D8BD707-D9CF-40AE-B4C6-C98DA3205C09}" type="datetimeFigureOut">
               <a:rPr lang="en-US" smtClean="0"/>
               <a:pPr/>
-              <a:t>9/2/2014</a:t>
+              <a:t>9/15/2014</a:t>
             </a:fld>
             <a:endParaRPr lang="en-US"/>
           </a:p>
@@ -2235,7 +2235,7 @@
             <a:fld id="{1D8BD707-D9CF-40AE-B4C6-C98DA3205C09}" type="datetimeFigureOut">
               <a:rPr lang="en-US" smtClean="0"/>
               <a:pPr/>
-              <a:t>9/2/2014</a:t>
+              <a:t>9/15/2014</a:t>
             </a:fld>
             <a:endParaRPr lang="en-US"/>
           </a:p>
@@ -2485,7 +2485,7 @@
             <a:fld id="{1D8BD707-D9CF-40AE-B4C6-C98DA3205C09}" type="datetimeFigureOut">
               <a:rPr lang="en-US" smtClean="0"/>
               <a:pPr/>
-              <a:t>9/2/2014</a:t>
+              <a:t>9/15/2014</a:t>
             </a:fld>
             <a:endParaRPr lang="en-US"/>
           </a:p>
@@ -2695,7 +2695,7 @@
             <a:fld id="{1D8BD707-D9CF-40AE-B4C6-C98DA3205C09}" type="datetimeFigureOut">
               <a:rPr lang="en-US" smtClean="0"/>
               <a:pPr/>
-              <a:t>9/2/2014</a:t>
+              <a:t>9/15/2014</a:t>
             </a:fld>
             <a:endParaRPr lang="en-US"/>
           </a:p>
@@ -17657,16 +17657,16 @@
       </p:grpSpPr>
       <p:grpSp>
         <p:nvGrpSpPr>
-          <p:cNvPr id="32" name="Group 31"/>
+          <p:cNvPr id="14" name="Group 13"/>
           <p:cNvGrpSpPr/>
           <p:nvPr/>
         </p:nvGrpSpPr>
         <p:grpSpPr>
           <a:xfrm>
             <a:off x="1667412" y="1458304"/>
-            <a:ext cx="5657752" cy="2319410"/>
+            <a:ext cx="5800188" cy="2319410"/>
             <a:chOff x="1667412" y="1458304"/>
-            <a:chExt cx="5657752" cy="2319410"/>
+            <a:chExt cx="5800188" cy="2319410"/>
           </a:xfrm>
         </p:grpSpPr>
         <p:sp>
@@ -17677,8 +17677,8 @@
           </p:nvSpPr>
           <p:spPr>
             <a:xfrm>
-              <a:off x="3006724" y="1544320"/>
-              <a:ext cx="2945612" cy="2146842"/>
+              <a:off x="2997199" y="1544320"/>
+              <a:ext cx="3088048" cy="2146842"/>
             </a:xfrm>
             <a:prstGeom prst="roundRect">
               <a:avLst/>
@@ -17723,7 +17723,7 @@
               </p:nvSpPr>
               <p:spPr>
                 <a:xfrm>
-                  <a:off x="5349879" y="3157789"/>
+                  <a:off x="5492315" y="3157789"/>
                   <a:ext cx="419100" cy="228600"/>
                 </a:xfrm>
                 <a:prstGeom prst="roundRect">
@@ -17794,7 +17794,7 @@
               </p:nvSpPr>
               <p:spPr>
                 <a:xfrm>
-                  <a:off x="5349879" y="3157789"/>
+                  <a:off x="5492315" y="3157789"/>
                   <a:ext cx="419100" cy="228600"/>
                 </a:xfrm>
                 <a:prstGeom prst="roundRect">
@@ -17986,7 +17986,7 @@
           </p:nvSpPr>
           <p:spPr>
             <a:xfrm>
-              <a:off x="4670429" y="1848584"/>
+              <a:off x="4812865" y="1848584"/>
               <a:ext cx="1098550" cy="228600"/>
             </a:xfrm>
             <a:prstGeom prst="roundRect">
@@ -18025,259 +18025,96 @@
             </a:p>
           </p:txBody>
         </p:sp>
-        <mc:AlternateContent xmlns:mc="http://schemas.openxmlformats.org/markup-compatibility/2006" xmlns:a14="http://schemas.microsoft.com/office/drawing/2010/main">
-          <mc:Choice Requires="a14">
-            <p:sp>
-              <p:nvSpPr>
-                <p:cNvPr id="4" name="Rectangle 3"/>
-                <p:cNvSpPr/>
-                <p:nvPr/>
-              </p:nvSpPr>
-              <p:spPr>
-                <a:xfrm>
-                  <a:off x="4181479" y="1848584"/>
-                  <a:ext cx="609600" cy="228600"/>
-                </a:xfrm>
-                <a:prstGeom prst="rect">
-                  <a:avLst/>
-                </a:prstGeom>
-                <a:ln w="12700"/>
-              </p:spPr>
-              <p:style>
-                <a:lnRef idx="2">
-                  <a:schemeClr val="accent1">
-                    <a:shade val="50000"/>
-                  </a:schemeClr>
-                </a:lnRef>
-                <a:fillRef idx="1">
-                  <a:schemeClr val="accent1"/>
-                </a:fillRef>
-                <a:effectRef idx="0">
-                  <a:schemeClr val="accent1"/>
-                </a:effectRef>
-                <a:fontRef idx="minor">
-                  <a:schemeClr val="lt1"/>
-                </a:fontRef>
-              </p:style>
-              <p:txBody>
-                <a:bodyPr rtlCol="0" anchor="ctr"/>
-                <a:lstStyle/>
-                <a:p>
-                  <a:pPr algn="ctr"/>
-                  <a14:m>
-                    <m:oMathPara xmlns:m="http://schemas.openxmlformats.org/officeDocument/2006/math">
-                      <m:oMathParaPr>
-                        <m:jc m:val="centerGroup"/>
-                      </m:oMathParaPr>
-                      <m:oMath xmlns:m="http://schemas.openxmlformats.org/officeDocument/2006/math">
-                        <m:r>
-                          <a:rPr lang="en-US" sz="1600" b="0" i="1" smtClean="0">
-                            <a:latin typeface="Cambria Math"/>
-                          </a:rPr>
-                          <m:t>𝑓</m:t>
-                        </m:r>
-                        <m:d>
-                          <m:dPr>
-                            <m:ctrlPr>
-                              <a:rPr lang="en-US" sz="1600" b="0" i="1" smtClean="0">
-                                <a:latin typeface="Cambria Math"/>
-                              </a:rPr>
-                            </m:ctrlPr>
-                          </m:dPr>
-                          <m:e>
-                            <m:r>
-                              <a:rPr lang="en-US" sz="1600" b="0" i="1" smtClean="0">
-                                <a:latin typeface="Cambria Math"/>
-                                <a:ea typeface="Cambria Math"/>
-                              </a:rPr>
-                              <m:t>∙</m:t>
-                            </m:r>
-                          </m:e>
-                        </m:d>
-                      </m:oMath>
-                    </m:oMathPara>
-                  </a14:m>
-                  <a:endParaRPr lang="en-US" sz="1600" dirty="0"/>
-                </a:p>
-              </p:txBody>
-            </p:sp>
-          </mc:Choice>
-          <mc:Fallback xmlns="">
-            <p:sp>
-              <p:nvSpPr>
-                <p:cNvPr id="4" name="Rectangle 3"/>
-                <p:cNvSpPr>
-                  <a:spLocks noRot="1" noChangeAspect="1" noMove="1" noResize="1" noEditPoints="1" noAdjustHandles="1" noChangeArrowheads="1" noChangeShapeType="1" noTextEdit="1"/>
-                </p:cNvSpPr>
-                <p:nvPr/>
-              </p:nvSpPr>
-              <p:spPr>
-                <a:xfrm>
-                  <a:off x="4181479" y="1848584"/>
-                  <a:ext cx="609600" cy="228600"/>
-                </a:xfrm>
-                <a:prstGeom prst="rect">
-                  <a:avLst/>
-                </a:prstGeom>
-                <a:blipFill rotWithShape="1">
-                  <a:blip r:embed="rId4"/>
-                  <a:stretch>
-                    <a:fillRect b="-32500"/>
-                  </a:stretch>
-                </a:blipFill>
-                <a:ln w="12700"/>
-              </p:spPr>
-              <p:txBody>
-                <a:bodyPr/>
-                <a:lstStyle/>
-                <a:p>
-                  <a:r>
-                    <a:rPr lang="en-US">
-                      <a:noFill/>
-                    </a:rPr>
-                    <a:t> </a:t>
-                  </a:r>
-                </a:p>
-              </p:txBody>
-            </p:sp>
-          </mc:Fallback>
-        </mc:AlternateContent>
-        <mc:AlternateContent xmlns:mc="http://schemas.openxmlformats.org/markup-compatibility/2006" xmlns:a14="http://schemas.microsoft.com/office/drawing/2010/main">
-          <mc:Choice Requires="a14">
-            <p:sp>
-              <p:nvSpPr>
-                <p:cNvPr id="5" name="Rectangle 4"/>
-                <p:cNvSpPr/>
-                <p:nvPr/>
-              </p:nvSpPr>
-              <p:spPr>
-                <a:xfrm>
-                  <a:off x="4181479" y="3157789"/>
-                  <a:ext cx="609600" cy="228600"/>
-                </a:xfrm>
-                <a:prstGeom prst="rect">
-                  <a:avLst/>
-                </a:prstGeom>
-                <a:ln w="12700"/>
-              </p:spPr>
-              <p:style>
-                <a:lnRef idx="2">
-                  <a:schemeClr val="accent6">
-                    <a:shade val="50000"/>
-                  </a:schemeClr>
-                </a:lnRef>
-                <a:fillRef idx="1">
-                  <a:schemeClr val="accent6"/>
-                </a:fillRef>
-                <a:effectRef idx="0">
-                  <a:schemeClr val="accent6"/>
-                </a:effectRef>
-                <a:fontRef idx="minor">
-                  <a:schemeClr val="lt1"/>
-                </a:fontRef>
-              </p:style>
-              <p:txBody>
-                <a:bodyPr rtlCol="0" anchor="ctr"/>
-                <a:lstStyle/>
-                <a:p>
-                  <a:pPr algn="ctr"/>
-                  <a14:m>
-                    <m:oMathPara xmlns:m="http://schemas.openxmlformats.org/officeDocument/2006/math">
-                      <m:oMathParaPr>
-                        <m:jc m:val="centerGroup"/>
-                      </m:oMathParaPr>
-                      <m:oMath xmlns:m="http://schemas.openxmlformats.org/officeDocument/2006/math">
-                        <m:sSup>
-                          <m:sSupPr>
-                            <m:ctrlPr>
-                              <a:rPr lang="en-US" sz="1600" b="0" i="1" smtClean="0">
-                                <a:latin typeface="Cambria Math"/>
-                              </a:rPr>
-                            </m:ctrlPr>
-                          </m:sSupPr>
-                          <m:e>
-                            <m:r>
-                              <a:rPr lang="en-US" sz="1600" b="0" i="1" smtClean="0">
-                                <a:latin typeface="Cambria Math"/>
-                              </a:rPr>
-                              <m:t>𝑓</m:t>
-                            </m:r>
-                          </m:e>
-                          <m:sup>
-                            <m:r>
-                              <a:rPr lang="en-US" sz="1600" b="0" i="1" smtClean="0">
-                                <a:latin typeface="Cambria Math"/>
-                              </a:rPr>
-                              <m:t>′</m:t>
-                            </m:r>
-                          </m:sup>
-                        </m:sSup>
-                        <m:d>
-                          <m:dPr>
-                            <m:ctrlPr>
-                              <a:rPr lang="en-US" sz="1600" b="0" i="1" smtClean="0">
-                                <a:latin typeface="Cambria Math"/>
-                              </a:rPr>
-                            </m:ctrlPr>
-                          </m:dPr>
-                          <m:e>
-                            <m:r>
-                              <a:rPr lang="en-US" sz="1600" b="0" i="1" smtClean="0">
-                                <a:latin typeface="Cambria Math"/>
-                                <a:ea typeface="Cambria Math"/>
-                              </a:rPr>
-                              <m:t>∙</m:t>
-                            </m:r>
-                          </m:e>
-                        </m:d>
-                      </m:oMath>
-                    </m:oMathPara>
-                  </a14:m>
-                  <a:endParaRPr lang="en-US" sz="1600" dirty="0"/>
-                </a:p>
-              </p:txBody>
-            </p:sp>
-          </mc:Choice>
-          <mc:Fallback xmlns="">
-            <p:sp>
-              <p:nvSpPr>
-                <p:cNvPr id="5" name="Rectangle 4"/>
-                <p:cNvSpPr>
-                  <a:spLocks noRot="1" noChangeAspect="1" noMove="1" noResize="1" noEditPoints="1" noAdjustHandles="1" noChangeArrowheads="1" noChangeShapeType="1" noTextEdit="1"/>
-                </p:cNvSpPr>
-                <p:nvPr/>
-              </p:nvSpPr>
-              <p:spPr>
-                <a:xfrm>
-                  <a:off x="4181479" y="3157789"/>
-                  <a:ext cx="609600" cy="228600"/>
-                </a:xfrm>
-                <a:prstGeom prst="rect">
-                  <a:avLst/>
-                </a:prstGeom>
-                <a:blipFill rotWithShape="1">
-                  <a:blip r:embed="rId5"/>
-                  <a:stretch>
-                    <a:fillRect l="-980" b="-32500"/>
-                  </a:stretch>
-                </a:blipFill>
-                <a:ln w="12700"/>
-              </p:spPr>
-              <p:txBody>
-                <a:bodyPr/>
-                <a:lstStyle/>
-                <a:p>
-                  <a:r>
-                    <a:rPr lang="en-US">
-                      <a:noFill/>
-                    </a:rPr>
-                    <a:t> </a:t>
-                  </a:r>
-                </a:p>
-              </p:txBody>
-            </p:sp>
-          </mc:Fallback>
-        </mc:AlternateContent>
+        <p:sp>
+          <p:nvSpPr>
+            <p:cNvPr id="4" name="Rectangle 3"/>
+            <p:cNvSpPr/>
+            <p:nvPr/>
+          </p:nvSpPr>
+          <p:spPr>
+            <a:xfrm>
+              <a:off x="4181479" y="1849120"/>
+              <a:ext cx="752036" cy="228064"/>
+            </a:xfrm>
+            <a:prstGeom prst="rect">
+              <a:avLst/>
+            </a:prstGeom>
+            <a:ln w="12700"/>
+          </p:spPr>
+          <p:style>
+            <a:lnRef idx="2">
+              <a:schemeClr val="accent1">
+                <a:shade val="50000"/>
+              </a:schemeClr>
+            </a:lnRef>
+            <a:fillRef idx="1">
+              <a:schemeClr val="accent1"/>
+            </a:fillRef>
+            <a:effectRef idx="0">
+              <a:schemeClr val="accent1"/>
+            </a:effectRef>
+            <a:fontRef idx="minor">
+              <a:schemeClr val="lt1"/>
+            </a:fontRef>
+          </p:style>
+          <p:txBody>
+            <a:bodyPr rtlCol="0" anchor="ctr"/>
+            <a:lstStyle/>
+            <a:p>
+              <a:pPr algn="ctr"/>
+              <a:r>
+                <a:rPr lang="en-US" sz="1600" dirty="0" smtClean="0"/>
+                <a:t>Value</a:t>
+              </a:r>
+              <a:endParaRPr lang="en-US" sz="1600" dirty="0"/>
+            </a:p>
+          </p:txBody>
+        </p:sp>
+        <p:sp>
+          <p:nvSpPr>
+            <p:cNvPr id="5" name="Rectangle 4"/>
+            <p:cNvSpPr/>
+            <p:nvPr/>
+          </p:nvSpPr>
+          <p:spPr>
+            <a:xfrm>
+              <a:off x="4181479" y="3162299"/>
+              <a:ext cx="752036" cy="224089"/>
+            </a:xfrm>
+            <a:prstGeom prst="rect">
+              <a:avLst/>
+            </a:prstGeom>
+            <a:ln w="12700"/>
+          </p:spPr>
+          <p:style>
+            <a:lnRef idx="2">
+              <a:schemeClr val="accent6">
+                <a:shade val="50000"/>
+              </a:schemeClr>
+            </a:lnRef>
+            <a:fillRef idx="1">
+              <a:schemeClr val="accent6"/>
+            </a:fillRef>
+            <a:effectRef idx="0">
+              <a:schemeClr val="accent6"/>
+            </a:effectRef>
+            <a:fontRef idx="minor">
+              <a:schemeClr val="lt1"/>
+            </a:fontRef>
+          </p:style>
+          <p:txBody>
+            <a:bodyPr rtlCol="0" anchor="ctr"/>
+            <a:lstStyle/>
+            <a:p>
+              <a:pPr algn="ctr"/>
+              <a:r>
+                <a:rPr lang="en-US" sz="1600" dirty="0" smtClean="0"/>
+                <a:t>Value</a:t>
+              </a:r>
+              <a:endParaRPr lang="en-US" sz="1600" dirty="0"/>
+            </a:p>
+          </p:txBody>
+        </p:sp>
         <p:cxnSp>
           <p:nvCxnSpPr>
             <p:cNvPr id="8" name="Straight Arrow Connector 7"/>
@@ -18394,13 +18231,12 @@
             <p:cNvPr id="87" name="Straight Arrow Connector 86"/>
             <p:cNvCxnSpPr>
               <a:stCxn id="139" idx="1"/>
-              <a:endCxn id="101" idx="3"/>
             </p:cNvCxnSpPr>
             <p:nvPr/>
           </p:nvCxnSpPr>
           <p:spPr>
             <a:xfrm flipH="1">
-              <a:off x="5768979" y="2770412"/>
+              <a:off x="5911415" y="2770412"/>
               <a:ext cx="366715" cy="501677"/>
             </a:xfrm>
             <a:prstGeom prst="straightConnector1">
@@ -18431,13 +18267,12 @@
             <p:cNvPr id="90" name="Straight Arrow Connector 89"/>
             <p:cNvCxnSpPr>
               <a:stCxn id="138" idx="1"/>
-              <a:endCxn id="101" idx="3"/>
             </p:cNvCxnSpPr>
             <p:nvPr/>
           </p:nvCxnSpPr>
           <p:spPr>
             <a:xfrm flipH="1">
-              <a:off x="5768979" y="3271837"/>
+              <a:off x="5911415" y="3271837"/>
               <a:ext cx="366715" cy="252"/>
             </a:xfrm>
             <a:prstGeom prst="straightConnector1">
@@ -18468,13 +18303,12 @@
             <p:cNvPr id="93" name="Straight Arrow Connector 92"/>
             <p:cNvCxnSpPr>
               <a:stCxn id="136" idx="1"/>
-              <a:endCxn id="101" idx="3"/>
             </p:cNvCxnSpPr>
             <p:nvPr/>
           </p:nvCxnSpPr>
           <p:spPr>
             <a:xfrm flipH="1" flipV="1">
-              <a:off x="5768979" y="3272089"/>
+              <a:off x="5911415" y="3272089"/>
               <a:ext cx="366715" cy="304773"/>
             </a:xfrm>
             <a:prstGeom prst="straightConnector1">
@@ -18553,7 +18387,7 @@
           </p:nvSpPr>
           <p:spPr>
             <a:xfrm>
-              <a:off x="4791079" y="3157789"/>
+              <a:off x="4933515" y="3157789"/>
               <a:ext cx="679450" cy="228600"/>
             </a:xfrm>
             <a:prstGeom prst="rect">
@@ -18598,7 +18432,7 @@
           </p:nvSpPr>
           <p:spPr>
             <a:xfrm>
-              <a:off x="3807037" y="2077184"/>
+              <a:off x="3868730" y="2077184"/>
               <a:ext cx="1344984" cy="338554"/>
             </a:xfrm>
             <a:prstGeom prst="rect">
@@ -18628,7 +18462,7 @@
           </p:nvCxnSpPr>
           <p:spPr>
             <a:xfrm>
-              <a:off x="3656740" y="2133600"/>
+              <a:off x="3718433" y="2133600"/>
               <a:ext cx="1645579" cy="0"/>
             </a:xfrm>
             <a:prstGeom prst="straightConnector1">
@@ -18662,7 +18496,7 @@
           </p:nvSpPr>
           <p:spPr>
             <a:xfrm>
-              <a:off x="3656740" y="2805877"/>
+              <a:off x="3718433" y="2805877"/>
               <a:ext cx="1645579" cy="338554"/>
             </a:xfrm>
             <a:prstGeom prst="rect">
@@ -18692,7 +18526,7 @@
           </p:nvCxnSpPr>
           <p:spPr>
             <a:xfrm flipH="1">
-              <a:off x="3656740" y="3098800"/>
+              <a:off x="3718433" y="3105150"/>
               <a:ext cx="1645579" cy="0"/>
             </a:xfrm>
             <a:prstGeom prst="straightConnector1">
@@ -18867,7 +18701,7 @@
           </p:nvSpPr>
           <p:spPr>
             <a:xfrm>
-              <a:off x="6135694" y="3462562"/>
+              <a:off x="6278130" y="3462562"/>
               <a:ext cx="1179506" cy="228600"/>
             </a:xfrm>
             <a:prstGeom prst="roundRect">
@@ -18913,7 +18747,7 @@
           </p:nvSpPr>
           <p:spPr>
             <a:xfrm>
-              <a:off x="6135694" y="3157537"/>
+              <a:off x="6278130" y="3157537"/>
               <a:ext cx="1179506" cy="228600"/>
             </a:xfrm>
             <a:prstGeom prst="roundRect">
@@ -18959,7 +18793,7 @@
           </p:nvSpPr>
           <p:spPr>
             <a:xfrm>
-              <a:off x="6135694" y="2656112"/>
+              <a:off x="6278130" y="2656112"/>
               <a:ext cx="1179506" cy="228600"/>
             </a:xfrm>
             <a:prstGeom prst="roundRect">
@@ -19116,7 +18950,7 @@
           </p:nvCxnSpPr>
           <p:spPr>
             <a:xfrm>
-              <a:off x="7131050" y="2656112"/>
+              <a:off x="7273486" y="2656112"/>
               <a:ext cx="0" cy="228600"/>
             </a:xfrm>
             <a:prstGeom prst="line">
@@ -19151,7 +18985,7 @@
           </p:nvCxnSpPr>
           <p:spPr>
             <a:xfrm>
-              <a:off x="7131050" y="3162300"/>
+              <a:off x="7273486" y="3162300"/>
               <a:ext cx="0" cy="228600"/>
             </a:xfrm>
             <a:prstGeom prst="line">
@@ -19186,7 +19020,7 @@
           </p:nvCxnSpPr>
           <p:spPr>
             <a:xfrm>
-              <a:off x="7131050" y="3465201"/>
+              <a:off x="7273486" y="3465201"/>
               <a:ext cx="0" cy="228600"/>
             </a:xfrm>
             <a:prstGeom prst="line">
@@ -19223,7 +19057,7 @@
               </p:nvSpPr>
               <p:spPr>
                 <a:xfrm>
-                  <a:off x="6135694" y="2351306"/>
+                  <a:off x="6278130" y="2351306"/>
                   <a:ext cx="419100" cy="228600"/>
                 </a:xfrm>
                 <a:prstGeom prst="roundRect">
@@ -19288,7 +19122,7 @@
               </p:nvSpPr>
               <p:spPr>
                 <a:xfrm>
-                  <a:off x="6135694" y="2351306"/>
+                  <a:off x="6278130" y="2351306"/>
                   <a:ext cx="419100" cy="228600"/>
                 </a:xfrm>
                 <a:prstGeom prst="roundRect">
@@ -19297,7 +19131,7 @@
                   </a:avLst>
                 </a:prstGeom>
                 <a:blipFill rotWithShape="1">
-                  <a:blip r:embed="rId6"/>
+                  <a:blip r:embed="rId4"/>
                   <a:stretch>
                     <a:fillRect b="-7692"/>
                   </a:stretch>
@@ -19327,7 +19161,7 @@
           </p:nvSpPr>
           <p:spPr>
             <a:xfrm>
-              <a:off x="6451600" y="2351306"/>
+              <a:off x="6594036" y="2351306"/>
               <a:ext cx="679450" cy="228600"/>
             </a:xfrm>
             <a:prstGeom prst="rect">
@@ -19374,7 +19208,7 @@
               </p:nvSpPr>
               <p:spPr>
                 <a:xfrm>
-                  <a:off x="6135694" y="1849120"/>
+                  <a:off x="6278130" y="1849120"/>
                   <a:ext cx="419100" cy="228600"/>
                 </a:xfrm>
                 <a:prstGeom prst="roundRect">
@@ -19439,7 +19273,7 @@
               </p:nvSpPr>
               <p:spPr>
                 <a:xfrm>
-                  <a:off x="6135694" y="1849120"/>
+                  <a:off x="6278130" y="1849120"/>
                   <a:ext cx="419100" cy="228600"/>
                 </a:xfrm>
                 <a:prstGeom prst="roundRect">
@@ -19448,7 +19282,7 @@
                   </a:avLst>
                 </a:prstGeom>
                 <a:blipFill rotWithShape="1">
-                  <a:blip r:embed="rId7"/>
+                  <a:blip r:embed="rId5"/>
                   <a:stretch>
                     <a:fillRect b="-7500"/>
                   </a:stretch>
@@ -19478,7 +19312,7 @@
           </p:nvSpPr>
           <p:spPr>
             <a:xfrm>
-              <a:off x="6451600" y="1849120"/>
+              <a:off x="6594036" y="1849120"/>
               <a:ext cx="679450" cy="228600"/>
             </a:xfrm>
             <a:prstGeom prst="rect">
@@ -19525,7 +19359,7 @@
               </p:nvSpPr>
               <p:spPr>
                 <a:xfrm>
-                  <a:off x="6135694" y="1544320"/>
+                  <a:off x="6278130" y="1544320"/>
                   <a:ext cx="419100" cy="228600"/>
                 </a:xfrm>
                 <a:prstGeom prst="roundRect">
@@ -19590,7 +19424,7 @@
               </p:nvSpPr>
               <p:spPr>
                 <a:xfrm>
-                  <a:off x="6135694" y="1544320"/>
+                  <a:off x="6278130" y="1544320"/>
                   <a:ext cx="419100" cy="228600"/>
                 </a:xfrm>
                 <a:prstGeom prst="roundRect">
@@ -19599,7 +19433,7 @@
                   </a:avLst>
                 </a:prstGeom>
                 <a:blipFill rotWithShape="1">
-                  <a:blip r:embed="rId7"/>
+                  <a:blip r:embed="rId5"/>
                   <a:stretch>
                     <a:fillRect b="-7500"/>
                   </a:stretch>
@@ -19629,7 +19463,7 @@
           </p:nvSpPr>
           <p:spPr>
             <a:xfrm>
-              <a:off x="6451600" y="1544320"/>
+              <a:off x="6594036" y="1544320"/>
               <a:ext cx="679450" cy="228600"/>
             </a:xfrm>
             <a:prstGeom prst="rect">
@@ -19677,7 +19511,7 @@
           </p:nvCxnSpPr>
           <p:spPr>
             <a:xfrm>
-              <a:off x="5768979" y="1962884"/>
+              <a:off x="5911415" y="1962884"/>
               <a:ext cx="366715" cy="502722"/>
             </a:xfrm>
             <a:prstGeom prst="straightConnector1">
@@ -19714,7 +19548,7 @@
           </p:nvCxnSpPr>
           <p:spPr>
             <a:xfrm>
-              <a:off x="5768979" y="1962884"/>
+              <a:off x="5911415" y="1962884"/>
               <a:ext cx="366715" cy="536"/>
             </a:xfrm>
             <a:prstGeom prst="straightConnector1">
@@ -19751,7 +19585,7 @@
           </p:nvCxnSpPr>
           <p:spPr>
             <a:xfrm flipV="1">
-              <a:off x="5768979" y="1658620"/>
+              <a:off x="5911415" y="1658620"/>
               <a:ext cx="366715" cy="304264"/>
             </a:xfrm>
             <a:prstGeom prst="straightConnector1">
@@ -19785,7 +19619,7 @@
           </p:nvSpPr>
           <p:spPr>
             <a:xfrm>
-              <a:off x="7137400" y="2586256"/>
+              <a:off x="7279836" y="2586256"/>
               <a:ext cx="187764" cy="1191458"/>
             </a:xfrm>
             <a:prstGeom prst="rect">
@@ -19913,7 +19747,7 @@
                   </a:avLst>
                 </a:prstGeom>
                 <a:blipFill rotWithShape="1">
-                  <a:blip r:embed="rId8"/>
+                  <a:blip r:embed="rId6"/>
                   <a:stretch>
                     <a:fillRect b="-7692"/>
                   </a:stretch>
@@ -20070,7 +19904,7 @@
                   </a:avLst>
                 </a:prstGeom>
                 <a:blipFill rotWithShape="1">
-                  <a:blip r:embed="rId9"/>
+                  <a:blip r:embed="rId7"/>
                   <a:stretch>
                     <a:fillRect b="-7692"/>
                   </a:stretch>
@@ -20227,7 +20061,7 @@
                   </a:avLst>
                 </a:prstGeom>
                 <a:blipFill rotWithShape="1">
-                  <a:blip r:embed="rId10"/>
+                  <a:blip r:embed="rId8"/>
                   <a:stretch>
                     <a:fillRect b="-5000"/>
                   </a:stretch>
@@ -20302,7 +20136,7 @@
           </p:nvSpPr>
           <p:spPr>
             <a:xfrm>
-              <a:off x="6484603" y="2086147"/>
+              <a:off x="6627039" y="2086147"/>
               <a:ext cx="430887" cy="243310"/>
             </a:xfrm>
             <a:prstGeom prst="rect">
@@ -20521,7 +20355,7 @@
           </p:nvSpPr>
           <p:spPr>
             <a:xfrm>
-              <a:off x="4161173" y="2448464"/>
+              <a:off x="4222866" y="2448464"/>
               <a:ext cx="636713" cy="338554"/>
             </a:xfrm>
             <a:prstGeom prst="rect">
@@ -20582,7 +20416,7 @@
           </p:nvSpPr>
           <p:spPr>
             <a:xfrm>
-              <a:off x="6484602" y="2901121"/>
+              <a:off x="6627038" y="2901121"/>
               <a:ext cx="430887" cy="243310"/>
             </a:xfrm>
             <a:prstGeom prst="rect">
@@ -20638,7 +20472,7 @@
       </p:grpSpPr>
       <p:pic>
         <p:nvPicPr>
-          <p:cNvPr id="2" name="Picture 2"/>
+          <p:cNvPr id="1026" name="Picture 2"/>
           <p:cNvPicPr>
             <a:picLocks noChangeAspect="1" noChangeArrowheads="1"/>
           </p:cNvPicPr>
@@ -20659,8 +20493,8 @@
         </p:blipFill>
         <p:spPr bwMode="auto">
           <a:xfrm>
-            <a:off x="3343275" y="2738438"/>
-            <a:ext cx="2457450" cy="1381125"/>
+            <a:off x="3195638" y="2738438"/>
+            <a:ext cx="2752725" cy="1381125"/>
           </a:xfrm>
           <a:prstGeom prst="rect">
             <a:avLst/>
@@ -20669,7 +20503,6 @@
           <a:ln>
             <a:noFill/>
           </a:ln>
-          <a:effectLst/>
           <a:extLst>
             <a:ext uri="{909E8E84-426E-40DD-AFC4-6F175D3DCCD1}">
               <a14:hiddenFill xmlns:a14="http://schemas.microsoft.com/office/drawing/2010/main">
@@ -20687,15 +20520,6 @@
                 <a:headEnd/>
                 <a:tailEnd/>
               </a14:hiddenLine>
-            </a:ext>
-            <a:ext uri="{AF507438-7753-43E0-B8FC-AC1667EBCBE1}">
-              <a14:hiddenEffects xmlns:a14="http://schemas.microsoft.com/office/drawing/2010/main">
-                <a:effectLst>
-                  <a:outerShdw dist="35921" dir="2700000" algn="ctr" rotWithShape="0">
-                    <a:schemeClr val="bg2"/>
-                  </a:outerShdw>
-                </a:effectLst>
-              </a14:hiddenEffects>
             </a:ext>
           </a:extLst>
         </p:spPr>

--- a/trunk/pic/pic.pptx
+++ b/trunk/pic/pic.pptx
@@ -13,6 +13,7 @@
     <p:sldId id="261" r:id="rId7"/>
     <p:sldId id="262" r:id="rId8"/>
     <p:sldId id="263" r:id="rId9"/>
+    <p:sldId id="264" r:id="rId10"/>
   </p:sldIdLst>
   <p:sldSz cx="9144000" cy="6858000" type="screen4x3"/>
   <p:notesSz cx="6858000" cy="9144000"/>
@@ -296,7 +297,7 @@
             <a:fld id="{1D8BD707-D9CF-40AE-B4C6-C98DA3205C09}" type="datetimeFigureOut">
               <a:rPr lang="en-US" smtClean="0"/>
               <a:pPr/>
-              <a:t>9/15/2014</a:t>
+              <a:t>9/18/2014</a:t>
             </a:fld>
             <a:endParaRPr lang="en-US"/>
           </a:p>
@@ -463,7 +464,7 @@
             <a:fld id="{1D8BD707-D9CF-40AE-B4C6-C98DA3205C09}" type="datetimeFigureOut">
               <a:rPr lang="en-US" smtClean="0"/>
               <a:pPr/>
-              <a:t>9/15/2014</a:t>
+              <a:t>9/18/2014</a:t>
             </a:fld>
             <a:endParaRPr lang="en-US"/>
           </a:p>
@@ -640,7 +641,7 @@
             <a:fld id="{1D8BD707-D9CF-40AE-B4C6-C98DA3205C09}" type="datetimeFigureOut">
               <a:rPr lang="en-US" smtClean="0"/>
               <a:pPr/>
-              <a:t>9/15/2014</a:t>
+              <a:t>9/18/2014</a:t>
             </a:fld>
             <a:endParaRPr lang="en-US"/>
           </a:p>
@@ -807,7 +808,7 @@
             <a:fld id="{1D8BD707-D9CF-40AE-B4C6-C98DA3205C09}" type="datetimeFigureOut">
               <a:rPr lang="en-US" smtClean="0"/>
               <a:pPr/>
-              <a:t>9/15/2014</a:t>
+              <a:t>9/18/2014</a:t>
             </a:fld>
             <a:endParaRPr lang="en-US"/>
           </a:p>
@@ -1050,7 +1051,7 @@
             <a:fld id="{1D8BD707-D9CF-40AE-B4C6-C98DA3205C09}" type="datetimeFigureOut">
               <a:rPr lang="en-US" smtClean="0"/>
               <a:pPr/>
-              <a:t>9/15/2014</a:t>
+              <a:t>9/18/2014</a:t>
             </a:fld>
             <a:endParaRPr lang="en-US"/>
           </a:p>
@@ -1335,7 +1336,7 @@
             <a:fld id="{1D8BD707-D9CF-40AE-B4C6-C98DA3205C09}" type="datetimeFigureOut">
               <a:rPr lang="en-US" smtClean="0"/>
               <a:pPr/>
-              <a:t>9/15/2014</a:t>
+              <a:t>9/18/2014</a:t>
             </a:fld>
             <a:endParaRPr lang="en-US"/>
           </a:p>
@@ -1754,7 +1755,7 @@
             <a:fld id="{1D8BD707-D9CF-40AE-B4C6-C98DA3205C09}" type="datetimeFigureOut">
               <a:rPr lang="en-US" smtClean="0"/>
               <a:pPr/>
-              <a:t>9/15/2014</a:t>
+              <a:t>9/18/2014</a:t>
             </a:fld>
             <a:endParaRPr lang="en-US"/>
           </a:p>
@@ -1869,7 +1870,7 @@
             <a:fld id="{1D8BD707-D9CF-40AE-B4C6-C98DA3205C09}" type="datetimeFigureOut">
               <a:rPr lang="en-US" smtClean="0"/>
               <a:pPr/>
-              <a:t>9/15/2014</a:t>
+              <a:t>9/18/2014</a:t>
             </a:fld>
             <a:endParaRPr lang="en-US"/>
           </a:p>
@@ -1961,7 +1962,7 @@
             <a:fld id="{1D8BD707-D9CF-40AE-B4C6-C98DA3205C09}" type="datetimeFigureOut">
               <a:rPr lang="en-US" smtClean="0"/>
               <a:pPr/>
-              <a:t>9/15/2014</a:t>
+              <a:t>9/18/2014</a:t>
             </a:fld>
             <a:endParaRPr lang="en-US"/>
           </a:p>
@@ -2235,7 +2236,7 @@
             <a:fld id="{1D8BD707-D9CF-40AE-B4C6-C98DA3205C09}" type="datetimeFigureOut">
               <a:rPr lang="en-US" smtClean="0"/>
               <a:pPr/>
-              <a:t>9/15/2014</a:t>
+              <a:t>9/18/2014</a:t>
             </a:fld>
             <a:endParaRPr lang="en-US"/>
           </a:p>
@@ -2485,7 +2486,7 @@
             <a:fld id="{1D8BD707-D9CF-40AE-B4C6-C98DA3205C09}" type="datetimeFigureOut">
               <a:rPr lang="en-US" smtClean="0"/>
               <a:pPr/>
-              <a:t>9/15/2014</a:t>
+              <a:t>9/18/2014</a:t>
             </a:fld>
             <a:endParaRPr lang="en-US"/>
           </a:p>
@@ -2695,7 +2696,7 @@
             <a:fld id="{1D8BD707-D9CF-40AE-B4C6-C98DA3205C09}" type="datetimeFigureOut">
               <a:rPr lang="en-US" smtClean="0"/>
               <a:pPr/>
-              <a:t>9/15/2014</a:t>
+              <a:t>9/18/2014</a:t>
             </a:fld>
             <a:endParaRPr lang="en-US"/>
           </a:p>
@@ -17657,16 +17658,16 @@
       </p:grpSpPr>
       <p:grpSp>
         <p:nvGrpSpPr>
-          <p:cNvPr id="14" name="Group 13"/>
+          <p:cNvPr id="32" name="Group 31"/>
           <p:cNvGrpSpPr/>
           <p:nvPr/>
         </p:nvGrpSpPr>
         <p:grpSpPr>
           <a:xfrm>
             <a:off x="1667412" y="1458304"/>
-            <a:ext cx="5800188" cy="2319410"/>
+            <a:ext cx="5657752" cy="2319410"/>
             <a:chOff x="1667412" y="1458304"/>
-            <a:chExt cx="5800188" cy="2319410"/>
+            <a:chExt cx="5657752" cy="2319410"/>
           </a:xfrm>
         </p:grpSpPr>
         <p:sp>
@@ -17677,8 +17678,8 @@
           </p:nvSpPr>
           <p:spPr>
             <a:xfrm>
-              <a:off x="2997199" y="1544320"/>
-              <a:ext cx="3088048" cy="2146842"/>
+              <a:off x="3006724" y="1544320"/>
+              <a:ext cx="2945612" cy="2146842"/>
             </a:xfrm>
             <a:prstGeom prst="roundRect">
               <a:avLst/>
@@ -17723,7 +17724,7 @@
               </p:nvSpPr>
               <p:spPr>
                 <a:xfrm>
-                  <a:off x="5492315" y="3157789"/>
+                  <a:off x="5349879" y="3157789"/>
                   <a:ext cx="419100" cy="228600"/>
                 </a:xfrm>
                 <a:prstGeom prst="roundRect">
@@ -17794,7 +17795,7 @@
               </p:nvSpPr>
               <p:spPr>
                 <a:xfrm>
-                  <a:off x="5492315" y="3157789"/>
+                  <a:off x="5349879" y="3157789"/>
                   <a:ext cx="419100" cy="228600"/>
                 </a:xfrm>
                 <a:prstGeom prst="roundRect">
@@ -17986,7 +17987,7 @@
           </p:nvSpPr>
           <p:spPr>
             <a:xfrm>
-              <a:off x="4812865" y="1848584"/>
+              <a:off x="4670429" y="1848584"/>
               <a:ext cx="1098550" cy="228600"/>
             </a:xfrm>
             <a:prstGeom prst="roundRect">
@@ -18025,96 +18026,259 @@
             </a:p>
           </p:txBody>
         </p:sp>
-        <p:sp>
-          <p:nvSpPr>
-            <p:cNvPr id="4" name="Rectangle 3"/>
-            <p:cNvSpPr/>
-            <p:nvPr/>
-          </p:nvSpPr>
-          <p:spPr>
-            <a:xfrm>
-              <a:off x="4181479" y="1849120"/>
-              <a:ext cx="752036" cy="228064"/>
-            </a:xfrm>
-            <a:prstGeom prst="rect">
-              <a:avLst/>
-            </a:prstGeom>
-            <a:ln w="12700"/>
-          </p:spPr>
-          <p:style>
-            <a:lnRef idx="2">
-              <a:schemeClr val="accent1">
-                <a:shade val="50000"/>
-              </a:schemeClr>
-            </a:lnRef>
-            <a:fillRef idx="1">
-              <a:schemeClr val="accent1"/>
-            </a:fillRef>
-            <a:effectRef idx="0">
-              <a:schemeClr val="accent1"/>
-            </a:effectRef>
-            <a:fontRef idx="minor">
-              <a:schemeClr val="lt1"/>
-            </a:fontRef>
-          </p:style>
-          <p:txBody>
-            <a:bodyPr rtlCol="0" anchor="ctr"/>
-            <a:lstStyle/>
-            <a:p>
-              <a:pPr algn="ctr"/>
-              <a:r>
-                <a:rPr lang="en-US" sz="1600" dirty="0" smtClean="0"/>
-                <a:t>Value</a:t>
-              </a:r>
-              <a:endParaRPr lang="en-US" sz="1600" dirty="0"/>
-            </a:p>
-          </p:txBody>
-        </p:sp>
-        <p:sp>
-          <p:nvSpPr>
-            <p:cNvPr id="5" name="Rectangle 4"/>
-            <p:cNvSpPr/>
-            <p:nvPr/>
-          </p:nvSpPr>
-          <p:spPr>
-            <a:xfrm>
-              <a:off x="4181479" y="3162299"/>
-              <a:ext cx="752036" cy="224089"/>
-            </a:xfrm>
-            <a:prstGeom prst="rect">
-              <a:avLst/>
-            </a:prstGeom>
-            <a:ln w="12700"/>
-          </p:spPr>
-          <p:style>
-            <a:lnRef idx="2">
-              <a:schemeClr val="accent6">
-                <a:shade val="50000"/>
-              </a:schemeClr>
-            </a:lnRef>
-            <a:fillRef idx="1">
-              <a:schemeClr val="accent6"/>
-            </a:fillRef>
-            <a:effectRef idx="0">
-              <a:schemeClr val="accent6"/>
-            </a:effectRef>
-            <a:fontRef idx="minor">
-              <a:schemeClr val="lt1"/>
-            </a:fontRef>
-          </p:style>
-          <p:txBody>
-            <a:bodyPr rtlCol="0" anchor="ctr"/>
-            <a:lstStyle/>
-            <a:p>
-              <a:pPr algn="ctr"/>
-              <a:r>
-                <a:rPr lang="en-US" sz="1600" dirty="0" smtClean="0"/>
-                <a:t>Value</a:t>
-              </a:r>
-              <a:endParaRPr lang="en-US" sz="1600" dirty="0"/>
-            </a:p>
-          </p:txBody>
-        </p:sp>
+        <mc:AlternateContent xmlns:mc="http://schemas.openxmlformats.org/markup-compatibility/2006" xmlns:a14="http://schemas.microsoft.com/office/drawing/2010/main">
+          <mc:Choice Requires="a14">
+            <p:sp>
+              <p:nvSpPr>
+                <p:cNvPr id="4" name="Rectangle 3"/>
+                <p:cNvSpPr/>
+                <p:nvPr/>
+              </p:nvSpPr>
+              <p:spPr>
+                <a:xfrm>
+                  <a:off x="4181479" y="1848584"/>
+                  <a:ext cx="609600" cy="228600"/>
+                </a:xfrm>
+                <a:prstGeom prst="rect">
+                  <a:avLst/>
+                </a:prstGeom>
+                <a:ln w="12700"/>
+              </p:spPr>
+              <p:style>
+                <a:lnRef idx="2">
+                  <a:schemeClr val="accent1">
+                    <a:shade val="50000"/>
+                  </a:schemeClr>
+                </a:lnRef>
+                <a:fillRef idx="1">
+                  <a:schemeClr val="accent1"/>
+                </a:fillRef>
+                <a:effectRef idx="0">
+                  <a:schemeClr val="accent1"/>
+                </a:effectRef>
+                <a:fontRef idx="minor">
+                  <a:schemeClr val="lt1"/>
+                </a:fontRef>
+              </p:style>
+              <p:txBody>
+                <a:bodyPr rtlCol="0" anchor="ctr"/>
+                <a:lstStyle/>
+                <a:p>
+                  <a:pPr algn="ctr"/>
+                  <a14:m>
+                    <m:oMathPara xmlns:m="http://schemas.openxmlformats.org/officeDocument/2006/math">
+                      <m:oMathParaPr>
+                        <m:jc m:val="centerGroup"/>
+                      </m:oMathParaPr>
+                      <m:oMath xmlns:m="http://schemas.openxmlformats.org/officeDocument/2006/math">
+                        <m:r>
+                          <a:rPr lang="en-US" sz="1600" b="0" i="1" smtClean="0">
+                            <a:latin typeface="Cambria Math"/>
+                          </a:rPr>
+                          <m:t>𝑓</m:t>
+                        </m:r>
+                        <m:d>
+                          <m:dPr>
+                            <m:ctrlPr>
+                              <a:rPr lang="en-US" sz="1600" b="0" i="1" smtClean="0">
+                                <a:latin typeface="Cambria Math"/>
+                              </a:rPr>
+                            </m:ctrlPr>
+                          </m:dPr>
+                          <m:e>
+                            <m:r>
+                              <a:rPr lang="en-US" sz="1600" b="0" i="1" smtClean="0">
+                                <a:latin typeface="Cambria Math"/>
+                                <a:ea typeface="Cambria Math"/>
+                              </a:rPr>
+                              <m:t>∙</m:t>
+                            </m:r>
+                          </m:e>
+                        </m:d>
+                      </m:oMath>
+                    </m:oMathPara>
+                  </a14:m>
+                  <a:endParaRPr lang="en-US" sz="1600" dirty="0"/>
+                </a:p>
+              </p:txBody>
+            </p:sp>
+          </mc:Choice>
+          <mc:Fallback xmlns="">
+            <p:sp>
+              <p:nvSpPr>
+                <p:cNvPr id="4" name="Rectangle 3"/>
+                <p:cNvSpPr>
+                  <a:spLocks noRot="1" noChangeAspect="1" noMove="1" noResize="1" noEditPoints="1" noAdjustHandles="1" noChangeArrowheads="1" noChangeShapeType="1" noTextEdit="1"/>
+                </p:cNvSpPr>
+                <p:nvPr/>
+              </p:nvSpPr>
+              <p:spPr>
+                <a:xfrm>
+                  <a:off x="4181479" y="1848584"/>
+                  <a:ext cx="609600" cy="228600"/>
+                </a:xfrm>
+                <a:prstGeom prst="rect">
+                  <a:avLst/>
+                </a:prstGeom>
+                <a:blipFill rotWithShape="1">
+                  <a:blip r:embed="rId4"/>
+                  <a:stretch>
+                    <a:fillRect b="-32500"/>
+                  </a:stretch>
+                </a:blipFill>
+                <a:ln w="12700"/>
+              </p:spPr>
+              <p:txBody>
+                <a:bodyPr/>
+                <a:lstStyle/>
+                <a:p>
+                  <a:r>
+                    <a:rPr lang="en-US">
+                      <a:noFill/>
+                    </a:rPr>
+                    <a:t> </a:t>
+                  </a:r>
+                </a:p>
+              </p:txBody>
+            </p:sp>
+          </mc:Fallback>
+        </mc:AlternateContent>
+        <mc:AlternateContent xmlns:mc="http://schemas.openxmlformats.org/markup-compatibility/2006" xmlns:a14="http://schemas.microsoft.com/office/drawing/2010/main">
+          <mc:Choice Requires="a14">
+            <p:sp>
+              <p:nvSpPr>
+                <p:cNvPr id="5" name="Rectangle 4"/>
+                <p:cNvSpPr/>
+                <p:nvPr/>
+              </p:nvSpPr>
+              <p:spPr>
+                <a:xfrm>
+                  <a:off x="4181479" y="3157789"/>
+                  <a:ext cx="609600" cy="228600"/>
+                </a:xfrm>
+                <a:prstGeom prst="rect">
+                  <a:avLst/>
+                </a:prstGeom>
+                <a:ln w="12700"/>
+              </p:spPr>
+              <p:style>
+                <a:lnRef idx="2">
+                  <a:schemeClr val="accent6">
+                    <a:shade val="50000"/>
+                  </a:schemeClr>
+                </a:lnRef>
+                <a:fillRef idx="1">
+                  <a:schemeClr val="accent6"/>
+                </a:fillRef>
+                <a:effectRef idx="0">
+                  <a:schemeClr val="accent6"/>
+                </a:effectRef>
+                <a:fontRef idx="minor">
+                  <a:schemeClr val="lt1"/>
+                </a:fontRef>
+              </p:style>
+              <p:txBody>
+                <a:bodyPr rtlCol="0" anchor="ctr"/>
+                <a:lstStyle/>
+                <a:p>
+                  <a:pPr algn="ctr"/>
+                  <a14:m>
+                    <m:oMathPara xmlns:m="http://schemas.openxmlformats.org/officeDocument/2006/math">
+                      <m:oMathParaPr>
+                        <m:jc m:val="centerGroup"/>
+                      </m:oMathParaPr>
+                      <m:oMath xmlns:m="http://schemas.openxmlformats.org/officeDocument/2006/math">
+                        <m:sSup>
+                          <m:sSupPr>
+                            <m:ctrlPr>
+                              <a:rPr lang="en-US" sz="1600" b="0" i="1" smtClean="0">
+                                <a:latin typeface="Cambria Math"/>
+                              </a:rPr>
+                            </m:ctrlPr>
+                          </m:sSupPr>
+                          <m:e>
+                            <m:r>
+                              <a:rPr lang="en-US" sz="1600" b="0" i="1" smtClean="0">
+                                <a:latin typeface="Cambria Math"/>
+                              </a:rPr>
+                              <m:t>𝑓</m:t>
+                            </m:r>
+                          </m:e>
+                          <m:sup>
+                            <m:r>
+                              <a:rPr lang="en-US" sz="1600" b="0" i="1" smtClean="0">
+                                <a:latin typeface="Cambria Math"/>
+                              </a:rPr>
+                              <m:t>′</m:t>
+                            </m:r>
+                          </m:sup>
+                        </m:sSup>
+                        <m:d>
+                          <m:dPr>
+                            <m:ctrlPr>
+                              <a:rPr lang="en-US" sz="1600" b="0" i="1" smtClean="0">
+                                <a:latin typeface="Cambria Math"/>
+                              </a:rPr>
+                            </m:ctrlPr>
+                          </m:dPr>
+                          <m:e>
+                            <m:r>
+                              <a:rPr lang="en-US" sz="1600" b="0" i="1" smtClean="0">
+                                <a:latin typeface="Cambria Math"/>
+                                <a:ea typeface="Cambria Math"/>
+                              </a:rPr>
+                              <m:t>∙</m:t>
+                            </m:r>
+                          </m:e>
+                        </m:d>
+                      </m:oMath>
+                    </m:oMathPara>
+                  </a14:m>
+                  <a:endParaRPr lang="en-US" sz="1600" dirty="0"/>
+                </a:p>
+              </p:txBody>
+            </p:sp>
+          </mc:Choice>
+          <mc:Fallback xmlns="">
+            <p:sp>
+              <p:nvSpPr>
+                <p:cNvPr id="5" name="Rectangle 4"/>
+                <p:cNvSpPr>
+                  <a:spLocks noRot="1" noChangeAspect="1" noMove="1" noResize="1" noEditPoints="1" noAdjustHandles="1" noChangeArrowheads="1" noChangeShapeType="1" noTextEdit="1"/>
+                </p:cNvSpPr>
+                <p:nvPr/>
+              </p:nvSpPr>
+              <p:spPr>
+                <a:xfrm>
+                  <a:off x="4181479" y="3157789"/>
+                  <a:ext cx="609600" cy="228600"/>
+                </a:xfrm>
+                <a:prstGeom prst="rect">
+                  <a:avLst/>
+                </a:prstGeom>
+                <a:blipFill rotWithShape="1">
+                  <a:blip r:embed="rId5"/>
+                  <a:stretch>
+                    <a:fillRect l="-980" b="-32500"/>
+                  </a:stretch>
+                </a:blipFill>
+                <a:ln w="12700"/>
+              </p:spPr>
+              <p:txBody>
+                <a:bodyPr/>
+                <a:lstStyle/>
+                <a:p>
+                  <a:r>
+                    <a:rPr lang="en-US">
+                      <a:noFill/>
+                    </a:rPr>
+                    <a:t> </a:t>
+                  </a:r>
+                </a:p>
+              </p:txBody>
+            </p:sp>
+          </mc:Fallback>
+        </mc:AlternateContent>
         <p:cxnSp>
           <p:nvCxnSpPr>
             <p:cNvPr id="8" name="Straight Arrow Connector 7"/>
@@ -18231,12 +18395,13 @@
             <p:cNvPr id="87" name="Straight Arrow Connector 86"/>
             <p:cNvCxnSpPr>
               <a:stCxn id="139" idx="1"/>
+              <a:endCxn id="101" idx="3"/>
             </p:cNvCxnSpPr>
             <p:nvPr/>
           </p:nvCxnSpPr>
           <p:spPr>
             <a:xfrm flipH="1">
-              <a:off x="5911415" y="2770412"/>
+              <a:off x="5768979" y="2770412"/>
               <a:ext cx="366715" cy="501677"/>
             </a:xfrm>
             <a:prstGeom prst="straightConnector1">
@@ -18267,12 +18432,13 @@
             <p:cNvPr id="90" name="Straight Arrow Connector 89"/>
             <p:cNvCxnSpPr>
               <a:stCxn id="138" idx="1"/>
+              <a:endCxn id="101" idx="3"/>
             </p:cNvCxnSpPr>
             <p:nvPr/>
           </p:nvCxnSpPr>
           <p:spPr>
             <a:xfrm flipH="1">
-              <a:off x="5911415" y="3271837"/>
+              <a:off x="5768979" y="3271837"/>
               <a:ext cx="366715" cy="252"/>
             </a:xfrm>
             <a:prstGeom prst="straightConnector1">
@@ -18303,12 +18469,13 @@
             <p:cNvPr id="93" name="Straight Arrow Connector 92"/>
             <p:cNvCxnSpPr>
               <a:stCxn id="136" idx="1"/>
+              <a:endCxn id="101" idx="3"/>
             </p:cNvCxnSpPr>
             <p:nvPr/>
           </p:nvCxnSpPr>
           <p:spPr>
             <a:xfrm flipH="1" flipV="1">
-              <a:off x="5911415" y="3272089"/>
+              <a:off x="5768979" y="3272089"/>
               <a:ext cx="366715" cy="304773"/>
             </a:xfrm>
             <a:prstGeom prst="straightConnector1">
@@ -18387,7 +18554,7 @@
           </p:nvSpPr>
           <p:spPr>
             <a:xfrm>
-              <a:off x="4933515" y="3157789"/>
+              <a:off x="4791079" y="3157789"/>
               <a:ext cx="679450" cy="228600"/>
             </a:xfrm>
             <a:prstGeom prst="rect">
@@ -18432,7 +18599,7 @@
           </p:nvSpPr>
           <p:spPr>
             <a:xfrm>
-              <a:off x="3868730" y="2077184"/>
+              <a:off x="3807037" y="2077184"/>
               <a:ext cx="1344984" cy="338554"/>
             </a:xfrm>
             <a:prstGeom prst="rect">
@@ -18462,7 +18629,7 @@
           </p:nvCxnSpPr>
           <p:spPr>
             <a:xfrm>
-              <a:off x="3718433" y="2133600"/>
+              <a:off x="3656740" y="2133600"/>
               <a:ext cx="1645579" cy="0"/>
             </a:xfrm>
             <a:prstGeom prst="straightConnector1">
@@ -18496,7 +18663,7 @@
           </p:nvSpPr>
           <p:spPr>
             <a:xfrm>
-              <a:off x="3718433" y="2805877"/>
+              <a:off x="3656740" y="2805877"/>
               <a:ext cx="1645579" cy="338554"/>
             </a:xfrm>
             <a:prstGeom prst="rect">
@@ -18526,7 +18693,7 @@
           </p:nvCxnSpPr>
           <p:spPr>
             <a:xfrm flipH="1">
-              <a:off x="3718433" y="3105150"/>
+              <a:off x="3656740" y="3098800"/>
               <a:ext cx="1645579" cy="0"/>
             </a:xfrm>
             <a:prstGeom prst="straightConnector1">
@@ -18701,7 +18868,7 @@
           </p:nvSpPr>
           <p:spPr>
             <a:xfrm>
-              <a:off x="6278130" y="3462562"/>
+              <a:off x="6135694" y="3462562"/>
               <a:ext cx="1179506" cy="228600"/>
             </a:xfrm>
             <a:prstGeom prst="roundRect">
@@ -18747,7 +18914,7 @@
           </p:nvSpPr>
           <p:spPr>
             <a:xfrm>
-              <a:off x="6278130" y="3157537"/>
+              <a:off x="6135694" y="3157537"/>
               <a:ext cx="1179506" cy="228600"/>
             </a:xfrm>
             <a:prstGeom prst="roundRect">
@@ -18793,7 +18960,7 @@
           </p:nvSpPr>
           <p:spPr>
             <a:xfrm>
-              <a:off x="6278130" y="2656112"/>
+              <a:off x="6135694" y="2656112"/>
               <a:ext cx="1179506" cy="228600"/>
             </a:xfrm>
             <a:prstGeom prst="roundRect">
@@ -18950,7 +19117,7 @@
           </p:nvCxnSpPr>
           <p:spPr>
             <a:xfrm>
-              <a:off x="7273486" y="2656112"/>
+              <a:off x="7131050" y="2656112"/>
               <a:ext cx="0" cy="228600"/>
             </a:xfrm>
             <a:prstGeom prst="line">
@@ -18985,7 +19152,7 @@
           </p:nvCxnSpPr>
           <p:spPr>
             <a:xfrm>
-              <a:off x="7273486" y="3162300"/>
+              <a:off x="7131050" y="3162300"/>
               <a:ext cx="0" cy="228600"/>
             </a:xfrm>
             <a:prstGeom prst="line">
@@ -19020,7 +19187,7 @@
           </p:nvCxnSpPr>
           <p:spPr>
             <a:xfrm>
-              <a:off x="7273486" y="3465201"/>
+              <a:off x="7131050" y="3465201"/>
               <a:ext cx="0" cy="228600"/>
             </a:xfrm>
             <a:prstGeom prst="line">
@@ -19057,7 +19224,7 @@
               </p:nvSpPr>
               <p:spPr>
                 <a:xfrm>
-                  <a:off x="6278130" y="2351306"/>
+                  <a:off x="6135694" y="2351306"/>
                   <a:ext cx="419100" cy="228600"/>
                 </a:xfrm>
                 <a:prstGeom prst="roundRect">
@@ -19122,7 +19289,7 @@
               </p:nvSpPr>
               <p:spPr>
                 <a:xfrm>
-                  <a:off x="6278130" y="2351306"/>
+                  <a:off x="6135694" y="2351306"/>
                   <a:ext cx="419100" cy="228600"/>
                 </a:xfrm>
                 <a:prstGeom prst="roundRect">
@@ -19131,7 +19298,7 @@
                   </a:avLst>
                 </a:prstGeom>
                 <a:blipFill rotWithShape="1">
-                  <a:blip r:embed="rId4"/>
+                  <a:blip r:embed="rId6"/>
                   <a:stretch>
                     <a:fillRect b="-7692"/>
                   </a:stretch>
@@ -19161,7 +19328,7 @@
           </p:nvSpPr>
           <p:spPr>
             <a:xfrm>
-              <a:off x="6594036" y="2351306"/>
+              <a:off x="6451600" y="2351306"/>
               <a:ext cx="679450" cy="228600"/>
             </a:xfrm>
             <a:prstGeom prst="rect">
@@ -19208,7 +19375,7 @@
               </p:nvSpPr>
               <p:spPr>
                 <a:xfrm>
-                  <a:off x="6278130" y="1849120"/>
+                  <a:off x="6135694" y="1849120"/>
                   <a:ext cx="419100" cy="228600"/>
                 </a:xfrm>
                 <a:prstGeom prst="roundRect">
@@ -19273,7 +19440,7 @@
               </p:nvSpPr>
               <p:spPr>
                 <a:xfrm>
-                  <a:off x="6278130" y="1849120"/>
+                  <a:off x="6135694" y="1849120"/>
                   <a:ext cx="419100" cy="228600"/>
                 </a:xfrm>
                 <a:prstGeom prst="roundRect">
@@ -19282,7 +19449,7 @@
                   </a:avLst>
                 </a:prstGeom>
                 <a:blipFill rotWithShape="1">
-                  <a:blip r:embed="rId5"/>
+                  <a:blip r:embed="rId7"/>
                   <a:stretch>
                     <a:fillRect b="-7500"/>
                   </a:stretch>
@@ -19312,7 +19479,7 @@
           </p:nvSpPr>
           <p:spPr>
             <a:xfrm>
-              <a:off x="6594036" y="1849120"/>
+              <a:off x="6451600" y="1849120"/>
               <a:ext cx="679450" cy="228600"/>
             </a:xfrm>
             <a:prstGeom prst="rect">
@@ -19359,7 +19526,7 @@
               </p:nvSpPr>
               <p:spPr>
                 <a:xfrm>
-                  <a:off x="6278130" y="1544320"/>
+                  <a:off x="6135694" y="1544320"/>
                   <a:ext cx="419100" cy="228600"/>
                 </a:xfrm>
                 <a:prstGeom prst="roundRect">
@@ -19424,7 +19591,7 @@
               </p:nvSpPr>
               <p:spPr>
                 <a:xfrm>
-                  <a:off x="6278130" y="1544320"/>
+                  <a:off x="6135694" y="1544320"/>
                   <a:ext cx="419100" cy="228600"/>
                 </a:xfrm>
                 <a:prstGeom prst="roundRect">
@@ -19433,7 +19600,7 @@
                   </a:avLst>
                 </a:prstGeom>
                 <a:blipFill rotWithShape="1">
-                  <a:blip r:embed="rId5"/>
+                  <a:blip r:embed="rId7"/>
                   <a:stretch>
                     <a:fillRect b="-7500"/>
                   </a:stretch>
@@ -19463,7 +19630,7 @@
           </p:nvSpPr>
           <p:spPr>
             <a:xfrm>
-              <a:off x="6594036" y="1544320"/>
+              <a:off x="6451600" y="1544320"/>
               <a:ext cx="679450" cy="228600"/>
             </a:xfrm>
             <a:prstGeom prst="rect">
@@ -19511,7 +19678,7 @@
           </p:nvCxnSpPr>
           <p:spPr>
             <a:xfrm>
-              <a:off x="5911415" y="1962884"/>
+              <a:off x="5768979" y="1962884"/>
               <a:ext cx="366715" cy="502722"/>
             </a:xfrm>
             <a:prstGeom prst="straightConnector1">
@@ -19548,7 +19715,7 @@
           </p:nvCxnSpPr>
           <p:spPr>
             <a:xfrm>
-              <a:off x="5911415" y="1962884"/>
+              <a:off x="5768979" y="1962884"/>
               <a:ext cx="366715" cy="536"/>
             </a:xfrm>
             <a:prstGeom prst="straightConnector1">
@@ -19585,7 +19752,7 @@
           </p:nvCxnSpPr>
           <p:spPr>
             <a:xfrm flipV="1">
-              <a:off x="5911415" y="1658620"/>
+              <a:off x="5768979" y="1658620"/>
               <a:ext cx="366715" cy="304264"/>
             </a:xfrm>
             <a:prstGeom prst="straightConnector1">
@@ -19619,7 +19786,7 @@
           </p:nvSpPr>
           <p:spPr>
             <a:xfrm>
-              <a:off x="7279836" y="2586256"/>
+              <a:off x="7137400" y="2586256"/>
               <a:ext cx="187764" cy="1191458"/>
             </a:xfrm>
             <a:prstGeom prst="rect">
@@ -19747,7 +19914,7 @@
                   </a:avLst>
                 </a:prstGeom>
                 <a:blipFill rotWithShape="1">
-                  <a:blip r:embed="rId6"/>
+                  <a:blip r:embed="rId8"/>
                   <a:stretch>
                     <a:fillRect b="-7692"/>
                   </a:stretch>
@@ -19904,7 +20071,7 @@
                   </a:avLst>
                 </a:prstGeom>
                 <a:blipFill rotWithShape="1">
-                  <a:blip r:embed="rId7"/>
+                  <a:blip r:embed="rId9"/>
                   <a:stretch>
                     <a:fillRect b="-7692"/>
                   </a:stretch>
@@ -20061,7 +20228,7 @@
                   </a:avLst>
                 </a:prstGeom>
                 <a:blipFill rotWithShape="1">
-                  <a:blip r:embed="rId8"/>
+                  <a:blip r:embed="rId10"/>
                   <a:stretch>
                     <a:fillRect b="-5000"/>
                   </a:stretch>
@@ -20136,7 +20303,7 @@
           </p:nvSpPr>
           <p:spPr>
             <a:xfrm>
-              <a:off x="6627039" y="2086147"/>
+              <a:off x="6484603" y="2086147"/>
               <a:ext cx="430887" cy="243310"/>
             </a:xfrm>
             <a:prstGeom prst="rect">
@@ -20355,7 +20522,7 @@
           </p:nvSpPr>
           <p:spPr>
             <a:xfrm>
-              <a:off x="4222866" y="2448464"/>
+              <a:off x="4161173" y="2448464"/>
               <a:ext cx="636713" cy="338554"/>
             </a:xfrm>
             <a:prstGeom prst="rect">
@@ -20416,7 +20583,7 @@
           </p:nvSpPr>
           <p:spPr>
             <a:xfrm>
-              <a:off x="6627038" y="2901121"/>
+              <a:off x="6484602" y="2901121"/>
               <a:ext cx="430887" cy="243310"/>
             </a:xfrm>
             <a:prstGeom prst="rect">
@@ -20472,6 +20639,100 @@
       </p:grpSpPr>
       <p:pic>
         <p:nvPicPr>
+          <p:cNvPr id="2" name="Picture 2"/>
+          <p:cNvPicPr>
+            <a:picLocks noChangeAspect="1" noChangeArrowheads="1"/>
+          </p:cNvPicPr>
+          <p:nvPr/>
+        </p:nvPicPr>
+        <p:blipFill>
+          <a:blip r:embed="rId2">
+            <a:extLst>
+              <a:ext uri="{28A0092B-C50C-407E-A947-70E740481C1C}">
+                <a14:useLocalDpi xmlns:a14="http://schemas.microsoft.com/office/drawing/2010/main" val="0"/>
+              </a:ext>
+            </a:extLst>
+          </a:blip>
+          <a:srcRect/>
+          <a:stretch>
+            <a:fillRect/>
+          </a:stretch>
+        </p:blipFill>
+        <p:spPr bwMode="auto">
+          <a:xfrm>
+            <a:off x="3343275" y="2738438"/>
+            <a:ext cx="2457450" cy="1381125"/>
+          </a:xfrm>
+          <a:prstGeom prst="rect">
+            <a:avLst/>
+          </a:prstGeom>
+          <a:noFill/>
+          <a:ln>
+            <a:noFill/>
+          </a:ln>
+          <a:effectLst/>
+          <a:extLst>
+            <a:ext uri="{909E8E84-426E-40DD-AFC4-6F175D3DCCD1}">
+              <a14:hiddenFill xmlns:a14="http://schemas.microsoft.com/office/drawing/2010/main">
+                <a:solidFill>
+                  <a:schemeClr val="accent1"/>
+                </a:solidFill>
+              </a14:hiddenFill>
+            </a:ext>
+            <a:ext uri="{91240B29-F687-4F45-9708-019B960494DF}">
+              <a14:hiddenLine xmlns:a14="http://schemas.microsoft.com/office/drawing/2010/main" w="9525">
+                <a:solidFill>
+                  <a:schemeClr val="tx1"/>
+                </a:solidFill>
+                <a:miter lim="800000"/>
+                <a:headEnd/>
+                <a:tailEnd/>
+              </a14:hiddenLine>
+            </a:ext>
+            <a:ext uri="{AF507438-7753-43E0-B8FC-AC1667EBCBE1}">
+              <a14:hiddenEffects xmlns:a14="http://schemas.microsoft.com/office/drawing/2010/main">
+                <a:effectLst>
+                  <a:outerShdw dist="35921" dir="2700000" algn="ctr" rotWithShape="0">
+                    <a:schemeClr val="bg2"/>
+                  </a:outerShdw>
+                </a:effectLst>
+              </a14:hiddenEffects>
+            </a:ext>
+          </a:extLst>
+        </p:spPr>
+      </p:pic>
+    </p:spTree>
+    <p:extLst>
+      <p:ext uri="{BB962C8B-B14F-4D97-AF65-F5344CB8AC3E}">
+        <p14:creationId xmlns:p14="http://schemas.microsoft.com/office/powerpoint/2010/main" val="795875027"/>
+      </p:ext>
+    </p:extLst>
+  </p:cSld>
+  <p:clrMapOvr>
+    <a:masterClrMapping/>
+  </p:clrMapOvr>
+</p:sld>
+</file>
+
+<file path=ppt/slides/slide9.xml><?xml version="1.0" encoding="utf-8"?>
+<p:sld xmlns:a="http://schemas.openxmlformats.org/drawingml/2006/main" xmlns:r="http://schemas.openxmlformats.org/officeDocument/2006/relationships" xmlns:p="http://schemas.openxmlformats.org/presentationml/2006/main">
+  <p:cSld>
+    <p:spTree>
+      <p:nvGrpSpPr>
+        <p:cNvPr id="1" name=""/>
+        <p:cNvGrpSpPr/>
+        <p:nvPr/>
+      </p:nvGrpSpPr>
+      <p:grpSpPr>
+        <a:xfrm>
+          <a:off x="0" y="0"/>
+          <a:ext cx="0" cy="0"/>
+          <a:chOff x="0" y="0"/>
+          <a:chExt cx="0" cy="0"/>
+        </a:xfrm>
+      </p:grpSpPr>
+      <p:pic>
+        <p:nvPicPr>
           <p:cNvPr id="1026" name="Picture 2"/>
           <p:cNvPicPr>
             <a:picLocks noChangeAspect="1" noChangeArrowheads="1"/>
@@ -20493,8 +20754,8 @@
         </p:blipFill>
         <p:spPr bwMode="auto">
           <a:xfrm>
-            <a:off x="3195638" y="2738438"/>
-            <a:ext cx="2752725" cy="1381125"/>
+            <a:off x="938213" y="914400"/>
+            <a:ext cx="7267575" cy="4572000"/>
           </a:xfrm>
           <a:prstGeom prst="rect">
             <a:avLst/>
@@ -20527,7 +20788,7 @@
     </p:spTree>
     <p:extLst>
       <p:ext uri="{BB962C8B-B14F-4D97-AF65-F5344CB8AC3E}">
-        <p14:creationId xmlns:p14="http://schemas.microsoft.com/office/powerpoint/2010/main" val="795875027"/>
+        <p14:creationId xmlns:p14="http://schemas.microsoft.com/office/powerpoint/2010/main" val="1176222862"/>
       </p:ext>
     </p:extLst>
   </p:cSld>

--- a/trunk/pic/pic.pptx
+++ b/trunk/pic/pic.pptx
@@ -297,7 +297,7 @@
             <a:fld id="{1D8BD707-D9CF-40AE-B4C6-C98DA3205C09}" type="datetimeFigureOut">
               <a:rPr lang="en-US" smtClean="0"/>
               <a:pPr/>
-              <a:t>12/1/2014</a:t>
+              <a:t>12/3/2014</a:t>
             </a:fld>
             <a:endParaRPr lang="en-US"/>
           </a:p>
@@ -464,7 +464,7 @@
             <a:fld id="{1D8BD707-D9CF-40AE-B4C6-C98DA3205C09}" type="datetimeFigureOut">
               <a:rPr lang="en-US" smtClean="0"/>
               <a:pPr/>
-              <a:t>12/1/2014</a:t>
+              <a:t>12/3/2014</a:t>
             </a:fld>
             <a:endParaRPr lang="en-US"/>
           </a:p>
@@ -641,7 +641,7 @@
             <a:fld id="{1D8BD707-D9CF-40AE-B4C6-C98DA3205C09}" type="datetimeFigureOut">
               <a:rPr lang="en-US" smtClean="0"/>
               <a:pPr/>
-              <a:t>12/1/2014</a:t>
+              <a:t>12/3/2014</a:t>
             </a:fld>
             <a:endParaRPr lang="en-US"/>
           </a:p>
@@ -808,7 +808,7 @@
             <a:fld id="{1D8BD707-D9CF-40AE-B4C6-C98DA3205C09}" type="datetimeFigureOut">
               <a:rPr lang="en-US" smtClean="0"/>
               <a:pPr/>
-              <a:t>12/1/2014</a:t>
+              <a:t>12/3/2014</a:t>
             </a:fld>
             <a:endParaRPr lang="en-US"/>
           </a:p>
@@ -1051,7 +1051,7 @@
             <a:fld id="{1D8BD707-D9CF-40AE-B4C6-C98DA3205C09}" type="datetimeFigureOut">
               <a:rPr lang="en-US" smtClean="0"/>
               <a:pPr/>
-              <a:t>12/1/2014</a:t>
+              <a:t>12/3/2014</a:t>
             </a:fld>
             <a:endParaRPr lang="en-US"/>
           </a:p>
@@ -1336,7 +1336,7 @@
             <a:fld id="{1D8BD707-D9CF-40AE-B4C6-C98DA3205C09}" type="datetimeFigureOut">
               <a:rPr lang="en-US" smtClean="0"/>
               <a:pPr/>
-              <a:t>12/1/2014</a:t>
+              <a:t>12/3/2014</a:t>
             </a:fld>
             <a:endParaRPr lang="en-US"/>
           </a:p>
@@ -1755,7 +1755,7 @@
             <a:fld id="{1D8BD707-D9CF-40AE-B4C6-C98DA3205C09}" type="datetimeFigureOut">
               <a:rPr lang="en-US" smtClean="0"/>
               <a:pPr/>
-              <a:t>12/1/2014</a:t>
+              <a:t>12/3/2014</a:t>
             </a:fld>
             <a:endParaRPr lang="en-US"/>
           </a:p>
@@ -1870,7 +1870,7 @@
             <a:fld id="{1D8BD707-D9CF-40AE-B4C6-C98DA3205C09}" type="datetimeFigureOut">
               <a:rPr lang="en-US" smtClean="0"/>
               <a:pPr/>
-              <a:t>12/1/2014</a:t>
+              <a:t>12/3/2014</a:t>
             </a:fld>
             <a:endParaRPr lang="en-US"/>
           </a:p>
@@ -1962,7 +1962,7 @@
             <a:fld id="{1D8BD707-D9CF-40AE-B4C6-C98DA3205C09}" type="datetimeFigureOut">
               <a:rPr lang="en-US" smtClean="0"/>
               <a:pPr/>
-              <a:t>12/1/2014</a:t>
+              <a:t>12/3/2014</a:t>
             </a:fld>
             <a:endParaRPr lang="en-US"/>
           </a:p>
@@ -2236,7 +2236,7 @@
             <a:fld id="{1D8BD707-D9CF-40AE-B4C6-C98DA3205C09}" type="datetimeFigureOut">
               <a:rPr lang="en-US" smtClean="0"/>
               <a:pPr/>
-              <a:t>12/1/2014</a:t>
+              <a:t>12/3/2014</a:t>
             </a:fld>
             <a:endParaRPr lang="en-US"/>
           </a:p>
@@ -2486,7 +2486,7 @@
             <a:fld id="{1D8BD707-D9CF-40AE-B4C6-C98DA3205C09}" type="datetimeFigureOut">
               <a:rPr lang="en-US" smtClean="0"/>
               <a:pPr/>
-              <a:t>12/1/2014</a:t>
+              <a:t>12/3/2014</a:t>
             </a:fld>
             <a:endParaRPr lang="en-US"/>
           </a:p>
@@ -2696,7 +2696,7 @@
             <a:fld id="{1D8BD707-D9CF-40AE-B4C6-C98DA3205C09}" type="datetimeFigureOut">
               <a:rPr lang="en-US" smtClean="0"/>
               <a:pPr/>
-              <a:t>12/1/2014</a:t>
+              <a:t>12/3/2014</a:t>
             </a:fld>
             <a:endParaRPr lang="en-US"/>
           </a:p>
@@ -22368,16 +22368,16 @@
       </p:grpSpPr>
       <p:grpSp>
         <p:nvGrpSpPr>
-          <p:cNvPr id="3" name="Group 2"/>
+          <p:cNvPr id="10" name="Group 9"/>
           <p:cNvGrpSpPr/>
           <p:nvPr/>
         </p:nvGrpSpPr>
         <p:grpSpPr>
           <a:xfrm>
             <a:off x="436636" y="-228600"/>
-            <a:ext cx="8116813" cy="7363346"/>
+            <a:ext cx="8050139" cy="7363346"/>
             <a:chOff x="436636" y="-228600"/>
-            <a:chExt cx="8116813" cy="7363346"/>
+            <a:chExt cx="8050139" cy="7363346"/>
           </a:xfrm>
         </p:grpSpPr>
         <p:pic>
@@ -22552,8 +22552,8 @@
           </p:nvSpPr>
           <p:spPr>
             <a:xfrm>
-              <a:off x="7441292" y="6061027"/>
-              <a:ext cx="1001941" cy="1015663"/>
+              <a:off x="7610475" y="5895796"/>
+              <a:ext cx="864508" cy="1200329"/>
             </a:xfrm>
             <a:prstGeom prst="rect">
               <a:avLst/>
@@ -22561,45 +22561,54 @@
             <a:noFill/>
           </p:spPr>
           <p:txBody>
-            <a:bodyPr wrap="none" rtlCol="0">
+            <a:bodyPr wrap="square" rtlCol="0">
               <a:spAutoFit/>
             </a:bodyPr>
             <a:lstStyle/>
             <a:p>
               <a:r>
-                <a:rPr lang="en-US" sz="1500" dirty="0" smtClean="0"/>
+                <a:rPr lang="en-US" sz="1200" dirty="0" smtClean="0"/>
+                <a:t>topology</a:t>
+              </a:r>
+              <a:br>
+                <a:rPr lang="en-US" sz="1200" dirty="0" smtClean="0"/>
+              </a:br>
+              <a:r>
+                <a:rPr lang="en-US" sz="1200" dirty="0" smtClean="0"/>
+                <a:t>module</a:t>
+              </a:r>
+              <a:r>
+                <a:rPr lang="en-US" sz="1200" dirty="0" smtClean="0"/>
+                <a:t>:</a:t>
+              </a:r>
+            </a:p>
+            <a:p>
+              <a:r>
+                <a:rPr lang="en-US" sz="1200" i="1" dirty="0" smtClean="0"/>
                 <a:t>scalable</a:t>
               </a:r>
               <a:br>
-                <a:rPr lang="en-US" sz="1500" dirty="0" smtClean="0"/>
+                <a:rPr lang="en-US" sz="1200" i="1" dirty="0" smtClean="0"/>
               </a:br>
               <a:r>
-                <a:rPr lang="en-US" sz="1500" dirty="0" smtClean="0"/>
-                <a:t>for</a:t>
-              </a:r>
-              <a:r>
-                <a:rPr lang="en-US" sz="1500" dirty="0"/>
-                <a:t> </a:t>
-              </a:r>
-              <a:r>
-                <a:rPr lang="en-US" sz="1500" dirty="0" smtClean="0"/>
-                <a:t>other</a:t>
+                <a:rPr lang="en-US" sz="1200" i="1" dirty="0" smtClean="0"/>
+                <a:t>for other</a:t>
               </a:r>
               <a:br>
-                <a:rPr lang="en-US" sz="1500" dirty="0" smtClean="0"/>
+                <a:rPr lang="en-US" sz="1200" i="1" dirty="0" smtClean="0"/>
               </a:br>
               <a:r>
-                <a:rPr lang="en-US" sz="1500" dirty="0" smtClean="0"/>
+                <a:rPr lang="en-US" sz="1200" i="1" dirty="0" smtClean="0"/>
                 <a:t>network</a:t>
               </a:r>
               <a:br>
-                <a:rPr lang="en-US" sz="1500" dirty="0" smtClean="0"/>
+                <a:rPr lang="en-US" sz="1200" i="1" dirty="0" smtClean="0"/>
               </a:br>
               <a:r>
-                <a:rPr lang="en-US" sz="1500" dirty="0" smtClean="0"/>
+                <a:rPr lang="en-US" sz="1200" i="1" dirty="0" smtClean="0"/>
                 <a:t>topologies</a:t>
               </a:r>
-              <a:endParaRPr lang="en-US" sz="1500" dirty="0"/>
+              <a:endParaRPr lang="en-US" sz="1200" i="1" dirty="0"/>
             </a:p>
           </p:txBody>
         </p:sp>
@@ -22661,8 +22670,8 @@
           </p:nvSpPr>
           <p:spPr>
             <a:xfrm>
-              <a:off x="7367510" y="62650"/>
-              <a:ext cx="1185939" cy="1246495"/>
+              <a:off x="7472285" y="104775"/>
+              <a:ext cx="1014490" cy="1384995"/>
             </a:xfrm>
             <a:prstGeom prst="rect">
               <a:avLst/>
@@ -22676,32 +22685,50 @@
             <a:lstStyle/>
             <a:p>
               <a:r>
-                <a:rPr lang="en-US" sz="1500" dirty="0" smtClean="0"/>
+                <a:rPr lang="en-US" sz="1200" dirty="0"/>
+                <a:t>p</a:t>
+              </a:r>
+              <a:r>
+                <a:rPr lang="en-US" sz="1200" dirty="0" smtClean="0"/>
+                <a:t>ropagation module:</a:t>
+              </a:r>
+            </a:p>
+            <a:p>
+              <a:r>
+                <a:rPr lang="en-US" sz="1200" i="1" dirty="0" smtClean="0"/>
                 <a:t>scalable</a:t>
               </a:r>
+              <a:r>
+                <a:rPr lang="en-US" sz="1200" i="1" dirty="0" smtClean="0"/>
+                <a:t/>
+              </a:r>
               <a:br>
-                <a:rPr lang="en-US" sz="1500" dirty="0" smtClean="0"/>
+                <a:rPr lang="en-US" sz="1200" i="1" dirty="0" smtClean="0"/>
               </a:br>
               <a:r>
-                <a:rPr lang="en-US" sz="1500" dirty="0" smtClean="0"/>
+                <a:rPr lang="en-US" sz="1200" i="1" dirty="0" smtClean="0"/>
                 <a:t>for</a:t>
               </a:r>
               <a:r>
-                <a:rPr lang="en-US" sz="1500" dirty="0"/>
+                <a:rPr lang="en-US" sz="1200" i="1" dirty="0"/>
                 <a:t> </a:t>
               </a:r>
               <a:r>
-                <a:rPr lang="en-US" sz="1500" dirty="0" smtClean="0"/>
+                <a:rPr lang="en-US" sz="1200" i="1" dirty="0" smtClean="0"/>
                 <a:t>other</a:t>
               </a:r>
               <a:br>
-                <a:rPr lang="en-US" sz="1500" dirty="0" smtClean="0"/>
+                <a:rPr lang="en-US" sz="1200" i="1" dirty="0" smtClean="0"/>
               </a:br>
               <a:r>
-                <a:rPr lang="en-US" sz="1500" dirty="0" smtClean="0"/>
-                <a:t>back-propagation algorithms</a:t>
+                <a:rPr lang="en-US" sz="1200" i="1" dirty="0" smtClean="0"/>
+                <a:t>back-propagation </a:t>
               </a:r>
-              <a:endParaRPr lang="en-US" sz="1500" dirty="0"/>
+              <a:r>
+                <a:rPr lang="en-US" sz="1200" i="1" dirty="0" smtClean="0"/>
+                <a:t>algorithms</a:t>
+              </a:r>
+              <a:endParaRPr lang="en-US" sz="1200" i="1" dirty="0"/>
             </a:p>
           </p:txBody>
         </p:sp>
@@ -22713,8 +22740,8 @@
           </p:nvSpPr>
           <p:spPr>
             <a:xfrm>
-              <a:off x="684286" y="3669705"/>
-              <a:ext cx="1676400" cy="553998"/>
+              <a:off x="874029" y="3667208"/>
+              <a:ext cx="1296914" cy="830997"/>
             </a:xfrm>
             <a:prstGeom prst="rect">
               <a:avLst/>
@@ -22728,17 +22755,38 @@
             <a:lstStyle/>
             <a:p>
               <a:r>
-                <a:rPr lang="en-US" sz="1500" dirty="0" smtClean="0"/>
-                <a:t>scalable for other</a:t>
+                <a:rPr lang="en-US" sz="1200" dirty="0"/>
+                <a:t>i</a:t>
+              </a:r>
+              <a:r>
+                <a:rPr lang="en-US" sz="1200" dirty="0" smtClean="0"/>
+                <a:t>nput and output</a:t>
               </a:r>
               <a:br>
-                <a:rPr lang="en-US" sz="1500" dirty="0" smtClean="0"/>
+                <a:rPr lang="en-US" sz="1200" dirty="0" smtClean="0"/>
               </a:br>
               <a:r>
-                <a:rPr lang="en-US" sz="1500" dirty="0" smtClean="0"/>
+                <a:rPr lang="en-US" sz="1200" dirty="0" smtClean="0"/>
+                <a:t>utility module:</a:t>
+              </a:r>
+            </a:p>
+            <a:p>
+              <a:r>
+                <a:rPr lang="en-US" sz="1200" i="1" dirty="0" smtClean="0"/>
+                <a:t>scalable </a:t>
+              </a:r>
+              <a:r>
+                <a:rPr lang="en-US" sz="1200" i="1" dirty="0" smtClean="0"/>
+                <a:t>for other</a:t>
+              </a:r>
+              <a:br>
+                <a:rPr lang="en-US" sz="1200" i="1" dirty="0" smtClean="0"/>
+              </a:br>
+              <a:r>
+                <a:rPr lang="en-US" sz="1200" i="1" dirty="0" smtClean="0"/>
                 <a:t>system models</a:t>
               </a:r>
-              <a:endParaRPr lang="en-US" sz="1500" dirty="0"/>
+              <a:endParaRPr lang="en-US" sz="1200" i="1" dirty="0"/>
             </a:p>
           </p:txBody>
         </p:sp>

--- a/trunk/pic/pic.pptx
+++ b/trunk/pic/pic.pptx
@@ -4,6 +4,9 @@
   <p:sldMasterIdLst>
     <p:sldMasterId id="2147483648" r:id="rId1"/>
   </p:sldMasterIdLst>
+  <p:notesMasterIdLst>
+    <p:notesMasterId r:id="rId13"/>
+  </p:notesMasterIdLst>
   <p:sldIdLst>
     <p:sldId id="256" r:id="rId2"/>
     <p:sldId id="257" r:id="rId3"/>
@@ -11,9 +14,11 @@
     <p:sldId id="259" r:id="rId5"/>
     <p:sldId id="260" r:id="rId6"/>
     <p:sldId id="261" r:id="rId7"/>
-    <p:sldId id="262" r:id="rId8"/>
-    <p:sldId id="263" r:id="rId9"/>
-    <p:sldId id="264" r:id="rId10"/>
+    <p:sldId id="265" r:id="rId8"/>
+    <p:sldId id="262" r:id="rId9"/>
+    <p:sldId id="266" r:id="rId10"/>
+    <p:sldId id="263" r:id="rId11"/>
+    <p:sldId id="264" r:id="rId12"/>
   </p:sldIdLst>
   <p:sldSz cx="9144000" cy="6858000" type="screen4x3"/>
   <p:notesSz cx="6858000" cy="9144000"/>
@@ -113,6 +118,524 @@
     </a:lvl9pPr>
   </p:defaultTextStyle>
 </p:presentation>
+</file>
+
+<file path=ppt/notesMasters/notesMaster1.xml><?xml version="1.0" encoding="utf-8"?>
+<p:notesMaster xmlns:a="http://schemas.openxmlformats.org/drawingml/2006/main" xmlns:r="http://schemas.openxmlformats.org/officeDocument/2006/relationships" xmlns:p="http://schemas.openxmlformats.org/presentationml/2006/main">
+  <p:cSld>
+    <p:bg>
+      <p:bgRef idx="1001">
+        <a:schemeClr val="bg1"/>
+      </p:bgRef>
+    </p:bg>
+    <p:spTree>
+      <p:nvGrpSpPr>
+        <p:cNvPr id="1" name=""/>
+        <p:cNvGrpSpPr/>
+        <p:nvPr/>
+      </p:nvGrpSpPr>
+      <p:grpSpPr>
+        <a:xfrm>
+          <a:off x="0" y="0"/>
+          <a:ext cx="0" cy="0"/>
+          <a:chOff x="0" y="0"/>
+          <a:chExt cx="0" cy="0"/>
+        </a:xfrm>
+      </p:grpSpPr>
+      <p:sp>
+        <p:nvSpPr>
+          <p:cNvPr id="2" name="Header Placeholder 1"/>
+          <p:cNvSpPr>
+            <a:spLocks noGrp="1"/>
+          </p:cNvSpPr>
+          <p:nvPr>
+            <p:ph type="hdr" sz="quarter"/>
+          </p:nvPr>
+        </p:nvSpPr>
+        <p:spPr>
+          <a:xfrm>
+            <a:off x="0" y="0"/>
+            <a:ext cx="2971800" cy="457200"/>
+          </a:xfrm>
+          <a:prstGeom prst="rect">
+            <a:avLst/>
+          </a:prstGeom>
+        </p:spPr>
+        <p:txBody>
+          <a:bodyPr vert="horz" lIns="91440" tIns="45720" rIns="91440" bIns="45720" rtlCol="0"/>
+          <a:lstStyle>
+            <a:lvl1pPr algn="l">
+              <a:defRPr sz="1200"/>
+            </a:lvl1pPr>
+          </a:lstStyle>
+          <a:p>
+            <a:endParaRPr lang="en-US"/>
+          </a:p>
+        </p:txBody>
+      </p:sp>
+      <p:sp>
+        <p:nvSpPr>
+          <p:cNvPr id="3" name="Date Placeholder 2"/>
+          <p:cNvSpPr>
+            <a:spLocks noGrp="1"/>
+          </p:cNvSpPr>
+          <p:nvPr>
+            <p:ph type="dt" idx="1"/>
+          </p:nvPr>
+        </p:nvSpPr>
+        <p:spPr>
+          <a:xfrm>
+            <a:off x="3884613" y="0"/>
+            <a:ext cx="2971800" cy="457200"/>
+          </a:xfrm>
+          <a:prstGeom prst="rect">
+            <a:avLst/>
+          </a:prstGeom>
+        </p:spPr>
+        <p:txBody>
+          <a:bodyPr vert="horz" lIns="91440" tIns="45720" rIns="91440" bIns="45720" rtlCol="0"/>
+          <a:lstStyle>
+            <a:lvl1pPr algn="r">
+              <a:defRPr sz="1200"/>
+            </a:lvl1pPr>
+          </a:lstStyle>
+          <a:p>
+            <a:fld id="{40F2FB96-7D30-4672-9E6D-9816F53C8FB8}" type="datetimeFigureOut">
+              <a:rPr lang="en-US" smtClean="0"/>
+              <a:t>12/23/2014</a:t>
+            </a:fld>
+            <a:endParaRPr lang="en-US"/>
+          </a:p>
+        </p:txBody>
+      </p:sp>
+      <p:sp>
+        <p:nvSpPr>
+          <p:cNvPr id="4" name="Slide Image Placeholder 3"/>
+          <p:cNvSpPr>
+            <a:spLocks noGrp="1" noRot="1" noChangeAspect="1"/>
+          </p:cNvSpPr>
+          <p:nvPr>
+            <p:ph type="sldImg" idx="2"/>
+          </p:nvPr>
+        </p:nvSpPr>
+        <p:spPr>
+          <a:xfrm>
+            <a:off x="1143000" y="685800"/>
+            <a:ext cx="4572000" cy="3429000"/>
+          </a:xfrm>
+          <a:prstGeom prst="rect">
+            <a:avLst/>
+          </a:prstGeom>
+          <a:noFill/>
+          <a:ln w="12700">
+            <a:solidFill>
+              <a:prstClr val="black"/>
+            </a:solidFill>
+          </a:ln>
+        </p:spPr>
+        <p:txBody>
+          <a:bodyPr vert="horz" lIns="91440" tIns="45720" rIns="91440" bIns="45720" rtlCol="0" anchor="ctr"/>
+          <a:lstStyle/>
+          <a:p>
+            <a:endParaRPr lang="en-US"/>
+          </a:p>
+        </p:txBody>
+      </p:sp>
+      <p:sp>
+        <p:nvSpPr>
+          <p:cNvPr id="5" name="Notes Placeholder 4"/>
+          <p:cNvSpPr>
+            <a:spLocks noGrp="1"/>
+          </p:cNvSpPr>
+          <p:nvPr>
+            <p:ph type="body" sz="quarter" idx="3"/>
+          </p:nvPr>
+        </p:nvSpPr>
+        <p:spPr>
+          <a:xfrm>
+            <a:off x="685800" y="4343400"/>
+            <a:ext cx="5486400" cy="4114800"/>
+          </a:xfrm>
+          <a:prstGeom prst="rect">
+            <a:avLst/>
+          </a:prstGeom>
+        </p:spPr>
+        <p:txBody>
+          <a:bodyPr vert="horz" lIns="91440" tIns="45720" rIns="91440" bIns="45720" rtlCol="0"/>
+          <a:lstStyle/>
+          <a:p>
+            <a:pPr lvl="0"/>
+            <a:r>
+              <a:rPr lang="en-US" smtClean="0"/>
+              <a:t>Click to edit Master text styles</a:t>
+            </a:r>
+          </a:p>
+          <a:p>
+            <a:pPr lvl="1"/>
+            <a:r>
+              <a:rPr lang="en-US" smtClean="0"/>
+              <a:t>Second level</a:t>
+            </a:r>
+          </a:p>
+          <a:p>
+            <a:pPr lvl="2"/>
+            <a:r>
+              <a:rPr lang="en-US" smtClean="0"/>
+              <a:t>Third level</a:t>
+            </a:r>
+          </a:p>
+          <a:p>
+            <a:pPr lvl="3"/>
+            <a:r>
+              <a:rPr lang="en-US" smtClean="0"/>
+              <a:t>Fourth level</a:t>
+            </a:r>
+          </a:p>
+          <a:p>
+            <a:pPr lvl="4"/>
+            <a:r>
+              <a:rPr lang="en-US" smtClean="0"/>
+              <a:t>Fifth level</a:t>
+            </a:r>
+            <a:endParaRPr lang="en-US"/>
+          </a:p>
+        </p:txBody>
+      </p:sp>
+      <p:sp>
+        <p:nvSpPr>
+          <p:cNvPr id="6" name="Footer Placeholder 5"/>
+          <p:cNvSpPr>
+            <a:spLocks noGrp="1"/>
+          </p:cNvSpPr>
+          <p:nvPr>
+            <p:ph type="ftr" sz="quarter" idx="4"/>
+          </p:nvPr>
+        </p:nvSpPr>
+        <p:spPr>
+          <a:xfrm>
+            <a:off x="0" y="8685213"/>
+            <a:ext cx="2971800" cy="457200"/>
+          </a:xfrm>
+          <a:prstGeom prst="rect">
+            <a:avLst/>
+          </a:prstGeom>
+        </p:spPr>
+        <p:txBody>
+          <a:bodyPr vert="horz" lIns="91440" tIns="45720" rIns="91440" bIns="45720" rtlCol="0" anchor="b"/>
+          <a:lstStyle>
+            <a:lvl1pPr algn="l">
+              <a:defRPr sz="1200"/>
+            </a:lvl1pPr>
+          </a:lstStyle>
+          <a:p>
+            <a:endParaRPr lang="en-US"/>
+          </a:p>
+        </p:txBody>
+      </p:sp>
+      <p:sp>
+        <p:nvSpPr>
+          <p:cNvPr id="7" name="Slide Number Placeholder 6"/>
+          <p:cNvSpPr>
+            <a:spLocks noGrp="1"/>
+          </p:cNvSpPr>
+          <p:nvPr>
+            <p:ph type="sldNum" sz="quarter" idx="5"/>
+          </p:nvPr>
+        </p:nvSpPr>
+        <p:spPr>
+          <a:xfrm>
+            <a:off x="3884613" y="8685213"/>
+            <a:ext cx="2971800" cy="457200"/>
+          </a:xfrm>
+          <a:prstGeom prst="rect">
+            <a:avLst/>
+          </a:prstGeom>
+        </p:spPr>
+        <p:txBody>
+          <a:bodyPr vert="horz" lIns="91440" tIns="45720" rIns="91440" bIns="45720" rtlCol="0" anchor="b"/>
+          <a:lstStyle>
+            <a:lvl1pPr algn="r">
+              <a:defRPr sz="1200"/>
+            </a:lvl1pPr>
+          </a:lstStyle>
+          <a:p>
+            <a:fld id="{28B05241-304B-4399-B516-2D7A5C717DFB}" type="slidenum">
+              <a:rPr lang="en-US" smtClean="0"/>
+              <a:t>‹#›</a:t>
+            </a:fld>
+            <a:endParaRPr lang="en-US"/>
+          </a:p>
+        </p:txBody>
+      </p:sp>
+    </p:spTree>
+    <p:extLst>
+      <p:ext uri="{BB962C8B-B14F-4D97-AF65-F5344CB8AC3E}">
+        <p14:creationId xmlns:p14="http://schemas.microsoft.com/office/powerpoint/2010/main" val="721519785"/>
+      </p:ext>
+    </p:extLst>
+  </p:cSld>
+  <p:clrMap bg1="lt1" tx1="dk1" bg2="lt2" tx2="dk2" accent1="accent1" accent2="accent2" accent3="accent3" accent4="accent4" accent5="accent5" accent6="accent6" hlink="hlink" folHlink="folHlink"/>
+  <p:notesStyle>
+    <a:lvl1pPr marL="0" algn="l" defTabSz="914400" rtl="0" eaLnBrk="1" latinLnBrk="0" hangingPunct="1">
+      <a:defRPr sz="1200" kern="1200">
+        <a:solidFill>
+          <a:schemeClr val="tx1"/>
+        </a:solidFill>
+        <a:latin typeface="+mn-lt"/>
+        <a:ea typeface="+mn-ea"/>
+        <a:cs typeface="+mn-cs"/>
+      </a:defRPr>
+    </a:lvl1pPr>
+    <a:lvl2pPr marL="457200" algn="l" defTabSz="914400" rtl="0" eaLnBrk="1" latinLnBrk="0" hangingPunct="1">
+      <a:defRPr sz="1200" kern="1200">
+        <a:solidFill>
+          <a:schemeClr val="tx1"/>
+        </a:solidFill>
+        <a:latin typeface="+mn-lt"/>
+        <a:ea typeface="+mn-ea"/>
+        <a:cs typeface="+mn-cs"/>
+      </a:defRPr>
+    </a:lvl2pPr>
+    <a:lvl3pPr marL="914400" algn="l" defTabSz="914400" rtl="0" eaLnBrk="1" latinLnBrk="0" hangingPunct="1">
+      <a:defRPr sz="1200" kern="1200">
+        <a:solidFill>
+          <a:schemeClr val="tx1"/>
+        </a:solidFill>
+        <a:latin typeface="+mn-lt"/>
+        <a:ea typeface="+mn-ea"/>
+        <a:cs typeface="+mn-cs"/>
+      </a:defRPr>
+    </a:lvl3pPr>
+    <a:lvl4pPr marL="1371600" algn="l" defTabSz="914400" rtl="0" eaLnBrk="1" latinLnBrk="0" hangingPunct="1">
+      <a:defRPr sz="1200" kern="1200">
+        <a:solidFill>
+          <a:schemeClr val="tx1"/>
+        </a:solidFill>
+        <a:latin typeface="+mn-lt"/>
+        <a:ea typeface="+mn-ea"/>
+        <a:cs typeface="+mn-cs"/>
+      </a:defRPr>
+    </a:lvl4pPr>
+    <a:lvl5pPr marL="1828800" algn="l" defTabSz="914400" rtl="0" eaLnBrk="1" latinLnBrk="0" hangingPunct="1">
+      <a:defRPr sz="1200" kern="1200">
+        <a:solidFill>
+          <a:schemeClr val="tx1"/>
+        </a:solidFill>
+        <a:latin typeface="+mn-lt"/>
+        <a:ea typeface="+mn-ea"/>
+        <a:cs typeface="+mn-cs"/>
+      </a:defRPr>
+    </a:lvl5pPr>
+    <a:lvl6pPr marL="2286000" algn="l" defTabSz="914400" rtl="0" eaLnBrk="1" latinLnBrk="0" hangingPunct="1">
+      <a:defRPr sz="1200" kern="1200">
+        <a:solidFill>
+          <a:schemeClr val="tx1"/>
+        </a:solidFill>
+        <a:latin typeface="+mn-lt"/>
+        <a:ea typeface="+mn-ea"/>
+        <a:cs typeface="+mn-cs"/>
+      </a:defRPr>
+    </a:lvl6pPr>
+    <a:lvl7pPr marL="2743200" algn="l" defTabSz="914400" rtl="0" eaLnBrk="1" latinLnBrk="0" hangingPunct="1">
+      <a:defRPr sz="1200" kern="1200">
+        <a:solidFill>
+          <a:schemeClr val="tx1"/>
+        </a:solidFill>
+        <a:latin typeface="+mn-lt"/>
+        <a:ea typeface="+mn-ea"/>
+        <a:cs typeface="+mn-cs"/>
+      </a:defRPr>
+    </a:lvl7pPr>
+    <a:lvl8pPr marL="3200400" algn="l" defTabSz="914400" rtl="0" eaLnBrk="1" latinLnBrk="0" hangingPunct="1">
+      <a:defRPr sz="1200" kern="1200">
+        <a:solidFill>
+          <a:schemeClr val="tx1"/>
+        </a:solidFill>
+        <a:latin typeface="+mn-lt"/>
+        <a:ea typeface="+mn-ea"/>
+        <a:cs typeface="+mn-cs"/>
+      </a:defRPr>
+    </a:lvl8pPr>
+    <a:lvl9pPr marL="3657600" algn="l" defTabSz="914400" rtl="0" eaLnBrk="1" latinLnBrk="0" hangingPunct="1">
+      <a:defRPr sz="1200" kern="1200">
+        <a:solidFill>
+          <a:schemeClr val="tx1"/>
+        </a:solidFill>
+        <a:latin typeface="+mn-lt"/>
+        <a:ea typeface="+mn-ea"/>
+        <a:cs typeface="+mn-cs"/>
+      </a:defRPr>
+    </a:lvl9pPr>
+  </p:notesStyle>
+</p:notesMaster>
+</file>
+
+<file path=ppt/notesSlides/notesSlide1.xml><?xml version="1.0" encoding="utf-8"?>
+<p:notes xmlns:a="http://schemas.openxmlformats.org/drawingml/2006/main" xmlns:r="http://schemas.openxmlformats.org/officeDocument/2006/relationships" xmlns:p="http://schemas.openxmlformats.org/presentationml/2006/main">
+  <p:cSld>
+    <p:spTree>
+      <p:nvGrpSpPr>
+        <p:cNvPr id="1" name=""/>
+        <p:cNvGrpSpPr/>
+        <p:nvPr/>
+      </p:nvGrpSpPr>
+      <p:grpSpPr>
+        <a:xfrm>
+          <a:off x="0" y="0"/>
+          <a:ext cx="0" cy="0"/>
+          <a:chOff x="0" y="0"/>
+          <a:chExt cx="0" cy="0"/>
+        </a:xfrm>
+      </p:grpSpPr>
+      <p:sp>
+        <p:nvSpPr>
+          <p:cNvPr id="2" name="Slide Image Placeholder 1"/>
+          <p:cNvSpPr>
+            <a:spLocks noGrp="1" noRot="1" noChangeAspect="1"/>
+          </p:cNvSpPr>
+          <p:nvPr>
+            <p:ph type="sldImg"/>
+          </p:nvPr>
+        </p:nvSpPr>
+        <p:spPr/>
+      </p:sp>
+      <p:sp>
+        <p:nvSpPr>
+          <p:cNvPr id="3" name="Notes Placeholder 2"/>
+          <p:cNvSpPr>
+            <a:spLocks noGrp="1"/>
+          </p:cNvSpPr>
+          <p:nvPr>
+            <p:ph type="body" idx="1"/>
+          </p:nvPr>
+        </p:nvSpPr>
+        <p:spPr/>
+        <p:txBody>
+          <a:bodyPr/>
+          <a:lstStyle/>
+          <a:p>
+            <a:endParaRPr lang="en-US" dirty="0"/>
+          </a:p>
+        </p:txBody>
+      </p:sp>
+      <p:sp>
+        <p:nvSpPr>
+          <p:cNvPr id="4" name="Slide Number Placeholder 3"/>
+          <p:cNvSpPr>
+            <a:spLocks noGrp="1"/>
+          </p:cNvSpPr>
+          <p:nvPr>
+            <p:ph type="sldNum" sz="quarter" idx="10"/>
+          </p:nvPr>
+        </p:nvSpPr>
+        <p:spPr/>
+        <p:txBody>
+          <a:bodyPr/>
+          <a:lstStyle/>
+          <a:p>
+            <a:fld id="{28B05241-304B-4399-B516-2D7A5C717DFB}" type="slidenum">
+              <a:rPr lang="en-US" smtClean="0"/>
+              <a:t>6</a:t>
+            </a:fld>
+            <a:endParaRPr lang="en-US"/>
+          </a:p>
+        </p:txBody>
+      </p:sp>
+    </p:spTree>
+    <p:extLst>
+      <p:ext uri="{BB962C8B-B14F-4D97-AF65-F5344CB8AC3E}">
+        <p14:creationId xmlns:p14="http://schemas.microsoft.com/office/powerpoint/2010/main" val="2056410298"/>
+      </p:ext>
+    </p:extLst>
+  </p:cSld>
+  <p:clrMapOvr>
+    <a:masterClrMapping/>
+  </p:clrMapOvr>
+</p:notes>
+</file>
+
+<file path=ppt/notesSlides/notesSlide2.xml><?xml version="1.0" encoding="utf-8"?>
+<p:notes xmlns:a="http://schemas.openxmlformats.org/drawingml/2006/main" xmlns:r="http://schemas.openxmlformats.org/officeDocument/2006/relationships" xmlns:p="http://schemas.openxmlformats.org/presentationml/2006/main">
+  <p:cSld>
+    <p:spTree>
+      <p:nvGrpSpPr>
+        <p:cNvPr id="1" name=""/>
+        <p:cNvGrpSpPr/>
+        <p:nvPr/>
+      </p:nvGrpSpPr>
+      <p:grpSpPr>
+        <a:xfrm>
+          <a:off x="0" y="0"/>
+          <a:ext cx="0" cy="0"/>
+          <a:chOff x="0" y="0"/>
+          <a:chExt cx="0" cy="0"/>
+        </a:xfrm>
+      </p:grpSpPr>
+      <p:sp>
+        <p:nvSpPr>
+          <p:cNvPr id="2" name="Slide Image Placeholder 1"/>
+          <p:cNvSpPr>
+            <a:spLocks noGrp="1" noRot="1" noChangeAspect="1"/>
+          </p:cNvSpPr>
+          <p:nvPr>
+            <p:ph type="sldImg"/>
+          </p:nvPr>
+        </p:nvSpPr>
+        <p:spPr/>
+      </p:sp>
+      <p:sp>
+        <p:nvSpPr>
+          <p:cNvPr id="3" name="Notes Placeholder 2"/>
+          <p:cNvSpPr>
+            <a:spLocks noGrp="1"/>
+          </p:cNvSpPr>
+          <p:nvPr>
+            <p:ph type="body" idx="1"/>
+          </p:nvPr>
+        </p:nvSpPr>
+        <p:spPr/>
+        <p:txBody>
+          <a:bodyPr/>
+          <a:lstStyle/>
+          <a:p>
+            <a:endParaRPr lang="en-US" dirty="0"/>
+          </a:p>
+        </p:txBody>
+      </p:sp>
+      <p:sp>
+        <p:nvSpPr>
+          <p:cNvPr id="4" name="Slide Number Placeholder 3"/>
+          <p:cNvSpPr>
+            <a:spLocks noGrp="1"/>
+          </p:cNvSpPr>
+          <p:nvPr>
+            <p:ph type="sldNum" sz="quarter" idx="10"/>
+          </p:nvPr>
+        </p:nvSpPr>
+        <p:spPr/>
+        <p:txBody>
+          <a:bodyPr/>
+          <a:lstStyle/>
+          <a:p>
+            <a:fld id="{28B05241-304B-4399-B516-2D7A5C717DFB}" type="slidenum">
+              <a:rPr lang="en-US" smtClean="0"/>
+              <a:t>7</a:t>
+            </a:fld>
+            <a:endParaRPr lang="en-US"/>
+          </a:p>
+        </p:txBody>
+      </p:sp>
+    </p:spTree>
+    <p:extLst>
+      <p:ext uri="{BB962C8B-B14F-4D97-AF65-F5344CB8AC3E}">
+        <p14:creationId xmlns:p14="http://schemas.microsoft.com/office/powerpoint/2010/main" val="2056410298"/>
+      </p:ext>
+    </p:extLst>
+  </p:cSld>
+  <p:clrMapOvr>
+    <a:masterClrMapping/>
+  </p:clrMapOvr>
+</p:notes>
 </file>
 
 <file path=ppt/slideLayouts/slideLayout1.xml><?xml version="1.0" encoding="utf-8"?>
@@ -297,7 +820,7 @@
             <a:fld id="{1D8BD707-D9CF-40AE-B4C6-C98DA3205C09}" type="datetimeFigureOut">
               <a:rPr lang="en-US" smtClean="0"/>
               <a:pPr/>
-              <a:t>12/3/2014</a:t>
+              <a:t>12/23/2014</a:t>
             </a:fld>
             <a:endParaRPr lang="en-US"/>
           </a:p>
@@ -464,7 +987,7 @@
             <a:fld id="{1D8BD707-D9CF-40AE-B4C6-C98DA3205C09}" type="datetimeFigureOut">
               <a:rPr lang="en-US" smtClean="0"/>
               <a:pPr/>
-              <a:t>12/3/2014</a:t>
+              <a:t>12/23/2014</a:t>
             </a:fld>
             <a:endParaRPr lang="en-US"/>
           </a:p>
@@ -641,7 +1164,7 @@
             <a:fld id="{1D8BD707-D9CF-40AE-B4C6-C98DA3205C09}" type="datetimeFigureOut">
               <a:rPr lang="en-US" smtClean="0"/>
               <a:pPr/>
-              <a:t>12/3/2014</a:t>
+              <a:t>12/23/2014</a:t>
             </a:fld>
             <a:endParaRPr lang="en-US"/>
           </a:p>
@@ -808,7 +1331,7 @@
             <a:fld id="{1D8BD707-D9CF-40AE-B4C6-C98DA3205C09}" type="datetimeFigureOut">
               <a:rPr lang="en-US" smtClean="0"/>
               <a:pPr/>
-              <a:t>12/3/2014</a:t>
+              <a:t>12/23/2014</a:t>
             </a:fld>
             <a:endParaRPr lang="en-US"/>
           </a:p>
@@ -1051,7 +1574,7 @@
             <a:fld id="{1D8BD707-D9CF-40AE-B4C6-C98DA3205C09}" type="datetimeFigureOut">
               <a:rPr lang="en-US" smtClean="0"/>
               <a:pPr/>
-              <a:t>12/3/2014</a:t>
+              <a:t>12/23/2014</a:t>
             </a:fld>
             <a:endParaRPr lang="en-US"/>
           </a:p>
@@ -1336,7 +1859,7 @@
             <a:fld id="{1D8BD707-D9CF-40AE-B4C6-C98DA3205C09}" type="datetimeFigureOut">
               <a:rPr lang="en-US" smtClean="0"/>
               <a:pPr/>
-              <a:t>12/3/2014</a:t>
+              <a:t>12/23/2014</a:t>
             </a:fld>
             <a:endParaRPr lang="en-US"/>
           </a:p>
@@ -1755,7 +2278,7 @@
             <a:fld id="{1D8BD707-D9CF-40AE-B4C6-C98DA3205C09}" type="datetimeFigureOut">
               <a:rPr lang="en-US" smtClean="0"/>
               <a:pPr/>
-              <a:t>12/3/2014</a:t>
+              <a:t>12/23/2014</a:t>
             </a:fld>
             <a:endParaRPr lang="en-US"/>
           </a:p>
@@ -1870,7 +2393,7 @@
             <a:fld id="{1D8BD707-D9CF-40AE-B4C6-C98DA3205C09}" type="datetimeFigureOut">
               <a:rPr lang="en-US" smtClean="0"/>
               <a:pPr/>
-              <a:t>12/3/2014</a:t>
+              <a:t>12/23/2014</a:t>
             </a:fld>
             <a:endParaRPr lang="en-US"/>
           </a:p>
@@ -1962,7 +2485,7 @@
             <a:fld id="{1D8BD707-D9CF-40AE-B4C6-C98DA3205C09}" type="datetimeFigureOut">
               <a:rPr lang="en-US" smtClean="0"/>
               <a:pPr/>
-              <a:t>12/3/2014</a:t>
+              <a:t>12/23/2014</a:t>
             </a:fld>
             <a:endParaRPr lang="en-US"/>
           </a:p>
@@ -2236,7 +2759,7 @@
             <a:fld id="{1D8BD707-D9CF-40AE-B4C6-C98DA3205C09}" type="datetimeFigureOut">
               <a:rPr lang="en-US" smtClean="0"/>
               <a:pPr/>
-              <a:t>12/3/2014</a:t>
+              <a:t>12/23/2014</a:t>
             </a:fld>
             <a:endParaRPr lang="en-US"/>
           </a:p>
@@ -2486,7 +3009,7 @@
             <a:fld id="{1D8BD707-D9CF-40AE-B4C6-C98DA3205C09}" type="datetimeFigureOut">
               <a:rPr lang="en-US" smtClean="0"/>
               <a:pPr/>
-              <a:t>12/3/2014</a:t>
+              <a:t>12/23/2014</a:t>
             </a:fld>
             <a:endParaRPr lang="en-US"/>
           </a:p>
@@ -2696,7 +3219,7 @@
             <a:fld id="{1D8BD707-D9CF-40AE-B4C6-C98DA3205C09}" type="datetimeFigureOut">
               <a:rPr lang="en-US" smtClean="0"/>
               <a:pPr/>
-              <a:t>12/3/2014</a:t>
+              <a:t>12/23/2014</a:t>
             </a:fld>
             <a:endParaRPr lang="en-US"/>
           </a:p>
@@ -4837,6 +5360,529 @@
     <p:extLst>
       <p:ext uri="{BB962C8B-B14F-4D97-AF65-F5344CB8AC3E}">
         <p14:creationId xmlns:p14="http://schemas.microsoft.com/office/powerpoint/2010/main" val="3330308975"/>
+      </p:ext>
+    </p:extLst>
+  </p:cSld>
+  <p:clrMapOvr>
+    <a:masterClrMapping/>
+  </p:clrMapOvr>
+</p:sld>
+</file>
+
+<file path=ppt/slides/slide10.xml><?xml version="1.0" encoding="utf-8"?>
+<p:sld xmlns:a="http://schemas.openxmlformats.org/drawingml/2006/main" xmlns:r="http://schemas.openxmlformats.org/officeDocument/2006/relationships" xmlns:p="http://schemas.openxmlformats.org/presentationml/2006/main">
+  <p:cSld>
+    <p:spTree>
+      <p:nvGrpSpPr>
+        <p:cNvPr id="1" name=""/>
+        <p:cNvGrpSpPr/>
+        <p:nvPr/>
+      </p:nvGrpSpPr>
+      <p:grpSpPr>
+        <a:xfrm>
+          <a:off x="0" y="0"/>
+          <a:ext cx="0" cy="0"/>
+          <a:chOff x="0" y="0"/>
+          <a:chExt cx="0" cy="0"/>
+        </a:xfrm>
+      </p:grpSpPr>
+      <p:grpSp>
+        <p:nvGrpSpPr>
+          <p:cNvPr id="10" name="Group 9"/>
+          <p:cNvGrpSpPr/>
+          <p:nvPr/>
+        </p:nvGrpSpPr>
+        <p:grpSpPr>
+          <a:xfrm>
+            <a:off x="436636" y="-228600"/>
+            <a:ext cx="8050139" cy="7363346"/>
+            <a:chOff x="436636" y="-228600"/>
+            <a:chExt cx="8050139" cy="7363346"/>
+          </a:xfrm>
+        </p:grpSpPr>
+        <p:pic>
+          <p:nvPicPr>
+            <p:cNvPr id="2" name="Picture 2"/>
+            <p:cNvPicPr>
+              <a:picLocks noChangeAspect="1" noChangeArrowheads="1"/>
+            </p:cNvPicPr>
+            <p:nvPr/>
+          </p:nvPicPr>
+          <p:blipFill>
+            <a:blip r:embed="rId2">
+              <a:extLst>
+                <a:ext uri="{28A0092B-C50C-407E-A947-70E740481C1C}">
+                  <a14:useLocalDpi xmlns:a14="http://schemas.microsoft.com/office/drawing/2010/main" val="0"/>
+                </a:ext>
+              </a:extLst>
+            </a:blip>
+            <a:srcRect/>
+            <a:stretch>
+              <a:fillRect/>
+            </a:stretch>
+          </p:blipFill>
+          <p:spPr bwMode="auto">
+            <a:xfrm>
+              <a:off x="571500" y="-142875"/>
+              <a:ext cx="7410450" cy="7191375"/>
+            </a:xfrm>
+            <a:prstGeom prst="rect">
+              <a:avLst/>
+            </a:prstGeom>
+            <a:noFill/>
+            <a:ln>
+              <a:noFill/>
+            </a:ln>
+            <a:effectLst/>
+            <a:extLst>
+              <a:ext uri="{909E8E84-426E-40DD-AFC4-6F175D3DCCD1}">
+                <a14:hiddenFill xmlns:a14="http://schemas.microsoft.com/office/drawing/2010/main">
+                  <a:solidFill>
+                    <a:schemeClr val="accent1"/>
+                  </a:solidFill>
+                </a14:hiddenFill>
+              </a:ext>
+              <a:ext uri="{91240B29-F687-4F45-9708-019B960494DF}">
+                <a14:hiddenLine xmlns:a14="http://schemas.microsoft.com/office/drawing/2010/main" w="9525">
+                  <a:solidFill>
+                    <a:schemeClr val="tx1"/>
+                  </a:solidFill>
+                  <a:miter lim="800000"/>
+                  <a:headEnd/>
+                  <a:tailEnd/>
+                </a14:hiddenLine>
+              </a:ext>
+              <a:ext uri="{AF507438-7753-43E0-B8FC-AC1667EBCBE1}">
+                <a14:hiddenEffects xmlns:a14="http://schemas.microsoft.com/office/drawing/2010/main">
+                  <a:effectLst>
+                    <a:outerShdw dist="35921" dir="2700000" algn="ctr" rotWithShape="0">
+                      <a:schemeClr val="bg2"/>
+                    </a:outerShdw>
+                  </a:effectLst>
+                </a14:hiddenEffects>
+              </a:ext>
+            </a:extLst>
+          </p:spPr>
+        </p:pic>
+        <p:sp>
+          <p:nvSpPr>
+            <p:cNvPr id="4" name="Rounded Rectangle 3"/>
+            <p:cNvSpPr/>
+            <p:nvPr/>
+          </p:nvSpPr>
+          <p:spPr>
+            <a:xfrm>
+              <a:off x="436636" y="2659964"/>
+              <a:ext cx="2171700" cy="2845486"/>
+            </a:xfrm>
+            <a:prstGeom prst="roundRect">
+              <a:avLst/>
+            </a:prstGeom>
+            <a:solidFill>
+              <a:srgbClr val="F79646">
+                <a:alpha val="20000"/>
+              </a:srgbClr>
+            </a:solidFill>
+            <a:ln>
+              <a:solidFill>
+                <a:srgbClr val="F79646"/>
+              </a:solidFill>
+            </a:ln>
+          </p:spPr>
+          <p:style>
+            <a:lnRef idx="2">
+              <a:schemeClr val="accent6">
+                <a:shade val="50000"/>
+              </a:schemeClr>
+            </a:lnRef>
+            <a:fillRef idx="1">
+              <a:schemeClr val="accent6"/>
+            </a:fillRef>
+            <a:effectRef idx="0">
+              <a:schemeClr val="accent6"/>
+            </a:effectRef>
+            <a:fontRef idx="minor">
+              <a:schemeClr val="lt1"/>
+            </a:fontRef>
+          </p:style>
+          <p:txBody>
+            <a:bodyPr rtlCol="0" anchor="ctr"/>
+            <a:lstStyle/>
+            <a:p>
+              <a:pPr algn="ctr"/>
+              <a:endParaRPr lang="en-US" dirty="0"/>
+            </a:p>
+          </p:txBody>
+        </p:sp>
+        <p:sp>
+          <p:nvSpPr>
+            <p:cNvPr id="6" name="Rounded Rectangle 5"/>
+            <p:cNvSpPr/>
+            <p:nvPr/>
+          </p:nvSpPr>
+          <p:spPr>
+            <a:xfrm>
+              <a:off x="4448022" y="5432947"/>
+              <a:ext cx="4038753" cy="1701799"/>
+            </a:xfrm>
+            <a:prstGeom prst="roundRect">
+              <a:avLst/>
+            </a:prstGeom>
+            <a:solidFill>
+              <a:srgbClr val="F79646">
+                <a:alpha val="20000"/>
+              </a:srgbClr>
+            </a:solidFill>
+            <a:ln>
+              <a:solidFill>
+                <a:srgbClr val="F79646"/>
+              </a:solidFill>
+            </a:ln>
+          </p:spPr>
+          <p:style>
+            <a:lnRef idx="2">
+              <a:schemeClr val="accent6">
+                <a:shade val="50000"/>
+              </a:schemeClr>
+            </a:lnRef>
+            <a:fillRef idx="1">
+              <a:schemeClr val="accent6"/>
+            </a:fillRef>
+            <a:effectRef idx="0">
+              <a:schemeClr val="accent6"/>
+            </a:effectRef>
+            <a:fontRef idx="minor">
+              <a:schemeClr val="lt1"/>
+            </a:fontRef>
+          </p:style>
+          <p:txBody>
+            <a:bodyPr rtlCol="0" anchor="ctr"/>
+            <a:lstStyle/>
+            <a:p>
+              <a:pPr algn="ctr"/>
+              <a:endParaRPr lang="en-US" dirty="0"/>
+            </a:p>
+          </p:txBody>
+        </p:sp>
+        <p:sp>
+          <p:nvSpPr>
+            <p:cNvPr id="5" name="TextBox 4"/>
+            <p:cNvSpPr txBox="1"/>
+            <p:nvPr/>
+          </p:nvSpPr>
+          <p:spPr>
+            <a:xfrm>
+              <a:off x="7610475" y="5895796"/>
+              <a:ext cx="864508" cy="1200329"/>
+            </a:xfrm>
+            <a:prstGeom prst="rect">
+              <a:avLst/>
+            </a:prstGeom>
+            <a:noFill/>
+          </p:spPr>
+          <p:txBody>
+            <a:bodyPr wrap="square" rtlCol="0">
+              <a:spAutoFit/>
+            </a:bodyPr>
+            <a:lstStyle/>
+            <a:p>
+              <a:r>
+                <a:rPr lang="en-US" sz="1200" dirty="0" smtClean="0"/>
+                <a:t>topology</a:t>
+              </a:r>
+              <a:br>
+                <a:rPr lang="en-US" sz="1200" dirty="0" smtClean="0"/>
+              </a:br>
+              <a:r>
+                <a:rPr lang="en-US" sz="1200" dirty="0" smtClean="0"/>
+                <a:t>module:</a:t>
+              </a:r>
+            </a:p>
+            <a:p>
+              <a:r>
+                <a:rPr lang="en-US" sz="1200" i="1" dirty="0" smtClean="0"/>
+                <a:t>scalable</a:t>
+              </a:r>
+              <a:br>
+                <a:rPr lang="en-US" sz="1200" i="1" dirty="0" smtClean="0"/>
+              </a:br>
+              <a:r>
+                <a:rPr lang="en-US" sz="1200" i="1" dirty="0" smtClean="0"/>
+                <a:t>for other</a:t>
+              </a:r>
+              <a:br>
+                <a:rPr lang="en-US" sz="1200" i="1" dirty="0" smtClean="0"/>
+              </a:br>
+              <a:r>
+                <a:rPr lang="en-US" sz="1200" i="1" dirty="0" smtClean="0"/>
+                <a:t>network</a:t>
+              </a:r>
+              <a:br>
+                <a:rPr lang="en-US" sz="1200" i="1" dirty="0" smtClean="0"/>
+              </a:br>
+              <a:r>
+                <a:rPr lang="en-US" sz="1200" i="1" dirty="0" smtClean="0"/>
+                <a:t>topologies</a:t>
+              </a:r>
+              <a:endParaRPr lang="en-US" sz="1200" i="1" dirty="0"/>
+            </a:p>
+          </p:txBody>
+        </p:sp>
+        <p:sp>
+          <p:nvSpPr>
+            <p:cNvPr id="8" name="Rounded Rectangle 7"/>
+            <p:cNvSpPr/>
+            <p:nvPr/>
+          </p:nvSpPr>
+          <p:spPr>
+            <a:xfrm>
+              <a:off x="4114800" y="-228600"/>
+              <a:ext cx="4371975" cy="5661547"/>
+            </a:xfrm>
+            <a:prstGeom prst="roundRect">
+              <a:avLst/>
+            </a:prstGeom>
+            <a:solidFill>
+              <a:srgbClr val="F79646">
+                <a:alpha val="20000"/>
+              </a:srgbClr>
+            </a:solidFill>
+            <a:ln>
+              <a:solidFill>
+                <a:srgbClr val="F79646"/>
+              </a:solidFill>
+            </a:ln>
+          </p:spPr>
+          <p:style>
+            <a:lnRef idx="2">
+              <a:schemeClr val="accent6">
+                <a:shade val="50000"/>
+              </a:schemeClr>
+            </a:lnRef>
+            <a:fillRef idx="1">
+              <a:schemeClr val="accent6"/>
+            </a:fillRef>
+            <a:effectRef idx="0">
+              <a:schemeClr val="accent6"/>
+            </a:effectRef>
+            <a:fontRef idx="minor">
+              <a:schemeClr val="lt1"/>
+            </a:fontRef>
+          </p:style>
+          <p:txBody>
+            <a:bodyPr rtlCol="0" anchor="ctr"/>
+            <a:lstStyle/>
+            <a:p>
+              <a:pPr algn="ctr"/>
+              <a:endParaRPr lang="en-US" dirty="0"/>
+            </a:p>
+          </p:txBody>
+        </p:sp>
+        <p:sp>
+          <p:nvSpPr>
+            <p:cNvPr id="7" name="TextBox 6"/>
+            <p:cNvSpPr txBox="1"/>
+            <p:nvPr/>
+          </p:nvSpPr>
+          <p:spPr>
+            <a:xfrm>
+              <a:off x="7472285" y="104775"/>
+              <a:ext cx="1014490" cy="1384995"/>
+            </a:xfrm>
+            <a:prstGeom prst="rect">
+              <a:avLst/>
+            </a:prstGeom>
+            <a:noFill/>
+          </p:spPr>
+          <p:txBody>
+            <a:bodyPr wrap="square" rtlCol="0">
+              <a:spAutoFit/>
+            </a:bodyPr>
+            <a:lstStyle/>
+            <a:p>
+              <a:r>
+                <a:rPr lang="en-US" sz="1200" dirty="0"/>
+                <a:t>p</a:t>
+              </a:r>
+              <a:r>
+                <a:rPr lang="en-US" sz="1200" dirty="0" smtClean="0"/>
+                <a:t>ropagation module:</a:t>
+              </a:r>
+            </a:p>
+            <a:p>
+              <a:r>
+                <a:rPr lang="en-US" sz="1200" i="1" dirty="0" smtClean="0"/>
+                <a:t>scalable</a:t>
+              </a:r>
+              <a:br>
+                <a:rPr lang="en-US" sz="1200" i="1" dirty="0" smtClean="0"/>
+              </a:br>
+              <a:r>
+                <a:rPr lang="en-US" sz="1200" i="1" dirty="0" smtClean="0"/>
+                <a:t>for</a:t>
+              </a:r>
+              <a:r>
+                <a:rPr lang="en-US" sz="1200" i="1" dirty="0"/>
+                <a:t> </a:t>
+              </a:r>
+              <a:r>
+                <a:rPr lang="en-US" sz="1200" i="1" dirty="0" smtClean="0"/>
+                <a:t>other</a:t>
+              </a:r>
+              <a:br>
+                <a:rPr lang="en-US" sz="1200" i="1" dirty="0" smtClean="0"/>
+              </a:br>
+              <a:r>
+                <a:rPr lang="en-US" sz="1200" i="1" dirty="0" smtClean="0"/>
+                <a:t>back-propagation algorithms</a:t>
+              </a:r>
+              <a:endParaRPr lang="en-US" sz="1200" i="1" dirty="0"/>
+            </a:p>
+          </p:txBody>
+        </p:sp>
+        <p:sp>
+          <p:nvSpPr>
+            <p:cNvPr id="9" name="TextBox 8"/>
+            <p:cNvSpPr txBox="1"/>
+            <p:nvPr/>
+          </p:nvSpPr>
+          <p:spPr>
+            <a:xfrm>
+              <a:off x="874029" y="3667208"/>
+              <a:ext cx="1296914" cy="830997"/>
+            </a:xfrm>
+            <a:prstGeom prst="rect">
+              <a:avLst/>
+            </a:prstGeom>
+            <a:noFill/>
+          </p:spPr>
+          <p:txBody>
+            <a:bodyPr wrap="square" rtlCol="0">
+              <a:spAutoFit/>
+            </a:bodyPr>
+            <a:lstStyle/>
+            <a:p>
+              <a:r>
+                <a:rPr lang="en-US" sz="1200" dirty="0"/>
+                <a:t>i</a:t>
+              </a:r>
+              <a:r>
+                <a:rPr lang="en-US" sz="1200" dirty="0" smtClean="0"/>
+                <a:t>nput and output</a:t>
+              </a:r>
+              <a:br>
+                <a:rPr lang="en-US" sz="1200" dirty="0" smtClean="0"/>
+              </a:br>
+              <a:r>
+                <a:rPr lang="en-US" sz="1200" dirty="0" smtClean="0"/>
+                <a:t>utility module:</a:t>
+              </a:r>
+            </a:p>
+            <a:p>
+              <a:r>
+                <a:rPr lang="en-US" sz="1200" i="1" dirty="0" smtClean="0"/>
+                <a:t>scalable for other</a:t>
+              </a:r>
+              <a:br>
+                <a:rPr lang="en-US" sz="1200" i="1" dirty="0" smtClean="0"/>
+              </a:br>
+              <a:r>
+                <a:rPr lang="en-US" sz="1200" i="1" dirty="0" smtClean="0"/>
+                <a:t>system models</a:t>
+              </a:r>
+              <a:endParaRPr lang="en-US" sz="1200" i="1" dirty="0"/>
+            </a:p>
+          </p:txBody>
+        </p:sp>
+      </p:grpSp>
+    </p:spTree>
+    <p:extLst>
+      <p:ext uri="{BB962C8B-B14F-4D97-AF65-F5344CB8AC3E}">
+        <p14:creationId xmlns:p14="http://schemas.microsoft.com/office/powerpoint/2010/main" val="795875027"/>
+      </p:ext>
+    </p:extLst>
+  </p:cSld>
+  <p:clrMapOvr>
+    <a:masterClrMapping/>
+  </p:clrMapOvr>
+</p:sld>
+</file>
+
+<file path=ppt/slides/slide11.xml><?xml version="1.0" encoding="utf-8"?>
+<p:sld xmlns:a="http://schemas.openxmlformats.org/drawingml/2006/main" xmlns:r="http://schemas.openxmlformats.org/officeDocument/2006/relationships" xmlns:p="http://schemas.openxmlformats.org/presentationml/2006/main">
+  <p:cSld>
+    <p:spTree>
+      <p:nvGrpSpPr>
+        <p:cNvPr id="1" name=""/>
+        <p:cNvGrpSpPr/>
+        <p:nvPr/>
+      </p:nvGrpSpPr>
+      <p:grpSpPr>
+        <a:xfrm>
+          <a:off x="0" y="0"/>
+          <a:ext cx="0" cy="0"/>
+          <a:chOff x="0" y="0"/>
+          <a:chExt cx="0" cy="0"/>
+        </a:xfrm>
+      </p:grpSpPr>
+      <p:pic>
+        <p:nvPicPr>
+          <p:cNvPr id="1026" name="Picture 2"/>
+          <p:cNvPicPr>
+            <a:picLocks noChangeAspect="1" noChangeArrowheads="1"/>
+          </p:cNvPicPr>
+          <p:nvPr/>
+        </p:nvPicPr>
+        <p:blipFill>
+          <a:blip r:embed="rId2">
+            <a:extLst>
+              <a:ext uri="{28A0092B-C50C-407E-A947-70E740481C1C}">
+                <a14:useLocalDpi xmlns:a14="http://schemas.microsoft.com/office/drawing/2010/main" val="0"/>
+              </a:ext>
+            </a:extLst>
+          </a:blip>
+          <a:srcRect/>
+          <a:stretch>
+            <a:fillRect/>
+          </a:stretch>
+        </p:blipFill>
+        <p:spPr bwMode="auto">
+          <a:xfrm>
+            <a:off x="938214" y="914400"/>
+            <a:ext cx="7267575" cy="4572000"/>
+          </a:xfrm>
+          <a:prstGeom prst="rect">
+            <a:avLst/>
+          </a:prstGeom>
+          <a:noFill/>
+          <a:ln>
+            <a:noFill/>
+          </a:ln>
+          <a:extLst>
+            <a:ext uri="{909E8E84-426E-40DD-AFC4-6F175D3DCCD1}">
+              <a14:hiddenFill xmlns:a14="http://schemas.microsoft.com/office/drawing/2010/main">
+                <a:solidFill>
+                  <a:schemeClr val="accent1"/>
+                </a:solidFill>
+              </a14:hiddenFill>
+            </a:ext>
+            <a:ext uri="{91240B29-F687-4F45-9708-019B960494DF}">
+              <a14:hiddenLine xmlns:a14="http://schemas.microsoft.com/office/drawing/2010/main" w="9525">
+                <a:solidFill>
+                  <a:schemeClr val="tx1"/>
+                </a:solidFill>
+                <a:miter lim="800000"/>
+                <a:headEnd/>
+                <a:tailEnd/>
+              </a14:hiddenLine>
+            </a:ext>
+          </a:extLst>
+        </p:spPr>
+      </p:pic>
+    </p:spTree>
+    <p:extLst>
+      <p:ext uri="{BB962C8B-B14F-4D97-AF65-F5344CB8AC3E}">
+        <p14:creationId xmlns:p14="http://schemas.microsoft.com/office/powerpoint/2010/main" val="1176222862"/>
       </p:ext>
     </p:extLst>
   </p:cSld>
@@ -9598,7 +10644,7 @@
       </p:grpSpPr>
       <p:pic>
         <p:nvPicPr>
-          <p:cNvPr id="1026" name="Picture 2"/>
+          <p:cNvPr id="2050" name="Picture 2"/>
           <p:cNvPicPr>
             <a:picLocks noChangeAspect="1" noChangeArrowheads="1"/>
           </p:cNvPicPr>
@@ -9619,7 +10665,7 @@
         </p:blipFill>
         <p:spPr bwMode="auto">
           <a:xfrm>
-            <a:off x="3486151" y="1909765"/>
+            <a:off x="3486150" y="1909763"/>
             <a:ext cx="2171700" cy="3038475"/>
           </a:xfrm>
           <a:prstGeom prst="rect">
@@ -14813,18 +15859,132 @@
       </p:grpSpPr>
       <p:grpSp>
         <p:nvGrpSpPr>
-          <p:cNvPr id="29" name="Group 28"/>
+          <p:cNvPr id="228" name="Group 227"/>
           <p:cNvGrpSpPr/>
           <p:nvPr/>
         </p:nvGrpSpPr>
         <p:grpSpPr>
           <a:xfrm>
-            <a:off x="794436" y="1089124"/>
-            <a:ext cx="6977965" cy="2797077"/>
-            <a:chOff x="794435" y="1089123"/>
-            <a:chExt cx="6977965" cy="2797077"/>
+            <a:off x="1993900" y="975360"/>
+            <a:ext cx="5778501" cy="4086860"/>
+            <a:chOff x="1993900" y="975360"/>
+            <a:chExt cx="5778501" cy="4086860"/>
           </a:xfrm>
         </p:grpSpPr>
+        <p:sp>
+          <p:nvSpPr>
+            <p:cNvPr id="28" name="Freeform 27"/>
+            <p:cNvSpPr/>
+            <p:nvPr/>
+          </p:nvSpPr>
+          <p:spPr>
+            <a:xfrm>
+              <a:off x="1993900" y="975360"/>
+              <a:ext cx="4343400" cy="4086860"/>
+            </a:xfrm>
+            <a:custGeom>
+              <a:avLst/>
+              <a:gdLst>
+                <a:gd name="connsiteX0" fmla="*/ 0 w 4343400"/>
+                <a:gd name="connsiteY0" fmla="*/ 2222500 h 3975100"/>
+                <a:gd name="connsiteX1" fmla="*/ 1460500 w 4343400"/>
+                <a:gd name="connsiteY1" fmla="*/ 2222500 h 3975100"/>
+                <a:gd name="connsiteX2" fmla="*/ 1460500 w 4343400"/>
+                <a:gd name="connsiteY2" fmla="*/ 0 h 3975100"/>
+                <a:gd name="connsiteX3" fmla="*/ 4343400 w 4343400"/>
+                <a:gd name="connsiteY3" fmla="*/ 0 h 3975100"/>
+                <a:gd name="connsiteX4" fmla="*/ 4343400 w 4343400"/>
+                <a:gd name="connsiteY4" fmla="*/ 3975100 h 3975100"/>
+                <a:gd name="connsiteX5" fmla="*/ 0 w 4343400"/>
+                <a:gd name="connsiteY5" fmla="*/ 3975100 h 3975100"/>
+                <a:gd name="connsiteX6" fmla="*/ 0 w 4343400"/>
+                <a:gd name="connsiteY6" fmla="*/ 2222500 h 3975100"/>
+              </a:gdLst>
+              <a:ahLst/>
+              <a:cxnLst>
+                <a:cxn ang="0">
+                  <a:pos x="connsiteX0" y="connsiteY0"/>
+                </a:cxn>
+                <a:cxn ang="0">
+                  <a:pos x="connsiteX1" y="connsiteY1"/>
+                </a:cxn>
+                <a:cxn ang="0">
+                  <a:pos x="connsiteX2" y="connsiteY2"/>
+                </a:cxn>
+                <a:cxn ang="0">
+                  <a:pos x="connsiteX3" y="connsiteY3"/>
+                </a:cxn>
+                <a:cxn ang="0">
+                  <a:pos x="connsiteX4" y="connsiteY4"/>
+                </a:cxn>
+                <a:cxn ang="0">
+                  <a:pos x="connsiteX5" y="connsiteY5"/>
+                </a:cxn>
+                <a:cxn ang="0">
+                  <a:pos x="connsiteX6" y="connsiteY6"/>
+                </a:cxn>
+              </a:cxnLst>
+              <a:rect l="l" t="t" r="r" b="b"/>
+              <a:pathLst>
+                <a:path w="4343400" h="3975100">
+                  <a:moveTo>
+                    <a:pt x="0" y="2222500"/>
+                  </a:moveTo>
+                  <a:lnTo>
+                    <a:pt x="1460500" y="2222500"/>
+                  </a:lnTo>
+                  <a:lnTo>
+                    <a:pt x="1460500" y="0"/>
+                  </a:lnTo>
+                  <a:lnTo>
+                    <a:pt x="4343400" y="0"/>
+                  </a:lnTo>
+                  <a:lnTo>
+                    <a:pt x="4343400" y="3975100"/>
+                  </a:lnTo>
+                  <a:lnTo>
+                    <a:pt x="0" y="3975100"/>
+                  </a:lnTo>
+                  <a:lnTo>
+                    <a:pt x="0" y="2222500"/>
+                  </a:lnTo>
+                  <a:close/>
+                </a:path>
+              </a:pathLst>
+            </a:custGeom>
+            <a:noFill/>
+            <a:ln>
+              <a:solidFill>
+                <a:schemeClr val="tx1"/>
+              </a:solidFill>
+              <a:prstDash val="sysDot"/>
+            </a:ln>
+          </p:spPr>
+          <p:style>
+            <a:lnRef idx="2">
+              <a:schemeClr val="accent1">
+                <a:shade val="50000"/>
+              </a:schemeClr>
+            </a:lnRef>
+            <a:fillRef idx="1">
+              <a:schemeClr val="accent1"/>
+            </a:fillRef>
+            <a:effectRef idx="0">
+              <a:schemeClr val="accent1"/>
+            </a:effectRef>
+            <a:fontRef idx="minor">
+              <a:schemeClr val="lt1"/>
+            </a:fontRef>
+          </p:style>
+          <p:txBody>
+            <a:bodyPr rtlCol="0" anchor="ctr"/>
+            <a:lstStyle/>
+            <a:p>
+              <a:pPr algn="ctr"/>
+              <a:endParaRPr lang="en-US"/>
+            </a:p>
+          </p:txBody>
+        </p:sp>
         <mc:AlternateContent xmlns:mc="http://schemas.openxmlformats.org/markup-compatibility/2006" xmlns:a14="http://schemas.microsoft.com/office/drawing/2010/main">
           <mc:Choice Requires="a14">
             <p:sp>
@@ -14835,7 +15995,7 @@
               </p:nvSpPr>
               <p:spPr>
                 <a:xfrm>
-                  <a:off x="4522224" y="2823210"/>
+                  <a:off x="4494829" y="1524000"/>
                   <a:ext cx="493533" cy="323165"/>
                 </a:xfrm>
                 <a:prstGeom prst="rect">
@@ -14904,14 +16064,14 @@
               </p:nvSpPr>
               <p:spPr>
                 <a:xfrm>
-                  <a:off x="4522224" y="2823210"/>
+                  <a:off x="4494829" y="1524000"/>
                   <a:ext cx="493533" cy="323165"/>
                 </a:xfrm>
                 <a:prstGeom prst="rect">
                   <a:avLst/>
                 </a:prstGeom>
                 <a:blipFill rotWithShape="1">
-                  <a:blip r:embed="rId2"/>
+                  <a:blip r:embed="rId3"/>
                   <a:stretch>
                     <a:fillRect/>
                   </a:stretch>
@@ -14942,7 +16102,7 @@
               </p:nvSpPr>
               <p:spPr>
                 <a:xfrm>
-                  <a:off x="6148632" y="2823210"/>
+                  <a:off x="6135298" y="1524538"/>
                   <a:ext cx="411779" cy="323165"/>
                 </a:xfrm>
                 <a:prstGeom prst="rect">
@@ -15011,14 +16171,14 @@
               </p:nvSpPr>
               <p:spPr>
                 <a:xfrm>
-                  <a:off x="6148632" y="2823210"/>
+                  <a:off x="6135298" y="1524538"/>
                   <a:ext cx="411779" cy="323165"/>
                 </a:xfrm>
                 <a:prstGeom prst="rect">
                   <a:avLst/>
                 </a:prstGeom>
                 <a:blipFill rotWithShape="1">
-                  <a:blip r:embed="rId3"/>
+                  <a:blip r:embed="rId4"/>
                   <a:stretch>
                     <a:fillRect/>
                   </a:stretch>
@@ -15047,8 +16207,8 @@
           </p:nvSpPr>
           <p:spPr>
             <a:xfrm>
-              <a:off x="4937760" y="1089659"/>
-              <a:ext cx="1219200" cy="1888777"/>
+              <a:off x="4937761" y="1089660"/>
+              <a:ext cx="1219200" cy="3610424"/>
             </a:xfrm>
             <a:prstGeom prst="roundRect">
               <a:avLst/>
@@ -15097,8 +16257,8 @@
           </p:nvSpPr>
           <p:spPr>
             <a:xfrm>
-              <a:off x="3657600" y="1089660"/>
-              <a:ext cx="885471" cy="2796540"/>
+              <a:off x="3657601" y="1089660"/>
+              <a:ext cx="885471" cy="2110741"/>
             </a:xfrm>
             <a:prstGeom prst="roundRect">
               <a:avLst/>
@@ -15149,7 +16309,7 @@
               </p:nvSpPr>
               <p:spPr>
                 <a:xfrm>
-                  <a:off x="5499685" y="1924050"/>
+                  <a:off x="5499686" y="2409825"/>
                   <a:ext cx="533400" cy="304800"/>
                 </a:xfrm>
                 <a:prstGeom prst="rect">
@@ -15246,16 +16406,16 @@
               </p:nvSpPr>
               <p:spPr>
                 <a:xfrm>
-                  <a:off x="5499685" y="1924050"/>
+                  <a:off x="5499686" y="2409825"/>
                   <a:ext cx="533400" cy="304800"/>
                 </a:xfrm>
                 <a:prstGeom prst="rect">
                   <a:avLst/>
                 </a:prstGeom>
                 <a:blipFill rotWithShape="1">
-                  <a:blip r:embed="rId4"/>
+                  <a:blip r:embed="rId5"/>
                   <a:stretch>
-                    <a:fillRect b="-9615"/>
+                    <a:fillRect b="-11538"/>
                   </a:stretch>
                 </a:blipFill>
                 <a:ln w="12700"/>
@@ -15285,7 +16445,7 @@
               </p:nvSpPr>
               <p:spPr>
                 <a:xfrm>
-                  <a:off x="5499685" y="2305050"/>
+                  <a:off x="5499686" y="2790825"/>
                   <a:ext cx="533400" cy="304800"/>
                 </a:xfrm>
                 <a:prstGeom prst="rect">
@@ -15382,14 +16542,14 @@
               </p:nvSpPr>
               <p:spPr>
                 <a:xfrm>
-                  <a:off x="5499685" y="2305050"/>
+                  <a:off x="5499686" y="2790825"/>
                   <a:ext cx="533400" cy="304800"/>
                 </a:xfrm>
                 <a:prstGeom prst="rect">
                   <a:avLst/>
                 </a:prstGeom>
                 <a:blipFill rotWithShape="1">
-                  <a:blip r:embed="rId5"/>
+                  <a:blip r:embed="rId6"/>
                   <a:stretch>
                     <a:fillRect b="-11538"/>
                   </a:stretch>
@@ -15421,7 +16581,7 @@
               </p:nvSpPr>
               <p:spPr>
                 <a:xfrm>
-                  <a:off x="5042485" y="1924050"/>
+                  <a:off x="5042486" y="2409825"/>
                   <a:ext cx="304800" cy="304800"/>
                 </a:xfrm>
                 <a:prstGeom prst="ellipse">
@@ -15484,14 +16644,14 @@
               </p:nvSpPr>
               <p:spPr>
                 <a:xfrm>
-                  <a:off x="5042485" y="1924050"/>
+                  <a:off x="5042486" y="2409825"/>
                   <a:ext cx="304800" cy="304800"/>
                 </a:xfrm>
                 <a:prstGeom prst="ellipse">
                   <a:avLst/>
                 </a:prstGeom>
                 <a:blipFill rotWithShape="1">
-                  <a:blip r:embed="rId6"/>
+                  <a:blip r:embed="rId7"/>
                   <a:stretch>
                     <a:fillRect/>
                   </a:stretch>
@@ -15524,7 +16684,7 @@
           </p:nvCxnSpPr>
           <p:spPr>
             <a:xfrm>
-              <a:off x="5347285" y="2076450"/>
+              <a:off x="5347286" y="2562225"/>
               <a:ext cx="152400" cy="0"/>
             </a:xfrm>
             <a:prstGeom prst="line">
@@ -15557,7 +16717,7 @@
           </p:nvCxnSpPr>
           <p:spPr>
             <a:xfrm>
-              <a:off x="5347285" y="2457450"/>
+              <a:off x="5347286" y="2943225"/>
               <a:ext cx="152400" cy="0"/>
             </a:xfrm>
             <a:prstGeom prst="line">
@@ -15590,7 +16750,7 @@
               </p:nvSpPr>
               <p:spPr>
                 <a:xfrm>
-                  <a:off x="5042485" y="2305050"/>
+                  <a:off x="5042486" y="2790825"/>
                   <a:ext cx="304800" cy="304800"/>
                 </a:xfrm>
                 <a:prstGeom prst="ellipse">
@@ -15653,14 +16813,14 @@
               </p:nvSpPr>
               <p:spPr>
                 <a:xfrm>
-                  <a:off x="5042485" y="2305050"/>
+                  <a:off x="5042486" y="2790825"/>
                   <a:ext cx="304800" cy="304800"/>
                 </a:xfrm>
                 <a:prstGeom prst="ellipse">
                   <a:avLst/>
                 </a:prstGeom>
                 <a:blipFill rotWithShape="1">
-                  <a:blip r:embed="rId7"/>
+                  <a:blip r:embed="rId8"/>
                   <a:stretch>
                     <a:fillRect/>
                   </a:stretch>
@@ -15690,8 +16850,8 @@
           </p:nvSpPr>
           <p:spPr>
             <a:xfrm>
-              <a:off x="5172834" y="1089660"/>
-              <a:ext cx="749052" cy="323165"/>
+              <a:off x="5100868" y="1089661"/>
+              <a:ext cx="891078" cy="553998"/>
             </a:xfrm>
             <a:prstGeom prst="rect">
               <a:avLst/>
@@ -15707,8 +16867,20 @@
               <a:pPr algn="ctr"/>
               <a:r>
                 <a:rPr lang="en-US" sz="1500" dirty="0"/>
-                <a:t>neuron</a:t>
+                <a:t>n</a:t>
               </a:r>
+              <a:r>
+                <a:rPr lang="en-US" sz="1500" dirty="0" smtClean="0"/>
+                <a:t>euron</a:t>
+              </a:r>
+              <a:br>
+                <a:rPr lang="en-US" sz="1500" dirty="0" smtClean="0"/>
+              </a:br>
+              <a:r>
+                <a:rPr lang="en-US" sz="1500" dirty="0" smtClean="0"/>
+                <a:t>abs-layer</a:t>
+              </a:r>
+              <a:endParaRPr lang="en-US" sz="1500" dirty="0"/>
             </a:p>
           </p:txBody>
         </p:sp>
@@ -15722,7 +16894,7 @@
               </p:nvSpPr>
               <p:spPr>
                 <a:xfrm>
-                  <a:off x="3785147" y="1543050"/>
+                  <a:off x="3785148" y="1647825"/>
                   <a:ext cx="636509" cy="304800"/>
                 </a:xfrm>
                 <a:prstGeom prst="rect">
@@ -15819,14 +16991,14 @@
               </p:nvSpPr>
               <p:spPr>
                 <a:xfrm>
-                  <a:off x="3785147" y="1543050"/>
+                  <a:off x="3785148" y="1647825"/>
                   <a:ext cx="636509" cy="304800"/>
                 </a:xfrm>
                 <a:prstGeom prst="rect">
                   <a:avLst/>
                 </a:prstGeom>
                 <a:blipFill rotWithShape="1">
-                  <a:blip r:embed="rId8"/>
+                  <a:blip r:embed="rId9"/>
                   <a:stretch>
                     <a:fillRect b="-11538"/>
                   </a:stretch>
@@ -15858,7 +17030,7 @@
               </p:nvSpPr>
               <p:spPr>
                 <a:xfrm>
-                  <a:off x="3785146" y="1924050"/>
+                  <a:off x="3785147" y="2028825"/>
                   <a:ext cx="636509" cy="304800"/>
                 </a:xfrm>
                 <a:prstGeom prst="rect">
@@ -15955,16 +17127,16 @@
               </p:nvSpPr>
               <p:spPr>
                 <a:xfrm>
-                  <a:off x="3785146" y="1924050"/>
+                  <a:off x="3785147" y="2028825"/>
                   <a:ext cx="636509" cy="304800"/>
                 </a:xfrm>
                 <a:prstGeom prst="rect">
                   <a:avLst/>
                 </a:prstGeom>
                 <a:blipFill rotWithShape="1">
-                  <a:blip r:embed="rId9"/>
+                  <a:blip r:embed="rId10"/>
                   <a:stretch>
-                    <a:fillRect b="-9615"/>
+                    <a:fillRect b="-11538"/>
                   </a:stretch>
                 </a:blipFill>
                 <a:ln w="12700"/>
@@ -15992,8 +17164,8 @@
           </p:nvSpPr>
           <p:spPr>
             <a:xfrm>
-              <a:off x="3742833" y="1089660"/>
-              <a:ext cx="715004" cy="323165"/>
+              <a:off x="3654797" y="1089661"/>
+              <a:ext cx="891078" cy="553998"/>
             </a:xfrm>
             <a:prstGeom prst="rect">
               <a:avLst/>
@@ -16009,8 +17181,20 @@
               <a:pPr algn="ctr"/>
               <a:r>
                 <a:rPr lang="en-US" sz="1500" dirty="0"/>
-                <a:t>weight</a:t>
+                <a:t>w</a:t>
               </a:r>
+              <a:r>
+                <a:rPr lang="en-US" sz="1500" dirty="0" smtClean="0"/>
+                <a:t>eight</a:t>
+              </a:r>
+              <a:br>
+                <a:rPr lang="en-US" sz="1500" dirty="0" smtClean="0"/>
+              </a:br>
+              <a:r>
+                <a:rPr lang="en-US" sz="1500" dirty="0" smtClean="0"/>
+                <a:t>abs-layer</a:t>
+              </a:r>
+              <a:endParaRPr lang="en-US" sz="1500" dirty="0"/>
             </a:p>
           </p:txBody>
         </p:sp>
@@ -16024,7 +17208,7 @@
               </p:nvSpPr>
               <p:spPr>
                 <a:xfrm>
-                  <a:off x="3785147" y="2305050"/>
+                  <a:off x="3785148" y="2409825"/>
                   <a:ext cx="636508" cy="304800"/>
                 </a:xfrm>
                 <a:prstGeom prst="rect">
@@ -16121,14 +17305,14 @@
               </p:nvSpPr>
               <p:spPr>
                 <a:xfrm>
-                  <a:off x="3785147" y="2305050"/>
+                  <a:off x="3785148" y="2409825"/>
                   <a:ext cx="636508" cy="304800"/>
                 </a:xfrm>
                 <a:prstGeom prst="rect">
                   <a:avLst/>
                 </a:prstGeom>
                 <a:blipFill rotWithShape="1">
-                  <a:blip r:embed="rId8"/>
+                  <a:blip r:embed="rId9"/>
                   <a:stretch>
                     <a:fillRect b="-11538"/>
                   </a:stretch>
@@ -16160,7 +17344,7 @@
               </p:nvSpPr>
               <p:spPr>
                 <a:xfrm>
-                  <a:off x="3785147" y="2686050"/>
+                  <a:off x="3785148" y="2790825"/>
                   <a:ext cx="636508" cy="304800"/>
                 </a:xfrm>
                 <a:prstGeom prst="rect">
@@ -16257,16 +17441,16 @@
               </p:nvSpPr>
               <p:spPr>
                 <a:xfrm>
-                  <a:off x="3785147" y="2686050"/>
+                  <a:off x="3785148" y="2790825"/>
                   <a:ext cx="636508" cy="304800"/>
                 </a:xfrm>
                 <a:prstGeom prst="rect">
                   <a:avLst/>
                 </a:prstGeom>
                 <a:blipFill rotWithShape="1">
-                  <a:blip r:embed="rId9"/>
+                  <a:blip r:embed="rId10"/>
                   <a:stretch>
-                    <a:fillRect b="-9615"/>
+                    <a:fillRect b="-11538"/>
                   </a:stretch>
                 </a:blipFill>
                 <a:ln w="12700"/>
@@ -16294,8 +17478,8 @@
           </p:nvSpPr>
           <p:spPr>
             <a:xfrm>
-              <a:off x="6551245" y="1089660"/>
-              <a:ext cx="1221155" cy="2110740"/>
+              <a:off x="6551246" y="1089660"/>
+              <a:ext cx="1221155" cy="3610424"/>
             </a:xfrm>
             <a:prstGeom prst="roundRect">
               <a:avLst/>
@@ -16346,7 +17530,7 @@
               </p:nvSpPr>
               <p:spPr>
                 <a:xfrm>
-                  <a:off x="6675020" y="1924050"/>
+                  <a:off x="6675021" y="2409825"/>
                   <a:ext cx="533400" cy="304800"/>
                 </a:xfrm>
                 <a:prstGeom prst="rect">
@@ -16443,16 +17627,16 @@
               </p:nvSpPr>
               <p:spPr>
                 <a:xfrm>
-                  <a:off x="6675020" y="1924050"/>
+                  <a:off x="6675021" y="2409825"/>
                   <a:ext cx="533400" cy="304800"/>
                 </a:xfrm>
                 <a:prstGeom prst="rect">
                   <a:avLst/>
                 </a:prstGeom>
                 <a:blipFill rotWithShape="1">
-                  <a:blip r:embed="rId10"/>
+                  <a:blip r:embed="rId11"/>
                   <a:stretch>
-                    <a:fillRect b="-9615"/>
+                    <a:fillRect b="-11538"/>
                   </a:stretch>
                 </a:blipFill>
                 <a:ln w="12700"/>
@@ -16482,7 +17666,7 @@
               </p:nvSpPr>
               <p:spPr>
                 <a:xfrm>
-                  <a:off x="6675020" y="2305050"/>
+                  <a:off x="6675021" y="2790825"/>
                   <a:ext cx="533400" cy="304800"/>
                 </a:xfrm>
                 <a:prstGeom prst="rect">
@@ -16579,14 +17763,14 @@
               </p:nvSpPr>
               <p:spPr>
                 <a:xfrm>
-                  <a:off x="6675020" y="2305050"/>
+                  <a:off x="6675021" y="2790825"/>
                   <a:ext cx="533400" cy="304800"/>
                 </a:xfrm>
                 <a:prstGeom prst="rect">
                   <a:avLst/>
                 </a:prstGeom>
                 <a:blipFill rotWithShape="1">
-                  <a:blip r:embed="rId11"/>
+                  <a:blip r:embed="rId12"/>
                   <a:stretch>
                     <a:fillRect b="-11538"/>
                   </a:stretch>
@@ -16616,8 +17800,8 @@
           </p:nvSpPr>
           <p:spPr>
             <a:xfrm>
-              <a:off x="6836861" y="1089123"/>
-              <a:ext cx="649923" cy="323165"/>
+              <a:off x="6615648" y="1089124"/>
+              <a:ext cx="1092351" cy="553998"/>
             </a:xfrm>
             <a:prstGeom prst="rect">
               <a:avLst/>
@@ -16632,9 +17816,25 @@
             <a:p>
               <a:pPr algn="ctr"/>
               <a:r>
-                <a:rPr lang="en-US" sz="1500" dirty="0"/>
+                <a:rPr lang="en-US" sz="1500" dirty="0" smtClean="0"/>
                 <a:t>target</a:t>
               </a:r>
+              <a:r>
+                <a:rPr lang="en-US" sz="1500" dirty="0"/>
+                <a:t> </a:t>
+              </a:r>
+              <a:r>
+                <a:rPr lang="en-US" sz="1500" dirty="0" smtClean="0"/>
+                <a:t>node</a:t>
+              </a:r>
+              <a:br>
+                <a:rPr lang="en-US" sz="1500" dirty="0" smtClean="0"/>
+              </a:br>
+              <a:r>
+                <a:rPr lang="en-US" sz="1500" dirty="0" smtClean="0"/>
+                <a:t>abs-layer</a:t>
+              </a:r>
+              <a:endParaRPr lang="en-US" sz="1500" dirty="0"/>
             </a:p>
           </p:txBody>
         </p:sp>
@@ -16646,8 +17846,8 @@
           </p:nvSpPr>
           <p:spPr>
             <a:xfrm>
-              <a:off x="2042160" y="1089659"/>
-              <a:ext cx="1219200" cy="1888779"/>
+              <a:off x="2042161" y="1089660"/>
+              <a:ext cx="1219200" cy="2110741"/>
             </a:xfrm>
             <a:prstGeom prst="roundRect">
               <a:avLst/>
@@ -16698,7 +17898,7 @@
               </p:nvSpPr>
               <p:spPr>
                 <a:xfrm>
-                  <a:off x="2604085" y="1924050"/>
+                  <a:off x="2604086" y="2028825"/>
                   <a:ext cx="533400" cy="304800"/>
                 </a:xfrm>
                 <a:prstGeom prst="rect">
@@ -16795,16 +17995,16 @@
               </p:nvSpPr>
               <p:spPr>
                 <a:xfrm>
-                  <a:off x="2604085" y="1924050"/>
+                  <a:off x="2604086" y="2028825"/>
                   <a:ext cx="533400" cy="304800"/>
                 </a:xfrm>
                 <a:prstGeom prst="rect">
                   <a:avLst/>
                 </a:prstGeom>
                 <a:blipFill rotWithShape="1">
-                  <a:blip r:embed="rId12"/>
+                  <a:blip r:embed="rId13"/>
                   <a:stretch>
-                    <a:fillRect b="-9615"/>
+                    <a:fillRect b="-11538"/>
                   </a:stretch>
                 </a:blipFill>
                 <a:ln w="12700"/>
@@ -16834,7 +18034,7 @@
               </p:nvSpPr>
               <p:spPr>
                 <a:xfrm>
-                  <a:off x="2604085" y="2305050"/>
+                  <a:off x="2604086" y="2409825"/>
                   <a:ext cx="533400" cy="304800"/>
                 </a:xfrm>
                 <a:prstGeom prst="rect">
@@ -16931,14 +18131,14 @@
               </p:nvSpPr>
               <p:spPr>
                 <a:xfrm>
-                  <a:off x="2604085" y="2305050"/>
+                  <a:off x="2604086" y="2409825"/>
                   <a:ext cx="533400" cy="304800"/>
                 </a:xfrm>
                 <a:prstGeom prst="rect">
                   <a:avLst/>
                 </a:prstGeom>
                 <a:blipFill rotWithShape="1">
-                  <a:blip r:embed="rId13"/>
+                  <a:blip r:embed="rId14"/>
                   <a:stretch>
                     <a:fillRect b="-11538"/>
                   </a:stretch>
@@ -16970,7 +18170,7 @@
               </p:nvSpPr>
               <p:spPr>
                 <a:xfrm>
-                  <a:off x="2146885" y="1924050"/>
+                  <a:off x="2146886" y="2028825"/>
                   <a:ext cx="304800" cy="304800"/>
                 </a:xfrm>
                 <a:prstGeom prst="ellipse">
@@ -17030,16 +18230,16 @@
               </p:nvSpPr>
               <p:spPr>
                 <a:xfrm>
-                  <a:off x="2146885" y="1924050"/>
+                  <a:off x="2146886" y="2028825"/>
                   <a:ext cx="304800" cy="304800"/>
                 </a:xfrm>
                 <a:prstGeom prst="ellipse">
                   <a:avLst/>
                 </a:prstGeom>
                 <a:blipFill rotWithShape="1">
-                  <a:blip r:embed="rId14"/>
+                  <a:blip r:embed="rId15"/>
                   <a:stretch>
-                    <a:fillRect b="-3846"/>
+                    <a:fillRect b="-5769"/>
                   </a:stretch>
                 </a:blipFill>
                 <a:ln w="12700"/>
@@ -17070,7 +18270,7 @@
           </p:nvCxnSpPr>
           <p:spPr>
             <a:xfrm>
-              <a:off x="2451685" y="2076450"/>
+              <a:off x="2451686" y="2181225"/>
               <a:ext cx="152400" cy="0"/>
             </a:xfrm>
             <a:prstGeom prst="line">
@@ -17103,7 +18303,7 @@
           </p:nvCxnSpPr>
           <p:spPr>
             <a:xfrm>
-              <a:off x="2451685" y="2457450"/>
+              <a:off x="2451686" y="2562225"/>
               <a:ext cx="152400" cy="0"/>
             </a:xfrm>
             <a:prstGeom prst="line">
@@ -17136,7 +18336,7 @@
               </p:nvSpPr>
               <p:spPr>
                 <a:xfrm>
-                  <a:off x="2146885" y="2305050"/>
+                  <a:off x="2146886" y="2409825"/>
                   <a:ext cx="304800" cy="304800"/>
                 </a:xfrm>
                 <a:prstGeom prst="ellipse">
@@ -17196,14 +18396,14 @@
               </p:nvSpPr>
               <p:spPr>
                 <a:xfrm>
-                  <a:off x="2146885" y="2305050"/>
+                  <a:off x="2146886" y="2409825"/>
                   <a:ext cx="304800" cy="304800"/>
                 </a:xfrm>
                 <a:prstGeom prst="ellipse">
                   <a:avLst/>
                 </a:prstGeom>
                 <a:blipFill rotWithShape="1">
-                  <a:blip r:embed="rId15"/>
+                  <a:blip r:embed="rId16"/>
                   <a:stretch>
                     <a:fillRect b="-5769"/>
                   </a:stretch>
@@ -17233,8 +18433,8 @@
           </p:nvSpPr>
           <p:spPr>
             <a:xfrm>
-              <a:off x="2353440" y="1089124"/>
-              <a:ext cx="596638" cy="323165"/>
+              <a:off x="2132227" y="1089125"/>
+              <a:ext cx="1039067" cy="553998"/>
             </a:xfrm>
             <a:prstGeom prst="rect">
               <a:avLst/>
@@ -17249,9 +18449,17 @@
             <a:p>
               <a:pPr algn="ctr"/>
               <a:r>
-                <a:rPr lang="en-US" sz="1500" dirty="0"/>
-                <a:t>input</a:t>
+                <a:rPr lang="en-US" sz="1500" dirty="0" smtClean="0"/>
+                <a:t>input node</a:t>
               </a:r>
+              <a:br>
+                <a:rPr lang="en-US" sz="1500" dirty="0" smtClean="0"/>
+              </a:br>
+              <a:r>
+                <a:rPr lang="en-US" sz="1500" dirty="0" smtClean="0"/>
+                <a:t>abs-layer</a:t>
+              </a:r>
+              <a:endParaRPr lang="en-US" sz="1500" dirty="0"/>
             </a:p>
           </p:txBody>
         </p:sp>
@@ -17266,7 +18474,7 @@
           </p:nvCxnSpPr>
           <p:spPr>
             <a:xfrm flipV="1">
-              <a:off x="3137485" y="1695450"/>
+              <a:off x="3137486" y="1800225"/>
               <a:ext cx="647662" cy="381000"/>
             </a:xfrm>
             <a:prstGeom prst="line">
@@ -17300,7 +18508,7 @@
           </p:nvCxnSpPr>
           <p:spPr>
             <a:xfrm>
-              <a:off x="3137485" y="2076450"/>
+              <a:off x="3137486" y="2181225"/>
               <a:ext cx="647661" cy="0"/>
             </a:xfrm>
             <a:prstGeom prst="line">
@@ -17334,7 +18542,7 @@
           </p:nvCxnSpPr>
           <p:spPr>
             <a:xfrm>
-              <a:off x="3137485" y="2457450"/>
+              <a:off x="3137486" y="2562225"/>
               <a:ext cx="647662" cy="0"/>
             </a:xfrm>
             <a:prstGeom prst="line">
@@ -17368,7 +18576,7 @@
           </p:nvCxnSpPr>
           <p:spPr>
             <a:xfrm>
-              <a:off x="3137485" y="2457450"/>
+              <a:off x="3137486" y="2562225"/>
               <a:ext cx="647662" cy="381000"/>
             </a:xfrm>
             <a:prstGeom prst="line">
@@ -17396,14 +18604,14 @@
             <p:cNvPr id="341" name="Straight Connector 340"/>
             <p:cNvCxnSpPr>
               <a:stCxn id="225" idx="3"/>
-              <a:endCxn id="207" idx="2"/>
+              <a:endCxn id="207" idx="1"/>
             </p:cNvCxnSpPr>
             <p:nvPr/>
           </p:nvCxnSpPr>
           <p:spPr>
             <a:xfrm>
-              <a:off x="4421656" y="1695450"/>
-              <a:ext cx="620829" cy="381000"/>
+              <a:off x="4421657" y="1800225"/>
+              <a:ext cx="665466" cy="654237"/>
             </a:xfrm>
             <a:prstGeom prst="line">
               <a:avLst/>
@@ -17430,14 +18638,14 @@
             <p:cNvPr id="342" name="Straight Connector 341"/>
             <p:cNvCxnSpPr>
               <a:stCxn id="226" idx="3"/>
-              <a:endCxn id="212" idx="2"/>
+              <a:endCxn id="212" idx="1"/>
             </p:cNvCxnSpPr>
             <p:nvPr/>
           </p:nvCxnSpPr>
           <p:spPr>
             <a:xfrm>
-              <a:off x="4421655" y="2076450"/>
-              <a:ext cx="620830" cy="381000"/>
+              <a:off x="4421656" y="2181225"/>
+              <a:ext cx="665467" cy="654237"/>
             </a:xfrm>
             <a:prstGeom prst="line">
               <a:avLst/>
@@ -17469,9 +18677,9 @@
             <p:nvPr/>
           </p:nvCxnSpPr>
           <p:spPr>
-            <a:xfrm flipV="1">
-              <a:off x="4421655" y="2076450"/>
-              <a:ext cx="620830" cy="381000"/>
+            <a:xfrm>
+              <a:off x="4421656" y="2562225"/>
+              <a:ext cx="620830" cy="0"/>
             </a:xfrm>
             <a:prstGeom prst="line">
               <a:avLst/>
@@ -17503,9 +18711,9 @@
             <p:nvPr/>
           </p:nvCxnSpPr>
           <p:spPr>
-            <a:xfrm flipV="1">
-              <a:off x="4421655" y="2457450"/>
-              <a:ext cx="620830" cy="381000"/>
+            <a:xfrm>
+              <a:off x="4421656" y="2943225"/>
+              <a:ext cx="620830" cy="0"/>
             </a:xfrm>
             <a:prstGeom prst="line">
               <a:avLst/>
@@ -17538,7 +18746,7 @@
           </p:nvCxnSpPr>
           <p:spPr>
             <a:xfrm flipH="1">
-              <a:off x="6033085" y="2076450"/>
+              <a:off x="6033086" y="2562225"/>
               <a:ext cx="641935" cy="0"/>
             </a:xfrm>
             <a:prstGeom prst="line">
@@ -17572,7 +18780,7 @@
           </p:nvCxnSpPr>
           <p:spPr>
             <a:xfrm>
-              <a:off x="6033085" y="2457450"/>
+              <a:off x="6033086" y="2943225"/>
               <a:ext cx="641935" cy="0"/>
             </a:xfrm>
             <a:prstGeom prst="line">
@@ -17605,7 +18813,7 @@
               </p:nvSpPr>
               <p:spPr>
                 <a:xfrm>
-                  <a:off x="7353300" y="1924050"/>
+                  <a:off x="7353301" y="2409825"/>
                   <a:ext cx="304800" cy="304800"/>
                 </a:xfrm>
                 <a:prstGeom prst="ellipse">
@@ -17665,14 +18873,14 @@
               </p:nvSpPr>
               <p:spPr>
                 <a:xfrm>
-                  <a:off x="7353300" y="1924050"/>
+                  <a:off x="7353301" y="2409825"/>
                   <a:ext cx="304800" cy="304800"/>
                 </a:xfrm>
                 <a:prstGeom prst="ellipse">
                   <a:avLst/>
                 </a:prstGeom>
                 <a:blipFill rotWithShape="1">
-                  <a:blip r:embed="rId16"/>
+                  <a:blip r:embed="rId17"/>
                   <a:stretch>
                     <a:fillRect/>
                   </a:stretch>
@@ -17704,7 +18912,7 @@
               </p:nvSpPr>
               <p:spPr>
                 <a:xfrm>
-                  <a:off x="7353300" y="2305050"/>
+                  <a:off x="7353301" y="2790825"/>
                   <a:ext cx="304800" cy="304800"/>
                 </a:xfrm>
                 <a:prstGeom prst="ellipse">
@@ -17764,14 +18972,14 @@
               </p:nvSpPr>
               <p:spPr>
                 <a:xfrm>
-                  <a:off x="7353300" y="2305050"/>
+                  <a:off x="7353301" y="2790825"/>
                   <a:ext cx="304800" cy="304800"/>
                 </a:xfrm>
                 <a:prstGeom prst="ellipse">
                   <a:avLst/>
                 </a:prstGeom>
                 <a:blipFill rotWithShape="1">
-                  <a:blip r:embed="rId17"/>
+                  <a:blip r:embed="rId18"/>
                   <a:stretch>
                     <a:fillRect/>
                   </a:stretch>
@@ -17804,7 +19012,7 @@
           </p:nvCxnSpPr>
           <p:spPr>
             <a:xfrm>
-              <a:off x="7208420" y="2076450"/>
+              <a:off x="7208421" y="2562225"/>
               <a:ext cx="144880" cy="0"/>
             </a:xfrm>
             <a:prstGeom prst="line">
@@ -17838,7 +19046,7 @@
           </p:nvCxnSpPr>
           <p:spPr>
             <a:xfrm>
-              <a:off x="7208420" y="2457450"/>
+              <a:off x="7208421" y="2943225"/>
               <a:ext cx="144880" cy="0"/>
             </a:xfrm>
             <a:prstGeom prst="line">
@@ -17871,7 +19079,7 @@
               </p:nvSpPr>
               <p:spPr>
                 <a:xfrm>
-                  <a:off x="3264876" y="1089123"/>
+                  <a:off x="3249637" y="1089124"/>
                   <a:ext cx="418448" cy="323165"/>
                 </a:xfrm>
                 <a:prstGeom prst="rect">
@@ -17940,14 +19148,14 @@
               </p:nvSpPr>
               <p:spPr>
                 <a:xfrm>
-                  <a:off x="3264876" y="1089123"/>
+                  <a:off x="3249637" y="1089124"/>
                   <a:ext cx="418448" cy="323165"/>
                 </a:xfrm>
                 <a:prstGeom prst="rect">
                   <a:avLst/>
                 </a:prstGeom>
                 <a:blipFill rotWithShape="1">
-                  <a:blip r:embed="rId18"/>
+                  <a:blip r:embed="rId19"/>
                   <a:stretch>
                     <a:fillRect/>
                   </a:stretch>
@@ -17978,7 +19186,7 @@
               </p:nvSpPr>
               <p:spPr>
                 <a:xfrm>
-                  <a:off x="4487891" y="1089660"/>
+                  <a:off x="4487892" y="1089661"/>
                   <a:ext cx="495713" cy="323165"/>
                 </a:xfrm>
                 <a:prstGeom prst="rect">
@@ -18047,14 +19255,14 @@
               </p:nvSpPr>
               <p:spPr>
                 <a:xfrm>
-                  <a:off x="4487891" y="1089660"/>
+                  <a:off x="4487892" y="1089661"/>
                   <a:ext cx="495713" cy="323165"/>
                 </a:xfrm>
                 <a:prstGeom prst="rect">
                   <a:avLst/>
                 </a:prstGeom>
                 <a:blipFill rotWithShape="1">
-                  <a:blip r:embed="rId19"/>
+                  <a:blip r:embed="rId20"/>
                   <a:stretch>
                     <a:fillRect/>
                   </a:stretch>
@@ -18075,72 +19283,6 @@
             </p:sp>
           </mc:Fallback>
         </mc:AlternateContent>
-        <p:sp>
-          <p:nvSpPr>
-            <p:cNvPr id="394" name="TextBox 393"/>
-            <p:cNvSpPr txBox="1"/>
-            <p:nvPr/>
-          </p:nvSpPr>
-          <p:spPr>
-            <a:xfrm>
-              <a:off x="794435" y="1089660"/>
-              <a:ext cx="1247725" cy="323165"/>
-            </a:xfrm>
-            <a:prstGeom prst="rect">
-              <a:avLst/>
-            </a:prstGeom>
-            <a:noFill/>
-          </p:spPr>
-          <p:txBody>
-            <a:bodyPr wrap="square" rtlCol="0">
-              <a:spAutoFit/>
-            </a:bodyPr>
-            <a:lstStyle/>
-            <a:p>
-              <a:pPr algn="ctr"/>
-              <a:r>
-                <a:rPr lang="en-US" sz="1500" dirty="0"/>
-                <a:t>feed-forward</a:t>
-              </a:r>
-            </a:p>
-          </p:txBody>
-        </p:sp>
-        <p:cxnSp>
-          <p:nvCxnSpPr>
-            <p:cNvPr id="395" name="Straight Arrow Connector 394"/>
-            <p:cNvCxnSpPr>
-              <a:stCxn id="394" idx="1"/>
-              <a:endCxn id="394" idx="3"/>
-            </p:cNvCxnSpPr>
-            <p:nvPr/>
-          </p:nvCxnSpPr>
-          <p:spPr>
-            <a:xfrm>
-              <a:off x="794435" y="1251243"/>
-              <a:ext cx="1247725" cy="0"/>
-            </a:xfrm>
-            <a:prstGeom prst="straightConnector1">
-              <a:avLst/>
-            </a:prstGeom>
-            <a:ln w="12700">
-              <a:tailEnd type="arrow"/>
-            </a:ln>
-          </p:spPr>
-          <p:style>
-            <a:lnRef idx="1">
-              <a:schemeClr val="accent1"/>
-            </a:lnRef>
-            <a:fillRef idx="0">
-              <a:schemeClr val="accent1"/>
-            </a:fillRef>
-            <a:effectRef idx="0">
-              <a:schemeClr val="accent1"/>
-            </a:effectRef>
-            <a:fontRef idx="minor">
-              <a:schemeClr val="tx1"/>
-            </a:fontRef>
-          </p:style>
-        </p:cxnSp>
         <mc:AlternateContent xmlns:mc="http://schemas.openxmlformats.org/markup-compatibility/2006" xmlns:a14="http://schemas.microsoft.com/office/drawing/2010/main">
           <mc:Choice Requires="a14">
             <p:sp>
@@ -18151,7 +19293,7 @@
               </p:nvSpPr>
               <p:spPr>
                 <a:xfrm>
-                  <a:off x="6142071" y="1089660"/>
+                  <a:off x="6136357" y="1089661"/>
                   <a:ext cx="409728" cy="323165"/>
                 </a:xfrm>
                 <a:prstGeom prst="rect">
@@ -18220,14 +19362,14 @@
               </p:nvSpPr>
               <p:spPr>
                 <a:xfrm>
-                  <a:off x="6142071" y="1089660"/>
+                  <a:off x="6136357" y="1089661"/>
                   <a:ext cx="409728" cy="323165"/>
                 </a:xfrm>
                 <a:prstGeom prst="rect">
                   <a:avLst/>
                 </a:prstGeom>
                 <a:blipFill rotWithShape="1">
-                  <a:blip r:embed="rId20"/>
+                  <a:blip r:embed="rId21"/>
                   <a:stretch>
                     <a:fillRect/>
                   </a:stretch>
@@ -18256,71 +19398,8 @@
           </p:nvCxnSpPr>
           <p:spPr>
             <a:xfrm>
-              <a:off x="3271278" y="1382043"/>
+              <a:off x="3271279" y="1382044"/>
               <a:ext cx="387539" cy="1"/>
-            </a:xfrm>
-            <a:prstGeom prst="straightConnector1">
-              <a:avLst/>
-            </a:prstGeom>
-            <a:ln w="12700">
-              <a:tailEnd type="arrow"/>
-            </a:ln>
-          </p:spPr>
-          <p:style>
-            <a:lnRef idx="1">
-              <a:schemeClr val="accent1"/>
-            </a:lnRef>
-            <a:fillRef idx="0">
-              <a:schemeClr val="accent1"/>
-            </a:fillRef>
-            <a:effectRef idx="0">
-              <a:schemeClr val="accent1"/>
-            </a:effectRef>
-            <a:fontRef idx="minor">
-              <a:schemeClr val="tx1"/>
-            </a:fontRef>
-          </p:style>
-        </p:cxnSp>
-        <p:sp>
-          <p:nvSpPr>
-            <p:cNvPr id="408" name="TextBox 407"/>
-            <p:cNvSpPr txBox="1"/>
-            <p:nvPr/>
-          </p:nvSpPr>
-          <p:spPr>
-            <a:xfrm>
-              <a:off x="4922544" y="2978436"/>
-              <a:ext cx="1247725" cy="553998"/>
-            </a:xfrm>
-            <a:prstGeom prst="rect">
-              <a:avLst/>
-            </a:prstGeom>
-            <a:noFill/>
-          </p:spPr>
-          <p:txBody>
-            <a:bodyPr wrap="square" rtlCol="0">
-              <a:spAutoFit/>
-            </a:bodyPr>
-            <a:lstStyle/>
-            <a:p>
-              <a:pPr algn="ctr"/>
-              <a:r>
-                <a:rPr lang="en-US" sz="1500" dirty="0"/>
-                <a:t>back-propagation</a:t>
-              </a:r>
-            </a:p>
-          </p:txBody>
-        </p:sp>
-        <p:cxnSp>
-          <p:nvCxnSpPr>
-            <p:cNvPr id="416" name="Straight Arrow Connector 415"/>
-            <p:cNvCxnSpPr/>
-            <p:nvPr/>
-          </p:nvCxnSpPr>
-          <p:spPr>
-            <a:xfrm flipH="1" flipV="1">
-              <a:off x="3270737" y="2823209"/>
-              <a:ext cx="388621" cy="1"/>
             </a:xfrm>
             <a:prstGeom prst="straightConnector1">
               <a:avLst/>
@@ -18352,7 +19431,7 @@
           </p:nvCxnSpPr>
           <p:spPr>
             <a:xfrm flipH="1">
-              <a:off x="6168340" y="2813505"/>
+              <a:off x="6156961" y="1524004"/>
               <a:ext cx="386663" cy="0"/>
             </a:xfrm>
             <a:prstGeom prst="straightConnector1">
@@ -18377,113 +19456,6 @@
             </a:fontRef>
           </p:style>
         </p:cxnSp>
-        <mc:AlternateContent xmlns:mc="http://schemas.openxmlformats.org/markup-compatibility/2006" xmlns:a14="http://schemas.microsoft.com/office/drawing/2010/main">
-          <mc:Choice Requires="a14">
-            <p:sp>
-              <p:nvSpPr>
-                <p:cNvPr id="431" name="TextBox 430"/>
-                <p:cNvSpPr txBox="1"/>
-                <p:nvPr/>
-              </p:nvSpPr>
-              <p:spPr>
-                <a:xfrm>
-                  <a:off x="3249635" y="2838450"/>
-                  <a:ext cx="416268" cy="323165"/>
-                </a:xfrm>
-                <a:prstGeom prst="rect">
-                  <a:avLst/>
-                </a:prstGeom>
-                <a:noFill/>
-              </p:spPr>
-              <p:txBody>
-                <a:bodyPr wrap="none" rtlCol="0">
-                  <a:spAutoFit/>
-                </a:bodyPr>
-                <a:lstStyle/>
-                <a:p>
-                  <a:pPr/>
-                  <a14:m>
-                    <m:oMathPara xmlns:m="http://schemas.openxmlformats.org/officeDocument/2006/math">
-                      <m:oMathParaPr>
-                        <m:jc m:val="centerGroup"/>
-                      </m:oMathParaPr>
-                      <m:oMath xmlns:m="http://schemas.openxmlformats.org/officeDocument/2006/math">
-                        <m:sSub>
-                          <m:sSubPr>
-                            <m:ctrlPr>
-                              <a:rPr lang="en-US" sz="1500" i="1">
-                                <a:latin typeface="Cambria Math"/>
-                              </a:rPr>
-                            </m:ctrlPr>
-                          </m:sSubPr>
-                          <m:e>
-                            <m:r>
-                              <a:rPr lang="en-US" sz="1500" i="1">
-                                <a:latin typeface="Cambria Math"/>
-                              </a:rPr>
-                              <m:t>𝛿</m:t>
-                            </m:r>
-                          </m:e>
-                          <m:sub>
-                            <m:r>
-                              <a:rPr lang="en-US" sz="1500" i="1">
-                                <a:latin typeface="Cambria Math"/>
-                              </a:rPr>
-                              <m:t>0</m:t>
-                            </m:r>
-                          </m:sub>
-                        </m:sSub>
-                      </m:oMath>
-                    </m:oMathPara>
-                  </a14:m>
-                  <a:endParaRPr lang="en-US" dirty="0">
-                    <a:solidFill>
-                      <a:schemeClr val="tx1"/>
-                    </a:solidFill>
-                  </a:endParaRPr>
-                </a:p>
-              </p:txBody>
-            </p:sp>
-          </mc:Choice>
-          <mc:Fallback xmlns="">
-            <p:sp>
-              <p:nvSpPr>
-                <p:cNvPr id="431" name="TextBox 430"/>
-                <p:cNvSpPr txBox="1">
-                  <a:spLocks noRot="1" noChangeAspect="1" noMove="1" noResize="1" noEditPoints="1" noAdjustHandles="1" noChangeArrowheads="1" noChangeShapeType="1" noTextEdit="1"/>
-                </p:cNvSpPr>
-                <p:nvPr/>
-              </p:nvSpPr>
-              <p:spPr>
-                <a:xfrm>
-                  <a:off x="3249635" y="2838450"/>
-                  <a:ext cx="416268" cy="323165"/>
-                </a:xfrm>
-                <a:prstGeom prst="rect">
-                  <a:avLst/>
-                </a:prstGeom>
-                <a:blipFill rotWithShape="1">
-                  <a:blip r:embed="rId21"/>
-                  <a:stretch>
-                    <a:fillRect/>
-                  </a:stretch>
-                </a:blipFill>
-              </p:spPr>
-              <p:txBody>
-                <a:bodyPr/>
-                <a:lstStyle/>
-                <a:p>
-                  <a:r>
-                    <a:rPr lang="en-US">
-                      <a:noFill/>
-                    </a:rPr>
-                    <a:t> </a:t>
-                  </a:r>
-                </a:p>
-              </p:txBody>
-            </p:sp>
-          </mc:Fallback>
-        </mc:AlternateContent>
         <p:cxnSp>
           <p:nvCxnSpPr>
             <p:cNvPr id="65" name="Straight Arrow Connector 64"/>
@@ -18492,7 +19464,7 @@
           </p:nvCxnSpPr>
           <p:spPr>
             <a:xfrm>
-              <a:off x="4551661" y="1382038"/>
+              <a:off x="4551662" y="1382039"/>
               <a:ext cx="387539" cy="1"/>
             </a:xfrm>
             <a:prstGeom prst="straightConnector1">
@@ -18525,7 +19497,7 @@
           </p:nvCxnSpPr>
           <p:spPr>
             <a:xfrm>
-              <a:off x="6166911" y="1382037"/>
+              <a:off x="6166912" y="1382038"/>
               <a:ext cx="387539" cy="1"/>
             </a:xfrm>
             <a:prstGeom prst="straightConnector1">
@@ -18558,8 +19530,8 @@
           </p:nvSpPr>
           <p:spPr>
             <a:xfrm>
-              <a:off x="2042159" y="3048000"/>
-              <a:ext cx="1219200" cy="838200"/>
+              <a:off x="2042160" y="3314702"/>
+              <a:ext cx="1213123" cy="1385382"/>
             </a:xfrm>
             <a:prstGeom prst="roundRect">
               <a:avLst/>
@@ -18608,8 +19580,8 @@
           </p:nvSpPr>
           <p:spPr>
             <a:xfrm>
-              <a:off x="2403133" y="3048000"/>
-              <a:ext cx="497252" cy="323165"/>
+              <a:off x="2203183" y="4143286"/>
+              <a:ext cx="891078" cy="553998"/>
             </a:xfrm>
             <a:prstGeom prst="rect">
               <a:avLst/>
@@ -18625,8 +19597,20 @@
               <a:pPr algn="ctr"/>
               <a:r>
                 <a:rPr lang="en-US" sz="1500" dirty="0"/>
-                <a:t>bias</a:t>
+                <a:t>b</a:t>
               </a:r>
+              <a:r>
+                <a:rPr lang="en-US" sz="1500" dirty="0" smtClean="0"/>
+                <a:t>ias</a:t>
+              </a:r>
+              <a:br>
+                <a:rPr lang="en-US" sz="1500" dirty="0" smtClean="0"/>
+              </a:br>
+              <a:r>
+                <a:rPr lang="en-US" sz="1500" dirty="0" smtClean="0"/>
+                <a:t>abs-layer</a:t>
+              </a:r>
+              <a:endParaRPr lang="en-US" sz="1500" dirty="0"/>
             </a:p>
           </p:txBody>
         </p:sp>
@@ -18640,7 +19624,7 @@
               </p:nvSpPr>
               <p:spPr>
                 <a:xfrm>
-                  <a:off x="2604085" y="3448050"/>
+                  <a:off x="2604086" y="3648075"/>
                   <a:ext cx="533400" cy="304800"/>
                 </a:xfrm>
                 <a:prstGeom prst="rect">
@@ -18737,7 +19721,7 @@
               </p:nvSpPr>
               <p:spPr>
                 <a:xfrm>
-                  <a:off x="2604085" y="3448050"/>
+                  <a:off x="2604086" y="3648075"/>
                   <a:ext cx="533400" cy="304800"/>
                 </a:xfrm>
                 <a:prstGeom prst="rect">
@@ -18746,7 +19730,7 @@
                 <a:blipFill rotWithShape="1">
                   <a:blip r:embed="rId22"/>
                   <a:stretch>
-                    <a:fillRect b="-9615"/>
+                    <a:fillRect b="-11538"/>
                   </a:stretch>
                 </a:blipFill>
                 <a:ln w="12700"/>
@@ -18776,7 +19760,7 @@
               </p:nvSpPr>
               <p:spPr>
                 <a:xfrm>
-                  <a:off x="2146885" y="3448050"/>
+                  <a:off x="2146886" y="3648075"/>
                   <a:ext cx="304800" cy="304800"/>
                 </a:xfrm>
                 <a:prstGeom prst="ellipse">
@@ -18836,7 +19820,7 @@
               </p:nvSpPr>
               <p:spPr>
                 <a:xfrm>
-                  <a:off x="2146885" y="3448050"/>
+                  <a:off x="2146886" y="3648075"/>
                   <a:ext cx="304800" cy="304800"/>
                 </a:xfrm>
                 <a:prstGeom prst="ellipse">
@@ -18876,13 +19860,147 @@
           </p:nvCxnSpPr>
           <p:spPr>
             <a:xfrm>
-              <a:off x="2451685" y="3600450"/>
+              <a:off x="2451686" y="3800475"/>
               <a:ext cx="152400" cy="0"/>
             </a:xfrm>
             <a:prstGeom prst="line">
               <a:avLst/>
             </a:prstGeom>
             <a:ln w="12700"/>
+          </p:spPr>
+          <p:style>
+            <a:lnRef idx="1">
+              <a:schemeClr val="accent1"/>
+            </a:lnRef>
+            <a:fillRef idx="0">
+              <a:schemeClr val="accent1"/>
+            </a:fillRef>
+            <a:effectRef idx="0">
+              <a:schemeClr val="accent1"/>
+            </a:effectRef>
+            <a:fontRef idx="minor">
+              <a:schemeClr val="tx1"/>
+            </a:fontRef>
+          </p:style>
+        </p:cxnSp>
+        <p:cxnSp>
+          <p:nvCxnSpPr>
+            <p:cNvPr id="86" name="Straight Arrow Connector 85"/>
+            <p:cNvCxnSpPr/>
+            <p:nvPr/>
+          </p:nvCxnSpPr>
+          <p:spPr>
+            <a:xfrm flipH="1" flipV="1">
+              <a:off x="4541437" y="1524003"/>
+              <a:ext cx="388621" cy="1"/>
+            </a:xfrm>
+            <a:prstGeom prst="straightConnector1">
+              <a:avLst/>
+            </a:prstGeom>
+            <a:ln w="12700">
+              <a:tailEnd type="arrow"/>
+            </a:ln>
+          </p:spPr>
+          <p:style>
+            <a:lnRef idx="1">
+              <a:schemeClr val="accent1"/>
+            </a:lnRef>
+            <a:fillRef idx="0">
+              <a:schemeClr val="accent1"/>
+            </a:fillRef>
+            <a:effectRef idx="0">
+              <a:schemeClr val="accent1"/>
+            </a:effectRef>
+            <a:fontRef idx="minor">
+              <a:schemeClr val="tx1"/>
+            </a:fontRef>
+          </p:style>
+        </p:cxnSp>
+        <p:cxnSp>
+          <p:nvCxnSpPr>
+            <p:cNvPr id="89" name="Straight Connector 88"/>
+            <p:cNvCxnSpPr>
+              <a:stCxn id="69" idx="3"/>
+              <a:endCxn id="80" idx="1"/>
+            </p:cNvCxnSpPr>
+            <p:nvPr/>
+          </p:nvCxnSpPr>
+          <p:spPr>
+            <a:xfrm>
+              <a:off x="3137486" y="3800475"/>
+              <a:ext cx="646051" cy="161925"/>
+            </a:xfrm>
+            <a:prstGeom prst="line">
+              <a:avLst/>
+            </a:prstGeom>
+            <a:ln w="12700"/>
+          </p:spPr>
+          <p:style>
+            <a:lnRef idx="1">
+              <a:schemeClr val="accent1"/>
+            </a:lnRef>
+            <a:fillRef idx="0">
+              <a:schemeClr val="accent1"/>
+            </a:fillRef>
+            <a:effectRef idx="0">
+              <a:schemeClr val="accent1"/>
+            </a:effectRef>
+            <a:fontRef idx="minor">
+              <a:schemeClr val="tx1"/>
+            </a:fontRef>
+          </p:style>
+        </p:cxnSp>
+        <p:cxnSp>
+          <p:nvCxnSpPr>
+            <p:cNvPr id="92" name="Straight Connector 91"/>
+            <p:cNvCxnSpPr>
+              <a:stCxn id="69" idx="3"/>
+              <a:endCxn id="79" idx="1"/>
+            </p:cNvCxnSpPr>
+            <p:nvPr/>
+          </p:nvCxnSpPr>
+          <p:spPr>
+            <a:xfrm flipV="1">
+              <a:off x="3137486" y="3581400"/>
+              <a:ext cx="646052" cy="219075"/>
+            </a:xfrm>
+            <a:prstGeom prst="line">
+              <a:avLst/>
+            </a:prstGeom>
+            <a:ln w="12700"/>
+          </p:spPr>
+          <p:style>
+            <a:lnRef idx="1">
+              <a:schemeClr val="accent1"/>
+            </a:lnRef>
+            <a:fillRef idx="0">
+              <a:schemeClr val="accent1"/>
+            </a:fillRef>
+            <a:effectRef idx="0">
+              <a:schemeClr val="accent1"/>
+            </a:effectRef>
+            <a:fontRef idx="minor">
+              <a:schemeClr val="tx1"/>
+            </a:fontRef>
+          </p:style>
+        </p:cxnSp>
+        <p:cxnSp>
+          <p:nvCxnSpPr>
+            <p:cNvPr id="100" name="Straight Arrow Connector 99"/>
+            <p:cNvCxnSpPr/>
+            <p:nvPr/>
+          </p:nvCxnSpPr>
+          <p:spPr>
+            <a:xfrm>
+              <a:off x="3265270" y="4220351"/>
+              <a:ext cx="387539" cy="1"/>
+            </a:xfrm>
+            <a:prstGeom prst="straightConnector1">
+              <a:avLst/>
+            </a:prstGeom>
+            <a:ln w="12700">
+              <a:tailEnd type="arrow"/>
+            </a:ln>
           </p:spPr>
           <p:style>
             <a:lnRef idx="1">
@@ -18903,14 +20021,171 @@
           <mc:Choice Requires="a14">
             <p:sp>
               <p:nvSpPr>
-                <p:cNvPr id="75" name="Rectangle 74"/>
+                <p:cNvPr id="77" name="TextBox 76"/>
+                <p:cNvSpPr txBox="1"/>
+                <p:nvPr/>
+              </p:nvSpPr>
+              <p:spPr>
+                <a:xfrm>
+                  <a:off x="3248025" y="3905250"/>
+                  <a:ext cx="423834" cy="323165"/>
+                </a:xfrm>
+                <a:prstGeom prst="rect">
+                  <a:avLst/>
+                </a:prstGeom>
+                <a:noFill/>
+              </p:spPr>
+              <p:txBody>
+                <a:bodyPr wrap="none" rtlCol="0">
+                  <a:spAutoFit/>
+                </a:bodyPr>
+                <a:lstStyle/>
+                <a:p>
+                  <a:pPr/>
+                  <a14:m>
+                    <m:oMathPara xmlns:m="http://schemas.openxmlformats.org/officeDocument/2006/math">
+                      <m:oMathParaPr>
+                        <m:jc m:val="centerGroup"/>
+                      </m:oMathParaPr>
+                      <m:oMath xmlns:m="http://schemas.openxmlformats.org/officeDocument/2006/math">
+                        <m:sSub>
+                          <m:sSubPr>
+                            <m:ctrlPr>
+                              <a:rPr lang="en-US" sz="1500" i="1" smtClean="0">
+                                <a:latin typeface="Cambria Math"/>
+                              </a:rPr>
+                            </m:ctrlPr>
+                          </m:sSubPr>
+                          <m:e>
+                            <m:r>
+                              <a:rPr lang="en-US" sz="1500" i="1">
+                                <a:latin typeface="Cambria Math"/>
+                              </a:rPr>
+                              <m:t>𝑥</m:t>
+                            </m:r>
+                          </m:e>
+                          <m:sub>
+                            <m:r>
+                              <a:rPr lang="en-US" sz="1500" b="0" i="1" smtClean="0">
+                                <a:latin typeface="Cambria Math"/>
+                              </a:rPr>
+                              <m:t>𝑏</m:t>
+                            </m:r>
+                          </m:sub>
+                        </m:sSub>
+                      </m:oMath>
+                    </m:oMathPara>
+                  </a14:m>
+                  <a:endParaRPr lang="en-US" dirty="0">
+                    <a:solidFill>
+                      <a:schemeClr val="tx1"/>
+                    </a:solidFill>
+                  </a:endParaRPr>
+                </a:p>
+              </p:txBody>
+            </p:sp>
+          </mc:Choice>
+          <mc:Fallback xmlns="">
+            <p:sp>
+              <p:nvSpPr>
+                <p:cNvPr id="77" name="TextBox 76"/>
+                <p:cNvSpPr txBox="1">
+                  <a:spLocks noRot="1" noChangeAspect="1" noMove="1" noResize="1" noEditPoints="1" noAdjustHandles="1" noChangeArrowheads="1" noChangeShapeType="1" noTextEdit="1"/>
+                </p:cNvSpPr>
+                <p:nvPr/>
+              </p:nvSpPr>
+              <p:spPr>
+                <a:xfrm>
+                  <a:off x="3248025" y="3905250"/>
+                  <a:ext cx="423834" cy="323165"/>
+                </a:xfrm>
+                <a:prstGeom prst="rect">
+                  <a:avLst/>
+                </a:prstGeom>
+                <a:blipFill rotWithShape="1">
+                  <a:blip r:embed="rId24"/>
+                  <a:stretch>
+                    <a:fillRect/>
+                  </a:stretch>
+                </a:blipFill>
+              </p:spPr>
+              <p:txBody>
+                <a:bodyPr/>
+                <a:lstStyle/>
+                <a:p>
+                  <a:r>
+                    <a:rPr lang="en-US">
+                      <a:noFill/>
+                    </a:rPr>
+                    <a:t> </a:t>
+                  </a:r>
+                </a:p>
+              </p:txBody>
+            </p:sp>
+          </mc:Fallback>
+        </mc:AlternateContent>
+        <p:sp>
+          <p:nvSpPr>
+            <p:cNvPr id="78" name="Rounded Rectangle 77"/>
+            <p:cNvSpPr/>
+            <p:nvPr/>
+          </p:nvSpPr>
+          <p:spPr>
+            <a:xfrm>
+              <a:off x="3657601" y="3314699"/>
+              <a:ext cx="894061" cy="1385385"/>
+            </a:xfrm>
+            <a:prstGeom prst="roundRect">
+              <a:avLst/>
+            </a:prstGeom>
+            <a:solidFill>
+              <a:srgbClr val="F79646">
+                <a:alpha val="20000"/>
+              </a:srgbClr>
+            </a:solidFill>
+            <a:ln>
+              <a:solidFill>
+                <a:srgbClr val="F79646"/>
+              </a:solidFill>
+            </a:ln>
+          </p:spPr>
+          <p:style>
+            <a:lnRef idx="2">
+              <a:schemeClr val="accent6">
+                <a:shade val="50000"/>
+              </a:schemeClr>
+            </a:lnRef>
+            <a:fillRef idx="1">
+              <a:schemeClr val="accent6"/>
+            </a:fillRef>
+            <a:effectRef idx="0">
+              <a:schemeClr val="accent6"/>
+            </a:effectRef>
+            <a:fontRef idx="minor">
+              <a:schemeClr val="lt1"/>
+            </a:fontRef>
+          </p:style>
+          <p:txBody>
+            <a:bodyPr rtlCol="0" anchor="ctr"/>
+            <a:lstStyle/>
+            <a:p>
+              <a:pPr algn="ctr"/>
+              <a:endParaRPr lang="en-US" dirty="0"/>
+            </a:p>
+          </p:txBody>
+        </p:sp>
+        <mc:AlternateContent xmlns:mc="http://schemas.openxmlformats.org/markup-compatibility/2006" xmlns:a14="http://schemas.microsoft.com/office/drawing/2010/main">
+          <mc:Choice Requires="a14">
+            <p:sp>
+              <p:nvSpPr>
+                <p:cNvPr id="79" name="Rectangle 78"/>
                 <p:cNvSpPr/>
                 <p:nvPr/>
               </p:nvSpPr>
               <p:spPr>
                 <a:xfrm>
-                  <a:off x="3785147" y="3074134"/>
-                  <a:ext cx="636508" cy="304800"/>
+                  <a:off x="3783538" y="3429000"/>
+                  <a:ext cx="636509" cy="304800"/>
                 </a:xfrm>
                 <a:prstGeom prst="rect">
                   <a:avLst/>
@@ -18947,7 +20222,7 @@
                         <m:sSub>
                           <m:sSubPr>
                             <m:ctrlPr>
-                              <a:rPr lang="en-US" sz="1500" i="1">
+                              <a:rPr lang="en-US" sz="1500" i="1" smtClean="0">
                                 <a:latin typeface="Cambria Math"/>
                               </a:rPr>
                             </m:ctrlPr>
@@ -18965,7 +20240,13 @@
                               <a:rPr lang="en-US" sz="1500" i="1">
                                 <a:latin typeface="Cambria Math"/>
                               </a:rPr>
-                              <m:t>10</m:t>
+                              <m:t>1</m:t>
+                            </m:r>
+                            <m:r>
+                              <a:rPr lang="en-US" sz="1500" b="0" i="1" smtClean="0">
+                                <a:latin typeface="Cambria Math"/>
+                              </a:rPr>
+                              <m:t>𝑏</m:t>
                             </m:r>
                           </m:sub>
                         </m:sSub>
@@ -18998,7 +20279,7 @@
           <mc:Fallback xmlns="">
             <p:sp>
               <p:nvSpPr>
-                <p:cNvPr id="75" name="Rectangle 74"/>
+                <p:cNvPr id="79" name="Rectangle 78"/>
                 <p:cNvSpPr>
                   <a:spLocks noRot="1" noChangeAspect="1" noMove="1" noResize="1" noEditPoints="1" noAdjustHandles="1" noChangeArrowheads="1" noChangeShapeType="1" noTextEdit="1"/>
                 </p:cNvSpPr>
@@ -19006,16 +20287,16 @@
               </p:nvSpPr>
               <p:spPr>
                 <a:xfrm>
-                  <a:off x="3785147" y="3074134"/>
-                  <a:ext cx="636508" cy="304800"/>
+                  <a:off x="3783538" y="3429000"/>
+                  <a:ext cx="636509" cy="304800"/>
                 </a:xfrm>
                 <a:prstGeom prst="rect">
                   <a:avLst/>
                 </a:prstGeom>
                 <a:blipFill rotWithShape="1">
-                  <a:blip r:embed="rId24"/>
+                  <a:blip r:embed="rId25"/>
                   <a:stretch>
-                    <a:fillRect b="-11538"/>
+                    <a:fillRect b="-9615"/>
                   </a:stretch>
                 </a:blipFill>
                 <a:ln w="12700"/>
@@ -19039,14 +20320,14 @@
           <mc:Choice Requires="a14">
             <p:sp>
               <p:nvSpPr>
-                <p:cNvPr id="76" name="Rectangle 75"/>
+                <p:cNvPr id="80" name="Rectangle 79"/>
                 <p:cNvSpPr/>
                 <p:nvPr/>
               </p:nvSpPr>
               <p:spPr>
                 <a:xfrm>
-                  <a:off x="3785148" y="3448050"/>
-                  <a:ext cx="636508" cy="304800"/>
+                  <a:off x="3783537" y="3810000"/>
+                  <a:ext cx="636509" cy="304800"/>
                 </a:xfrm>
                 <a:prstGeom prst="rect">
                   <a:avLst/>
@@ -19083,7 +20364,7 @@
                         <m:sSub>
                           <m:sSubPr>
                             <m:ctrlPr>
-                              <a:rPr lang="en-US" sz="1500" i="1">
+                              <a:rPr lang="en-US" sz="1500" i="1" smtClean="0">
                                 <a:latin typeface="Cambria Math"/>
                               </a:rPr>
                             </m:ctrlPr>
@@ -19101,7 +20382,13 @@
                               <a:rPr lang="en-US" sz="1500" i="1">
                                 <a:latin typeface="Cambria Math"/>
                               </a:rPr>
-                              <m:t>10</m:t>
+                              <m:t>1</m:t>
+                            </m:r>
+                            <m:r>
+                              <a:rPr lang="en-US" sz="1500" b="0" i="1" smtClean="0">
+                                <a:latin typeface="Cambria Math"/>
+                              </a:rPr>
+                              <m:t>𝑏</m:t>
                             </m:r>
                           </m:sub>
                         </m:sSub>
@@ -19134,7 +20421,7 @@
           <mc:Fallback xmlns="">
             <p:sp>
               <p:nvSpPr>
-                <p:cNvPr id="76" name="Rectangle 75"/>
+                <p:cNvPr id="80" name="Rectangle 79"/>
                 <p:cNvSpPr>
                   <a:spLocks noRot="1" noChangeAspect="1" noMove="1" noResize="1" noEditPoints="1" noAdjustHandles="1" noChangeArrowheads="1" noChangeShapeType="1" noTextEdit="1"/>
                 </p:cNvSpPr>
@@ -19142,16 +20429,16 @@
               </p:nvSpPr>
               <p:spPr>
                 <a:xfrm>
-                  <a:off x="3785148" y="3448050"/>
-                  <a:ext cx="636508" cy="304800"/>
+                  <a:off x="3783537" y="3810000"/>
+                  <a:ext cx="636509" cy="304800"/>
                 </a:xfrm>
                 <a:prstGeom prst="rect">
                   <a:avLst/>
                 </a:prstGeom>
                 <a:blipFill rotWithShape="1">
-                  <a:blip r:embed="rId9"/>
+                  <a:blip r:embed="rId26"/>
                   <a:stretch>
-                    <a:fillRect b="-9615"/>
+                    <a:fillRect b="-11538"/>
                   </a:stretch>
                 </a:blipFill>
                 <a:ln w="12700"/>
@@ -19171,15 +20458,384 @@
             </p:sp>
           </mc:Fallback>
         </mc:AlternateContent>
+        <p:sp>
+          <p:nvSpPr>
+            <p:cNvPr id="81" name="TextBox 80"/>
+            <p:cNvSpPr txBox="1"/>
+            <p:nvPr/>
+          </p:nvSpPr>
+          <p:spPr>
+            <a:xfrm>
+              <a:off x="3673847" y="4152811"/>
+              <a:ext cx="891078" cy="553998"/>
+            </a:xfrm>
+            <a:prstGeom prst="rect">
+              <a:avLst/>
+            </a:prstGeom>
+            <a:noFill/>
+          </p:spPr>
+          <p:txBody>
+            <a:bodyPr wrap="none" rtlCol="0">
+              <a:spAutoFit/>
+            </a:bodyPr>
+            <a:lstStyle/>
+            <a:p>
+              <a:pPr algn="ctr"/>
+              <a:r>
+                <a:rPr lang="en-US" sz="1500" dirty="0"/>
+                <a:t>w</a:t>
+              </a:r>
+              <a:r>
+                <a:rPr lang="en-US" sz="1500" dirty="0" smtClean="0"/>
+                <a:t>eight</a:t>
+              </a:r>
+              <a:br>
+                <a:rPr lang="en-US" sz="1500" dirty="0" smtClean="0"/>
+              </a:br>
+              <a:r>
+                <a:rPr lang="en-US" sz="1500" dirty="0" smtClean="0"/>
+                <a:t>abs-layer</a:t>
+              </a:r>
+              <a:endParaRPr lang="en-US" sz="1500" dirty="0"/>
+            </a:p>
+          </p:txBody>
+        </p:sp>
         <p:cxnSp>
           <p:nvCxnSpPr>
-            <p:cNvPr id="86" name="Straight Arrow Connector 85"/>
+            <p:cNvPr id="87" name="Straight Connector 86"/>
+            <p:cNvCxnSpPr>
+              <a:stCxn id="207" idx="3"/>
+              <a:endCxn id="79" idx="3"/>
+            </p:cNvCxnSpPr>
+            <p:nvPr/>
+          </p:nvCxnSpPr>
+          <p:spPr>
+            <a:xfrm flipH="1">
+              <a:off x="4420047" y="2669988"/>
+              <a:ext cx="667076" cy="911412"/>
+            </a:xfrm>
+            <a:prstGeom prst="line">
+              <a:avLst/>
+            </a:prstGeom>
+            <a:ln w="12700"/>
+          </p:spPr>
+          <p:style>
+            <a:lnRef idx="1">
+              <a:schemeClr val="accent1"/>
+            </a:lnRef>
+            <a:fillRef idx="0">
+              <a:schemeClr val="accent1"/>
+            </a:fillRef>
+            <a:effectRef idx="0">
+              <a:schemeClr val="accent1"/>
+            </a:effectRef>
+            <a:fontRef idx="minor">
+              <a:schemeClr val="tx1"/>
+            </a:fontRef>
+          </p:style>
+        </p:cxnSp>
+        <p:cxnSp>
+          <p:nvCxnSpPr>
+            <p:cNvPr id="90" name="Straight Connector 89"/>
+            <p:cNvCxnSpPr>
+              <a:stCxn id="212" idx="3"/>
+              <a:endCxn id="80" idx="3"/>
+            </p:cNvCxnSpPr>
+            <p:nvPr/>
+          </p:nvCxnSpPr>
+          <p:spPr>
+            <a:xfrm flipH="1">
+              <a:off x="4420046" y="3050988"/>
+              <a:ext cx="667077" cy="911412"/>
+            </a:xfrm>
+            <a:prstGeom prst="line">
+              <a:avLst/>
+            </a:prstGeom>
+            <a:ln w="12700"/>
+          </p:spPr>
+          <p:style>
+            <a:lnRef idx="1">
+              <a:schemeClr val="accent1"/>
+            </a:lnRef>
+            <a:fillRef idx="0">
+              <a:schemeClr val="accent1"/>
+            </a:fillRef>
+            <a:effectRef idx="0">
+              <a:schemeClr val="accent1"/>
+            </a:effectRef>
+            <a:fontRef idx="minor">
+              <a:schemeClr val="tx1"/>
+            </a:fontRef>
+          </p:style>
+        </p:cxnSp>
+        <mc:AlternateContent xmlns:mc="http://schemas.openxmlformats.org/markup-compatibility/2006" xmlns:a14="http://schemas.microsoft.com/office/drawing/2010/main">
+          <mc:Choice Requires="a14">
+            <p:sp>
+              <p:nvSpPr>
+                <p:cNvPr id="102" name="TextBox 101"/>
+                <p:cNvSpPr txBox="1"/>
+                <p:nvPr/>
+              </p:nvSpPr>
+              <p:spPr>
+                <a:xfrm>
+                  <a:off x="4504354" y="4371975"/>
+                  <a:ext cx="498919" cy="323165"/>
+                </a:xfrm>
+                <a:prstGeom prst="rect">
+                  <a:avLst/>
+                </a:prstGeom>
+                <a:noFill/>
+              </p:spPr>
+              <p:txBody>
+                <a:bodyPr wrap="none" rtlCol="0">
+                  <a:spAutoFit/>
+                </a:bodyPr>
+                <a:lstStyle/>
+                <a:p>
+                  <a:pPr/>
+                  <a14:m>
+                    <m:oMathPara xmlns:m="http://schemas.openxmlformats.org/officeDocument/2006/math">
+                      <m:oMathParaPr>
+                        <m:jc m:val="centerGroup"/>
+                      </m:oMathParaPr>
+                      <m:oMath xmlns:m="http://schemas.openxmlformats.org/officeDocument/2006/math">
+                        <m:sSub>
+                          <m:sSubPr>
+                            <m:ctrlPr>
+                              <a:rPr lang="en-US" sz="1500" i="1" smtClean="0">
+                                <a:latin typeface="Cambria Math"/>
+                              </a:rPr>
+                            </m:ctrlPr>
+                          </m:sSubPr>
+                          <m:e>
+                            <m:r>
+                              <a:rPr lang="en-US" sz="1500" i="1">
+                                <a:latin typeface="Cambria Math"/>
+                              </a:rPr>
+                              <m:t>𝛿</m:t>
+                            </m:r>
+                          </m:e>
+                          <m:sub>
+                            <m:r>
+                              <a:rPr lang="en-US" sz="1500" i="1">
+                                <a:latin typeface="Cambria Math"/>
+                              </a:rPr>
+                              <m:t>1</m:t>
+                            </m:r>
+                            <m:r>
+                              <a:rPr lang="en-US" sz="1500" b="0" i="1" smtClean="0">
+                                <a:latin typeface="Cambria Math"/>
+                              </a:rPr>
+                              <m:t>𝑏</m:t>
+                            </m:r>
+                          </m:sub>
+                        </m:sSub>
+                      </m:oMath>
+                    </m:oMathPara>
+                  </a14:m>
+                  <a:endParaRPr lang="en-US" dirty="0">
+                    <a:solidFill>
+                      <a:schemeClr val="tx1"/>
+                    </a:solidFill>
+                  </a:endParaRPr>
+                </a:p>
+              </p:txBody>
+            </p:sp>
+          </mc:Choice>
+          <mc:Fallback xmlns="">
+            <p:sp>
+              <p:nvSpPr>
+                <p:cNvPr id="102" name="TextBox 101"/>
+                <p:cNvSpPr txBox="1">
+                  <a:spLocks noRot="1" noChangeAspect="1" noMove="1" noResize="1" noEditPoints="1" noAdjustHandles="1" noChangeArrowheads="1" noChangeShapeType="1" noTextEdit="1"/>
+                </p:cNvSpPr>
+                <p:nvPr/>
+              </p:nvSpPr>
+              <p:spPr>
+                <a:xfrm>
+                  <a:off x="4504354" y="4371975"/>
+                  <a:ext cx="498919" cy="323165"/>
+                </a:xfrm>
+                <a:prstGeom prst="rect">
+                  <a:avLst/>
+                </a:prstGeom>
+                <a:blipFill rotWithShape="1">
+                  <a:blip r:embed="rId27"/>
+                  <a:stretch>
+                    <a:fillRect/>
+                  </a:stretch>
+                </a:blipFill>
+              </p:spPr>
+              <p:txBody>
+                <a:bodyPr/>
+                <a:lstStyle/>
+                <a:p>
+                  <a:r>
+                    <a:rPr lang="en-US">
+                      <a:noFill/>
+                    </a:rPr>
+                    <a:t> </a:t>
+                  </a:r>
+                </a:p>
+              </p:txBody>
+            </p:sp>
+          </mc:Fallback>
+        </mc:AlternateContent>
+        <mc:AlternateContent xmlns:mc="http://schemas.openxmlformats.org/markup-compatibility/2006" xmlns:a14="http://schemas.microsoft.com/office/drawing/2010/main">
+          <mc:Choice Requires="a14">
+            <p:sp>
+              <p:nvSpPr>
+                <p:cNvPr id="103" name="TextBox 102"/>
+                <p:cNvSpPr txBox="1"/>
+                <p:nvPr/>
+              </p:nvSpPr>
+              <p:spPr>
+                <a:xfrm>
+                  <a:off x="4487892" y="3937636"/>
+                  <a:ext cx="501099" cy="323165"/>
+                </a:xfrm>
+                <a:prstGeom prst="rect">
+                  <a:avLst/>
+                </a:prstGeom>
+                <a:noFill/>
+              </p:spPr>
+              <p:txBody>
+                <a:bodyPr wrap="none" rtlCol="0">
+                  <a:spAutoFit/>
+                </a:bodyPr>
+                <a:lstStyle/>
+                <a:p>
+                  <a:pPr/>
+                  <a14:m>
+                    <m:oMathPara xmlns:m="http://schemas.openxmlformats.org/officeDocument/2006/math">
+                      <m:oMathParaPr>
+                        <m:jc m:val="centerGroup"/>
+                      </m:oMathParaPr>
+                      <m:oMath xmlns:m="http://schemas.openxmlformats.org/officeDocument/2006/math">
+                        <m:sSub>
+                          <m:sSubPr>
+                            <m:ctrlPr>
+                              <a:rPr lang="en-US" sz="1500" i="1" smtClean="0">
+                                <a:latin typeface="Cambria Math"/>
+                              </a:rPr>
+                            </m:ctrlPr>
+                          </m:sSubPr>
+                          <m:e>
+                            <m:r>
+                              <a:rPr lang="en-US" sz="1500" i="1">
+                                <a:latin typeface="Cambria Math"/>
+                              </a:rPr>
+                              <m:t>𝑥</m:t>
+                            </m:r>
+                          </m:e>
+                          <m:sub>
+                            <m:r>
+                              <a:rPr lang="en-US" sz="1500" i="1">
+                                <a:latin typeface="Cambria Math"/>
+                              </a:rPr>
+                              <m:t>1</m:t>
+                            </m:r>
+                            <m:r>
+                              <a:rPr lang="en-US" sz="1500" b="0" i="1" smtClean="0">
+                                <a:latin typeface="Cambria Math"/>
+                              </a:rPr>
+                              <m:t>𝑏</m:t>
+                            </m:r>
+                          </m:sub>
+                        </m:sSub>
+                      </m:oMath>
+                    </m:oMathPara>
+                  </a14:m>
+                  <a:endParaRPr lang="en-US" dirty="0">
+                    <a:solidFill>
+                      <a:schemeClr val="tx1"/>
+                    </a:solidFill>
+                  </a:endParaRPr>
+                </a:p>
+              </p:txBody>
+            </p:sp>
+          </mc:Choice>
+          <mc:Fallback xmlns="">
+            <p:sp>
+              <p:nvSpPr>
+                <p:cNvPr id="103" name="TextBox 102"/>
+                <p:cNvSpPr txBox="1">
+                  <a:spLocks noRot="1" noChangeAspect="1" noMove="1" noResize="1" noEditPoints="1" noAdjustHandles="1" noChangeArrowheads="1" noChangeShapeType="1" noTextEdit="1"/>
+                </p:cNvSpPr>
+                <p:nvPr/>
+              </p:nvSpPr>
+              <p:spPr>
+                <a:xfrm>
+                  <a:off x="4487892" y="3937636"/>
+                  <a:ext cx="501099" cy="323165"/>
+                </a:xfrm>
+                <a:prstGeom prst="rect">
+                  <a:avLst/>
+                </a:prstGeom>
+                <a:blipFill rotWithShape="1">
+                  <a:blip r:embed="rId28"/>
+                  <a:stretch>
+                    <a:fillRect/>
+                  </a:stretch>
+                </a:blipFill>
+              </p:spPr>
+              <p:txBody>
+                <a:bodyPr/>
+                <a:lstStyle/>
+                <a:p>
+                  <a:r>
+                    <a:rPr lang="en-US">
+                      <a:noFill/>
+                    </a:rPr>
+                    <a:t> </a:t>
+                  </a:r>
+                </a:p>
+              </p:txBody>
+            </p:sp>
+          </mc:Fallback>
+        </mc:AlternateContent>
+        <p:cxnSp>
+          <p:nvCxnSpPr>
+            <p:cNvPr id="104" name="Straight Arrow Connector 103"/>
+            <p:cNvCxnSpPr/>
+            <p:nvPr/>
+          </p:nvCxnSpPr>
+          <p:spPr>
+            <a:xfrm>
+              <a:off x="4551662" y="4230014"/>
+              <a:ext cx="387539" cy="1"/>
+            </a:xfrm>
+            <a:prstGeom prst="straightConnector1">
+              <a:avLst/>
+            </a:prstGeom>
+            <a:ln w="12700">
+              <a:tailEnd type="arrow"/>
+            </a:ln>
+          </p:spPr>
+          <p:style>
+            <a:lnRef idx="1">
+              <a:schemeClr val="accent1"/>
+            </a:lnRef>
+            <a:fillRef idx="0">
+              <a:schemeClr val="accent1"/>
+            </a:fillRef>
+            <a:effectRef idx="0">
+              <a:schemeClr val="accent1"/>
+            </a:effectRef>
+            <a:fontRef idx="minor">
+              <a:schemeClr val="tx1"/>
+            </a:fontRef>
+          </p:style>
+        </p:cxnSp>
+        <p:cxnSp>
+          <p:nvCxnSpPr>
+            <p:cNvPr id="105" name="Straight Arrow Connector 104"/>
             <p:cNvCxnSpPr/>
             <p:nvPr/>
           </p:nvCxnSpPr>
           <p:spPr>
             <a:xfrm flipH="1" flipV="1">
-              <a:off x="4551118" y="2823207"/>
+              <a:off x="4541437" y="4371978"/>
               <a:ext cx="388621" cy="1"/>
             </a:xfrm>
             <a:prstGeom prst="straightConnector1">
@@ -19204,140 +20860,37 @@
             </a:fontRef>
           </p:style>
         </p:cxnSp>
-        <p:cxnSp>
-          <p:nvCxnSpPr>
-            <p:cNvPr id="89" name="Straight Connector 88"/>
-            <p:cNvCxnSpPr>
-              <a:stCxn id="69" idx="3"/>
-              <a:endCxn id="75" idx="1"/>
-            </p:cNvCxnSpPr>
+        <p:sp>
+          <p:nvSpPr>
+            <p:cNvPr id="112" name="TextBox 111"/>
+            <p:cNvSpPr txBox="1"/>
             <p:nvPr/>
-          </p:nvCxnSpPr>
+          </p:nvSpPr>
           <p:spPr>
-            <a:xfrm flipV="1">
-              <a:off x="3137485" y="3226534"/>
-              <a:ext cx="647662" cy="373916"/>
+            <a:xfrm>
+              <a:off x="2779246" y="4734610"/>
+              <a:ext cx="2680286" cy="323165"/>
             </a:xfrm>
-            <a:prstGeom prst="line">
+            <a:prstGeom prst="rect">
               <a:avLst/>
             </a:prstGeom>
-            <a:ln w="12700"/>
+            <a:noFill/>
           </p:spPr>
-          <p:style>
-            <a:lnRef idx="1">
-              <a:schemeClr val="accent1"/>
-            </a:lnRef>
-            <a:fillRef idx="0">
-              <a:schemeClr val="accent1"/>
-            </a:fillRef>
-            <a:effectRef idx="0">
-              <a:schemeClr val="accent1"/>
-            </a:effectRef>
-            <a:fontRef idx="minor">
-              <a:schemeClr val="tx1"/>
-            </a:fontRef>
-          </p:style>
-        </p:cxnSp>
-        <p:cxnSp>
-          <p:nvCxnSpPr>
-            <p:cNvPr id="92" name="Straight Connector 91"/>
-            <p:cNvCxnSpPr>
-              <a:stCxn id="69" idx="3"/>
-              <a:endCxn id="76" idx="1"/>
-            </p:cNvCxnSpPr>
-            <p:nvPr/>
-          </p:nvCxnSpPr>
-          <p:spPr>
-            <a:xfrm>
-              <a:off x="3137485" y="3600450"/>
-              <a:ext cx="647663" cy="0"/>
-            </a:xfrm>
-            <a:prstGeom prst="line">
-              <a:avLst/>
-            </a:prstGeom>
-            <a:ln w="12700"/>
-          </p:spPr>
-          <p:style>
-            <a:lnRef idx="1">
-              <a:schemeClr val="accent1"/>
-            </a:lnRef>
-            <a:fillRef idx="0">
-              <a:schemeClr val="accent1"/>
-            </a:fillRef>
-            <a:effectRef idx="0">
-              <a:schemeClr val="accent1"/>
-            </a:effectRef>
-            <a:fontRef idx="minor">
-              <a:schemeClr val="tx1"/>
-            </a:fontRef>
-          </p:style>
-        </p:cxnSp>
-        <p:cxnSp>
-          <p:nvCxnSpPr>
-            <p:cNvPr id="97" name="Straight Arrow Connector 96"/>
-            <p:cNvCxnSpPr/>
-            <p:nvPr/>
-          </p:nvCxnSpPr>
-          <p:spPr>
-            <a:xfrm flipH="1" flipV="1">
-              <a:off x="3270737" y="3752849"/>
-              <a:ext cx="388621" cy="1"/>
-            </a:xfrm>
-            <a:prstGeom prst="straightConnector1">
-              <a:avLst/>
-            </a:prstGeom>
-            <a:ln w="12700">
-              <a:tailEnd type="arrow"/>
-            </a:ln>
-          </p:spPr>
-          <p:style>
-            <a:lnRef idx="1">
-              <a:schemeClr val="accent1"/>
-            </a:lnRef>
-            <a:fillRef idx="0">
-              <a:schemeClr val="accent1"/>
-            </a:fillRef>
-            <a:effectRef idx="0">
-              <a:schemeClr val="accent1"/>
-            </a:effectRef>
-            <a:fontRef idx="minor">
-              <a:schemeClr val="tx1"/>
-            </a:fontRef>
-          </p:style>
-        </p:cxnSp>
-        <p:cxnSp>
-          <p:nvCxnSpPr>
-            <p:cNvPr id="100" name="Straight Arrow Connector 99"/>
-            <p:cNvCxnSpPr/>
-            <p:nvPr/>
-          </p:nvCxnSpPr>
-          <p:spPr>
-            <a:xfrm>
-              <a:off x="3271819" y="3187447"/>
-              <a:ext cx="387539" cy="1"/>
-            </a:xfrm>
-            <a:prstGeom prst="straightConnector1">
-              <a:avLst/>
-            </a:prstGeom>
-            <a:ln w="12700">
-              <a:tailEnd type="arrow"/>
-            </a:ln>
-          </p:spPr>
-          <p:style>
-            <a:lnRef idx="1">
-              <a:schemeClr val="accent1"/>
-            </a:lnRef>
-            <a:fillRef idx="0">
-              <a:schemeClr val="accent1"/>
-            </a:fillRef>
-            <a:effectRef idx="0">
-              <a:schemeClr val="accent1"/>
-            </a:effectRef>
-            <a:fontRef idx="minor">
-              <a:schemeClr val="tx1"/>
-            </a:fontRef>
-          </p:style>
-        </p:cxnSp>
+          <p:txBody>
+            <a:bodyPr wrap="none" rtlCol="0">
+              <a:spAutoFit/>
+            </a:bodyPr>
+            <a:lstStyle/>
+            <a:p>
+              <a:pPr algn="ctr"/>
+              <a:r>
+                <a:rPr lang="en-US" sz="1500" dirty="0" smtClean="0"/>
+                <a:t>classic layer without abstraction</a:t>
+              </a:r>
+              <a:endParaRPr lang="en-US" sz="1500" dirty="0"/>
+            </a:p>
+          </p:txBody>
+        </p:sp>
       </p:grpSp>
     </p:spTree>
     <p:extLst>
@@ -19353,6 +20906,1457 @@
 </file>
 
 <file path=ppt/slides/slide7.xml><?xml version="1.0" encoding="utf-8"?>
+<p:sld xmlns:a="http://schemas.openxmlformats.org/drawingml/2006/main" xmlns:r="http://schemas.openxmlformats.org/officeDocument/2006/relationships" xmlns:p="http://schemas.openxmlformats.org/presentationml/2006/main">
+  <p:cSld>
+    <p:spTree>
+      <p:nvGrpSpPr>
+        <p:cNvPr id="1" name=""/>
+        <p:cNvGrpSpPr/>
+        <p:nvPr/>
+      </p:nvGrpSpPr>
+      <p:grpSpPr>
+        <a:xfrm>
+          <a:off x="0" y="0"/>
+          <a:ext cx="0" cy="0"/>
+          <a:chOff x="0" y="0"/>
+          <a:chExt cx="0" cy="0"/>
+        </a:xfrm>
+      </p:grpSpPr>
+      <p:grpSp>
+        <p:nvGrpSpPr>
+          <p:cNvPr id="2" name="Group 1"/>
+          <p:cNvGrpSpPr/>
+          <p:nvPr/>
+        </p:nvGrpSpPr>
+        <p:grpSpPr>
+          <a:xfrm>
+            <a:off x="963790" y="1843367"/>
+            <a:ext cx="7263333" cy="3131820"/>
+            <a:chOff x="963790" y="1843367"/>
+            <a:chExt cx="7263333" cy="3131820"/>
+          </a:xfrm>
+        </p:grpSpPr>
+        <p:sp>
+          <p:nvSpPr>
+            <p:cNvPr id="322" name="Rounded Rectangle 321"/>
+            <p:cNvSpPr/>
+            <p:nvPr/>
+          </p:nvSpPr>
+          <p:spPr>
+            <a:xfrm>
+              <a:off x="2113928" y="3066797"/>
+              <a:ext cx="940839" cy="677900"/>
+            </a:xfrm>
+            <a:prstGeom prst="roundRect">
+              <a:avLst/>
+            </a:prstGeom>
+            <a:solidFill>
+              <a:srgbClr val="F79646">
+                <a:alpha val="20000"/>
+              </a:srgbClr>
+            </a:solidFill>
+            <a:ln>
+              <a:solidFill>
+                <a:srgbClr val="F79646"/>
+              </a:solidFill>
+            </a:ln>
+          </p:spPr>
+          <p:style>
+            <a:lnRef idx="2">
+              <a:schemeClr val="accent6">
+                <a:shade val="50000"/>
+              </a:schemeClr>
+            </a:lnRef>
+            <a:fillRef idx="1">
+              <a:schemeClr val="accent6"/>
+            </a:fillRef>
+            <a:effectRef idx="0">
+              <a:schemeClr val="accent6"/>
+            </a:effectRef>
+            <a:fontRef idx="minor">
+              <a:schemeClr val="lt1"/>
+            </a:fontRef>
+          </p:style>
+          <p:txBody>
+            <a:bodyPr rtlCol="0" anchor="ctr"/>
+            <a:lstStyle/>
+            <a:p>
+              <a:pPr algn="ctr"/>
+              <a:r>
+                <a:rPr lang="en-US" sz="1400" dirty="0">
+                  <a:solidFill>
+                    <a:schemeClr val="tx1"/>
+                  </a:solidFill>
+                </a:rPr>
+                <a:t>i</a:t>
+              </a:r>
+              <a:r>
+                <a:rPr lang="en-US" sz="1400" dirty="0" smtClean="0">
+                  <a:solidFill>
+                    <a:schemeClr val="tx1"/>
+                  </a:solidFill>
+                </a:rPr>
+                <a:t>nput</a:t>
+              </a:r>
+              <a:br>
+                <a:rPr lang="en-US" sz="1400" dirty="0" smtClean="0">
+                  <a:solidFill>
+                    <a:schemeClr val="tx1"/>
+                  </a:solidFill>
+                </a:rPr>
+              </a:br>
+              <a:r>
+                <a:rPr lang="en-US" sz="1400" dirty="0" smtClean="0">
+                  <a:solidFill>
+                    <a:schemeClr val="tx1"/>
+                  </a:solidFill>
+                </a:rPr>
+                <a:t>abs-layer</a:t>
+              </a:r>
+              <a:endParaRPr lang="en-US" sz="1400" dirty="0">
+                <a:solidFill>
+                  <a:schemeClr val="tx1"/>
+                </a:solidFill>
+              </a:endParaRPr>
+            </a:p>
+          </p:txBody>
+        </p:sp>
+        <p:sp>
+          <p:nvSpPr>
+            <p:cNvPr id="74" name="Rounded Rectangle 73"/>
+            <p:cNvSpPr/>
+            <p:nvPr/>
+          </p:nvSpPr>
+          <p:spPr>
+            <a:xfrm>
+              <a:off x="3397148" y="3066797"/>
+              <a:ext cx="940839" cy="677900"/>
+            </a:xfrm>
+            <a:prstGeom prst="roundRect">
+              <a:avLst/>
+            </a:prstGeom>
+            <a:solidFill>
+              <a:srgbClr val="F79646">
+                <a:alpha val="20000"/>
+              </a:srgbClr>
+            </a:solidFill>
+            <a:ln>
+              <a:solidFill>
+                <a:srgbClr val="F79646"/>
+              </a:solidFill>
+            </a:ln>
+          </p:spPr>
+          <p:style>
+            <a:lnRef idx="2">
+              <a:schemeClr val="accent6">
+                <a:shade val="50000"/>
+              </a:schemeClr>
+            </a:lnRef>
+            <a:fillRef idx="1">
+              <a:schemeClr val="accent6"/>
+            </a:fillRef>
+            <a:effectRef idx="0">
+              <a:schemeClr val="accent6"/>
+            </a:effectRef>
+            <a:fontRef idx="minor">
+              <a:schemeClr val="lt1"/>
+            </a:fontRef>
+          </p:style>
+          <p:txBody>
+            <a:bodyPr rtlCol="0" anchor="ctr"/>
+            <a:lstStyle/>
+            <a:p>
+              <a:pPr algn="ctr"/>
+              <a:r>
+                <a:rPr lang="en-US" sz="1400" dirty="0">
+                  <a:solidFill>
+                    <a:schemeClr val="tx1"/>
+                  </a:solidFill>
+                </a:rPr>
+                <a:t>w</a:t>
+              </a:r>
+              <a:r>
+                <a:rPr lang="en-US" sz="1400" dirty="0" smtClean="0">
+                  <a:solidFill>
+                    <a:schemeClr val="tx1"/>
+                  </a:solidFill>
+                </a:rPr>
+                <a:t>eight</a:t>
+              </a:r>
+              <a:br>
+                <a:rPr lang="en-US" sz="1400" dirty="0" smtClean="0">
+                  <a:solidFill>
+                    <a:schemeClr val="tx1"/>
+                  </a:solidFill>
+                </a:rPr>
+              </a:br>
+              <a:r>
+                <a:rPr lang="en-US" sz="1400" dirty="0" smtClean="0">
+                  <a:solidFill>
+                    <a:schemeClr val="tx1"/>
+                  </a:solidFill>
+                </a:rPr>
+                <a:t>abs-layer</a:t>
+              </a:r>
+              <a:endParaRPr lang="en-US" sz="1400" dirty="0">
+                <a:solidFill>
+                  <a:schemeClr val="tx1"/>
+                </a:solidFill>
+              </a:endParaRPr>
+            </a:p>
+          </p:txBody>
+        </p:sp>
+        <p:sp>
+          <p:nvSpPr>
+            <p:cNvPr id="82" name="Rounded Rectangle 81"/>
+            <p:cNvSpPr/>
+            <p:nvPr/>
+          </p:nvSpPr>
+          <p:spPr>
+            <a:xfrm>
+              <a:off x="4762109" y="3066797"/>
+              <a:ext cx="940839" cy="677900"/>
+            </a:xfrm>
+            <a:prstGeom prst="roundRect">
+              <a:avLst/>
+            </a:prstGeom>
+            <a:solidFill>
+              <a:srgbClr val="F79646">
+                <a:alpha val="20000"/>
+              </a:srgbClr>
+            </a:solidFill>
+            <a:ln>
+              <a:solidFill>
+                <a:srgbClr val="F79646"/>
+              </a:solidFill>
+            </a:ln>
+          </p:spPr>
+          <p:style>
+            <a:lnRef idx="2">
+              <a:schemeClr val="accent6">
+                <a:shade val="50000"/>
+              </a:schemeClr>
+            </a:lnRef>
+            <a:fillRef idx="1">
+              <a:schemeClr val="accent6"/>
+            </a:fillRef>
+            <a:effectRef idx="0">
+              <a:schemeClr val="accent6"/>
+            </a:effectRef>
+            <a:fontRef idx="minor">
+              <a:schemeClr val="lt1"/>
+            </a:fontRef>
+          </p:style>
+          <p:txBody>
+            <a:bodyPr rtlCol="0" anchor="ctr"/>
+            <a:lstStyle/>
+            <a:p>
+              <a:pPr algn="ctr"/>
+              <a:r>
+                <a:rPr lang="en-US" sz="1400" dirty="0">
+                  <a:solidFill>
+                    <a:schemeClr val="tx1"/>
+                  </a:solidFill>
+                </a:rPr>
+                <a:t>n</a:t>
+              </a:r>
+              <a:r>
+                <a:rPr lang="en-US" sz="1400" dirty="0" smtClean="0">
+                  <a:solidFill>
+                    <a:schemeClr val="tx1"/>
+                  </a:solidFill>
+                </a:rPr>
+                <a:t>euron</a:t>
+              </a:r>
+              <a:br>
+                <a:rPr lang="en-US" sz="1400" dirty="0" smtClean="0">
+                  <a:solidFill>
+                    <a:schemeClr val="tx1"/>
+                  </a:solidFill>
+                </a:rPr>
+              </a:br>
+              <a:r>
+                <a:rPr lang="en-US" sz="1400" dirty="0" smtClean="0">
+                  <a:solidFill>
+                    <a:schemeClr val="tx1"/>
+                  </a:solidFill>
+                </a:rPr>
+                <a:t>abs-layer</a:t>
+              </a:r>
+              <a:endParaRPr lang="en-US" sz="1400" dirty="0">
+                <a:solidFill>
+                  <a:schemeClr val="tx1"/>
+                </a:solidFill>
+              </a:endParaRPr>
+            </a:p>
+          </p:txBody>
+        </p:sp>
+        <p:sp>
+          <p:nvSpPr>
+            <p:cNvPr id="84" name="Rounded Rectangle 83"/>
+            <p:cNvSpPr/>
+            <p:nvPr/>
+          </p:nvSpPr>
+          <p:spPr>
+            <a:xfrm>
+              <a:off x="6137289" y="3066797"/>
+              <a:ext cx="940839" cy="677900"/>
+            </a:xfrm>
+            <a:prstGeom prst="roundRect">
+              <a:avLst/>
+            </a:prstGeom>
+            <a:solidFill>
+              <a:srgbClr val="F79646">
+                <a:alpha val="20000"/>
+              </a:srgbClr>
+            </a:solidFill>
+            <a:ln>
+              <a:solidFill>
+                <a:srgbClr val="F79646"/>
+              </a:solidFill>
+            </a:ln>
+          </p:spPr>
+          <p:style>
+            <a:lnRef idx="2">
+              <a:schemeClr val="accent6">
+                <a:shade val="50000"/>
+              </a:schemeClr>
+            </a:lnRef>
+            <a:fillRef idx="1">
+              <a:schemeClr val="accent6"/>
+            </a:fillRef>
+            <a:effectRef idx="0">
+              <a:schemeClr val="accent6"/>
+            </a:effectRef>
+            <a:fontRef idx="minor">
+              <a:schemeClr val="lt1"/>
+            </a:fontRef>
+          </p:style>
+          <p:txBody>
+            <a:bodyPr rtlCol="0" anchor="ctr"/>
+            <a:lstStyle/>
+            <a:p>
+              <a:pPr algn="ctr"/>
+              <a:r>
+                <a:rPr lang="en-US" sz="1400" dirty="0">
+                  <a:solidFill>
+                    <a:schemeClr val="tx1"/>
+                  </a:solidFill>
+                </a:rPr>
+                <a:t>t</a:t>
+              </a:r>
+              <a:r>
+                <a:rPr lang="en-US" sz="1400" dirty="0" smtClean="0">
+                  <a:solidFill>
+                    <a:schemeClr val="tx1"/>
+                  </a:solidFill>
+                </a:rPr>
+                <a:t>arget</a:t>
+              </a:r>
+              <a:br>
+                <a:rPr lang="en-US" sz="1400" dirty="0" smtClean="0">
+                  <a:solidFill>
+                    <a:schemeClr val="tx1"/>
+                  </a:solidFill>
+                </a:rPr>
+              </a:br>
+              <a:r>
+                <a:rPr lang="en-US" sz="1400" dirty="0" smtClean="0">
+                  <a:solidFill>
+                    <a:schemeClr val="tx1"/>
+                  </a:solidFill>
+                </a:rPr>
+                <a:t>abs-layer</a:t>
+              </a:r>
+              <a:endParaRPr lang="en-US" sz="1400" dirty="0">
+                <a:solidFill>
+                  <a:schemeClr val="tx1"/>
+                </a:solidFill>
+              </a:endParaRPr>
+            </a:p>
+          </p:txBody>
+        </p:sp>
+        <p:sp>
+          <p:nvSpPr>
+            <p:cNvPr id="88" name="Rounded Rectangle 87"/>
+            <p:cNvSpPr/>
+            <p:nvPr/>
+          </p:nvSpPr>
+          <p:spPr>
+            <a:xfrm>
+              <a:off x="2113928" y="3981197"/>
+              <a:ext cx="940839" cy="677900"/>
+            </a:xfrm>
+            <a:prstGeom prst="roundRect">
+              <a:avLst/>
+            </a:prstGeom>
+            <a:solidFill>
+              <a:srgbClr val="F79646">
+                <a:alpha val="20000"/>
+              </a:srgbClr>
+            </a:solidFill>
+            <a:ln>
+              <a:solidFill>
+                <a:srgbClr val="F79646"/>
+              </a:solidFill>
+            </a:ln>
+          </p:spPr>
+          <p:style>
+            <a:lnRef idx="2">
+              <a:schemeClr val="accent6">
+                <a:shade val="50000"/>
+              </a:schemeClr>
+            </a:lnRef>
+            <a:fillRef idx="1">
+              <a:schemeClr val="accent6"/>
+            </a:fillRef>
+            <a:effectRef idx="0">
+              <a:schemeClr val="accent6"/>
+            </a:effectRef>
+            <a:fontRef idx="minor">
+              <a:schemeClr val="lt1"/>
+            </a:fontRef>
+          </p:style>
+          <p:txBody>
+            <a:bodyPr rtlCol="0" anchor="ctr"/>
+            <a:lstStyle/>
+            <a:p>
+              <a:pPr algn="ctr"/>
+              <a:r>
+                <a:rPr lang="en-US" sz="1400" dirty="0">
+                  <a:solidFill>
+                    <a:schemeClr val="tx1"/>
+                  </a:solidFill>
+                </a:rPr>
+                <a:t>b</a:t>
+              </a:r>
+              <a:r>
+                <a:rPr lang="en-US" sz="1400" dirty="0" smtClean="0">
+                  <a:solidFill>
+                    <a:schemeClr val="tx1"/>
+                  </a:solidFill>
+                </a:rPr>
+                <a:t>ias</a:t>
+              </a:r>
+              <a:br>
+                <a:rPr lang="en-US" sz="1400" dirty="0" smtClean="0">
+                  <a:solidFill>
+                    <a:schemeClr val="tx1"/>
+                  </a:solidFill>
+                </a:rPr>
+              </a:br>
+              <a:r>
+                <a:rPr lang="en-US" sz="1400" dirty="0" smtClean="0">
+                  <a:solidFill>
+                    <a:schemeClr val="tx1"/>
+                  </a:solidFill>
+                </a:rPr>
+                <a:t>abs-layer</a:t>
+              </a:r>
+              <a:endParaRPr lang="en-US" sz="1400" dirty="0">
+                <a:solidFill>
+                  <a:schemeClr val="tx1"/>
+                </a:solidFill>
+              </a:endParaRPr>
+            </a:p>
+          </p:txBody>
+        </p:sp>
+        <p:sp>
+          <p:nvSpPr>
+            <p:cNvPr id="93" name="Rounded Rectangle 92"/>
+            <p:cNvSpPr/>
+            <p:nvPr/>
+          </p:nvSpPr>
+          <p:spPr>
+            <a:xfrm>
+              <a:off x="3397147" y="3981197"/>
+              <a:ext cx="940839" cy="677900"/>
+            </a:xfrm>
+            <a:prstGeom prst="roundRect">
+              <a:avLst/>
+            </a:prstGeom>
+            <a:solidFill>
+              <a:srgbClr val="F79646">
+                <a:alpha val="20000"/>
+              </a:srgbClr>
+            </a:solidFill>
+            <a:ln>
+              <a:solidFill>
+                <a:srgbClr val="F79646"/>
+              </a:solidFill>
+            </a:ln>
+          </p:spPr>
+          <p:style>
+            <a:lnRef idx="2">
+              <a:schemeClr val="accent6">
+                <a:shade val="50000"/>
+              </a:schemeClr>
+            </a:lnRef>
+            <a:fillRef idx="1">
+              <a:schemeClr val="accent6"/>
+            </a:fillRef>
+            <a:effectRef idx="0">
+              <a:schemeClr val="accent6"/>
+            </a:effectRef>
+            <a:fontRef idx="minor">
+              <a:schemeClr val="lt1"/>
+            </a:fontRef>
+          </p:style>
+          <p:txBody>
+            <a:bodyPr rtlCol="0" anchor="ctr"/>
+            <a:lstStyle/>
+            <a:p>
+              <a:pPr algn="ctr"/>
+              <a:r>
+                <a:rPr lang="en-US" sz="1400" dirty="0">
+                  <a:solidFill>
+                    <a:schemeClr val="tx1"/>
+                  </a:solidFill>
+                </a:rPr>
+                <a:t>w</a:t>
+              </a:r>
+              <a:r>
+                <a:rPr lang="en-US" sz="1400" dirty="0" smtClean="0">
+                  <a:solidFill>
+                    <a:schemeClr val="tx1"/>
+                  </a:solidFill>
+                </a:rPr>
+                <a:t>eight</a:t>
+              </a:r>
+              <a:br>
+                <a:rPr lang="en-US" sz="1400" dirty="0" smtClean="0">
+                  <a:solidFill>
+                    <a:schemeClr val="tx1"/>
+                  </a:solidFill>
+                </a:rPr>
+              </a:br>
+              <a:r>
+                <a:rPr lang="en-US" sz="1400" dirty="0" smtClean="0">
+                  <a:solidFill>
+                    <a:schemeClr val="tx1"/>
+                  </a:solidFill>
+                </a:rPr>
+                <a:t>abs-layer</a:t>
+              </a:r>
+              <a:endParaRPr lang="en-US" sz="1400" dirty="0">
+                <a:solidFill>
+                  <a:schemeClr val="tx1"/>
+                </a:solidFill>
+              </a:endParaRPr>
+            </a:p>
+          </p:txBody>
+        </p:sp>
+        <p:sp>
+          <p:nvSpPr>
+            <p:cNvPr id="95" name="Rounded Rectangle 94"/>
+            <p:cNvSpPr/>
+            <p:nvPr/>
+          </p:nvSpPr>
+          <p:spPr>
+            <a:xfrm>
+              <a:off x="5437748" y="2152397"/>
+              <a:ext cx="940839" cy="677900"/>
+            </a:xfrm>
+            <a:prstGeom prst="roundRect">
+              <a:avLst/>
+            </a:prstGeom>
+            <a:solidFill>
+              <a:srgbClr val="F79646">
+                <a:alpha val="20000"/>
+              </a:srgbClr>
+            </a:solidFill>
+            <a:ln>
+              <a:solidFill>
+                <a:srgbClr val="F79646"/>
+              </a:solidFill>
+            </a:ln>
+          </p:spPr>
+          <p:style>
+            <a:lnRef idx="2">
+              <a:schemeClr val="accent6">
+                <a:shade val="50000"/>
+              </a:schemeClr>
+            </a:lnRef>
+            <a:fillRef idx="1">
+              <a:schemeClr val="accent6"/>
+            </a:fillRef>
+            <a:effectRef idx="0">
+              <a:schemeClr val="accent6"/>
+            </a:effectRef>
+            <a:fontRef idx="minor">
+              <a:schemeClr val="lt1"/>
+            </a:fontRef>
+          </p:style>
+          <p:txBody>
+            <a:bodyPr rtlCol="0" anchor="ctr"/>
+            <a:lstStyle/>
+            <a:p>
+              <a:pPr algn="ctr"/>
+              <a:r>
+                <a:rPr lang="en-US" sz="1400" dirty="0">
+                  <a:solidFill>
+                    <a:schemeClr val="tx1"/>
+                  </a:solidFill>
+                </a:rPr>
+                <a:t>w</a:t>
+              </a:r>
+              <a:r>
+                <a:rPr lang="en-US" sz="1400" dirty="0" smtClean="0">
+                  <a:solidFill>
+                    <a:schemeClr val="tx1"/>
+                  </a:solidFill>
+                </a:rPr>
+                <a:t>eight</a:t>
+              </a:r>
+              <a:br>
+                <a:rPr lang="en-US" sz="1400" dirty="0" smtClean="0">
+                  <a:solidFill>
+                    <a:schemeClr val="tx1"/>
+                  </a:solidFill>
+                </a:rPr>
+              </a:br>
+              <a:r>
+                <a:rPr lang="en-US" sz="1400" dirty="0" smtClean="0">
+                  <a:solidFill>
+                    <a:schemeClr val="tx1"/>
+                  </a:solidFill>
+                </a:rPr>
+                <a:t>abs-layer</a:t>
+              </a:r>
+              <a:endParaRPr lang="en-US" sz="1400" dirty="0">
+                <a:solidFill>
+                  <a:schemeClr val="tx1"/>
+                </a:solidFill>
+              </a:endParaRPr>
+            </a:p>
+          </p:txBody>
+        </p:sp>
+        <p:sp>
+          <p:nvSpPr>
+            <p:cNvPr id="96" name="Rounded Rectangle 95"/>
+            <p:cNvSpPr/>
+            <p:nvPr/>
+          </p:nvSpPr>
+          <p:spPr>
+            <a:xfrm>
+              <a:off x="4079889" y="2152397"/>
+              <a:ext cx="940839" cy="677900"/>
+            </a:xfrm>
+            <a:prstGeom prst="roundRect">
+              <a:avLst/>
+            </a:prstGeom>
+            <a:solidFill>
+              <a:srgbClr val="F79646">
+                <a:alpha val="20000"/>
+              </a:srgbClr>
+            </a:solidFill>
+            <a:ln>
+              <a:solidFill>
+                <a:srgbClr val="F79646"/>
+              </a:solidFill>
+            </a:ln>
+          </p:spPr>
+          <p:style>
+            <a:lnRef idx="2">
+              <a:schemeClr val="accent6">
+                <a:shade val="50000"/>
+              </a:schemeClr>
+            </a:lnRef>
+            <a:fillRef idx="1">
+              <a:schemeClr val="accent6"/>
+            </a:fillRef>
+            <a:effectRef idx="0">
+              <a:schemeClr val="accent6"/>
+            </a:effectRef>
+            <a:fontRef idx="minor">
+              <a:schemeClr val="lt1"/>
+            </a:fontRef>
+          </p:style>
+          <p:txBody>
+            <a:bodyPr rtlCol="0" anchor="ctr"/>
+            <a:lstStyle/>
+            <a:p>
+              <a:pPr algn="ctr"/>
+              <a:r>
+                <a:rPr lang="en-US" sz="1400" dirty="0">
+                  <a:solidFill>
+                    <a:schemeClr val="tx1"/>
+                  </a:solidFill>
+                </a:rPr>
+                <a:t>n</a:t>
+              </a:r>
+              <a:r>
+                <a:rPr lang="en-US" sz="1400" dirty="0" smtClean="0">
+                  <a:solidFill>
+                    <a:schemeClr val="tx1"/>
+                  </a:solidFill>
+                </a:rPr>
+                <a:t>eural</a:t>
+              </a:r>
+              <a:br>
+                <a:rPr lang="en-US" sz="1400" dirty="0" smtClean="0">
+                  <a:solidFill>
+                    <a:schemeClr val="tx1"/>
+                  </a:solidFill>
+                </a:rPr>
+              </a:br>
+              <a:r>
+                <a:rPr lang="en-US" sz="1400" dirty="0" smtClean="0">
+                  <a:solidFill>
+                    <a:schemeClr val="tx1"/>
+                  </a:solidFill>
+                </a:rPr>
+                <a:t>abs-layer</a:t>
+              </a:r>
+              <a:endParaRPr lang="en-US" sz="1400" dirty="0">
+                <a:solidFill>
+                  <a:schemeClr val="tx1"/>
+                </a:solidFill>
+              </a:endParaRPr>
+            </a:p>
+          </p:txBody>
+        </p:sp>
+        <p:cxnSp>
+          <p:nvCxnSpPr>
+            <p:cNvPr id="113" name="Straight Arrow Connector 112"/>
+            <p:cNvCxnSpPr>
+              <a:stCxn id="322" idx="3"/>
+              <a:endCxn id="74" idx="1"/>
+            </p:cNvCxnSpPr>
+            <p:nvPr/>
+          </p:nvCxnSpPr>
+          <p:spPr>
+            <a:xfrm>
+              <a:off x="3054767" y="3405747"/>
+              <a:ext cx="342381" cy="0"/>
+            </a:xfrm>
+            <a:prstGeom prst="straightConnector1">
+              <a:avLst/>
+            </a:prstGeom>
+            <a:ln w="12700">
+              <a:tailEnd type="arrow"/>
+            </a:ln>
+          </p:spPr>
+          <p:style>
+            <a:lnRef idx="1">
+              <a:schemeClr val="accent1"/>
+            </a:lnRef>
+            <a:fillRef idx="0">
+              <a:schemeClr val="accent1"/>
+            </a:fillRef>
+            <a:effectRef idx="0">
+              <a:schemeClr val="accent1"/>
+            </a:effectRef>
+            <a:fontRef idx="minor">
+              <a:schemeClr val="tx1"/>
+            </a:fontRef>
+          </p:style>
+        </p:cxnSp>
+        <p:cxnSp>
+          <p:nvCxnSpPr>
+            <p:cNvPr id="114" name="Straight Arrow Connector 113"/>
+            <p:cNvCxnSpPr>
+              <a:stCxn id="74" idx="3"/>
+              <a:endCxn id="82" idx="1"/>
+            </p:cNvCxnSpPr>
+            <p:nvPr/>
+          </p:nvCxnSpPr>
+          <p:spPr>
+            <a:xfrm>
+              <a:off x="4337987" y="3405747"/>
+              <a:ext cx="424122" cy="0"/>
+            </a:xfrm>
+            <a:prstGeom prst="straightConnector1">
+              <a:avLst/>
+            </a:prstGeom>
+            <a:ln w="12700">
+              <a:tailEnd type="arrow"/>
+            </a:ln>
+          </p:spPr>
+          <p:style>
+            <a:lnRef idx="1">
+              <a:schemeClr val="accent1"/>
+            </a:lnRef>
+            <a:fillRef idx="0">
+              <a:schemeClr val="accent1"/>
+            </a:fillRef>
+            <a:effectRef idx="0">
+              <a:schemeClr val="accent1"/>
+            </a:effectRef>
+            <a:fontRef idx="minor">
+              <a:schemeClr val="tx1"/>
+            </a:fontRef>
+          </p:style>
+        </p:cxnSp>
+        <p:cxnSp>
+          <p:nvCxnSpPr>
+            <p:cNvPr id="115" name="Straight Arrow Connector 114"/>
+            <p:cNvCxnSpPr>
+              <a:stCxn id="82" idx="3"/>
+              <a:endCxn id="84" idx="1"/>
+            </p:cNvCxnSpPr>
+            <p:nvPr/>
+          </p:nvCxnSpPr>
+          <p:spPr>
+            <a:xfrm>
+              <a:off x="5702948" y="3405747"/>
+              <a:ext cx="434341" cy="0"/>
+            </a:xfrm>
+            <a:prstGeom prst="straightConnector1">
+              <a:avLst/>
+            </a:prstGeom>
+            <a:ln w="12700">
+              <a:tailEnd type="arrow"/>
+            </a:ln>
+          </p:spPr>
+          <p:style>
+            <a:lnRef idx="1">
+              <a:schemeClr val="accent1"/>
+            </a:lnRef>
+            <a:fillRef idx="0">
+              <a:schemeClr val="accent1"/>
+            </a:fillRef>
+            <a:effectRef idx="0">
+              <a:schemeClr val="accent1"/>
+            </a:effectRef>
+            <a:fontRef idx="minor">
+              <a:schemeClr val="tx1"/>
+            </a:fontRef>
+          </p:style>
+        </p:cxnSp>
+        <p:cxnSp>
+          <p:nvCxnSpPr>
+            <p:cNvPr id="116" name="Straight Arrow Connector 115"/>
+            <p:cNvCxnSpPr>
+              <a:stCxn id="88" idx="3"/>
+              <a:endCxn id="93" idx="1"/>
+            </p:cNvCxnSpPr>
+            <p:nvPr/>
+          </p:nvCxnSpPr>
+          <p:spPr>
+            <a:xfrm>
+              <a:off x="3054767" y="4320147"/>
+              <a:ext cx="342380" cy="0"/>
+            </a:xfrm>
+            <a:prstGeom prst="straightConnector1">
+              <a:avLst/>
+            </a:prstGeom>
+            <a:ln w="12700">
+              <a:tailEnd type="arrow"/>
+            </a:ln>
+          </p:spPr>
+          <p:style>
+            <a:lnRef idx="1">
+              <a:schemeClr val="accent1"/>
+            </a:lnRef>
+            <a:fillRef idx="0">
+              <a:schemeClr val="accent1"/>
+            </a:fillRef>
+            <a:effectRef idx="0">
+              <a:schemeClr val="accent1"/>
+            </a:effectRef>
+            <a:fontRef idx="minor">
+              <a:schemeClr val="tx1"/>
+            </a:fontRef>
+          </p:style>
+        </p:cxnSp>
+        <p:cxnSp>
+          <p:nvCxnSpPr>
+            <p:cNvPr id="117" name="Straight Arrow Connector 116"/>
+            <p:cNvCxnSpPr>
+              <a:stCxn id="93" idx="3"/>
+              <a:endCxn id="82" idx="2"/>
+            </p:cNvCxnSpPr>
+            <p:nvPr/>
+          </p:nvCxnSpPr>
+          <p:spPr>
+            <a:xfrm flipV="1">
+              <a:off x="4337986" y="3744697"/>
+              <a:ext cx="894543" cy="575450"/>
+            </a:xfrm>
+            <a:prstGeom prst="bentConnector2">
+              <a:avLst/>
+            </a:prstGeom>
+            <a:ln w="12700">
+              <a:tailEnd type="arrow"/>
+            </a:ln>
+          </p:spPr>
+          <p:style>
+            <a:lnRef idx="1">
+              <a:schemeClr val="accent1"/>
+            </a:lnRef>
+            <a:fillRef idx="0">
+              <a:schemeClr val="accent1"/>
+            </a:fillRef>
+            <a:effectRef idx="0">
+              <a:schemeClr val="accent1"/>
+            </a:effectRef>
+            <a:fontRef idx="minor">
+              <a:schemeClr val="tx1"/>
+            </a:fontRef>
+          </p:style>
+        </p:cxnSp>
+        <p:cxnSp>
+          <p:nvCxnSpPr>
+            <p:cNvPr id="119" name="Straight Arrow Connector 118"/>
+            <p:cNvCxnSpPr>
+              <a:stCxn id="82" idx="3"/>
+              <a:endCxn id="95" idx="2"/>
+            </p:cNvCxnSpPr>
+            <p:nvPr/>
+          </p:nvCxnSpPr>
+          <p:spPr>
+            <a:xfrm flipV="1">
+              <a:off x="5702948" y="2830297"/>
+              <a:ext cx="205220" cy="575450"/>
+            </a:xfrm>
+            <a:prstGeom prst="bentConnector2">
+              <a:avLst/>
+            </a:prstGeom>
+            <a:ln w="12700">
+              <a:tailEnd type="arrow"/>
+            </a:ln>
+          </p:spPr>
+          <p:style>
+            <a:lnRef idx="1">
+              <a:schemeClr val="accent1"/>
+            </a:lnRef>
+            <a:fillRef idx="0">
+              <a:schemeClr val="accent1"/>
+            </a:fillRef>
+            <a:effectRef idx="0">
+              <a:schemeClr val="accent1"/>
+            </a:effectRef>
+            <a:fontRef idx="minor">
+              <a:schemeClr val="tx1"/>
+            </a:fontRef>
+          </p:style>
+        </p:cxnSp>
+        <p:cxnSp>
+          <p:nvCxnSpPr>
+            <p:cNvPr id="120" name="Straight Arrow Connector 119"/>
+            <p:cNvCxnSpPr>
+              <a:stCxn id="95" idx="1"/>
+              <a:endCxn id="96" idx="3"/>
+            </p:cNvCxnSpPr>
+            <p:nvPr/>
+          </p:nvCxnSpPr>
+          <p:spPr>
+            <a:xfrm flipH="1">
+              <a:off x="5020728" y="2491347"/>
+              <a:ext cx="417020" cy="0"/>
+            </a:xfrm>
+            <a:prstGeom prst="straightConnector1">
+              <a:avLst/>
+            </a:prstGeom>
+            <a:ln w="12700">
+              <a:tailEnd type="arrow"/>
+            </a:ln>
+          </p:spPr>
+          <p:style>
+            <a:lnRef idx="1">
+              <a:schemeClr val="accent1"/>
+            </a:lnRef>
+            <a:fillRef idx="0">
+              <a:schemeClr val="accent1"/>
+            </a:fillRef>
+            <a:effectRef idx="0">
+              <a:schemeClr val="accent1"/>
+            </a:effectRef>
+            <a:fontRef idx="minor">
+              <a:schemeClr val="tx1"/>
+            </a:fontRef>
+          </p:style>
+        </p:cxnSp>
+        <p:cxnSp>
+          <p:nvCxnSpPr>
+            <p:cNvPr id="124" name="Straight Arrow Connector 123"/>
+            <p:cNvCxnSpPr>
+              <a:stCxn id="96" idx="2"/>
+              <a:endCxn id="82" idx="1"/>
+            </p:cNvCxnSpPr>
+            <p:nvPr/>
+          </p:nvCxnSpPr>
+          <p:spPr>
+            <a:xfrm rot="16200000" flipH="1">
+              <a:off x="4368484" y="3012122"/>
+              <a:ext cx="575450" cy="211800"/>
+            </a:xfrm>
+            <a:prstGeom prst="bentConnector2">
+              <a:avLst/>
+            </a:prstGeom>
+            <a:ln w="12700">
+              <a:tailEnd type="arrow"/>
+            </a:ln>
+          </p:spPr>
+          <p:style>
+            <a:lnRef idx="1">
+              <a:schemeClr val="accent1"/>
+            </a:lnRef>
+            <a:fillRef idx="0">
+              <a:schemeClr val="accent1"/>
+            </a:fillRef>
+            <a:effectRef idx="0">
+              <a:schemeClr val="accent1"/>
+            </a:effectRef>
+            <a:fontRef idx="minor">
+              <a:schemeClr val="tx1"/>
+            </a:fontRef>
+          </p:style>
+        </p:cxnSp>
+        <p:sp>
+          <p:nvSpPr>
+            <p:cNvPr id="25" name="Rectangle 24"/>
+            <p:cNvSpPr/>
+            <p:nvPr/>
+          </p:nvSpPr>
+          <p:spPr>
+            <a:xfrm>
+              <a:off x="2034151" y="3908387"/>
+              <a:ext cx="2385060" cy="1066800"/>
+            </a:xfrm>
+            <a:prstGeom prst="rect">
+              <a:avLst/>
+            </a:prstGeom>
+            <a:noFill/>
+            <a:ln>
+              <a:solidFill>
+                <a:schemeClr val="tx1"/>
+              </a:solidFill>
+              <a:prstDash val="sysDot"/>
+            </a:ln>
+          </p:spPr>
+          <p:style>
+            <a:lnRef idx="2">
+              <a:schemeClr val="accent1">
+                <a:shade val="50000"/>
+              </a:schemeClr>
+            </a:lnRef>
+            <a:fillRef idx="1">
+              <a:schemeClr val="accent1"/>
+            </a:fillRef>
+            <a:effectRef idx="0">
+              <a:schemeClr val="accent1"/>
+            </a:effectRef>
+            <a:fontRef idx="minor">
+              <a:schemeClr val="lt1"/>
+            </a:fontRef>
+          </p:style>
+          <p:txBody>
+            <a:bodyPr rtlCol="0" anchor="ctr"/>
+            <a:lstStyle/>
+            <a:p>
+              <a:pPr algn="ctr"/>
+              <a:endParaRPr lang="en-US"/>
+            </a:p>
+          </p:txBody>
+        </p:sp>
+        <p:sp>
+          <p:nvSpPr>
+            <p:cNvPr id="129" name="TextBox 128"/>
+            <p:cNvSpPr txBox="1"/>
+            <p:nvPr/>
+          </p:nvSpPr>
+          <p:spPr>
+            <a:xfrm>
+              <a:off x="2867621" y="4673786"/>
+              <a:ext cx="716671" cy="293786"/>
+            </a:xfrm>
+            <a:prstGeom prst="rect">
+              <a:avLst/>
+            </a:prstGeom>
+            <a:noFill/>
+          </p:spPr>
+          <p:txBody>
+            <a:bodyPr wrap="none" rtlCol="0">
+              <a:spAutoFit/>
+            </a:bodyPr>
+            <a:lstStyle/>
+            <a:p>
+              <a:pPr algn="ctr"/>
+              <a:r>
+                <a:rPr lang="en-US" sz="1500" dirty="0" smtClean="0"/>
+                <a:t>detach</a:t>
+              </a:r>
+              <a:endParaRPr lang="en-US" sz="1500" dirty="0"/>
+            </a:p>
+          </p:txBody>
+        </p:sp>
+        <p:sp>
+          <p:nvSpPr>
+            <p:cNvPr id="130" name="Rectangle 129"/>
+            <p:cNvSpPr/>
+            <p:nvPr/>
+          </p:nvSpPr>
+          <p:spPr>
+            <a:xfrm>
+              <a:off x="3999127" y="1843367"/>
+              <a:ext cx="2462244" cy="1066800"/>
+            </a:xfrm>
+            <a:prstGeom prst="rect">
+              <a:avLst/>
+            </a:prstGeom>
+            <a:noFill/>
+            <a:ln>
+              <a:solidFill>
+                <a:schemeClr val="tx1"/>
+              </a:solidFill>
+              <a:prstDash val="sysDot"/>
+            </a:ln>
+          </p:spPr>
+          <p:style>
+            <a:lnRef idx="2">
+              <a:schemeClr val="accent1">
+                <a:shade val="50000"/>
+              </a:schemeClr>
+            </a:lnRef>
+            <a:fillRef idx="1">
+              <a:schemeClr val="accent1"/>
+            </a:fillRef>
+            <a:effectRef idx="0">
+              <a:schemeClr val="accent1"/>
+            </a:effectRef>
+            <a:fontRef idx="minor">
+              <a:schemeClr val="lt1"/>
+            </a:fontRef>
+          </p:style>
+          <p:txBody>
+            <a:bodyPr rtlCol="0" anchor="ctr"/>
+            <a:lstStyle/>
+            <a:p>
+              <a:pPr algn="ctr"/>
+              <a:endParaRPr lang="en-US"/>
+            </a:p>
+          </p:txBody>
+        </p:sp>
+        <p:sp>
+          <p:nvSpPr>
+            <p:cNvPr id="131" name="TextBox 130"/>
+            <p:cNvSpPr txBox="1"/>
+            <p:nvPr/>
+          </p:nvSpPr>
+          <p:spPr>
+            <a:xfrm>
+              <a:off x="4893473" y="1843367"/>
+              <a:ext cx="671530" cy="323165"/>
+            </a:xfrm>
+            <a:prstGeom prst="rect">
+              <a:avLst/>
+            </a:prstGeom>
+            <a:noFill/>
+          </p:spPr>
+          <p:txBody>
+            <a:bodyPr wrap="none" rtlCol="0">
+              <a:spAutoFit/>
+            </a:bodyPr>
+            <a:lstStyle/>
+            <a:p>
+              <a:pPr algn="ctr"/>
+              <a:r>
+                <a:rPr lang="en-US" sz="1500" dirty="0" smtClean="0"/>
+                <a:t>attach</a:t>
+              </a:r>
+              <a:endParaRPr lang="en-US" sz="1500" dirty="0"/>
+            </a:p>
+          </p:txBody>
+        </p:sp>
+        <p:sp>
+          <p:nvSpPr>
+            <p:cNvPr id="133" name="TextBox 132"/>
+            <p:cNvSpPr txBox="1"/>
+            <p:nvPr/>
+          </p:nvSpPr>
+          <p:spPr>
+            <a:xfrm>
+              <a:off x="963790" y="3476755"/>
+              <a:ext cx="722121" cy="1015663"/>
+            </a:xfrm>
+            <a:prstGeom prst="rect">
+              <a:avLst/>
+            </a:prstGeom>
+            <a:noFill/>
+          </p:spPr>
+          <p:txBody>
+            <a:bodyPr wrap="none" rtlCol="0">
+              <a:spAutoFit/>
+            </a:bodyPr>
+            <a:lstStyle/>
+            <a:p>
+              <a:pPr algn="ctr"/>
+              <a:r>
+                <a:rPr lang="en-US" sz="1500" dirty="0" smtClean="0"/>
+                <a:t>2-layer</a:t>
+              </a:r>
+              <a:br>
+                <a:rPr lang="en-US" sz="1500" dirty="0" smtClean="0"/>
+              </a:br>
+              <a:r>
+                <a:rPr lang="en-US" sz="1500" dirty="0" smtClean="0"/>
+                <a:t>NN</a:t>
+              </a:r>
+              <a:br>
+                <a:rPr lang="en-US" sz="1500" dirty="0" smtClean="0"/>
+              </a:br>
+              <a:r>
+                <a:rPr lang="en-US" sz="1500" dirty="0" smtClean="0"/>
+                <a:t>with</a:t>
+              </a:r>
+              <a:br>
+                <a:rPr lang="en-US" sz="1500" dirty="0" smtClean="0"/>
+              </a:br>
+              <a:r>
+                <a:rPr lang="en-US" sz="1500" dirty="0" smtClean="0"/>
+                <a:t>bias</a:t>
+              </a:r>
+              <a:endParaRPr lang="en-US" sz="1500" dirty="0"/>
+            </a:p>
+          </p:txBody>
+        </p:sp>
+        <p:cxnSp>
+          <p:nvCxnSpPr>
+            <p:cNvPr id="27" name="Straight Connector 26"/>
+            <p:cNvCxnSpPr/>
+            <p:nvPr/>
+          </p:nvCxnSpPr>
+          <p:spPr>
+            <a:xfrm>
+              <a:off x="1838311" y="2993987"/>
+              <a:ext cx="5314948" cy="0"/>
+            </a:xfrm>
+            <a:prstGeom prst="line">
+              <a:avLst/>
+            </a:prstGeom>
+            <a:noFill/>
+            <a:ln w="19050">
+              <a:solidFill>
+                <a:schemeClr val="bg1">
+                  <a:lumMod val="65000"/>
+                </a:schemeClr>
+              </a:solidFill>
+              <a:prstDash val="solid"/>
+            </a:ln>
+          </p:spPr>
+          <p:style>
+            <a:lnRef idx="2">
+              <a:schemeClr val="accent1">
+                <a:shade val="50000"/>
+              </a:schemeClr>
+            </a:lnRef>
+            <a:fillRef idx="1">
+              <a:schemeClr val="accent1"/>
+            </a:fillRef>
+            <a:effectRef idx="0">
+              <a:schemeClr val="accent1"/>
+            </a:effectRef>
+            <a:fontRef idx="minor">
+              <a:schemeClr val="lt1"/>
+            </a:fontRef>
+          </p:style>
+        </p:cxnSp>
+        <p:cxnSp>
+          <p:nvCxnSpPr>
+            <p:cNvPr id="137" name="Straight Connector 136"/>
+            <p:cNvCxnSpPr/>
+            <p:nvPr/>
+          </p:nvCxnSpPr>
+          <p:spPr>
+            <a:xfrm>
+              <a:off x="1847461" y="3831234"/>
+              <a:ext cx="5307330" cy="0"/>
+            </a:xfrm>
+            <a:prstGeom prst="line">
+              <a:avLst/>
+            </a:prstGeom>
+            <a:noFill/>
+            <a:ln w="19050">
+              <a:solidFill>
+                <a:schemeClr val="bg1">
+                  <a:lumMod val="65000"/>
+                </a:schemeClr>
+              </a:solidFill>
+              <a:prstDash val="solid"/>
+            </a:ln>
+          </p:spPr>
+          <p:style>
+            <a:lnRef idx="2">
+              <a:schemeClr val="accent1">
+                <a:shade val="50000"/>
+              </a:schemeClr>
+            </a:lnRef>
+            <a:fillRef idx="1">
+              <a:schemeClr val="accent1"/>
+            </a:fillRef>
+            <a:effectRef idx="0">
+              <a:schemeClr val="accent1"/>
+            </a:effectRef>
+            <a:fontRef idx="minor">
+              <a:schemeClr val="lt1"/>
+            </a:fontRef>
+          </p:style>
+        </p:cxnSp>
+        <p:sp>
+          <p:nvSpPr>
+            <p:cNvPr id="29" name="Left Brace 28"/>
+            <p:cNvSpPr/>
+            <p:nvPr/>
+          </p:nvSpPr>
+          <p:spPr>
+            <a:xfrm>
+              <a:off x="1533511" y="2993987"/>
+              <a:ext cx="304800" cy="1981200"/>
+            </a:xfrm>
+            <a:prstGeom prst="leftBrace">
+              <a:avLst>
+                <a:gd name="adj1" fmla="val 31250"/>
+                <a:gd name="adj2" fmla="val 50000"/>
+              </a:avLst>
+            </a:prstGeom>
+            <a:ln w="19050">
+              <a:solidFill>
+                <a:schemeClr val="bg1">
+                  <a:lumMod val="65000"/>
+                </a:schemeClr>
+              </a:solidFill>
+            </a:ln>
+          </p:spPr>
+          <p:style>
+            <a:lnRef idx="1">
+              <a:schemeClr val="accent1"/>
+            </a:lnRef>
+            <a:fillRef idx="0">
+              <a:schemeClr val="accent1"/>
+            </a:fillRef>
+            <a:effectRef idx="0">
+              <a:schemeClr val="accent1"/>
+            </a:effectRef>
+            <a:fontRef idx="minor">
+              <a:schemeClr val="tx1"/>
+            </a:fontRef>
+          </p:style>
+          <p:txBody>
+            <a:bodyPr rtlCol="0" anchor="ctr"/>
+            <a:lstStyle/>
+            <a:p>
+              <a:pPr algn="ctr"/>
+              <a:endParaRPr lang="en-US"/>
+            </a:p>
+          </p:txBody>
+        </p:sp>
+        <p:sp>
+          <p:nvSpPr>
+            <p:cNvPr id="143" name="Left Brace 142"/>
+            <p:cNvSpPr/>
+            <p:nvPr/>
+          </p:nvSpPr>
+          <p:spPr>
+            <a:xfrm rot="10800000">
+              <a:off x="7154791" y="1850034"/>
+              <a:ext cx="304800" cy="1981200"/>
+            </a:xfrm>
+            <a:prstGeom prst="leftBrace">
+              <a:avLst>
+                <a:gd name="adj1" fmla="val 31250"/>
+                <a:gd name="adj2" fmla="val 50000"/>
+              </a:avLst>
+            </a:prstGeom>
+            <a:ln w="19050">
+              <a:solidFill>
+                <a:schemeClr val="bg1">
+                  <a:lumMod val="65000"/>
+                </a:schemeClr>
+              </a:solidFill>
+            </a:ln>
+          </p:spPr>
+          <p:style>
+            <a:lnRef idx="1">
+              <a:schemeClr val="accent1"/>
+            </a:lnRef>
+            <a:fillRef idx="0">
+              <a:schemeClr val="accent1"/>
+            </a:fillRef>
+            <a:effectRef idx="0">
+              <a:schemeClr val="accent1"/>
+            </a:effectRef>
+            <a:fontRef idx="minor">
+              <a:schemeClr val="tx1"/>
+            </a:fontRef>
+          </p:style>
+          <p:txBody>
+            <a:bodyPr rtlCol="0" anchor="ctr"/>
+            <a:lstStyle/>
+            <a:p>
+              <a:pPr algn="ctr"/>
+              <a:endParaRPr lang="en-US"/>
+            </a:p>
+          </p:txBody>
+        </p:sp>
+        <p:sp>
+          <p:nvSpPr>
+            <p:cNvPr id="144" name="TextBox 143"/>
+            <p:cNvSpPr txBox="1"/>
+            <p:nvPr/>
+          </p:nvSpPr>
+          <p:spPr>
+            <a:xfrm>
+              <a:off x="7307191" y="2332802"/>
+              <a:ext cx="919932" cy="1015663"/>
+            </a:xfrm>
+            <a:prstGeom prst="rect">
+              <a:avLst/>
+            </a:prstGeom>
+            <a:noFill/>
+          </p:spPr>
+          <p:txBody>
+            <a:bodyPr wrap="none" rtlCol="0">
+              <a:spAutoFit/>
+            </a:bodyPr>
+            <a:lstStyle/>
+            <a:p>
+              <a:pPr algn="ctr"/>
+              <a:r>
+                <a:rPr lang="en-US" sz="1500" dirty="0" smtClean="0"/>
+                <a:t>recurrent</a:t>
+              </a:r>
+              <a:br>
+                <a:rPr lang="en-US" sz="1500" dirty="0" smtClean="0"/>
+              </a:br>
+              <a:r>
+                <a:rPr lang="en-US" sz="1500" dirty="0" smtClean="0"/>
+                <a:t>NN</a:t>
+              </a:r>
+              <a:br>
+                <a:rPr lang="en-US" sz="1500" dirty="0" smtClean="0"/>
+              </a:br>
+              <a:r>
+                <a:rPr lang="en-US" sz="1500" dirty="0" smtClean="0"/>
+                <a:t>without</a:t>
+              </a:r>
+              <a:br>
+                <a:rPr lang="en-US" sz="1500" dirty="0" smtClean="0"/>
+              </a:br>
+              <a:r>
+                <a:rPr lang="en-US" sz="1500" dirty="0" smtClean="0"/>
+                <a:t>bias</a:t>
+              </a:r>
+              <a:endParaRPr lang="en-US" sz="1500" dirty="0"/>
+            </a:p>
+          </p:txBody>
+        </p:sp>
+      </p:grpSp>
+    </p:spTree>
+    <p:extLst>
+      <p:ext uri="{BB962C8B-B14F-4D97-AF65-F5344CB8AC3E}">
+        <p14:creationId xmlns:p14="http://schemas.microsoft.com/office/powerpoint/2010/main" val="185987740"/>
+      </p:ext>
+    </p:extLst>
+  </p:cSld>
+  <p:clrMapOvr>
+    <a:masterClrMapping/>
+  </p:clrMapOvr>
+</p:sld>
+</file>
+
+<file path=ppt/slides/slide8.xml><?xml version="1.0" encoding="utf-8"?>
 <p:sld xmlns:a="http://schemas.openxmlformats.org/drawingml/2006/main" xmlns:r="http://schemas.openxmlformats.org/officeDocument/2006/relationships" xmlns:p="http://schemas.openxmlformats.org/presentationml/2006/main">
   <p:cSld>
     <p:spTree>
@@ -22349,7 +25353,7 @@
 </p:sld>
 </file>
 
-<file path=ppt/slides/slide8.xml><?xml version="1.0" encoding="utf-8"?>
+<file path=ppt/slides/slide9.xml><?xml version="1.0" encoding="utf-8"?>
 <p:sld xmlns:a="http://schemas.openxmlformats.org/drawingml/2006/main" xmlns:r="http://schemas.openxmlformats.org/officeDocument/2006/relationships" xmlns:p="http://schemas.openxmlformats.org/presentationml/2006/main">
   <p:cSld>
     <p:spTree>
@@ -22366,94 +25370,63 @@
           <a:chExt cx="0" cy="0"/>
         </a:xfrm>
       </p:grpSpPr>
+      <p:cxnSp>
+        <p:nvCxnSpPr>
+          <p:cNvPr id="103" name="Straight Arrow Connector 102"/>
+          <p:cNvCxnSpPr/>
+          <p:nvPr/>
+        </p:nvCxnSpPr>
+        <p:spPr>
+          <a:xfrm flipH="1">
+            <a:off x="9448800" y="5081781"/>
+            <a:ext cx="28371" cy="1056072"/>
+          </a:xfrm>
+          <a:prstGeom prst="straightConnector1">
+            <a:avLst/>
+          </a:prstGeom>
+          <a:ln w="19050">
+            <a:tailEnd type="arrow"/>
+          </a:ln>
+        </p:spPr>
+        <p:style>
+          <a:lnRef idx="1">
+            <a:schemeClr val="accent1"/>
+          </a:lnRef>
+          <a:fillRef idx="0">
+            <a:schemeClr val="accent1"/>
+          </a:fillRef>
+          <a:effectRef idx="0">
+            <a:schemeClr val="accent1"/>
+          </a:effectRef>
+          <a:fontRef idx="minor">
+            <a:schemeClr val="tx1"/>
+          </a:fontRef>
+        </p:style>
+      </p:cxnSp>
       <p:grpSp>
         <p:nvGrpSpPr>
-          <p:cNvPr id="10" name="Group 9"/>
+          <p:cNvPr id="162" name="Group 161"/>
           <p:cNvGrpSpPr/>
           <p:nvPr/>
         </p:nvGrpSpPr>
         <p:grpSpPr>
           <a:xfrm>
-            <a:off x="436636" y="-228600"/>
-            <a:ext cx="8050139" cy="7363346"/>
-            <a:chOff x="436636" y="-228600"/>
-            <a:chExt cx="8050139" cy="7363346"/>
+            <a:off x="1917700" y="714317"/>
+            <a:ext cx="4842878" cy="4306466"/>
+            <a:chOff x="1917700" y="714317"/>
+            <a:chExt cx="4842878" cy="4306466"/>
           </a:xfrm>
         </p:grpSpPr>
-        <p:pic>
-          <p:nvPicPr>
-            <p:cNvPr id="2" name="Picture 2"/>
-            <p:cNvPicPr>
-              <a:picLocks noChangeAspect="1" noChangeArrowheads="1"/>
-            </p:cNvPicPr>
-            <p:nvPr/>
-          </p:nvPicPr>
-          <p:blipFill>
-            <a:blip r:embed="rId2">
-              <a:extLst>
-                <a:ext uri="{28A0092B-C50C-407E-A947-70E740481C1C}">
-                  <a14:useLocalDpi xmlns:a14="http://schemas.microsoft.com/office/drawing/2010/main" val="0"/>
-                </a:ext>
-              </a:extLst>
-            </a:blip>
-            <a:srcRect/>
-            <a:stretch>
-              <a:fillRect/>
-            </a:stretch>
-          </p:blipFill>
-          <p:spPr bwMode="auto">
-            <a:xfrm>
-              <a:off x="571500" y="-142875"/>
-              <a:ext cx="7410450" cy="7191375"/>
-            </a:xfrm>
-            <a:prstGeom prst="rect">
-              <a:avLst/>
-            </a:prstGeom>
-            <a:noFill/>
-            <a:ln>
-              <a:noFill/>
-            </a:ln>
-            <a:effectLst/>
-            <a:extLst>
-              <a:ext uri="{909E8E84-426E-40DD-AFC4-6F175D3DCCD1}">
-                <a14:hiddenFill xmlns:a14="http://schemas.microsoft.com/office/drawing/2010/main">
-                  <a:solidFill>
-                    <a:schemeClr val="accent1"/>
-                  </a:solidFill>
-                </a14:hiddenFill>
-              </a:ext>
-              <a:ext uri="{91240B29-F687-4F45-9708-019B960494DF}">
-                <a14:hiddenLine xmlns:a14="http://schemas.microsoft.com/office/drawing/2010/main" w="9525">
-                  <a:solidFill>
-                    <a:schemeClr val="tx1"/>
-                  </a:solidFill>
-                  <a:miter lim="800000"/>
-                  <a:headEnd/>
-                  <a:tailEnd/>
-                </a14:hiddenLine>
-              </a:ext>
-              <a:ext uri="{AF507438-7753-43E0-B8FC-AC1667EBCBE1}">
-                <a14:hiddenEffects xmlns:a14="http://schemas.microsoft.com/office/drawing/2010/main">
-                  <a:effectLst>
-                    <a:outerShdw dist="35921" dir="2700000" algn="ctr" rotWithShape="0">
-                      <a:schemeClr val="bg2"/>
-                    </a:outerShdw>
-                  </a:effectLst>
-                </a14:hiddenEffects>
-              </a:ext>
-            </a:extLst>
-          </p:spPr>
-        </p:pic>
         <p:sp>
           <p:nvSpPr>
-            <p:cNvPr id="4" name="Rounded Rectangle 3"/>
+            <p:cNvPr id="59" name="Rounded Rectangle 58"/>
             <p:cNvSpPr/>
             <p:nvPr/>
           </p:nvSpPr>
           <p:spPr>
             <a:xfrm>
-              <a:off x="436636" y="2659964"/>
-              <a:ext cx="2171700" cy="2845486"/>
+              <a:off x="2679660" y="1524000"/>
+              <a:ext cx="1403278" cy="374549"/>
             </a:xfrm>
             <a:prstGeom prst="roundRect">
               <a:avLst/>
@@ -22490,20 +25463,272 @@
             <a:lstStyle/>
             <a:p>
               <a:pPr algn="ctr"/>
-              <a:endParaRPr lang="en-US" dirty="0"/>
+              <a:r>
+                <a:rPr lang="en-US" sz="1600" dirty="0" smtClean="0">
+                  <a:solidFill>
+                    <a:schemeClr val="tx1"/>
+                  </a:solidFill>
+                </a:rPr>
+                <a:t>c</a:t>
+              </a:r>
+              <a:r>
+                <a:rPr lang="en-US" sz="1600" dirty="0" smtClean="0">
+                  <a:solidFill>
+                    <a:schemeClr val="tx1"/>
+                  </a:solidFill>
+                </a:rPr>
+                <a:t>ompile code</a:t>
+              </a:r>
+              <a:endParaRPr lang="en-US" sz="1600" dirty="0">
+                <a:solidFill>
+                  <a:schemeClr val="tx1"/>
+                </a:solidFill>
+              </a:endParaRPr>
             </a:p>
           </p:txBody>
         </p:sp>
         <p:sp>
           <p:nvSpPr>
-            <p:cNvPr id="6" name="Rounded Rectangle 5"/>
+            <p:cNvPr id="60" name="TextBox 59"/>
+            <p:cNvSpPr txBox="1"/>
+            <p:nvPr/>
+          </p:nvSpPr>
+          <p:spPr>
+            <a:xfrm>
+              <a:off x="4917676" y="714317"/>
+              <a:ext cx="1356397" cy="584775"/>
+            </a:xfrm>
+            <a:prstGeom prst="rect">
+              <a:avLst/>
+            </a:prstGeom>
+            <a:noFill/>
+          </p:spPr>
+          <p:txBody>
+            <a:bodyPr wrap="none" rtlCol="0">
+              <a:spAutoFit/>
+            </a:bodyPr>
+            <a:lstStyle/>
+            <a:p>
+              <a:pPr algn="ctr"/>
+              <a:r>
+                <a:rPr lang="en-US" sz="1600" dirty="0" smtClean="0"/>
+                <a:t>c</a:t>
+              </a:r>
+              <a:r>
+                <a:rPr lang="en-US" sz="1600" dirty="0" smtClean="0"/>
+                <a:t>ompile-time</a:t>
+              </a:r>
+              <a:br>
+                <a:rPr lang="en-US" sz="1600" dirty="0" smtClean="0"/>
+              </a:br>
+              <a:r>
+                <a:rPr lang="en-US" sz="1600" dirty="0" smtClean="0"/>
+                <a:t>generalization</a:t>
+              </a:r>
+              <a:endParaRPr lang="en-US" sz="1600" dirty="0" smtClean="0"/>
+            </a:p>
+          </p:txBody>
+        </p:sp>
+        <p:cxnSp>
+          <p:nvCxnSpPr>
+            <p:cNvPr id="7" name="Straight Connector 6"/>
+            <p:cNvCxnSpPr/>
+            <p:nvPr/>
+          </p:nvCxnSpPr>
+          <p:spPr>
+            <a:xfrm>
+              <a:off x="4673600" y="812800"/>
+              <a:ext cx="0" cy="4140200"/>
+            </a:xfrm>
+            <a:prstGeom prst="line">
+              <a:avLst/>
+            </a:prstGeom>
+            <a:ln w="19050">
+              <a:solidFill>
+                <a:schemeClr val="tx1"/>
+              </a:solidFill>
+              <a:prstDash val="sysDot"/>
+            </a:ln>
+          </p:spPr>
+          <p:style>
+            <a:lnRef idx="1">
+              <a:schemeClr val="accent1"/>
+            </a:lnRef>
+            <a:fillRef idx="0">
+              <a:schemeClr val="accent1"/>
+            </a:fillRef>
+            <a:effectRef idx="0">
+              <a:schemeClr val="accent1"/>
+            </a:effectRef>
+            <a:fontRef idx="minor">
+              <a:schemeClr val="tx1"/>
+            </a:fontRef>
+          </p:style>
+        </p:cxnSp>
+        <p:sp>
+          <p:nvSpPr>
+            <p:cNvPr id="76" name="TextBox 75"/>
+            <p:cNvSpPr txBox="1"/>
+            <p:nvPr/>
+          </p:nvSpPr>
+          <p:spPr>
+            <a:xfrm>
+              <a:off x="2703100" y="714318"/>
+              <a:ext cx="1356397" cy="584775"/>
+            </a:xfrm>
+            <a:prstGeom prst="rect">
+              <a:avLst/>
+            </a:prstGeom>
+            <a:noFill/>
+          </p:spPr>
+          <p:txBody>
+            <a:bodyPr wrap="none" rtlCol="0">
+              <a:spAutoFit/>
+            </a:bodyPr>
+            <a:lstStyle/>
+            <a:p>
+              <a:pPr algn="ctr"/>
+              <a:r>
+                <a:rPr lang="en-US" sz="1600" dirty="0" smtClean="0"/>
+                <a:t>run</a:t>
+              </a:r>
+              <a:r>
+                <a:rPr lang="en-US" sz="1600" dirty="0" smtClean="0"/>
+                <a:t>-time</a:t>
+              </a:r>
+              <a:br>
+                <a:rPr lang="en-US" sz="1600" dirty="0" smtClean="0"/>
+              </a:br>
+              <a:r>
+                <a:rPr lang="en-US" sz="1600" dirty="0" smtClean="0"/>
+                <a:t>generalization</a:t>
+              </a:r>
+              <a:endParaRPr lang="en-US" sz="1600" dirty="0" smtClean="0"/>
+            </a:p>
+          </p:txBody>
+        </p:sp>
+        <p:cxnSp>
+          <p:nvCxnSpPr>
+            <p:cNvPr id="77" name="Straight Connector 76"/>
+            <p:cNvCxnSpPr/>
+            <p:nvPr/>
+          </p:nvCxnSpPr>
+          <p:spPr>
+            <a:xfrm>
+              <a:off x="1993900" y="2409825"/>
+              <a:ext cx="4766678" cy="0"/>
+            </a:xfrm>
+            <a:prstGeom prst="line">
+              <a:avLst/>
+            </a:prstGeom>
+            <a:ln w="19050">
+              <a:solidFill>
+                <a:schemeClr val="tx1"/>
+              </a:solidFill>
+              <a:prstDash val="sysDot"/>
+            </a:ln>
+          </p:spPr>
+          <p:style>
+            <a:lnRef idx="1">
+              <a:schemeClr val="accent1"/>
+            </a:lnRef>
+            <a:fillRef idx="0">
+              <a:schemeClr val="accent1"/>
+            </a:fillRef>
+            <a:effectRef idx="0">
+              <a:schemeClr val="accent1"/>
+            </a:effectRef>
+            <a:fontRef idx="minor">
+              <a:schemeClr val="tx1"/>
+            </a:fontRef>
+          </p:style>
+        </p:cxnSp>
+        <p:sp>
+          <p:nvSpPr>
+            <p:cNvPr id="106" name="TextBox 105"/>
+            <p:cNvSpPr txBox="1"/>
+            <p:nvPr/>
+          </p:nvSpPr>
+          <p:spPr>
+            <a:xfrm rot="16200000">
+              <a:off x="1713862" y="1593461"/>
+              <a:ext cx="992451" cy="584775"/>
+            </a:xfrm>
+            <a:prstGeom prst="rect">
+              <a:avLst/>
+            </a:prstGeom>
+            <a:noFill/>
+          </p:spPr>
+          <p:txBody>
+            <a:bodyPr wrap="none" rtlCol="0">
+              <a:spAutoFit/>
+            </a:bodyPr>
+            <a:lstStyle/>
+            <a:p>
+              <a:pPr algn="ctr"/>
+              <a:r>
+                <a:rPr lang="en-US" sz="1600" dirty="0" smtClean="0"/>
+                <a:t>compiling</a:t>
+              </a:r>
+              <a:br>
+                <a:rPr lang="en-US" sz="1600" dirty="0" smtClean="0"/>
+              </a:br>
+              <a:r>
+                <a:rPr lang="en-US" sz="1600" dirty="0" smtClean="0"/>
+                <a:t>period</a:t>
+              </a:r>
+              <a:endParaRPr lang="en-US" sz="1600" dirty="0" smtClean="0"/>
+            </a:p>
+          </p:txBody>
+        </p:sp>
+        <p:sp>
+          <p:nvSpPr>
+            <p:cNvPr id="107" name="TextBox 106"/>
+            <p:cNvSpPr txBox="1"/>
+            <p:nvPr/>
+          </p:nvSpPr>
+          <p:spPr>
+            <a:xfrm rot="16200000">
+              <a:off x="1795551" y="3062097"/>
+              <a:ext cx="829073" cy="584775"/>
+            </a:xfrm>
+            <a:prstGeom prst="rect">
+              <a:avLst/>
+            </a:prstGeom>
+            <a:noFill/>
+          </p:spPr>
+          <p:txBody>
+            <a:bodyPr wrap="none" rtlCol="0">
+              <a:spAutoFit/>
+            </a:bodyPr>
+            <a:lstStyle/>
+            <a:p>
+              <a:pPr algn="ctr"/>
+              <a:r>
+                <a:rPr lang="en-US" sz="1600" dirty="0" smtClean="0"/>
+                <a:t>running</a:t>
+              </a:r>
+              <a:br>
+                <a:rPr lang="en-US" sz="1600" dirty="0" smtClean="0"/>
+              </a:br>
+              <a:r>
+                <a:rPr lang="en-US" sz="1600" dirty="0" smtClean="0"/>
+                <a:t>period</a:t>
+              </a:r>
+              <a:endParaRPr lang="en-US" sz="1600" dirty="0" smtClean="0"/>
+            </a:p>
+          </p:txBody>
+        </p:sp>
+        <p:sp>
+          <p:nvSpPr>
+            <p:cNvPr id="142" name="Rounded Rectangle 141"/>
             <p:cNvSpPr/>
             <p:nvPr/>
           </p:nvSpPr>
           <p:spPr>
             <a:xfrm>
-              <a:off x="4448022" y="5432947"/>
-              <a:ext cx="4038753" cy="1701799"/>
+              <a:off x="4876800" y="1523999"/>
+              <a:ext cx="1403278" cy="374549"/>
             </a:xfrm>
             <a:prstGeom prst="roundRect">
               <a:avLst/>
@@ -22540,88 +25765,40 @@
             <a:lstStyle/>
             <a:p>
               <a:pPr algn="ctr"/>
-              <a:endParaRPr lang="en-US" dirty="0"/>
+              <a:r>
+                <a:rPr lang="en-US" sz="1600" dirty="0" smtClean="0">
+                  <a:solidFill>
+                    <a:schemeClr val="tx1"/>
+                  </a:solidFill>
+                </a:rPr>
+                <a:t>c</a:t>
+              </a:r>
+              <a:r>
+                <a:rPr lang="en-US" sz="1600" dirty="0" smtClean="0">
+                  <a:solidFill>
+                    <a:schemeClr val="tx1"/>
+                  </a:solidFill>
+                </a:rPr>
+                <a:t>ompile code</a:t>
+              </a:r>
+              <a:endParaRPr lang="en-US" sz="1600" dirty="0">
+                <a:solidFill>
+                  <a:schemeClr val="tx1"/>
+                </a:solidFill>
+              </a:endParaRPr>
             </a:p>
           </p:txBody>
         </p:sp>
         <p:sp>
           <p:nvSpPr>
-            <p:cNvPr id="5" name="TextBox 4"/>
-            <p:cNvSpPr txBox="1"/>
-            <p:nvPr/>
-          </p:nvSpPr>
-          <p:spPr>
-            <a:xfrm>
-              <a:off x="7610475" y="5895796"/>
-              <a:ext cx="864508" cy="1200329"/>
-            </a:xfrm>
-            <a:prstGeom prst="rect">
-              <a:avLst/>
-            </a:prstGeom>
-            <a:noFill/>
-          </p:spPr>
-          <p:txBody>
-            <a:bodyPr wrap="square" rtlCol="0">
-              <a:spAutoFit/>
-            </a:bodyPr>
-            <a:lstStyle/>
-            <a:p>
-              <a:r>
-                <a:rPr lang="en-US" sz="1200" dirty="0" smtClean="0"/>
-                <a:t>topology</a:t>
-              </a:r>
-              <a:br>
-                <a:rPr lang="en-US" sz="1200" dirty="0" smtClean="0"/>
-              </a:br>
-              <a:r>
-                <a:rPr lang="en-US" sz="1200" dirty="0" smtClean="0"/>
-                <a:t>module</a:t>
-              </a:r>
-              <a:r>
-                <a:rPr lang="en-US" sz="1200" dirty="0" smtClean="0"/>
-                <a:t>:</a:t>
-              </a:r>
-            </a:p>
-            <a:p>
-              <a:r>
-                <a:rPr lang="en-US" sz="1200" i="1" dirty="0" smtClean="0"/>
-                <a:t>scalable</a:t>
-              </a:r>
-              <a:br>
-                <a:rPr lang="en-US" sz="1200" i="1" dirty="0" smtClean="0"/>
-              </a:br>
-              <a:r>
-                <a:rPr lang="en-US" sz="1200" i="1" dirty="0" smtClean="0"/>
-                <a:t>for other</a:t>
-              </a:r>
-              <a:br>
-                <a:rPr lang="en-US" sz="1200" i="1" dirty="0" smtClean="0"/>
-              </a:br>
-              <a:r>
-                <a:rPr lang="en-US" sz="1200" i="1" dirty="0" smtClean="0"/>
-                <a:t>network</a:t>
-              </a:r>
-              <a:br>
-                <a:rPr lang="en-US" sz="1200" i="1" dirty="0" smtClean="0"/>
-              </a:br>
-              <a:r>
-                <a:rPr lang="en-US" sz="1200" i="1" dirty="0" smtClean="0"/>
-                <a:t>topologies</a:t>
-              </a:r>
-              <a:endParaRPr lang="en-US" sz="1200" i="1" dirty="0"/>
-            </a:p>
-          </p:txBody>
-        </p:sp>
-        <p:sp>
-          <p:nvSpPr>
-            <p:cNvPr id="8" name="Rounded Rectangle 7"/>
+            <p:cNvPr id="143" name="Rounded Rectangle 142"/>
             <p:cNvSpPr/>
             <p:nvPr/>
           </p:nvSpPr>
           <p:spPr>
             <a:xfrm>
-              <a:off x="4114800" y="-228600"/>
-              <a:ext cx="4371975" cy="5661547"/>
+              <a:off x="4876800" y="1898548"/>
+              <a:ext cx="1403278" cy="374549"/>
             </a:xfrm>
             <a:prstGeom prst="roundRect">
               <a:avLst/>
@@ -22658,20 +25835,536 @@
             <a:lstStyle/>
             <a:p>
               <a:pPr algn="ctr"/>
-              <a:endParaRPr lang="en-US" dirty="0"/>
+              <a:r>
+                <a:rPr lang="en-US" sz="1600" dirty="0">
+                  <a:solidFill>
+                    <a:schemeClr val="tx1"/>
+                  </a:solidFill>
+                </a:rPr>
+                <a:t>d</a:t>
+              </a:r>
+              <a:r>
+                <a:rPr lang="en-US" sz="1600" dirty="0" smtClean="0">
+                  <a:solidFill>
+                    <a:schemeClr val="tx1"/>
+                  </a:solidFill>
+                </a:rPr>
+                <a:t>educe type</a:t>
+              </a:r>
+              <a:endParaRPr lang="en-US" sz="1600" dirty="0">
+                <a:solidFill>
+                  <a:schemeClr val="tx1"/>
+                </a:solidFill>
+              </a:endParaRPr>
             </a:p>
           </p:txBody>
         </p:sp>
         <p:sp>
           <p:nvSpPr>
-            <p:cNvPr id="7" name="TextBox 6"/>
+            <p:cNvPr id="144" name="Rounded Rectangle 143"/>
+            <p:cNvSpPr/>
+            <p:nvPr/>
+          </p:nvSpPr>
+          <p:spPr>
+            <a:xfrm>
+              <a:off x="4876800" y="2965348"/>
+              <a:ext cx="1403278" cy="374549"/>
+            </a:xfrm>
+            <a:prstGeom prst="roundRect">
+              <a:avLst/>
+            </a:prstGeom>
+            <a:solidFill>
+              <a:srgbClr val="F79646">
+                <a:alpha val="20000"/>
+              </a:srgbClr>
+            </a:solidFill>
+            <a:ln>
+              <a:solidFill>
+                <a:srgbClr val="F79646"/>
+              </a:solidFill>
+            </a:ln>
+          </p:spPr>
+          <p:style>
+            <a:lnRef idx="2">
+              <a:schemeClr val="accent6">
+                <a:shade val="50000"/>
+              </a:schemeClr>
+            </a:lnRef>
+            <a:fillRef idx="1">
+              <a:schemeClr val="accent6"/>
+            </a:fillRef>
+            <a:effectRef idx="0">
+              <a:schemeClr val="accent6"/>
+            </a:effectRef>
+            <a:fontRef idx="minor">
+              <a:schemeClr val="lt1"/>
+            </a:fontRef>
+          </p:style>
+          <p:txBody>
+            <a:bodyPr rtlCol="0" anchor="ctr"/>
+            <a:lstStyle/>
+            <a:p>
+              <a:pPr algn="ctr"/>
+              <a:r>
+                <a:rPr lang="en-US" sz="1600" dirty="0">
+                  <a:solidFill>
+                    <a:schemeClr val="tx1"/>
+                  </a:solidFill>
+                </a:rPr>
+                <a:t>r</a:t>
+              </a:r>
+              <a:r>
+                <a:rPr lang="en-US" sz="1600" dirty="0" smtClean="0">
+                  <a:solidFill>
+                    <a:schemeClr val="tx1"/>
+                  </a:solidFill>
+                </a:rPr>
+                <a:t>un code</a:t>
+              </a:r>
+              <a:endParaRPr lang="en-US" sz="1600" dirty="0">
+                <a:solidFill>
+                  <a:schemeClr val="tx1"/>
+                </a:solidFill>
+              </a:endParaRPr>
+            </a:p>
+          </p:txBody>
+        </p:sp>
+        <p:sp>
+          <p:nvSpPr>
+            <p:cNvPr id="145" name="Rounded Rectangle 144"/>
+            <p:cNvSpPr/>
+            <p:nvPr/>
+          </p:nvSpPr>
+          <p:spPr>
+            <a:xfrm>
+              <a:off x="2679660" y="2965349"/>
+              <a:ext cx="1403278" cy="374549"/>
+            </a:xfrm>
+            <a:prstGeom prst="roundRect">
+              <a:avLst/>
+            </a:prstGeom>
+            <a:solidFill>
+              <a:srgbClr val="F79646">
+                <a:alpha val="20000"/>
+              </a:srgbClr>
+            </a:solidFill>
+            <a:ln>
+              <a:solidFill>
+                <a:srgbClr val="F79646"/>
+              </a:solidFill>
+            </a:ln>
+          </p:spPr>
+          <p:style>
+            <a:lnRef idx="2">
+              <a:schemeClr val="accent6">
+                <a:shade val="50000"/>
+              </a:schemeClr>
+            </a:lnRef>
+            <a:fillRef idx="1">
+              <a:schemeClr val="accent6"/>
+            </a:fillRef>
+            <a:effectRef idx="0">
+              <a:schemeClr val="accent6"/>
+            </a:effectRef>
+            <a:fontRef idx="minor">
+              <a:schemeClr val="lt1"/>
+            </a:fontRef>
+          </p:style>
+          <p:txBody>
+            <a:bodyPr rtlCol="0" anchor="ctr"/>
+            <a:lstStyle/>
+            <a:p>
+              <a:pPr algn="ctr"/>
+              <a:r>
+                <a:rPr lang="en-US" sz="1600" dirty="0" smtClean="0">
+                  <a:solidFill>
+                    <a:schemeClr val="tx1"/>
+                  </a:solidFill>
+                </a:rPr>
+                <a:t>c</a:t>
+              </a:r>
+              <a:r>
+                <a:rPr lang="en-US" sz="1600" dirty="0" smtClean="0">
+                  <a:solidFill>
+                    <a:schemeClr val="tx1"/>
+                  </a:solidFill>
+                </a:rPr>
+                <a:t>ompile code</a:t>
+              </a:r>
+              <a:endParaRPr lang="en-US" sz="1600" dirty="0">
+                <a:solidFill>
+                  <a:schemeClr val="tx1"/>
+                </a:solidFill>
+              </a:endParaRPr>
+            </a:p>
+          </p:txBody>
+        </p:sp>
+        <p:sp>
+          <p:nvSpPr>
+            <p:cNvPr id="151" name="Rounded Rectangle 150"/>
+            <p:cNvSpPr/>
+            <p:nvPr/>
+          </p:nvSpPr>
+          <p:spPr>
+            <a:xfrm>
+              <a:off x="2679660" y="3339898"/>
+              <a:ext cx="1403278" cy="374549"/>
+            </a:xfrm>
+            <a:prstGeom prst="roundRect">
+              <a:avLst/>
+            </a:prstGeom>
+            <a:solidFill>
+              <a:srgbClr val="F79646">
+                <a:alpha val="20000"/>
+              </a:srgbClr>
+            </a:solidFill>
+            <a:ln>
+              <a:solidFill>
+                <a:srgbClr val="F79646"/>
+              </a:solidFill>
+            </a:ln>
+          </p:spPr>
+          <p:style>
+            <a:lnRef idx="2">
+              <a:schemeClr val="accent6">
+                <a:shade val="50000"/>
+              </a:schemeClr>
+            </a:lnRef>
+            <a:fillRef idx="1">
+              <a:schemeClr val="accent6"/>
+            </a:fillRef>
+            <a:effectRef idx="0">
+              <a:schemeClr val="accent6"/>
+            </a:effectRef>
+            <a:fontRef idx="minor">
+              <a:schemeClr val="lt1"/>
+            </a:fontRef>
+          </p:style>
+          <p:txBody>
+            <a:bodyPr rtlCol="0" anchor="ctr"/>
+            <a:lstStyle/>
+            <a:p>
+              <a:pPr algn="ctr"/>
+              <a:r>
+                <a:rPr lang="en-US" sz="1600" dirty="0">
+                  <a:solidFill>
+                    <a:schemeClr val="tx1"/>
+                  </a:solidFill>
+                </a:rPr>
+                <a:t>d</a:t>
+              </a:r>
+              <a:r>
+                <a:rPr lang="en-US" sz="1600" dirty="0" smtClean="0">
+                  <a:solidFill>
+                    <a:schemeClr val="tx1"/>
+                  </a:solidFill>
+                </a:rPr>
+                <a:t>educe type</a:t>
+              </a:r>
+              <a:endParaRPr lang="en-US" sz="1600" dirty="0">
+                <a:solidFill>
+                  <a:schemeClr val="tx1"/>
+                </a:solidFill>
+              </a:endParaRPr>
+            </a:p>
+          </p:txBody>
+        </p:sp>
+        <p:cxnSp>
+          <p:nvCxnSpPr>
+            <p:cNvPr id="152" name="Straight Arrow Connector 151"/>
+            <p:cNvCxnSpPr>
+              <a:stCxn id="111" idx="4"/>
+              <a:endCxn id="145" idx="0"/>
+            </p:cNvCxnSpPr>
+            <p:nvPr/>
+          </p:nvCxnSpPr>
+          <p:spPr>
+            <a:xfrm>
+              <a:off x="3381299" y="2749448"/>
+              <a:ext cx="0" cy="215901"/>
+            </a:xfrm>
+            <a:prstGeom prst="straightConnector1">
+              <a:avLst/>
+            </a:prstGeom>
+            <a:ln w="19050">
+              <a:tailEnd type="arrow"/>
+            </a:ln>
+          </p:spPr>
+          <p:style>
+            <a:lnRef idx="1">
+              <a:schemeClr val="accent1"/>
+            </a:lnRef>
+            <a:fillRef idx="0">
+              <a:schemeClr val="accent1"/>
+            </a:fillRef>
+            <a:effectRef idx="0">
+              <a:schemeClr val="accent1"/>
+            </a:effectRef>
+            <a:fontRef idx="minor">
+              <a:schemeClr val="tx1"/>
+            </a:fontRef>
+          </p:style>
+        </p:cxnSp>
+        <p:cxnSp>
+          <p:nvCxnSpPr>
+            <p:cNvPr id="40" name="Elbow Connector 39"/>
+            <p:cNvCxnSpPr>
+              <a:stCxn id="151" idx="2"/>
+              <a:endCxn id="111" idx="6"/>
+            </p:cNvCxnSpPr>
+            <p:nvPr/>
+          </p:nvCxnSpPr>
+          <p:spPr>
+            <a:xfrm rot="5400000" flipH="1" flipV="1">
+              <a:off x="2898799" y="3197074"/>
+              <a:ext cx="999873" cy="34874"/>
+            </a:xfrm>
+            <a:prstGeom prst="bentConnector4">
+              <a:avLst>
+                <a:gd name="adj1" fmla="val -38105"/>
+                <a:gd name="adj2" fmla="val 2667428"/>
+              </a:avLst>
+            </a:prstGeom>
+            <a:ln w="19050">
+              <a:tailEnd type="arrow"/>
+            </a:ln>
+          </p:spPr>
+          <p:style>
+            <a:lnRef idx="1">
+              <a:schemeClr val="accent1"/>
+            </a:lnRef>
+            <a:fillRef idx="0">
+              <a:schemeClr val="accent1"/>
+            </a:fillRef>
+            <a:effectRef idx="0">
+              <a:schemeClr val="accent1"/>
+            </a:effectRef>
+            <a:fontRef idx="minor">
+              <a:schemeClr val="tx1"/>
+            </a:fontRef>
+          </p:style>
+        </p:cxnSp>
+        <p:sp>
+          <p:nvSpPr>
+            <p:cNvPr id="111" name="Oval 110"/>
+            <p:cNvSpPr/>
+            <p:nvPr/>
+          </p:nvSpPr>
+          <p:spPr>
+            <a:xfrm>
+              <a:off x="3346425" y="2679700"/>
+              <a:ext cx="69748" cy="69748"/>
+            </a:xfrm>
+            <a:prstGeom prst="ellipse">
+              <a:avLst/>
+            </a:prstGeom>
+            <a:solidFill>
+              <a:srgbClr val="F79646">
+                <a:alpha val="20000"/>
+              </a:srgbClr>
+            </a:solidFill>
+            <a:ln>
+              <a:noFill/>
+            </a:ln>
+          </p:spPr>
+          <p:style>
+            <a:lnRef idx="2">
+              <a:schemeClr val="accent6">
+                <a:shade val="50000"/>
+              </a:schemeClr>
+            </a:lnRef>
+            <a:fillRef idx="1">
+              <a:schemeClr val="accent6"/>
+            </a:fillRef>
+            <a:effectRef idx="0">
+              <a:schemeClr val="accent6"/>
+            </a:effectRef>
+            <a:fontRef idx="minor">
+              <a:schemeClr val="lt1"/>
+            </a:fontRef>
+          </p:style>
+          <p:txBody>
+            <a:bodyPr rtlCol="0" anchor="ctr"/>
+            <a:lstStyle/>
+            <a:p>
+              <a:pPr algn="ctr"/>
+              <a:endParaRPr lang="en-US" sz="1600">
+                <a:solidFill>
+                  <a:schemeClr val="tx1"/>
+                </a:solidFill>
+              </a:endParaRPr>
+            </a:p>
+          </p:txBody>
+        </p:sp>
+        <p:sp>
+          <p:nvSpPr>
+            <p:cNvPr id="176" name="Oval 175"/>
+            <p:cNvSpPr/>
+            <p:nvPr/>
+          </p:nvSpPr>
+          <p:spPr>
+            <a:xfrm>
+              <a:off x="3346425" y="2514600"/>
+              <a:ext cx="69748" cy="69748"/>
+            </a:xfrm>
+            <a:prstGeom prst="ellipse">
+              <a:avLst/>
+            </a:prstGeom>
+            <a:solidFill>
+              <a:srgbClr val="F79646">
+                <a:alpha val="20000"/>
+              </a:srgbClr>
+            </a:solidFill>
+            <a:ln>
+              <a:noFill/>
+            </a:ln>
+          </p:spPr>
+          <p:style>
+            <a:lnRef idx="2">
+              <a:schemeClr val="accent6">
+                <a:shade val="50000"/>
+              </a:schemeClr>
+            </a:lnRef>
+            <a:fillRef idx="1">
+              <a:schemeClr val="accent6"/>
+            </a:fillRef>
+            <a:effectRef idx="0">
+              <a:schemeClr val="accent6"/>
+            </a:effectRef>
+            <a:fontRef idx="minor">
+              <a:schemeClr val="lt1"/>
+            </a:fontRef>
+          </p:style>
+          <p:txBody>
+            <a:bodyPr rtlCol="0" anchor="ctr"/>
+            <a:lstStyle/>
+            <a:p>
+              <a:pPr algn="ctr"/>
+              <a:endParaRPr lang="en-US" sz="1600">
+                <a:solidFill>
+                  <a:schemeClr val="tx1"/>
+                </a:solidFill>
+              </a:endParaRPr>
+            </a:p>
+          </p:txBody>
+        </p:sp>
+        <p:cxnSp>
+          <p:nvCxnSpPr>
+            <p:cNvPr id="177" name="Elbow Connector 176"/>
+            <p:cNvCxnSpPr>
+              <a:stCxn id="151" idx="2"/>
+              <a:endCxn id="176" idx="6"/>
+            </p:cNvCxnSpPr>
+            <p:nvPr/>
+          </p:nvCxnSpPr>
+          <p:spPr>
+            <a:xfrm rot="5400000" flipH="1" flipV="1">
+              <a:off x="2816249" y="3114524"/>
+              <a:ext cx="1164973" cy="34874"/>
+            </a:xfrm>
+            <a:prstGeom prst="bentConnector4">
+              <a:avLst>
+                <a:gd name="adj1" fmla="val -88848"/>
+                <a:gd name="adj2" fmla="val 3159050"/>
+              </a:avLst>
+            </a:prstGeom>
+            <a:ln w="19050">
+              <a:tailEnd type="arrow"/>
+            </a:ln>
+          </p:spPr>
+          <p:style>
+            <a:lnRef idx="1">
+              <a:schemeClr val="accent1"/>
+            </a:lnRef>
+            <a:fillRef idx="0">
+              <a:schemeClr val="accent1"/>
+            </a:fillRef>
+            <a:effectRef idx="0">
+              <a:schemeClr val="accent1"/>
+            </a:effectRef>
+            <a:fontRef idx="minor">
+              <a:schemeClr val="tx1"/>
+            </a:fontRef>
+          </p:style>
+        </p:cxnSp>
+        <p:cxnSp>
+          <p:nvCxnSpPr>
+            <p:cNvPr id="124" name="Straight Connector 123"/>
+            <p:cNvCxnSpPr>
+              <a:stCxn id="176" idx="4"/>
+              <a:endCxn id="111" idx="4"/>
+            </p:cNvCxnSpPr>
+            <p:nvPr/>
+          </p:nvCxnSpPr>
+          <p:spPr>
+            <a:xfrm>
+              <a:off x="3381299" y="2584348"/>
+              <a:ext cx="0" cy="165100"/>
+            </a:xfrm>
+            <a:prstGeom prst="line">
+              <a:avLst/>
+            </a:prstGeom>
+            <a:ln w="19050"/>
+          </p:spPr>
+          <p:style>
+            <a:lnRef idx="1">
+              <a:schemeClr val="accent1"/>
+            </a:lnRef>
+            <a:fillRef idx="0">
+              <a:schemeClr val="accent1"/>
+            </a:fillRef>
+            <a:effectRef idx="0">
+              <a:schemeClr val="accent1"/>
+            </a:effectRef>
+            <a:fontRef idx="minor">
+              <a:schemeClr val="tx1"/>
+            </a:fontRef>
+          </p:style>
+        </p:cxnSp>
+        <p:cxnSp>
+          <p:nvCxnSpPr>
+            <p:cNvPr id="186" name="Straight Connector 185"/>
+            <p:cNvCxnSpPr>
+              <a:stCxn id="59" idx="2"/>
+              <a:endCxn id="176" idx="4"/>
+            </p:cNvCxnSpPr>
+            <p:nvPr/>
+          </p:nvCxnSpPr>
+          <p:spPr>
+            <a:xfrm>
+              <a:off x="3381299" y="1898549"/>
+              <a:ext cx="0" cy="685799"/>
+            </a:xfrm>
+            <a:prstGeom prst="line">
+              <a:avLst/>
+            </a:prstGeom>
+            <a:ln w="19050"/>
+          </p:spPr>
+          <p:style>
+            <a:lnRef idx="1">
+              <a:schemeClr val="accent1"/>
+            </a:lnRef>
+            <a:fillRef idx="0">
+              <a:schemeClr val="accent1"/>
+            </a:fillRef>
+            <a:effectRef idx="0">
+              <a:schemeClr val="accent1"/>
+            </a:effectRef>
+            <a:fontRef idx="minor">
+              <a:schemeClr val="tx1"/>
+            </a:fontRef>
+          </p:style>
+        </p:cxnSp>
+        <p:sp>
+          <p:nvSpPr>
+            <p:cNvPr id="195" name="TextBox 194"/>
             <p:cNvSpPr txBox="1"/>
             <p:nvPr/>
           </p:nvSpPr>
           <p:spPr>
             <a:xfrm>
-              <a:off x="7472285" y="104775"/>
-              <a:ext cx="1014490" cy="1384995"/>
+              <a:off x="3388919" y="3795928"/>
+              <a:ext cx="873957" cy="584775"/>
             </a:xfrm>
             <a:prstGeom prst="rect">
               <a:avLst/>
@@ -22679,69 +26372,37 @@
             <a:noFill/>
           </p:spPr>
           <p:txBody>
-            <a:bodyPr wrap="square" rtlCol="0">
+            <a:bodyPr wrap="none" rtlCol="0">
               <a:spAutoFit/>
             </a:bodyPr>
             <a:lstStyle/>
             <a:p>
+              <a:pPr algn="ctr"/>
               <a:r>
-                <a:rPr lang="en-US" sz="1200" dirty="0"/>
-                <a:t>p</a:t>
-              </a:r>
-              <a:r>
-                <a:rPr lang="en-US" sz="1200" dirty="0" smtClean="0"/>
-                <a:t>ropagation module:</a:t>
-              </a:r>
-            </a:p>
-            <a:p>
-              <a:r>
-                <a:rPr lang="en-US" sz="1200" i="1" dirty="0" smtClean="0"/>
-                <a:t>scalable</a:t>
-              </a:r>
-              <a:r>
-                <a:rPr lang="en-US" sz="1200" i="1" dirty="0" smtClean="0"/>
-                <a:t/>
+                <a:rPr lang="en-US" sz="1600" dirty="0" smtClean="0"/>
+                <a:t>multiple</a:t>
               </a:r>
               <a:br>
-                <a:rPr lang="en-US" sz="1200" i="1" dirty="0" smtClean="0"/>
+                <a:rPr lang="en-US" sz="1600" dirty="0" smtClean="0"/>
               </a:br>
               <a:r>
-                <a:rPr lang="en-US" sz="1200" i="1" dirty="0" smtClean="0"/>
-                <a:t>for</a:t>
+                <a:rPr lang="en-US" sz="1600" dirty="0" smtClean="0"/>
+                <a:t>epochs</a:t>
               </a:r>
-              <a:r>
-                <a:rPr lang="en-US" sz="1200" i="1" dirty="0"/>
-                <a:t> </a:t>
-              </a:r>
-              <a:r>
-                <a:rPr lang="en-US" sz="1200" i="1" dirty="0" smtClean="0"/>
-                <a:t>other</a:t>
-              </a:r>
-              <a:br>
-                <a:rPr lang="en-US" sz="1200" i="1" dirty="0" smtClean="0"/>
-              </a:br>
-              <a:r>
-                <a:rPr lang="en-US" sz="1200" i="1" dirty="0" smtClean="0"/>
-                <a:t>back-propagation </a:t>
-              </a:r>
-              <a:r>
-                <a:rPr lang="en-US" sz="1200" i="1" dirty="0" smtClean="0"/>
-                <a:t>algorithms</a:t>
-              </a:r>
-              <a:endParaRPr lang="en-US" sz="1200" i="1" dirty="0"/>
+              <a:endParaRPr lang="en-US" sz="1600" dirty="0" smtClean="0"/>
             </a:p>
           </p:txBody>
         </p:sp>
         <p:sp>
           <p:nvSpPr>
-            <p:cNvPr id="9" name="TextBox 8"/>
+            <p:cNvPr id="200" name="TextBox 199"/>
             <p:cNvSpPr txBox="1"/>
             <p:nvPr/>
           </p:nvSpPr>
           <p:spPr>
             <a:xfrm>
-              <a:off x="874029" y="3667208"/>
-              <a:ext cx="1296914" cy="830997"/>
+              <a:off x="3381299" y="4436008"/>
+              <a:ext cx="873957" cy="584775"/>
             </a:xfrm>
             <a:prstGeom prst="rect">
               <a:avLst/>
@@ -22749,136 +26410,393 @@
             <a:noFill/>
           </p:spPr>
           <p:txBody>
-            <a:bodyPr wrap="square" rtlCol="0">
+            <a:bodyPr wrap="none" rtlCol="0">
               <a:spAutoFit/>
             </a:bodyPr>
             <a:lstStyle/>
             <a:p>
+              <a:pPr algn="ctr"/>
               <a:r>
-                <a:rPr lang="en-US" sz="1200" dirty="0"/>
-                <a:t>i</a:t>
-              </a:r>
-              <a:r>
-                <a:rPr lang="en-US" sz="1200" dirty="0" smtClean="0"/>
-                <a:t>nput and output</a:t>
+                <a:rPr lang="en-US" sz="1600" dirty="0" smtClean="0"/>
+                <a:t>multiple</a:t>
               </a:r>
               <a:br>
-                <a:rPr lang="en-US" sz="1200" dirty="0" smtClean="0"/>
+                <a:rPr lang="en-US" sz="1600" dirty="0" smtClean="0"/>
               </a:br>
               <a:r>
-                <a:rPr lang="en-US" sz="1200" dirty="0" smtClean="0"/>
-                <a:t>utility module:</a:t>
+                <a:rPr lang="en-US" sz="1600" dirty="0" smtClean="0"/>
+                <a:t>runs</a:t>
               </a:r>
-            </a:p>
-            <a:p>
-              <a:r>
-                <a:rPr lang="en-US" sz="1200" i="1" dirty="0" smtClean="0"/>
-                <a:t>scalable </a:t>
-              </a:r>
-              <a:r>
-                <a:rPr lang="en-US" sz="1200" i="1" dirty="0" smtClean="0"/>
-                <a:t>for other</a:t>
-              </a:r>
-              <a:br>
-                <a:rPr lang="en-US" sz="1200" i="1" dirty="0" smtClean="0"/>
-              </a:br>
-              <a:r>
-                <a:rPr lang="en-US" sz="1200" i="1" dirty="0" smtClean="0"/>
-                <a:t>system models</a:t>
-              </a:r>
-              <a:endParaRPr lang="en-US" sz="1200" i="1" dirty="0"/>
+              <a:endParaRPr lang="en-US" sz="1600" dirty="0" smtClean="0"/>
             </a:p>
           </p:txBody>
         </p:sp>
+        <p:cxnSp>
+          <p:nvCxnSpPr>
+            <p:cNvPr id="207" name="Elbow Connector 206"/>
+            <p:cNvCxnSpPr>
+              <a:endCxn id="212" idx="6"/>
+            </p:cNvCxnSpPr>
+            <p:nvPr/>
+          </p:nvCxnSpPr>
+          <p:spPr>
+            <a:xfrm rot="5400000" flipH="1" flipV="1">
+              <a:off x="5095744" y="3196880"/>
+              <a:ext cx="998928" cy="36209"/>
+            </a:xfrm>
+            <a:prstGeom prst="bentConnector4">
+              <a:avLst>
+                <a:gd name="adj1" fmla="val -38199"/>
+                <a:gd name="adj2" fmla="val 2555191"/>
+              </a:avLst>
+            </a:prstGeom>
+            <a:ln w="19050">
+              <a:tailEnd type="arrow"/>
+            </a:ln>
+          </p:spPr>
+          <p:style>
+            <a:lnRef idx="1">
+              <a:schemeClr val="accent1"/>
+            </a:lnRef>
+            <a:fillRef idx="0">
+              <a:schemeClr val="accent1"/>
+            </a:fillRef>
+            <a:effectRef idx="0">
+              <a:schemeClr val="accent1"/>
+            </a:effectRef>
+            <a:fontRef idx="minor">
+              <a:schemeClr val="tx1"/>
+            </a:fontRef>
+          </p:style>
+        </p:cxnSp>
+        <p:cxnSp>
+          <p:nvCxnSpPr>
+            <p:cNvPr id="208" name="Elbow Connector 207"/>
+            <p:cNvCxnSpPr>
+              <a:stCxn id="144" idx="2"/>
+              <a:endCxn id="213" idx="6"/>
+            </p:cNvCxnSpPr>
+            <p:nvPr/>
+          </p:nvCxnSpPr>
+          <p:spPr>
+            <a:xfrm rot="5400000" flipH="1" flipV="1">
+              <a:off x="5200664" y="2927249"/>
+              <a:ext cx="790423" cy="34874"/>
+            </a:xfrm>
+            <a:prstGeom prst="bentConnector4">
+              <a:avLst>
+                <a:gd name="adj1" fmla="val -178348"/>
+                <a:gd name="adj2" fmla="val 3159055"/>
+              </a:avLst>
+            </a:prstGeom>
+            <a:ln w="19050">
+              <a:tailEnd type="arrow"/>
+            </a:ln>
+          </p:spPr>
+          <p:style>
+            <a:lnRef idx="1">
+              <a:schemeClr val="accent1"/>
+            </a:lnRef>
+            <a:fillRef idx="0">
+              <a:schemeClr val="accent1"/>
+            </a:fillRef>
+            <a:effectRef idx="0">
+              <a:schemeClr val="accent1"/>
+            </a:effectRef>
+            <a:fontRef idx="minor">
+              <a:schemeClr val="tx1"/>
+            </a:fontRef>
+          </p:style>
+        </p:cxnSp>
+        <p:sp>
+          <p:nvSpPr>
+            <p:cNvPr id="209" name="TextBox 208"/>
+            <p:cNvSpPr txBox="1"/>
+            <p:nvPr/>
+          </p:nvSpPr>
+          <p:spPr>
+            <a:xfrm>
+              <a:off x="5584724" y="3795928"/>
+              <a:ext cx="873957" cy="584775"/>
+            </a:xfrm>
+            <a:prstGeom prst="rect">
+              <a:avLst/>
+            </a:prstGeom>
+            <a:noFill/>
+          </p:spPr>
+          <p:txBody>
+            <a:bodyPr wrap="none" rtlCol="0">
+              <a:spAutoFit/>
+            </a:bodyPr>
+            <a:lstStyle/>
+            <a:p>
+              <a:pPr algn="ctr"/>
+              <a:r>
+                <a:rPr lang="en-US" sz="1600" dirty="0" smtClean="0"/>
+                <a:t>multiple</a:t>
+              </a:r>
+              <a:br>
+                <a:rPr lang="en-US" sz="1600" dirty="0" smtClean="0"/>
+              </a:br>
+              <a:r>
+                <a:rPr lang="en-US" sz="1600" dirty="0" smtClean="0"/>
+                <a:t>epochs</a:t>
+              </a:r>
+              <a:endParaRPr lang="en-US" sz="1600" dirty="0" smtClean="0"/>
+            </a:p>
+          </p:txBody>
+        </p:sp>
+        <p:sp>
+          <p:nvSpPr>
+            <p:cNvPr id="210" name="TextBox 209"/>
+            <p:cNvSpPr txBox="1"/>
+            <p:nvPr/>
+          </p:nvSpPr>
+          <p:spPr>
+            <a:xfrm>
+              <a:off x="5577104" y="4436008"/>
+              <a:ext cx="873957" cy="584775"/>
+            </a:xfrm>
+            <a:prstGeom prst="rect">
+              <a:avLst/>
+            </a:prstGeom>
+            <a:noFill/>
+          </p:spPr>
+          <p:txBody>
+            <a:bodyPr wrap="none" rtlCol="0">
+              <a:spAutoFit/>
+            </a:bodyPr>
+            <a:lstStyle/>
+            <a:p>
+              <a:pPr algn="ctr"/>
+              <a:r>
+                <a:rPr lang="en-US" sz="1600" dirty="0" smtClean="0"/>
+                <a:t>multiple</a:t>
+              </a:r>
+              <a:br>
+                <a:rPr lang="en-US" sz="1600" dirty="0" smtClean="0"/>
+              </a:br>
+              <a:r>
+                <a:rPr lang="en-US" sz="1600" dirty="0" smtClean="0"/>
+                <a:t>runs</a:t>
+              </a:r>
+              <a:endParaRPr lang="en-US" sz="1600" dirty="0" smtClean="0"/>
+            </a:p>
+          </p:txBody>
+        </p:sp>
+        <p:cxnSp>
+          <p:nvCxnSpPr>
+            <p:cNvPr id="211" name="Straight Arrow Connector 210"/>
+            <p:cNvCxnSpPr>
+              <a:stCxn id="212" idx="4"/>
+              <a:endCxn id="144" idx="0"/>
+            </p:cNvCxnSpPr>
+            <p:nvPr/>
+          </p:nvCxnSpPr>
+          <p:spPr>
+            <a:xfrm>
+              <a:off x="5578439" y="2750394"/>
+              <a:ext cx="0" cy="214954"/>
+            </a:xfrm>
+            <a:prstGeom prst="straightConnector1">
+              <a:avLst/>
+            </a:prstGeom>
+            <a:ln w="19050">
+              <a:tailEnd type="arrow"/>
+            </a:ln>
+          </p:spPr>
+          <p:style>
+            <a:lnRef idx="1">
+              <a:schemeClr val="accent1"/>
+            </a:lnRef>
+            <a:fillRef idx="0">
+              <a:schemeClr val="accent1"/>
+            </a:fillRef>
+            <a:effectRef idx="0">
+              <a:schemeClr val="accent1"/>
+            </a:effectRef>
+            <a:fontRef idx="minor">
+              <a:schemeClr val="tx1"/>
+            </a:fontRef>
+          </p:style>
+        </p:cxnSp>
+        <p:sp>
+          <p:nvSpPr>
+            <p:cNvPr id="212" name="Oval 211"/>
+            <p:cNvSpPr/>
+            <p:nvPr/>
+          </p:nvSpPr>
+          <p:spPr>
+            <a:xfrm>
+              <a:off x="5543565" y="2680646"/>
+              <a:ext cx="69748" cy="69748"/>
+            </a:xfrm>
+            <a:prstGeom prst="ellipse">
+              <a:avLst/>
+            </a:prstGeom>
+            <a:solidFill>
+              <a:srgbClr val="F79646">
+                <a:alpha val="20000"/>
+              </a:srgbClr>
+            </a:solidFill>
+            <a:ln>
+              <a:noFill/>
+            </a:ln>
+          </p:spPr>
+          <p:style>
+            <a:lnRef idx="2">
+              <a:schemeClr val="accent6">
+                <a:shade val="50000"/>
+              </a:schemeClr>
+            </a:lnRef>
+            <a:fillRef idx="1">
+              <a:schemeClr val="accent6"/>
+            </a:fillRef>
+            <a:effectRef idx="0">
+              <a:schemeClr val="accent6"/>
+            </a:effectRef>
+            <a:fontRef idx="minor">
+              <a:schemeClr val="lt1"/>
+            </a:fontRef>
+          </p:style>
+          <p:txBody>
+            <a:bodyPr rtlCol="0" anchor="ctr"/>
+            <a:lstStyle/>
+            <a:p>
+              <a:pPr algn="ctr"/>
+              <a:endParaRPr lang="en-US" sz="1600">
+                <a:solidFill>
+                  <a:schemeClr val="tx1"/>
+                </a:solidFill>
+              </a:endParaRPr>
+            </a:p>
+          </p:txBody>
+        </p:sp>
+        <p:sp>
+          <p:nvSpPr>
+            <p:cNvPr id="213" name="Oval 212"/>
+            <p:cNvSpPr/>
+            <p:nvPr/>
+          </p:nvSpPr>
+          <p:spPr>
+            <a:xfrm>
+              <a:off x="5543565" y="2514600"/>
+              <a:ext cx="69748" cy="69748"/>
+            </a:xfrm>
+            <a:prstGeom prst="ellipse">
+              <a:avLst/>
+            </a:prstGeom>
+            <a:solidFill>
+              <a:srgbClr val="F79646">
+                <a:alpha val="20000"/>
+              </a:srgbClr>
+            </a:solidFill>
+            <a:ln>
+              <a:noFill/>
+            </a:ln>
+          </p:spPr>
+          <p:style>
+            <a:lnRef idx="2">
+              <a:schemeClr val="accent6">
+                <a:shade val="50000"/>
+              </a:schemeClr>
+            </a:lnRef>
+            <a:fillRef idx="1">
+              <a:schemeClr val="accent6"/>
+            </a:fillRef>
+            <a:effectRef idx="0">
+              <a:schemeClr val="accent6"/>
+            </a:effectRef>
+            <a:fontRef idx="minor">
+              <a:schemeClr val="lt1"/>
+            </a:fontRef>
+          </p:style>
+          <p:txBody>
+            <a:bodyPr rtlCol="0" anchor="ctr"/>
+            <a:lstStyle/>
+            <a:p>
+              <a:pPr algn="ctr"/>
+              <a:endParaRPr lang="en-US" sz="1600">
+                <a:solidFill>
+                  <a:schemeClr val="tx1"/>
+                </a:solidFill>
+              </a:endParaRPr>
+            </a:p>
+          </p:txBody>
+        </p:sp>
+        <p:cxnSp>
+          <p:nvCxnSpPr>
+            <p:cNvPr id="214" name="Straight Connector 213"/>
+            <p:cNvCxnSpPr>
+              <a:stCxn id="213" idx="4"/>
+              <a:endCxn id="212" idx="4"/>
+            </p:cNvCxnSpPr>
+            <p:nvPr/>
+          </p:nvCxnSpPr>
+          <p:spPr>
+            <a:xfrm>
+              <a:off x="5578439" y="2584348"/>
+              <a:ext cx="0" cy="166046"/>
+            </a:xfrm>
+            <a:prstGeom prst="line">
+              <a:avLst/>
+            </a:prstGeom>
+            <a:ln w="19050"/>
+          </p:spPr>
+          <p:style>
+            <a:lnRef idx="1">
+              <a:schemeClr val="accent1"/>
+            </a:lnRef>
+            <a:fillRef idx="0">
+              <a:schemeClr val="accent1"/>
+            </a:fillRef>
+            <a:effectRef idx="0">
+              <a:schemeClr val="accent1"/>
+            </a:effectRef>
+            <a:fontRef idx="minor">
+              <a:schemeClr val="tx1"/>
+            </a:fontRef>
+          </p:style>
+        </p:cxnSp>
+        <p:cxnSp>
+          <p:nvCxnSpPr>
+            <p:cNvPr id="215" name="Straight Connector 214"/>
+            <p:cNvCxnSpPr>
+              <a:stCxn id="143" idx="2"/>
+              <a:endCxn id="213" idx="4"/>
+            </p:cNvCxnSpPr>
+            <p:nvPr/>
+          </p:nvCxnSpPr>
+          <p:spPr>
+            <a:xfrm>
+              <a:off x="5578439" y="2273097"/>
+              <a:ext cx="0" cy="311251"/>
+            </a:xfrm>
+            <a:prstGeom prst="line">
+              <a:avLst/>
+            </a:prstGeom>
+            <a:ln w="19050"/>
+          </p:spPr>
+          <p:style>
+            <a:lnRef idx="1">
+              <a:schemeClr val="accent1"/>
+            </a:lnRef>
+            <a:fillRef idx="0">
+              <a:schemeClr val="accent1"/>
+            </a:fillRef>
+            <a:effectRef idx="0">
+              <a:schemeClr val="accent1"/>
+            </a:effectRef>
+            <a:fontRef idx="minor">
+              <a:schemeClr val="tx1"/>
+            </a:fontRef>
+          </p:style>
+        </p:cxnSp>
       </p:grpSp>
     </p:spTree>
     <p:extLst>
       <p:ext uri="{BB962C8B-B14F-4D97-AF65-F5344CB8AC3E}">
-        <p14:creationId xmlns:p14="http://schemas.microsoft.com/office/powerpoint/2010/main" val="795875027"/>
-      </p:ext>
-    </p:extLst>
-  </p:cSld>
-  <p:clrMapOvr>
-    <a:masterClrMapping/>
-  </p:clrMapOvr>
-</p:sld>
-</file>
-
-<file path=ppt/slides/slide9.xml><?xml version="1.0" encoding="utf-8"?>
-<p:sld xmlns:a="http://schemas.openxmlformats.org/drawingml/2006/main" xmlns:r="http://schemas.openxmlformats.org/officeDocument/2006/relationships" xmlns:p="http://schemas.openxmlformats.org/presentationml/2006/main">
-  <p:cSld>
-    <p:spTree>
-      <p:nvGrpSpPr>
-        <p:cNvPr id="1" name=""/>
-        <p:cNvGrpSpPr/>
-        <p:nvPr/>
-      </p:nvGrpSpPr>
-      <p:grpSpPr>
-        <a:xfrm>
-          <a:off x="0" y="0"/>
-          <a:ext cx="0" cy="0"/>
-          <a:chOff x="0" y="0"/>
-          <a:chExt cx="0" cy="0"/>
-        </a:xfrm>
-      </p:grpSpPr>
-      <p:pic>
-        <p:nvPicPr>
-          <p:cNvPr id="1026" name="Picture 2"/>
-          <p:cNvPicPr>
-            <a:picLocks noChangeAspect="1" noChangeArrowheads="1"/>
-          </p:cNvPicPr>
-          <p:nvPr/>
-        </p:nvPicPr>
-        <p:blipFill>
-          <a:blip r:embed="rId2">
-            <a:extLst>
-              <a:ext uri="{28A0092B-C50C-407E-A947-70E740481C1C}">
-                <a14:useLocalDpi xmlns:a14="http://schemas.microsoft.com/office/drawing/2010/main" val="0"/>
-              </a:ext>
-            </a:extLst>
-          </a:blip>
-          <a:srcRect/>
-          <a:stretch>
-            <a:fillRect/>
-          </a:stretch>
-        </p:blipFill>
-        <p:spPr bwMode="auto">
-          <a:xfrm>
-            <a:off x="938214" y="914400"/>
-            <a:ext cx="7267575" cy="4572000"/>
-          </a:xfrm>
-          <a:prstGeom prst="rect">
-            <a:avLst/>
-          </a:prstGeom>
-          <a:noFill/>
-          <a:ln>
-            <a:noFill/>
-          </a:ln>
-          <a:extLst>
-            <a:ext uri="{909E8E84-426E-40DD-AFC4-6F175D3DCCD1}">
-              <a14:hiddenFill xmlns:a14="http://schemas.microsoft.com/office/drawing/2010/main">
-                <a:solidFill>
-                  <a:schemeClr val="accent1"/>
-                </a:solidFill>
-              </a14:hiddenFill>
-            </a:ext>
-            <a:ext uri="{91240B29-F687-4F45-9708-019B960494DF}">
-              <a14:hiddenLine xmlns:a14="http://schemas.microsoft.com/office/drawing/2010/main" w="9525">
-                <a:solidFill>
-                  <a:schemeClr val="tx1"/>
-                </a:solidFill>
-                <a:miter lim="800000"/>
-                <a:headEnd/>
-                <a:tailEnd/>
-              </a14:hiddenLine>
-            </a:ext>
-          </a:extLst>
-        </p:spPr>
-      </p:pic>
-    </p:spTree>
-    <p:extLst>
-      <p:ext uri="{BB962C8B-B14F-4D97-AF65-F5344CB8AC3E}">
-        <p14:creationId xmlns:p14="http://schemas.microsoft.com/office/powerpoint/2010/main" val="1176222862"/>
+        <p14:creationId xmlns:p14="http://schemas.microsoft.com/office/powerpoint/2010/main" val="285514895"/>
       </p:ext>
     </p:extLst>
   </p:cSld>
@@ -23169,4 +27087,289 @@
   <a:objectDefaults/>
   <a:extraClrSchemeLst/>
 </a:theme>
+</file>
+
+<file path=ppt/theme/theme2.xml><?xml version="1.0" encoding="utf-8"?>
+<a:theme xmlns:a="http://schemas.openxmlformats.org/drawingml/2006/main" name="Office Theme">
+  <a:themeElements>
+    <a:clrScheme name="Office">
+      <a:dk1>
+        <a:sysClr val="windowText" lastClr="000000"/>
+      </a:dk1>
+      <a:lt1>
+        <a:sysClr val="window" lastClr="FFFFFF"/>
+      </a:lt1>
+      <a:dk2>
+        <a:srgbClr val="1F497D"/>
+      </a:dk2>
+      <a:lt2>
+        <a:srgbClr val="EEECE1"/>
+      </a:lt2>
+      <a:accent1>
+        <a:srgbClr val="4F81BD"/>
+      </a:accent1>
+      <a:accent2>
+        <a:srgbClr val="C0504D"/>
+      </a:accent2>
+      <a:accent3>
+        <a:srgbClr val="9BBB59"/>
+      </a:accent3>
+      <a:accent4>
+        <a:srgbClr val="8064A2"/>
+      </a:accent4>
+      <a:accent5>
+        <a:srgbClr val="4BACC6"/>
+      </a:accent5>
+      <a:accent6>
+        <a:srgbClr val="F79646"/>
+      </a:accent6>
+      <a:hlink>
+        <a:srgbClr val="0000FF"/>
+      </a:hlink>
+      <a:folHlink>
+        <a:srgbClr val="800080"/>
+      </a:folHlink>
+    </a:clrScheme>
+    <a:fontScheme name="Office">
+      <a:majorFont>
+        <a:latin typeface="Calibri"/>
+        <a:ea typeface=""/>
+        <a:cs typeface=""/>
+        <a:font script="Jpan" typeface="ＭＳ Ｐゴシック"/>
+        <a:font script="Hang" typeface="맑은 고딕"/>
+        <a:font script="Hans" typeface="宋体"/>
+        <a:font script="Hant" typeface="新細明體"/>
+        <a:font script="Arab" typeface="Times New Roman"/>
+        <a:font script="Hebr" typeface="Times New Roman"/>
+        <a:font script="Thai" typeface="Angsana New"/>
+        <a:font script="Ethi" typeface="Nyala"/>
+        <a:font script="Beng" typeface="Vrinda"/>
+        <a:font script="Gujr" typeface="Shruti"/>
+        <a:font script="Khmr" typeface="MoolBoran"/>
+        <a:font script="Knda" typeface="Tunga"/>
+        <a:font script="Guru" typeface="Raavi"/>
+        <a:font script="Cans" typeface="Euphemia"/>
+        <a:font script="Cher" typeface="Plantagenet Cherokee"/>
+        <a:font script="Yiii" typeface="Microsoft Yi Baiti"/>
+        <a:font script="Tibt" typeface="Microsoft Himalaya"/>
+        <a:font script="Thaa" typeface="MV Boli"/>
+        <a:font script="Deva" typeface="Mangal"/>
+        <a:font script="Telu" typeface="Gautami"/>
+        <a:font script="Taml" typeface="Latha"/>
+        <a:font script="Syrc" typeface="Estrangelo Edessa"/>
+        <a:font script="Orya" typeface="Kalinga"/>
+        <a:font script="Mlym" typeface="Kartika"/>
+        <a:font script="Laoo" typeface="DokChampa"/>
+        <a:font script="Sinh" typeface="Iskoola Pota"/>
+        <a:font script="Mong" typeface="Mongolian Baiti"/>
+        <a:font script="Viet" typeface="Times New Roman"/>
+        <a:font script="Uigh" typeface="Microsoft Uighur"/>
+        <a:font script="Geor" typeface="Sylfaen"/>
+      </a:majorFont>
+      <a:minorFont>
+        <a:latin typeface="Calibri"/>
+        <a:ea typeface=""/>
+        <a:cs typeface=""/>
+        <a:font script="Jpan" typeface="ＭＳ Ｐゴシック"/>
+        <a:font script="Hang" typeface="맑은 고딕"/>
+        <a:font script="Hans" typeface="宋体"/>
+        <a:font script="Hant" typeface="新細明體"/>
+        <a:font script="Arab" typeface="Arial"/>
+        <a:font script="Hebr" typeface="Arial"/>
+        <a:font script="Thai" typeface="Cordia New"/>
+        <a:font script="Ethi" typeface="Nyala"/>
+        <a:font script="Beng" typeface="Vrinda"/>
+        <a:font script="Gujr" typeface="Shruti"/>
+        <a:font script="Khmr" typeface="DaunPenh"/>
+        <a:font script="Knda" typeface="Tunga"/>
+        <a:font script="Guru" typeface="Raavi"/>
+        <a:font script="Cans" typeface="Euphemia"/>
+        <a:font script="Cher" typeface="Plantagenet Cherokee"/>
+        <a:font script="Yiii" typeface="Microsoft Yi Baiti"/>
+        <a:font script="Tibt" typeface="Microsoft Himalaya"/>
+        <a:font script="Thaa" typeface="MV Boli"/>
+        <a:font script="Deva" typeface="Mangal"/>
+        <a:font script="Telu" typeface="Gautami"/>
+        <a:font script="Taml" typeface="Latha"/>
+        <a:font script="Syrc" typeface="Estrangelo Edessa"/>
+        <a:font script="Orya" typeface="Kalinga"/>
+        <a:font script="Mlym" typeface="Kartika"/>
+        <a:font script="Laoo" typeface="DokChampa"/>
+        <a:font script="Sinh" typeface="Iskoola Pota"/>
+        <a:font script="Mong" typeface="Mongolian Baiti"/>
+        <a:font script="Viet" typeface="Arial"/>
+        <a:font script="Uigh" typeface="Microsoft Uighur"/>
+        <a:font script="Geor" typeface="Sylfaen"/>
+      </a:minorFont>
+    </a:fontScheme>
+    <a:fmtScheme name="Office">
+      <a:fillStyleLst>
+        <a:solidFill>
+          <a:schemeClr val="phClr"/>
+        </a:solidFill>
+        <a:gradFill rotWithShape="1">
+          <a:gsLst>
+            <a:gs pos="0">
+              <a:schemeClr val="phClr">
+                <a:tint val="50000"/>
+                <a:satMod val="300000"/>
+              </a:schemeClr>
+            </a:gs>
+            <a:gs pos="35000">
+              <a:schemeClr val="phClr">
+                <a:tint val="37000"/>
+                <a:satMod val="300000"/>
+              </a:schemeClr>
+            </a:gs>
+            <a:gs pos="100000">
+              <a:schemeClr val="phClr">
+                <a:tint val="15000"/>
+                <a:satMod val="350000"/>
+              </a:schemeClr>
+            </a:gs>
+          </a:gsLst>
+          <a:lin ang="16200000" scaled="1"/>
+        </a:gradFill>
+        <a:gradFill rotWithShape="1">
+          <a:gsLst>
+            <a:gs pos="0">
+              <a:schemeClr val="phClr">
+                <a:shade val="51000"/>
+                <a:satMod val="130000"/>
+              </a:schemeClr>
+            </a:gs>
+            <a:gs pos="80000">
+              <a:schemeClr val="phClr">
+                <a:shade val="93000"/>
+                <a:satMod val="130000"/>
+              </a:schemeClr>
+            </a:gs>
+            <a:gs pos="100000">
+              <a:schemeClr val="phClr">
+                <a:shade val="94000"/>
+                <a:satMod val="135000"/>
+              </a:schemeClr>
+            </a:gs>
+          </a:gsLst>
+          <a:lin ang="16200000" scaled="0"/>
+        </a:gradFill>
+      </a:fillStyleLst>
+      <a:lnStyleLst>
+        <a:ln w="9525" cap="flat" cmpd="sng" algn="ctr">
+          <a:solidFill>
+            <a:schemeClr val="phClr">
+              <a:shade val="95000"/>
+              <a:satMod val="105000"/>
+            </a:schemeClr>
+          </a:solidFill>
+          <a:prstDash val="solid"/>
+        </a:ln>
+        <a:ln w="25400" cap="flat" cmpd="sng" algn="ctr">
+          <a:solidFill>
+            <a:schemeClr val="phClr"/>
+          </a:solidFill>
+          <a:prstDash val="solid"/>
+        </a:ln>
+        <a:ln w="38100" cap="flat" cmpd="sng" algn="ctr">
+          <a:solidFill>
+            <a:schemeClr val="phClr"/>
+          </a:solidFill>
+          <a:prstDash val="solid"/>
+        </a:ln>
+      </a:lnStyleLst>
+      <a:effectStyleLst>
+        <a:effectStyle>
+          <a:effectLst>
+            <a:outerShdw blurRad="40000" dist="20000" dir="5400000" rotWithShape="0">
+              <a:srgbClr val="000000">
+                <a:alpha val="38000"/>
+              </a:srgbClr>
+            </a:outerShdw>
+          </a:effectLst>
+        </a:effectStyle>
+        <a:effectStyle>
+          <a:effectLst>
+            <a:outerShdw blurRad="40000" dist="23000" dir="5400000" rotWithShape="0">
+              <a:srgbClr val="000000">
+                <a:alpha val="35000"/>
+              </a:srgbClr>
+            </a:outerShdw>
+          </a:effectLst>
+        </a:effectStyle>
+        <a:effectStyle>
+          <a:effectLst>
+            <a:outerShdw blurRad="40000" dist="23000" dir="5400000" rotWithShape="0">
+              <a:srgbClr val="000000">
+                <a:alpha val="35000"/>
+              </a:srgbClr>
+            </a:outerShdw>
+          </a:effectLst>
+          <a:scene3d>
+            <a:camera prst="orthographicFront">
+              <a:rot lat="0" lon="0" rev="0"/>
+            </a:camera>
+            <a:lightRig rig="threePt" dir="t">
+              <a:rot lat="0" lon="0" rev="1200000"/>
+            </a:lightRig>
+          </a:scene3d>
+          <a:sp3d>
+            <a:bevelT w="63500" h="25400"/>
+          </a:sp3d>
+        </a:effectStyle>
+      </a:effectStyleLst>
+      <a:bgFillStyleLst>
+        <a:solidFill>
+          <a:schemeClr val="phClr"/>
+        </a:solidFill>
+        <a:gradFill rotWithShape="1">
+          <a:gsLst>
+            <a:gs pos="0">
+              <a:schemeClr val="phClr">
+                <a:tint val="40000"/>
+                <a:satMod val="350000"/>
+              </a:schemeClr>
+            </a:gs>
+            <a:gs pos="40000">
+              <a:schemeClr val="phClr">
+                <a:tint val="45000"/>
+                <a:shade val="99000"/>
+                <a:satMod val="350000"/>
+              </a:schemeClr>
+            </a:gs>
+            <a:gs pos="100000">
+              <a:schemeClr val="phClr">
+                <a:shade val="20000"/>
+                <a:satMod val="255000"/>
+              </a:schemeClr>
+            </a:gs>
+          </a:gsLst>
+          <a:path path="circle">
+            <a:fillToRect l="50000" t="-80000" r="50000" b="180000"/>
+          </a:path>
+        </a:gradFill>
+        <a:gradFill rotWithShape="1">
+          <a:gsLst>
+            <a:gs pos="0">
+              <a:schemeClr val="phClr">
+                <a:tint val="80000"/>
+                <a:satMod val="300000"/>
+              </a:schemeClr>
+            </a:gs>
+            <a:gs pos="100000">
+              <a:schemeClr val="phClr">
+                <a:shade val="30000"/>
+                <a:satMod val="200000"/>
+              </a:schemeClr>
+            </a:gs>
+          </a:gsLst>
+          <a:path path="circle">
+            <a:fillToRect l="50000" t="50000" r="50000" b="50000"/>
+          </a:path>
+        </a:gradFill>
+      </a:bgFillStyleLst>
+    </a:fmtScheme>
+  </a:themeElements>
+  <a:objectDefaults/>
+  <a:extraClrSchemeLst/>
+</a:theme>
 </file>
--- a/trunk/pic/pic.pptx
+++ b/trunk/pic/pic.pptx
@@ -5,20 +5,19 @@
     <p:sldMasterId id="2147483648" r:id="rId1"/>
   </p:sldMasterIdLst>
   <p:notesMasterIdLst>
-    <p:notesMasterId r:id="rId13"/>
+    <p:notesMasterId r:id="rId12"/>
   </p:notesMasterIdLst>
   <p:sldIdLst>
     <p:sldId id="256" r:id="rId2"/>
     <p:sldId id="257" r:id="rId3"/>
     <p:sldId id="258" r:id="rId4"/>
-    <p:sldId id="259" r:id="rId5"/>
-    <p:sldId id="260" r:id="rId6"/>
-    <p:sldId id="261" r:id="rId7"/>
-    <p:sldId id="265" r:id="rId8"/>
-    <p:sldId id="262" r:id="rId9"/>
-    <p:sldId id="266" r:id="rId10"/>
-    <p:sldId id="263" r:id="rId11"/>
-    <p:sldId id="264" r:id="rId12"/>
+    <p:sldId id="260" r:id="rId5"/>
+    <p:sldId id="261" r:id="rId6"/>
+    <p:sldId id="265" r:id="rId7"/>
+    <p:sldId id="262" r:id="rId8"/>
+    <p:sldId id="266" r:id="rId9"/>
+    <p:sldId id="263" r:id="rId10"/>
+    <p:sldId id="264" r:id="rId11"/>
   </p:sldIdLst>
   <p:sldSz cx="9144000" cy="6858000" type="screen4x3"/>
   <p:notesSz cx="6858000" cy="9144000"/>
@@ -202,7 +201,7 @@
           <a:p>
             <a:fld id="{40F2FB96-7D30-4672-9E6D-9816F53C8FB8}" type="datetimeFigureOut">
               <a:rPr lang="en-US" smtClean="0"/>
-              <a:t>12/23/2014</a:t>
+              <a:t>12/27/2014</a:t>
             </a:fld>
             <a:endParaRPr lang="en-US"/>
           </a:p>
@@ -535,7 +534,7 @@
           <a:p>
             <a:fld id="{28B05241-304B-4399-B516-2D7A5C717DFB}" type="slidenum">
               <a:rPr lang="en-US" smtClean="0"/>
-              <a:t>6</a:t>
+              <a:t>5</a:t>
             </a:fld>
             <a:endParaRPr lang="en-US"/>
           </a:p>
@@ -619,7 +618,7 @@
           <a:p>
             <a:fld id="{28B05241-304B-4399-B516-2D7A5C717DFB}" type="slidenum">
               <a:rPr lang="en-US" smtClean="0"/>
-              <a:t>7</a:t>
+              <a:t>6</a:t>
             </a:fld>
             <a:endParaRPr lang="en-US"/>
           </a:p>
@@ -629,6 +628,90 @@
     <p:extLst>
       <p:ext uri="{BB962C8B-B14F-4D97-AF65-F5344CB8AC3E}">
         <p14:creationId xmlns:p14="http://schemas.microsoft.com/office/powerpoint/2010/main" val="2056410298"/>
+      </p:ext>
+    </p:extLst>
+  </p:cSld>
+  <p:clrMapOvr>
+    <a:masterClrMapping/>
+  </p:clrMapOvr>
+</p:notes>
+</file>
+
+<file path=ppt/notesSlides/notesSlide3.xml><?xml version="1.0" encoding="utf-8"?>
+<p:notes xmlns:a="http://schemas.openxmlformats.org/drawingml/2006/main" xmlns:r="http://schemas.openxmlformats.org/officeDocument/2006/relationships" xmlns:p="http://schemas.openxmlformats.org/presentationml/2006/main">
+  <p:cSld>
+    <p:spTree>
+      <p:nvGrpSpPr>
+        <p:cNvPr id="1" name=""/>
+        <p:cNvGrpSpPr/>
+        <p:nvPr/>
+      </p:nvGrpSpPr>
+      <p:grpSpPr>
+        <a:xfrm>
+          <a:off x="0" y="0"/>
+          <a:ext cx="0" cy="0"/>
+          <a:chOff x="0" y="0"/>
+          <a:chExt cx="0" cy="0"/>
+        </a:xfrm>
+      </p:grpSpPr>
+      <p:sp>
+        <p:nvSpPr>
+          <p:cNvPr id="2" name="Slide Image Placeholder 1"/>
+          <p:cNvSpPr>
+            <a:spLocks noGrp="1" noRot="1" noChangeAspect="1"/>
+          </p:cNvSpPr>
+          <p:nvPr>
+            <p:ph type="sldImg"/>
+          </p:nvPr>
+        </p:nvSpPr>
+        <p:spPr/>
+      </p:sp>
+      <p:sp>
+        <p:nvSpPr>
+          <p:cNvPr id="3" name="Notes Placeholder 2"/>
+          <p:cNvSpPr>
+            <a:spLocks noGrp="1"/>
+          </p:cNvSpPr>
+          <p:nvPr>
+            <p:ph type="body" idx="1"/>
+          </p:nvPr>
+        </p:nvSpPr>
+        <p:spPr/>
+        <p:txBody>
+          <a:bodyPr/>
+          <a:lstStyle/>
+          <a:p>
+            <a:endParaRPr lang="en-US" dirty="0"/>
+          </a:p>
+        </p:txBody>
+      </p:sp>
+      <p:sp>
+        <p:nvSpPr>
+          <p:cNvPr id="4" name="Slide Number Placeholder 3"/>
+          <p:cNvSpPr>
+            <a:spLocks noGrp="1"/>
+          </p:cNvSpPr>
+          <p:nvPr>
+            <p:ph type="sldNum" sz="quarter" idx="10"/>
+          </p:nvPr>
+        </p:nvSpPr>
+        <p:spPr/>
+        <p:txBody>
+          <a:bodyPr/>
+          <a:lstStyle/>
+          <a:p>
+            <a:fld id="{28B05241-304B-4399-B516-2D7A5C717DFB}" type="slidenum">
+              <a:rPr lang="en-US" smtClean="0"/>
+              <a:t>8</a:t>
+            </a:fld>
+            <a:endParaRPr lang="en-US"/>
+          </a:p>
+        </p:txBody>
+      </p:sp>
+    </p:spTree>
+    <p:extLst>
+      <p:ext uri="{BB962C8B-B14F-4D97-AF65-F5344CB8AC3E}">
+        <p14:creationId xmlns:p14="http://schemas.microsoft.com/office/powerpoint/2010/main" val="4135776025"/>
       </p:ext>
     </p:extLst>
   </p:cSld>
@@ -820,7 +903,7 @@
             <a:fld id="{1D8BD707-D9CF-40AE-B4C6-C98DA3205C09}" type="datetimeFigureOut">
               <a:rPr lang="en-US" smtClean="0"/>
               <a:pPr/>
-              <a:t>12/23/2014</a:t>
+              <a:t>12/27/2014</a:t>
             </a:fld>
             <a:endParaRPr lang="en-US"/>
           </a:p>
@@ -987,7 +1070,7 @@
             <a:fld id="{1D8BD707-D9CF-40AE-B4C6-C98DA3205C09}" type="datetimeFigureOut">
               <a:rPr lang="en-US" smtClean="0"/>
               <a:pPr/>
-              <a:t>12/23/2014</a:t>
+              <a:t>12/27/2014</a:t>
             </a:fld>
             <a:endParaRPr lang="en-US"/>
           </a:p>
@@ -1164,7 +1247,7 @@
             <a:fld id="{1D8BD707-D9CF-40AE-B4C6-C98DA3205C09}" type="datetimeFigureOut">
               <a:rPr lang="en-US" smtClean="0"/>
               <a:pPr/>
-              <a:t>12/23/2014</a:t>
+              <a:t>12/27/2014</a:t>
             </a:fld>
             <a:endParaRPr lang="en-US"/>
           </a:p>
@@ -1331,7 +1414,7 @@
             <a:fld id="{1D8BD707-D9CF-40AE-B4C6-C98DA3205C09}" type="datetimeFigureOut">
               <a:rPr lang="en-US" smtClean="0"/>
               <a:pPr/>
-              <a:t>12/23/2014</a:t>
+              <a:t>12/27/2014</a:t>
             </a:fld>
             <a:endParaRPr lang="en-US"/>
           </a:p>
@@ -1574,7 +1657,7 @@
             <a:fld id="{1D8BD707-D9CF-40AE-B4C6-C98DA3205C09}" type="datetimeFigureOut">
               <a:rPr lang="en-US" smtClean="0"/>
               <a:pPr/>
-              <a:t>12/23/2014</a:t>
+              <a:t>12/27/2014</a:t>
             </a:fld>
             <a:endParaRPr lang="en-US"/>
           </a:p>
@@ -1859,7 +1942,7 @@
             <a:fld id="{1D8BD707-D9CF-40AE-B4C6-C98DA3205C09}" type="datetimeFigureOut">
               <a:rPr lang="en-US" smtClean="0"/>
               <a:pPr/>
-              <a:t>12/23/2014</a:t>
+              <a:t>12/27/2014</a:t>
             </a:fld>
             <a:endParaRPr lang="en-US"/>
           </a:p>
@@ -2278,7 +2361,7 @@
             <a:fld id="{1D8BD707-D9CF-40AE-B4C6-C98DA3205C09}" type="datetimeFigureOut">
               <a:rPr lang="en-US" smtClean="0"/>
               <a:pPr/>
-              <a:t>12/23/2014</a:t>
+              <a:t>12/27/2014</a:t>
             </a:fld>
             <a:endParaRPr lang="en-US"/>
           </a:p>
@@ -2393,7 +2476,7 @@
             <a:fld id="{1D8BD707-D9CF-40AE-B4C6-C98DA3205C09}" type="datetimeFigureOut">
               <a:rPr lang="en-US" smtClean="0"/>
               <a:pPr/>
-              <a:t>12/23/2014</a:t>
+              <a:t>12/27/2014</a:t>
             </a:fld>
             <a:endParaRPr lang="en-US"/>
           </a:p>
@@ -2485,7 +2568,7 @@
             <a:fld id="{1D8BD707-D9CF-40AE-B4C6-C98DA3205C09}" type="datetimeFigureOut">
               <a:rPr lang="en-US" smtClean="0"/>
               <a:pPr/>
-              <a:t>12/23/2014</a:t>
+              <a:t>12/27/2014</a:t>
             </a:fld>
             <a:endParaRPr lang="en-US"/>
           </a:p>
@@ -2759,7 +2842,7 @@
             <a:fld id="{1D8BD707-D9CF-40AE-B4C6-C98DA3205C09}" type="datetimeFigureOut">
               <a:rPr lang="en-US" smtClean="0"/>
               <a:pPr/>
-              <a:t>12/23/2014</a:t>
+              <a:t>12/27/2014</a:t>
             </a:fld>
             <a:endParaRPr lang="en-US"/>
           </a:p>
@@ -3009,7 +3092,7 @@
             <a:fld id="{1D8BD707-D9CF-40AE-B4C6-C98DA3205C09}" type="datetimeFigureOut">
               <a:rPr lang="en-US" smtClean="0"/>
               <a:pPr/>
-              <a:t>12/23/2014</a:t>
+              <a:t>12/27/2014</a:t>
             </a:fld>
             <a:endParaRPr lang="en-US"/>
           </a:p>
@@ -3219,7 +3302,7 @@
             <a:fld id="{1D8BD707-D9CF-40AE-B4C6-C98DA3205C09}" type="datetimeFigureOut">
               <a:rPr lang="en-US" smtClean="0"/>
               <a:pPr/>
-              <a:t>12/23/2014</a:t>
+              <a:t>12/27/2014</a:t>
             </a:fld>
             <a:endParaRPr lang="en-US"/>
           </a:p>
@@ -5370,445 +5453,6 @@
 </file>
 
 <file path=ppt/slides/slide10.xml><?xml version="1.0" encoding="utf-8"?>
-<p:sld xmlns:a="http://schemas.openxmlformats.org/drawingml/2006/main" xmlns:r="http://schemas.openxmlformats.org/officeDocument/2006/relationships" xmlns:p="http://schemas.openxmlformats.org/presentationml/2006/main">
-  <p:cSld>
-    <p:spTree>
-      <p:nvGrpSpPr>
-        <p:cNvPr id="1" name=""/>
-        <p:cNvGrpSpPr/>
-        <p:nvPr/>
-      </p:nvGrpSpPr>
-      <p:grpSpPr>
-        <a:xfrm>
-          <a:off x="0" y="0"/>
-          <a:ext cx="0" cy="0"/>
-          <a:chOff x="0" y="0"/>
-          <a:chExt cx="0" cy="0"/>
-        </a:xfrm>
-      </p:grpSpPr>
-      <p:grpSp>
-        <p:nvGrpSpPr>
-          <p:cNvPr id="10" name="Group 9"/>
-          <p:cNvGrpSpPr/>
-          <p:nvPr/>
-        </p:nvGrpSpPr>
-        <p:grpSpPr>
-          <a:xfrm>
-            <a:off x="436636" y="-228600"/>
-            <a:ext cx="8050139" cy="7363346"/>
-            <a:chOff x="436636" y="-228600"/>
-            <a:chExt cx="8050139" cy="7363346"/>
-          </a:xfrm>
-        </p:grpSpPr>
-        <p:pic>
-          <p:nvPicPr>
-            <p:cNvPr id="2" name="Picture 2"/>
-            <p:cNvPicPr>
-              <a:picLocks noChangeAspect="1" noChangeArrowheads="1"/>
-            </p:cNvPicPr>
-            <p:nvPr/>
-          </p:nvPicPr>
-          <p:blipFill>
-            <a:blip r:embed="rId2">
-              <a:extLst>
-                <a:ext uri="{28A0092B-C50C-407E-A947-70E740481C1C}">
-                  <a14:useLocalDpi xmlns:a14="http://schemas.microsoft.com/office/drawing/2010/main" val="0"/>
-                </a:ext>
-              </a:extLst>
-            </a:blip>
-            <a:srcRect/>
-            <a:stretch>
-              <a:fillRect/>
-            </a:stretch>
-          </p:blipFill>
-          <p:spPr bwMode="auto">
-            <a:xfrm>
-              <a:off x="571500" y="-142875"/>
-              <a:ext cx="7410450" cy="7191375"/>
-            </a:xfrm>
-            <a:prstGeom prst="rect">
-              <a:avLst/>
-            </a:prstGeom>
-            <a:noFill/>
-            <a:ln>
-              <a:noFill/>
-            </a:ln>
-            <a:effectLst/>
-            <a:extLst>
-              <a:ext uri="{909E8E84-426E-40DD-AFC4-6F175D3DCCD1}">
-                <a14:hiddenFill xmlns:a14="http://schemas.microsoft.com/office/drawing/2010/main">
-                  <a:solidFill>
-                    <a:schemeClr val="accent1"/>
-                  </a:solidFill>
-                </a14:hiddenFill>
-              </a:ext>
-              <a:ext uri="{91240B29-F687-4F45-9708-019B960494DF}">
-                <a14:hiddenLine xmlns:a14="http://schemas.microsoft.com/office/drawing/2010/main" w="9525">
-                  <a:solidFill>
-                    <a:schemeClr val="tx1"/>
-                  </a:solidFill>
-                  <a:miter lim="800000"/>
-                  <a:headEnd/>
-                  <a:tailEnd/>
-                </a14:hiddenLine>
-              </a:ext>
-              <a:ext uri="{AF507438-7753-43E0-B8FC-AC1667EBCBE1}">
-                <a14:hiddenEffects xmlns:a14="http://schemas.microsoft.com/office/drawing/2010/main">
-                  <a:effectLst>
-                    <a:outerShdw dist="35921" dir="2700000" algn="ctr" rotWithShape="0">
-                      <a:schemeClr val="bg2"/>
-                    </a:outerShdw>
-                  </a:effectLst>
-                </a14:hiddenEffects>
-              </a:ext>
-            </a:extLst>
-          </p:spPr>
-        </p:pic>
-        <p:sp>
-          <p:nvSpPr>
-            <p:cNvPr id="4" name="Rounded Rectangle 3"/>
-            <p:cNvSpPr/>
-            <p:nvPr/>
-          </p:nvSpPr>
-          <p:spPr>
-            <a:xfrm>
-              <a:off x="436636" y="2659964"/>
-              <a:ext cx="2171700" cy="2845486"/>
-            </a:xfrm>
-            <a:prstGeom prst="roundRect">
-              <a:avLst/>
-            </a:prstGeom>
-            <a:solidFill>
-              <a:srgbClr val="F79646">
-                <a:alpha val="20000"/>
-              </a:srgbClr>
-            </a:solidFill>
-            <a:ln>
-              <a:solidFill>
-                <a:srgbClr val="F79646"/>
-              </a:solidFill>
-            </a:ln>
-          </p:spPr>
-          <p:style>
-            <a:lnRef idx="2">
-              <a:schemeClr val="accent6">
-                <a:shade val="50000"/>
-              </a:schemeClr>
-            </a:lnRef>
-            <a:fillRef idx="1">
-              <a:schemeClr val="accent6"/>
-            </a:fillRef>
-            <a:effectRef idx="0">
-              <a:schemeClr val="accent6"/>
-            </a:effectRef>
-            <a:fontRef idx="minor">
-              <a:schemeClr val="lt1"/>
-            </a:fontRef>
-          </p:style>
-          <p:txBody>
-            <a:bodyPr rtlCol="0" anchor="ctr"/>
-            <a:lstStyle/>
-            <a:p>
-              <a:pPr algn="ctr"/>
-              <a:endParaRPr lang="en-US" dirty="0"/>
-            </a:p>
-          </p:txBody>
-        </p:sp>
-        <p:sp>
-          <p:nvSpPr>
-            <p:cNvPr id="6" name="Rounded Rectangle 5"/>
-            <p:cNvSpPr/>
-            <p:nvPr/>
-          </p:nvSpPr>
-          <p:spPr>
-            <a:xfrm>
-              <a:off x="4448022" y="5432947"/>
-              <a:ext cx="4038753" cy="1701799"/>
-            </a:xfrm>
-            <a:prstGeom prst="roundRect">
-              <a:avLst/>
-            </a:prstGeom>
-            <a:solidFill>
-              <a:srgbClr val="F79646">
-                <a:alpha val="20000"/>
-              </a:srgbClr>
-            </a:solidFill>
-            <a:ln>
-              <a:solidFill>
-                <a:srgbClr val="F79646"/>
-              </a:solidFill>
-            </a:ln>
-          </p:spPr>
-          <p:style>
-            <a:lnRef idx="2">
-              <a:schemeClr val="accent6">
-                <a:shade val="50000"/>
-              </a:schemeClr>
-            </a:lnRef>
-            <a:fillRef idx="1">
-              <a:schemeClr val="accent6"/>
-            </a:fillRef>
-            <a:effectRef idx="0">
-              <a:schemeClr val="accent6"/>
-            </a:effectRef>
-            <a:fontRef idx="minor">
-              <a:schemeClr val="lt1"/>
-            </a:fontRef>
-          </p:style>
-          <p:txBody>
-            <a:bodyPr rtlCol="0" anchor="ctr"/>
-            <a:lstStyle/>
-            <a:p>
-              <a:pPr algn="ctr"/>
-              <a:endParaRPr lang="en-US" dirty="0"/>
-            </a:p>
-          </p:txBody>
-        </p:sp>
-        <p:sp>
-          <p:nvSpPr>
-            <p:cNvPr id="5" name="TextBox 4"/>
-            <p:cNvSpPr txBox="1"/>
-            <p:nvPr/>
-          </p:nvSpPr>
-          <p:spPr>
-            <a:xfrm>
-              <a:off x="7610475" y="5895796"/>
-              <a:ext cx="864508" cy="1200329"/>
-            </a:xfrm>
-            <a:prstGeom prst="rect">
-              <a:avLst/>
-            </a:prstGeom>
-            <a:noFill/>
-          </p:spPr>
-          <p:txBody>
-            <a:bodyPr wrap="square" rtlCol="0">
-              <a:spAutoFit/>
-            </a:bodyPr>
-            <a:lstStyle/>
-            <a:p>
-              <a:r>
-                <a:rPr lang="en-US" sz="1200" dirty="0" smtClean="0"/>
-                <a:t>topology</a:t>
-              </a:r>
-              <a:br>
-                <a:rPr lang="en-US" sz="1200" dirty="0" smtClean="0"/>
-              </a:br>
-              <a:r>
-                <a:rPr lang="en-US" sz="1200" dirty="0" smtClean="0"/>
-                <a:t>module:</a:t>
-              </a:r>
-            </a:p>
-            <a:p>
-              <a:r>
-                <a:rPr lang="en-US" sz="1200" i="1" dirty="0" smtClean="0"/>
-                <a:t>scalable</a:t>
-              </a:r>
-              <a:br>
-                <a:rPr lang="en-US" sz="1200" i="1" dirty="0" smtClean="0"/>
-              </a:br>
-              <a:r>
-                <a:rPr lang="en-US" sz="1200" i="1" dirty="0" smtClean="0"/>
-                <a:t>for other</a:t>
-              </a:r>
-              <a:br>
-                <a:rPr lang="en-US" sz="1200" i="1" dirty="0" smtClean="0"/>
-              </a:br>
-              <a:r>
-                <a:rPr lang="en-US" sz="1200" i="1" dirty="0" smtClean="0"/>
-                <a:t>network</a:t>
-              </a:r>
-              <a:br>
-                <a:rPr lang="en-US" sz="1200" i="1" dirty="0" smtClean="0"/>
-              </a:br>
-              <a:r>
-                <a:rPr lang="en-US" sz="1200" i="1" dirty="0" smtClean="0"/>
-                <a:t>topologies</a:t>
-              </a:r>
-              <a:endParaRPr lang="en-US" sz="1200" i="1" dirty="0"/>
-            </a:p>
-          </p:txBody>
-        </p:sp>
-        <p:sp>
-          <p:nvSpPr>
-            <p:cNvPr id="8" name="Rounded Rectangle 7"/>
-            <p:cNvSpPr/>
-            <p:nvPr/>
-          </p:nvSpPr>
-          <p:spPr>
-            <a:xfrm>
-              <a:off x="4114800" y="-228600"/>
-              <a:ext cx="4371975" cy="5661547"/>
-            </a:xfrm>
-            <a:prstGeom prst="roundRect">
-              <a:avLst/>
-            </a:prstGeom>
-            <a:solidFill>
-              <a:srgbClr val="F79646">
-                <a:alpha val="20000"/>
-              </a:srgbClr>
-            </a:solidFill>
-            <a:ln>
-              <a:solidFill>
-                <a:srgbClr val="F79646"/>
-              </a:solidFill>
-            </a:ln>
-          </p:spPr>
-          <p:style>
-            <a:lnRef idx="2">
-              <a:schemeClr val="accent6">
-                <a:shade val="50000"/>
-              </a:schemeClr>
-            </a:lnRef>
-            <a:fillRef idx="1">
-              <a:schemeClr val="accent6"/>
-            </a:fillRef>
-            <a:effectRef idx="0">
-              <a:schemeClr val="accent6"/>
-            </a:effectRef>
-            <a:fontRef idx="minor">
-              <a:schemeClr val="lt1"/>
-            </a:fontRef>
-          </p:style>
-          <p:txBody>
-            <a:bodyPr rtlCol="0" anchor="ctr"/>
-            <a:lstStyle/>
-            <a:p>
-              <a:pPr algn="ctr"/>
-              <a:endParaRPr lang="en-US" dirty="0"/>
-            </a:p>
-          </p:txBody>
-        </p:sp>
-        <p:sp>
-          <p:nvSpPr>
-            <p:cNvPr id="7" name="TextBox 6"/>
-            <p:cNvSpPr txBox="1"/>
-            <p:nvPr/>
-          </p:nvSpPr>
-          <p:spPr>
-            <a:xfrm>
-              <a:off x="7472285" y="104775"/>
-              <a:ext cx="1014490" cy="1384995"/>
-            </a:xfrm>
-            <a:prstGeom prst="rect">
-              <a:avLst/>
-            </a:prstGeom>
-            <a:noFill/>
-          </p:spPr>
-          <p:txBody>
-            <a:bodyPr wrap="square" rtlCol="0">
-              <a:spAutoFit/>
-            </a:bodyPr>
-            <a:lstStyle/>
-            <a:p>
-              <a:r>
-                <a:rPr lang="en-US" sz="1200" dirty="0"/>
-                <a:t>p</a:t>
-              </a:r>
-              <a:r>
-                <a:rPr lang="en-US" sz="1200" dirty="0" smtClean="0"/>
-                <a:t>ropagation module:</a:t>
-              </a:r>
-            </a:p>
-            <a:p>
-              <a:r>
-                <a:rPr lang="en-US" sz="1200" i="1" dirty="0" smtClean="0"/>
-                <a:t>scalable</a:t>
-              </a:r>
-              <a:br>
-                <a:rPr lang="en-US" sz="1200" i="1" dirty="0" smtClean="0"/>
-              </a:br>
-              <a:r>
-                <a:rPr lang="en-US" sz="1200" i="1" dirty="0" smtClean="0"/>
-                <a:t>for</a:t>
-              </a:r>
-              <a:r>
-                <a:rPr lang="en-US" sz="1200" i="1" dirty="0"/>
-                <a:t> </a:t>
-              </a:r>
-              <a:r>
-                <a:rPr lang="en-US" sz="1200" i="1" dirty="0" smtClean="0"/>
-                <a:t>other</a:t>
-              </a:r>
-              <a:br>
-                <a:rPr lang="en-US" sz="1200" i="1" dirty="0" smtClean="0"/>
-              </a:br>
-              <a:r>
-                <a:rPr lang="en-US" sz="1200" i="1" dirty="0" smtClean="0"/>
-                <a:t>back-propagation algorithms</a:t>
-              </a:r>
-              <a:endParaRPr lang="en-US" sz="1200" i="1" dirty="0"/>
-            </a:p>
-          </p:txBody>
-        </p:sp>
-        <p:sp>
-          <p:nvSpPr>
-            <p:cNvPr id="9" name="TextBox 8"/>
-            <p:cNvSpPr txBox="1"/>
-            <p:nvPr/>
-          </p:nvSpPr>
-          <p:spPr>
-            <a:xfrm>
-              <a:off x="874029" y="3667208"/>
-              <a:ext cx="1296914" cy="830997"/>
-            </a:xfrm>
-            <a:prstGeom prst="rect">
-              <a:avLst/>
-            </a:prstGeom>
-            <a:noFill/>
-          </p:spPr>
-          <p:txBody>
-            <a:bodyPr wrap="square" rtlCol="0">
-              <a:spAutoFit/>
-            </a:bodyPr>
-            <a:lstStyle/>
-            <a:p>
-              <a:r>
-                <a:rPr lang="en-US" sz="1200" dirty="0"/>
-                <a:t>i</a:t>
-              </a:r>
-              <a:r>
-                <a:rPr lang="en-US" sz="1200" dirty="0" smtClean="0"/>
-                <a:t>nput and output</a:t>
-              </a:r>
-              <a:br>
-                <a:rPr lang="en-US" sz="1200" dirty="0" smtClean="0"/>
-              </a:br>
-              <a:r>
-                <a:rPr lang="en-US" sz="1200" dirty="0" smtClean="0"/>
-                <a:t>utility module:</a:t>
-              </a:r>
-            </a:p>
-            <a:p>
-              <a:r>
-                <a:rPr lang="en-US" sz="1200" i="1" dirty="0" smtClean="0"/>
-                <a:t>scalable for other</a:t>
-              </a:r>
-              <a:br>
-                <a:rPr lang="en-US" sz="1200" i="1" dirty="0" smtClean="0"/>
-              </a:br>
-              <a:r>
-                <a:rPr lang="en-US" sz="1200" i="1" dirty="0" smtClean="0"/>
-                <a:t>system models</a:t>
-              </a:r>
-              <a:endParaRPr lang="en-US" sz="1200" i="1" dirty="0"/>
-            </a:p>
-          </p:txBody>
-        </p:sp>
-      </p:grpSp>
-    </p:spTree>
-    <p:extLst>
-      <p:ext uri="{BB962C8B-B14F-4D97-AF65-F5344CB8AC3E}">
-        <p14:creationId xmlns:p14="http://schemas.microsoft.com/office/powerpoint/2010/main" val="795875027"/>
-      </p:ext>
-    </p:extLst>
-  </p:cSld>
-  <p:clrMapOvr>
-    <a:masterClrMapping/>
-  </p:clrMapOvr>
-</p:sld>
-</file>
-
-<file path=ppt/slides/slide11.xml><?xml version="1.0" encoding="utf-8"?>
 <p:sld xmlns:a="http://schemas.openxmlformats.org/drawingml/2006/main" xmlns:r="http://schemas.openxmlformats.org/officeDocument/2006/relationships" xmlns:p="http://schemas.openxmlformats.org/presentationml/2006/main">
   <p:cSld>
     <p:spTree>
@@ -10642,100 +10286,6 @@
           <a:chExt cx="0" cy="0"/>
         </a:xfrm>
       </p:grpSpPr>
-      <p:pic>
-        <p:nvPicPr>
-          <p:cNvPr id="2050" name="Picture 2"/>
-          <p:cNvPicPr>
-            <a:picLocks noChangeAspect="1" noChangeArrowheads="1"/>
-          </p:cNvPicPr>
-          <p:nvPr/>
-        </p:nvPicPr>
-        <p:blipFill>
-          <a:blip r:embed="rId2">
-            <a:extLst>
-              <a:ext uri="{28A0092B-C50C-407E-A947-70E740481C1C}">
-                <a14:useLocalDpi xmlns:a14="http://schemas.microsoft.com/office/drawing/2010/main" val="0"/>
-              </a:ext>
-            </a:extLst>
-          </a:blip>
-          <a:srcRect/>
-          <a:stretch>
-            <a:fillRect/>
-          </a:stretch>
-        </p:blipFill>
-        <p:spPr bwMode="auto">
-          <a:xfrm>
-            <a:off x="3486150" y="1909763"/>
-            <a:ext cx="2171700" cy="3038475"/>
-          </a:xfrm>
-          <a:prstGeom prst="rect">
-            <a:avLst/>
-          </a:prstGeom>
-          <a:noFill/>
-          <a:ln>
-            <a:noFill/>
-          </a:ln>
-          <a:effectLst/>
-          <a:extLst>
-            <a:ext uri="{909E8E84-426E-40DD-AFC4-6F175D3DCCD1}">
-              <a14:hiddenFill xmlns:a14="http://schemas.microsoft.com/office/drawing/2010/main">
-                <a:solidFill>
-                  <a:schemeClr val="accent1"/>
-                </a:solidFill>
-              </a14:hiddenFill>
-            </a:ext>
-            <a:ext uri="{91240B29-F687-4F45-9708-019B960494DF}">
-              <a14:hiddenLine xmlns:a14="http://schemas.microsoft.com/office/drawing/2010/main" w="9525">
-                <a:solidFill>
-                  <a:schemeClr val="tx1"/>
-                </a:solidFill>
-                <a:miter lim="800000"/>
-                <a:headEnd/>
-                <a:tailEnd/>
-              </a14:hiddenLine>
-            </a:ext>
-            <a:ext uri="{AF507438-7753-43E0-B8FC-AC1667EBCBE1}">
-              <a14:hiddenEffects xmlns:a14="http://schemas.microsoft.com/office/drawing/2010/main">
-                <a:effectLst>
-                  <a:outerShdw dist="35921" dir="2700000" algn="ctr" rotWithShape="0">
-                    <a:schemeClr val="bg2"/>
-                  </a:outerShdw>
-                </a:effectLst>
-              </a14:hiddenEffects>
-            </a:ext>
-          </a:extLst>
-        </p:spPr>
-      </p:pic>
-    </p:spTree>
-    <p:extLst>
-      <p:ext uri="{BB962C8B-B14F-4D97-AF65-F5344CB8AC3E}">
-        <p14:creationId xmlns:p14="http://schemas.microsoft.com/office/powerpoint/2010/main" val="909654856"/>
-      </p:ext>
-    </p:extLst>
-  </p:cSld>
-  <p:clrMapOvr>
-    <a:masterClrMapping/>
-  </p:clrMapOvr>
-</p:sld>
-</file>
-
-<file path=ppt/slides/slide5.xml><?xml version="1.0" encoding="utf-8"?>
-<p:sld xmlns:a="http://schemas.openxmlformats.org/drawingml/2006/main" xmlns:r="http://schemas.openxmlformats.org/officeDocument/2006/relationships" xmlns:p="http://schemas.openxmlformats.org/presentationml/2006/main">
-  <p:cSld>
-    <p:spTree>
-      <p:nvGrpSpPr>
-        <p:cNvPr id="1" name=""/>
-        <p:cNvGrpSpPr/>
-        <p:nvPr/>
-      </p:nvGrpSpPr>
-      <p:grpSpPr>
-        <a:xfrm>
-          <a:off x="0" y="0"/>
-          <a:ext cx="0" cy="0"/>
-          <a:chOff x="0" y="0"/>
-          <a:chExt cx="0" cy="0"/>
-        </a:xfrm>
-      </p:grpSpPr>
       <p:grpSp>
         <p:nvGrpSpPr>
           <p:cNvPr id="195" name="Group 194"/>
@@ -10744,7 +10294,7 @@
         </p:nvGrpSpPr>
         <p:grpSpPr>
           <a:xfrm>
-            <a:off x="517366" y="1330184"/>
+            <a:off x="1008788" y="2014409"/>
             <a:ext cx="7136671" cy="2515023"/>
             <a:chOff x="517366" y="1330182"/>
             <a:chExt cx="7136670" cy="2515024"/>
@@ -10858,8 +10408,8 @@
           </p:nvSpPr>
           <p:spPr>
             <a:xfrm>
-              <a:off x="5746291" y="1333996"/>
-              <a:ext cx="742511" cy="553998"/>
+              <a:off x="5759115" y="1333996"/>
+              <a:ext cx="716863" cy="553998"/>
             </a:xfrm>
             <a:prstGeom prst="rect">
               <a:avLst/>
@@ -10875,7 +10425,15 @@
               <a:pPr algn="ctr"/>
               <a:r>
                 <a:rPr lang="en-US" sz="1500" dirty="0"/>
-                <a:t>Output</a:t>
+                <a:t>o</a:t>
+              </a:r>
+              <a:r>
+                <a:rPr lang="en-US" sz="1500" dirty="0" smtClean="0"/>
+                <a:t>utput</a:t>
+              </a:r>
+              <a:r>
+                <a:rPr lang="en-US" sz="1500" dirty="0"/>
+                <a:t/>
               </a:r>
               <a:br>
                 <a:rPr lang="en-US" sz="1500" dirty="0"/>
@@ -10895,8 +10453,8 @@
           </p:nvSpPr>
           <p:spPr>
             <a:xfrm>
-              <a:off x="4248379" y="1330182"/>
-              <a:ext cx="748924" cy="553998"/>
+              <a:off x="4257997" y="1330182"/>
+              <a:ext cx="729688" cy="553998"/>
             </a:xfrm>
             <a:prstGeom prst="rect">
               <a:avLst/>
@@ -10912,7 +10470,15 @@
               <a:pPr algn="ctr"/>
               <a:r>
                 <a:rPr lang="en-US" sz="1500" dirty="0"/>
-                <a:t>Hidden</a:t>
+                <a:t>h</a:t>
+              </a:r>
+              <a:r>
+                <a:rPr lang="en-US" sz="1500" dirty="0" smtClean="0"/>
+                <a:t>idden</a:t>
+              </a:r>
+              <a:r>
+                <a:rPr lang="en-US" sz="1500" dirty="0"/>
+                <a:t/>
               </a:r>
               <a:br>
                 <a:rPr lang="en-US" sz="1500" dirty="0"/>
@@ -13082,8 +12648,8 @@
           </p:nvSpPr>
           <p:spPr>
             <a:xfrm>
-              <a:off x="2754421" y="1330183"/>
-              <a:ext cx="748924" cy="553998"/>
+              <a:off x="2764039" y="1330183"/>
+              <a:ext cx="729688" cy="553998"/>
             </a:xfrm>
             <a:prstGeom prst="rect">
               <a:avLst/>
@@ -13099,7 +12665,15 @@
               <a:pPr algn="ctr"/>
               <a:r>
                 <a:rPr lang="en-US" sz="1500" dirty="0"/>
-                <a:t>Hidden</a:t>
+                <a:t>h</a:t>
+              </a:r>
+              <a:r>
+                <a:rPr lang="en-US" sz="1500" dirty="0" smtClean="0"/>
+                <a:t>idden</a:t>
+              </a:r>
+              <a:r>
+                <a:rPr lang="en-US" sz="1500" dirty="0"/>
+                <a:t/>
               </a:r>
               <a:br>
                 <a:rPr lang="en-US" sz="1500" dirty="0"/>
@@ -15840,7 +15414,7 @@
 </p:sld>
 </file>
 
-<file path=ppt/slides/slide6.xml><?xml version="1.0" encoding="utf-8"?>
+<file path=ppt/slides/slide5.xml><?xml version="1.0" encoding="utf-8"?>
 <p:sld xmlns:a="http://schemas.openxmlformats.org/drawingml/2006/main" xmlns:r="http://schemas.openxmlformats.org/officeDocument/2006/relationships" xmlns:p="http://schemas.openxmlformats.org/presentationml/2006/main">
   <p:cSld>
     <p:spTree>
@@ -15865,7 +15439,7 @@
         </p:nvGrpSpPr>
         <p:grpSpPr>
           <a:xfrm>
-            <a:off x="1993900" y="975360"/>
+            <a:off x="1842086" y="1353423"/>
             <a:ext cx="5778501" cy="4086860"/>
             <a:chOff x="1993900" y="975360"/>
             <a:chExt cx="5778501" cy="4086860"/>
@@ -20902,10 +20476,17 @@
   <p:clrMapOvr>
     <a:masterClrMapping/>
   </p:clrMapOvr>
+  <p:timing>
+    <p:tnLst>
+      <p:par>
+        <p:cTn id="1" dur="indefinite" restart="never" nodeType="tmRoot"/>
+      </p:par>
+    </p:tnLst>
+  </p:timing>
 </p:sld>
 </file>
 
-<file path=ppt/slides/slide7.xml><?xml version="1.0" encoding="utf-8"?>
+<file path=ppt/slides/slide6.xml><?xml version="1.0" encoding="utf-8"?>
 <p:sld xmlns:a="http://schemas.openxmlformats.org/drawingml/2006/main" xmlns:r="http://schemas.openxmlformats.org/officeDocument/2006/relationships" xmlns:p="http://schemas.openxmlformats.org/presentationml/2006/main">
   <p:cSld>
     <p:spTree>
@@ -20924,54 +20505,51 @@
       </p:grpSpPr>
       <p:grpSp>
         <p:nvGrpSpPr>
-          <p:cNvPr id="2" name="Group 1"/>
+          <p:cNvPr id="56" name="Group 55"/>
           <p:cNvGrpSpPr/>
           <p:nvPr/>
         </p:nvGrpSpPr>
         <p:grpSpPr>
           <a:xfrm>
-            <a:off x="963790" y="1843367"/>
-            <a:ext cx="7263333" cy="3131820"/>
-            <a:chOff x="963790" y="1843367"/>
-            <a:chExt cx="7263333" cy="3131820"/>
+            <a:off x="1271098" y="1843367"/>
+            <a:ext cx="6572410" cy="3131820"/>
+            <a:chOff x="1271098" y="1843367"/>
+            <a:chExt cx="6572410" cy="3131820"/>
           </a:xfrm>
         </p:grpSpPr>
         <p:sp>
           <p:nvSpPr>
-            <p:cNvPr id="322" name="Rounded Rectangle 321"/>
+            <p:cNvPr id="25" name="Rectangle 24"/>
             <p:cNvSpPr/>
             <p:nvPr/>
           </p:nvSpPr>
           <p:spPr>
             <a:xfrm>
-              <a:off x="2113928" y="3066797"/>
-              <a:ext cx="940839" cy="677900"/>
+              <a:off x="2094903" y="3908387"/>
+              <a:ext cx="2385060" cy="1066800"/>
             </a:xfrm>
-            <a:prstGeom prst="roundRect">
+            <a:prstGeom prst="rect">
               <a:avLst/>
             </a:prstGeom>
-            <a:solidFill>
-              <a:srgbClr val="F79646">
-                <a:alpha val="20000"/>
-              </a:srgbClr>
-            </a:solidFill>
-            <a:ln>
+            <a:noFill/>
+            <a:ln w="28575">
               <a:solidFill>
-                <a:srgbClr val="F79646"/>
+                <a:schemeClr val="tx1"/>
               </a:solidFill>
+              <a:prstDash val="sysDot"/>
             </a:ln>
           </p:spPr>
           <p:style>
             <a:lnRef idx="2">
-              <a:schemeClr val="accent6">
+              <a:schemeClr val="accent1">
                 <a:shade val="50000"/>
               </a:schemeClr>
             </a:lnRef>
             <a:fillRef idx="1">
-              <a:schemeClr val="accent6"/>
+              <a:schemeClr val="accent1"/>
             </a:fillRef>
             <a:effectRef idx="0">
-              <a:schemeClr val="accent6"/>
+              <a:schemeClr val="accent1"/>
             </a:effectRef>
             <a:fontRef idx="minor">
               <a:schemeClr val="lt1"/>
@@ -20982,81 +20560,43 @@
             <a:lstStyle/>
             <a:p>
               <a:pPr algn="ctr"/>
-              <a:r>
-                <a:rPr lang="en-US" sz="1400" dirty="0">
-                  <a:solidFill>
-                    <a:schemeClr val="tx1"/>
-                  </a:solidFill>
-                </a:rPr>
-                <a:t>i</a:t>
-              </a:r>
-              <a:r>
-                <a:rPr lang="en-US" sz="1400" dirty="0" smtClean="0">
-                  <a:solidFill>
-                    <a:schemeClr val="tx1"/>
-                  </a:solidFill>
-                </a:rPr>
-                <a:t>nput</a:t>
-              </a:r>
-              <a:br>
-                <a:rPr lang="en-US" sz="1400" dirty="0" smtClean="0">
-                  <a:solidFill>
-                    <a:schemeClr val="tx1"/>
-                  </a:solidFill>
-                </a:rPr>
-              </a:br>
-              <a:r>
-                <a:rPr lang="en-US" sz="1400" dirty="0" smtClean="0">
-                  <a:solidFill>
-                    <a:schemeClr val="tx1"/>
-                  </a:solidFill>
-                </a:rPr>
-                <a:t>abs-layer</a:t>
-              </a:r>
-              <a:endParaRPr lang="en-US" sz="1400" dirty="0">
-                <a:solidFill>
-                  <a:schemeClr val="tx1"/>
-                </a:solidFill>
-              </a:endParaRPr>
+              <a:endParaRPr lang="en-US"/>
             </a:p>
           </p:txBody>
         </p:sp>
         <p:sp>
           <p:nvSpPr>
-            <p:cNvPr id="74" name="Rounded Rectangle 73"/>
+            <p:cNvPr id="130" name="Rectangle 129"/>
             <p:cNvSpPr/>
             <p:nvPr/>
           </p:nvSpPr>
           <p:spPr>
             <a:xfrm>
-              <a:off x="3397148" y="3066797"/>
-              <a:ext cx="940839" cy="677900"/>
+              <a:off x="4067499" y="1843367"/>
+              <a:ext cx="2462244" cy="1066800"/>
             </a:xfrm>
-            <a:prstGeom prst="roundRect">
+            <a:prstGeom prst="rect">
               <a:avLst/>
             </a:prstGeom>
-            <a:solidFill>
-              <a:srgbClr val="F79646">
-                <a:alpha val="20000"/>
-              </a:srgbClr>
-            </a:solidFill>
-            <a:ln>
+            <a:noFill/>
+            <a:ln w="28575">
               <a:solidFill>
-                <a:srgbClr val="F79646"/>
+                <a:schemeClr val="tx1"/>
               </a:solidFill>
+              <a:prstDash val="sysDot"/>
             </a:ln>
           </p:spPr>
           <p:style>
             <a:lnRef idx="2">
-              <a:schemeClr val="accent6">
+              <a:schemeClr val="accent1">
                 <a:shade val="50000"/>
               </a:schemeClr>
             </a:lnRef>
             <a:fillRef idx="1">
-              <a:schemeClr val="accent6"/>
+              <a:schemeClr val="accent1"/>
             </a:fillRef>
             <a:effectRef idx="0">
-              <a:schemeClr val="accent6"/>
+              <a:schemeClr val="accent1"/>
             </a:effectRef>
             <a:fontRef idx="minor">
               <a:schemeClr val="lt1"/>
@@ -21067,57 +20607,394 @@
             <a:lstStyle/>
             <a:p>
               <a:pPr algn="ctr"/>
-              <a:r>
-                <a:rPr lang="en-US" sz="1400" dirty="0">
-                  <a:solidFill>
-                    <a:schemeClr val="tx1"/>
-                  </a:solidFill>
-                </a:rPr>
-                <a:t>w</a:t>
-              </a:r>
-              <a:r>
-                <a:rPr lang="en-US" sz="1400" dirty="0" smtClean="0">
-                  <a:solidFill>
-                    <a:schemeClr val="tx1"/>
-                  </a:solidFill>
-                </a:rPr>
-                <a:t>eight</a:t>
-              </a:r>
-              <a:br>
-                <a:rPr lang="en-US" sz="1400" dirty="0" smtClean="0">
-                  <a:solidFill>
-                    <a:schemeClr val="tx1"/>
-                  </a:solidFill>
-                </a:rPr>
-              </a:br>
-              <a:r>
-                <a:rPr lang="en-US" sz="1400" dirty="0" smtClean="0">
-                  <a:solidFill>
-                    <a:schemeClr val="tx1"/>
-                  </a:solidFill>
-                </a:rPr>
-                <a:t>abs-layer</a:t>
-              </a:r>
-              <a:endParaRPr lang="en-US" sz="1400" dirty="0">
-                <a:solidFill>
-                  <a:schemeClr val="tx1"/>
-                </a:solidFill>
-              </a:endParaRPr>
+              <a:endParaRPr lang="en-US"/>
+            </a:p>
+          </p:txBody>
+        </p:sp>
+        <p:cxnSp>
+          <p:nvCxnSpPr>
+            <p:cNvPr id="27" name="Straight Connector 26"/>
+            <p:cNvCxnSpPr/>
+            <p:nvPr/>
+          </p:nvCxnSpPr>
+          <p:spPr>
+            <a:xfrm>
+              <a:off x="1899063" y="2993987"/>
+              <a:ext cx="5314948" cy="0"/>
+            </a:xfrm>
+            <a:prstGeom prst="line">
+              <a:avLst/>
+            </a:prstGeom>
+            <a:noFill/>
+            <a:ln w="19050">
+              <a:solidFill>
+                <a:schemeClr val="bg1">
+                  <a:lumMod val="65000"/>
+                </a:schemeClr>
+              </a:solidFill>
+              <a:prstDash val="solid"/>
+            </a:ln>
+          </p:spPr>
+          <p:style>
+            <a:lnRef idx="2">
+              <a:schemeClr val="accent1">
+                <a:shade val="50000"/>
+              </a:schemeClr>
+            </a:lnRef>
+            <a:fillRef idx="1">
+              <a:schemeClr val="accent1"/>
+            </a:fillRef>
+            <a:effectRef idx="0">
+              <a:schemeClr val="accent1"/>
+            </a:effectRef>
+            <a:fontRef idx="minor">
+              <a:schemeClr val="lt1"/>
+            </a:fontRef>
+          </p:style>
+        </p:cxnSp>
+        <p:cxnSp>
+          <p:nvCxnSpPr>
+            <p:cNvPr id="137" name="Straight Connector 136"/>
+            <p:cNvCxnSpPr/>
+            <p:nvPr/>
+          </p:nvCxnSpPr>
+          <p:spPr>
+            <a:xfrm>
+              <a:off x="1908213" y="3831234"/>
+              <a:ext cx="5307330" cy="0"/>
+            </a:xfrm>
+            <a:prstGeom prst="line">
+              <a:avLst/>
+            </a:prstGeom>
+            <a:noFill/>
+            <a:ln w="19050">
+              <a:solidFill>
+                <a:schemeClr val="bg1">
+                  <a:lumMod val="65000"/>
+                </a:schemeClr>
+              </a:solidFill>
+              <a:prstDash val="solid"/>
+            </a:ln>
+          </p:spPr>
+          <p:style>
+            <a:lnRef idx="2">
+              <a:schemeClr val="accent1">
+                <a:shade val="50000"/>
+              </a:schemeClr>
+            </a:lnRef>
+            <a:fillRef idx="1">
+              <a:schemeClr val="accent1"/>
+            </a:fillRef>
+            <a:effectRef idx="0">
+              <a:schemeClr val="accent1"/>
+            </a:effectRef>
+            <a:fontRef idx="minor">
+              <a:schemeClr val="lt1"/>
+            </a:fontRef>
+          </p:style>
+        </p:cxnSp>
+        <p:sp>
+          <p:nvSpPr>
+            <p:cNvPr id="29" name="Left Brace 28"/>
+            <p:cNvSpPr/>
+            <p:nvPr/>
+          </p:nvSpPr>
+          <p:spPr>
+            <a:xfrm>
+              <a:off x="1594263" y="2993987"/>
+              <a:ext cx="304800" cy="1981200"/>
+            </a:xfrm>
+            <a:prstGeom prst="leftBrace">
+              <a:avLst>
+                <a:gd name="adj1" fmla="val 31250"/>
+                <a:gd name="adj2" fmla="val 50000"/>
+              </a:avLst>
+            </a:prstGeom>
+            <a:ln w="19050">
+              <a:solidFill>
+                <a:schemeClr val="bg1">
+                  <a:lumMod val="65000"/>
+                </a:schemeClr>
+              </a:solidFill>
+            </a:ln>
+          </p:spPr>
+          <p:style>
+            <a:lnRef idx="1">
+              <a:schemeClr val="accent1"/>
+            </a:lnRef>
+            <a:fillRef idx="0">
+              <a:schemeClr val="accent1"/>
+            </a:fillRef>
+            <a:effectRef idx="0">
+              <a:schemeClr val="accent1"/>
+            </a:effectRef>
+            <a:fontRef idx="minor">
+              <a:schemeClr val="tx1"/>
+            </a:fontRef>
+          </p:style>
+          <p:txBody>
+            <a:bodyPr rtlCol="0" anchor="ctr"/>
+            <a:lstStyle/>
+            <a:p>
+              <a:pPr algn="ctr"/>
+              <a:endParaRPr lang="en-US"/>
             </a:p>
           </p:txBody>
         </p:sp>
         <p:sp>
           <p:nvSpPr>
-            <p:cNvPr id="82" name="Rounded Rectangle 81"/>
+            <p:cNvPr id="143" name="Left Brace 142"/>
+            <p:cNvSpPr/>
+            <p:nvPr/>
+          </p:nvSpPr>
+          <p:spPr>
+            <a:xfrm rot="10800000">
+              <a:off x="7215543" y="1850034"/>
+              <a:ext cx="304800" cy="1981200"/>
+            </a:xfrm>
+            <a:prstGeom prst="leftBrace">
+              <a:avLst>
+                <a:gd name="adj1" fmla="val 31250"/>
+                <a:gd name="adj2" fmla="val 50000"/>
+              </a:avLst>
+            </a:prstGeom>
+            <a:ln w="19050">
+              <a:solidFill>
+                <a:schemeClr val="bg1">
+                  <a:lumMod val="65000"/>
+                </a:schemeClr>
+              </a:solidFill>
+            </a:ln>
+          </p:spPr>
+          <p:style>
+            <a:lnRef idx="1">
+              <a:schemeClr val="accent1"/>
+            </a:lnRef>
+            <a:fillRef idx="0">
+              <a:schemeClr val="accent1"/>
+            </a:fillRef>
+            <a:effectRef idx="0">
+              <a:schemeClr val="accent1"/>
+            </a:effectRef>
+            <a:fontRef idx="minor">
+              <a:schemeClr val="tx1"/>
+            </a:fontRef>
+          </p:style>
+          <p:txBody>
+            <a:bodyPr rtlCol="0" anchor="ctr"/>
+            <a:lstStyle/>
+            <a:p>
+              <a:pPr algn="ctr"/>
+              <a:endParaRPr lang="en-US"/>
+            </a:p>
+          </p:txBody>
+        </p:sp>
+        <p:sp>
+          <p:nvSpPr>
+            <p:cNvPr id="129" name="TextBox 128"/>
+            <p:cNvSpPr txBox="1"/>
+            <p:nvPr/>
+          </p:nvSpPr>
+          <p:spPr>
+            <a:xfrm>
+              <a:off x="2928373" y="4673786"/>
+              <a:ext cx="716671" cy="293786"/>
+            </a:xfrm>
+            <a:prstGeom prst="rect">
+              <a:avLst/>
+            </a:prstGeom>
+            <a:noFill/>
+          </p:spPr>
+          <p:txBody>
+            <a:bodyPr wrap="none" rtlCol="0">
+              <a:spAutoFit/>
+            </a:bodyPr>
+            <a:lstStyle/>
+            <a:p>
+              <a:pPr algn="ctr"/>
+              <a:r>
+                <a:rPr lang="en-US" sz="1500" dirty="0" smtClean="0"/>
+                <a:t>detach</a:t>
+              </a:r>
+              <a:endParaRPr lang="en-US" sz="1500" dirty="0"/>
+            </a:p>
+          </p:txBody>
+        </p:sp>
+        <p:sp>
+          <p:nvSpPr>
+            <p:cNvPr id="131" name="TextBox 130"/>
+            <p:cNvSpPr txBox="1"/>
+            <p:nvPr/>
+          </p:nvSpPr>
+          <p:spPr>
+            <a:xfrm>
+              <a:off x="4954225" y="1843367"/>
+              <a:ext cx="671530" cy="323165"/>
+            </a:xfrm>
+            <a:prstGeom prst="rect">
+              <a:avLst/>
+            </a:prstGeom>
+            <a:noFill/>
+          </p:spPr>
+          <p:txBody>
+            <a:bodyPr wrap="none" rtlCol="0">
+              <a:spAutoFit/>
+            </a:bodyPr>
+            <a:lstStyle/>
+            <a:p>
+              <a:pPr algn="ctr"/>
+              <a:r>
+                <a:rPr lang="en-US" sz="1500" dirty="0" smtClean="0"/>
+                <a:t>attach</a:t>
+              </a:r>
+              <a:endParaRPr lang="en-US" sz="1500" dirty="0"/>
+            </a:p>
+          </p:txBody>
+        </p:sp>
+        <p:sp>
+          <p:nvSpPr>
+            <p:cNvPr id="42" name="TextBox 41"/>
+            <p:cNvSpPr txBox="1"/>
+            <p:nvPr/>
+          </p:nvSpPr>
+          <p:spPr>
+            <a:xfrm>
+              <a:off x="2354970" y="2491347"/>
+              <a:ext cx="760786" cy="323165"/>
+            </a:xfrm>
+            <a:prstGeom prst="rect">
+              <a:avLst/>
+            </a:prstGeom>
+            <a:noFill/>
+          </p:spPr>
+          <p:txBody>
+            <a:bodyPr wrap="none" rtlCol="0">
+              <a:spAutoFit/>
+            </a:bodyPr>
+            <a:lstStyle/>
+            <a:p>
+              <a:pPr algn="ctr"/>
+              <a:r>
+                <a:rPr lang="en-US" sz="1500" dirty="0" smtClean="0"/>
+                <a:t>replace</a:t>
+              </a:r>
+              <a:endParaRPr lang="en-US" sz="1500" dirty="0"/>
+            </a:p>
+          </p:txBody>
+        </p:sp>
+        <p:sp>
+          <p:nvSpPr>
+            <p:cNvPr id="44" name="TextBox 43"/>
+            <p:cNvSpPr txBox="1"/>
+            <p:nvPr/>
+          </p:nvSpPr>
+          <p:spPr>
+            <a:xfrm>
+              <a:off x="6198041" y="3996982"/>
+              <a:ext cx="760786" cy="323165"/>
+            </a:xfrm>
+            <a:prstGeom prst="rect">
+              <a:avLst/>
+            </a:prstGeom>
+            <a:noFill/>
+          </p:spPr>
+          <p:txBody>
+            <a:bodyPr wrap="none" rtlCol="0">
+              <a:spAutoFit/>
+            </a:bodyPr>
+            <a:lstStyle/>
+            <a:p>
+              <a:pPr algn="ctr"/>
+              <a:r>
+                <a:rPr lang="en-US" sz="1500" dirty="0" smtClean="0"/>
+                <a:t>replace</a:t>
+              </a:r>
+              <a:endParaRPr lang="en-US" sz="1500" dirty="0"/>
+            </a:p>
+          </p:txBody>
+        </p:sp>
+        <p:sp>
+          <p:nvSpPr>
+            <p:cNvPr id="51" name="TextBox 50"/>
+            <p:cNvSpPr txBox="1"/>
+            <p:nvPr/>
+          </p:nvSpPr>
+          <p:spPr>
+            <a:xfrm rot="5400000">
+              <a:off x="7076888" y="2679052"/>
+              <a:ext cx="1210076" cy="323165"/>
+            </a:xfrm>
+            <a:prstGeom prst="rect">
+              <a:avLst/>
+            </a:prstGeom>
+            <a:noFill/>
+          </p:spPr>
+          <p:txBody>
+            <a:bodyPr wrap="none" rtlCol="0">
+              <a:spAutoFit/>
+            </a:bodyPr>
+            <a:lstStyle/>
+            <a:p>
+              <a:pPr algn="ctr"/>
+              <a:r>
+                <a:rPr lang="en-US" sz="1500" dirty="0"/>
+                <a:t>r</a:t>
+              </a:r>
+              <a:r>
+                <a:rPr lang="en-US" sz="1500" dirty="0" smtClean="0"/>
+                <a:t>ecurrent NN</a:t>
+              </a:r>
+              <a:endParaRPr lang="en-US" sz="1500" dirty="0"/>
+            </a:p>
+          </p:txBody>
+        </p:sp>
+        <p:sp>
+          <p:nvSpPr>
+            <p:cNvPr id="52" name="TextBox 51"/>
+            <p:cNvSpPr txBox="1"/>
+            <p:nvPr/>
+          </p:nvSpPr>
+          <p:spPr>
+            <a:xfrm rot="16200000">
+              <a:off x="926548" y="3823004"/>
+              <a:ext cx="1012265" cy="323165"/>
+            </a:xfrm>
+            <a:prstGeom prst="rect">
+              <a:avLst/>
+            </a:prstGeom>
+            <a:noFill/>
+          </p:spPr>
+          <p:txBody>
+            <a:bodyPr wrap="none" rtlCol="0">
+              <a:spAutoFit/>
+            </a:bodyPr>
+            <a:lstStyle/>
+            <a:p>
+              <a:pPr algn="ctr"/>
+              <a:r>
+                <a:rPr lang="en-US" sz="1500" dirty="0"/>
+                <a:t>1</a:t>
+              </a:r>
+              <a:r>
+                <a:rPr lang="en-US" sz="1500" dirty="0" smtClean="0"/>
+                <a:t>-layer NN</a:t>
+              </a:r>
+              <a:endParaRPr lang="en-US" sz="1500" dirty="0"/>
+            </a:p>
+          </p:txBody>
+        </p:sp>
+        <p:sp>
+          <p:nvSpPr>
+            <p:cNvPr id="20" name="Rectangle 19"/>
             <p:cNvSpPr/>
             <p:nvPr/>
           </p:nvSpPr>
           <p:spPr>
             <a:xfrm>
-              <a:off x="4762109" y="3066797"/>
-              <a:ext cx="940839" cy="677900"/>
+              <a:off x="4140523" y="2152397"/>
+              <a:ext cx="941075" cy="677900"/>
             </a:xfrm>
-            <a:prstGeom prst="roundRect">
+            <a:prstGeom prst="rect">
               <a:avLst/>
             </a:prstGeom>
             <a:solidFill>
@@ -21183,6 +21060,13 @@
                 </a:rPr>
                 <a:t>abs-layer</a:t>
               </a:r>
+              <a:br>
+                <a:rPr lang="en-US" sz="1400" dirty="0" smtClean="0">
+                  <a:solidFill>
+                    <a:schemeClr val="tx1"/>
+                  </a:solidFill>
+                </a:rPr>
+              </a:br>
               <a:endParaRPr lang="en-US" sz="1400" dirty="0">
                 <a:solidFill>
                   <a:schemeClr val="tx1"/>
@@ -21193,16 +21077,216 @@
         </p:sp>
         <p:sp>
           <p:nvSpPr>
-            <p:cNvPr id="84" name="Rounded Rectangle 83"/>
+            <p:cNvPr id="58" name="Rectangle 57"/>
             <p:cNvSpPr/>
             <p:nvPr/>
           </p:nvSpPr>
           <p:spPr>
             <a:xfrm>
-              <a:off x="6137289" y="3066797"/>
-              <a:ext cx="940839" cy="677900"/>
+              <a:off x="4140522" y="2590800"/>
+              <a:ext cx="941075" cy="239497"/>
             </a:xfrm>
-            <a:prstGeom prst="roundRect">
+            <a:prstGeom prst="rect">
+              <a:avLst/>
+            </a:prstGeom>
+            <a:noFill/>
+            <a:ln>
+              <a:solidFill>
+                <a:srgbClr val="F79646"/>
+              </a:solidFill>
+            </a:ln>
+          </p:spPr>
+          <p:style>
+            <a:lnRef idx="2">
+              <a:schemeClr val="accent6">
+                <a:shade val="50000"/>
+              </a:schemeClr>
+            </a:lnRef>
+            <a:fillRef idx="1">
+              <a:schemeClr val="accent6"/>
+            </a:fillRef>
+            <a:effectRef idx="0">
+              <a:schemeClr val="accent6"/>
+            </a:effectRef>
+            <a:fontRef idx="minor">
+              <a:schemeClr val="lt1"/>
+            </a:fontRef>
+          </p:style>
+          <p:txBody>
+            <a:bodyPr rtlCol="0" anchor="ctr"/>
+            <a:lstStyle/>
+            <a:p>
+              <a:pPr algn="ctr"/>
+              <a:r>
+                <a:rPr lang="en-US" sz="1400" dirty="0" smtClean="0">
+                  <a:solidFill>
+                    <a:srgbClr val="FF0000"/>
+                  </a:solidFill>
+                </a:rPr>
+                <a:t>linear</a:t>
+              </a:r>
+              <a:endParaRPr lang="en-US" sz="1400" dirty="0">
+                <a:solidFill>
+                  <a:srgbClr val="FF0000"/>
+                </a:solidFill>
+              </a:endParaRPr>
+            </a:p>
+          </p:txBody>
+        </p:sp>
+        <p:sp>
+          <p:nvSpPr>
+            <p:cNvPr id="61" name="Rectangle 60"/>
+            <p:cNvSpPr/>
+            <p:nvPr/>
+          </p:nvSpPr>
+          <p:spPr>
+            <a:xfrm>
+              <a:off x="5510332" y="2152397"/>
+              <a:ext cx="941075" cy="677900"/>
+            </a:xfrm>
+            <a:prstGeom prst="rect">
+              <a:avLst/>
+            </a:prstGeom>
+            <a:solidFill>
+              <a:srgbClr val="F79646">
+                <a:alpha val="20000"/>
+              </a:srgbClr>
+            </a:solidFill>
+            <a:ln>
+              <a:solidFill>
+                <a:srgbClr val="F79646"/>
+              </a:solidFill>
+            </a:ln>
+          </p:spPr>
+          <p:style>
+            <a:lnRef idx="2">
+              <a:schemeClr val="accent6">
+                <a:shade val="50000"/>
+              </a:schemeClr>
+            </a:lnRef>
+            <a:fillRef idx="1">
+              <a:schemeClr val="accent6"/>
+            </a:fillRef>
+            <a:effectRef idx="0">
+              <a:schemeClr val="accent6"/>
+            </a:effectRef>
+            <a:fontRef idx="minor">
+              <a:schemeClr val="lt1"/>
+            </a:fontRef>
+          </p:style>
+          <p:txBody>
+            <a:bodyPr rtlCol="0" anchor="ctr"/>
+            <a:lstStyle/>
+            <a:p>
+              <a:pPr algn="ctr"/>
+              <a:r>
+                <a:rPr lang="en-US" sz="1400" dirty="0" smtClean="0">
+                  <a:solidFill>
+                    <a:schemeClr val="tx1"/>
+                  </a:solidFill>
+                </a:rPr>
+                <a:t>weight</a:t>
+              </a:r>
+              <a:br>
+                <a:rPr lang="en-US" sz="1400" dirty="0" smtClean="0">
+                  <a:solidFill>
+                    <a:schemeClr val="tx1"/>
+                  </a:solidFill>
+                </a:rPr>
+              </a:br>
+              <a:r>
+                <a:rPr lang="en-US" sz="1400" dirty="0" smtClean="0">
+                  <a:solidFill>
+                    <a:schemeClr val="tx1"/>
+                  </a:solidFill>
+                </a:rPr>
+                <a:t>abs-layer</a:t>
+              </a:r>
+              <a:br>
+                <a:rPr lang="en-US" sz="1400" dirty="0" smtClean="0">
+                  <a:solidFill>
+                    <a:schemeClr val="tx1"/>
+                  </a:solidFill>
+                </a:rPr>
+              </a:br>
+              <a:endParaRPr lang="en-US" sz="1400" dirty="0">
+                <a:solidFill>
+                  <a:schemeClr val="tx1"/>
+                </a:solidFill>
+              </a:endParaRPr>
+            </a:p>
+          </p:txBody>
+        </p:sp>
+        <p:sp>
+          <p:nvSpPr>
+            <p:cNvPr id="62" name="Rectangle 61"/>
+            <p:cNvSpPr/>
+            <p:nvPr/>
+          </p:nvSpPr>
+          <p:spPr>
+            <a:xfrm>
+              <a:off x="5510332" y="2590800"/>
+              <a:ext cx="941076" cy="239497"/>
+            </a:xfrm>
+            <a:prstGeom prst="rect">
+              <a:avLst/>
+            </a:prstGeom>
+            <a:noFill/>
+            <a:ln>
+              <a:solidFill>
+                <a:srgbClr val="F79646"/>
+              </a:solidFill>
+            </a:ln>
+          </p:spPr>
+          <p:style>
+            <a:lnRef idx="2">
+              <a:schemeClr val="accent6">
+                <a:shade val="50000"/>
+              </a:schemeClr>
+            </a:lnRef>
+            <a:fillRef idx="1">
+              <a:schemeClr val="accent6"/>
+            </a:fillRef>
+            <a:effectRef idx="0">
+              <a:schemeClr val="accent6"/>
+            </a:effectRef>
+            <a:fontRef idx="minor">
+              <a:schemeClr val="lt1"/>
+            </a:fontRef>
+          </p:style>
+          <p:txBody>
+            <a:bodyPr rtlCol="0" anchor="ctr"/>
+            <a:lstStyle/>
+            <a:p>
+              <a:pPr algn="ctr"/>
+              <a:r>
+                <a:rPr lang="en-US" sz="1400" dirty="0" smtClean="0">
+                  <a:solidFill>
+                    <a:srgbClr val="FF0000"/>
+                  </a:solidFill>
+                </a:rPr>
+                <a:t>LM</a:t>
+              </a:r>
+              <a:endParaRPr lang="en-US" sz="1400" dirty="0">
+                <a:solidFill>
+                  <a:srgbClr val="FF0000"/>
+                </a:solidFill>
+              </a:endParaRPr>
+            </a:p>
+          </p:txBody>
+        </p:sp>
+        <p:sp>
+          <p:nvSpPr>
+            <p:cNvPr id="64" name="Rectangle 63"/>
+            <p:cNvSpPr/>
+            <p:nvPr/>
+          </p:nvSpPr>
+          <p:spPr>
+            <a:xfrm>
+              <a:off x="2174680" y="2251850"/>
+              <a:ext cx="941076" cy="239497"/>
+            </a:xfrm>
+            <a:prstGeom prst="rect">
               <a:avLst/>
             </a:prstGeom>
             <a:solidFill>
@@ -21240,54 +21324,26 @@
               <a:r>
                 <a:rPr lang="en-US" sz="1400" dirty="0">
                   <a:solidFill>
-                    <a:schemeClr val="tx1"/>
+                    <a:srgbClr val="FF0000"/>
                   </a:solidFill>
                 </a:rPr>
-                <a:t>t</a:t>
+                <a:t>LM</a:t>
               </a:r>
-              <a:r>
-                <a:rPr lang="en-US" sz="1400" dirty="0" smtClean="0">
-                  <a:solidFill>
-                    <a:schemeClr val="tx1"/>
-                  </a:solidFill>
-                </a:rPr>
-                <a:t>arget</a:t>
-              </a:r>
-              <a:br>
-                <a:rPr lang="en-US" sz="1400" dirty="0" smtClean="0">
-                  <a:solidFill>
-                    <a:schemeClr val="tx1"/>
-                  </a:solidFill>
-                </a:rPr>
-              </a:br>
-              <a:r>
-                <a:rPr lang="en-US" sz="1400" dirty="0" smtClean="0">
-                  <a:solidFill>
-                    <a:schemeClr val="tx1"/>
-                  </a:solidFill>
-                </a:rPr>
-                <a:t>abs-layer</a:t>
-              </a:r>
-              <a:endParaRPr lang="en-US" sz="1400" dirty="0">
-                <a:solidFill>
-                  <a:schemeClr val="tx1"/>
-                </a:solidFill>
-              </a:endParaRPr>
             </a:p>
           </p:txBody>
         </p:sp>
         <p:sp>
           <p:nvSpPr>
-            <p:cNvPr id="88" name="Rounded Rectangle 87"/>
+            <p:cNvPr id="65" name="Rectangle 64"/>
             <p:cNvSpPr/>
             <p:nvPr/>
           </p:nvSpPr>
           <p:spPr>
             <a:xfrm>
-              <a:off x="2113928" y="3981197"/>
-              <a:ext cx="940839" cy="677900"/>
+              <a:off x="6198042" y="4320147"/>
+              <a:ext cx="941075" cy="239497"/>
             </a:xfrm>
-            <a:prstGeom prst="roundRect">
+            <a:prstGeom prst="rect">
               <a:avLst/>
             </a:prstGeom>
             <a:solidFill>
@@ -21325,54 +21381,26 @@
               <a:r>
                 <a:rPr lang="en-US" sz="1400" dirty="0">
                   <a:solidFill>
-                    <a:schemeClr val="tx1"/>
+                    <a:srgbClr val="FF0000"/>
                   </a:solidFill>
                 </a:rPr>
-                <a:t>b</a:t>
+                <a:t>linear</a:t>
               </a:r>
-              <a:r>
-                <a:rPr lang="en-US" sz="1400" dirty="0" smtClean="0">
-                  <a:solidFill>
-                    <a:schemeClr val="tx1"/>
-                  </a:solidFill>
-                </a:rPr>
-                <a:t>ias</a:t>
-              </a:r>
-              <a:br>
-                <a:rPr lang="en-US" sz="1400" dirty="0" smtClean="0">
-                  <a:solidFill>
-                    <a:schemeClr val="tx1"/>
-                  </a:solidFill>
-                </a:rPr>
-              </a:br>
-              <a:r>
-                <a:rPr lang="en-US" sz="1400" dirty="0" smtClean="0">
-                  <a:solidFill>
-                    <a:schemeClr val="tx1"/>
-                  </a:solidFill>
-                </a:rPr>
-                <a:t>abs-layer</a:t>
-              </a:r>
-              <a:endParaRPr lang="en-US" sz="1400" dirty="0">
-                <a:solidFill>
-                  <a:schemeClr val="tx1"/>
-                </a:solidFill>
-              </a:endParaRPr>
             </a:p>
           </p:txBody>
         </p:sp>
         <p:sp>
           <p:nvSpPr>
-            <p:cNvPr id="93" name="Rounded Rectangle 92"/>
+            <p:cNvPr id="66" name="Rectangle 65"/>
             <p:cNvSpPr/>
             <p:nvPr/>
           </p:nvSpPr>
           <p:spPr>
             <a:xfrm>
-              <a:off x="3397147" y="3981197"/>
-              <a:ext cx="940839" cy="677900"/>
+              <a:off x="2174443" y="3066797"/>
+              <a:ext cx="941075" cy="677900"/>
             </a:xfrm>
-            <a:prstGeom prst="roundRect">
+            <a:prstGeom prst="rect">
               <a:avLst/>
             </a:prstGeom>
             <a:solidFill>
@@ -21408,20 +21436,12 @@
             <a:p>
               <a:pPr algn="ctr"/>
               <a:r>
-                <a:rPr lang="en-US" sz="1400" dirty="0">
-                  <a:solidFill>
-                    <a:schemeClr val="tx1"/>
-                  </a:solidFill>
-                </a:rPr>
-                <a:t>w</a:t>
-              </a:r>
-              <a:r>
                 <a:rPr lang="en-US" sz="1400" dirty="0" smtClean="0">
                   <a:solidFill>
                     <a:schemeClr val="tx1"/>
                   </a:solidFill>
                 </a:rPr>
-                <a:t>eight</a:t>
+                <a:t>input</a:t>
               </a:r>
               <a:br>
                 <a:rPr lang="en-US" sz="1400" dirty="0" smtClean="0">
@@ -21448,16 +21468,16 @@
         </p:sp>
         <p:sp>
           <p:nvSpPr>
-            <p:cNvPr id="95" name="Rounded Rectangle 94"/>
+            <p:cNvPr id="68" name="Rectangle 67"/>
             <p:cNvSpPr/>
             <p:nvPr/>
           </p:nvSpPr>
           <p:spPr>
             <a:xfrm>
-              <a:off x="5437748" y="2152397"/>
-              <a:ext cx="940839" cy="677900"/>
+              <a:off x="3457663" y="3066404"/>
+              <a:ext cx="941075" cy="677900"/>
             </a:xfrm>
-            <a:prstGeom prst="roundRect">
+            <a:prstGeom prst="rect">
               <a:avLst/>
             </a:prstGeom>
             <a:solidFill>
@@ -21493,20 +21513,27 @@
             <a:p>
               <a:pPr algn="ctr"/>
               <a:r>
-                <a:rPr lang="en-US" sz="1400" dirty="0">
+                <a:rPr lang="en-US" sz="1400" dirty="0" smtClean="0">
                   <a:solidFill>
                     <a:schemeClr val="tx1"/>
                   </a:solidFill>
                 </a:rPr>
-                <a:t>w</a:t>
+                <a:t/>
               </a:r>
+              <a:br>
+                <a:rPr lang="en-US" sz="1400" dirty="0" smtClean="0">
+                  <a:solidFill>
+                    <a:schemeClr val="tx1"/>
+                  </a:solidFill>
+                </a:rPr>
+              </a:br>
               <a:r>
                 <a:rPr lang="en-US" sz="1400" dirty="0" smtClean="0">
                   <a:solidFill>
                     <a:schemeClr val="tx1"/>
                   </a:solidFill>
                 </a:rPr>
-                <a:t>eight</a:t>
+                <a:t>weight</a:t>
               </a:r>
               <a:br>
                 <a:rPr lang="en-US" sz="1400" dirty="0" smtClean="0">
@@ -21533,16 +21560,74 @@
         </p:sp>
         <p:sp>
           <p:nvSpPr>
-            <p:cNvPr id="96" name="Rounded Rectangle 95"/>
+            <p:cNvPr id="69" name="Rectangle 68"/>
             <p:cNvSpPr/>
             <p:nvPr/>
           </p:nvSpPr>
           <p:spPr>
             <a:xfrm>
-              <a:off x="4079889" y="2152397"/>
-              <a:ext cx="940839" cy="677900"/>
+              <a:off x="3457661" y="3066404"/>
+              <a:ext cx="941076" cy="239497"/>
             </a:xfrm>
-            <a:prstGeom prst="roundRect">
+            <a:prstGeom prst="rect">
+              <a:avLst/>
+            </a:prstGeom>
+            <a:noFill/>
+            <a:ln>
+              <a:solidFill>
+                <a:srgbClr val="F79646"/>
+              </a:solidFill>
+            </a:ln>
+          </p:spPr>
+          <p:style>
+            <a:lnRef idx="2">
+              <a:schemeClr val="accent6">
+                <a:shade val="50000"/>
+              </a:schemeClr>
+            </a:lnRef>
+            <a:fillRef idx="1">
+              <a:schemeClr val="accent6"/>
+            </a:fillRef>
+            <a:effectRef idx="0">
+              <a:schemeClr val="accent6"/>
+            </a:effectRef>
+            <a:fontRef idx="minor">
+              <a:schemeClr val="lt1"/>
+            </a:fontRef>
+          </p:style>
+          <p:txBody>
+            <a:bodyPr rtlCol="0" anchor="ctr"/>
+            <a:lstStyle/>
+            <a:p>
+              <a:pPr algn="ctr"/>
+              <a:r>
+                <a:rPr lang="en-US" sz="1400" dirty="0" smtClean="0">
+                  <a:solidFill>
+                    <a:srgbClr val="FF0000"/>
+                  </a:solidFill>
+                </a:rPr>
+                <a:t>BP</a:t>
+              </a:r>
+              <a:endParaRPr lang="en-US" sz="1400" dirty="0">
+                <a:solidFill>
+                  <a:srgbClr val="FF0000"/>
+                </a:solidFill>
+              </a:endParaRPr>
+            </a:p>
+          </p:txBody>
+        </p:sp>
+        <p:sp>
+          <p:nvSpPr>
+            <p:cNvPr id="70" name="Rectangle 69"/>
+            <p:cNvSpPr/>
+            <p:nvPr/>
+          </p:nvSpPr>
+          <p:spPr>
+            <a:xfrm>
+              <a:off x="4819452" y="3066797"/>
+              <a:ext cx="941075" cy="677900"/>
+            </a:xfrm>
+            <a:prstGeom prst="rect">
               <a:avLst/>
             </a:prstGeom>
             <a:solidFill>
@@ -21591,7 +21676,157 @@
                     <a:schemeClr val="tx1"/>
                   </a:solidFill>
                 </a:rPr>
-                <a:t>eural</a:t>
+                <a:t>euron</a:t>
+              </a:r>
+              <a:br>
+                <a:rPr lang="en-US" sz="1400" dirty="0" smtClean="0">
+                  <a:solidFill>
+                    <a:schemeClr val="tx1"/>
+                  </a:solidFill>
+                </a:rPr>
+              </a:br>
+              <a:r>
+                <a:rPr lang="en-US" sz="1400" dirty="0" smtClean="0">
+                  <a:solidFill>
+                    <a:schemeClr val="tx1"/>
+                  </a:solidFill>
+                </a:rPr>
+                <a:t>abs-layer</a:t>
+              </a:r>
+              <a:br>
+                <a:rPr lang="en-US" sz="1400" dirty="0" smtClean="0">
+                  <a:solidFill>
+                    <a:schemeClr val="tx1"/>
+                  </a:solidFill>
+                </a:rPr>
+              </a:br>
+              <a:endParaRPr lang="en-US" sz="1400" dirty="0">
+                <a:solidFill>
+                  <a:schemeClr val="tx1"/>
+                </a:solidFill>
+              </a:endParaRPr>
+            </a:p>
+          </p:txBody>
+        </p:sp>
+        <p:sp>
+          <p:nvSpPr>
+            <p:cNvPr id="71" name="Rectangle 70"/>
+            <p:cNvSpPr/>
+            <p:nvPr/>
+          </p:nvSpPr>
+          <p:spPr>
+            <a:xfrm>
+              <a:off x="4819451" y="3505200"/>
+              <a:ext cx="941075" cy="239497"/>
+            </a:xfrm>
+            <a:prstGeom prst="rect">
+              <a:avLst/>
+            </a:prstGeom>
+            <a:noFill/>
+            <a:ln>
+              <a:solidFill>
+                <a:srgbClr val="F79646"/>
+              </a:solidFill>
+            </a:ln>
+          </p:spPr>
+          <p:style>
+            <a:lnRef idx="2">
+              <a:schemeClr val="accent6">
+                <a:shade val="50000"/>
+              </a:schemeClr>
+            </a:lnRef>
+            <a:fillRef idx="1">
+              <a:schemeClr val="accent6"/>
+            </a:fillRef>
+            <a:effectRef idx="0">
+              <a:schemeClr val="accent6"/>
+            </a:effectRef>
+            <a:fontRef idx="minor">
+              <a:schemeClr val="lt1"/>
+            </a:fontRef>
+          </p:style>
+          <p:txBody>
+            <a:bodyPr rtlCol="0" anchor="ctr"/>
+            <a:lstStyle/>
+            <a:p>
+              <a:pPr algn="ctr"/>
+              <a:r>
+                <a:rPr lang="en-US" sz="1400" dirty="0">
+                  <a:solidFill>
+                    <a:srgbClr val="FF0000"/>
+                  </a:solidFill>
+                </a:rPr>
+                <a:t>l</a:t>
+              </a:r>
+              <a:r>
+                <a:rPr lang="en-US" sz="1400" dirty="0" smtClean="0">
+                  <a:solidFill>
+                    <a:srgbClr val="FF0000"/>
+                  </a:solidFill>
+                </a:rPr>
+                <a:t>og-sig</a:t>
+              </a:r>
+              <a:endParaRPr lang="en-US" sz="1400" dirty="0">
+                <a:solidFill>
+                  <a:srgbClr val="FF0000"/>
+                </a:solidFill>
+              </a:endParaRPr>
+            </a:p>
+          </p:txBody>
+        </p:sp>
+        <p:sp>
+          <p:nvSpPr>
+            <p:cNvPr id="73" name="Rectangle 72"/>
+            <p:cNvSpPr/>
+            <p:nvPr/>
+          </p:nvSpPr>
+          <p:spPr>
+            <a:xfrm>
+              <a:off x="6198042" y="3066404"/>
+              <a:ext cx="941075" cy="677900"/>
+            </a:xfrm>
+            <a:prstGeom prst="rect">
+              <a:avLst/>
+            </a:prstGeom>
+            <a:solidFill>
+              <a:srgbClr val="F79646">
+                <a:alpha val="20000"/>
+              </a:srgbClr>
+            </a:solidFill>
+            <a:ln>
+              <a:solidFill>
+                <a:srgbClr val="F79646"/>
+              </a:solidFill>
+            </a:ln>
+          </p:spPr>
+          <p:style>
+            <a:lnRef idx="2">
+              <a:schemeClr val="accent6">
+                <a:shade val="50000"/>
+              </a:schemeClr>
+            </a:lnRef>
+            <a:fillRef idx="1">
+              <a:schemeClr val="accent6"/>
+            </a:fillRef>
+            <a:effectRef idx="0">
+              <a:schemeClr val="accent6"/>
+            </a:effectRef>
+            <a:fontRef idx="minor">
+              <a:schemeClr val="lt1"/>
+            </a:fontRef>
+          </p:style>
+          <p:txBody>
+            <a:bodyPr rtlCol="0" anchor="ctr"/>
+            <a:lstStyle/>
+            <a:p>
+              <a:pPr algn="ctr"/>
+              <a:r>
+                <a:rPr lang="en-US" sz="1400" dirty="0" smtClean="0">
+                  <a:solidFill>
+                    <a:schemeClr val="tx1"/>
+                  </a:solidFill>
+                </a:rPr>
+                <a:t>target</a:t>
               </a:r>
               <a:br>
                 <a:rPr lang="en-US" sz="1400" dirty="0" smtClean="0">
@@ -21616,19 +21851,238 @@
             </a:p>
           </p:txBody>
         </p:sp>
+        <p:sp>
+          <p:nvSpPr>
+            <p:cNvPr id="75" name="Rectangle 74"/>
+            <p:cNvSpPr/>
+            <p:nvPr/>
+          </p:nvSpPr>
+          <p:spPr>
+            <a:xfrm>
+              <a:off x="2174442" y="3981197"/>
+              <a:ext cx="941075" cy="677900"/>
+            </a:xfrm>
+            <a:prstGeom prst="rect">
+              <a:avLst/>
+            </a:prstGeom>
+            <a:solidFill>
+              <a:srgbClr val="F79646">
+                <a:alpha val="20000"/>
+              </a:srgbClr>
+            </a:solidFill>
+            <a:ln>
+              <a:solidFill>
+                <a:srgbClr val="F79646"/>
+              </a:solidFill>
+            </a:ln>
+          </p:spPr>
+          <p:style>
+            <a:lnRef idx="2">
+              <a:schemeClr val="accent6">
+                <a:shade val="50000"/>
+              </a:schemeClr>
+            </a:lnRef>
+            <a:fillRef idx="1">
+              <a:schemeClr val="accent6"/>
+            </a:fillRef>
+            <a:effectRef idx="0">
+              <a:schemeClr val="accent6"/>
+            </a:effectRef>
+            <a:fontRef idx="minor">
+              <a:schemeClr val="lt1"/>
+            </a:fontRef>
+          </p:style>
+          <p:txBody>
+            <a:bodyPr rtlCol="0" anchor="ctr"/>
+            <a:lstStyle/>
+            <a:p>
+              <a:pPr algn="ctr"/>
+              <a:r>
+                <a:rPr lang="en-US" sz="1400" dirty="0" smtClean="0">
+                  <a:solidFill>
+                    <a:schemeClr val="tx1"/>
+                  </a:solidFill>
+                </a:rPr>
+                <a:t>bias</a:t>
+              </a:r>
+              <a:br>
+                <a:rPr lang="en-US" sz="1400" dirty="0" smtClean="0">
+                  <a:solidFill>
+                    <a:schemeClr val="tx1"/>
+                  </a:solidFill>
+                </a:rPr>
+              </a:br>
+              <a:r>
+                <a:rPr lang="en-US" sz="1400" dirty="0" smtClean="0">
+                  <a:solidFill>
+                    <a:schemeClr val="tx1"/>
+                  </a:solidFill>
+                </a:rPr>
+                <a:t>abs-layer</a:t>
+              </a:r>
+              <a:endParaRPr lang="en-US" sz="1400" dirty="0">
+                <a:solidFill>
+                  <a:schemeClr val="tx1"/>
+                </a:solidFill>
+              </a:endParaRPr>
+            </a:p>
+          </p:txBody>
+        </p:sp>
+        <p:sp>
+          <p:nvSpPr>
+            <p:cNvPr id="76" name="Rectangle 75"/>
+            <p:cNvSpPr/>
+            <p:nvPr/>
+          </p:nvSpPr>
+          <p:spPr>
+            <a:xfrm>
+              <a:off x="3457662" y="3981197"/>
+              <a:ext cx="941075" cy="677900"/>
+            </a:xfrm>
+            <a:prstGeom prst="rect">
+              <a:avLst/>
+            </a:prstGeom>
+            <a:solidFill>
+              <a:srgbClr val="F79646">
+                <a:alpha val="20000"/>
+              </a:srgbClr>
+            </a:solidFill>
+            <a:ln>
+              <a:solidFill>
+                <a:srgbClr val="F79646"/>
+              </a:solidFill>
+            </a:ln>
+          </p:spPr>
+          <p:style>
+            <a:lnRef idx="2">
+              <a:schemeClr val="accent6">
+                <a:shade val="50000"/>
+              </a:schemeClr>
+            </a:lnRef>
+            <a:fillRef idx="1">
+              <a:schemeClr val="accent6"/>
+            </a:fillRef>
+            <a:effectRef idx="0">
+              <a:schemeClr val="accent6"/>
+            </a:effectRef>
+            <a:fontRef idx="minor">
+              <a:schemeClr val="lt1"/>
+            </a:fontRef>
+          </p:style>
+          <p:txBody>
+            <a:bodyPr rtlCol="0" anchor="ctr"/>
+            <a:lstStyle/>
+            <a:p>
+              <a:pPr algn="ctr"/>
+              <a:r>
+                <a:rPr lang="en-US" sz="1400" dirty="0" smtClean="0">
+                  <a:solidFill>
+                    <a:schemeClr val="tx1"/>
+                  </a:solidFill>
+                </a:rPr>
+                <a:t>weight</a:t>
+              </a:r>
+              <a:br>
+                <a:rPr lang="en-US" sz="1400" dirty="0" smtClean="0">
+                  <a:solidFill>
+                    <a:schemeClr val="tx1"/>
+                  </a:solidFill>
+                </a:rPr>
+              </a:br>
+              <a:r>
+                <a:rPr lang="en-US" sz="1400" dirty="0" smtClean="0">
+                  <a:solidFill>
+                    <a:schemeClr val="tx1"/>
+                  </a:solidFill>
+                </a:rPr>
+                <a:t>abs-layer</a:t>
+              </a:r>
+              <a:br>
+                <a:rPr lang="en-US" sz="1400" dirty="0" smtClean="0">
+                  <a:solidFill>
+                    <a:schemeClr val="tx1"/>
+                  </a:solidFill>
+                </a:rPr>
+              </a:br>
+              <a:endParaRPr lang="en-US" sz="1400" dirty="0">
+                <a:solidFill>
+                  <a:schemeClr val="tx1"/>
+                </a:solidFill>
+              </a:endParaRPr>
+            </a:p>
+          </p:txBody>
+        </p:sp>
+        <p:sp>
+          <p:nvSpPr>
+            <p:cNvPr id="77" name="Rectangle 76"/>
+            <p:cNvSpPr/>
+            <p:nvPr/>
+          </p:nvSpPr>
+          <p:spPr>
+            <a:xfrm>
+              <a:off x="3457661" y="4419993"/>
+              <a:ext cx="941076" cy="239497"/>
+            </a:xfrm>
+            <a:prstGeom prst="rect">
+              <a:avLst/>
+            </a:prstGeom>
+            <a:noFill/>
+            <a:ln>
+              <a:solidFill>
+                <a:srgbClr val="F79646"/>
+              </a:solidFill>
+            </a:ln>
+          </p:spPr>
+          <p:style>
+            <a:lnRef idx="2">
+              <a:schemeClr val="accent6">
+                <a:shade val="50000"/>
+              </a:schemeClr>
+            </a:lnRef>
+            <a:fillRef idx="1">
+              <a:schemeClr val="accent6"/>
+            </a:fillRef>
+            <a:effectRef idx="0">
+              <a:schemeClr val="accent6"/>
+            </a:effectRef>
+            <a:fontRef idx="minor">
+              <a:schemeClr val="lt1"/>
+            </a:fontRef>
+          </p:style>
+          <p:txBody>
+            <a:bodyPr rtlCol="0" anchor="ctr"/>
+            <a:lstStyle/>
+            <a:p>
+              <a:pPr algn="ctr"/>
+              <a:r>
+                <a:rPr lang="en-US" sz="1400" dirty="0" smtClean="0">
+                  <a:solidFill>
+                    <a:srgbClr val="FF0000"/>
+                  </a:solidFill>
+                </a:rPr>
+                <a:t>BP</a:t>
+              </a:r>
+              <a:endParaRPr lang="en-US" sz="1400" dirty="0">
+                <a:solidFill>
+                  <a:srgbClr val="FF0000"/>
+                </a:solidFill>
+              </a:endParaRPr>
+            </a:p>
+          </p:txBody>
+        </p:sp>
         <p:cxnSp>
           <p:nvCxnSpPr>
             <p:cNvPr id="113" name="Straight Arrow Connector 112"/>
             <p:cNvCxnSpPr>
-              <a:stCxn id="322" idx="3"/>
-              <a:endCxn id="74" idx="1"/>
+              <a:stCxn id="66" idx="3"/>
+              <a:endCxn id="68" idx="1"/>
             </p:cNvCxnSpPr>
             <p:nvPr/>
           </p:nvCxnSpPr>
           <p:spPr>
-            <a:xfrm>
-              <a:off x="3054767" y="3405747"/>
-              <a:ext cx="342381" cy="0"/>
+            <a:xfrm flipV="1">
+              <a:off x="3115518" y="3405354"/>
+              <a:ext cx="342145" cy="393"/>
             </a:xfrm>
             <a:prstGeom prst="straightConnector1">
               <a:avLst/>
@@ -21656,15 +22110,15 @@
           <p:nvCxnSpPr>
             <p:cNvPr id="114" name="Straight Arrow Connector 113"/>
             <p:cNvCxnSpPr>
-              <a:stCxn id="74" idx="3"/>
-              <a:endCxn id="82" idx="1"/>
+              <a:stCxn id="68" idx="3"/>
+              <a:endCxn id="70" idx="1"/>
             </p:cNvCxnSpPr>
             <p:nvPr/>
           </p:nvCxnSpPr>
           <p:spPr>
             <a:xfrm>
-              <a:off x="4337987" y="3405747"/>
-              <a:ext cx="424122" cy="0"/>
+              <a:off x="4398738" y="3405354"/>
+              <a:ext cx="420714" cy="393"/>
             </a:xfrm>
             <a:prstGeom prst="straightConnector1">
               <a:avLst/>
@@ -21692,15 +22146,15 @@
           <p:nvCxnSpPr>
             <p:cNvPr id="115" name="Straight Arrow Connector 114"/>
             <p:cNvCxnSpPr>
-              <a:stCxn id="82" idx="3"/>
-              <a:endCxn id="84" idx="1"/>
+              <a:stCxn id="70" idx="3"/>
+              <a:endCxn id="73" idx="1"/>
             </p:cNvCxnSpPr>
             <p:nvPr/>
           </p:nvCxnSpPr>
           <p:spPr>
-            <a:xfrm>
-              <a:off x="5702948" y="3405747"/>
-              <a:ext cx="434341" cy="0"/>
+            <a:xfrm flipV="1">
+              <a:off x="5760527" y="3405354"/>
+              <a:ext cx="437515" cy="393"/>
             </a:xfrm>
             <a:prstGeom prst="straightConnector1">
               <a:avLst/>
@@ -21728,15 +22182,15 @@
           <p:nvCxnSpPr>
             <p:cNvPr id="116" name="Straight Arrow Connector 115"/>
             <p:cNvCxnSpPr>
-              <a:stCxn id="88" idx="3"/>
-              <a:endCxn id="93" idx="1"/>
+              <a:stCxn id="75" idx="3"/>
+              <a:endCxn id="76" idx="1"/>
             </p:cNvCxnSpPr>
             <p:nvPr/>
           </p:nvCxnSpPr>
           <p:spPr>
             <a:xfrm>
-              <a:off x="3054767" y="4320147"/>
-              <a:ext cx="342380" cy="0"/>
+              <a:off x="3115517" y="4320147"/>
+              <a:ext cx="342145" cy="0"/>
             </a:xfrm>
             <a:prstGeom prst="straightConnector1">
               <a:avLst/>
@@ -21764,15 +22218,15 @@
           <p:nvCxnSpPr>
             <p:cNvPr id="117" name="Straight Arrow Connector 116"/>
             <p:cNvCxnSpPr>
-              <a:stCxn id="93" idx="3"/>
-              <a:endCxn id="82" idx="2"/>
+              <a:stCxn id="76" idx="3"/>
+              <a:endCxn id="70" idx="2"/>
             </p:cNvCxnSpPr>
             <p:nvPr/>
           </p:nvCxnSpPr>
           <p:spPr>
             <a:xfrm flipV="1">
-              <a:off x="4337986" y="3744697"/>
-              <a:ext cx="894543" cy="575450"/>
+              <a:off x="4398737" y="3744697"/>
+              <a:ext cx="891253" cy="575450"/>
             </a:xfrm>
             <a:prstGeom prst="bentConnector2">
               <a:avLst/>
@@ -21798,17 +22252,53 @@
         </p:cxnSp>
         <p:cxnSp>
           <p:nvCxnSpPr>
-            <p:cNvPr id="119" name="Straight Arrow Connector 118"/>
+            <p:cNvPr id="120" name="Straight Arrow Connector 119"/>
             <p:cNvCxnSpPr>
-              <a:stCxn id="82" idx="3"/>
-              <a:endCxn id="95" idx="2"/>
+              <a:stCxn id="61" idx="1"/>
+              <a:endCxn id="20" idx="3"/>
             </p:cNvCxnSpPr>
             <p:nvPr/>
           </p:nvCxnSpPr>
           <p:spPr>
-            <a:xfrm flipV="1">
-              <a:off x="5702948" y="2830297"/>
-              <a:ext cx="205220" cy="575450"/>
+            <a:xfrm flipH="1">
+              <a:off x="5081598" y="2491347"/>
+              <a:ext cx="428734" cy="0"/>
+            </a:xfrm>
+            <a:prstGeom prst="straightConnector1">
+              <a:avLst/>
+            </a:prstGeom>
+            <a:ln w="12700">
+              <a:tailEnd type="arrow"/>
+            </a:ln>
+          </p:spPr>
+          <p:style>
+            <a:lnRef idx="1">
+              <a:schemeClr val="accent1"/>
+            </a:lnRef>
+            <a:fillRef idx="0">
+              <a:schemeClr val="accent1"/>
+            </a:fillRef>
+            <a:effectRef idx="0">
+              <a:schemeClr val="accent1"/>
+            </a:effectRef>
+            <a:fontRef idx="minor">
+              <a:schemeClr val="tx1"/>
+            </a:fontRef>
+          </p:style>
+        </p:cxnSp>
+        <p:cxnSp>
+          <p:nvCxnSpPr>
+            <p:cNvPr id="124" name="Straight Arrow Connector 123"/>
+            <p:cNvCxnSpPr>
+              <a:stCxn id="20" idx="2"/>
+              <a:endCxn id="70" idx="1"/>
+            </p:cNvCxnSpPr>
+            <p:nvPr/>
+          </p:nvCxnSpPr>
+          <p:spPr>
+            <a:xfrm rot="16200000" flipH="1">
+              <a:off x="4427531" y="3013826"/>
+              <a:ext cx="575450" cy="208391"/>
             </a:xfrm>
             <a:prstGeom prst="bentConnector2">
               <a:avLst/>
@@ -21834,23 +22324,25 @@
         </p:cxnSp>
         <p:cxnSp>
           <p:nvCxnSpPr>
-            <p:cNvPr id="120" name="Straight Arrow Connector 119"/>
-            <p:cNvCxnSpPr>
-              <a:stCxn id="95" idx="1"/>
-              <a:endCxn id="96" idx="3"/>
-            </p:cNvCxnSpPr>
+            <p:cNvPr id="32" name="Straight Arrow Connector 31"/>
+            <p:cNvCxnSpPr/>
             <p:nvPr/>
           </p:nvCxnSpPr>
           <p:spPr>
-            <a:xfrm flipH="1">
-              <a:off x="5020728" y="2491347"/>
-              <a:ext cx="417020" cy="0"/>
+            <a:xfrm>
+              <a:off x="3115517" y="2491347"/>
+              <a:ext cx="342146" cy="575057"/>
             </a:xfrm>
             <a:prstGeom prst="straightConnector1">
               <a:avLst/>
             </a:prstGeom>
-            <a:ln w="12700">
-              <a:tailEnd type="arrow"/>
+            <a:ln w="28575">
+              <a:solidFill>
+                <a:schemeClr val="tx1"/>
+              </a:solidFill>
+              <a:prstDash val="sysDot"/>
+              <a:headEnd type="none" w="med" len="med"/>
+              <a:tailEnd type="triangle" w="med" len="lg"/>
             </a:ln>
           </p:spPr>
           <p:style>
@@ -21870,17 +22362,55 @@
         </p:cxnSp>
         <p:cxnSp>
           <p:nvCxnSpPr>
-            <p:cNvPr id="124" name="Straight Arrow Connector 123"/>
+            <p:cNvPr id="45" name="Straight Arrow Connector 44"/>
+            <p:cNvCxnSpPr/>
+            <p:nvPr/>
+          </p:nvCxnSpPr>
+          <p:spPr>
+            <a:xfrm flipH="1" flipV="1">
+              <a:off x="5760527" y="3744305"/>
+              <a:ext cx="437516" cy="575842"/>
+            </a:xfrm>
+            <a:prstGeom prst="straightConnector1">
+              <a:avLst/>
+            </a:prstGeom>
+            <a:ln w="28575">
+              <a:solidFill>
+                <a:schemeClr val="tx1"/>
+              </a:solidFill>
+              <a:prstDash val="sysDot"/>
+              <a:headEnd type="none" w="med" len="med"/>
+              <a:tailEnd type="triangle" w="med" len="lg"/>
+            </a:ln>
+          </p:spPr>
+          <p:style>
+            <a:lnRef idx="1">
+              <a:schemeClr val="accent1"/>
+            </a:lnRef>
+            <a:fillRef idx="0">
+              <a:schemeClr val="accent1"/>
+            </a:fillRef>
+            <a:effectRef idx="0">
+              <a:schemeClr val="accent1"/>
+            </a:effectRef>
+            <a:fontRef idx="minor">
+              <a:schemeClr val="tx1"/>
+            </a:fontRef>
+          </p:style>
+        </p:cxnSp>
+        <p:cxnSp>
+          <p:nvCxnSpPr>
+            <p:cNvPr id="119" name="Straight Arrow Connector 118"/>
             <p:cNvCxnSpPr>
-              <a:stCxn id="96" idx="2"/>
-              <a:endCxn id="82" idx="1"/>
+              <a:stCxn id="70" idx="3"/>
+              <a:endCxn id="61" idx="2"/>
             </p:cNvCxnSpPr>
             <p:nvPr/>
           </p:nvCxnSpPr>
           <p:spPr>
-            <a:xfrm rot="16200000" flipH="1">
-              <a:off x="4368484" y="3012122"/>
-              <a:ext cx="575450" cy="211800"/>
+            <a:xfrm flipV="1">
+              <a:off x="5760527" y="2830297"/>
+              <a:ext cx="220343" cy="575450"/>
             </a:xfrm>
             <a:prstGeom prst="bentConnector2">
               <a:avLst/>
@@ -21904,444 +22434,6 @@
             </a:fontRef>
           </p:style>
         </p:cxnSp>
-        <p:sp>
-          <p:nvSpPr>
-            <p:cNvPr id="25" name="Rectangle 24"/>
-            <p:cNvSpPr/>
-            <p:nvPr/>
-          </p:nvSpPr>
-          <p:spPr>
-            <a:xfrm>
-              <a:off x="2034151" y="3908387"/>
-              <a:ext cx="2385060" cy="1066800"/>
-            </a:xfrm>
-            <a:prstGeom prst="rect">
-              <a:avLst/>
-            </a:prstGeom>
-            <a:noFill/>
-            <a:ln>
-              <a:solidFill>
-                <a:schemeClr val="tx1"/>
-              </a:solidFill>
-              <a:prstDash val="sysDot"/>
-            </a:ln>
-          </p:spPr>
-          <p:style>
-            <a:lnRef idx="2">
-              <a:schemeClr val="accent1">
-                <a:shade val="50000"/>
-              </a:schemeClr>
-            </a:lnRef>
-            <a:fillRef idx="1">
-              <a:schemeClr val="accent1"/>
-            </a:fillRef>
-            <a:effectRef idx="0">
-              <a:schemeClr val="accent1"/>
-            </a:effectRef>
-            <a:fontRef idx="minor">
-              <a:schemeClr val="lt1"/>
-            </a:fontRef>
-          </p:style>
-          <p:txBody>
-            <a:bodyPr rtlCol="0" anchor="ctr"/>
-            <a:lstStyle/>
-            <a:p>
-              <a:pPr algn="ctr"/>
-              <a:endParaRPr lang="en-US"/>
-            </a:p>
-          </p:txBody>
-        </p:sp>
-        <p:sp>
-          <p:nvSpPr>
-            <p:cNvPr id="129" name="TextBox 128"/>
-            <p:cNvSpPr txBox="1"/>
-            <p:nvPr/>
-          </p:nvSpPr>
-          <p:spPr>
-            <a:xfrm>
-              <a:off x="2867621" y="4673786"/>
-              <a:ext cx="716671" cy="293786"/>
-            </a:xfrm>
-            <a:prstGeom prst="rect">
-              <a:avLst/>
-            </a:prstGeom>
-            <a:noFill/>
-          </p:spPr>
-          <p:txBody>
-            <a:bodyPr wrap="none" rtlCol="0">
-              <a:spAutoFit/>
-            </a:bodyPr>
-            <a:lstStyle/>
-            <a:p>
-              <a:pPr algn="ctr"/>
-              <a:r>
-                <a:rPr lang="en-US" sz="1500" dirty="0" smtClean="0"/>
-                <a:t>detach</a:t>
-              </a:r>
-              <a:endParaRPr lang="en-US" sz="1500" dirty="0"/>
-            </a:p>
-          </p:txBody>
-        </p:sp>
-        <p:sp>
-          <p:nvSpPr>
-            <p:cNvPr id="130" name="Rectangle 129"/>
-            <p:cNvSpPr/>
-            <p:nvPr/>
-          </p:nvSpPr>
-          <p:spPr>
-            <a:xfrm>
-              <a:off x="3999127" y="1843367"/>
-              <a:ext cx="2462244" cy="1066800"/>
-            </a:xfrm>
-            <a:prstGeom prst="rect">
-              <a:avLst/>
-            </a:prstGeom>
-            <a:noFill/>
-            <a:ln>
-              <a:solidFill>
-                <a:schemeClr val="tx1"/>
-              </a:solidFill>
-              <a:prstDash val="sysDot"/>
-            </a:ln>
-          </p:spPr>
-          <p:style>
-            <a:lnRef idx="2">
-              <a:schemeClr val="accent1">
-                <a:shade val="50000"/>
-              </a:schemeClr>
-            </a:lnRef>
-            <a:fillRef idx="1">
-              <a:schemeClr val="accent1"/>
-            </a:fillRef>
-            <a:effectRef idx="0">
-              <a:schemeClr val="accent1"/>
-            </a:effectRef>
-            <a:fontRef idx="minor">
-              <a:schemeClr val="lt1"/>
-            </a:fontRef>
-          </p:style>
-          <p:txBody>
-            <a:bodyPr rtlCol="0" anchor="ctr"/>
-            <a:lstStyle/>
-            <a:p>
-              <a:pPr algn="ctr"/>
-              <a:endParaRPr lang="en-US"/>
-            </a:p>
-          </p:txBody>
-        </p:sp>
-        <p:sp>
-          <p:nvSpPr>
-            <p:cNvPr id="131" name="TextBox 130"/>
-            <p:cNvSpPr txBox="1"/>
-            <p:nvPr/>
-          </p:nvSpPr>
-          <p:spPr>
-            <a:xfrm>
-              <a:off x="4893473" y="1843367"/>
-              <a:ext cx="671530" cy="323165"/>
-            </a:xfrm>
-            <a:prstGeom prst="rect">
-              <a:avLst/>
-            </a:prstGeom>
-            <a:noFill/>
-          </p:spPr>
-          <p:txBody>
-            <a:bodyPr wrap="none" rtlCol="0">
-              <a:spAutoFit/>
-            </a:bodyPr>
-            <a:lstStyle/>
-            <a:p>
-              <a:pPr algn="ctr"/>
-              <a:r>
-                <a:rPr lang="en-US" sz="1500" dirty="0" smtClean="0"/>
-                <a:t>attach</a:t>
-              </a:r>
-              <a:endParaRPr lang="en-US" sz="1500" dirty="0"/>
-            </a:p>
-          </p:txBody>
-        </p:sp>
-        <p:sp>
-          <p:nvSpPr>
-            <p:cNvPr id="133" name="TextBox 132"/>
-            <p:cNvSpPr txBox="1"/>
-            <p:nvPr/>
-          </p:nvSpPr>
-          <p:spPr>
-            <a:xfrm>
-              <a:off x="963790" y="3476755"/>
-              <a:ext cx="722121" cy="1015663"/>
-            </a:xfrm>
-            <a:prstGeom prst="rect">
-              <a:avLst/>
-            </a:prstGeom>
-            <a:noFill/>
-          </p:spPr>
-          <p:txBody>
-            <a:bodyPr wrap="none" rtlCol="0">
-              <a:spAutoFit/>
-            </a:bodyPr>
-            <a:lstStyle/>
-            <a:p>
-              <a:pPr algn="ctr"/>
-              <a:r>
-                <a:rPr lang="en-US" sz="1500" dirty="0" smtClean="0"/>
-                <a:t>2-layer</a:t>
-              </a:r>
-              <a:br>
-                <a:rPr lang="en-US" sz="1500" dirty="0" smtClean="0"/>
-              </a:br>
-              <a:r>
-                <a:rPr lang="en-US" sz="1500" dirty="0" smtClean="0"/>
-                <a:t>NN</a:t>
-              </a:r>
-              <a:br>
-                <a:rPr lang="en-US" sz="1500" dirty="0" smtClean="0"/>
-              </a:br>
-              <a:r>
-                <a:rPr lang="en-US" sz="1500" dirty="0" smtClean="0"/>
-                <a:t>with</a:t>
-              </a:r>
-              <a:br>
-                <a:rPr lang="en-US" sz="1500" dirty="0" smtClean="0"/>
-              </a:br>
-              <a:r>
-                <a:rPr lang="en-US" sz="1500" dirty="0" smtClean="0"/>
-                <a:t>bias</a:t>
-              </a:r>
-              <a:endParaRPr lang="en-US" sz="1500" dirty="0"/>
-            </a:p>
-          </p:txBody>
-        </p:sp>
-        <p:cxnSp>
-          <p:nvCxnSpPr>
-            <p:cNvPr id="27" name="Straight Connector 26"/>
-            <p:cNvCxnSpPr/>
-            <p:nvPr/>
-          </p:nvCxnSpPr>
-          <p:spPr>
-            <a:xfrm>
-              <a:off x="1838311" y="2993987"/>
-              <a:ext cx="5314948" cy="0"/>
-            </a:xfrm>
-            <a:prstGeom prst="line">
-              <a:avLst/>
-            </a:prstGeom>
-            <a:noFill/>
-            <a:ln w="19050">
-              <a:solidFill>
-                <a:schemeClr val="bg1">
-                  <a:lumMod val="65000"/>
-                </a:schemeClr>
-              </a:solidFill>
-              <a:prstDash val="solid"/>
-            </a:ln>
-          </p:spPr>
-          <p:style>
-            <a:lnRef idx="2">
-              <a:schemeClr val="accent1">
-                <a:shade val="50000"/>
-              </a:schemeClr>
-            </a:lnRef>
-            <a:fillRef idx="1">
-              <a:schemeClr val="accent1"/>
-            </a:fillRef>
-            <a:effectRef idx="0">
-              <a:schemeClr val="accent1"/>
-            </a:effectRef>
-            <a:fontRef idx="minor">
-              <a:schemeClr val="lt1"/>
-            </a:fontRef>
-          </p:style>
-        </p:cxnSp>
-        <p:cxnSp>
-          <p:nvCxnSpPr>
-            <p:cNvPr id="137" name="Straight Connector 136"/>
-            <p:cNvCxnSpPr/>
-            <p:nvPr/>
-          </p:nvCxnSpPr>
-          <p:spPr>
-            <a:xfrm>
-              <a:off x="1847461" y="3831234"/>
-              <a:ext cx="5307330" cy="0"/>
-            </a:xfrm>
-            <a:prstGeom prst="line">
-              <a:avLst/>
-            </a:prstGeom>
-            <a:noFill/>
-            <a:ln w="19050">
-              <a:solidFill>
-                <a:schemeClr val="bg1">
-                  <a:lumMod val="65000"/>
-                </a:schemeClr>
-              </a:solidFill>
-              <a:prstDash val="solid"/>
-            </a:ln>
-          </p:spPr>
-          <p:style>
-            <a:lnRef idx="2">
-              <a:schemeClr val="accent1">
-                <a:shade val="50000"/>
-              </a:schemeClr>
-            </a:lnRef>
-            <a:fillRef idx="1">
-              <a:schemeClr val="accent1"/>
-            </a:fillRef>
-            <a:effectRef idx="0">
-              <a:schemeClr val="accent1"/>
-            </a:effectRef>
-            <a:fontRef idx="minor">
-              <a:schemeClr val="lt1"/>
-            </a:fontRef>
-          </p:style>
-        </p:cxnSp>
-        <p:sp>
-          <p:nvSpPr>
-            <p:cNvPr id="29" name="Left Brace 28"/>
-            <p:cNvSpPr/>
-            <p:nvPr/>
-          </p:nvSpPr>
-          <p:spPr>
-            <a:xfrm>
-              <a:off x="1533511" y="2993987"/>
-              <a:ext cx="304800" cy="1981200"/>
-            </a:xfrm>
-            <a:prstGeom prst="leftBrace">
-              <a:avLst>
-                <a:gd name="adj1" fmla="val 31250"/>
-                <a:gd name="adj2" fmla="val 50000"/>
-              </a:avLst>
-            </a:prstGeom>
-            <a:ln w="19050">
-              <a:solidFill>
-                <a:schemeClr val="bg1">
-                  <a:lumMod val="65000"/>
-                </a:schemeClr>
-              </a:solidFill>
-            </a:ln>
-          </p:spPr>
-          <p:style>
-            <a:lnRef idx="1">
-              <a:schemeClr val="accent1"/>
-            </a:lnRef>
-            <a:fillRef idx="0">
-              <a:schemeClr val="accent1"/>
-            </a:fillRef>
-            <a:effectRef idx="0">
-              <a:schemeClr val="accent1"/>
-            </a:effectRef>
-            <a:fontRef idx="minor">
-              <a:schemeClr val="tx1"/>
-            </a:fontRef>
-          </p:style>
-          <p:txBody>
-            <a:bodyPr rtlCol="0" anchor="ctr"/>
-            <a:lstStyle/>
-            <a:p>
-              <a:pPr algn="ctr"/>
-              <a:endParaRPr lang="en-US"/>
-            </a:p>
-          </p:txBody>
-        </p:sp>
-        <p:sp>
-          <p:nvSpPr>
-            <p:cNvPr id="143" name="Left Brace 142"/>
-            <p:cNvSpPr/>
-            <p:nvPr/>
-          </p:nvSpPr>
-          <p:spPr>
-            <a:xfrm rot="10800000">
-              <a:off x="7154791" y="1850034"/>
-              <a:ext cx="304800" cy="1981200"/>
-            </a:xfrm>
-            <a:prstGeom prst="leftBrace">
-              <a:avLst>
-                <a:gd name="adj1" fmla="val 31250"/>
-                <a:gd name="adj2" fmla="val 50000"/>
-              </a:avLst>
-            </a:prstGeom>
-            <a:ln w="19050">
-              <a:solidFill>
-                <a:schemeClr val="bg1">
-                  <a:lumMod val="65000"/>
-                </a:schemeClr>
-              </a:solidFill>
-            </a:ln>
-          </p:spPr>
-          <p:style>
-            <a:lnRef idx="1">
-              <a:schemeClr val="accent1"/>
-            </a:lnRef>
-            <a:fillRef idx="0">
-              <a:schemeClr val="accent1"/>
-            </a:fillRef>
-            <a:effectRef idx="0">
-              <a:schemeClr val="accent1"/>
-            </a:effectRef>
-            <a:fontRef idx="minor">
-              <a:schemeClr val="tx1"/>
-            </a:fontRef>
-          </p:style>
-          <p:txBody>
-            <a:bodyPr rtlCol="0" anchor="ctr"/>
-            <a:lstStyle/>
-            <a:p>
-              <a:pPr algn="ctr"/>
-              <a:endParaRPr lang="en-US"/>
-            </a:p>
-          </p:txBody>
-        </p:sp>
-        <p:sp>
-          <p:nvSpPr>
-            <p:cNvPr id="144" name="TextBox 143"/>
-            <p:cNvSpPr txBox="1"/>
-            <p:nvPr/>
-          </p:nvSpPr>
-          <p:spPr>
-            <a:xfrm>
-              <a:off x="7307191" y="2332802"/>
-              <a:ext cx="919932" cy="1015663"/>
-            </a:xfrm>
-            <a:prstGeom prst="rect">
-              <a:avLst/>
-            </a:prstGeom>
-            <a:noFill/>
-          </p:spPr>
-          <p:txBody>
-            <a:bodyPr wrap="none" rtlCol="0">
-              <a:spAutoFit/>
-            </a:bodyPr>
-            <a:lstStyle/>
-            <a:p>
-              <a:pPr algn="ctr"/>
-              <a:r>
-                <a:rPr lang="en-US" sz="1500" dirty="0" smtClean="0"/>
-                <a:t>recurrent</a:t>
-              </a:r>
-              <a:br>
-                <a:rPr lang="en-US" sz="1500" dirty="0" smtClean="0"/>
-              </a:br>
-              <a:r>
-                <a:rPr lang="en-US" sz="1500" dirty="0" smtClean="0"/>
-                <a:t>NN</a:t>
-              </a:r>
-              <a:br>
-                <a:rPr lang="en-US" sz="1500" dirty="0" smtClean="0"/>
-              </a:br>
-              <a:r>
-                <a:rPr lang="en-US" sz="1500" dirty="0" smtClean="0"/>
-                <a:t>without</a:t>
-              </a:r>
-              <a:br>
-                <a:rPr lang="en-US" sz="1500" dirty="0" smtClean="0"/>
-              </a:br>
-              <a:r>
-                <a:rPr lang="en-US" sz="1500" dirty="0" smtClean="0"/>
-                <a:t>bias</a:t>
-              </a:r>
-              <a:endParaRPr lang="en-US" sz="1500" dirty="0"/>
-            </a:p>
-          </p:txBody>
-        </p:sp>
       </p:grpSp>
     </p:spTree>
     <p:extLst>
@@ -22353,10 +22445,17 @@
   <p:clrMapOvr>
     <a:masterClrMapping/>
   </p:clrMapOvr>
+  <p:timing>
+    <p:tnLst>
+      <p:par>
+        <p:cTn id="1" dur="indefinite" restart="never" nodeType="tmRoot"/>
+      </p:par>
+    </p:tnLst>
+  </p:timing>
 </p:sld>
 </file>
 
-<file path=ppt/slides/slide8.xml><?xml version="1.0" encoding="utf-8"?>
+<file path=ppt/slides/slide7.xml><?xml version="1.0" encoding="utf-8"?>
 <p:sld xmlns:a="http://schemas.openxmlformats.org/drawingml/2006/main" xmlns:r="http://schemas.openxmlformats.org/officeDocument/2006/relationships" xmlns:p="http://schemas.openxmlformats.org/presentationml/2006/main">
   <p:cSld>
     <p:spTree>
@@ -22381,7 +22480,7 @@
         </p:nvGrpSpPr>
         <p:grpSpPr>
           <a:xfrm>
-            <a:off x="1667413" y="1458304"/>
+            <a:off x="1868321" y="2133331"/>
             <a:ext cx="5657751" cy="2319410"/>
             <a:chOff x="1667413" y="1458304"/>
             <a:chExt cx="5657751" cy="2319410"/>
@@ -25350,10 +25449,17 @@
   <p:clrMapOvr>
     <a:masterClrMapping/>
   </p:clrMapOvr>
+  <p:timing>
+    <p:tnLst>
+      <p:par>
+        <p:cTn id="1" dur="indefinite" restart="never" nodeType="tmRoot"/>
+      </p:par>
+    </p:tnLst>
+  </p:timing>
 </p:sld>
 </file>
 
-<file path=ppt/slides/slide9.xml><?xml version="1.0" encoding="utf-8"?>
+<file path=ppt/slides/slide8.xml><?xml version="1.0" encoding="utf-8"?>
 <p:sld xmlns:a="http://schemas.openxmlformats.org/drawingml/2006/main" xmlns:r="http://schemas.openxmlformats.org/officeDocument/2006/relationships" xmlns:p="http://schemas.openxmlformats.org/presentationml/2006/main">
   <p:cSld>
     <p:spTree>
@@ -25405,400 +25511,28 @@
       </p:cxnSp>
       <p:grpSp>
         <p:nvGrpSpPr>
-          <p:cNvPr id="162" name="Group 161"/>
+          <p:cNvPr id="81" name="Group 80"/>
           <p:cNvGrpSpPr/>
           <p:nvPr/>
         </p:nvGrpSpPr>
         <p:grpSpPr>
           <a:xfrm>
-            <a:off x="1917700" y="714317"/>
-            <a:ext cx="4842878" cy="4306466"/>
-            <a:chOff x="1917700" y="714317"/>
-            <a:chExt cx="4842878" cy="4306466"/>
+            <a:off x="1627910" y="304800"/>
+            <a:ext cx="5839690" cy="6197355"/>
+            <a:chOff x="1069110" y="203445"/>
+            <a:chExt cx="5839690" cy="6197355"/>
           </a:xfrm>
         </p:grpSpPr>
         <p:sp>
           <p:nvSpPr>
-            <p:cNvPr id="59" name="Rounded Rectangle 58"/>
+            <p:cNvPr id="65" name="Rounded Rectangle 64"/>
             <p:cNvSpPr/>
             <p:nvPr/>
           </p:nvSpPr>
           <p:spPr>
             <a:xfrm>
-              <a:off x="2679660" y="1524000"/>
-              <a:ext cx="1403278" cy="374549"/>
-            </a:xfrm>
-            <a:prstGeom prst="roundRect">
-              <a:avLst/>
-            </a:prstGeom>
-            <a:solidFill>
-              <a:srgbClr val="F79646">
-                <a:alpha val="20000"/>
-              </a:srgbClr>
-            </a:solidFill>
-            <a:ln>
-              <a:solidFill>
-                <a:srgbClr val="F79646"/>
-              </a:solidFill>
-            </a:ln>
-          </p:spPr>
-          <p:style>
-            <a:lnRef idx="2">
-              <a:schemeClr val="accent6">
-                <a:shade val="50000"/>
-              </a:schemeClr>
-            </a:lnRef>
-            <a:fillRef idx="1">
-              <a:schemeClr val="accent6"/>
-            </a:fillRef>
-            <a:effectRef idx="0">
-              <a:schemeClr val="accent6"/>
-            </a:effectRef>
-            <a:fontRef idx="minor">
-              <a:schemeClr val="lt1"/>
-            </a:fontRef>
-          </p:style>
-          <p:txBody>
-            <a:bodyPr rtlCol="0" anchor="ctr"/>
-            <a:lstStyle/>
-            <a:p>
-              <a:pPr algn="ctr"/>
-              <a:r>
-                <a:rPr lang="en-US" sz="1600" dirty="0" smtClean="0">
-                  <a:solidFill>
-                    <a:schemeClr val="tx1"/>
-                  </a:solidFill>
-                </a:rPr>
-                <a:t>c</a:t>
-              </a:r>
-              <a:r>
-                <a:rPr lang="en-US" sz="1600" dirty="0" smtClean="0">
-                  <a:solidFill>
-                    <a:schemeClr val="tx1"/>
-                  </a:solidFill>
-                </a:rPr>
-                <a:t>ompile code</a:t>
-              </a:r>
-              <a:endParaRPr lang="en-US" sz="1600" dirty="0">
-                <a:solidFill>
-                  <a:schemeClr val="tx1"/>
-                </a:solidFill>
-              </a:endParaRPr>
-            </a:p>
-          </p:txBody>
-        </p:sp>
-        <p:sp>
-          <p:nvSpPr>
-            <p:cNvPr id="60" name="TextBox 59"/>
-            <p:cNvSpPr txBox="1"/>
-            <p:nvPr/>
-          </p:nvSpPr>
-          <p:spPr>
-            <a:xfrm>
-              <a:off x="4917676" y="714317"/>
-              <a:ext cx="1356397" cy="584775"/>
-            </a:xfrm>
-            <a:prstGeom prst="rect">
-              <a:avLst/>
-            </a:prstGeom>
-            <a:noFill/>
-          </p:spPr>
-          <p:txBody>
-            <a:bodyPr wrap="none" rtlCol="0">
-              <a:spAutoFit/>
-            </a:bodyPr>
-            <a:lstStyle/>
-            <a:p>
-              <a:pPr algn="ctr"/>
-              <a:r>
-                <a:rPr lang="en-US" sz="1600" dirty="0" smtClean="0"/>
-                <a:t>c</a:t>
-              </a:r>
-              <a:r>
-                <a:rPr lang="en-US" sz="1600" dirty="0" smtClean="0"/>
-                <a:t>ompile-time</a:t>
-              </a:r>
-              <a:br>
-                <a:rPr lang="en-US" sz="1600" dirty="0" smtClean="0"/>
-              </a:br>
-              <a:r>
-                <a:rPr lang="en-US" sz="1600" dirty="0" smtClean="0"/>
-                <a:t>generalization</a:t>
-              </a:r>
-              <a:endParaRPr lang="en-US" sz="1600" dirty="0" smtClean="0"/>
-            </a:p>
-          </p:txBody>
-        </p:sp>
-        <p:cxnSp>
-          <p:nvCxnSpPr>
-            <p:cNvPr id="7" name="Straight Connector 6"/>
-            <p:cNvCxnSpPr/>
-            <p:nvPr/>
-          </p:nvCxnSpPr>
-          <p:spPr>
-            <a:xfrm>
-              <a:off x="4673600" y="812800"/>
-              <a:ext cx="0" cy="4140200"/>
-            </a:xfrm>
-            <a:prstGeom prst="line">
-              <a:avLst/>
-            </a:prstGeom>
-            <a:ln w="19050">
-              <a:solidFill>
-                <a:schemeClr val="tx1"/>
-              </a:solidFill>
-              <a:prstDash val="sysDot"/>
-            </a:ln>
-          </p:spPr>
-          <p:style>
-            <a:lnRef idx="1">
-              <a:schemeClr val="accent1"/>
-            </a:lnRef>
-            <a:fillRef idx="0">
-              <a:schemeClr val="accent1"/>
-            </a:fillRef>
-            <a:effectRef idx="0">
-              <a:schemeClr val="accent1"/>
-            </a:effectRef>
-            <a:fontRef idx="minor">
-              <a:schemeClr val="tx1"/>
-            </a:fontRef>
-          </p:style>
-        </p:cxnSp>
-        <p:sp>
-          <p:nvSpPr>
-            <p:cNvPr id="76" name="TextBox 75"/>
-            <p:cNvSpPr txBox="1"/>
-            <p:nvPr/>
-          </p:nvSpPr>
-          <p:spPr>
-            <a:xfrm>
-              <a:off x="2703100" y="714318"/>
-              <a:ext cx="1356397" cy="584775"/>
-            </a:xfrm>
-            <a:prstGeom prst="rect">
-              <a:avLst/>
-            </a:prstGeom>
-            <a:noFill/>
-          </p:spPr>
-          <p:txBody>
-            <a:bodyPr wrap="none" rtlCol="0">
-              <a:spAutoFit/>
-            </a:bodyPr>
-            <a:lstStyle/>
-            <a:p>
-              <a:pPr algn="ctr"/>
-              <a:r>
-                <a:rPr lang="en-US" sz="1600" dirty="0" smtClean="0"/>
-                <a:t>run</a:t>
-              </a:r>
-              <a:r>
-                <a:rPr lang="en-US" sz="1600" dirty="0" smtClean="0"/>
-                <a:t>-time</a:t>
-              </a:r>
-              <a:br>
-                <a:rPr lang="en-US" sz="1600" dirty="0" smtClean="0"/>
-              </a:br>
-              <a:r>
-                <a:rPr lang="en-US" sz="1600" dirty="0" smtClean="0"/>
-                <a:t>generalization</a:t>
-              </a:r>
-              <a:endParaRPr lang="en-US" sz="1600" dirty="0" smtClean="0"/>
-            </a:p>
-          </p:txBody>
-        </p:sp>
-        <p:cxnSp>
-          <p:nvCxnSpPr>
-            <p:cNvPr id="77" name="Straight Connector 76"/>
-            <p:cNvCxnSpPr/>
-            <p:nvPr/>
-          </p:nvCxnSpPr>
-          <p:spPr>
-            <a:xfrm>
-              <a:off x="1993900" y="2409825"/>
-              <a:ext cx="4766678" cy="0"/>
-            </a:xfrm>
-            <a:prstGeom prst="line">
-              <a:avLst/>
-            </a:prstGeom>
-            <a:ln w="19050">
-              <a:solidFill>
-                <a:schemeClr val="tx1"/>
-              </a:solidFill>
-              <a:prstDash val="sysDot"/>
-            </a:ln>
-          </p:spPr>
-          <p:style>
-            <a:lnRef idx="1">
-              <a:schemeClr val="accent1"/>
-            </a:lnRef>
-            <a:fillRef idx="0">
-              <a:schemeClr val="accent1"/>
-            </a:fillRef>
-            <a:effectRef idx="0">
-              <a:schemeClr val="accent1"/>
-            </a:effectRef>
-            <a:fontRef idx="minor">
-              <a:schemeClr val="tx1"/>
-            </a:fontRef>
-          </p:style>
-        </p:cxnSp>
-        <p:sp>
-          <p:nvSpPr>
-            <p:cNvPr id="106" name="TextBox 105"/>
-            <p:cNvSpPr txBox="1"/>
-            <p:nvPr/>
-          </p:nvSpPr>
-          <p:spPr>
-            <a:xfrm rot="16200000">
-              <a:off x="1713862" y="1593461"/>
-              <a:ext cx="992451" cy="584775"/>
-            </a:xfrm>
-            <a:prstGeom prst="rect">
-              <a:avLst/>
-            </a:prstGeom>
-            <a:noFill/>
-          </p:spPr>
-          <p:txBody>
-            <a:bodyPr wrap="none" rtlCol="0">
-              <a:spAutoFit/>
-            </a:bodyPr>
-            <a:lstStyle/>
-            <a:p>
-              <a:pPr algn="ctr"/>
-              <a:r>
-                <a:rPr lang="en-US" sz="1600" dirty="0" smtClean="0"/>
-                <a:t>compiling</a:t>
-              </a:r>
-              <a:br>
-                <a:rPr lang="en-US" sz="1600" dirty="0" smtClean="0"/>
-              </a:br>
-              <a:r>
-                <a:rPr lang="en-US" sz="1600" dirty="0" smtClean="0"/>
-                <a:t>period</a:t>
-              </a:r>
-              <a:endParaRPr lang="en-US" sz="1600" dirty="0" smtClean="0"/>
-            </a:p>
-          </p:txBody>
-        </p:sp>
-        <p:sp>
-          <p:nvSpPr>
-            <p:cNvPr id="107" name="TextBox 106"/>
-            <p:cNvSpPr txBox="1"/>
-            <p:nvPr/>
-          </p:nvSpPr>
-          <p:spPr>
-            <a:xfrm rot="16200000">
-              <a:off x="1795551" y="3062097"/>
-              <a:ext cx="829073" cy="584775"/>
-            </a:xfrm>
-            <a:prstGeom prst="rect">
-              <a:avLst/>
-            </a:prstGeom>
-            <a:noFill/>
-          </p:spPr>
-          <p:txBody>
-            <a:bodyPr wrap="none" rtlCol="0">
-              <a:spAutoFit/>
-            </a:bodyPr>
-            <a:lstStyle/>
-            <a:p>
-              <a:pPr algn="ctr"/>
-              <a:r>
-                <a:rPr lang="en-US" sz="1600" dirty="0" smtClean="0"/>
-                <a:t>running</a:t>
-              </a:r>
-              <a:br>
-                <a:rPr lang="en-US" sz="1600" dirty="0" smtClean="0"/>
-              </a:br>
-              <a:r>
-                <a:rPr lang="en-US" sz="1600" dirty="0" smtClean="0"/>
-                <a:t>period</a:t>
-              </a:r>
-              <a:endParaRPr lang="en-US" sz="1600" dirty="0" smtClean="0"/>
-            </a:p>
-          </p:txBody>
-        </p:sp>
-        <p:sp>
-          <p:nvSpPr>
-            <p:cNvPr id="142" name="Rounded Rectangle 141"/>
-            <p:cNvSpPr/>
-            <p:nvPr/>
-          </p:nvSpPr>
-          <p:spPr>
-            <a:xfrm>
-              <a:off x="4876800" y="1523999"/>
-              <a:ext cx="1403278" cy="374549"/>
-            </a:xfrm>
-            <a:prstGeom prst="roundRect">
-              <a:avLst/>
-            </a:prstGeom>
-            <a:solidFill>
-              <a:srgbClr val="F79646">
-                <a:alpha val="20000"/>
-              </a:srgbClr>
-            </a:solidFill>
-            <a:ln>
-              <a:solidFill>
-                <a:srgbClr val="F79646"/>
-              </a:solidFill>
-            </a:ln>
-          </p:spPr>
-          <p:style>
-            <a:lnRef idx="2">
-              <a:schemeClr val="accent6">
-                <a:shade val="50000"/>
-              </a:schemeClr>
-            </a:lnRef>
-            <a:fillRef idx="1">
-              <a:schemeClr val="accent6"/>
-            </a:fillRef>
-            <a:effectRef idx="0">
-              <a:schemeClr val="accent6"/>
-            </a:effectRef>
-            <a:fontRef idx="minor">
-              <a:schemeClr val="lt1"/>
-            </a:fontRef>
-          </p:style>
-          <p:txBody>
-            <a:bodyPr rtlCol="0" anchor="ctr"/>
-            <a:lstStyle/>
-            <a:p>
-              <a:pPr algn="ctr"/>
-              <a:r>
-                <a:rPr lang="en-US" sz="1600" dirty="0" smtClean="0">
-                  <a:solidFill>
-                    <a:schemeClr val="tx1"/>
-                  </a:solidFill>
-                </a:rPr>
-                <a:t>c</a:t>
-              </a:r>
-              <a:r>
-                <a:rPr lang="en-US" sz="1600" dirty="0" smtClean="0">
-                  <a:solidFill>
-                    <a:schemeClr val="tx1"/>
-                  </a:solidFill>
-                </a:rPr>
-                <a:t>ompile code</a:t>
-              </a:r>
-              <a:endParaRPr lang="en-US" sz="1600" dirty="0">
-                <a:solidFill>
-                  <a:schemeClr val="tx1"/>
-                </a:solidFill>
-              </a:endParaRPr>
-            </a:p>
-          </p:txBody>
-        </p:sp>
-        <p:sp>
-          <p:nvSpPr>
-            <p:cNvPr id="143" name="Rounded Rectangle 142"/>
-            <p:cNvSpPr/>
-            <p:nvPr/>
-          </p:nvSpPr>
-          <p:spPr>
-            <a:xfrm>
-              <a:off x="4876800" y="1898548"/>
-              <a:ext cx="1403278" cy="374549"/>
+              <a:off x="1818369" y="3890967"/>
+              <a:ext cx="1981202" cy="1378053"/>
             </a:xfrm>
             <a:prstGeom prst="roundRect">
               <a:avLst/>
@@ -25849,7 +25583,589 @@
                     <a:schemeClr val="tx1"/>
                   </a:solidFill>
                 </a:rPr>
-                <a:t>educe type</a:t>
+                <a:t>educe </a:t>
+              </a:r>
+              <a:r>
+                <a:rPr lang="en-US" sz="1600" dirty="0" smtClean="0">
+                  <a:solidFill>
+                    <a:schemeClr val="tx1"/>
+                  </a:solidFill>
+                </a:rPr>
+                <a:t>type</a:t>
+              </a:r>
+              <a:br>
+                <a:rPr lang="en-US" sz="1600" dirty="0" smtClean="0">
+                  <a:solidFill>
+                    <a:schemeClr val="tx1"/>
+                  </a:solidFill>
+                </a:rPr>
+              </a:br>
+              <a:r>
+                <a:rPr lang="en-US" sz="1600" dirty="0" smtClean="0">
+                  <a:solidFill>
+                    <a:schemeClr val="tx1"/>
+                  </a:solidFill>
+                </a:rPr>
+                <a:t>(learning</a:t>
+              </a:r>
+              <a:r>
+                <a:rPr lang="en-US" sz="1600" dirty="0">
+                  <a:solidFill>
+                    <a:schemeClr val="tx1"/>
+                  </a:solidFill>
+                </a:rPr>
+                <a:t> </a:t>
+              </a:r>
+              <a:r>
+                <a:rPr lang="en-US" sz="1600" dirty="0" smtClean="0">
+                  <a:solidFill>
+                    <a:schemeClr val="tx1"/>
+                  </a:solidFill>
+                </a:rPr>
+                <a:t>algorithm,</a:t>
+              </a:r>
+              <a:br>
+                <a:rPr lang="en-US" sz="1600" dirty="0" smtClean="0">
+                  <a:solidFill>
+                    <a:schemeClr val="tx1"/>
+                  </a:solidFill>
+                </a:rPr>
+              </a:br>
+              <a:r>
+                <a:rPr lang="en-US" sz="1600" dirty="0" smtClean="0">
+                  <a:solidFill>
+                    <a:schemeClr val="tx1"/>
+                  </a:solidFill>
+                </a:rPr>
+                <a:t>transfer function,</a:t>
+              </a:r>
+              <a:br>
+                <a:rPr lang="en-US" sz="1600" dirty="0" smtClean="0">
+                  <a:solidFill>
+                    <a:schemeClr val="tx1"/>
+                  </a:solidFill>
+                </a:rPr>
+              </a:br>
+              <a:r>
+                <a:rPr lang="en-US" sz="1600" dirty="0" smtClean="0">
+                  <a:solidFill>
+                    <a:schemeClr val="tx1"/>
+                  </a:solidFill>
+                </a:rPr>
+                <a:t>error function,</a:t>
+              </a:r>
+              <a:br>
+                <a:rPr lang="en-US" sz="1600" dirty="0" smtClean="0">
+                  <a:solidFill>
+                    <a:schemeClr val="tx1"/>
+                  </a:solidFill>
+                </a:rPr>
+              </a:br>
+              <a:r>
+                <a:rPr lang="en-US" sz="1600" dirty="0" smtClean="0">
+                  <a:solidFill>
+                    <a:schemeClr val="tx1"/>
+                  </a:solidFill>
+                </a:rPr>
+                <a:t>network topology)</a:t>
+              </a:r>
+              <a:endParaRPr lang="en-US" sz="1600" dirty="0">
+                <a:solidFill>
+                  <a:schemeClr val="tx1"/>
+                </a:solidFill>
+              </a:endParaRPr>
+            </a:p>
+          </p:txBody>
+        </p:sp>
+        <p:sp>
+          <p:nvSpPr>
+            <p:cNvPr id="59" name="Rounded Rectangle 58"/>
+            <p:cNvSpPr/>
+            <p:nvPr/>
+          </p:nvSpPr>
+          <p:spPr>
+            <a:xfrm>
+              <a:off x="1818369" y="1720951"/>
+              <a:ext cx="1981202" cy="374549"/>
+            </a:xfrm>
+            <a:prstGeom prst="roundRect">
+              <a:avLst/>
+            </a:prstGeom>
+            <a:solidFill>
+              <a:srgbClr val="F79646">
+                <a:alpha val="20000"/>
+              </a:srgbClr>
+            </a:solidFill>
+            <a:ln>
+              <a:solidFill>
+                <a:srgbClr val="F79646"/>
+              </a:solidFill>
+            </a:ln>
+          </p:spPr>
+          <p:style>
+            <a:lnRef idx="2">
+              <a:schemeClr val="accent6">
+                <a:shade val="50000"/>
+              </a:schemeClr>
+            </a:lnRef>
+            <a:fillRef idx="1">
+              <a:schemeClr val="accent6"/>
+            </a:fillRef>
+            <a:effectRef idx="0">
+              <a:schemeClr val="accent6"/>
+            </a:effectRef>
+            <a:fontRef idx="minor">
+              <a:schemeClr val="lt1"/>
+            </a:fontRef>
+          </p:style>
+          <p:txBody>
+            <a:bodyPr rtlCol="0" anchor="ctr"/>
+            <a:lstStyle/>
+            <a:p>
+              <a:pPr algn="ctr"/>
+              <a:r>
+                <a:rPr lang="en-US" sz="1600" dirty="0" smtClean="0">
+                  <a:solidFill>
+                    <a:schemeClr val="tx1"/>
+                  </a:solidFill>
+                </a:rPr>
+                <a:t>compile code</a:t>
+              </a:r>
+              <a:endParaRPr lang="en-US" sz="1600" dirty="0">
+                <a:solidFill>
+                  <a:schemeClr val="tx1"/>
+                </a:solidFill>
+              </a:endParaRPr>
+            </a:p>
+          </p:txBody>
+        </p:sp>
+        <p:sp>
+          <p:nvSpPr>
+            <p:cNvPr id="60" name="TextBox 59"/>
+            <p:cNvSpPr txBox="1"/>
+            <p:nvPr/>
+          </p:nvSpPr>
+          <p:spPr>
+            <a:xfrm>
+              <a:off x="4846302" y="203445"/>
+              <a:ext cx="1356397" cy="584775"/>
+            </a:xfrm>
+            <a:prstGeom prst="rect">
+              <a:avLst/>
+            </a:prstGeom>
+            <a:noFill/>
+          </p:spPr>
+          <p:txBody>
+            <a:bodyPr wrap="none" rtlCol="0">
+              <a:spAutoFit/>
+            </a:bodyPr>
+            <a:lstStyle/>
+            <a:p>
+              <a:pPr algn="ctr"/>
+              <a:r>
+                <a:rPr lang="en-US" sz="1600" dirty="0" smtClean="0"/>
+                <a:t>compile-time</a:t>
+              </a:r>
+              <a:br>
+                <a:rPr lang="en-US" sz="1600" dirty="0" smtClean="0"/>
+              </a:br>
+              <a:r>
+                <a:rPr lang="en-US" sz="1600" dirty="0" smtClean="0"/>
+                <a:t>generalization</a:t>
+              </a:r>
+            </a:p>
+          </p:txBody>
+        </p:sp>
+        <p:cxnSp>
+          <p:nvCxnSpPr>
+            <p:cNvPr id="7" name="Straight Connector 6"/>
+            <p:cNvCxnSpPr/>
+            <p:nvPr/>
+          </p:nvCxnSpPr>
+          <p:spPr>
+            <a:xfrm>
+              <a:off x="4368800" y="301928"/>
+              <a:ext cx="0" cy="6022672"/>
+            </a:xfrm>
+            <a:prstGeom prst="line">
+              <a:avLst/>
+            </a:prstGeom>
+            <a:ln w="19050">
+              <a:solidFill>
+                <a:schemeClr val="tx1"/>
+              </a:solidFill>
+              <a:prstDash val="sysDot"/>
+            </a:ln>
+          </p:spPr>
+          <p:style>
+            <a:lnRef idx="1">
+              <a:schemeClr val="accent1"/>
+            </a:lnRef>
+            <a:fillRef idx="0">
+              <a:schemeClr val="accent1"/>
+            </a:fillRef>
+            <a:effectRef idx="0">
+              <a:schemeClr val="accent1"/>
+            </a:effectRef>
+            <a:fontRef idx="minor">
+              <a:schemeClr val="tx1"/>
+            </a:fontRef>
+          </p:style>
+        </p:cxnSp>
+        <p:sp>
+          <p:nvSpPr>
+            <p:cNvPr id="76" name="TextBox 75"/>
+            <p:cNvSpPr txBox="1"/>
+            <p:nvPr/>
+          </p:nvSpPr>
+          <p:spPr>
+            <a:xfrm>
+              <a:off x="2130770" y="203691"/>
+              <a:ext cx="1356397" cy="584775"/>
+            </a:xfrm>
+            <a:prstGeom prst="rect">
+              <a:avLst/>
+            </a:prstGeom>
+            <a:noFill/>
+          </p:spPr>
+          <p:txBody>
+            <a:bodyPr wrap="none" rtlCol="0">
+              <a:spAutoFit/>
+            </a:bodyPr>
+            <a:lstStyle/>
+            <a:p>
+              <a:pPr algn="ctr"/>
+              <a:r>
+                <a:rPr lang="en-US" sz="1600" dirty="0" smtClean="0"/>
+                <a:t>run-time</a:t>
+              </a:r>
+              <a:br>
+                <a:rPr lang="en-US" sz="1600" dirty="0" smtClean="0"/>
+              </a:br>
+              <a:r>
+                <a:rPr lang="en-US" sz="1600" dirty="0" smtClean="0"/>
+                <a:t>generalization</a:t>
+              </a:r>
+            </a:p>
+          </p:txBody>
+        </p:sp>
+        <p:cxnSp>
+          <p:nvCxnSpPr>
+            <p:cNvPr id="77" name="Straight Connector 76"/>
+            <p:cNvCxnSpPr/>
+            <p:nvPr/>
+          </p:nvCxnSpPr>
+          <p:spPr>
+            <a:xfrm>
+              <a:off x="1361496" y="2920425"/>
+              <a:ext cx="5547304" cy="0"/>
+            </a:xfrm>
+            <a:prstGeom prst="line">
+              <a:avLst/>
+            </a:prstGeom>
+            <a:ln w="19050">
+              <a:solidFill>
+                <a:schemeClr val="tx1"/>
+              </a:solidFill>
+              <a:prstDash val="sysDot"/>
+            </a:ln>
+          </p:spPr>
+          <p:style>
+            <a:lnRef idx="1">
+              <a:schemeClr val="accent1"/>
+            </a:lnRef>
+            <a:fillRef idx="0">
+              <a:schemeClr val="accent1"/>
+            </a:fillRef>
+            <a:effectRef idx="0">
+              <a:schemeClr val="accent1"/>
+            </a:effectRef>
+            <a:fontRef idx="minor">
+              <a:schemeClr val="tx1"/>
+            </a:fontRef>
+          </p:style>
+        </p:cxnSp>
+        <p:sp>
+          <p:nvSpPr>
+            <p:cNvPr id="106" name="TextBox 105"/>
+            <p:cNvSpPr txBox="1"/>
+            <p:nvPr/>
+          </p:nvSpPr>
+          <p:spPr>
+            <a:xfrm rot="16200000">
+              <a:off x="865272" y="1615837"/>
+              <a:ext cx="992451" cy="584775"/>
+            </a:xfrm>
+            <a:prstGeom prst="rect">
+              <a:avLst/>
+            </a:prstGeom>
+            <a:noFill/>
+          </p:spPr>
+          <p:txBody>
+            <a:bodyPr wrap="none" rtlCol="0">
+              <a:spAutoFit/>
+            </a:bodyPr>
+            <a:lstStyle/>
+            <a:p>
+              <a:pPr algn="ctr"/>
+              <a:r>
+                <a:rPr lang="en-US" sz="1600" dirty="0" smtClean="0"/>
+                <a:t>compiling</a:t>
+              </a:r>
+              <a:br>
+                <a:rPr lang="en-US" sz="1600" dirty="0" smtClean="0"/>
+              </a:br>
+              <a:r>
+                <a:rPr lang="en-US" sz="1600" dirty="0" smtClean="0"/>
+                <a:t>period</a:t>
+              </a:r>
+            </a:p>
+          </p:txBody>
+        </p:sp>
+        <p:sp>
+          <p:nvSpPr>
+            <p:cNvPr id="107" name="TextBox 106"/>
+            <p:cNvSpPr txBox="1"/>
+            <p:nvPr/>
+          </p:nvSpPr>
+          <p:spPr>
+            <a:xfrm rot="16200000">
+              <a:off x="946961" y="4066937"/>
+              <a:ext cx="829073" cy="584775"/>
+            </a:xfrm>
+            <a:prstGeom prst="rect">
+              <a:avLst/>
+            </a:prstGeom>
+            <a:noFill/>
+          </p:spPr>
+          <p:txBody>
+            <a:bodyPr wrap="none" rtlCol="0">
+              <a:spAutoFit/>
+            </a:bodyPr>
+            <a:lstStyle/>
+            <a:p>
+              <a:pPr algn="ctr"/>
+              <a:r>
+                <a:rPr lang="en-US" sz="1600" dirty="0" smtClean="0"/>
+                <a:t>running</a:t>
+              </a:r>
+              <a:br>
+                <a:rPr lang="en-US" sz="1600" dirty="0" smtClean="0"/>
+              </a:br>
+              <a:r>
+                <a:rPr lang="en-US" sz="1600" dirty="0" smtClean="0"/>
+                <a:t>period</a:t>
+              </a:r>
+            </a:p>
+          </p:txBody>
+        </p:sp>
+        <p:sp>
+          <p:nvSpPr>
+            <p:cNvPr id="142" name="Rounded Rectangle 141"/>
+            <p:cNvSpPr/>
+            <p:nvPr/>
+          </p:nvSpPr>
+          <p:spPr>
+            <a:xfrm>
+              <a:off x="4533902" y="1013127"/>
+              <a:ext cx="1981200" cy="374549"/>
+            </a:xfrm>
+            <a:prstGeom prst="roundRect">
+              <a:avLst/>
+            </a:prstGeom>
+            <a:solidFill>
+              <a:srgbClr val="F79646">
+                <a:alpha val="20000"/>
+              </a:srgbClr>
+            </a:solidFill>
+            <a:ln>
+              <a:solidFill>
+                <a:srgbClr val="F79646"/>
+              </a:solidFill>
+            </a:ln>
+          </p:spPr>
+          <p:style>
+            <a:lnRef idx="2">
+              <a:schemeClr val="accent6">
+                <a:shade val="50000"/>
+              </a:schemeClr>
+            </a:lnRef>
+            <a:fillRef idx="1">
+              <a:schemeClr val="accent6"/>
+            </a:fillRef>
+            <a:effectRef idx="0">
+              <a:schemeClr val="accent6"/>
+            </a:effectRef>
+            <a:fontRef idx="minor">
+              <a:schemeClr val="lt1"/>
+            </a:fontRef>
+          </p:style>
+          <p:txBody>
+            <a:bodyPr rtlCol="0" anchor="ctr"/>
+            <a:lstStyle/>
+            <a:p>
+              <a:pPr algn="ctr"/>
+              <a:r>
+                <a:rPr lang="en-US" sz="1600" dirty="0" smtClean="0">
+                  <a:solidFill>
+                    <a:schemeClr val="tx1"/>
+                  </a:solidFill>
+                </a:rPr>
+                <a:t>compile code</a:t>
+              </a:r>
+              <a:endParaRPr lang="en-US" sz="1600" dirty="0">
+                <a:solidFill>
+                  <a:schemeClr val="tx1"/>
+                </a:solidFill>
+              </a:endParaRPr>
+            </a:p>
+          </p:txBody>
+        </p:sp>
+        <p:sp>
+          <p:nvSpPr>
+            <p:cNvPr id="143" name="Rounded Rectangle 142"/>
+            <p:cNvSpPr/>
+            <p:nvPr/>
+          </p:nvSpPr>
+          <p:spPr>
+            <a:xfrm>
+              <a:off x="4533900" y="1387675"/>
+              <a:ext cx="1981202" cy="1378053"/>
+            </a:xfrm>
+            <a:prstGeom prst="roundRect">
+              <a:avLst/>
+            </a:prstGeom>
+            <a:solidFill>
+              <a:srgbClr val="F79646">
+                <a:alpha val="20000"/>
+              </a:srgbClr>
+            </a:solidFill>
+            <a:ln>
+              <a:solidFill>
+                <a:srgbClr val="F79646"/>
+              </a:solidFill>
+            </a:ln>
+          </p:spPr>
+          <p:style>
+            <a:lnRef idx="2">
+              <a:schemeClr val="accent6">
+                <a:shade val="50000"/>
+              </a:schemeClr>
+            </a:lnRef>
+            <a:fillRef idx="1">
+              <a:schemeClr val="accent6"/>
+            </a:fillRef>
+            <a:effectRef idx="0">
+              <a:schemeClr val="accent6"/>
+            </a:effectRef>
+            <a:fontRef idx="minor">
+              <a:schemeClr val="lt1"/>
+            </a:fontRef>
+          </p:style>
+          <p:txBody>
+            <a:bodyPr rtlCol="0" anchor="ctr"/>
+            <a:lstStyle/>
+            <a:p>
+              <a:pPr algn="ctr"/>
+              <a:r>
+                <a:rPr lang="en-US" sz="1600" dirty="0">
+                  <a:solidFill>
+                    <a:schemeClr val="tx1"/>
+                  </a:solidFill>
+                </a:rPr>
+                <a:t>d</a:t>
+              </a:r>
+              <a:r>
+                <a:rPr lang="en-US" sz="1600" dirty="0" smtClean="0">
+                  <a:solidFill>
+                    <a:schemeClr val="tx1"/>
+                  </a:solidFill>
+                </a:rPr>
+                <a:t>educe </a:t>
+              </a:r>
+              <a:r>
+                <a:rPr lang="en-US" sz="1600" dirty="0" smtClean="0">
+                  <a:solidFill>
+                    <a:schemeClr val="tx1"/>
+                  </a:solidFill>
+                </a:rPr>
+                <a:t>type</a:t>
+              </a:r>
+              <a:br>
+                <a:rPr lang="en-US" sz="1600" dirty="0" smtClean="0">
+                  <a:solidFill>
+                    <a:schemeClr val="tx1"/>
+                  </a:solidFill>
+                </a:rPr>
+              </a:br>
+              <a:r>
+                <a:rPr lang="en-US" sz="1600" dirty="0" smtClean="0">
+                  <a:solidFill>
+                    <a:schemeClr val="tx1"/>
+                  </a:solidFill>
+                </a:rPr>
+                <a:t>(learning</a:t>
+              </a:r>
+              <a:r>
+                <a:rPr lang="en-US" sz="1600" dirty="0">
+                  <a:solidFill>
+                    <a:schemeClr val="tx1"/>
+                  </a:solidFill>
+                </a:rPr>
+                <a:t> </a:t>
+              </a:r>
+              <a:r>
+                <a:rPr lang="en-US" sz="1600" dirty="0" smtClean="0">
+                  <a:solidFill>
+                    <a:schemeClr val="tx1"/>
+                  </a:solidFill>
+                </a:rPr>
+                <a:t>algorithm,</a:t>
+              </a:r>
+              <a:br>
+                <a:rPr lang="en-US" sz="1600" dirty="0" smtClean="0">
+                  <a:solidFill>
+                    <a:schemeClr val="tx1"/>
+                  </a:solidFill>
+                </a:rPr>
+              </a:br>
+              <a:r>
+                <a:rPr lang="en-US" sz="1600" dirty="0" smtClean="0">
+                  <a:solidFill>
+                    <a:schemeClr val="tx1"/>
+                  </a:solidFill>
+                </a:rPr>
+                <a:t>transfer function,</a:t>
+              </a:r>
+              <a:br>
+                <a:rPr lang="en-US" sz="1600" dirty="0" smtClean="0">
+                  <a:solidFill>
+                    <a:schemeClr val="tx1"/>
+                  </a:solidFill>
+                </a:rPr>
+              </a:br>
+              <a:r>
+                <a:rPr lang="en-US" sz="1600" dirty="0" smtClean="0">
+                  <a:solidFill>
+                    <a:schemeClr val="tx1"/>
+                  </a:solidFill>
+                </a:rPr>
+                <a:t>error function,</a:t>
+              </a:r>
+              <a:br>
+                <a:rPr lang="en-US" sz="1600" dirty="0" smtClean="0">
+                  <a:solidFill>
+                    <a:schemeClr val="tx1"/>
+                  </a:solidFill>
+                </a:rPr>
+              </a:br>
+              <a:r>
+                <a:rPr lang="en-US" sz="1600" dirty="0" smtClean="0">
+                  <a:solidFill>
+                    <a:schemeClr val="tx1"/>
+                  </a:solidFill>
+                </a:rPr>
+                <a:t>network topology)</a:t>
               </a:r>
               <a:endParaRPr lang="en-US" sz="1600" dirty="0">
                 <a:solidFill>
@@ -25867,8 +26183,8 @@
           </p:nvSpPr>
           <p:spPr>
             <a:xfrm>
-              <a:off x="4876800" y="2965348"/>
-              <a:ext cx="1403278" cy="374549"/>
+              <a:off x="4533902" y="4172051"/>
+              <a:ext cx="1981200" cy="374549"/>
             </a:xfrm>
             <a:prstGeom prst="roundRect">
               <a:avLst/>
@@ -25937,8 +26253,8 @@
           </p:nvSpPr>
           <p:spPr>
             <a:xfrm>
-              <a:off x="2679660" y="2965349"/>
-              <a:ext cx="1403278" cy="374549"/>
+              <a:off x="1818369" y="3516419"/>
+              <a:ext cx="1981202" cy="374549"/>
             </a:xfrm>
             <a:prstGeom prst="roundRect">
               <a:avLst/>
@@ -25981,7 +26297,7 @@
                     <a:schemeClr val="tx1"/>
                   </a:solidFill>
                 </a:rPr>
-                <a:t>c</a:t>
+                <a:t>run </a:t>
               </a:r>
               <a:r>
                 <a:rPr lang="en-US" sz="1600" dirty="0" smtClean="0">
@@ -25989,77 +26305,7 @@
                     <a:schemeClr val="tx1"/>
                   </a:solidFill>
                 </a:rPr>
-                <a:t>ompile code</a:t>
-              </a:r>
-              <a:endParaRPr lang="en-US" sz="1600" dirty="0">
-                <a:solidFill>
-                  <a:schemeClr val="tx1"/>
-                </a:solidFill>
-              </a:endParaRPr>
-            </a:p>
-          </p:txBody>
-        </p:sp>
-        <p:sp>
-          <p:nvSpPr>
-            <p:cNvPr id="151" name="Rounded Rectangle 150"/>
-            <p:cNvSpPr/>
-            <p:nvPr/>
-          </p:nvSpPr>
-          <p:spPr>
-            <a:xfrm>
-              <a:off x="2679660" y="3339898"/>
-              <a:ext cx="1403278" cy="374549"/>
-            </a:xfrm>
-            <a:prstGeom prst="roundRect">
-              <a:avLst/>
-            </a:prstGeom>
-            <a:solidFill>
-              <a:srgbClr val="F79646">
-                <a:alpha val="20000"/>
-              </a:srgbClr>
-            </a:solidFill>
-            <a:ln>
-              <a:solidFill>
-                <a:srgbClr val="F79646"/>
-              </a:solidFill>
-            </a:ln>
-          </p:spPr>
-          <p:style>
-            <a:lnRef idx="2">
-              <a:schemeClr val="accent6">
-                <a:shade val="50000"/>
-              </a:schemeClr>
-            </a:lnRef>
-            <a:fillRef idx="1">
-              <a:schemeClr val="accent6"/>
-            </a:fillRef>
-            <a:effectRef idx="0">
-              <a:schemeClr val="accent6"/>
-            </a:effectRef>
-            <a:fontRef idx="minor">
-              <a:schemeClr val="lt1"/>
-            </a:fontRef>
-          </p:style>
-          <p:txBody>
-            <a:bodyPr rtlCol="0" anchor="ctr"/>
-            <a:lstStyle/>
-            <a:p>
-              <a:pPr algn="ctr"/>
-              <a:r>
-                <a:rPr lang="en-US" sz="1600" dirty="0">
-                  <a:solidFill>
-                    <a:schemeClr val="tx1"/>
-                  </a:solidFill>
-                </a:rPr>
-                <a:t>d</a:t>
-              </a:r>
-              <a:r>
-                <a:rPr lang="en-US" sz="1600" dirty="0" smtClean="0">
-                  <a:solidFill>
-                    <a:schemeClr val="tx1"/>
-                  </a:solidFill>
-                </a:rPr>
-                <a:t>educe type</a:t>
+                <a:t>code</a:t>
               </a:r>
               <a:endParaRPr lang="en-US" sz="1600" dirty="0">
                 <a:solidFill>
@@ -26080,7 +26326,7 @@
           </p:nvCxnSpPr>
           <p:spPr>
             <a:xfrm>
-              <a:off x="3381299" y="2749448"/>
+              <a:off x="2808970" y="3300518"/>
               <a:ext cx="0" cy="215901"/>
             </a:xfrm>
             <a:prstGeom prst="straightConnector1">
@@ -26109,20 +26355,20 @@
           <p:nvCxnSpPr>
             <p:cNvPr id="40" name="Elbow Connector 39"/>
             <p:cNvCxnSpPr>
-              <a:stCxn id="151" idx="2"/>
+              <a:stCxn id="65" idx="2"/>
               <a:endCxn id="111" idx="6"/>
             </p:cNvCxnSpPr>
             <p:nvPr/>
           </p:nvCxnSpPr>
           <p:spPr>
             <a:xfrm rot="5400000" flipH="1" flipV="1">
-              <a:off x="2898799" y="3197074"/>
-              <a:ext cx="999873" cy="34874"/>
+              <a:off x="1824719" y="4249895"/>
+              <a:ext cx="2003376" cy="34874"/>
             </a:xfrm>
             <a:prstGeom prst="bentConnector4">
               <a:avLst>
-                <a:gd name="adj1" fmla="val -38105"/>
-                <a:gd name="adj2" fmla="val 2667428"/>
+                <a:gd name="adj1" fmla="val -16737"/>
+                <a:gd name="adj2" fmla="val 3414079"/>
               </a:avLst>
             </a:prstGeom>
             <a:ln w="19050">
@@ -26152,7 +26398,7 @@
           </p:nvSpPr>
           <p:spPr>
             <a:xfrm>
-              <a:off x="3346425" y="2679700"/>
+              <a:off x="2774096" y="3230770"/>
               <a:ext cx="69748" cy="69748"/>
             </a:xfrm>
             <a:prstGeom prst="ellipse">
@@ -26204,7 +26450,7 @@
           </p:nvSpPr>
           <p:spPr>
             <a:xfrm>
-              <a:off x="3346425" y="2514600"/>
+              <a:off x="2774096" y="3065670"/>
               <a:ext cx="69748" cy="69748"/>
             </a:xfrm>
             <a:prstGeom prst="ellipse">
@@ -26252,20 +26498,20 @@
           <p:nvCxnSpPr>
             <p:cNvPr id="177" name="Elbow Connector 176"/>
             <p:cNvCxnSpPr>
-              <a:stCxn id="151" idx="2"/>
+              <a:stCxn id="65" idx="2"/>
               <a:endCxn id="176" idx="6"/>
             </p:cNvCxnSpPr>
             <p:nvPr/>
           </p:nvCxnSpPr>
           <p:spPr>
             <a:xfrm rot="5400000" flipH="1" flipV="1">
-              <a:off x="2816249" y="3114524"/>
-              <a:ext cx="1164973" cy="34874"/>
+              <a:off x="1742169" y="4167345"/>
+              <a:ext cx="2168476" cy="34874"/>
             </a:xfrm>
             <a:prstGeom prst="bentConnector4">
               <a:avLst>
-                <a:gd name="adj1" fmla="val -88848"/>
-                <a:gd name="adj2" fmla="val 3159050"/>
+                <a:gd name="adj1" fmla="val -39971"/>
+                <a:gd name="adj2" fmla="val 3949406"/>
               </a:avLst>
             </a:prstGeom>
             <a:ln w="19050">
@@ -26298,7 +26544,7 @@
           </p:nvCxnSpPr>
           <p:spPr>
             <a:xfrm>
-              <a:off x="3381299" y="2584348"/>
+              <a:off x="2808970" y="3135418"/>
               <a:ext cx="0" cy="165100"/>
             </a:xfrm>
             <a:prstGeom prst="line">
@@ -26332,8 +26578,8 @@
           </p:nvCxnSpPr>
           <p:spPr>
             <a:xfrm>
-              <a:off x="3381299" y="1898549"/>
-              <a:ext cx="0" cy="685799"/>
+              <a:off x="2808970" y="2095500"/>
+              <a:ext cx="0" cy="1039918"/>
             </a:xfrm>
             <a:prstGeom prst="line">
               <a:avLst/>
@@ -26355,99 +26601,204 @@
             </a:fontRef>
           </p:style>
         </p:cxnSp>
-        <p:sp>
-          <p:nvSpPr>
-            <p:cNvPr id="195" name="TextBox 194"/>
-            <p:cNvSpPr txBox="1"/>
-            <p:nvPr/>
-          </p:nvSpPr>
-          <p:spPr>
-            <a:xfrm>
-              <a:off x="3388919" y="3795928"/>
-              <a:ext cx="873957" cy="584775"/>
-            </a:xfrm>
-            <a:prstGeom prst="rect">
-              <a:avLst/>
-            </a:prstGeom>
-            <a:noFill/>
-          </p:spPr>
-          <p:txBody>
-            <a:bodyPr wrap="none" rtlCol="0">
-              <a:spAutoFit/>
-            </a:bodyPr>
-            <a:lstStyle/>
-            <a:p>
-              <a:pPr algn="ctr"/>
-              <a:r>
-                <a:rPr lang="en-US" sz="1600" dirty="0" smtClean="0"/>
-                <a:t>multiple</a:t>
-              </a:r>
-              <a:br>
-                <a:rPr lang="en-US" sz="1600" dirty="0" smtClean="0"/>
-              </a:br>
-              <a:r>
-                <a:rPr lang="en-US" sz="1600" dirty="0" smtClean="0"/>
-                <a:t>epochs</a:t>
-              </a:r>
-              <a:endParaRPr lang="en-US" sz="1600" dirty="0" smtClean="0"/>
-            </a:p>
-          </p:txBody>
-        </p:sp>
-        <p:sp>
-          <p:nvSpPr>
-            <p:cNvPr id="200" name="TextBox 199"/>
-            <p:cNvSpPr txBox="1"/>
-            <p:nvPr/>
-          </p:nvSpPr>
-          <p:spPr>
-            <a:xfrm>
-              <a:off x="3381299" y="4436008"/>
-              <a:ext cx="873957" cy="584775"/>
-            </a:xfrm>
-            <a:prstGeom prst="rect">
-              <a:avLst/>
-            </a:prstGeom>
-            <a:noFill/>
-          </p:spPr>
-          <p:txBody>
-            <a:bodyPr wrap="none" rtlCol="0">
-              <a:spAutoFit/>
-            </a:bodyPr>
-            <a:lstStyle/>
-            <a:p>
-              <a:pPr algn="ctr"/>
-              <a:r>
-                <a:rPr lang="en-US" sz="1600" dirty="0" smtClean="0"/>
-                <a:t>multiple</a:t>
-              </a:r>
-              <a:br>
-                <a:rPr lang="en-US" sz="1600" dirty="0" smtClean="0"/>
-              </a:br>
-              <a:r>
-                <a:rPr lang="en-US" sz="1600" dirty="0" smtClean="0"/>
-                <a:t>runs</a:t>
-              </a:r>
-              <a:endParaRPr lang="en-US" sz="1600" dirty="0" smtClean="0"/>
-            </a:p>
-          </p:txBody>
-        </p:sp>
+        <mc:AlternateContent xmlns:mc="http://schemas.openxmlformats.org/markup-compatibility/2006">
+          <mc:Choice xmlns:a14="http://schemas.microsoft.com/office/drawing/2010/main" Requires="a14">
+            <p:sp>
+              <p:nvSpPr>
+                <p:cNvPr id="195" name="TextBox 194"/>
+                <p:cNvSpPr txBox="1"/>
+                <p:nvPr/>
+              </p:nvSpPr>
+              <p:spPr>
+                <a:xfrm>
+                  <a:off x="2808969" y="5292150"/>
+                  <a:ext cx="944809" cy="584775"/>
+                </a:xfrm>
+                <a:prstGeom prst="rect">
+                  <a:avLst/>
+                </a:prstGeom>
+                <a:noFill/>
+              </p:spPr>
+              <p:txBody>
+                <a:bodyPr wrap="none" rtlCol="0">
+                  <a:spAutoFit/>
+                </a:bodyPr>
+                <a:lstStyle/>
+                <a:p>
+                  <a:pPr algn="ctr"/>
+                  <a:r>
+                    <a:rPr lang="en-US" sz="1600" dirty="0" smtClean="0"/>
+                    <a:t>multiple</a:t>
+                  </a:r>
+                  <a:br>
+                    <a:rPr lang="en-US" sz="1600" dirty="0" smtClean="0"/>
+                  </a:br>
+                  <a:r>
+                    <a:rPr lang="en-US" sz="1600" dirty="0" smtClean="0"/>
+                    <a:t>epochs </a:t>
+                  </a:r>
+                  <a14:m>
+                    <m:oMath xmlns:m="http://schemas.openxmlformats.org/officeDocument/2006/math">
+                      <m:r>
+                        <a:rPr lang="en-US" sz="1600" b="0" i="1" smtClean="0">
+                          <a:latin typeface="Cambria Math"/>
+                        </a:rPr>
+                        <m:t>𝑛</m:t>
+                      </m:r>
+                    </m:oMath>
+                  </a14:m>
+                  <a:endParaRPr lang="en-US" sz="1600" dirty="0" smtClean="0"/>
+                </a:p>
+              </p:txBody>
+            </p:sp>
+          </mc:Choice>
+          <mc:Fallback>
+            <p:sp>
+              <p:nvSpPr>
+                <p:cNvPr id="195" name="TextBox 194"/>
+                <p:cNvSpPr txBox="1">
+                  <a:spLocks noRot="1" noChangeAspect="1" noMove="1" noResize="1" noEditPoints="1" noAdjustHandles="1" noChangeArrowheads="1" noChangeShapeType="1" noTextEdit="1"/>
+                </p:cNvSpPr>
+                <p:nvPr/>
+              </p:nvSpPr>
+              <p:spPr>
+                <a:xfrm>
+                  <a:off x="2808969" y="5292150"/>
+                  <a:ext cx="944809" cy="584775"/>
+                </a:xfrm>
+                <a:prstGeom prst="rect">
+                  <a:avLst/>
+                </a:prstGeom>
+                <a:blipFill rotWithShape="1">
+                  <a:blip r:embed="rId3"/>
+                  <a:stretch>
+                    <a:fillRect l="-3226" t="-3125" b="-12500"/>
+                  </a:stretch>
+                </a:blipFill>
+              </p:spPr>
+              <p:txBody>
+                <a:bodyPr/>
+                <a:lstStyle/>
+                <a:p>
+                  <a:r>
+                    <a:rPr lang="en-US">
+                      <a:noFill/>
+                    </a:rPr>
+                    <a:t> </a:t>
+                  </a:r>
+                </a:p>
+              </p:txBody>
+            </p:sp>
+          </mc:Fallback>
+        </mc:AlternateContent>
+        <mc:AlternateContent xmlns:mc="http://schemas.openxmlformats.org/markup-compatibility/2006">
+          <mc:Choice xmlns:a14="http://schemas.microsoft.com/office/drawing/2010/main" Requires="a14">
+            <p:sp>
+              <p:nvSpPr>
+                <p:cNvPr id="200" name="TextBox 199"/>
+                <p:cNvSpPr txBox="1"/>
+                <p:nvPr/>
+              </p:nvSpPr>
+              <p:spPr>
+                <a:xfrm>
+                  <a:off x="2844394" y="5816025"/>
+                  <a:ext cx="873957" cy="584775"/>
+                </a:xfrm>
+                <a:prstGeom prst="rect">
+                  <a:avLst/>
+                </a:prstGeom>
+                <a:noFill/>
+              </p:spPr>
+              <p:txBody>
+                <a:bodyPr wrap="none" rtlCol="0">
+                  <a:spAutoFit/>
+                </a:bodyPr>
+                <a:lstStyle/>
+                <a:p>
+                  <a:pPr algn="ctr"/>
+                  <a:r>
+                    <a:rPr lang="en-US" sz="1600" dirty="0" smtClean="0"/>
+                    <a:t>multiple</a:t>
+                  </a:r>
+                  <a:br>
+                    <a:rPr lang="en-US" sz="1600" dirty="0" smtClean="0"/>
+                  </a:br>
+                  <a:r>
+                    <a:rPr lang="en-US" sz="1600" dirty="0" smtClean="0"/>
+                    <a:t>runs </a:t>
+                  </a:r>
+                  <a14:m>
+                    <m:oMath xmlns:m="http://schemas.openxmlformats.org/officeDocument/2006/math">
+                      <m:r>
+                        <a:rPr lang="en-US" sz="1600" b="0" i="1" smtClean="0">
+                          <a:latin typeface="Cambria Math"/>
+                        </a:rPr>
+                        <m:t>𝑚</m:t>
+                      </m:r>
+                    </m:oMath>
+                  </a14:m>
+                  <a:endParaRPr lang="en-US" sz="1600" dirty="0" smtClean="0"/>
+                </a:p>
+              </p:txBody>
+            </p:sp>
+          </mc:Choice>
+          <mc:Fallback>
+            <p:sp>
+              <p:nvSpPr>
+                <p:cNvPr id="200" name="TextBox 199"/>
+                <p:cNvSpPr txBox="1">
+                  <a:spLocks noRot="1" noChangeAspect="1" noMove="1" noResize="1" noEditPoints="1" noAdjustHandles="1" noChangeArrowheads="1" noChangeShapeType="1" noTextEdit="1"/>
+                </p:cNvSpPr>
+                <p:nvPr/>
+              </p:nvSpPr>
+              <p:spPr>
+                <a:xfrm>
+                  <a:off x="2844394" y="5816025"/>
+                  <a:ext cx="873957" cy="584775"/>
+                </a:xfrm>
+                <a:prstGeom prst="rect">
+                  <a:avLst/>
+                </a:prstGeom>
+                <a:blipFill rotWithShape="1">
+                  <a:blip r:embed="rId4"/>
+                  <a:stretch>
+                    <a:fillRect l="-2778" t="-3125" r="-2778" b="-12500"/>
+                  </a:stretch>
+                </a:blipFill>
+              </p:spPr>
+              <p:txBody>
+                <a:bodyPr/>
+                <a:lstStyle/>
+                <a:p>
+                  <a:r>
+                    <a:rPr lang="en-US">
+                      <a:noFill/>
+                    </a:rPr>
+                    <a:t> </a:t>
+                  </a:r>
+                </a:p>
+              </p:txBody>
+            </p:sp>
+          </mc:Fallback>
+        </mc:AlternateContent>
         <p:cxnSp>
           <p:nvCxnSpPr>
             <p:cNvPr id="207" name="Elbow Connector 206"/>
             <p:cNvCxnSpPr>
+              <a:stCxn id="144" idx="2"/>
               <a:endCxn id="212" idx="6"/>
             </p:cNvCxnSpPr>
             <p:nvPr/>
           </p:nvCxnSpPr>
           <p:spPr>
             <a:xfrm rot="5400000" flipH="1" flipV="1">
-              <a:off x="5095744" y="3196880"/>
-              <a:ext cx="998928" cy="36209"/>
+              <a:off x="4901933" y="3889159"/>
+              <a:ext cx="1280010" cy="34872"/>
             </a:xfrm>
             <a:prstGeom prst="bentConnector4">
               <a:avLst>
-                <a:gd name="adj1" fmla="val -38199"/>
-                <a:gd name="adj2" fmla="val 2555191"/>
+                <a:gd name="adj1" fmla="val -82152"/>
+                <a:gd name="adj2" fmla="val 3365107"/>
               </a:avLst>
             </a:prstGeom>
             <a:ln w="19050">
@@ -26480,13 +26831,13 @@
           </p:nvCxnSpPr>
           <p:spPr>
             <a:xfrm rot="5400000" flipH="1" flipV="1">
-              <a:off x="5200664" y="2927249"/>
-              <a:ext cx="790423" cy="34874"/>
+              <a:off x="4818911" y="3806136"/>
+              <a:ext cx="1446055" cy="34874"/>
             </a:xfrm>
             <a:prstGeom prst="bentConnector4">
               <a:avLst>
-                <a:gd name="adj1" fmla="val -178348"/>
-                <a:gd name="adj2" fmla="val 3159055"/>
+                <a:gd name="adj1" fmla="val -109343"/>
+                <a:gd name="adj2" fmla="val 3889316"/>
               </a:avLst>
             </a:prstGeom>
             <a:ln w="19050">
@@ -26508,82 +26859,186 @@
             </a:fontRef>
           </p:style>
         </p:cxnSp>
-        <p:sp>
-          <p:nvSpPr>
-            <p:cNvPr id="209" name="TextBox 208"/>
-            <p:cNvSpPr txBox="1"/>
-            <p:nvPr/>
-          </p:nvSpPr>
-          <p:spPr>
-            <a:xfrm>
-              <a:off x="5584724" y="3795928"/>
-              <a:ext cx="873957" cy="584775"/>
-            </a:xfrm>
-            <a:prstGeom prst="rect">
-              <a:avLst/>
-            </a:prstGeom>
-            <a:noFill/>
-          </p:spPr>
-          <p:txBody>
-            <a:bodyPr wrap="none" rtlCol="0">
-              <a:spAutoFit/>
-            </a:bodyPr>
-            <a:lstStyle/>
-            <a:p>
-              <a:pPr algn="ctr"/>
-              <a:r>
-                <a:rPr lang="en-US" sz="1600" dirty="0" smtClean="0"/>
-                <a:t>multiple</a:t>
-              </a:r>
-              <a:br>
-                <a:rPr lang="en-US" sz="1600" dirty="0" smtClean="0"/>
-              </a:br>
-              <a:r>
-                <a:rPr lang="en-US" sz="1600" dirty="0" smtClean="0"/>
-                <a:t>epochs</a:t>
-              </a:r>
-              <a:endParaRPr lang="en-US" sz="1600" dirty="0" smtClean="0"/>
-            </a:p>
-          </p:txBody>
-        </p:sp>
-        <p:sp>
-          <p:nvSpPr>
-            <p:cNvPr id="210" name="TextBox 209"/>
-            <p:cNvSpPr txBox="1"/>
-            <p:nvPr/>
-          </p:nvSpPr>
-          <p:spPr>
-            <a:xfrm>
-              <a:off x="5577104" y="4436008"/>
-              <a:ext cx="873957" cy="584775"/>
-            </a:xfrm>
-            <a:prstGeom prst="rect">
-              <a:avLst/>
-            </a:prstGeom>
-            <a:noFill/>
-          </p:spPr>
-          <p:txBody>
-            <a:bodyPr wrap="none" rtlCol="0">
-              <a:spAutoFit/>
-            </a:bodyPr>
-            <a:lstStyle/>
-            <a:p>
-              <a:pPr algn="ctr"/>
-              <a:r>
-                <a:rPr lang="en-US" sz="1600" dirty="0" smtClean="0"/>
-                <a:t>multiple</a:t>
-              </a:r>
-              <a:br>
-                <a:rPr lang="en-US" sz="1600" dirty="0" smtClean="0"/>
-              </a:br>
-              <a:r>
-                <a:rPr lang="en-US" sz="1600" dirty="0" smtClean="0"/>
-                <a:t>runs</a:t>
-              </a:r>
-              <a:endParaRPr lang="en-US" sz="1600" dirty="0" smtClean="0"/>
-            </a:p>
-          </p:txBody>
-        </p:sp>
+        <mc:AlternateContent xmlns:mc="http://schemas.openxmlformats.org/markup-compatibility/2006">
+          <mc:Choice xmlns:a14="http://schemas.microsoft.com/office/drawing/2010/main" Requires="a14">
+            <p:sp>
+              <p:nvSpPr>
+                <p:cNvPr id="209" name="TextBox 208"/>
+                <p:cNvSpPr txBox="1"/>
+                <p:nvPr/>
+              </p:nvSpPr>
+              <p:spPr>
+                <a:xfrm>
+                  <a:off x="5524502" y="5292149"/>
+                  <a:ext cx="944809" cy="584775"/>
+                </a:xfrm>
+                <a:prstGeom prst="rect">
+                  <a:avLst/>
+                </a:prstGeom>
+                <a:noFill/>
+              </p:spPr>
+              <p:txBody>
+                <a:bodyPr wrap="none" rtlCol="0">
+                  <a:spAutoFit/>
+                </a:bodyPr>
+                <a:lstStyle/>
+                <a:p>
+                  <a:pPr algn="ctr"/>
+                  <a:r>
+                    <a:rPr lang="en-US" sz="1600" dirty="0" smtClean="0"/>
+                    <a:t>multiple</a:t>
+                  </a:r>
+                  <a:br>
+                    <a:rPr lang="en-US" sz="1600" dirty="0" smtClean="0"/>
+                  </a:br>
+                  <a:r>
+                    <a:rPr lang="en-US" sz="1600" dirty="0" smtClean="0"/>
+                    <a:t>epochs </a:t>
+                  </a:r>
+                  <a14:m>
+                    <m:oMath xmlns:m="http://schemas.openxmlformats.org/officeDocument/2006/math">
+                      <m:r>
+                        <a:rPr lang="en-US" sz="1600" b="0" i="1" smtClean="0">
+                          <a:latin typeface="Cambria Math"/>
+                        </a:rPr>
+                        <m:t>𝑛</m:t>
+                      </m:r>
+                    </m:oMath>
+                  </a14:m>
+                  <a:endParaRPr lang="en-US" sz="1600" dirty="0" smtClean="0"/>
+                </a:p>
+              </p:txBody>
+            </p:sp>
+          </mc:Choice>
+          <mc:Fallback>
+            <p:sp>
+              <p:nvSpPr>
+                <p:cNvPr id="209" name="TextBox 208"/>
+                <p:cNvSpPr txBox="1">
+                  <a:spLocks noRot="1" noChangeAspect="1" noMove="1" noResize="1" noEditPoints="1" noAdjustHandles="1" noChangeArrowheads="1" noChangeShapeType="1" noTextEdit="1"/>
+                </p:cNvSpPr>
+                <p:nvPr/>
+              </p:nvSpPr>
+              <p:spPr>
+                <a:xfrm>
+                  <a:off x="5524502" y="5292149"/>
+                  <a:ext cx="944809" cy="584775"/>
+                </a:xfrm>
+                <a:prstGeom prst="rect">
+                  <a:avLst/>
+                </a:prstGeom>
+                <a:blipFill rotWithShape="1">
+                  <a:blip r:embed="rId5"/>
+                  <a:stretch>
+                    <a:fillRect l="-3226" t="-3125" b="-12500"/>
+                  </a:stretch>
+                </a:blipFill>
+              </p:spPr>
+              <p:txBody>
+                <a:bodyPr/>
+                <a:lstStyle/>
+                <a:p>
+                  <a:r>
+                    <a:rPr lang="en-US">
+                      <a:noFill/>
+                    </a:rPr>
+                    <a:t> </a:t>
+                  </a:r>
+                </a:p>
+              </p:txBody>
+            </p:sp>
+          </mc:Fallback>
+        </mc:AlternateContent>
+        <mc:AlternateContent xmlns:mc="http://schemas.openxmlformats.org/markup-compatibility/2006">
+          <mc:Choice xmlns:a14="http://schemas.microsoft.com/office/drawing/2010/main" Requires="a14">
+            <p:sp>
+              <p:nvSpPr>
+                <p:cNvPr id="210" name="TextBox 209"/>
+                <p:cNvSpPr txBox="1"/>
+                <p:nvPr/>
+              </p:nvSpPr>
+              <p:spPr>
+                <a:xfrm>
+                  <a:off x="5524500" y="5816024"/>
+                  <a:ext cx="873957" cy="584775"/>
+                </a:xfrm>
+                <a:prstGeom prst="rect">
+                  <a:avLst/>
+                </a:prstGeom>
+                <a:noFill/>
+              </p:spPr>
+              <p:txBody>
+                <a:bodyPr wrap="none" rtlCol="0">
+                  <a:spAutoFit/>
+                </a:bodyPr>
+                <a:lstStyle/>
+                <a:p>
+                  <a:pPr algn="ctr"/>
+                  <a:r>
+                    <a:rPr lang="en-US" sz="1600" dirty="0" smtClean="0"/>
+                    <a:t>multiple</a:t>
+                  </a:r>
+                  <a:br>
+                    <a:rPr lang="en-US" sz="1600" dirty="0" smtClean="0"/>
+                  </a:br>
+                  <a:r>
+                    <a:rPr lang="en-US" sz="1600" dirty="0" smtClean="0"/>
+                    <a:t>runs </a:t>
+                  </a:r>
+                  <a14:m>
+                    <m:oMath xmlns:m="http://schemas.openxmlformats.org/officeDocument/2006/math">
+                      <m:r>
+                        <a:rPr lang="en-US" sz="1600" b="0" i="1" smtClean="0">
+                          <a:latin typeface="Cambria Math"/>
+                        </a:rPr>
+                        <m:t>𝑚</m:t>
+                      </m:r>
+                    </m:oMath>
+                  </a14:m>
+                  <a:endParaRPr lang="en-US" sz="1600" dirty="0" smtClean="0"/>
+                </a:p>
+              </p:txBody>
+            </p:sp>
+          </mc:Choice>
+          <mc:Fallback>
+            <p:sp>
+              <p:nvSpPr>
+                <p:cNvPr id="210" name="TextBox 209"/>
+                <p:cNvSpPr txBox="1">
+                  <a:spLocks noRot="1" noChangeAspect="1" noMove="1" noResize="1" noEditPoints="1" noAdjustHandles="1" noChangeArrowheads="1" noChangeShapeType="1" noTextEdit="1"/>
+                </p:cNvSpPr>
+                <p:nvPr/>
+              </p:nvSpPr>
+              <p:spPr>
+                <a:xfrm>
+                  <a:off x="5524500" y="5816024"/>
+                  <a:ext cx="873957" cy="584775"/>
+                </a:xfrm>
+                <a:prstGeom prst="rect">
+                  <a:avLst/>
+                </a:prstGeom>
+                <a:blipFill rotWithShape="1">
+                  <a:blip r:embed="rId6"/>
+                  <a:stretch>
+                    <a:fillRect l="-3497" t="-3125" r="-2797" b="-12500"/>
+                  </a:stretch>
+                </a:blipFill>
+              </p:spPr>
+              <p:txBody>
+                <a:bodyPr/>
+                <a:lstStyle/>
+                <a:p>
+                  <a:r>
+                    <a:rPr lang="en-US">
+                      <a:noFill/>
+                    </a:rPr>
+                    <a:t> </a:t>
+                  </a:r>
+                </a:p>
+              </p:txBody>
+            </p:sp>
+          </mc:Fallback>
+        </mc:AlternateContent>
         <p:cxnSp>
           <p:nvCxnSpPr>
             <p:cNvPr id="211" name="Straight Arrow Connector 210"/>
@@ -26595,8 +27050,8 @@
           </p:nvCxnSpPr>
           <p:spPr>
             <a:xfrm>
-              <a:off x="5578439" y="2750394"/>
-              <a:ext cx="0" cy="214954"/>
+              <a:off x="5524500" y="3301464"/>
+              <a:ext cx="2" cy="870587"/>
             </a:xfrm>
             <a:prstGeom prst="straightConnector1">
               <a:avLst/>
@@ -26628,7 +27083,7 @@
           </p:nvSpPr>
           <p:spPr>
             <a:xfrm>
-              <a:off x="5543565" y="2680646"/>
+              <a:off x="5489626" y="3231716"/>
               <a:ext cx="69748" cy="69748"/>
             </a:xfrm>
             <a:prstGeom prst="ellipse">
@@ -26680,7 +27135,7 @@
           </p:nvSpPr>
           <p:spPr>
             <a:xfrm>
-              <a:off x="5543565" y="2514600"/>
+              <a:off x="5489628" y="3065671"/>
               <a:ext cx="69748" cy="69748"/>
             </a:xfrm>
             <a:prstGeom prst="ellipse">
@@ -26734,9 +27189,9 @@
             <p:nvPr/>
           </p:nvCxnSpPr>
           <p:spPr>
-            <a:xfrm>
-              <a:off x="5578439" y="2584348"/>
-              <a:ext cx="0" cy="166046"/>
+            <a:xfrm flipH="1">
+              <a:off x="5524500" y="3135419"/>
+              <a:ext cx="2" cy="166045"/>
             </a:xfrm>
             <a:prstGeom prst="line">
               <a:avLst/>
@@ -26769,8 +27224,8 @@
           </p:nvCxnSpPr>
           <p:spPr>
             <a:xfrm>
-              <a:off x="5578439" y="2273097"/>
-              <a:ext cx="0" cy="311251"/>
+              <a:off x="5524501" y="2765728"/>
+              <a:ext cx="1" cy="369691"/>
             </a:xfrm>
             <a:prstGeom prst="line">
               <a:avLst/>
@@ -26797,6 +27252,452 @@
     <p:extLst>
       <p:ext uri="{BB962C8B-B14F-4D97-AF65-F5344CB8AC3E}">
         <p14:creationId xmlns:p14="http://schemas.microsoft.com/office/powerpoint/2010/main" val="285514895"/>
+      </p:ext>
+    </p:extLst>
+  </p:cSld>
+  <p:clrMapOvr>
+    <a:masterClrMapping/>
+  </p:clrMapOvr>
+  <p:timing>
+    <p:tnLst>
+      <p:par>
+        <p:cTn id="1" dur="indefinite" restart="never" nodeType="tmRoot"/>
+      </p:par>
+    </p:tnLst>
+  </p:timing>
+</p:sld>
+</file>
+
+<file path=ppt/slides/slide9.xml><?xml version="1.0" encoding="utf-8"?>
+<p:sld xmlns:a="http://schemas.openxmlformats.org/drawingml/2006/main" xmlns:r="http://schemas.openxmlformats.org/officeDocument/2006/relationships" xmlns:p="http://schemas.openxmlformats.org/presentationml/2006/main">
+  <p:cSld>
+    <p:spTree>
+      <p:nvGrpSpPr>
+        <p:cNvPr id="1" name=""/>
+        <p:cNvGrpSpPr/>
+        <p:nvPr/>
+      </p:nvGrpSpPr>
+      <p:grpSpPr>
+        <a:xfrm>
+          <a:off x="0" y="0"/>
+          <a:ext cx="0" cy="0"/>
+          <a:chOff x="0" y="0"/>
+          <a:chExt cx="0" cy="0"/>
+        </a:xfrm>
+      </p:grpSpPr>
+      <p:grpSp>
+        <p:nvGrpSpPr>
+          <p:cNvPr id="10" name="Group 9"/>
+          <p:cNvGrpSpPr/>
+          <p:nvPr/>
+        </p:nvGrpSpPr>
+        <p:grpSpPr>
+          <a:xfrm>
+            <a:off x="436636" y="-228600"/>
+            <a:ext cx="8050139" cy="7363346"/>
+            <a:chOff x="436636" y="-228600"/>
+            <a:chExt cx="8050139" cy="7363346"/>
+          </a:xfrm>
+        </p:grpSpPr>
+        <p:pic>
+          <p:nvPicPr>
+            <p:cNvPr id="2" name="Picture 2"/>
+            <p:cNvPicPr>
+              <a:picLocks noChangeAspect="1" noChangeArrowheads="1"/>
+            </p:cNvPicPr>
+            <p:nvPr/>
+          </p:nvPicPr>
+          <p:blipFill>
+            <a:blip r:embed="rId2">
+              <a:extLst>
+                <a:ext uri="{28A0092B-C50C-407E-A947-70E740481C1C}">
+                  <a14:useLocalDpi xmlns:a14="http://schemas.microsoft.com/office/drawing/2010/main" val="0"/>
+                </a:ext>
+              </a:extLst>
+            </a:blip>
+            <a:srcRect/>
+            <a:stretch>
+              <a:fillRect/>
+            </a:stretch>
+          </p:blipFill>
+          <p:spPr bwMode="auto">
+            <a:xfrm>
+              <a:off x="571500" y="-142875"/>
+              <a:ext cx="7410450" cy="7191375"/>
+            </a:xfrm>
+            <a:prstGeom prst="rect">
+              <a:avLst/>
+            </a:prstGeom>
+            <a:noFill/>
+            <a:ln>
+              <a:noFill/>
+            </a:ln>
+            <a:effectLst/>
+            <a:extLst>
+              <a:ext uri="{909E8E84-426E-40DD-AFC4-6F175D3DCCD1}">
+                <a14:hiddenFill xmlns:a14="http://schemas.microsoft.com/office/drawing/2010/main">
+                  <a:solidFill>
+                    <a:schemeClr val="accent1"/>
+                  </a:solidFill>
+                </a14:hiddenFill>
+              </a:ext>
+              <a:ext uri="{91240B29-F687-4F45-9708-019B960494DF}">
+                <a14:hiddenLine xmlns:a14="http://schemas.microsoft.com/office/drawing/2010/main" w="9525">
+                  <a:solidFill>
+                    <a:schemeClr val="tx1"/>
+                  </a:solidFill>
+                  <a:miter lim="800000"/>
+                  <a:headEnd/>
+                  <a:tailEnd/>
+                </a14:hiddenLine>
+              </a:ext>
+              <a:ext uri="{AF507438-7753-43E0-B8FC-AC1667EBCBE1}">
+                <a14:hiddenEffects xmlns:a14="http://schemas.microsoft.com/office/drawing/2010/main">
+                  <a:effectLst>
+                    <a:outerShdw dist="35921" dir="2700000" algn="ctr" rotWithShape="0">
+                      <a:schemeClr val="bg2"/>
+                    </a:outerShdw>
+                  </a:effectLst>
+                </a14:hiddenEffects>
+              </a:ext>
+            </a:extLst>
+          </p:spPr>
+        </p:pic>
+        <p:sp>
+          <p:nvSpPr>
+            <p:cNvPr id="4" name="Rounded Rectangle 3"/>
+            <p:cNvSpPr/>
+            <p:nvPr/>
+          </p:nvSpPr>
+          <p:spPr>
+            <a:xfrm>
+              <a:off x="436636" y="2659964"/>
+              <a:ext cx="2171700" cy="2845486"/>
+            </a:xfrm>
+            <a:prstGeom prst="roundRect">
+              <a:avLst/>
+            </a:prstGeom>
+            <a:solidFill>
+              <a:srgbClr val="F79646">
+                <a:alpha val="20000"/>
+              </a:srgbClr>
+            </a:solidFill>
+            <a:ln>
+              <a:solidFill>
+                <a:srgbClr val="F79646"/>
+              </a:solidFill>
+            </a:ln>
+          </p:spPr>
+          <p:style>
+            <a:lnRef idx="2">
+              <a:schemeClr val="accent6">
+                <a:shade val="50000"/>
+              </a:schemeClr>
+            </a:lnRef>
+            <a:fillRef idx="1">
+              <a:schemeClr val="accent6"/>
+            </a:fillRef>
+            <a:effectRef idx="0">
+              <a:schemeClr val="accent6"/>
+            </a:effectRef>
+            <a:fontRef idx="minor">
+              <a:schemeClr val="lt1"/>
+            </a:fontRef>
+          </p:style>
+          <p:txBody>
+            <a:bodyPr rtlCol="0" anchor="ctr"/>
+            <a:lstStyle/>
+            <a:p>
+              <a:pPr algn="ctr"/>
+              <a:endParaRPr lang="en-US" dirty="0"/>
+            </a:p>
+          </p:txBody>
+        </p:sp>
+        <p:sp>
+          <p:nvSpPr>
+            <p:cNvPr id="6" name="Rounded Rectangle 5"/>
+            <p:cNvSpPr/>
+            <p:nvPr/>
+          </p:nvSpPr>
+          <p:spPr>
+            <a:xfrm>
+              <a:off x="4448022" y="5432947"/>
+              <a:ext cx="4038753" cy="1701799"/>
+            </a:xfrm>
+            <a:prstGeom prst="roundRect">
+              <a:avLst/>
+            </a:prstGeom>
+            <a:solidFill>
+              <a:srgbClr val="F79646">
+                <a:alpha val="20000"/>
+              </a:srgbClr>
+            </a:solidFill>
+            <a:ln>
+              <a:solidFill>
+                <a:srgbClr val="F79646"/>
+              </a:solidFill>
+            </a:ln>
+          </p:spPr>
+          <p:style>
+            <a:lnRef idx="2">
+              <a:schemeClr val="accent6">
+                <a:shade val="50000"/>
+              </a:schemeClr>
+            </a:lnRef>
+            <a:fillRef idx="1">
+              <a:schemeClr val="accent6"/>
+            </a:fillRef>
+            <a:effectRef idx="0">
+              <a:schemeClr val="accent6"/>
+            </a:effectRef>
+            <a:fontRef idx="minor">
+              <a:schemeClr val="lt1"/>
+            </a:fontRef>
+          </p:style>
+          <p:txBody>
+            <a:bodyPr rtlCol="0" anchor="ctr"/>
+            <a:lstStyle/>
+            <a:p>
+              <a:pPr algn="ctr"/>
+              <a:endParaRPr lang="en-US" dirty="0"/>
+            </a:p>
+          </p:txBody>
+        </p:sp>
+        <p:sp>
+          <p:nvSpPr>
+            <p:cNvPr id="5" name="TextBox 4"/>
+            <p:cNvSpPr txBox="1"/>
+            <p:nvPr/>
+          </p:nvSpPr>
+          <p:spPr>
+            <a:xfrm>
+              <a:off x="7610475" y="5895796"/>
+              <a:ext cx="864508" cy="1200329"/>
+            </a:xfrm>
+            <a:prstGeom prst="rect">
+              <a:avLst/>
+            </a:prstGeom>
+            <a:noFill/>
+          </p:spPr>
+          <p:txBody>
+            <a:bodyPr wrap="square" rtlCol="0">
+              <a:spAutoFit/>
+            </a:bodyPr>
+            <a:lstStyle/>
+            <a:p>
+              <a:r>
+                <a:rPr lang="en-US" sz="1200" dirty="0" smtClean="0"/>
+                <a:t>topology</a:t>
+              </a:r>
+              <a:br>
+                <a:rPr lang="en-US" sz="1200" dirty="0" smtClean="0"/>
+              </a:br>
+              <a:r>
+                <a:rPr lang="en-US" sz="1200" dirty="0" smtClean="0"/>
+                <a:t>module:</a:t>
+              </a:r>
+            </a:p>
+            <a:p>
+              <a:r>
+                <a:rPr lang="en-US" sz="1200" i="1" dirty="0" smtClean="0"/>
+                <a:t>scalable</a:t>
+              </a:r>
+              <a:br>
+                <a:rPr lang="en-US" sz="1200" i="1" dirty="0" smtClean="0"/>
+              </a:br>
+              <a:r>
+                <a:rPr lang="en-US" sz="1200" i="1" dirty="0" smtClean="0"/>
+                <a:t>for other</a:t>
+              </a:r>
+              <a:br>
+                <a:rPr lang="en-US" sz="1200" i="1" dirty="0" smtClean="0"/>
+              </a:br>
+              <a:r>
+                <a:rPr lang="en-US" sz="1200" i="1" dirty="0" smtClean="0"/>
+                <a:t>network</a:t>
+              </a:r>
+              <a:br>
+                <a:rPr lang="en-US" sz="1200" i="1" dirty="0" smtClean="0"/>
+              </a:br>
+              <a:r>
+                <a:rPr lang="en-US" sz="1200" i="1" dirty="0" smtClean="0"/>
+                <a:t>topologies</a:t>
+              </a:r>
+              <a:endParaRPr lang="en-US" sz="1200" i="1" dirty="0"/>
+            </a:p>
+          </p:txBody>
+        </p:sp>
+        <p:sp>
+          <p:nvSpPr>
+            <p:cNvPr id="8" name="Rounded Rectangle 7"/>
+            <p:cNvSpPr/>
+            <p:nvPr/>
+          </p:nvSpPr>
+          <p:spPr>
+            <a:xfrm>
+              <a:off x="4114800" y="-228600"/>
+              <a:ext cx="4371975" cy="5661547"/>
+            </a:xfrm>
+            <a:prstGeom prst="roundRect">
+              <a:avLst/>
+            </a:prstGeom>
+            <a:solidFill>
+              <a:srgbClr val="F79646">
+                <a:alpha val="20000"/>
+              </a:srgbClr>
+            </a:solidFill>
+            <a:ln>
+              <a:solidFill>
+                <a:srgbClr val="F79646"/>
+              </a:solidFill>
+            </a:ln>
+          </p:spPr>
+          <p:style>
+            <a:lnRef idx="2">
+              <a:schemeClr val="accent6">
+                <a:shade val="50000"/>
+              </a:schemeClr>
+            </a:lnRef>
+            <a:fillRef idx="1">
+              <a:schemeClr val="accent6"/>
+            </a:fillRef>
+            <a:effectRef idx="0">
+              <a:schemeClr val="accent6"/>
+            </a:effectRef>
+            <a:fontRef idx="minor">
+              <a:schemeClr val="lt1"/>
+            </a:fontRef>
+          </p:style>
+          <p:txBody>
+            <a:bodyPr rtlCol="0" anchor="ctr"/>
+            <a:lstStyle/>
+            <a:p>
+              <a:pPr algn="ctr"/>
+              <a:endParaRPr lang="en-US" dirty="0"/>
+            </a:p>
+          </p:txBody>
+        </p:sp>
+        <p:sp>
+          <p:nvSpPr>
+            <p:cNvPr id="7" name="TextBox 6"/>
+            <p:cNvSpPr txBox="1"/>
+            <p:nvPr/>
+          </p:nvSpPr>
+          <p:spPr>
+            <a:xfrm>
+              <a:off x="7472285" y="104775"/>
+              <a:ext cx="1014490" cy="1384995"/>
+            </a:xfrm>
+            <a:prstGeom prst="rect">
+              <a:avLst/>
+            </a:prstGeom>
+            <a:noFill/>
+          </p:spPr>
+          <p:txBody>
+            <a:bodyPr wrap="square" rtlCol="0">
+              <a:spAutoFit/>
+            </a:bodyPr>
+            <a:lstStyle/>
+            <a:p>
+              <a:r>
+                <a:rPr lang="en-US" sz="1200" dirty="0"/>
+                <a:t>p</a:t>
+              </a:r>
+              <a:r>
+                <a:rPr lang="en-US" sz="1200" dirty="0" smtClean="0"/>
+                <a:t>ropagation module:</a:t>
+              </a:r>
+            </a:p>
+            <a:p>
+              <a:r>
+                <a:rPr lang="en-US" sz="1200" i="1" dirty="0" smtClean="0"/>
+                <a:t>scalable</a:t>
+              </a:r>
+              <a:br>
+                <a:rPr lang="en-US" sz="1200" i="1" dirty="0" smtClean="0"/>
+              </a:br>
+              <a:r>
+                <a:rPr lang="en-US" sz="1200" i="1" dirty="0" smtClean="0"/>
+                <a:t>for</a:t>
+              </a:r>
+              <a:r>
+                <a:rPr lang="en-US" sz="1200" i="1" dirty="0"/>
+                <a:t> </a:t>
+              </a:r>
+              <a:r>
+                <a:rPr lang="en-US" sz="1200" i="1" dirty="0" smtClean="0"/>
+                <a:t>other</a:t>
+              </a:r>
+              <a:br>
+                <a:rPr lang="en-US" sz="1200" i="1" dirty="0" smtClean="0"/>
+              </a:br>
+              <a:r>
+                <a:rPr lang="en-US" sz="1200" i="1" dirty="0" smtClean="0"/>
+                <a:t>back-propagation algorithms</a:t>
+              </a:r>
+              <a:endParaRPr lang="en-US" sz="1200" i="1" dirty="0"/>
+            </a:p>
+          </p:txBody>
+        </p:sp>
+        <p:sp>
+          <p:nvSpPr>
+            <p:cNvPr id="9" name="TextBox 8"/>
+            <p:cNvSpPr txBox="1"/>
+            <p:nvPr/>
+          </p:nvSpPr>
+          <p:spPr>
+            <a:xfrm>
+              <a:off x="874029" y="3667208"/>
+              <a:ext cx="1296914" cy="830997"/>
+            </a:xfrm>
+            <a:prstGeom prst="rect">
+              <a:avLst/>
+            </a:prstGeom>
+            <a:noFill/>
+          </p:spPr>
+          <p:txBody>
+            <a:bodyPr wrap="square" rtlCol="0">
+              <a:spAutoFit/>
+            </a:bodyPr>
+            <a:lstStyle/>
+            <a:p>
+              <a:r>
+                <a:rPr lang="en-US" sz="1200" dirty="0"/>
+                <a:t>i</a:t>
+              </a:r>
+              <a:r>
+                <a:rPr lang="en-US" sz="1200" dirty="0" smtClean="0"/>
+                <a:t>nput and output</a:t>
+              </a:r>
+              <a:br>
+                <a:rPr lang="en-US" sz="1200" dirty="0" smtClean="0"/>
+              </a:br>
+              <a:r>
+                <a:rPr lang="en-US" sz="1200" dirty="0" smtClean="0"/>
+                <a:t>utility module:</a:t>
+              </a:r>
+            </a:p>
+            <a:p>
+              <a:r>
+                <a:rPr lang="en-US" sz="1200" i="1" dirty="0" smtClean="0"/>
+                <a:t>scalable for other</a:t>
+              </a:r>
+              <a:br>
+                <a:rPr lang="en-US" sz="1200" i="1" dirty="0" smtClean="0"/>
+              </a:br>
+              <a:r>
+                <a:rPr lang="en-US" sz="1200" i="1" dirty="0" smtClean="0"/>
+                <a:t>system models</a:t>
+              </a:r>
+              <a:endParaRPr lang="en-US" sz="1200" i="1" dirty="0"/>
+            </a:p>
+          </p:txBody>
+        </p:sp>
+      </p:grpSp>
+    </p:spTree>
+    <p:extLst>
+      <p:ext uri="{BB962C8B-B14F-4D97-AF65-F5344CB8AC3E}">
+        <p14:creationId xmlns:p14="http://schemas.microsoft.com/office/powerpoint/2010/main" val="795875027"/>
       </p:ext>
     </p:extLst>
   </p:cSld>

--- a/trunk/pic/pic.pptx
+++ b/trunk/pic/pic.pptx
@@ -4,16 +4,20 @@
   <p:sldMasterIdLst>
     <p:sldMasterId id="2147483648" r:id="rId1"/>
   </p:sldMasterIdLst>
+  <p:notesMasterIdLst>
+    <p:notesMasterId r:id="rId12"/>
+  </p:notesMasterIdLst>
   <p:sldIdLst>
     <p:sldId id="256" r:id="rId2"/>
     <p:sldId id="257" r:id="rId3"/>
     <p:sldId id="258" r:id="rId4"/>
-    <p:sldId id="259" r:id="rId5"/>
-    <p:sldId id="260" r:id="rId6"/>
-    <p:sldId id="261" r:id="rId7"/>
+    <p:sldId id="260" r:id="rId5"/>
+    <p:sldId id="261" r:id="rId6"/>
+    <p:sldId id="265" r:id="rId7"/>
     <p:sldId id="262" r:id="rId8"/>
-    <p:sldId id="263" r:id="rId9"/>
-    <p:sldId id="264" r:id="rId10"/>
+    <p:sldId id="266" r:id="rId9"/>
+    <p:sldId id="263" r:id="rId10"/>
+    <p:sldId id="264" r:id="rId11"/>
   </p:sldIdLst>
   <p:sldSz cx="9144000" cy="6858000" type="screen4x3"/>
   <p:notesSz cx="6858000" cy="9144000"/>
@@ -113,6 +117,608 @@
     </a:lvl9pPr>
   </p:defaultTextStyle>
 </p:presentation>
+</file>
+
+<file path=ppt/notesMasters/notesMaster1.xml><?xml version="1.0" encoding="utf-8"?>
+<p:notesMaster xmlns:a="http://schemas.openxmlformats.org/drawingml/2006/main" xmlns:r="http://schemas.openxmlformats.org/officeDocument/2006/relationships" xmlns:p="http://schemas.openxmlformats.org/presentationml/2006/main">
+  <p:cSld>
+    <p:bg>
+      <p:bgRef idx="1001">
+        <a:schemeClr val="bg1"/>
+      </p:bgRef>
+    </p:bg>
+    <p:spTree>
+      <p:nvGrpSpPr>
+        <p:cNvPr id="1" name=""/>
+        <p:cNvGrpSpPr/>
+        <p:nvPr/>
+      </p:nvGrpSpPr>
+      <p:grpSpPr>
+        <a:xfrm>
+          <a:off x="0" y="0"/>
+          <a:ext cx="0" cy="0"/>
+          <a:chOff x="0" y="0"/>
+          <a:chExt cx="0" cy="0"/>
+        </a:xfrm>
+      </p:grpSpPr>
+      <p:sp>
+        <p:nvSpPr>
+          <p:cNvPr id="2" name="Header Placeholder 1"/>
+          <p:cNvSpPr>
+            <a:spLocks noGrp="1"/>
+          </p:cNvSpPr>
+          <p:nvPr>
+            <p:ph type="hdr" sz="quarter"/>
+          </p:nvPr>
+        </p:nvSpPr>
+        <p:spPr>
+          <a:xfrm>
+            <a:off x="0" y="0"/>
+            <a:ext cx="2971800" cy="457200"/>
+          </a:xfrm>
+          <a:prstGeom prst="rect">
+            <a:avLst/>
+          </a:prstGeom>
+        </p:spPr>
+        <p:txBody>
+          <a:bodyPr vert="horz" lIns="91440" tIns="45720" rIns="91440" bIns="45720" rtlCol="0"/>
+          <a:lstStyle>
+            <a:lvl1pPr algn="l">
+              <a:defRPr sz="1200"/>
+            </a:lvl1pPr>
+          </a:lstStyle>
+          <a:p>
+            <a:endParaRPr lang="en-US"/>
+          </a:p>
+        </p:txBody>
+      </p:sp>
+      <p:sp>
+        <p:nvSpPr>
+          <p:cNvPr id="3" name="Date Placeholder 2"/>
+          <p:cNvSpPr>
+            <a:spLocks noGrp="1"/>
+          </p:cNvSpPr>
+          <p:nvPr>
+            <p:ph type="dt" idx="1"/>
+          </p:nvPr>
+        </p:nvSpPr>
+        <p:spPr>
+          <a:xfrm>
+            <a:off x="3884613" y="0"/>
+            <a:ext cx="2971800" cy="457200"/>
+          </a:xfrm>
+          <a:prstGeom prst="rect">
+            <a:avLst/>
+          </a:prstGeom>
+        </p:spPr>
+        <p:txBody>
+          <a:bodyPr vert="horz" lIns="91440" tIns="45720" rIns="91440" bIns="45720" rtlCol="0"/>
+          <a:lstStyle>
+            <a:lvl1pPr algn="r">
+              <a:defRPr sz="1200"/>
+            </a:lvl1pPr>
+          </a:lstStyle>
+          <a:p>
+            <a:fld id="{40F2FB96-7D30-4672-9E6D-9816F53C8FB8}" type="datetimeFigureOut">
+              <a:rPr lang="en-US" smtClean="0"/>
+              <a:t>12/27/2014</a:t>
+            </a:fld>
+            <a:endParaRPr lang="en-US"/>
+          </a:p>
+        </p:txBody>
+      </p:sp>
+      <p:sp>
+        <p:nvSpPr>
+          <p:cNvPr id="4" name="Slide Image Placeholder 3"/>
+          <p:cNvSpPr>
+            <a:spLocks noGrp="1" noRot="1" noChangeAspect="1"/>
+          </p:cNvSpPr>
+          <p:nvPr>
+            <p:ph type="sldImg" idx="2"/>
+          </p:nvPr>
+        </p:nvSpPr>
+        <p:spPr>
+          <a:xfrm>
+            <a:off x="1143000" y="685800"/>
+            <a:ext cx="4572000" cy="3429000"/>
+          </a:xfrm>
+          <a:prstGeom prst="rect">
+            <a:avLst/>
+          </a:prstGeom>
+          <a:noFill/>
+          <a:ln w="12700">
+            <a:solidFill>
+              <a:prstClr val="black"/>
+            </a:solidFill>
+          </a:ln>
+        </p:spPr>
+        <p:txBody>
+          <a:bodyPr vert="horz" lIns="91440" tIns="45720" rIns="91440" bIns="45720" rtlCol="0" anchor="ctr"/>
+          <a:lstStyle/>
+          <a:p>
+            <a:endParaRPr lang="en-US"/>
+          </a:p>
+        </p:txBody>
+      </p:sp>
+      <p:sp>
+        <p:nvSpPr>
+          <p:cNvPr id="5" name="Notes Placeholder 4"/>
+          <p:cNvSpPr>
+            <a:spLocks noGrp="1"/>
+          </p:cNvSpPr>
+          <p:nvPr>
+            <p:ph type="body" sz="quarter" idx="3"/>
+          </p:nvPr>
+        </p:nvSpPr>
+        <p:spPr>
+          <a:xfrm>
+            <a:off x="685800" y="4343400"/>
+            <a:ext cx="5486400" cy="4114800"/>
+          </a:xfrm>
+          <a:prstGeom prst="rect">
+            <a:avLst/>
+          </a:prstGeom>
+        </p:spPr>
+        <p:txBody>
+          <a:bodyPr vert="horz" lIns="91440" tIns="45720" rIns="91440" bIns="45720" rtlCol="0"/>
+          <a:lstStyle/>
+          <a:p>
+            <a:pPr lvl="0"/>
+            <a:r>
+              <a:rPr lang="en-US" smtClean="0"/>
+              <a:t>Click to edit Master text styles</a:t>
+            </a:r>
+          </a:p>
+          <a:p>
+            <a:pPr lvl="1"/>
+            <a:r>
+              <a:rPr lang="en-US" smtClean="0"/>
+              <a:t>Second level</a:t>
+            </a:r>
+          </a:p>
+          <a:p>
+            <a:pPr lvl="2"/>
+            <a:r>
+              <a:rPr lang="en-US" smtClean="0"/>
+              <a:t>Third level</a:t>
+            </a:r>
+          </a:p>
+          <a:p>
+            <a:pPr lvl="3"/>
+            <a:r>
+              <a:rPr lang="en-US" smtClean="0"/>
+              <a:t>Fourth level</a:t>
+            </a:r>
+          </a:p>
+          <a:p>
+            <a:pPr lvl="4"/>
+            <a:r>
+              <a:rPr lang="en-US" smtClean="0"/>
+              <a:t>Fifth level</a:t>
+            </a:r>
+            <a:endParaRPr lang="en-US"/>
+          </a:p>
+        </p:txBody>
+      </p:sp>
+      <p:sp>
+        <p:nvSpPr>
+          <p:cNvPr id="6" name="Footer Placeholder 5"/>
+          <p:cNvSpPr>
+            <a:spLocks noGrp="1"/>
+          </p:cNvSpPr>
+          <p:nvPr>
+            <p:ph type="ftr" sz="quarter" idx="4"/>
+          </p:nvPr>
+        </p:nvSpPr>
+        <p:spPr>
+          <a:xfrm>
+            <a:off x="0" y="8685213"/>
+            <a:ext cx="2971800" cy="457200"/>
+          </a:xfrm>
+          <a:prstGeom prst="rect">
+            <a:avLst/>
+          </a:prstGeom>
+        </p:spPr>
+        <p:txBody>
+          <a:bodyPr vert="horz" lIns="91440" tIns="45720" rIns="91440" bIns="45720" rtlCol="0" anchor="b"/>
+          <a:lstStyle>
+            <a:lvl1pPr algn="l">
+              <a:defRPr sz="1200"/>
+            </a:lvl1pPr>
+          </a:lstStyle>
+          <a:p>
+            <a:endParaRPr lang="en-US"/>
+          </a:p>
+        </p:txBody>
+      </p:sp>
+      <p:sp>
+        <p:nvSpPr>
+          <p:cNvPr id="7" name="Slide Number Placeholder 6"/>
+          <p:cNvSpPr>
+            <a:spLocks noGrp="1"/>
+          </p:cNvSpPr>
+          <p:nvPr>
+            <p:ph type="sldNum" sz="quarter" idx="5"/>
+          </p:nvPr>
+        </p:nvSpPr>
+        <p:spPr>
+          <a:xfrm>
+            <a:off x="3884613" y="8685213"/>
+            <a:ext cx="2971800" cy="457200"/>
+          </a:xfrm>
+          <a:prstGeom prst="rect">
+            <a:avLst/>
+          </a:prstGeom>
+        </p:spPr>
+        <p:txBody>
+          <a:bodyPr vert="horz" lIns="91440" tIns="45720" rIns="91440" bIns="45720" rtlCol="0" anchor="b"/>
+          <a:lstStyle>
+            <a:lvl1pPr algn="r">
+              <a:defRPr sz="1200"/>
+            </a:lvl1pPr>
+          </a:lstStyle>
+          <a:p>
+            <a:fld id="{28B05241-304B-4399-B516-2D7A5C717DFB}" type="slidenum">
+              <a:rPr lang="en-US" smtClean="0"/>
+              <a:t>‹#›</a:t>
+            </a:fld>
+            <a:endParaRPr lang="en-US"/>
+          </a:p>
+        </p:txBody>
+      </p:sp>
+    </p:spTree>
+    <p:extLst>
+      <p:ext uri="{BB962C8B-B14F-4D97-AF65-F5344CB8AC3E}">
+        <p14:creationId xmlns:p14="http://schemas.microsoft.com/office/powerpoint/2010/main" val="721519785"/>
+      </p:ext>
+    </p:extLst>
+  </p:cSld>
+  <p:clrMap bg1="lt1" tx1="dk1" bg2="lt2" tx2="dk2" accent1="accent1" accent2="accent2" accent3="accent3" accent4="accent4" accent5="accent5" accent6="accent6" hlink="hlink" folHlink="folHlink"/>
+  <p:notesStyle>
+    <a:lvl1pPr marL="0" algn="l" defTabSz="914400" rtl="0" eaLnBrk="1" latinLnBrk="0" hangingPunct="1">
+      <a:defRPr sz="1200" kern="1200">
+        <a:solidFill>
+          <a:schemeClr val="tx1"/>
+        </a:solidFill>
+        <a:latin typeface="+mn-lt"/>
+        <a:ea typeface="+mn-ea"/>
+        <a:cs typeface="+mn-cs"/>
+      </a:defRPr>
+    </a:lvl1pPr>
+    <a:lvl2pPr marL="457200" algn="l" defTabSz="914400" rtl="0" eaLnBrk="1" latinLnBrk="0" hangingPunct="1">
+      <a:defRPr sz="1200" kern="1200">
+        <a:solidFill>
+          <a:schemeClr val="tx1"/>
+        </a:solidFill>
+        <a:latin typeface="+mn-lt"/>
+        <a:ea typeface="+mn-ea"/>
+        <a:cs typeface="+mn-cs"/>
+      </a:defRPr>
+    </a:lvl2pPr>
+    <a:lvl3pPr marL="914400" algn="l" defTabSz="914400" rtl="0" eaLnBrk="1" latinLnBrk="0" hangingPunct="1">
+      <a:defRPr sz="1200" kern="1200">
+        <a:solidFill>
+          <a:schemeClr val="tx1"/>
+        </a:solidFill>
+        <a:latin typeface="+mn-lt"/>
+        <a:ea typeface="+mn-ea"/>
+        <a:cs typeface="+mn-cs"/>
+      </a:defRPr>
+    </a:lvl3pPr>
+    <a:lvl4pPr marL="1371600" algn="l" defTabSz="914400" rtl="0" eaLnBrk="1" latinLnBrk="0" hangingPunct="1">
+      <a:defRPr sz="1200" kern="1200">
+        <a:solidFill>
+          <a:schemeClr val="tx1"/>
+        </a:solidFill>
+        <a:latin typeface="+mn-lt"/>
+        <a:ea typeface="+mn-ea"/>
+        <a:cs typeface="+mn-cs"/>
+      </a:defRPr>
+    </a:lvl4pPr>
+    <a:lvl5pPr marL="1828800" algn="l" defTabSz="914400" rtl="0" eaLnBrk="1" latinLnBrk="0" hangingPunct="1">
+      <a:defRPr sz="1200" kern="1200">
+        <a:solidFill>
+          <a:schemeClr val="tx1"/>
+        </a:solidFill>
+        <a:latin typeface="+mn-lt"/>
+        <a:ea typeface="+mn-ea"/>
+        <a:cs typeface="+mn-cs"/>
+      </a:defRPr>
+    </a:lvl5pPr>
+    <a:lvl6pPr marL="2286000" algn="l" defTabSz="914400" rtl="0" eaLnBrk="1" latinLnBrk="0" hangingPunct="1">
+      <a:defRPr sz="1200" kern="1200">
+        <a:solidFill>
+          <a:schemeClr val="tx1"/>
+        </a:solidFill>
+        <a:latin typeface="+mn-lt"/>
+        <a:ea typeface="+mn-ea"/>
+        <a:cs typeface="+mn-cs"/>
+      </a:defRPr>
+    </a:lvl6pPr>
+    <a:lvl7pPr marL="2743200" algn="l" defTabSz="914400" rtl="0" eaLnBrk="1" latinLnBrk="0" hangingPunct="1">
+      <a:defRPr sz="1200" kern="1200">
+        <a:solidFill>
+          <a:schemeClr val="tx1"/>
+        </a:solidFill>
+        <a:latin typeface="+mn-lt"/>
+        <a:ea typeface="+mn-ea"/>
+        <a:cs typeface="+mn-cs"/>
+      </a:defRPr>
+    </a:lvl7pPr>
+    <a:lvl8pPr marL="3200400" algn="l" defTabSz="914400" rtl="0" eaLnBrk="1" latinLnBrk="0" hangingPunct="1">
+      <a:defRPr sz="1200" kern="1200">
+        <a:solidFill>
+          <a:schemeClr val="tx1"/>
+        </a:solidFill>
+        <a:latin typeface="+mn-lt"/>
+        <a:ea typeface="+mn-ea"/>
+        <a:cs typeface="+mn-cs"/>
+      </a:defRPr>
+    </a:lvl8pPr>
+    <a:lvl9pPr marL="3657600" algn="l" defTabSz="914400" rtl="0" eaLnBrk="1" latinLnBrk="0" hangingPunct="1">
+      <a:defRPr sz="1200" kern="1200">
+        <a:solidFill>
+          <a:schemeClr val="tx1"/>
+        </a:solidFill>
+        <a:latin typeface="+mn-lt"/>
+        <a:ea typeface="+mn-ea"/>
+        <a:cs typeface="+mn-cs"/>
+      </a:defRPr>
+    </a:lvl9pPr>
+  </p:notesStyle>
+</p:notesMaster>
+</file>
+
+<file path=ppt/notesSlides/notesSlide1.xml><?xml version="1.0" encoding="utf-8"?>
+<p:notes xmlns:a="http://schemas.openxmlformats.org/drawingml/2006/main" xmlns:r="http://schemas.openxmlformats.org/officeDocument/2006/relationships" xmlns:p="http://schemas.openxmlformats.org/presentationml/2006/main">
+  <p:cSld>
+    <p:spTree>
+      <p:nvGrpSpPr>
+        <p:cNvPr id="1" name=""/>
+        <p:cNvGrpSpPr/>
+        <p:nvPr/>
+      </p:nvGrpSpPr>
+      <p:grpSpPr>
+        <a:xfrm>
+          <a:off x="0" y="0"/>
+          <a:ext cx="0" cy="0"/>
+          <a:chOff x="0" y="0"/>
+          <a:chExt cx="0" cy="0"/>
+        </a:xfrm>
+      </p:grpSpPr>
+      <p:sp>
+        <p:nvSpPr>
+          <p:cNvPr id="2" name="Slide Image Placeholder 1"/>
+          <p:cNvSpPr>
+            <a:spLocks noGrp="1" noRot="1" noChangeAspect="1"/>
+          </p:cNvSpPr>
+          <p:nvPr>
+            <p:ph type="sldImg"/>
+          </p:nvPr>
+        </p:nvSpPr>
+        <p:spPr/>
+      </p:sp>
+      <p:sp>
+        <p:nvSpPr>
+          <p:cNvPr id="3" name="Notes Placeholder 2"/>
+          <p:cNvSpPr>
+            <a:spLocks noGrp="1"/>
+          </p:cNvSpPr>
+          <p:nvPr>
+            <p:ph type="body" idx="1"/>
+          </p:nvPr>
+        </p:nvSpPr>
+        <p:spPr/>
+        <p:txBody>
+          <a:bodyPr/>
+          <a:lstStyle/>
+          <a:p>
+            <a:endParaRPr lang="en-US" dirty="0"/>
+          </a:p>
+        </p:txBody>
+      </p:sp>
+      <p:sp>
+        <p:nvSpPr>
+          <p:cNvPr id="4" name="Slide Number Placeholder 3"/>
+          <p:cNvSpPr>
+            <a:spLocks noGrp="1"/>
+          </p:cNvSpPr>
+          <p:nvPr>
+            <p:ph type="sldNum" sz="quarter" idx="10"/>
+          </p:nvPr>
+        </p:nvSpPr>
+        <p:spPr/>
+        <p:txBody>
+          <a:bodyPr/>
+          <a:lstStyle/>
+          <a:p>
+            <a:fld id="{28B05241-304B-4399-B516-2D7A5C717DFB}" type="slidenum">
+              <a:rPr lang="en-US" smtClean="0"/>
+              <a:t>5</a:t>
+            </a:fld>
+            <a:endParaRPr lang="en-US"/>
+          </a:p>
+        </p:txBody>
+      </p:sp>
+    </p:spTree>
+    <p:extLst>
+      <p:ext uri="{BB962C8B-B14F-4D97-AF65-F5344CB8AC3E}">
+        <p14:creationId xmlns:p14="http://schemas.microsoft.com/office/powerpoint/2010/main" val="2056410298"/>
+      </p:ext>
+    </p:extLst>
+  </p:cSld>
+  <p:clrMapOvr>
+    <a:masterClrMapping/>
+  </p:clrMapOvr>
+</p:notes>
+</file>
+
+<file path=ppt/notesSlides/notesSlide2.xml><?xml version="1.0" encoding="utf-8"?>
+<p:notes xmlns:a="http://schemas.openxmlformats.org/drawingml/2006/main" xmlns:r="http://schemas.openxmlformats.org/officeDocument/2006/relationships" xmlns:p="http://schemas.openxmlformats.org/presentationml/2006/main">
+  <p:cSld>
+    <p:spTree>
+      <p:nvGrpSpPr>
+        <p:cNvPr id="1" name=""/>
+        <p:cNvGrpSpPr/>
+        <p:nvPr/>
+      </p:nvGrpSpPr>
+      <p:grpSpPr>
+        <a:xfrm>
+          <a:off x="0" y="0"/>
+          <a:ext cx="0" cy="0"/>
+          <a:chOff x="0" y="0"/>
+          <a:chExt cx="0" cy="0"/>
+        </a:xfrm>
+      </p:grpSpPr>
+      <p:sp>
+        <p:nvSpPr>
+          <p:cNvPr id="2" name="Slide Image Placeholder 1"/>
+          <p:cNvSpPr>
+            <a:spLocks noGrp="1" noRot="1" noChangeAspect="1"/>
+          </p:cNvSpPr>
+          <p:nvPr>
+            <p:ph type="sldImg"/>
+          </p:nvPr>
+        </p:nvSpPr>
+        <p:spPr/>
+      </p:sp>
+      <p:sp>
+        <p:nvSpPr>
+          <p:cNvPr id="3" name="Notes Placeholder 2"/>
+          <p:cNvSpPr>
+            <a:spLocks noGrp="1"/>
+          </p:cNvSpPr>
+          <p:nvPr>
+            <p:ph type="body" idx="1"/>
+          </p:nvPr>
+        </p:nvSpPr>
+        <p:spPr/>
+        <p:txBody>
+          <a:bodyPr/>
+          <a:lstStyle/>
+          <a:p>
+            <a:endParaRPr lang="en-US" dirty="0"/>
+          </a:p>
+        </p:txBody>
+      </p:sp>
+      <p:sp>
+        <p:nvSpPr>
+          <p:cNvPr id="4" name="Slide Number Placeholder 3"/>
+          <p:cNvSpPr>
+            <a:spLocks noGrp="1"/>
+          </p:cNvSpPr>
+          <p:nvPr>
+            <p:ph type="sldNum" sz="quarter" idx="10"/>
+          </p:nvPr>
+        </p:nvSpPr>
+        <p:spPr/>
+        <p:txBody>
+          <a:bodyPr/>
+          <a:lstStyle/>
+          <a:p>
+            <a:fld id="{28B05241-304B-4399-B516-2D7A5C717DFB}" type="slidenum">
+              <a:rPr lang="en-US" smtClean="0"/>
+              <a:t>6</a:t>
+            </a:fld>
+            <a:endParaRPr lang="en-US"/>
+          </a:p>
+        </p:txBody>
+      </p:sp>
+    </p:spTree>
+    <p:extLst>
+      <p:ext uri="{BB962C8B-B14F-4D97-AF65-F5344CB8AC3E}">
+        <p14:creationId xmlns:p14="http://schemas.microsoft.com/office/powerpoint/2010/main" val="2056410298"/>
+      </p:ext>
+    </p:extLst>
+  </p:cSld>
+  <p:clrMapOvr>
+    <a:masterClrMapping/>
+  </p:clrMapOvr>
+</p:notes>
+</file>
+
+<file path=ppt/notesSlides/notesSlide3.xml><?xml version="1.0" encoding="utf-8"?>
+<p:notes xmlns:a="http://schemas.openxmlformats.org/drawingml/2006/main" xmlns:r="http://schemas.openxmlformats.org/officeDocument/2006/relationships" xmlns:p="http://schemas.openxmlformats.org/presentationml/2006/main">
+  <p:cSld>
+    <p:spTree>
+      <p:nvGrpSpPr>
+        <p:cNvPr id="1" name=""/>
+        <p:cNvGrpSpPr/>
+        <p:nvPr/>
+      </p:nvGrpSpPr>
+      <p:grpSpPr>
+        <a:xfrm>
+          <a:off x="0" y="0"/>
+          <a:ext cx="0" cy="0"/>
+          <a:chOff x="0" y="0"/>
+          <a:chExt cx="0" cy="0"/>
+        </a:xfrm>
+      </p:grpSpPr>
+      <p:sp>
+        <p:nvSpPr>
+          <p:cNvPr id="2" name="Slide Image Placeholder 1"/>
+          <p:cNvSpPr>
+            <a:spLocks noGrp="1" noRot="1" noChangeAspect="1"/>
+          </p:cNvSpPr>
+          <p:nvPr>
+            <p:ph type="sldImg"/>
+          </p:nvPr>
+        </p:nvSpPr>
+        <p:spPr/>
+      </p:sp>
+      <p:sp>
+        <p:nvSpPr>
+          <p:cNvPr id="3" name="Notes Placeholder 2"/>
+          <p:cNvSpPr>
+            <a:spLocks noGrp="1"/>
+          </p:cNvSpPr>
+          <p:nvPr>
+            <p:ph type="body" idx="1"/>
+          </p:nvPr>
+        </p:nvSpPr>
+        <p:spPr/>
+        <p:txBody>
+          <a:bodyPr/>
+          <a:lstStyle/>
+          <a:p>
+            <a:endParaRPr lang="en-US" dirty="0"/>
+          </a:p>
+        </p:txBody>
+      </p:sp>
+      <p:sp>
+        <p:nvSpPr>
+          <p:cNvPr id="4" name="Slide Number Placeholder 3"/>
+          <p:cNvSpPr>
+            <a:spLocks noGrp="1"/>
+          </p:cNvSpPr>
+          <p:nvPr>
+            <p:ph type="sldNum" sz="quarter" idx="10"/>
+          </p:nvPr>
+        </p:nvSpPr>
+        <p:spPr/>
+        <p:txBody>
+          <a:bodyPr/>
+          <a:lstStyle/>
+          <a:p>
+            <a:fld id="{28B05241-304B-4399-B516-2D7A5C717DFB}" type="slidenum">
+              <a:rPr lang="en-US" smtClean="0"/>
+              <a:t>8</a:t>
+            </a:fld>
+            <a:endParaRPr lang="en-US"/>
+          </a:p>
+        </p:txBody>
+      </p:sp>
+    </p:spTree>
+    <p:extLst>
+      <p:ext uri="{BB962C8B-B14F-4D97-AF65-F5344CB8AC3E}">
+        <p14:creationId xmlns:p14="http://schemas.microsoft.com/office/powerpoint/2010/main" val="4135776025"/>
+      </p:ext>
+    </p:extLst>
+  </p:cSld>
+  <p:clrMapOvr>
+    <a:masterClrMapping/>
+  </p:clrMapOvr>
+</p:notes>
 </file>
 
 <file path=ppt/slideLayouts/slideLayout1.xml><?xml version="1.0" encoding="utf-8"?>
@@ -297,7 +903,7 @@
             <a:fld id="{1D8BD707-D9CF-40AE-B4C6-C98DA3205C09}" type="datetimeFigureOut">
               <a:rPr lang="en-US" smtClean="0"/>
               <a:pPr/>
-              <a:t>12/3/2014</a:t>
+              <a:t>12/27/2014</a:t>
             </a:fld>
             <a:endParaRPr lang="en-US"/>
           </a:p>
@@ -464,7 +1070,7 @@
             <a:fld id="{1D8BD707-D9CF-40AE-B4C6-C98DA3205C09}" type="datetimeFigureOut">
               <a:rPr lang="en-US" smtClean="0"/>
               <a:pPr/>
-              <a:t>12/3/2014</a:t>
+              <a:t>12/27/2014</a:t>
             </a:fld>
             <a:endParaRPr lang="en-US"/>
           </a:p>
@@ -641,7 +1247,7 @@
             <a:fld id="{1D8BD707-D9CF-40AE-B4C6-C98DA3205C09}" type="datetimeFigureOut">
               <a:rPr lang="en-US" smtClean="0"/>
               <a:pPr/>
-              <a:t>12/3/2014</a:t>
+              <a:t>12/27/2014</a:t>
             </a:fld>
             <a:endParaRPr lang="en-US"/>
           </a:p>
@@ -808,7 +1414,7 @@
             <a:fld id="{1D8BD707-D9CF-40AE-B4C6-C98DA3205C09}" type="datetimeFigureOut">
               <a:rPr lang="en-US" smtClean="0"/>
               <a:pPr/>
-              <a:t>12/3/2014</a:t>
+              <a:t>12/27/2014</a:t>
             </a:fld>
             <a:endParaRPr lang="en-US"/>
           </a:p>
@@ -1051,7 +1657,7 @@
             <a:fld id="{1D8BD707-D9CF-40AE-B4C6-C98DA3205C09}" type="datetimeFigureOut">
               <a:rPr lang="en-US" smtClean="0"/>
               <a:pPr/>
-              <a:t>12/3/2014</a:t>
+              <a:t>12/27/2014</a:t>
             </a:fld>
             <a:endParaRPr lang="en-US"/>
           </a:p>
@@ -1336,7 +1942,7 @@
             <a:fld id="{1D8BD707-D9CF-40AE-B4C6-C98DA3205C09}" type="datetimeFigureOut">
               <a:rPr lang="en-US" smtClean="0"/>
               <a:pPr/>
-              <a:t>12/3/2014</a:t>
+              <a:t>12/27/2014</a:t>
             </a:fld>
             <a:endParaRPr lang="en-US"/>
           </a:p>
@@ -1755,7 +2361,7 @@
             <a:fld id="{1D8BD707-D9CF-40AE-B4C6-C98DA3205C09}" type="datetimeFigureOut">
               <a:rPr lang="en-US" smtClean="0"/>
               <a:pPr/>
-              <a:t>12/3/2014</a:t>
+              <a:t>12/27/2014</a:t>
             </a:fld>
             <a:endParaRPr lang="en-US"/>
           </a:p>
@@ -1870,7 +2476,7 @@
             <a:fld id="{1D8BD707-D9CF-40AE-B4C6-C98DA3205C09}" type="datetimeFigureOut">
               <a:rPr lang="en-US" smtClean="0"/>
               <a:pPr/>
-              <a:t>12/3/2014</a:t>
+              <a:t>12/27/2014</a:t>
             </a:fld>
             <a:endParaRPr lang="en-US"/>
           </a:p>
@@ -1962,7 +2568,7 @@
             <a:fld id="{1D8BD707-D9CF-40AE-B4C6-C98DA3205C09}" type="datetimeFigureOut">
               <a:rPr lang="en-US" smtClean="0"/>
               <a:pPr/>
-              <a:t>12/3/2014</a:t>
+              <a:t>12/27/2014</a:t>
             </a:fld>
             <a:endParaRPr lang="en-US"/>
           </a:p>
@@ -2236,7 +2842,7 @@
             <a:fld id="{1D8BD707-D9CF-40AE-B4C6-C98DA3205C09}" type="datetimeFigureOut">
               <a:rPr lang="en-US" smtClean="0"/>
               <a:pPr/>
-              <a:t>12/3/2014</a:t>
+              <a:t>12/27/2014</a:t>
             </a:fld>
             <a:endParaRPr lang="en-US"/>
           </a:p>
@@ -2486,7 +3092,7 @@
             <a:fld id="{1D8BD707-D9CF-40AE-B4C6-C98DA3205C09}" type="datetimeFigureOut">
               <a:rPr lang="en-US" smtClean="0"/>
               <a:pPr/>
-              <a:t>12/3/2014</a:t>
+              <a:t>12/27/2014</a:t>
             </a:fld>
             <a:endParaRPr lang="en-US"/>
           </a:p>
@@ -2696,7 +3302,7 @@
             <a:fld id="{1D8BD707-D9CF-40AE-B4C6-C98DA3205C09}" type="datetimeFigureOut">
               <a:rPr lang="en-US" smtClean="0"/>
               <a:pPr/>
-              <a:t>12/3/2014</a:t>
+              <a:t>12/27/2014</a:t>
             </a:fld>
             <a:endParaRPr lang="en-US"/>
           </a:p>
@@ -4837,6 +5443,90 @@
     <p:extLst>
       <p:ext uri="{BB962C8B-B14F-4D97-AF65-F5344CB8AC3E}">
         <p14:creationId xmlns:p14="http://schemas.microsoft.com/office/powerpoint/2010/main" val="3330308975"/>
+      </p:ext>
+    </p:extLst>
+  </p:cSld>
+  <p:clrMapOvr>
+    <a:masterClrMapping/>
+  </p:clrMapOvr>
+</p:sld>
+</file>
+
+<file path=ppt/slides/slide10.xml><?xml version="1.0" encoding="utf-8"?>
+<p:sld xmlns:a="http://schemas.openxmlformats.org/drawingml/2006/main" xmlns:r="http://schemas.openxmlformats.org/officeDocument/2006/relationships" xmlns:p="http://schemas.openxmlformats.org/presentationml/2006/main">
+  <p:cSld>
+    <p:spTree>
+      <p:nvGrpSpPr>
+        <p:cNvPr id="1" name=""/>
+        <p:cNvGrpSpPr/>
+        <p:nvPr/>
+      </p:nvGrpSpPr>
+      <p:grpSpPr>
+        <a:xfrm>
+          <a:off x="0" y="0"/>
+          <a:ext cx="0" cy="0"/>
+          <a:chOff x="0" y="0"/>
+          <a:chExt cx="0" cy="0"/>
+        </a:xfrm>
+      </p:grpSpPr>
+      <p:pic>
+        <p:nvPicPr>
+          <p:cNvPr id="1026" name="Picture 2"/>
+          <p:cNvPicPr>
+            <a:picLocks noChangeAspect="1" noChangeArrowheads="1"/>
+          </p:cNvPicPr>
+          <p:nvPr/>
+        </p:nvPicPr>
+        <p:blipFill>
+          <a:blip r:embed="rId2">
+            <a:extLst>
+              <a:ext uri="{28A0092B-C50C-407E-A947-70E740481C1C}">
+                <a14:useLocalDpi xmlns:a14="http://schemas.microsoft.com/office/drawing/2010/main" val="0"/>
+              </a:ext>
+            </a:extLst>
+          </a:blip>
+          <a:srcRect/>
+          <a:stretch>
+            <a:fillRect/>
+          </a:stretch>
+        </p:blipFill>
+        <p:spPr bwMode="auto">
+          <a:xfrm>
+            <a:off x="938214" y="914400"/>
+            <a:ext cx="7267575" cy="4572000"/>
+          </a:xfrm>
+          <a:prstGeom prst="rect">
+            <a:avLst/>
+          </a:prstGeom>
+          <a:noFill/>
+          <a:ln>
+            <a:noFill/>
+          </a:ln>
+          <a:extLst>
+            <a:ext uri="{909E8E84-426E-40DD-AFC4-6F175D3DCCD1}">
+              <a14:hiddenFill xmlns:a14="http://schemas.microsoft.com/office/drawing/2010/main">
+                <a:solidFill>
+                  <a:schemeClr val="accent1"/>
+                </a:solidFill>
+              </a14:hiddenFill>
+            </a:ext>
+            <a:ext uri="{91240B29-F687-4F45-9708-019B960494DF}">
+              <a14:hiddenLine xmlns:a14="http://schemas.microsoft.com/office/drawing/2010/main" w="9525">
+                <a:solidFill>
+                  <a:schemeClr val="tx1"/>
+                </a:solidFill>
+                <a:miter lim="800000"/>
+                <a:headEnd/>
+                <a:tailEnd/>
+              </a14:hiddenLine>
+            </a:ext>
+          </a:extLst>
+        </p:spPr>
+      </p:pic>
+    </p:spTree>
+    <p:extLst>
+      <p:ext uri="{BB962C8B-B14F-4D97-AF65-F5344CB8AC3E}">
+        <p14:creationId xmlns:p14="http://schemas.microsoft.com/office/powerpoint/2010/main" val="1176222862"/>
       </p:ext>
     </p:extLst>
   </p:cSld>
@@ -9596,100 +10286,6 @@
           <a:chExt cx="0" cy="0"/>
         </a:xfrm>
       </p:grpSpPr>
-      <p:pic>
-        <p:nvPicPr>
-          <p:cNvPr id="1026" name="Picture 2"/>
-          <p:cNvPicPr>
-            <a:picLocks noChangeAspect="1" noChangeArrowheads="1"/>
-          </p:cNvPicPr>
-          <p:nvPr/>
-        </p:nvPicPr>
-        <p:blipFill>
-          <a:blip r:embed="rId2">
-            <a:extLst>
-              <a:ext uri="{28A0092B-C50C-407E-A947-70E740481C1C}">
-                <a14:useLocalDpi xmlns:a14="http://schemas.microsoft.com/office/drawing/2010/main" val="0"/>
-              </a:ext>
-            </a:extLst>
-          </a:blip>
-          <a:srcRect/>
-          <a:stretch>
-            <a:fillRect/>
-          </a:stretch>
-        </p:blipFill>
-        <p:spPr bwMode="auto">
-          <a:xfrm>
-            <a:off x="3486151" y="1909765"/>
-            <a:ext cx="2171700" cy="3038475"/>
-          </a:xfrm>
-          <a:prstGeom prst="rect">
-            <a:avLst/>
-          </a:prstGeom>
-          <a:noFill/>
-          <a:ln>
-            <a:noFill/>
-          </a:ln>
-          <a:effectLst/>
-          <a:extLst>
-            <a:ext uri="{909E8E84-426E-40DD-AFC4-6F175D3DCCD1}">
-              <a14:hiddenFill xmlns:a14="http://schemas.microsoft.com/office/drawing/2010/main">
-                <a:solidFill>
-                  <a:schemeClr val="accent1"/>
-                </a:solidFill>
-              </a14:hiddenFill>
-            </a:ext>
-            <a:ext uri="{91240B29-F687-4F45-9708-019B960494DF}">
-              <a14:hiddenLine xmlns:a14="http://schemas.microsoft.com/office/drawing/2010/main" w="9525">
-                <a:solidFill>
-                  <a:schemeClr val="tx1"/>
-                </a:solidFill>
-                <a:miter lim="800000"/>
-                <a:headEnd/>
-                <a:tailEnd/>
-              </a14:hiddenLine>
-            </a:ext>
-            <a:ext uri="{AF507438-7753-43E0-B8FC-AC1667EBCBE1}">
-              <a14:hiddenEffects xmlns:a14="http://schemas.microsoft.com/office/drawing/2010/main">
-                <a:effectLst>
-                  <a:outerShdw dist="35921" dir="2700000" algn="ctr" rotWithShape="0">
-                    <a:schemeClr val="bg2"/>
-                  </a:outerShdw>
-                </a:effectLst>
-              </a14:hiddenEffects>
-            </a:ext>
-          </a:extLst>
-        </p:spPr>
-      </p:pic>
-    </p:spTree>
-    <p:extLst>
-      <p:ext uri="{BB962C8B-B14F-4D97-AF65-F5344CB8AC3E}">
-        <p14:creationId xmlns:p14="http://schemas.microsoft.com/office/powerpoint/2010/main" val="909654856"/>
-      </p:ext>
-    </p:extLst>
-  </p:cSld>
-  <p:clrMapOvr>
-    <a:masterClrMapping/>
-  </p:clrMapOvr>
-</p:sld>
-</file>
-
-<file path=ppt/slides/slide5.xml><?xml version="1.0" encoding="utf-8"?>
-<p:sld xmlns:a="http://schemas.openxmlformats.org/drawingml/2006/main" xmlns:r="http://schemas.openxmlformats.org/officeDocument/2006/relationships" xmlns:p="http://schemas.openxmlformats.org/presentationml/2006/main">
-  <p:cSld>
-    <p:spTree>
-      <p:nvGrpSpPr>
-        <p:cNvPr id="1" name=""/>
-        <p:cNvGrpSpPr/>
-        <p:nvPr/>
-      </p:nvGrpSpPr>
-      <p:grpSpPr>
-        <a:xfrm>
-          <a:off x="0" y="0"/>
-          <a:ext cx="0" cy="0"/>
-          <a:chOff x="0" y="0"/>
-          <a:chExt cx="0" cy="0"/>
-        </a:xfrm>
-      </p:grpSpPr>
       <p:grpSp>
         <p:nvGrpSpPr>
           <p:cNvPr id="195" name="Group 194"/>
@@ -9698,7 +10294,7 @@
         </p:nvGrpSpPr>
         <p:grpSpPr>
           <a:xfrm>
-            <a:off x="517366" y="1330184"/>
+            <a:off x="1008788" y="2014409"/>
             <a:ext cx="7136671" cy="2515023"/>
             <a:chOff x="517366" y="1330182"/>
             <a:chExt cx="7136670" cy="2515024"/>
@@ -9812,8 +10408,8 @@
           </p:nvSpPr>
           <p:spPr>
             <a:xfrm>
-              <a:off x="5746291" y="1333996"/>
-              <a:ext cx="742511" cy="553998"/>
+              <a:off x="5759115" y="1333996"/>
+              <a:ext cx="716863" cy="553998"/>
             </a:xfrm>
             <a:prstGeom prst="rect">
               <a:avLst/>
@@ -9829,7 +10425,15 @@
               <a:pPr algn="ctr"/>
               <a:r>
                 <a:rPr lang="en-US" sz="1500" dirty="0"/>
-                <a:t>Output</a:t>
+                <a:t>o</a:t>
+              </a:r>
+              <a:r>
+                <a:rPr lang="en-US" sz="1500" dirty="0" smtClean="0"/>
+                <a:t>utput</a:t>
+              </a:r>
+              <a:r>
+                <a:rPr lang="en-US" sz="1500" dirty="0"/>
+                <a:t/>
               </a:r>
               <a:br>
                 <a:rPr lang="en-US" sz="1500" dirty="0"/>
@@ -9849,8 +10453,8 @@
           </p:nvSpPr>
           <p:spPr>
             <a:xfrm>
-              <a:off x="4248379" y="1330182"/>
-              <a:ext cx="748924" cy="553998"/>
+              <a:off x="4257997" y="1330182"/>
+              <a:ext cx="729688" cy="553998"/>
             </a:xfrm>
             <a:prstGeom prst="rect">
               <a:avLst/>
@@ -9866,7 +10470,15 @@
               <a:pPr algn="ctr"/>
               <a:r>
                 <a:rPr lang="en-US" sz="1500" dirty="0"/>
-                <a:t>Hidden</a:t>
+                <a:t>h</a:t>
+              </a:r>
+              <a:r>
+                <a:rPr lang="en-US" sz="1500" dirty="0" smtClean="0"/>
+                <a:t>idden</a:t>
+              </a:r>
+              <a:r>
+                <a:rPr lang="en-US" sz="1500" dirty="0"/>
+                <a:t/>
               </a:r>
               <a:br>
                 <a:rPr lang="en-US" sz="1500" dirty="0"/>
@@ -12036,8 +12648,8 @@
           </p:nvSpPr>
           <p:spPr>
             <a:xfrm>
-              <a:off x="2754421" y="1330183"/>
-              <a:ext cx="748924" cy="553998"/>
+              <a:off x="2764039" y="1330183"/>
+              <a:ext cx="729688" cy="553998"/>
             </a:xfrm>
             <a:prstGeom prst="rect">
               <a:avLst/>
@@ -12053,7 +12665,15 @@
               <a:pPr algn="ctr"/>
               <a:r>
                 <a:rPr lang="en-US" sz="1500" dirty="0"/>
-                <a:t>Hidden</a:t>
+                <a:t>h</a:t>
+              </a:r>
+              <a:r>
+                <a:rPr lang="en-US" sz="1500" dirty="0" smtClean="0"/>
+                <a:t>idden</a:t>
+              </a:r>
+              <a:r>
+                <a:rPr lang="en-US" sz="1500" dirty="0"/>
+                <a:t/>
               </a:r>
               <a:br>
                 <a:rPr lang="en-US" sz="1500" dirty="0"/>
@@ -14794,7 +15414,7 @@
 </p:sld>
 </file>
 
-<file path=ppt/slides/slide6.xml><?xml version="1.0" encoding="utf-8"?>
+<file path=ppt/slides/slide5.xml><?xml version="1.0" encoding="utf-8"?>
 <p:sld xmlns:a="http://schemas.openxmlformats.org/drawingml/2006/main" xmlns:r="http://schemas.openxmlformats.org/officeDocument/2006/relationships" xmlns:p="http://schemas.openxmlformats.org/presentationml/2006/main">
   <p:cSld>
     <p:spTree>
@@ -14813,18 +15433,132 @@
       </p:grpSpPr>
       <p:grpSp>
         <p:nvGrpSpPr>
-          <p:cNvPr id="29" name="Group 28"/>
+          <p:cNvPr id="228" name="Group 227"/>
           <p:cNvGrpSpPr/>
           <p:nvPr/>
         </p:nvGrpSpPr>
         <p:grpSpPr>
           <a:xfrm>
-            <a:off x="794436" y="1089124"/>
-            <a:ext cx="6977965" cy="2797077"/>
-            <a:chOff x="794435" y="1089123"/>
-            <a:chExt cx="6977965" cy="2797077"/>
+            <a:off x="1842086" y="1353423"/>
+            <a:ext cx="5778501" cy="4086860"/>
+            <a:chOff x="1993900" y="975360"/>
+            <a:chExt cx="5778501" cy="4086860"/>
           </a:xfrm>
         </p:grpSpPr>
+        <p:sp>
+          <p:nvSpPr>
+            <p:cNvPr id="28" name="Freeform 27"/>
+            <p:cNvSpPr/>
+            <p:nvPr/>
+          </p:nvSpPr>
+          <p:spPr>
+            <a:xfrm>
+              <a:off x="1993900" y="975360"/>
+              <a:ext cx="4343400" cy="4086860"/>
+            </a:xfrm>
+            <a:custGeom>
+              <a:avLst/>
+              <a:gdLst>
+                <a:gd name="connsiteX0" fmla="*/ 0 w 4343400"/>
+                <a:gd name="connsiteY0" fmla="*/ 2222500 h 3975100"/>
+                <a:gd name="connsiteX1" fmla="*/ 1460500 w 4343400"/>
+                <a:gd name="connsiteY1" fmla="*/ 2222500 h 3975100"/>
+                <a:gd name="connsiteX2" fmla="*/ 1460500 w 4343400"/>
+                <a:gd name="connsiteY2" fmla="*/ 0 h 3975100"/>
+                <a:gd name="connsiteX3" fmla="*/ 4343400 w 4343400"/>
+                <a:gd name="connsiteY3" fmla="*/ 0 h 3975100"/>
+                <a:gd name="connsiteX4" fmla="*/ 4343400 w 4343400"/>
+                <a:gd name="connsiteY4" fmla="*/ 3975100 h 3975100"/>
+                <a:gd name="connsiteX5" fmla="*/ 0 w 4343400"/>
+                <a:gd name="connsiteY5" fmla="*/ 3975100 h 3975100"/>
+                <a:gd name="connsiteX6" fmla="*/ 0 w 4343400"/>
+                <a:gd name="connsiteY6" fmla="*/ 2222500 h 3975100"/>
+              </a:gdLst>
+              <a:ahLst/>
+              <a:cxnLst>
+                <a:cxn ang="0">
+                  <a:pos x="connsiteX0" y="connsiteY0"/>
+                </a:cxn>
+                <a:cxn ang="0">
+                  <a:pos x="connsiteX1" y="connsiteY1"/>
+                </a:cxn>
+                <a:cxn ang="0">
+                  <a:pos x="connsiteX2" y="connsiteY2"/>
+                </a:cxn>
+                <a:cxn ang="0">
+                  <a:pos x="connsiteX3" y="connsiteY3"/>
+                </a:cxn>
+                <a:cxn ang="0">
+                  <a:pos x="connsiteX4" y="connsiteY4"/>
+                </a:cxn>
+                <a:cxn ang="0">
+                  <a:pos x="connsiteX5" y="connsiteY5"/>
+                </a:cxn>
+                <a:cxn ang="0">
+                  <a:pos x="connsiteX6" y="connsiteY6"/>
+                </a:cxn>
+              </a:cxnLst>
+              <a:rect l="l" t="t" r="r" b="b"/>
+              <a:pathLst>
+                <a:path w="4343400" h="3975100">
+                  <a:moveTo>
+                    <a:pt x="0" y="2222500"/>
+                  </a:moveTo>
+                  <a:lnTo>
+                    <a:pt x="1460500" y="2222500"/>
+                  </a:lnTo>
+                  <a:lnTo>
+                    <a:pt x="1460500" y="0"/>
+                  </a:lnTo>
+                  <a:lnTo>
+                    <a:pt x="4343400" y="0"/>
+                  </a:lnTo>
+                  <a:lnTo>
+                    <a:pt x="4343400" y="3975100"/>
+                  </a:lnTo>
+                  <a:lnTo>
+                    <a:pt x="0" y="3975100"/>
+                  </a:lnTo>
+                  <a:lnTo>
+                    <a:pt x="0" y="2222500"/>
+                  </a:lnTo>
+                  <a:close/>
+                </a:path>
+              </a:pathLst>
+            </a:custGeom>
+            <a:noFill/>
+            <a:ln>
+              <a:solidFill>
+                <a:schemeClr val="tx1"/>
+              </a:solidFill>
+              <a:prstDash val="sysDot"/>
+            </a:ln>
+          </p:spPr>
+          <p:style>
+            <a:lnRef idx="2">
+              <a:schemeClr val="accent1">
+                <a:shade val="50000"/>
+              </a:schemeClr>
+            </a:lnRef>
+            <a:fillRef idx="1">
+              <a:schemeClr val="accent1"/>
+            </a:fillRef>
+            <a:effectRef idx="0">
+              <a:schemeClr val="accent1"/>
+            </a:effectRef>
+            <a:fontRef idx="minor">
+              <a:schemeClr val="lt1"/>
+            </a:fontRef>
+          </p:style>
+          <p:txBody>
+            <a:bodyPr rtlCol="0" anchor="ctr"/>
+            <a:lstStyle/>
+            <a:p>
+              <a:pPr algn="ctr"/>
+              <a:endParaRPr lang="en-US"/>
+            </a:p>
+          </p:txBody>
+        </p:sp>
         <mc:AlternateContent xmlns:mc="http://schemas.openxmlformats.org/markup-compatibility/2006" xmlns:a14="http://schemas.microsoft.com/office/drawing/2010/main">
           <mc:Choice Requires="a14">
             <p:sp>
@@ -14835,7 +15569,7 @@
               </p:nvSpPr>
               <p:spPr>
                 <a:xfrm>
-                  <a:off x="4522224" y="2823210"/>
+                  <a:off x="4494829" y="1524000"/>
                   <a:ext cx="493533" cy="323165"/>
                 </a:xfrm>
                 <a:prstGeom prst="rect">
@@ -14904,14 +15638,14 @@
               </p:nvSpPr>
               <p:spPr>
                 <a:xfrm>
-                  <a:off x="4522224" y="2823210"/>
+                  <a:off x="4494829" y="1524000"/>
                   <a:ext cx="493533" cy="323165"/>
                 </a:xfrm>
                 <a:prstGeom prst="rect">
                   <a:avLst/>
                 </a:prstGeom>
                 <a:blipFill rotWithShape="1">
-                  <a:blip r:embed="rId2"/>
+                  <a:blip r:embed="rId3"/>
                   <a:stretch>
                     <a:fillRect/>
                   </a:stretch>
@@ -14942,7 +15676,7 @@
               </p:nvSpPr>
               <p:spPr>
                 <a:xfrm>
-                  <a:off x="6148632" y="2823210"/>
+                  <a:off x="6135298" y="1524538"/>
                   <a:ext cx="411779" cy="323165"/>
                 </a:xfrm>
                 <a:prstGeom prst="rect">
@@ -15011,14 +15745,14 @@
               </p:nvSpPr>
               <p:spPr>
                 <a:xfrm>
-                  <a:off x="6148632" y="2823210"/>
+                  <a:off x="6135298" y="1524538"/>
                   <a:ext cx="411779" cy="323165"/>
                 </a:xfrm>
                 <a:prstGeom prst="rect">
                   <a:avLst/>
                 </a:prstGeom>
                 <a:blipFill rotWithShape="1">
-                  <a:blip r:embed="rId3"/>
+                  <a:blip r:embed="rId4"/>
                   <a:stretch>
                     <a:fillRect/>
                   </a:stretch>
@@ -15047,8 +15781,8 @@
           </p:nvSpPr>
           <p:spPr>
             <a:xfrm>
-              <a:off x="4937760" y="1089659"/>
-              <a:ext cx="1219200" cy="1888777"/>
+              <a:off x="4937761" y="1089660"/>
+              <a:ext cx="1219200" cy="3610424"/>
             </a:xfrm>
             <a:prstGeom prst="roundRect">
               <a:avLst/>
@@ -15097,8 +15831,8 @@
           </p:nvSpPr>
           <p:spPr>
             <a:xfrm>
-              <a:off x="3657600" y="1089660"/>
-              <a:ext cx="885471" cy="2796540"/>
+              <a:off x="3657601" y="1089660"/>
+              <a:ext cx="885471" cy="2110741"/>
             </a:xfrm>
             <a:prstGeom prst="roundRect">
               <a:avLst/>
@@ -15149,7 +15883,7 @@
               </p:nvSpPr>
               <p:spPr>
                 <a:xfrm>
-                  <a:off x="5499685" y="1924050"/>
+                  <a:off x="5499686" y="2409825"/>
                   <a:ext cx="533400" cy="304800"/>
                 </a:xfrm>
                 <a:prstGeom prst="rect">
@@ -15246,16 +15980,16 @@
               </p:nvSpPr>
               <p:spPr>
                 <a:xfrm>
-                  <a:off x="5499685" y="1924050"/>
+                  <a:off x="5499686" y="2409825"/>
                   <a:ext cx="533400" cy="304800"/>
                 </a:xfrm>
                 <a:prstGeom prst="rect">
                   <a:avLst/>
                 </a:prstGeom>
                 <a:blipFill rotWithShape="1">
-                  <a:blip r:embed="rId4"/>
+                  <a:blip r:embed="rId5"/>
                   <a:stretch>
-                    <a:fillRect b="-9615"/>
+                    <a:fillRect b="-11538"/>
                   </a:stretch>
                 </a:blipFill>
                 <a:ln w="12700"/>
@@ -15285,7 +16019,7 @@
               </p:nvSpPr>
               <p:spPr>
                 <a:xfrm>
-                  <a:off x="5499685" y="2305050"/>
+                  <a:off x="5499686" y="2790825"/>
                   <a:ext cx="533400" cy="304800"/>
                 </a:xfrm>
                 <a:prstGeom prst="rect">
@@ -15382,14 +16116,14 @@
               </p:nvSpPr>
               <p:spPr>
                 <a:xfrm>
-                  <a:off x="5499685" y="2305050"/>
+                  <a:off x="5499686" y="2790825"/>
                   <a:ext cx="533400" cy="304800"/>
                 </a:xfrm>
                 <a:prstGeom prst="rect">
                   <a:avLst/>
                 </a:prstGeom>
                 <a:blipFill rotWithShape="1">
-                  <a:blip r:embed="rId5"/>
+                  <a:blip r:embed="rId6"/>
                   <a:stretch>
                     <a:fillRect b="-11538"/>
                   </a:stretch>
@@ -15421,7 +16155,7 @@
               </p:nvSpPr>
               <p:spPr>
                 <a:xfrm>
-                  <a:off x="5042485" y="1924050"/>
+                  <a:off x="5042486" y="2409825"/>
                   <a:ext cx="304800" cy="304800"/>
                 </a:xfrm>
                 <a:prstGeom prst="ellipse">
@@ -15484,14 +16218,14 @@
               </p:nvSpPr>
               <p:spPr>
                 <a:xfrm>
-                  <a:off x="5042485" y="1924050"/>
+                  <a:off x="5042486" y="2409825"/>
                   <a:ext cx="304800" cy="304800"/>
                 </a:xfrm>
                 <a:prstGeom prst="ellipse">
                   <a:avLst/>
                 </a:prstGeom>
                 <a:blipFill rotWithShape="1">
-                  <a:blip r:embed="rId6"/>
+                  <a:blip r:embed="rId7"/>
                   <a:stretch>
                     <a:fillRect/>
                   </a:stretch>
@@ -15524,7 +16258,7 @@
           </p:nvCxnSpPr>
           <p:spPr>
             <a:xfrm>
-              <a:off x="5347285" y="2076450"/>
+              <a:off x="5347286" y="2562225"/>
               <a:ext cx="152400" cy="0"/>
             </a:xfrm>
             <a:prstGeom prst="line">
@@ -15557,7 +16291,7 @@
           </p:nvCxnSpPr>
           <p:spPr>
             <a:xfrm>
-              <a:off x="5347285" y="2457450"/>
+              <a:off x="5347286" y="2943225"/>
               <a:ext cx="152400" cy="0"/>
             </a:xfrm>
             <a:prstGeom prst="line">
@@ -15590,7 +16324,7 @@
               </p:nvSpPr>
               <p:spPr>
                 <a:xfrm>
-                  <a:off x="5042485" y="2305050"/>
+                  <a:off x="5042486" y="2790825"/>
                   <a:ext cx="304800" cy="304800"/>
                 </a:xfrm>
                 <a:prstGeom prst="ellipse">
@@ -15653,14 +16387,14 @@
               </p:nvSpPr>
               <p:spPr>
                 <a:xfrm>
-                  <a:off x="5042485" y="2305050"/>
+                  <a:off x="5042486" y="2790825"/>
                   <a:ext cx="304800" cy="304800"/>
                 </a:xfrm>
                 <a:prstGeom prst="ellipse">
                   <a:avLst/>
                 </a:prstGeom>
                 <a:blipFill rotWithShape="1">
-                  <a:blip r:embed="rId7"/>
+                  <a:blip r:embed="rId8"/>
                   <a:stretch>
                     <a:fillRect/>
                   </a:stretch>
@@ -15690,8 +16424,8 @@
           </p:nvSpPr>
           <p:spPr>
             <a:xfrm>
-              <a:off x="5172834" y="1089660"/>
-              <a:ext cx="749052" cy="323165"/>
+              <a:off x="5100868" y="1089661"/>
+              <a:ext cx="891078" cy="553998"/>
             </a:xfrm>
             <a:prstGeom prst="rect">
               <a:avLst/>
@@ -15707,8 +16441,20 @@
               <a:pPr algn="ctr"/>
               <a:r>
                 <a:rPr lang="en-US" sz="1500" dirty="0"/>
-                <a:t>neuron</a:t>
+                <a:t>n</a:t>
               </a:r>
+              <a:r>
+                <a:rPr lang="en-US" sz="1500" dirty="0" smtClean="0"/>
+                <a:t>euron</a:t>
+              </a:r>
+              <a:br>
+                <a:rPr lang="en-US" sz="1500" dirty="0" smtClean="0"/>
+              </a:br>
+              <a:r>
+                <a:rPr lang="en-US" sz="1500" dirty="0" smtClean="0"/>
+                <a:t>abs-layer</a:t>
+              </a:r>
+              <a:endParaRPr lang="en-US" sz="1500" dirty="0"/>
             </a:p>
           </p:txBody>
         </p:sp>
@@ -15722,7 +16468,7 @@
               </p:nvSpPr>
               <p:spPr>
                 <a:xfrm>
-                  <a:off x="3785147" y="1543050"/>
+                  <a:off x="3785148" y="1647825"/>
                   <a:ext cx="636509" cy="304800"/>
                 </a:xfrm>
                 <a:prstGeom prst="rect">
@@ -15819,14 +16565,14 @@
               </p:nvSpPr>
               <p:spPr>
                 <a:xfrm>
-                  <a:off x="3785147" y="1543050"/>
+                  <a:off x="3785148" y="1647825"/>
                   <a:ext cx="636509" cy="304800"/>
                 </a:xfrm>
                 <a:prstGeom prst="rect">
                   <a:avLst/>
                 </a:prstGeom>
                 <a:blipFill rotWithShape="1">
-                  <a:blip r:embed="rId8"/>
+                  <a:blip r:embed="rId9"/>
                   <a:stretch>
                     <a:fillRect b="-11538"/>
                   </a:stretch>
@@ -15858,7 +16604,7 @@
               </p:nvSpPr>
               <p:spPr>
                 <a:xfrm>
-                  <a:off x="3785146" y="1924050"/>
+                  <a:off x="3785147" y="2028825"/>
                   <a:ext cx="636509" cy="304800"/>
                 </a:xfrm>
                 <a:prstGeom prst="rect">
@@ -15955,16 +16701,16 @@
               </p:nvSpPr>
               <p:spPr>
                 <a:xfrm>
-                  <a:off x="3785146" y="1924050"/>
+                  <a:off x="3785147" y="2028825"/>
                   <a:ext cx="636509" cy="304800"/>
                 </a:xfrm>
                 <a:prstGeom prst="rect">
                   <a:avLst/>
                 </a:prstGeom>
                 <a:blipFill rotWithShape="1">
-                  <a:blip r:embed="rId9"/>
+                  <a:blip r:embed="rId10"/>
                   <a:stretch>
-                    <a:fillRect b="-9615"/>
+                    <a:fillRect b="-11538"/>
                   </a:stretch>
                 </a:blipFill>
                 <a:ln w="12700"/>
@@ -15992,8 +16738,8 @@
           </p:nvSpPr>
           <p:spPr>
             <a:xfrm>
-              <a:off x="3742833" y="1089660"/>
-              <a:ext cx="715004" cy="323165"/>
+              <a:off x="3654797" y="1089661"/>
+              <a:ext cx="891078" cy="553998"/>
             </a:xfrm>
             <a:prstGeom prst="rect">
               <a:avLst/>
@@ -16009,8 +16755,20 @@
               <a:pPr algn="ctr"/>
               <a:r>
                 <a:rPr lang="en-US" sz="1500" dirty="0"/>
-                <a:t>weight</a:t>
+                <a:t>w</a:t>
               </a:r>
+              <a:r>
+                <a:rPr lang="en-US" sz="1500" dirty="0" smtClean="0"/>
+                <a:t>eight</a:t>
+              </a:r>
+              <a:br>
+                <a:rPr lang="en-US" sz="1500" dirty="0" smtClean="0"/>
+              </a:br>
+              <a:r>
+                <a:rPr lang="en-US" sz="1500" dirty="0" smtClean="0"/>
+                <a:t>abs-layer</a:t>
+              </a:r>
+              <a:endParaRPr lang="en-US" sz="1500" dirty="0"/>
             </a:p>
           </p:txBody>
         </p:sp>
@@ -16024,7 +16782,7 @@
               </p:nvSpPr>
               <p:spPr>
                 <a:xfrm>
-                  <a:off x="3785147" y="2305050"/>
+                  <a:off x="3785148" y="2409825"/>
                   <a:ext cx="636508" cy="304800"/>
                 </a:xfrm>
                 <a:prstGeom prst="rect">
@@ -16121,14 +16879,14 @@
               </p:nvSpPr>
               <p:spPr>
                 <a:xfrm>
-                  <a:off x="3785147" y="2305050"/>
+                  <a:off x="3785148" y="2409825"/>
                   <a:ext cx="636508" cy="304800"/>
                 </a:xfrm>
                 <a:prstGeom prst="rect">
                   <a:avLst/>
                 </a:prstGeom>
                 <a:blipFill rotWithShape="1">
-                  <a:blip r:embed="rId8"/>
+                  <a:blip r:embed="rId9"/>
                   <a:stretch>
                     <a:fillRect b="-11538"/>
                   </a:stretch>
@@ -16160,7 +16918,7 @@
               </p:nvSpPr>
               <p:spPr>
                 <a:xfrm>
-                  <a:off x="3785147" y="2686050"/>
+                  <a:off x="3785148" y="2790825"/>
                   <a:ext cx="636508" cy="304800"/>
                 </a:xfrm>
                 <a:prstGeom prst="rect">
@@ -16257,16 +17015,16 @@
               </p:nvSpPr>
               <p:spPr>
                 <a:xfrm>
-                  <a:off x="3785147" y="2686050"/>
+                  <a:off x="3785148" y="2790825"/>
                   <a:ext cx="636508" cy="304800"/>
                 </a:xfrm>
                 <a:prstGeom prst="rect">
                   <a:avLst/>
                 </a:prstGeom>
                 <a:blipFill rotWithShape="1">
-                  <a:blip r:embed="rId9"/>
+                  <a:blip r:embed="rId10"/>
                   <a:stretch>
-                    <a:fillRect b="-9615"/>
+                    <a:fillRect b="-11538"/>
                   </a:stretch>
                 </a:blipFill>
                 <a:ln w="12700"/>
@@ -16294,8 +17052,8 @@
           </p:nvSpPr>
           <p:spPr>
             <a:xfrm>
-              <a:off x="6551245" y="1089660"/>
-              <a:ext cx="1221155" cy="2110740"/>
+              <a:off x="6551246" y="1089660"/>
+              <a:ext cx="1221155" cy="3610424"/>
             </a:xfrm>
             <a:prstGeom prst="roundRect">
               <a:avLst/>
@@ -16346,7 +17104,7 @@
               </p:nvSpPr>
               <p:spPr>
                 <a:xfrm>
-                  <a:off x="6675020" y="1924050"/>
+                  <a:off x="6675021" y="2409825"/>
                   <a:ext cx="533400" cy="304800"/>
                 </a:xfrm>
                 <a:prstGeom prst="rect">
@@ -16443,16 +17201,16 @@
               </p:nvSpPr>
               <p:spPr>
                 <a:xfrm>
-                  <a:off x="6675020" y="1924050"/>
+                  <a:off x="6675021" y="2409825"/>
                   <a:ext cx="533400" cy="304800"/>
                 </a:xfrm>
                 <a:prstGeom prst="rect">
                   <a:avLst/>
                 </a:prstGeom>
                 <a:blipFill rotWithShape="1">
-                  <a:blip r:embed="rId10"/>
+                  <a:blip r:embed="rId11"/>
                   <a:stretch>
-                    <a:fillRect b="-9615"/>
+                    <a:fillRect b="-11538"/>
                   </a:stretch>
                 </a:blipFill>
                 <a:ln w="12700"/>
@@ -16482,7 +17240,7 @@
               </p:nvSpPr>
               <p:spPr>
                 <a:xfrm>
-                  <a:off x="6675020" y="2305050"/>
+                  <a:off x="6675021" y="2790825"/>
                   <a:ext cx="533400" cy="304800"/>
                 </a:xfrm>
                 <a:prstGeom prst="rect">
@@ -16579,14 +17337,14 @@
               </p:nvSpPr>
               <p:spPr>
                 <a:xfrm>
-                  <a:off x="6675020" y="2305050"/>
+                  <a:off x="6675021" y="2790825"/>
                   <a:ext cx="533400" cy="304800"/>
                 </a:xfrm>
                 <a:prstGeom prst="rect">
                   <a:avLst/>
                 </a:prstGeom>
                 <a:blipFill rotWithShape="1">
-                  <a:blip r:embed="rId11"/>
+                  <a:blip r:embed="rId12"/>
                   <a:stretch>
                     <a:fillRect b="-11538"/>
                   </a:stretch>
@@ -16616,8 +17374,8 @@
           </p:nvSpPr>
           <p:spPr>
             <a:xfrm>
-              <a:off x="6836861" y="1089123"/>
-              <a:ext cx="649923" cy="323165"/>
+              <a:off x="6615648" y="1089124"/>
+              <a:ext cx="1092351" cy="553998"/>
             </a:xfrm>
             <a:prstGeom prst="rect">
               <a:avLst/>
@@ -16632,9 +17390,25 @@
             <a:p>
               <a:pPr algn="ctr"/>
               <a:r>
-                <a:rPr lang="en-US" sz="1500" dirty="0"/>
+                <a:rPr lang="en-US" sz="1500" dirty="0" smtClean="0"/>
                 <a:t>target</a:t>
               </a:r>
+              <a:r>
+                <a:rPr lang="en-US" sz="1500" dirty="0"/>
+                <a:t> </a:t>
+              </a:r>
+              <a:r>
+                <a:rPr lang="en-US" sz="1500" dirty="0" smtClean="0"/>
+                <a:t>node</a:t>
+              </a:r>
+              <a:br>
+                <a:rPr lang="en-US" sz="1500" dirty="0" smtClean="0"/>
+              </a:br>
+              <a:r>
+                <a:rPr lang="en-US" sz="1500" dirty="0" smtClean="0"/>
+                <a:t>abs-layer</a:t>
+              </a:r>
+              <a:endParaRPr lang="en-US" sz="1500" dirty="0"/>
             </a:p>
           </p:txBody>
         </p:sp>
@@ -16646,8 +17420,8 @@
           </p:nvSpPr>
           <p:spPr>
             <a:xfrm>
-              <a:off x="2042160" y="1089659"/>
-              <a:ext cx="1219200" cy="1888779"/>
+              <a:off x="2042161" y="1089660"/>
+              <a:ext cx="1219200" cy="2110741"/>
             </a:xfrm>
             <a:prstGeom prst="roundRect">
               <a:avLst/>
@@ -16698,7 +17472,7 @@
               </p:nvSpPr>
               <p:spPr>
                 <a:xfrm>
-                  <a:off x="2604085" y="1924050"/>
+                  <a:off x="2604086" y="2028825"/>
                   <a:ext cx="533400" cy="304800"/>
                 </a:xfrm>
                 <a:prstGeom prst="rect">
@@ -16795,16 +17569,16 @@
               </p:nvSpPr>
               <p:spPr>
                 <a:xfrm>
-                  <a:off x="2604085" y="1924050"/>
+                  <a:off x="2604086" y="2028825"/>
                   <a:ext cx="533400" cy="304800"/>
                 </a:xfrm>
                 <a:prstGeom prst="rect">
                   <a:avLst/>
                 </a:prstGeom>
                 <a:blipFill rotWithShape="1">
-                  <a:blip r:embed="rId12"/>
+                  <a:blip r:embed="rId13"/>
                   <a:stretch>
-                    <a:fillRect b="-9615"/>
+                    <a:fillRect b="-11538"/>
                   </a:stretch>
                 </a:blipFill>
                 <a:ln w="12700"/>
@@ -16834,7 +17608,7 @@
               </p:nvSpPr>
               <p:spPr>
                 <a:xfrm>
-                  <a:off x="2604085" y="2305050"/>
+                  <a:off x="2604086" y="2409825"/>
                   <a:ext cx="533400" cy="304800"/>
                 </a:xfrm>
                 <a:prstGeom prst="rect">
@@ -16931,14 +17705,14 @@
               </p:nvSpPr>
               <p:spPr>
                 <a:xfrm>
-                  <a:off x="2604085" y="2305050"/>
+                  <a:off x="2604086" y="2409825"/>
                   <a:ext cx="533400" cy="304800"/>
                 </a:xfrm>
                 <a:prstGeom prst="rect">
                   <a:avLst/>
                 </a:prstGeom>
                 <a:blipFill rotWithShape="1">
-                  <a:blip r:embed="rId13"/>
+                  <a:blip r:embed="rId14"/>
                   <a:stretch>
                     <a:fillRect b="-11538"/>
                   </a:stretch>
@@ -16970,7 +17744,7 @@
               </p:nvSpPr>
               <p:spPr>
                 <a:xfrm>
-                  <a:off x="2146885" y="1924050"/>
+                  <a:off x="2146886" y="2028825"/>
                   <a:ext cx="304800" cy="304800"/>
                 </a:xfrm>
                 <a:prstGeom prst="ellipse">
@@ -17030,16 +17804,16 @@
               </p:nvSpPr>
               <p:spPr>
                 <a:xfrm>
-                  <a:off x="2146885" y="1924050"/>
+                  <a:off x="2146886" y="2028825"/>
                   <a:ext cx="304800" cy="304800"/>
                 </a:xfrm>
                 <a:prstGeom prst="ellipse">
                   <a:avLst/>
                 </a:prstGeom>
                 <a:blipFill rotWithShape="1">
-                  <a:blip r:embed="rId14"/>
+                  <a:blip r:embed="rId15"/>
                   <a:stretch>
-                    <a:fillRect b="-3846"/>
+                    <a:fillRect b="-5769"/>
                   </a:stretch>
                 </a:blipFill>
                 <a:ln w="12700"/>
@@ -17070,7 +17844,7 @@
           </p:nvCxnSpPr>
           <p:spPr>
             <a:xfrm>
-              <a:off x="2451685" y="2076450"/>
+              <a:off x="2451686" y="2181225"/>
               <a:ext cx="152400" cy="0"/>
             </a:xfrm>
             <a:prstGeom prst="line">
@@ -17103,7 +17877,7 @@
           </p:nvCxnSpPr>
           <p:spPr>
             <a:xfrm>
-              <a:off x="2451685" y="2457450"/>
+              <a:off x="2451686" y="2562225"/>
               <a:ext cx="152400" cy="0"/>
             </a:xfrm>
             <a:prstGeom prst="line">
@@ -17136,7 +17910,7 @@
               </p:nvSpPr>
               <p:spPr>
                 <a:xfrm>
-                  <a:off x="2146885" y="2305050"/>
+                  <a:off x="2146886" y="2409825"/>
                   <a:ext cx="304800" cy="304800"/>
                 </a:xfrm>
                 <a:prstGeom prst="ellipse">
@@ -17196,14 +17970,14 @@
               </p:nvSpPr>
               <p:spPr>
                 <a:xfrm>
-                  <a:off x="2146885" y="2305050"/>
+                  <a:off x="2146886" y="2409825"/>
                   <a:ext cx="304800" cy="304800"/>
                 </a:xfrm>
                 <a:prstGeom prst="ellipse">
                   <a:avLst/>
                 </a:prstGeom>
                 <a:blipFill rotWithShape="1">
-                  <a:blip r:embed="rId15"/>
+                  <a:blip r:embed="rId16"/>
                   <a:stretch>
                     <a:fillRect b="-5769"/>
                   </a:stretch>
@@ -17233,8 +18007,8 @@
           </p:nvSpPr>
           <p:spPr>
             <a:xfrm>
-              <a:off x="2353440" y="1089124"/>
-              <a:ext cx="596638" cy="323165"/>
+              <a:off x="2132227" y="1089125"/>
+              <a:ext cx="1039067" cy="553998"/>
             </a:xfrm>
             <a:prstGeom prst="rect">
               <a:avLst/>
@@ -17249,9 +18023,17 @@
             <a:p>
               <a:pPr algn="ctr"/>
               <a:r>
-                <a:rPr lang="en-US" sz="1500" dirty="0"/>
-                <a:t>input</a:t>
+                <a:rPr lang="en-US" sz="1500" dirty="0" smtClean="0"/>
+                <a:t>input node</a:t>
               </a:r>
+              <a:br>
+                <a:rPr lang="en-US" sz="1500" dirty="0" smtClean="0"/>
+              </a:br>
+              <a:r>
+                <a:rPr lang="en-US" sz="1500" dirty="0" smtClean="0"/>
+                <a:t>abs-layer</a:t>
+              </a:r>
+              <a:endParaRPr lang="en-US" sz="1500" dirty="0"/>
             </a:p>
           </p:txBody>
         </p:sp>
@@ -17266,7 +18048,7 @@
           </p:nvCxnSpPr>
           <p:spPr>
             <a:xfrm flipV="1">
-              <a:off x="3137485" y="1695450"/>
+              <a:off x="3137486" y="1800225"/>
               <a:ext cx="647662" cy="381000"/>
             </a:xfrm>
             <a:prstGeom prst="line">
@@ -17300,7 +18082,7 @@
           </p:nvCxnSpPr>
           <p:spPr>
             <a:xfrm>
-              <a:off x="3137485" y="2076450"/>
+              <a:off x="3137486" y="2181225"/>
               <a:ext cx="647661" cy="0"/>
             </a:xfrm>
             <a:prstGeom prst="line">
@@ -17334,7 +18116,7 @@
           </p:nvCxnSpPr>
           <p:spPr>
             <a:xfrm>
-              <a:off x="3137485" y="2457450"/>
+              <a:off x="3137486" y="2562225"/>
               <a:ext cx="647662" cy="0"/>
             </a:xfrm>
             <a:prstGeom prst="line">
@@ -17368,7 +18150,7 @@
           </p:nvCxnSpPr>
           <p:spPr>
             <a:xfrm>
-              <a:off x="3137485" y="2457450"/>
+              <a:off x="3137486" y="2562225"/>
               <a:ext cx="647662" cy="381000"/>
             </a:xfrm>
             <a:prstGeom prst="line">
@@ -17396,14 +18178,14 @@
             <p:cNvPr id="341" name="Straight Connector 340"/>
             <p:cNvCxnSpPr>
               <a:stCxn id="225" idx="3"/>
-              <a:endCxn id="207" idx="2"/>
+              <a:endCxn id="207" idx="1"/>
             </p:cNvCxnSpPr>
             <p:nvPr/>
           </p:nvCxnSpPr>
           <p:spPr>
             <a:xfrm>
-              <a:off x="4421656" y="1695450"/>
-              <a:ext cx="620829" cy="381000"/>
+              <a:off x="4421657" y="1800225"/>
+              <a:ext cx="665466" cy="654237"/>
             </a:xfrm>
             <a:prstGeom prst="line">
               <a:avLst/>
@@ -17430,14 +18212,14 @@
             <p:cNvPr id="342" name="Straight Connector 341"/>
             <p:cNvCxnSpPr>
               <a:stCxn id="226" idx="3"/>
-              <a:endCxn id="212" idx="2"/>
+              <a:endCxn id="212" idx="1"/>
             </p:cNvCxnSpPr>
             <p:nvPr/>
           </p:nvCxnSpPr>
           <p:spPr>
             <a:xfrm>
-              <a:off x="4421655" y="2076450"/>
-              <a:ext cx="620830" cy="381000"/>
+              <a:off x="4421656" y="2181225"/>
+              <a:ext cx="665467" cy="654237"/>
             </a:xfrm>
             <a:prstGeom prst="line">
               <a:avLst/>
@@ -17469,9 +18251,9 @@
             <p:nvPr/>
           </p:nvCxnSpPr>
           <p:spPr>
-            <a:xfrm flipV="1">
-              <a:off x="4421655" y="2076450"/>
-              <a:ext cx="620830" cy="381000"/>
+            <a:xfrm>
+              <a:off x="4421656" y="2562225"/>
+              <a:ext cx="620830" cy="0"/>
             </a:xfrm>
             <a:prstGeom prst="line">
               <a:avLst/>
@@ -17503,9 +18285,9 @@
             <p:nvPr/>
           </p:nvCxnSpPr>
           <p:spPr>
-            <a:xfrm flipV="1">
-              <a:off x="4421655" y="2457450"/>
-              <a:ext cx="620830" cy="381000"/>
+            <a:xfrm>
+              <a:off x="4421656" y="2943225"/>
+              <a:ext cx="620830" cy="0"/>
             </a:xfrm>
             <a:prstGeom prst="line">
               <a:avLst/>
@@ -17538,7 +18320,7 @@
           </p:nvCxnSpPr>
           <p:spPr>
             <a:xfrm flipH="1">
-              <a:off x="6033085" y="2076450"/>
+              <a:off x="6033086" y="2562225"/>
               <a:ext cx="641935" cy="0"/>
             </a:xfrm>
             <a:prstGeom prst="line">
@@ -17572,7 +18354,7 @@
           </p:nvCxnSpPr>
           <p:spPr>
             <a:xfrm>
-              <a:off x="6033085" y="2457450"/>
+              <a:off x="6033086" y="2943225"/>
               <a:ext cx="641935" cy="0"/>
             </a:xfrm>
             <a:prstGeom prst="line">
@@ -17605,7 +18387,7 @@
               </p:nvSpPr>
               <p:spPr>
                 <a:xfrm>
-                  <a:off x="7353300" y="1924050"/>
+                  <a:off x="7353301" y="2409825"/>
                   <a:ext cx="304800" cy="304800"/>
                 </a:xfrm>
                 <a:prstGeom prst="ellipse">
@@ -17665,14 +18447,14 @@
               </p:nvSpPr>
               <p:spPr>
                 <a:xfrm>
-                  <a:off x="7353300" y="1924050"/>
+                  <a:off x="7353301" y="2409825"/>
                   <a:ext cx="304800" cy="304800"/>
                 </a:xfrm>
                 <a:prstGeom prst="ellipse">
                   <a:avLst/>
                 </a:prstGeom>
                 <a:blipFill rotWithShape="1">
-                  <a:blip r:embed="rId16"/>
+                  <a:blip r:embed="rId17"/>
                   <a:stretch>
                     <a:fillRect/>
                   </a:stretch>
@@ -17704,7 +18486,7 @@
               </p:nvSpPr>
               <p:spPr>
                 <a:xfrm>
-                  <a:off x="7353300" y="2305050"/>
+                  <a:off x="7353301" y="2790825"/>
                   <a:ext cx="304800" cy="304800"/>
                 </a:xfrm>
                 <a:prstGeom prst="ellipse">
@@ -17764,14 +18546,14 @@
               </p:nvSpPr>
               <p:spPr>
                 <a:xfrm>
-                  <a:off x="7353300" y="2305050"/>
+                  <a:off x="7353301" y="2790825"/>
                   <a:ext cx="304800" cy="304800"/>
                 </a:xfrm>
                 <a:prstGeom prst="ellipse">
                   <a:avLst/>
                 </a:prstGeom>
                 <a:blipFill rotWithShape="1">
-                  <a:blip r:embed="rId17"/>
+                  <a:blip r:embed="rId18"/>
                   <a:stretch>
                     <a:fillRect/>
                   </a:stretch>
@@ -17804,7 +18586,7 @@
           </p:nvCxnSpPr>
           <p:spPr>
             <a:xfrm>
-              <a:off x="7208420" y="2076450"/>
+              <a:off x="7208421" y="2562225"/>
               <a:ext cx="144880" cy="0"/>
             </a:xfrm>
             <a:prstGeom prst="line">
@@ -17838,7 +18620,7 @@
           </p:nvCxnSpPr>
           <p:spPr>
             <a:xfrm>
-              <a:off x="7208420" y="2457450"/>
+              <a:off x="7208421" y="2943225"/>
               <a:ext cx="144880" cy="0"/>
             </a:xfrm>
             <a:prstGeom prst="line">
@@ -17871,7 +18653,7 @@
               </p:nvSpPr>
               <p:spPr>
                 <a:xfrm>
-                  <a:off x="3264876" y="1089123"/>
+                  <a:off x="3249637" y="1089124"/>
                   <a:ext cx="418448" cy="323165"/>
                 </a:xfrm>
                 <a:prstGeom prst="rect">
@@ -17940,14 +18722,14 @@
               </p:nvSpPr>
               <p:spPr>
                 <a:xfrm>
-                  <a:off x="3264876" y="1089123"/>
+                  <a:off x="3249637" y="1089124"/>
                   <a:ext cx="418448" cy="323165"/>
                 </a:xfrm>
                 <a:prstGeom prst="rect">
                   <a:avLst/>
                 </a:prstGeom>
                 <a:blipFill rotWithShape="1">
-                  <a:blip r:embed="rId18"/>
+                  <a:blip r:embed="rId19"/>
                   <a:stretch>
                     <a:fillRect/>
                   </a:stretch>
@@ -17978,7 +18760,7 @@
               </p:nvSpPr>
               <p:spPr>
                 <a:xfrm>
-                  <a:off x="4487891" y="1089660"/>
+                  <a:off x="4487892" y="1089661"/>
                   <a:ext cx="495713" cy="323165"/>
                 </a:xfrm>
                 <a:prstGeom prst="rect">
@@ -18047,14 +18829,14 @@
               </p:nvSpPr>
               <p:spPr>
                 <a:xfrm>
-                  <a:off x="4487891" y="1089660"/>
+                  <a:off x="4487892" y="1089661"/>
                   <a:ext cx="495713" cy="323165"/>
                 </a:xfrm>
                 <a:prstGeom prst="rect">
                   <a:avLst/>
                 </a:prstGeom>
                 <a:blipFill rotWithShape="1">
-                  <a:blip r:embed="rId19"/>
+                  <a:blip r:embed="rId20"/>
                   <a:stretch>
                     <a:fillRect/>
                   </a:stretch>
@@ -18075,72 +18857,6 @@
             </p:sp>
           </mc:Fallback>
         </mc:AlternateContent>
-        <p:sp>
-          <p:nvSpPr>
-            <p:cNvPr id="394" name="TextBox 393"/>
-            <p:cNvSpPr txBox="1"/>
-            <p:nvPr/>
-          </p:nvSpPr>
-          <p:spPr>
-            <a:xfrm>
-              <a:off x="794435" y="1089660"/>
-              <a:ext cx="1247725" cy="323165"/>
-            </a:xfrm>
-            <a:prstGeom prst="rect">
-              <a:avLst/>
-            </a:prstGeom>
-            <a:noFill/>
-          </p:spPr>
-          <p:txBody>
-            <a:bodyPr wrap="square" rtlCol="0">
-              <a:spAutoFit/>
-            </a:bodyPr>
-            <a:lstStyle/>
-            <a:p>
-              <a:pPr algn="ctr"/>
-              <a:r>
-                <a:rPr lang="en-US" sz="1500" dirty="0"/>
-                <a:t>feed-forward</a:t>
-              </a:r>
-            </a:p>
-          </p:txBody>
-        </p:sp>
-        <p:cxnSp>
-          <p:nvCxnSpPr>
-            <p:cNvPr id="395" name="Straight Arrow Connector 394"/>
-            <p:cNvCxnSpPr>
-              <a:stCxn id="394" idx="1"/>
-              <a:endCxn id="394" idx="3"/>
-            </p:cNvCxnSpPr>
-            <p:nvPr/>
-          </p:nvCxnSpPr>
-          <p:spPr>
-            <a:xfrm>
-              <a:off x="794435" y="1251243"/>
-              <a:ext cx="1247725" cy="0"/>
-            </a:xfrm>
-            <a:prstGeom prst="straightConnector1">
-              <a:avLst/>
-            </a:prstGeom>
-            <a:ln w="12700">
-              <a:tailEnd type="arrow"/>
-            </a:ln>
-          </p:spPr>
-          <p:style>
-            <a:lnRef idx="1">
-              <a:schemeClr val="accent1"/>
-            </a:lnRef>
-            <a:fillRef idx="0">
-              <a:schemeClr val="accent1"/>
-            </a:fillRef>
-            <a:effectRef idx="0">
-              <a:schemeClr val="accent1"/>
-            </a:effectRef>
-            <a:fontRef idx="minor">
-              <a:schemeClr val="tx1"/>
-            </a:fontRef>
-          </p:style>
-        </p:cxnSp>
         <mc:AlternateContent xmlns:mc="http://schemas.openxmlformats.org/markup-compatibility/2006" xmlns:a14="http://schemas.microsoft.com/office/drawing/2010/main">
           <mc:Choice Requires="a14">
             <p:sp>
@@ -18151,7 +18867,7 @@
               </p:nvSpPr>
               <p:spPr>
                 <a:xfrm>
-                  <a:off x="6142071" y="1089660"/>
+                  <a:off x="6136357" y="1089661"/>
                   <a:ext cx="409728" cy="323165"/>
                 </a:xfrm>
                 <a:prstGeom prst="rect">
@@ -18220,14 +18936,14 @@
               </p:nvSpPr>
               <p:spPr>
                 <a:xfrm>
-                  <a:off x="6142071" y="1089660"/>
+                  <a:off x="6136357" y="1089661"/>
                   <a:ext cx="409728" cy="323165"/>
                 </a:xfrm>
                 <a:prstGeom prst="rect">
                   <a:avLst/>
                 </a:prstGeom>
                 <a:blipFill rotWithShape="1">
-                  <a:blip r:embed="rId20"/>
+                  <a:blip r:embed="rId21"/>
                   <a:stretch>
                     <a:fillRect/>
                   </a:stretch>
@@ -18256,71 +18972,8 @@
           </p:nvCxnSpPr>
           <p:spPr>
             <a:xfrm>
-              <a:off x="3271278" y="1382043"/>
+              <a:off x="3271279" y="1382044"/>
               <a:ext cx="387539" cy="1"/>
-            </a:xfrm>
-            <a:prstGeom prst="straightConnector1">
-              <a:avLst/>
-            </a:prstGeom>
-            <a:ln w="12700">
-              <a:tailEnd type="arrow"/>
-            </a:ln>
-          </p:spPr>
-          <p:style>
-            <a:lnRef idx="1">
-              <a:schemeClr val="accent1"/>
-            </a:lnRef>
-            <a:fillRef idx="0">
-              <a:schemeClr val="accent1"/>
-            </a:fillRef>
-            <a:effectRef idx="0">
-              <a:schemeClr val="accent1"/>
-            </a:effectRef>
-            <a:fontRef idx="minor">
-              <a:schemeClr val="tx1"/>
-            </a:fontRef>
-          </p:style>
-        </p:cxnSp>
-        <p:sp>
-          <p:nvSpPr>
-            <p:cNvPr id="408" name="TextBox 407"/>
-            <p:cNvSpPr txBox="1"/>
-            <p:nvPr/>
-          </p:nvSpPr>
-          <p:spPr>
-            <a:xfrm>
-              <a:off x="4922544" y="2978436"/>
-              <a:ext cx="1247725" cy="553998"/>
-            </a:xfrm>
-            <a:prstGeom prst="rect">
-              <a:avLst/>
-            </a:prstGeom>
-            <a:noFill/>
-          </p:spPr>
-          <p:txBody>
-            <a:bodyPr wrap="square" rtlCol="0">
-              <a:spAutoFit/>
-            </a:bodyPr>
-            <a:lstStyle/>
-            <a:p>
-              <a:pPr algn="ctr"/>
-              <a:r>
-                <a:rPr lang="en-US" sz="1500" dirty="0"/>
-                <a:t>back-propagation</a:t>
-              </a:r>
-            </a:p>
-          </p:txBody>
-        </p:sp>
-        <p:cxnSp>
-          <p:nvCxnSpPr>
-            <p:cNvPr id="416" name="Straight Arrow Connector 415"/>
-            <p:cNvCxnSpPr/>
-            <p:nvPr/>
-          </p:nvCxnSpPr>
-          <p:spPr>
-            <a:xfrm flipH="1" flipV="1">
-              <a:off x="3270737" y="2823209"/>
-              <a:ext cx="388621" cy="1"/>
             </a:xfrm>
             <a:prstGeom prst="straightConnector1">
               <a:avLst/>
@@ -18352,7 +19005,7 @@
           </p:nvCxnSpPr>
           <p:spPr>
             <a:xfrm flipH="1">
-              <a:off x="6168340" y="2813505"/>
+              <a:off x="6156961" y="1524004"/>
               <a:ext cx="386663" cy="0"/>
             </a:xfrm>
             <a:prstGeom prst="straightConnector1">
@@ -18377,113 +19030,6 @@
             </a:fontRef>
           </p:style>
         </p:cxnSp>
-        <mc:AlternateContent xmlns:mc="http://schemas.openxmlformats.org/markup-compatibility/2006" xmlns:a14="http://schemas.microsoft.com/office/drawing/2010/main">
-          <mc:Choice Requires="a14">
-            <p:sp>
-              <p:nvSpPr>
-                <p:cNvPr id="431" name="TextBox 430"/>
-                <p:cNvSpPr txBox="1"/>
-                <p:nvPr/>
-              </p:nvSpPr>
-              <p:spPr>
-                <a:xfrm>
-                  <a:off x="3249635" y="2838450"/>
-                  <a:ext cx="416268" cy="323165"/>
-                </a:xfrm>
-                <a:prstGeom prst="rect">
-                  <a:avLst/>
-                </a:prstGeom>
-                <a:noFill/>
-              </p:spPr>
-              <p:txBody>
-                <a:bodyPr wrap="none" rtlCol="0">
-                  <a:spAutoFit/>
-                </a:bodyPr>
-                <a:lstStyle/>
-                <a:p>
-                  <a:pPr/>
-                  <a14:m>
-                    <m:oMathPara xmlns:m="http://schemas.openxmlformats.org/officeDocument/2006/math">
-                      <m:oMathParaPr>
-                        <m:jc m:val="centerGroup"/>
-                      </m:oMathParaPr>
-                      <m:oMath xmlns:m="http://schemas.openxmlformats.org/officeDocument/2006/math">
-                        <m:sSub>
-                          <m:sSubPr>
-                            <m:ctrlPr>
-                              <a:rPr lang="en-US" sz="1500" i="1">
-                                <a:latin typeface="Cambria Math"/>
-                              </a:rPr>
-                            </m:ctrlPr>
-                          </m:sSubPr>
-                          <m:e>
-                            <m:r>
-                              <a:rPr lang="en-US" sz="1500" i="1">
-                                <a:latin typeface="Cambria Math"/>
-                              </a:rPr>
-                              <m:t>𝛿</m:t>
-                            </m:r>
-                          </m:e>
-                          <m:sub>
-                            <m:r>
-                              <a:rPr lang="en-US" sz="1500" i="1">
-                                <a:latin typeface="Cambria Math"/>
-                              </a:rPr>
-                              <m:t>0</m:t>
-                            </m:r>
-                          </m:sub>
-                        </m:sSub>
-                      </m:oMath>
-                    </m:oMathPara>
-                  </a14:m>
-                  <a:endParaRPr lang="en-US" dirty="0">
-                    <a:solidFill>
-                      <a:schemeClr val="tx1"/>
-                    </a:solidFill>
-                  </a:endParaRPr>
-                </a:p>
-              </p:txBody>
-            </p:sp>
-          </mc:Choice>
-          <mc:Fallback xmlns="">
-            <p:sp>
-              <p:nvSpPr>
-                <p:cNvPr id="431" name="TextBox 430"/>
-                <p:cNvSpPr txBox="1">
-                  <a:spLocks noRot="1" noChangeAspect="1" noMove="1" noResize="1" noEditPoints="1" noAdjustHandles="1" noChangeArrowheads="1" noChangeShapeType="1" noTextEdit="1"/>
-                </p:cNvSpPr>
-                <p:nvPr/>
-              </p:nvSpPr>
-              <p:spPr>
-                <a:xfrm>
-                  <a:off x="3249635" y="2838450"/>
-                  <a:ext cx="416268" cy="323165"/>
-                </a:xfrm>
-                <a:prstGeom prst="rect">
-                  <a:avLst/>
-                </a:prstGeom>
-                <a:blipFill rotWithShape="1">
-                  <a:blip r:embed="rId21"/>
-                  <a:stretch>
-                    <a:fillRect/>
-                  </a:stretch>
-                </a:blipFill>
-              </p:spPr>
-              <p:txBody>
-                <a:bodyPr/>
-                <a:lstStyle/>
-                <a:p>
-                  <a:r>
-                    <a:rPr lang="en-US">
-                      <a:noFill/>
-                    </a:rPr>
-                    <a:t> </a:t>
-                  </a:r>
-                </a:p>
-              </p:txBody>
-            </p:sp>
-          </mc:Fallback>
-        </mc:AlternateContent>
         <p:cxnSp>
           <p:nvCxnSpPr>
             <p:cNvPr id="65" name="Straight Arrow Connector 64"/>
@@ -18492,7 +19038,7 @@
           </p:nvCxnSpPr>
           <p:spPr>
             <a:xfrm>
-              <a:off x="4551661" y="1382038"/>
+              <a:off x="4551662" y="1382039"/>
               <a:ext cx="387539" cy="1"/>
             </a:xfrm>
             <a:prstGeom prst="straightConnector1">
@@ -18525,7 +19071,7 @@
           </p:nvCxnSpPr>
           <p:spPr>
             <a:xfrm>
-              <a:off x="6166911" y="1382037"/>
+              <a:off x="6166912" y="1382038"/>
               <a:ext cx="387539" cy="1"/>
             </a:xfrm>
             <a:prstGeom prst="straightConnector1">
@@ -18558,8 +19104,8 @@
           </p:nvSpPr>
           <p:spPr>
             <a:xfrm>
-              <a:off x="2042159" y="3048000"/>
-              <a:ext cx="1219200" cy="838200"/>
+              <a:off x="2042160" y="3314702"/>
+              <a:ext cx="1213123" cy="1385382"/>
             </a:xfrm>
             <a:prstGeom prst="roundRect">
               <a:avLst/>
@@ -18608,8 +19154,8 @@
           </p:nvSpPr>
           <p:spPr>
             <a:xfrm>
-              <a:off x="2403133" y="3048000"/>
-              <a:ext cx="497252" cy="323165"/>
+              <a:off x="2203183" y="4143286"/>
+              <a:ext cx="891078" cy="553998"/>
             </a:xfrm>
             <a:prstGeom prst="rect">
               <a:avLst/>
@@ -18625,8 +19171,20 @@
               <a:pPr algn="ctr"/>
               <a:r>
                 <a:rPr lang="en-US" sz="1500" dirty="0"/>
-                <a:t>bias</a:t>
+                <a:t>b</a:t>
               </a:r>
+              <a:r>
+                <a:rPr lang="en-US" sz="1500" dirty="0" smtClean="0"/>
+                <a:t>ias</a:t>
+              </a:r>
+              <a:br>
+                <a:rPr lang="en-US" sz="1500" dirty="0" smtClean="0"/>
+              </a:br>
+              <a:r>
+                <a:rPr lang="en-US" sz="1500" dirty="0" smtClean="0"/>
+                <a:t>abs-layer</a:t>
+              </a:r>
+              <a:endParaRPr lang="en-US" sz="1500" dirty="0"/>
             </a:p>
           </p:txBody>
         </p:sp>
@@ -18640,7 +19198,7 @@
               </p:nvSpPr>
               <p:spPr>
                 <a:xfrm>
-                  <a:off x="2604085" y="3448050"/>
+                  <a:off x="2604086" y="3648075"/>
                   <a:ext cx="533400" cy="304800"/>
                 </a:xfrm>
                 <a:prstGeom prst="rect">
@@ -18737,7 +19295,7 @@
               </p:nvSpPr>
               <p:spPr>
                 <a:xfrm>
-                  <a:off x="2604085" y="3448050"/>
+                  <a:off x="2604086" y="3648075"/>
                   <a:ext cx="533400" cy="304800"/>
                 </a:xfrm>
                 <a:prstGeom prst="rect">
@@ -18746,7 +19304,7 @@
                 <a:blipFill rotWithShape="1">
                   <a:blip r:embed="rId22"/>
                   <a:stretch>
-                    <a:fillRect b="-9615"/>
+                    <a:fillRect b="-11538"/>
                   </a:stretch>
                 </a:blipFill>
                 <a:ln w="12700"/>
@@ -18776,7 +19334,7 @@
               </p:nvSpPr>
               <p:spPr>
                 <a:xfrm>
-                  <a:off x="2146885" y="3448050"/>
+                  <a:off x="2146886" y="3648075"/>
                   <a:ext cx="304800" cy="304800"/>
                 </a:xfrm>
                 <a:prstGeom prst="ellipse">
@@ -18836,7 +19394,7 @@
               </p:nvSpPr>
               <p:spPr>
                 <a:xfrm>
-                  <a:off x="2146885" y="3448050"/>
+                  <a:off x="2146886" y="3648075"/>
                   <a:ext cx="304800" cy="304800"/>
                 </a:xfrm>
                 <a:prstGeom prst="ellipse">
@@ -18876,13 +19434,147 @@
           </p:nvCxnSpPr>
           <p:spPr>
             <a:xfrm>
-              <a:off x="2451685" y="3600450"/>
+              <a:off x="2451686" y="3800475"/>
               <a:ext cx="152400" cy="0"/>
             </a:xfrm>
             <a:prstGeom prst="line">
               <a:avLst/>
             </a:prstGeom>
             <a:ln w="12700"/>
+          </p:spPr>
+          <p:style>
+            <a:lnRef idx="1">
+              <a:schemeClr val="accent1"/>
+            </a:lnRef>
+            <a:fillRef idx="0">
+              <a:schemeClr val="accent1"/>
+            </a:fillRef>
+            <a:effectRef idx="0">
+              <a:schemeClr val="accent1"/>
+            </a:effectRef>
+            <a:fontRef idx="minor">
+              <a:schemeClr val="tx1"/>
+            </a:fontRef>
+          </p:style>
+        </p:cxnSp>
+        <p:cxnSp>
+          <p:nvCxnSpPr>
+            <p:cNvPr id="86" name="Straight Arrow Connector 85"/>
+            <p:cNvCxnSpPr/>
+            <p:nvPr/>
+          </p:nvCxnSpPr>
+          <p:spPr>
+            <a:xfrm flipH="1" flipV="1">
+              <a:off x="4541437" y="1524003"/>
+              <a:ext cx="388621" cy="1"/>
+            </a:xfrm>
+            <a:prstGeom prst="straightConnector1">
+              <a:avLst/>
+            </a:prstGeom>
+            <a:ln w="12700">
+              <a:tailEnd type="arrow"/>
+            </a:ln>
+          </p:spPr>
+          <p:style>
+            <a:lnRef idx="1">
+              <a:schemeClr val="accent1"/>
+            </a:lnRef>
+            <a:fillRef idx="0">
+              <a:schemeClr val="accent1"/>
+            </a:fillRef>
+            <a:effectRef idx="0">
+              <a:schemeClr val="accent1"/>
+            </a:effectRef>
+            <a:fontRef idx="minor">
+              <a:schemeClr val="tx1"/>
+            </a:fontRef>
+          </p:style>
+        </p:cxnSp>
+        <p:cxnSp>
+          <p:nvCxnSpPr>
+            <p:cNvPr id="89" name="Straight Connector 88"/>
+            <p:cNvCxnSpPr>
+              <a:stCxn id="69" idx="3"/>
+              <a:endCxn id="80" idx="1"/>
+            </p:cNvCxnSpPr>
+            <p:nvPr/>
+          </p:nvCxnSpPr>
+          <p:spPr>
+            <a:xfrm>
+              <a:off x="3137486" y="3800475"/>
+              <a:ext cx="646051" cy="161925"/>
+            </a:xfrm>
+            <a:prstGeom prst="line">
+              <a:avLst/>
+            </a:prstGeom>
+            <a:ln w="12700"/>
+          </p:spPr>
+          <p:style>
+            <a:lnRef idx="1">
+              <a:schemeClr val="accent1"/>
+            </a:lnRef>
+            <a:fillRef idx="0">
+              <a:schemeClr val="accent1"/>
+            </a:fillRef>
+            <a:effectRef idx="0">
+              <a:schemeClr val="accent1"/>
+            </a:effectRef>
+            <a:fontRef idx="minor">
+              <a:schemeClr val="tx1"/>
+            </a:fontRef>
+          </p:style>
+        </p:cxnSp>
+        <p:cxnSp>
+          <p:nvCxnSpPr>
+            <p:cNvPr id="92" name="Straight Connector 91"/>
+            <p:cNvCxnSpPr>
+              <a:stCxn id="69" idx="3"/>
+              <a:endCxn id="79" idx="1"/>
+            </p:cNvCxnSpPr>
+            <p:nvPr/>
+          </p:nvCxnSpPr>
+          <p:spPr>
+            <a:xfrm flipV="1">
+              <a:off x="3137486" y="3581400"/>
+              <a:ext cx="646052" cy="219075"/>
+            </a:xfrm>
+            <a:prstGeom prst="line">
+              <a:avLst/>
+            </a:prstGeom>
+            <a:ln w="12700"/>
+          </p:spPr>
+          <p:style>
+            <a:lnRef idx="1">
+              <a:schemeClr val="accent1"/>
+            </a:lnRef>
+            <a:fillRef idx="0">
+              <a:schemeClr val="accent1"/>
+            </a:fillRef>
+            <a:effectRef idx="0">
+              <a:schemeClr val="accent1"/>
+            </a:effectRef>
+            <a:fontRef idx="minor">
+              <a:schemeClr val="tx1"/>
+            </a:fontRef>
+          </p:style>
+        </p:cxnSp>
+        <p:cxnSp>
+          <p:nvCxnSpPr>
+            <p:cNvPr id="100" name="Straight Arrow Connector 99"/>
+            <p:cNvCxnSpPr/>
+            <p:nvPr/>
+          </p:nvCxnSpPr>
+          <p:spPr>
+            <a:xfrm>
+              <a:off x="3265270" y="4220351"/>
+              <a:ext cx="387539" cy="1"/>
+            </a:xfrm>
+            <a:prstGeom prst="straightConnector1">
+              <a:avLst/>
+            </a:prstGeom>
+            <a:ln w="12700">
+              <a:tailEnd type="arrow"/>
+            </a:ln>
           </p:spPr>
           <p:style>
             <a:lnRef idx="1">
@@ -18903,14 +19595,171 @@
           <mc:Choice Requires="a14">
             <p:sp>
               <p:nvSpPr>
-                <p:cNvPr id="75" name="Rectangle 74"/>
+                <p:cNvPr id="77" name="TextBox 76"/>
+                <p:cNvSpPr txBox="1"/>
+                <p:nvPr/>
+              </p:nvSpPr>
+              <p:spPr>
+                <a:xfrm>
+                  <a:off x="3248025" y="3905250"/>
+                  <a:ext cx="423834" cy="323165"/>
+                </a:xfrm>
+                <a:prstGeom prst="rect">
+                  <a:avLst/>
+                </a:prstGeom>
+                <a:noFill/>
+              </p:spPr>
+              <p:txBody>
+                <a:bodyPr wrap="none" rtlCol="0">
+                  <a:spAutoFit/>
+                </a:bodyPr>
+                <a:lstStyle/>
+                <a:p>
+                  <a:pPr/>
+                  <a14:m>
+                    <m:oMathPara xmlns:m="http://schemas.openxmlformats.org/officeDocument/2006/math">
+                      <m:oMathParaPr>
+                        <m:jc m:val="centerGroup"/>
+                      </m:oMathParaPr>
+                      <m:oMath xmlns:m="http://schemas.openxmlformats.org/officeDocument/2006/math">
+                        <m:sSub>
+                          <m:sSubPr>
+                            <m:ctrlPr>
+                              <a:rPr lang="en-US" sz="1500" i="1" smtClean="0">
+                                <a:latin typeface="Cambria Math"/>
+                              </a:rPr>
+                            </m:ctrlPr>
+                          </m:sSubPr>
+                          <m:e>
+                            <m:r>
+                              <a:rPr lang="en-US" sz="1500" i="1">
+                                <a:latin typeface="Cambria Math"/>
+                              </a:rPr>
+                              <m:t>𝑥</m:t>
+                            </m:r>
+                          </m:e>
+                          <m:sub>
+                            <m:r>
+                              <a:rPr lang="en-US" sz="1500" b="0" i="1" smtClean="0">
+                                <a:latin typeface="Cambria Math"/>
+                              </a:rPr>
+                              <m:t>𝑏</m:t>
+                            </m:r>
+                          </m:sub>
+                        </m:sSub>
+                      </m:oMath>
+                    </m:oMathPara>
+                  </a14:m>
+                  <a:endParaRPr lang="en-US" dirty="0">
+                    <a:solidFill>
+                      <a:schemeClr val="tx1"/>
+                    </a:solidFill>
+                  </a:endParaRPr>
+                </a:p>
+              </p:txBody>
+            </p:sp>
+          </mc:Choice>
+          <mc:Fallback xmlns="">
+            <p:sp>
+              <p:nvSpPr>
+                <p:cNvPr id="77" name="TextBox 76"/>
+                <p:cNvSpPr txBox="1">
+                  <a:spLocks noRot="1" noChangeAspect="1" noMove="1" noResize="1" noEditPoints="1" noAdjustHandles="1" noChangeArrowheads="1" noChangeShapeType="1" noTextEdit="1"/>
+                </p:cNvSpPr>
+                <p:nvPr/>
+              </p:nvSpPr>
+              <p:spPr>
+                <a:xfrm>
+                  <a:off x="3248025" y="3905250"/>
+                  <a:ext cx="423834" cy="323165"/>
+                </a:xfrm>
+                <a:prstGeom prst="rect">
+                  <a:avLst/>
+                </a:prstGeom>
+                <a:blipFill rotWithShape="1">
+                  <a:blip r:embed="rId24"/>
+                  <a:stretch>
+                    <a:fillRect/>
+                  </a:stretch>
+                </a:blipFill>
+              </p:spPr>
+              <p:txBody>
+                <a:bodyPr/>
+                <a:lstStyle/>
+                <a:p>
+                  <a:r>
+                    <a:rPr lang="en-US">
+                      <a:noFill/>
+                    </a:rPr>
+                    <a:t> </a:t>
+                  </a:r>
+                </a:p>
+              </p:txBody>
+            </p:sp>
+          </mc:Fallback>
+        </mc:AlternateContent>
+        <p:sp>
+          <p:nvSpPr>
+            <p:cNvPr id="78" name="Rounded Rectangle 77"/>
+            <p:cNvSpPr/>
+            <p:nvPr/>
+          </p:nvSpPr>
+          <p:spPr>
+            <a:xfrm>
+              <a:off x="3657601" y="3314699"/>
+              <a:ext cx="894061" cy="1385385"/>
+            </a:xfrm>
+            <a:prstGeom prst="roundRect">
+              <a:avLst/>
+            </a:prstGeom>
+            <a:solidFill>
+              <a:srgbClr val="F79646">
+                <a:alpha val="20000"/>
+              </a:srgbClr>
+            </a:solidFill>
+            <a:ln>
+              <a:solidFill>
+                <a:srgbClr val="F79646"/>
+              </a:solidFill>
+            </a:ln>
+          </p:spPr>
+          <p:style>
+            <a:lnRef idx="2">
+              <a:schemeClr val="accent6">
+                <a:shade val="50000"/>
+              </a:schemeClr>
+            </a:lnRef>
+            <a:fillRef idx="1">
+              <a:schemeClr val="accent6"/>
+            </a:fillRef>
+            <a:effectRef idx="0">
+              <a:schemeClr val="accent6"/>
+            </a:effectRef>
+            <a:fontRef idx="minor">
+              <a:schemeClr val="lt1"/>
+            </a:fontRef>
+          </p:style>
+          <p:txBody>
+            <a:bodyPr rtlCol="0" anchor="ctr"/>
+            <a:lstStyle/>
+            <a:p>
+              <a:pPr algn="ctr"/>
+              <a:endParaRPr lang="en-US" dirty="0"/>
+            </a:p>
+          </p:txBody>
+        </p:sp>
+        <mc:AlternateContent xmlns:mc="http://schemas.openxmlformats.org/markup-compatibility/2006" xmlns:a14="http://schemas.microsoft.com/office/drawing/2010/main">
+          <mc:Choice Requires="a14">
+            <p:sp>
+              <p:nvSpPr>
+                <p:cNvPr id="79" name="Rectangle 78"/>
                 <p:cNvSpPr/>
                 <p:nvPr/>
               </p:nvSpPr>
               <p:spPr>
                 <a:xfrm>
-                  <a:off x="3785147" y="3074134"/>
-                  <a:ext cx="636508" cy="304800"/>
+                  <a:off x="3783538" y="3429000"/>
+                  <a:ext cx="636509" cy="304800"/>
                 </a:xfrm>
                 <a:prstGeom prst="rect">
                   <a:avLst/>
@@ -18947,7 +19796,7 @@
                         <m:sSub>
                           <m:sSubPr>
                             <m:ctrlPr>
-                              <a:rPr lang="en-US" sz="1500" i="1">
+                              <a:rPr lang="en-US" sz="1500" i="1" smtClean="0">
                                 <a:latin typeface="Cambria Math"/>
                               </a:rPr>
                             </m:ctrlPr>
@@ -18965,7 +19814,13 @@
                               <a:rPr lang="en-US" sz="1500" i="1">
                                 <a:latin typeface="Cambria Math"/>
                               </a:rPr>
-                              <m:t>10</m:t>
+                              <m:t>1</m:t>
+                            </m:r>
+                            <m:r>
+                              <a:rPr lang="en-US" sz="1500" b="0" i="1" smtClean="0">
+                                <a:latin typeface="Cambria Math"/>
+                              </a:rPr>
+                              <m:t>𝑏</m:t>
                             </m:r>
                           </m:sub>
                         </m:sSub>
@@ -18998,7 +19853,7 @@
           <mc:Fallback xmlns="">
             <p:sp>
               <p:nvSpPr>
-                <p:cNvPr id="75" name="Rectangle 74"/>
+                <p:cNvPr id="79" name="Rectangle 78"/>
                 <p:cNvSpPr>
                   <a:spLocks noRot="1" noChangeAspect="1" noMove="1" noResize="1" noEditPoints="1" noAdjustHandles="1" noChangeArrowheads="1" noChangeShapeType="1" noTextEdit="1"/>
                 </p:cNvSpPr>
@@ -19006,16 +19861,16 @@
               </p:nvSpPr>
               <p:spPr>
                 <a:xfrm>
-                  <a:off x="3785147" y="3074134"/>
-                  <a:ext cx="636508" cy="304800"/>
+                  <a:off x="3783538" y="3429000"/>
+                  <a:ext cx="636509" cy="304800"/>
                 </a:xfrm>
                 <a:prstGeom prst="rect">
                   <a:avLst/>
                 </a:prstGeom>
                 <a:blipFill rotWithShape="1">
-                  <a:blip r:embed="rId24"/>
+                  <a:blip r:embed="rId25"/>
                   <a:stretch>
-                    <a:fillRect b="-11538"/>
+                    <a:fillRect b="-9615"/>
                   </a:stretch>
                 </a:blipFill>
                 <a:ln w="12700"/>
@@ -19039,14 +19894,14 @@
           <mc:Choice Requires="a14">
             <p:sp>
               <p:nvSpPr>
-                <p:cNvPr id="76" name="Rectangle 75"/>
+                <p:cNvPr id="80" name="Rectangle 79"/>
                 <p:cNvSpPr/>
                 <p:nvPr/>
               </p:nvSpPr>
               <p:spPr>
                 <a:xfrm>
-                  <a:off x="3785148" y="3448050"/>
-                  <a:ext cx="636508" cy="304800"/>
+                  <a:off x="3783537" y="3810000"/>
+                  <a:ext cx="636509" cy="304800"/>
                 </a:xfrm>
                 <a:prstGeom prst="rect">
                   <a:avLst/>
@@ -19083,7 +19938,7 @@
                         <m:sSub>
                           <m:sSubPr>
                             <m:ctrlPr>
-                              <a:rPr lang="en-US" sz="1500" i="1">
+                              <a:rPr lang="en-US" sz="1500" i="1" smtClean="0">
                                 <a:latin typeface="Cambria Math"/>
                               </a:rPr>
                             </m:ctrlPr>
@@ -19101,7 +19956,13 @@
                               <a:rPr lang="en-US" sz="1500" i="1">
                                 <a:latin typeface="Cambria Math"/>
                               </a:rPr>
-                              <m:t>10</m:t>
+                              <m:t>1</m:t>
+                            </m:r>
+                            <m:r>
+                              <a:rPr lang="en-US" sz="1500" b="0" i="1" smtClean="0">
+                                <a:latin typeface="Cambria Math"/>
+                              </a:rPr>
+                              <m:t>𝑏</m:t>
                             </m:r>
                           </m:sub>
                         </m:sSub>
@@ -19134,7 +19995,7 @@
           <mc:Fallback xmlns="">
             <p:sp>
               <p:nvSpPr>
-                <p:cNvPr id="76" name="Rectangle 75"/>
+                <p:cNvPr id="80" name="Rectangle 79"/>
                 <p:cNvSpPr>
                   <a:spLocks noRot="1" noChangeAspect="1" noMove="1" noResize="1" noEditPoints="1" noAdjustHandles="1" noChangeArrowheads="1" noChangeShapeType="1" noTextEdit="1"/>
                 </p:cNvSpPr>
@@ -19142,16 +20003,16 @@
               </p:nvSpPr>
               <p:spPr>
                 <a:xfrm>
-                  <a:off x="3785148" y="3448050"/>
-                  <a:ext cx="636508" cy="304800"/>
+                  <a:off x="3783537" y="3810000"/>
+                  <a:ext cx="636509" cy="304800"/>
                 </a:xfrm>
                 <a:prstGeom prst="rect">
                   <a:avLst/>
                 </a:prstGeom>
                 <a:blipFill rotWithShape="1">
-                  <a:blip r:embed="rId9"/>
+                  <a:blip r:embed="rId26"/>
                   <a:stretch>
-                    <a:fillRect b="-9615"/>
+                    <a:fillRect b="-11538"/>
                   </a:stretch>
                 </a:blipFill>
                 <a:ln w="12700"/>
@@ -19171,15 +20032,384 @@
             </p:sp>
           </mc:Fallback>
         </mc:AlternateContent>
+        <p:sp>
+          <p:nvSpPr>
+            <p:cNvPr id="81" name="TextBox 80"/>
+            <p:cNvSpPr txBox="1"/>
+            <p:nvPr/>
+          </p:nvSpPr>
+          <p:spPr>
+            <a:xfrm>
+              <a:off x="3673847" y="4152811"/>
+              <a:ext cx="891078" cy="553998"/>
+            </a:xfrm>
+            <a:prstGeom prst="rect">
+              <a:avLst/>
+            </a:prstGeom>
+            <a:noFill/>
+          </p:spPr>
+          <p:txBody>
+            <a:bodyPr wrap="none" rtlCol="0">
+              <a:spAutoFit/>
+            </a:bodyPr>
+            <a:lstStyle/>
+            <a:p>
+              <a:pPr algn="ctr"/>
+              <a:r>
+                <a:rPr lang="en-US" sz="1500" dirty="0"/>
+                <a:t>w</a:t>
+              </a:r>
+              <a:r>
+                <a:rPr lang="en-US" sz="1500" dirty="0" smtClean="0"/>
+                <a:t>eight</a:t>
+              </a:r>
+              <a:br>
+                <a:rPr lang="en-US" sz="1500" dirty="0" smtClean="0"/>
+              </a:br>
+              <a:r>
+                <a:rPr lang="en-US" sz="1500" dirty="0" smtClean="0"/>
+                <a:t>abs-layer</a:t>
+              </a:r>
+              <a:endParaRPr lang="en-US" sz="1500" dirty="0"/>
+            </a:p>
+          </p:txBody>
+        </p:sp>
         <p:cxnSp>
           <p:nvCxnSpPr>
-            <p:cNvPr id="86" name="Straight Arrow Connector 85"/>
+            <p:cNvPr id="87" name="Straight Connector 86"/>
+            <p:cNvCxnSpPr>
+              <a:stCxn id="207" idx="3"/>
+              <a:endCxn id="79" idx="3"/>
+            </p:cNvCxnSpPr>
+            <p:nvPr/>
+          </p:nvCxnSpPr>
+          <p:spPr>
+            <a:xfrm flipH="1">
+              <a:off x="4420047" y="2669988"/>
+              <a:ext cx="667076" cy="911412"/>
+            </a:xfrm>
+            <a:prstGeom prst="line">
+              <a:avLst/>
+            </a:prstGeom>
+            <a:ln w="12700"/>
+          </p:spPr>
+          <p:style>
+            <a:lnRef idx="1">
+              <a:schemeClr val="accent1"/>
+            </a:lnRef>
+            <a:fillRef idx="0">
+              <a:schemeClr val="accent1"/>
+            </a:fillRef>
+            <a:effectRef idx="0">
+              <a:schemeClr val="accent1"/>
+            </a:effectRef>
+            <a:fontRef idx="minor">
+              <a:schemeClr val="tx1"/>
+            </a:fontRef>
+          </p:style>
+        </p:cxnSp>
+        <p:cxnSp>
+          <p:nvCxnSpPr>
+            <p:cNvPr id="90" name="Straight Connector 89"/>
+            <p:cNvCxnSpPr>
+              <a:stCxn id="212" idx="3"/>
+              <a:endCxn id="80" idx="3"/>
+            </p:cNvCxnSpPr>
+            <p:nvPr/>
+          </p:nvCxnSpPr>
+          <p:spPr>
+            <a:xfrm flipH="1">
+              <a:off x="4420046" y="3050988"/>
+              <a:ext cx="667077" cy="911412"/>
+            </a:xfrm>
+            <a:prstGeom prst="line">
+              <a:avLst/>
+            </a:prstGeom>
+            <a:ln w="12700"/>
+          </p:spPr>
+          <p:style>
+            <a:lnRef idx="1">
+              <a:schemeClr val="accent1"/>
+            </a:lnRef>
+            <a:fillRef idx="0">
+              <a:schemeClr val="accent1"/>
+            </a:fillRef>
+            <a:effectRef idx="0">
+              <a:schemeClr val="accent1"/>
+            </a:effectRef>
+            <a:fontRef idx="minor">
+              <a:schemeClr val="tx1"/>
+            </a:fontRef>
+          </p:style>
+        </p:cxnSp>
+        <mc:AlternateContent xmlns:mc="http://schemas.openxmlformats.org/markup-compatibility/2006" xmlns:a14="http://schemas.microsoft.com/office/drawing/2010/main">
+          <mc:Choice Requires="a14">
+            <p:sp>
+              <p:nvSpPr>
+                <p:cNvPr id="102" name="TextBox 101"/>
+                <p:cNvSpPr txBox="1"/>
+                <p:nvPr/>
+              </p:nvSpPr>
+              <p:spPr>
+                <a:xfrm>
+                  <a:off x="4504354" y="4371975"/>
+                  <a:ext cx="498919" cy="323165"/>
+                </a:xfrm>
+                <a:prstGeom prst="rect">
+                  <a:avLst/>
+                </a:prstGeom>
+                <a:noFill/>
+              </p:spPr>
+              <p:txBody>
+                <a:bodyPr wrap="none" rtlCol="0">
+                  <a:spAutoFit/>
+                </a:bodyPr>
+                <a:lstStyle/>
+                <a:p>
+                  <a:pPr/>
+                  <a14:m>
+                    <m:oMathPara xmlns:m="http://schemas.openxmlformats.org/officeDocument/2006/math">
+                      <m:oMathParaPr>
+                        <m:jc m:val="centerGroup"/>
+                      </m:oMathParaPr>
+                      <m:oMath xmlns:m="http://schemas.openxmlformats.org/officeDocument/2006/math">
+                        <m:sSub>
+                          <m:sSubPr>
+                            <m:ctrlPr>
+                              <a:rPr lang="en-US" sz="1500" i="1" smtClean="0">
+                                <a:latin typeface="Cambria Math"/>
+                              </a:rPr>
+                            </m:ctrlPr>
+                          </m:sSubPr>
+                          <m:e>
+                            <m:r>
+                              <a:rPr lang="en-US" sz="1500" i="1">
+                                <a:latin typeface="Cambria Math"/>
+                              </a:rPr>
+                              <m:t>𝛿</m:t>
+                            </m:r>
+                          </m:e>
+                          <m:sub>
+                            <m:r>
+                              <a:rPr lang="en-US" sz="1500" i="1">
+                                <a:latin typeface="Cambria Math"/>
+                              </a:rPr>
+                              <m:t>1</m:t>
+                            </m:r>
+                            <m:r>
+                              <a:rPr lang="en-US" sz="1500" b="0" i="1" smtClean="0">
+                                <a:latin typeface="Cambria Math"/>
+                              </a:rPr>
+                              <m:t>𝑏</m:t>
+                            </m:r>
+                          </m:sub>
+                        </m:sSub>
+                      </m:oMath>
+                    </m:oMathPara>
+                  </a14:m>
+                  <a:endParaRPr lang="en-US" dirty="0">
+                    <a:solidFill>
+                      <a:schemeClr val="tx1"/>
+                    </a:solidFill>
+                  </a:endParaRPr>
+                </a:p>
+              </p:txBody>
+            </p:sp>
+          </mc:Choice>
+          <mc:Fallback xmlns="">
+            <p:sp>
+              <p:nvSpPr>
+                <p:cNvPr id="102" name="TextBox 101"/>
+                <p:cNvSpPr txBox="1">
+                  <a:spLocks noRot="1" noChangeAspect="1" noMove="1" noResize="1" noEditPoints="1" noAdjustHandles="1" noChangeArrowheads="1" noChangeShapeType="1" noTextEdit="1"/>
+                </p:cNvSpPr>
+                <p:nvPr/>
+              </p:nvSpPr>
+              <p:spPr>
+                <a:xfrm>
+                  <a:off x="4504354" y="4371975"/>
+                  <a:ext cx="498919" cy="323165"/>
+                </a:xfrm>
+                <a:prstGeom prst="rect">
+                  <a:avLst/>
+                </a:prstGeom>
+                <a:blipFill rotWithShape="1">
+                  <a:blip r:embed="rId27"/>
+                  <a:stretch>
+                    <a:fillRect/>
+                  </a:stretch>
+                </a:blipFill>
+              </p:spPr>
+              <p:txBody>
+                <a:bodyPr/>
+                <a:lstStyle/>
+                <a:p>
+                  <a:r>
+                    <a:rPr lang="en-US">
+                      <a:noFill/>
+                    </a:rPr>
+                    <a:t> </a:t>
+                  </a:r>
+                </a:p>
+              </p:txBody>
+            </p:sp>
+          </mc:Fallback>
+        </mc:AlternateContent>
+        <mc:AlternateContent xmlns:mc="http://schemas.openxmlformats.org/markup-compatibility/2006" xmlns:a14="http://schemas.microsoft.com/office/drawing/2010/main">
+          <mc:Choice Requires="a14">
+            <p:sp>
+              <p:nvSpPr>
+                <p:cNvPr id="103" name="TextBox 102"/>
+                <p:cNvSpPr txBox="1"/>
+                <p:nvPr/>
+              </p:nvSpPr>
+              <p:spPr>
+                <a:xfrm>
+                  <a:off x="4487892" y="3937636"/>
+                  <a:ext cx="501099" cy="323165"/>
+                </a:xfrm>
+                <a:prstGeom prst="rect">
+                  <a:avLst/>
+                </a:prstGeom>
+                <a:noFill/>
+              </p:spPr>
+              <p:txBody>
+                <a:bodyPr wrap="none" rtlCol="0">
+                  <a:spAutoFit/>
+                </a:bodyPr>
+                <a:lstStyle/>
+                <a:p>
+                  <a:pPr/>
+                  <a14:m>
+                    <m:oMathPara xmlns:m="http://schemas.openxmlformats.org/officeDocument/2006/math">
+                      <m:oMathParaPr>
+                        <m:jc m:val="centerGroup"/>
+                      </m:oMathParaPr>
+                      <m:oMath xmlns:m="http://schemas.openxmlformats.org/officeDocument/2006/math">
+                        <m:sSub>
+                          <m:sSubPr>
+                            <m:ctrlPr>
+                              <a:rPr lang="en-US" sz="1500" i="1" smtClean="0">
+                                <a:latin typeface="Cambria Math"/>
+                              </a:rPr>
+                            </m:ctrlPr>
+                          </m:sSubPr>
+                          <m:e>
+                            <m:r>
+                              <a:rPr lang="en-US" sz="1500" i="1">
+                                <a:latin typeface="Cambria Math"/>
+                              </a:rPr>
+                              <m:t>𝑥</m:t>
+                            </m:r>
+                          </m:e>
+                          <m:sub>
+                            <m:r>
+                              <a:rPr lang="en-US" sz="1500" i="1">
+                                <a:latin typeface="Cambria Math"/>
+                              </a:rPr>
+                              <m:t>1</m:t>
+                            </m:r>
+                            <m:r>
+                              <a:rPr lang="en-US" sz="1500" b="0" i="1" smtClean="0">
+                                <a:latin typeface="Cambria Math"/>
+                              </a:rPr>
+                              <m:t>𝑏</m:t>
+                            </m:r>
+                          </m:sub>
+                        </m:sSub>
+                      </m:oMath>
+                    </m:oMathPara>
+                  </a14:m>
+                  <a:endParaRPr lang="en-US" dirty="0">
+                    <a:solidFill>
+                      <a:schemeClr val="tx1"/>
+                    </a:solidFill>
+                  </a:endParaRPr>
+                </a:p>
+              </p:txBody>
+            </p:sp>
+          </mc:Choice>
+          <mc:Fallback xmlns="">
+            <p:sp>
+              <p:nvSpPr>
+                <p:cNvPr id="103" name="TextBox 102"/>
+                <p:cNvSpPr txBox="1">
+                  <a:spLocks noRot="1" noChangeAspect="1" noMove="1" noResize="1" noEditPoints="1" noAdjustHandles="1" noChangeArrowheads="1" noChangeShapeType="1" noTextEdit="1"/>
+                </p:cNvSpPr>
+                <p:nvPr/>
+              </p:nvSpPr>
+              <p:spPr>
+                <a:xfrm>
+                  <a:off x="4487892" y="3937636"/>
+                  <a:ext cx="501099" cy="323165"/>
+                </a:xfrm>
+                <a:prstGeom prst="rect">
+                  <a:avLst/>
+                </a:prstGeom>
+                <a:blipFill rotWithShape="1">
+                  <a:blip r:embed="rId28"/>
+                  <a:stretch>
+                    <a:fillRect/>
+                  </a:stretch>
+                </a:blipFill>
+              </p:spPr>
+              <p:txBody>
+                <a:bodyPr/>
+                <a:lstStyle/>
+                <a:p>
+                  <a:r>
+                    <a:rPr lang="en-US">
+                      <a:noFill/>
+                    </a:rPr>
+                    <a:t> </a:t>
+                  </a:r>
+                </a:p>
+              </p:txBody>
+            </p:sp>
+          </mc:Fallback>
+        </mc:AlternateContent>
+        <p:cxnSp>
+          <p:nvCxnSpPr>
+            <p:cNvPr id="104" name="Straight Arrow Connector 103"/>
+            <p:cNvCxnSpPr/>
+            <p:nvPr/>
+          </p:nvCxnSpPr>
+          <p:spPr>
+            <a:xfrm>
+              <a:off x="4551662" y="4230014"/>
+              <a:ext cx="387539" cy="1"/>
+            </a:xfrm>
+            <a:prstGeom prst="straightConnector1">
+              <a:avLst/>
+            </a:prstGeom>
+            <a:ln w="12700">
+              <a:tailEnd type="arrow"/>
+            </a:ln>
+          </p:spPr>
+          <p:style>
+            <a:lnRef idx="1">
+              <a:schemeClr val="accent1"/>
+            </a:lnRef>
+            <a:fillRef idx="0">
+              <a:schemeClr val="accent1"/>
+            </a:fillRef>
+            <a:effectRef idx="0">
+              <a:schemeClr val="accent1"/>
+            </a:effectRef>
+            <a:fontRef idx="minor">
+              <a:schemeClr val="tx1"/>
+            </a:fontRef>
+          </p:style>
+        </p:cxnSp>
+        <p:cxnSp>
+          <p:nvCxnSpPr>
+            <p:cNvPr id="105" name="Straight Arrow Connector 104"/>
             <p:cNvCxnSpPr/>
             <p:nvPr/>
           </p:nvCxnSpPr>
           <p:spPr>
             <a:xfrm flipH="1" flipV="1">
-              <a:off x="4551118" y="2823207"/>
+              <a:off x="4541437" y="4371978"/>
               <a:ext cx="388621" cy="1"/>
             </a:xfrm>
             <a:prstGeom prst="straightConnector1">
@@ -19204,140 +20434,37 @@
             </a:fontRef>
           </p:style>
         </p:cxnSp>
-        <p:cxnSp>
-          <p:nvCxnSpPr>
-            <p:cNvPr id="89" name="Straight Connector 88"/>
-            <p:cNvCxnSpPr>
-              <a:stCxn id="69" idx="3"/>
-              <a:endCxn id="75" idx="1"/>
-            </p:cNvCxnSpPr>
+        <p:sp>
+          <p:nvSpPr>
+            <p:cNvPr id="112" name="TextBox 111"/>
+            <p:cNvSpPr txBox="1"/>
             <p:nvPr/>
-          </p:nvCxnSpPr>
+          </p:nvSpPr>
           <p:spPr>
-            <a:xfrm flipV="1">
-              <a:off x="3137485" y="3226534"/>
-              <a:ext cx="647662" cy="373916"/>
+            <a:xfrm>
+              <a:off x="2779246" y="4734610"/>
+              <a:ext cx="2680286" cy="323165"/>
             </a:xfrm>
-            <a:prstGeom prst="line">
+            <a:prstGeom prst="rect">
               <a:avLst/>
             </a:prstGeom>
-            <a:ln w="12700"/>
+            <a:noFill/>
           </p:spPr>
-          <p:style>
-            <a:lnRef idx="1">
-              <a:schemeClr val="accent1"/>
-            </a:lnRef>
-            <a:fillRef idx="0">
-              <a:schemeClr val="accent1"/>
-            </a:fillRef>
-            <a:effectRef idx="0">
-              <a:schemeClr val="accent1"/>
-            </a:effectRef>
-            <a:fontRef idx="minor">
-              <a:schemeClr val="tx1"/>
-            </a:fontRef>
-          </p:style>
-        </p:cxnSp>
-        <p:cxnSp>
-          <p:nvCxnSpPr>
-            <p:cNvPr id="92" name="Straight Connector 91"/>
-            <p:cNvCxnSpPr>
-              <a:stCxn id="69" idx="3"/>
-              <a:endCxn id="76" idx="1"/>
-            </p:cNvCxnSpPr>
-            <p:nvPr/>
-          </p:nvCxnSpPr>
-          <p:spPr>
-            <a:xfrm>
-              <a:off x="3137485" y="3600450"/>
-              <a:ext cx="647663" cy="0"/>
-            </a:xfrm>
-            <a:prstGeom prst="line">
-              <a:avLst/>
-            </a:prstGeom>
-            <a:ln w="12700"/>
-          </p:spPr>
-          <p:style>
-            <a:lnRef idx="1">
-              <a:schemeClr val="accent1"/>
-            </a:lnRef>
-            <a:fillRef idx="0">
-              <a:schemeClr val="accent1"/>
-            </a:fillRef>
-            <a:effectRef idx="0">
-              <a:schemeClr val="accent1"/>
-            </a:effectRef>
-            <a:fontRef idx="minor">
-              <a:schemeClr val="tx1"/>
-            </a:fontRef>
-          </p:style>
-        </p:cxnSp>
-        <p:cxnSp>
-          <p:nvCxnSpPr>
-            <p:cNvPr id="97" name="Straight Arrow Connector 96"/>
-            <p:cNvCxnSpPr/>
-            <p:nvPr/>
-          </p:nvCxnSpPr>
-          <p:spPr>
-            <a:xfrm flipH="1" flipV="1">
-              <a:off x="3270737" y="3752849"/>
-              <a:ext cx="388621" cy="1"/>
-            </a:xfrm>
-            <a:prstGeom prst="straightConnector1">
-              <a:avLst/>
-            </a:prstGeom>
-            <a:ln w="12700">
-              <a:tailEnd type="arrow"/>
-            </a:ln>
-          </p:spPr>
-          <p:style>
-            <a:lnRef idx="1">
-              <a:schemeClr val="accent1"/>
-            </a:lnRef>
-            <a:fillRef idx="0">
-              <a:schemeClr val="accent1"/>
-            </a:fillRef>
-            <a:effectRef idx="0">
-              <a:schemeClr val="accent1"/>
-            </a:effectRef>
-            <a:fontRef idx="minor">
-              <a:schemeClr val="tx1"/>
-            </a:fontRef>
-          </p:style>
-        </p:cxnSp>
-        <p:cxnSp>
-          <p:nvCxnSpPr>
-            <p:cNvPr id="100" name="Straight Arrow Connector 99"/>
-            <p:cNvCxnSpPr/>
-            <p:nvPr/>
-          </p:nvCxnSpPr>
-          <p:spPr>
-            <a:xfrm>
-              <a:off x="3271819" y="3187447"/>
-              <a:ext cx="387539" cy="1"/>
-            </a:xfrm>
-            <a:prstGeom prst="straightConnector1">
-              <a:avLst/>
-            </a:prstGeom>
-            <a:ln w="12700">
-              <a:tailEnd type="arrow"/>
-            </a:ln>
-          </p:spPr>
-          <p:style>
-            <a:lnRef idx="1">
-              <a:schemeClr val="accent1"/>
-            </a:lnRef>
-            <a:fillRef idx="0">
-              <a:schemeClr val="accent1"/>
-            </a:fillRef>
-            <a:effectRef idx="0">
-              <a:schemeClr val="accent1"/>
-            </a:effectRef>
-            <a:fontRef idx="minor">
-              <a:schemeClr val="tx1"/>
-            </a:fontRef>
-          </p:style>
-        </p:cxnSp>
+          <p:txBody>
+            <a:bodyPr wrap="none" rtlCol="0">
+              <a:spAutoFit/>
+            </a:bodyPr>
+            <a:lstStyle/>
+            <a:p>
+              <a:pPr algn="ctr"/>
+              <a:r>
+                <a:rPr lang="en-US" sz="1500" dirty="0" smtClean="0"/>
+                <a:t>classic layer without abstraction</a:t>
+              </a:r>
+              <a:endParaRPr lang="en-US" sz="1500" dirty="0"/>
+            </a:p>
+          </p:txBody>
+        </p:sp>
       </p:grpSp>
     </p:spTree>
     <p:extLst>
@@ -19349,6 +20476,1982 @@
   <p:clrMapOvr>
     <a:masterClrMapping/>
   </p:clrMapOvr>
+  <p:timing>
+    <p:tnLst>
+      <p:par>
+        <p:cTn id="1" dur="indefinite" restart="never" nodeType="tmRoot"/>
+      </p:par>
+    </p:tnLst>
+  </p:timing>
+</p:sld>
+</file>
+
+<file path=ppt/slides/slide6.xml><?xml version="1.0" encoding="utf-8"?>
+<p:sld xmlns:a="http://schemas.openxmlformats.org/drawingml/2006/main" xmlns:r="http://schemas.openxmlformats.org/officeDocument/2006/relationships" xmlns:p="http://schemas.openxmlformats.org/presentationml/2006/main">
+  <p:cSld>
+    <p:spTree>
+      <p:nvGrpSpPr>
+        <p:cNvPr id="1" name=""/>
+        <p:cNvGrpSpPr/>
+        <p:nvPr/>
+      </p:nvGrpSpPr>
+      <p:grpSpPr>
+        <a:xfrm>
+          <a:off x="0" y="0"/>
+          <a:ext cx="0" cy="0"/>
+          <a:chOff x="0" y="0"/>
+          <a:chExt cx="0" cy="0"/>
+        </a:xfrm>
+      </p:grpSpPr>
+      <p:grpSp>
+        <p:nvGrpSpPr>
+          <p:cNvPr id="56" name="Group 55"/>
+          <p:cNvGrpSpPr/>
+          <p:nvPr/>
+        </p:nvGrpSpPr>
+        <p:grpSpPr>
+          <a:xfrm>
+            <a:off x="1271098" y="1843367"/>
+            <a:ext cx="6572410" cy="3131820"/>
+            <a:chOff x="1271098" y="1843367"/>
+            <a:chExt cx="6572410" cy="3131820"/>
+          </a:xfrm>
+        </p:grpSpPr>
+        <p:sp>
+          <p:nvSpPr>
+            <p:cNvPr id="25" name="Rectangle 24"/>
+            <p:cNvSpPr/>
+            <p:nvPr/>
+          </p:nvSpPr>
+          <p:spPr>
+            <a:xfrm>
+              <a:off x="2094903" y="3908387"/>
+              <a:ext cx="2385060" cy="1066800"/>
+            </a:xfrm>
+            <a:prstGeom prst="rect">
+              <a:avLst/>
+            </a:prstGeom>
+            <a:noFill/>
+            <a:ln w="28575">
+              <a:solidFill>
+                <a:schemeClr val="tx1"/>
+              </a:solidFill>
+              <a:prstDash val="sysDot"/>
+            </a:ln>
+          </p:spPr>
+          <p:style>
+            <a:lnRef idx="2">
+              <a:schemeClr val="accent1">
+                <a:shade val="50000"/>
+              </a:schemeClr>
+            </a:lnRef>
+            <a:fillRef idx="1">
+              <a:schemeClr val="accent1"/>
+            </a:fillRef>
+            <a:effectRef idx="0">
+              <a:schemeClr val="accent1"/>
+            </a:effectRef>
+            <a:fontRef idx="minor">
+              <a:schemeClr val="lt1"/>
+            </a:fontRef>
+          </p:style>
+          <p:txBody>
+            <a:bodyPr rtlCol="0" anchor="ctr"/>
+            <a:lstStyle/>
+            <a:p>
+              <a:pPr algn="ctr"/>
+              <a:endParaRPr lang="en-US"/>
+            </a:p>
+          </p:txBody>
+        </p:sp>
+        <p:sp>
+          <p:nvSpPr>
+            <p:cNvPr id="130" name="Rectangle 129"/>
+            <p:cNvSpPr/>
+            <p:nvPr/>
+          </p:nvSpPr>
+          <p:spPr>
+            <a:xfrm>
+              <a:off x="4067499" y="1843367"/>
+              <a:ext cx="2462244" cy="1066800"/>
+            </a:xfrm>
+            <a:prstGeom prst="rect">
+              <a:avLst/>
+            </a:prstGeom>
+            <a:noFill/>
+            <a:ln w="28575">
+              <a:solidFill>
+                <a:schemeClr val="tx1"/>
+              </a:solidFill>
+              <a:prstDash val="sysDot"/>
+            </a:ln>
+          </p:spPr>
+          <p:style>
+            <a:lnRef idx="2">
+              <a:schemeClr val="accent1">
+                <a:shade val="50000"/>
+              </a:schemeClr>
+            </a:lnRef>
+            <a:fillRef idx="1">
+              <a:schemeClr val="accent1"/>
+            </a:fillRef>
+            <a:effectRef idx="0">
+              <a:schemeClr val="accent1"/>
+            </a:effectRef>
+            <a:fontRef idx="minor">
+              <a:schemeClr val="lt1"/>
+            </a:fontRef>
+          </p:style>
+          <p:txBody>
+            <a:bodyPr rtlCol="0" anchor="ctr"/>
+            <a:lstStyle/>
+            <a:p>
+              <a:pPr algn="ctr"/>
+              <a:endParaRPr lang="en-US"/>
+            </a:p>
+          </p:txBody>
+        </p:sp>
+        <p:cxnSp>
+          <p:nvCxnSpPr>
+            <p:cNvPr id="27" name="Straight Connector 26"/>
+            <p:cNvCxnSpPr/>
+            <p:nvPr/>
+          </p:nvCxnSpPr>
+          <p:spPr>
+            <a:xfrm>
+              <a:off x="1899063" y="2993987"/>
+              <a:ext cx="5314948" cy="0"/>
+            </a:xfrm>
+            <a:prstGeom prst="line">
+              <a:avLst/>
+            </a:prstGeom>
+            <a:noFill/>
+            <a:ln w="19050">
+              <a:solidFill>
+                <a:schemeClr val="bg1">
+                  <a:lumMod val="65000"/>
+                </a:schemeClr>
+              </a:solidFill>
+              <a:prstDash val="solid"/>
+            </a:ln>
+          </p:spPr>
+          <p:style>
+            <a:lnRef idx="2">
+              <a:schemeClr val="accent1">
+                <a:shade val="50000"/>
+              </a:schemeClr>
+            </a:lnRef>
+            <a:fillRef idx="1">
+              <a:schemeClr val="accent1"/>
+            </a:fillRef>
+            <a:effectRef idx="0">
+              <a:schemeClr val="accent1"/>
+            </a:effectRef>
+            <a:fontRef idx="minor">
+              <a:schemeClr val="lt1"/>
+            </a:fontRef>
+          </p:style>
+        </p:cxnSp>
+        <p:cxnSp>
+          <p:nvCxnSpPr>
+            <p:cNvPr id="137" name="Straight Connector 136"/>
+            <p:cNvCxnSpPr/>
+            <p:nvPr/>
+          </p:nvCxnSpPr>
+          <p:spPr>
+            <a:xfrm>
+              <a:off x="1908213" y="3831234"/>
+              <a:ext cx="5307330" cy="0"/>
+            </a:xfrm>
+            <a:prstGeom prst="line">
+              <a:avLst/>
+            </a:prstGeom>
+            <a:noFill/>
+            <a:ln w="19050">
+              <a:solidFill>
+                <a:schemeClr val="bg1">
+                  <a:lumMod val="65000"/>
+                </a:schemeClr>
+              </a:solidFill>
+              <a:prstDash val="solid"/>
+            </a:ln>
+          </p:spPr>
+          <p:style>
+            <a:lnRef idx="2">
+              <a:schemeClr val="accent1">
+                <a:shade val="50000"/>
+              </a:schemeClr>
+            </a:lnRef>
+            <a:fillRef idx="1">
+              <a:schemeClr val="accent1"/>
+            </a:fillRef>
+            <a:effectRef idx="0">
+              <a:schemeClr val="accent1"/>
+            </a:effectRef>
+            <a:fontRef idx="minor">
+              <a:schemeClr val="lt1"/>
+            </a:fontRef>
+          </p:style>
+        </p:cxnSp>
+        <p:sp>
+          <p:nvSpPr>
+            <p:cNvPr id="29" name="Left Brace 28"/>
+            <p:cNvSpPr/>
+            <p:nvPr/>
+          </p:nvSpPr>
+          <p:spPr>
+            <a:xfrm>
+              <a:off x="1594263" y="2993987"/>
+              <a:ext cx="304800" cy="1981200"/>
+            </a:xfrm>
+            <a:prstGeom prst="leftBrace">
+              <a:avLst>
+                <a:gd name="adj1" fmla="val 31250"/>
+                <a:gd name="adj2" fmla="val 50000"/>
+              </a:avLst>
+            </a:prstGeom>
+            <a:ln w="19050">
+              <a:solidFill>
+                <a:schemeClr val="bg1">
+                  <a:lumMod val="65000"/>
+                </a:schemeClr>
+              </a:solidFill>
+            </a:ln>
+          </p:spPr>
+          <p:style>
+            <a:lnRef idx="1">
+              <a:schemeClr val="accent1"/>
+            </a:lnRef>
+            <a:fillRef idx="0">
+              <a:schemeClr val="accent1"/>
+            </a:fillRef>
+            <a:effectRef idx="0">
+              <a:schemeClr val="accent1"/>
+            </a:effectRef>
+            <a:fontRef idx="minor">
+              <a:schemeClr val="tx1"/>
+            </a:fontRef>
+          </p:style>
+          <p:txBody>
+            <a:bodyPr rtlCol="0" anchor="ctr"/>
+            <a:lstStyle/>
+            <a:p>
+              <a:pPr algn="ctr"/>
+              <a:endParaRPr lang="en-US"/>
+            </a:p>
+          </p:txBody>
+        </p:sp>
+        <p:sp>
+          <p:nvSpPr>
+            <p:cNvPr id="143" name="Left Brace 142"/>
+            <p:cNvSpPr/>
+            <p:nvPr/>
+          </p:nvSpPr>
+          <p:spPr>
+            <a:xfrm rot="10800000">
+              <a:off x="7215543" y="1850034"/>
+              <a:ext cx="304800" cy="1981200"/>
+            </a:xfrm>
+            <a:prstGeom prst="leftBrace">
+              <a:avLst>
+                <a:gd name="adj1" fmla="val 31250"/>
+                <a:gd name="adj2" fmla="val 50000"/>
+              </a:avLst>
+            </a:prstGeom>
+            <a:ln w="19050">
+              <a:solidFill>
+                <a:schemeClr val="bg1">
+                  <a:lumMod val="65000"/>
+                </a:schemeClr>
+              </a:solidFill>
+            </a:ln>
+          </p:spPr>
+          <p:style>
+            <a:lnRef idx="1">
+              <a:schemeClr val="accent1"/>
+            </a:lnRef>
+            <a:fillRef idx="0">
+              <a:schemeClr val="accent1"/>
+            </a:fillRef>
+            <a:effectRef idx="0">
+              <a:schemeClr val="accent1"/>
+            </a:effectRef>
+            <a:fontRef idx="minor">
+              <a:schemeClr val="tx1"/>
+            </a:fontRef>
+          </p:style>
+          <p:txBody>
+            <a:bodyPr rtlCol="0" anchor="ctr"/>
+            <a:lstStyle/>
+            <a:p>
+              <a:pPr algn="ctr"/>
+              <a:endParaRPr lang="en-US"/>
+            </a:p>
+          </p:txBody>
+        </p:sp>
+        <p:sp>
+          <p:nvSpPr>
+            <p:cNvPr id="129" name="TextBox 128"/>
+            <p:cNvSpPr txBox="1"/>
+            <p:nvPr/>
+          </p:nvSpPr>
+          <p:spPr>
+            <a:xfrm>
+              <a:off x="2928373" y="4673786"/>
+              <a:ext cx="716671" cy="293786"/>
+            </a:xfrm>
+            <a:prstGeom prst="rect">
+              <a:avLst/>
+            </a:prstGeom>
+            <a:noFill/>
+          </p:spPr>
+          <p:txBody>
+            <a:bodyPr wrap="none" rtlCol="0">
+              <a:spAutoFit/>
+            </a:bodyPr>
+            <a:lstStyle/>
+            <a:p>
+              <a:pPr algn="ctr"/>
+              <a:r>
+                <a:rPr lang="en-US" sz="1500" dirty="0" smtClean="0"/>
+                <a:t>detach</a:t>
+              </a:r>
+              <a:endParaRPr lang="en-US" sz="1500" dirty="0"/>
+            </a:p>
+          </p:txBody>
+        </p:sp>
+        <p:sp>
+          <p:nvSpPr>
+            <p:cNvPr id="131" name="TextBox 130"/>
+            <p:cNvSpPr txBox="1"/>
+            <p:nvPr/>
+          </p:nvSpPr>
+          <p:spPr>
+            <a:xfrm>
+              <a:off x="4954225" y="1843367"/>
+              <a:ext cx="671530" cy="323165"/>
+            </a:xfrm>
+            <a:prstGeom prst="rect">
+              <a:avLst/>
+            </a:prstGeom>
+            <a:noFill/>
+          </p:spPr>
+          <p:txBody>
+            <a:bodyPr wrap="none" rtlCol="0">
+              <a:spAutoFit/>
+            </a:bodyPr>
+            <a:lstStyle/>
+            <a:p>
+              <a:pPr algn="ctr"/>
+              <a:r>
+                <a:rPr lang="en-US" sz="1500" dirty="0" smtClean="0"/>
+                <a:t>attach</a:t>
+              </a:r>
+              <a:endParaRPr lang="en-US" sz="1500" dirty="0"/>
+            </a:p>
+          </p:txBody>
+        </p:sp>
+        <p:sp>
+          <p:nvSpPr>
+            <p:cNvPr id="42" name="TextBox 41"/>
+            <p:cNvSpPr txBox="1"/>
+            <p:nvPr/>
+          </p:nvSpPr>
+          <p:spPr>
+            <a:xfrm>
+              <a:off x="2354970" y="2491347"/>
+              <a:ext cx="760786" cy="323165"/>
+            </a:xfrm>
+            <a:prstGeom prst="rect">
+              <a:avLst/>
+            </a:prstGeom>
+            <a:noFill/>
+          </p:spPr>
+          <p:txBody>
+            <a:bodyPr wrap="none" rtlCol="0">
+              <a:spAutoFit/>
+            </a:bodyPr>
+            <a:lstStyle/>
+            <a:p>
+              <a:pPr algn="ctr"/>
+              <a:r>
+                <a:rPr lang="en-US" sz="1500" dirty="0" smtClean="0"/>
+                <a:t>replace</a:t>
+              </a:r>
+              <a:endParaRPr lang="en-US" sz="1500" dirty="0"/>
+            </a:p>
+          </p:txBody>
+        </p:sp>
+        <p:sp>
+          <p:nvSpPr>
+            <p:cNvPr id="44" name="TextBox 43"/>
+            <p:cNvSpPr txBox="1"/>
+            <p:nvPr/>
+          </p:nvSpPr>
+          <p:spPr>
+            <a:xfrm>
+              <a:off x="6198041" y="3996982"/>
+              <a:ext cx="760786" cy="323165"/>
+            </a:xfrm>
+            <a:prstGeom prst="rect">
+              <a:avLst/>
+            </a:prstGeom>
+            <a:noFill/>
+          </p:spPr>
+          <p:txBody>
+            <a:bodyPr wrap="none" rtlCol="0">
+              <a:spAutoFit/>
+            </a:bodyPr>
+            <a:lstStyle/>
+            <a:p>
+              <a:pPr algn="ctr"/>
+              <a:r>
+                <a:rPr lang="en-US" sz="1500" dirty="0" smtClean="0"/>
+                <a:t>replace</a:t>
+              </a:r>
+              <a:endParaRPr lang="en-US" sz="1500" dirty="0"/>
+            </a:p>
+          </p:txBody>
+        </p:sp>
+        <p:sp>
+          <p:nvSpPr>
+            <p:cNvPr id="51" name="TextBox 50"/>
+            <p:cNvSpPr txBox="1"/>
+            <p:nvPr/>
+          </p:nvSpPr>
+          <p:spPr>
+            <a:xfrm rot="5400000">
+              <a:off x="7076888" y="2679052"/>
+              <a:ext cx="1210076" cy="323165"/>
+            </a:xfrm>
+            <a:prstGeom prst="rect">
+              <a:avLst/>
+            </a:prstGeom>
+            <a:noFill/>
+          </p:spPr>
+          <p:txBody>
+            <a:bodyPr wrap="none" rtlCol="0">
+              <a:spAutoFit/>
+            </a:bodyPr>
+            <a:lstStyle/>
+            <a:p>
+              <a:pPr algn="ctr"/>
+              <a:r>
+                <a:rPr lang="en-US" sz="1500" dirty="0"/>
+                <a:t>r</a:t>
+              </a:r>
+              <a:r>
+                <a:rPr lang="en-US" sz="1500" dirty="0" smtClean="0"/>
+                <a:t>ecurrent NN</a:t>
+              </a:r>
+              <a:endParaRPr lang="en-US" sz="1500" dirty="0"/>
+            </a:p>
+          </p:txBody>
+        </p:sp>
+        <p:sp>
+          <p:nvSpPr>
+            <p:cNvPr id="52" name="TextBox 51"/>
+            <p:cNvSpPr txBox="1"/>
+            <p:nvPr/>
+          </p:nvSpPr>
+          <p:spPr>
+            <a:xfrm rot="16200000">
+              <a:off x="926548" y="3823004"/>
+              <a:ext cx="1012265" cy="323165"/>
+            </a:xfrm>
+            <a:prstGeom prst="rect">
+              <a:avLst/>
+            </a:prstGeom>
+            <a:noFill/>
+          </p:spPr>
+          <p:txBody>
+            <a:bodyPr wrap="none" rtlCol="0">
+              <a:spAutoFit/>
+            </a:bodyPr>
+            <a:lstStyle/>
+            <a:p>
+              <a:pPr algn="ctr"/>
+              <a:r>
+                <a:rPr lang="en-US" sz="1500" dirty="0"/>
+                <a:t>1</a:t>
+              </a:r>
+              <a:r>
+                <a:rPr lang="en-US" sz="1500" dirty="0" smtClean="0"/>
+                <a:t>-layer NN</a:t>
+              </a:r>
+              <a:endParaRPr lang="en-US" sz="1500" dirty="0"/>
+            </a:p>
+          </p:txBody>
+        </p:sp>
+        <p:sp>
+          <p:nvSpPr>
+            <p:cNvPr id="20" name="Rectangle 19"/>
+            <p:cNvSpPr/>
+            <p:nvPr/>
+          </p:nvSpPr>
+          <p:spPr>
+            <a:xfrm>
+              <a:off x="4140523" y="2152397"/>
+              <a:ext cx="941075" cy="677900"/>
+            </a:xfrm>
+            <a:prstGeom prst="rect">
+              <a:avLst/>
+            </a:prstGeom>
+            <a:solidFill>
+              <a:srgbClr val="F79646">
+                <a:alpha val="20000"/>
+              </a:srgbClr>
+            </a:solidFill>
+            <a:ln>
+              <a:solidFill>
+                <a:srgbClr val="F79646"/>
+              </a:solidFill>
+            </a:ln>
+          </p:spPr>
+          <p:style>
+            <a:lnRef idx="2">
+              <a:schemeClr val="accent6">
+                <a:shade val="50000"/>
+              </a:schemeClr>
+            </a:lnRef>
+            <a:fillRef idx="1">
+              <a:schemeClr val="accent6"/>
+            </a:fillRef>
+            <a:effectRef idx="0">
+              <a:schemeClr val="accent6"/>
+            </a:effectRef>
+            <a:fontRef idx="minor">
+              <a:schemeClr val="lt1"/>
+            </a:fontRef>
+          </p:style>
+          <p:txBody>
+            <a:bodyPr rtlCol="0" anchor="ctr"/>
+            <a:lstStyle/>
+            <a:p>
+              <a:pPr algn="ctr"/>
+              <a:r>
+                <a:rPr lang="en-US" sz="1400" dirty="0">
+                  <a:solidFill>
+                    <a:schemeClr val="tx1"/>
+                  </a:solidFill>
+                </a:rPr>
+                <a:t>n</a:t>
+              </a:r>
+              <a:r>
+                <a:rPr lang="en-US" sz="1400" dirty="0" smtClean="0">
+                  <a:solidFill>
+                    <a:schemeClr val="tx1"/>
+                  </a:solidFill>
+                </a:rPr>
+                <a:t>euron</a:t>
+              </a:r>
+              <a:br>
+                <a:rPr lang="en-US" sz="1400" dirty="0" smtClean="0">
+                  <a:solidFill>
+                    <a:schemeClr val="tx1"/>
+                  </a:solidFill>
+                </a:rPr>
+              </a:br>
+              <a:r>
+                <a:rPr lang="en-US" sz="1400" dirty="0" smtClean="0">
+                  <a:solidFill>
+                    <a:schemeClr val="tx1"/>
+                  </a:solidFill>
+                </a:rPr>
+                <a:t>abs-layer</a:t>
+              </a:r>
+              <a:br>
+                <a:rPr lang="en-US" sz="1400" dirty="0" smtClean="0">
+                  <a:solidFill>
+                    <a:schemeClr val="tx1"/>
+                  </a:solidFill>
+                </a:rPr>
+              </a:br>
+              <a:endParaRPr lang="en-US" sz="1400" dirty="0">
+                <a:solidFill>
+                  <a:schemeClr val="tx1"/>
+                </a:solidFill>
+              </a:endParaRPr>
+            </a:p>
+          </p:txBody>
+        </p:sp>
+        <p:sp>
+          <p:nvSpPr>
+            <p:cNvPr id="58" name="Rectangle 57"/>
+            <p:cNvSpPr/>
+            <p:nvPr/>
+          </p:nvSpPr>
+          <p:spPr>
+            <a:xfrm>
+              <a:off x="4140522" y="2590800"/>
+              <a:ext cx="941075" cy="239497"/>
+            </a:xfrm>
+            <a:prstGeom prst="rect">
+              <a:avLst/>
+            </a:prstGeom>
+            <a:noFill/>
+            <a:ln>
+              <a:solidFill>
+                <a:srgbClr val="F79646"/>
+              </a:solidFill>
+            </a:ln>
+          </p:spPr>
+          <p:style>
+            <a:lnRef idx="2">
+              <a:schemeClr val="accent6">
+                <a:shade val="50000"/>
+              </a:schemeClr>
+            </a:lnRef>
+            <a:fillRef idx="1">
+              <a:schemeClr val="accent6"/>
+            </a:fillRef>
+            <a:effectRef idx="0">
+              <a:schemeClr val="accent6"/>
+            </a:effectRef>
+            <a:fontRef idx="minor">
+              <a:schemeClr val="lt1"/>
+            </a:fontRef>
+          </p:style>
+          <p:txBody>
+            <a:bodyPr rtlCol="0" anchor="ctr"/>
+            <a:lstStyle/>
+            <a:p>
+              <a:pPr algn="ctr"/>
+              <a:r>
+                <a:rPr lang="en-US" sz="1400" dirty="0" smtClean="0">
+                  <a:solidFill>
+                    <a:srgbClr val="FF0000"/>
+                  </a:solidFill>
+                </a:rPr>
+                <a:t>linear</a:t>
+              </a:r>
+              <a:endParaRPr lang="en-US" sz="1400" dirty="0">
+                <a:solidFill>
+                  <a:srgbClr val="FF0000"/>
+                </a:solidFill>
+              </a:endParaRPr>
+            </a:p>
+          </p:txBody>
+        </p:sp>
+        <p:sp>
+          <p:nvSpPr>
+            <p:cNvPr id="61" name="Rectangle 60"/>
+            <p:cNvSpPr/>
+            <p:nvPr/>
+          </p:nvSpPr>
+          <p:spPr>
+            <a:xfrm>
+              <a:off x="5510332" y="2152397"/>
+              <a:ext cx="941075" cy="677900"/>
+            </a:xfrm>
+            <a:prstGeom prst="rect">
+              <a:avLst/>
+            </a:prstGeom>
+            <a:solidFill>
+              <a:srgbClr val="F79646">
+                <a:alpha val="20000"/>
+              </a:srgbClr>
+            </a:solidFill>
+            <a:ln>
+              <a:solidFill>
+                <a:srgbClr val="F79646"/>
+              </a:solidFill>
+            </a:ln>
+          </p:spPr>
+          <p:style>
+            <a:lnRef idx="2">
+              <a:schemeClr val="accent6">
+                <a:shade val="50000"/>
+              </a:schemeClr>
+            </a:lnRef>
+            <a:fillRef idx="1">
+              <a:schemeClr val="accent6"/>
+            </a:fillRef>
+            <a:effectRef idx="0">
+              <a:schemeClr val="accent6"/>
+            </a:effectRef>
+            <a:fontRef idx="minor">
+              <a:schemeClr val="lt1"/>
+            </a:fontRef>
+          </p:style>
+          <p:txBody>
+            <a:bodyPr rtlCol="0" anchor="ctr"/>
+            <a:lstStyle/>
+            <a:p>
+              <a:pPr algn="ctr"/>
+              <a:r>
+                <a:rPr lang="en-US" sz="1400" dirty="0" smtClean="0">
+                  <a:solidFill>
+                    <a:schemeClr val="tx1"/>
+                  </a:solidFill>
+                </a:rPr>
+                <a:t>weight</a:t>
+              </a:r>
+              <a:br>
+                <a:rPr lang="en-US" sz="1400" dirty="0" smtClean="0">
+                  <a:solidFill>
+                    <a:schemeClr val="tx1"/>
+                  </a:solidFill>
+                </a:rPr>
+              </a:br>
+              <a:r>
+                <a:rPr lang="en-US" sz="1400" dirty="0" smtClean="0">
+                  <a:solidFill>
+                    <a:schemeClr val="tx1"/>
+                  </a:solidFill>
+                </a:rPr>
+                <a:t>abs-layer</a:t>
+              </a:r>
+              <a:br>
+                <a:rPr lang="en-US" sz="1400" dirty="0" smtClean="0">
+                  <a:solidFill>
+                    <a:schemeClr val="tx1"/>
+                  </a:solidFill>
+                </a:rPr>
+              </a:br>
+              <a:endParaRPr lang="en-US" sz="1400" dirty="0">
+                <a:solidFill>
+                  <a:schemeClr val="tx1"/>
+                </a:solidFill>
+              </a:endParaRPr>
+            </a:p>
+          </p:txBody>
+        </p:sp>
+        <p:sp>
+          <p:nvSpPr>
+            <p:cNvPr id="62" name="Rectangle 61"/>
+            <p:cNvSpPr/>
+            <p:nvPr/>
+          </p:nvSpPr>
+          <p:spPr>
+            <a:xfrm>
+              <a:off x="5510332" y="2590800"/>
+              <a:ext cx="941076" cy="239497"/>
+            </a:xfrm>
+            <a:prstGeom prst="rect">
+              <a:avLst/>
+            </a:prstGeom>
+            <a:noFill/>
+            <a:ln>
+              <a:solidFill>
+                <a:srgbClr val="F79646"/>
+              </a:solidFill>
+            </a:ln>
+          </p:spPr>
+          <p:style>
+            <a:lnRef idx="2">
+              <a:schemeClr val="accent6">
+                <a:shade val="50000"/>
+              </a:schemeClr>
+            </a:lnRef>
+            <a:fillRef idx="1">
+              <a:schemeClr val="accent6"/>
+            </a:fillRef>
+            <a:effectRef idx="0">
+              <a:schemeClr val="accent6"/>
+            </a:effectRef>
+            <a:fontRef idx="minor">
+              <a:schemeClr val="lt1"/>
+            </a:fontRef>
+          </p:style>
+          <p:txBody>
+            <a:bodyPr rtlCol="0" anchor="ctr"/>
+            <a:lstStyle/>
+            <a:p>
+              <a:pPr algn="ctr"/>
+              <a:r>
+                <a:rPr lang="en-US" sz="1400" dirty="0" smtClean="0">
+                  <a:solidFill>
+                    <a:srgbClr val="FF0000"/>
+                  </a:solidFill>
+                </a:rPr>
+                <a:t>LM</a:t>
+              </a:r>
+              <a:endParaRPr lang="en-US" sz="1400" dirty="0">
+                <a:solidFill>
+                  <a:srgbClr val="FF0000"/>
+                </a:solidFill>
+              </a:endParaRPr>
+            </a:p>
+          </p:txBody>
+        </p:sp>
+        <p:sp>
+          <p:nvSpPr>
+            <p:cNvPr id="64" name="Rectangle 63"/>
+            <p:cNvSpPr/>
+            <p:nvPr/>
+          </p:nvSpPr>
+          <p:spPr>
+            <a:xfrm>
+              <a:off x="2174680" y="2251850"/>
+              <a:ext cx="941076" cy="239497"/>
+            </a:xfrm>
+            <a:prstGeom prst="rect">
+              <a:avLst/>
+            </a:prstGeom>
+            <a:solidFill>
+              <a:srgbClr val="F79646">
+                <a:alpha val="20000"/>
+              </a:srgbClr>
+            </a:solidFill>
+            <a:ln>
+              <a:solidFill>
+                <a:srgbClr val="F79646"/>
+              </a:solidFill>
+            </a:ln>
+          </p:spPr>
+          <p:style>
+            <a:lnRef idx="2">
+              <a:schemeClr val="accent6">
+                <a:shade val="50000"/>
+              </a:schemeClr>
+            </a:lnRef>
+            <a:fillRef idx="1">
+              <a:schemeClr val="accent6"/>
+            </a:fillRef>
+            <a:effectRef idx="0">
+              <a:schemeClr val="accent6"/>
+            </a:effectRef>
+            <a:fontRef idx="minor">
+              <a:schemeClr val="lt1"/>
+            </a:fontRef>
+          </p:style>
+          <p:txBody>
+            <a:bodyPr rtlCol="0" anchor="ctr"/>
+            <a:lstStyle/>
+            <a:p>
+              <a:pPr algn="ctr"/>
+              <a:r>
+                <a:rPr lang="en-US" sz="1400" dirty="0">
+                  <a:solidFill>
+                    <a:srgbClr val="FF0000"/>
+                  </a:solidFill>
+                </a:rPr>
+                <a:t>LM</a:t>
+              </a:r>
+            </a:p>
+          </p:txBody>
+        </p:sp>
+        <p:sp>
+          <p:nvSpPr>
+            <p:cNvPr id="65" name="Rectangle 64"/>
+            <p:cNvSpPr/>
+            <p:nvPr/>
+          </p:nvSpPr>
+          <p:spPr>
+            <a:xfrm>
+              <a:off x="6198042" y="4320147"/>
+              <a:ext cx="941075" cy="239497"/>
+            </a:xfrm>
+            <a:prstGeom prst="rect">
+              <a:avLst/>
+            </a:prstGeom>
+            <a:solidFill>
+              <a:srgbClr val="F79646">
+                <a:alpha val="20000"/>
+              </a:srgbClr>
+            </a:solidFill>
+            <a:ln>
+              <a:solidFill>
+                <a:srgbClr val="F79646"/>
+              </a:solidFill>
+            </a:ln>
+          </p:spPr>
+          <p:style>
+            <a:lnRef idx="2">
+              <a:schemeClr val="accent6">
+                <a:shade val="50000"/>
+              </a:schemeClr>
+            </a:lnRef>
+            <a:fillRef idx="1">
+              <a:schemeClr val="accent6"/>
+            </a:fillRef>
+            <a:effectRef idx="0">
+              <a:schemeClr val="accent6"/>
+            </a:effectRef>
+            <a:fontRef idx="minor">
+              <a:schemeClr val="lt1"/>
+            </a:fontRef>
+          </p:style>
+          <p:txBody>
+            <a:bodyPr rtlCol="0" anchor="ctr"/>
+            <a:lstStyle/>
+            <a:p>
+              <a:pPr algn="ctr"/>
+              <a:r>
+                <a:rPr lang="en-US" sz="1400" dirty="0">
+                  <a:solidFill>
+                    <a:srgbClr val="FF0000"/>
+                  </a:solidFill>
+                </a:rPr>
+                <a:t>linear</a:t>
+              </a:r>
+            </a:p>
+          </p:txBody>
+        </p:sp>
+        <p:sp>
+          <p:nvSpPr>
+            <p:cNvPr id="66" name="Rectangle 65"/>
+            <p:cNvSpPr/>
+            <p:nvPr/>
+          </p:nvSpPr>
+          <p:spPr>
+            <a:xfrm>
+              <a:off x="2174443" y="3066797"/>
+              <a:ext cx="941075" cy="677900"/>
+            </a:xfrm>
+            <a:prstGeom prst="rect">
+              <a:avLst/>
+            </a:prstGeom>
+            <a:solidFill>
+              <a:srgbClr val="F79646">
+                <a:alpha val="20000"/>
+              </a:srgbClr>
+            </a:solidFill>
+            <a:ln>
+              <a:solidFill>
+                <a:srgbClr val="F79646"/>
+              </a:solidFill>
+            </a:ln>
+          </p:spPr>
+          <p:style>
+            <a:lnRef idx="2">
+              <a:schemeClr val="accent6">
+                <a:shade val="50000"/>
+              </a:schemeClr>
+            </a:lnRef>
+            <a:fillRef idx="1">
+              <a:schemeClr val="accent6"/>
+            </a:fillRef>
+            <a:effectRef idx="0">
+              <a:schemeClr val="accent6"/>
+            </a:effectRef>
+            <a:fontRef idx="minor">
+              <a:schemeClr val="lt1"/>
+            </a:fontRef>
+          </p:style>
+          <p:txBody>
+            <a:bodyPr rtlCol="0" anchor="ctr"/>
+            <a:lstStyle/>
+            <a:p>
+              <a:pPr algn="ctr"/>
+              <a:r>
+                <a:rPr lang="en-US" sz="1400" dirty="0" smtClean="0">
+                  <a:solidFill>
+                    <a:schemeClr val="tx1"/>
+                  </a:solidFill>
+                </a:rPr>
+                <a:t>input</a:t>
+              </a:r>
+              <a:br>
+                <a:rPr lang="en-US" sz="1400" dirty="0" smtClean="0">
+                  <a:solidFill>
+                    <a:schemeClr val="tx1"/>
+                  </a:solidFill>
+                </a:rPr>
+              </a:br>
+              <a:r>
+                <a:rPr lang="en-US" sz="1400" dirty="0" smtClean="0">
+                  <a:solidFill>
+                    <a:schemeClr val="tx1"/>
+                  </a:solidFill>
+                </a:rPr>
+                <a:t>abs-layer</a:t>
+              </a:r>
+              <a:endParaRPr lang="en-US" sz="1400" dirty="0">
+                <a:solidFill>
+                  <a:schemeClr val="tx1"/>
+                </a:solidFill>
+              </a:endParaRPr>
+            </a:p>
+          </p:txBody>
+        </p:sp>
+        <p:sp>
+          <p:nvSpPr>
+            <p:cNvPr id="68" name="Rectangle 67"/>
+            <p:cNvSpPr/>
+            <p:nvPr/>
+          </p:nvSpPr>
+          <p:spPr>
+            <a:xfrm>
+              <a:off x="3457663" y="3066404"/>
+              <a:ext cx="941075" cy="677900"/>
+            </a:xfrm>
+            <a:prstGeom prst="rect">
+              <a:avLst/>
+            </a:prstGeom>
+            <a:solidFill>
+              <a:srgbClr val="F79646">
+                <a:alpha val="20000"/>
+              </a:srgbClr>
+            </a:solidFill>
+            <a:ln>
+              <a:solidFill>
+                <a:srgbClr val="F79646"/>
+              </a:solidFill>
+            </a:ln>
+          </p:spPr>
+          <p:style>
+            <a:lnRef idx="2">
+              <a:schemeClr val="accent6">
+                <a:shade val="50000"/>
+              </a:schemeClr>
+            </a:lnRef>
+            <a:fillRef idx="1">
+              <a:schemeClr val="accent6"/>
+            </a:fillRef>
+            <a:effectRef idx="0">
+              <a:schemeClr val="accent6"/>
+            </a:effectRef>
+            <a:fontRef idx="minor">
+              <a:schemeClr val="lt1"/>
+            </a:fontRef>
+          </p:style>
+          <p:txBody>
+            <a:bodyPr rtlCol="0" anchor="ctr"/>
+            <a:lstStyle/>
+            <a:p>
+              <a:pPr algn="ctr"/>
+              <a:r>
+                <a:rPr lang="en-US" sz="1400" dirty="0" smtClean="0">
+                  <a:solidFill>
+                    <a:schemeClr val="tx1"/>
+                  </a:solidFill>
+                </a:rPr>
+                <a:t/>
+              </a:r>
+              <a:br>
+                <a:rPr lang="en-US" sz="1400" dirty="0" smtClean="0">
+                  <a:solidFill>
+                    <a:schemeClr val="tx1"/>
+                  </a:solidFill>
+                </a:rPr>
+              </a:br>
+              <a:r>
+                <a:rPr lang="en-US" sz="1400" dirty="0" smtClean="0">
+                  <a:solidFill>
+                    <a:schemeClr val="tx1"/>
+                  </a:solidFill>
+                </a:rPr>
+                <a:t>weight</a:t>
+              </a:r>
+              <a:br>
+                <a:rPr lang="en-US" sz="1400" dirty="0" smtClean="0">
+                  <a:solidFill>
+                    <a:schemeClr val="tx1"/>
+                  </a:solidFill>
+                </a:rPr>
+              </a:br>
+              <a:r>
+                <a:rPr lang="en-US" sz="1400" dirty="0" smtClean="0">
+                  <a:solidFill>
+                    <a:schemeClr val="tx1"/>
+                  </a:solidFill>
+                </a:rPr>
+                <a:t>abs-layer</a:t>
+              </a:r>
+              <a:endParaRPr lang="en-US" sz="1400" dirty="0">
+                <a:solidFill>
+                  <a:schemeClr val="tx1"/>
+                </a:solidFill>
+              </a:endParaRPr>
+            </a:p>
+          </p:txBody>
+        </p:sp>
+        <p:sp>
+          <p:nvSpPr>
+            <p:cNvPr id="69" name="Rectangle 68"/>
+            <p:cNvSpPr/>
+            <p:nvPr/>
+          </p:nvSpPr>
+          <p:spPr>
+            <a:xfrm>
+              <a:off x="3457661" y="3066404"/>
+              <a:ext cx="941076" cy="239497"/>
+            </a:xfrm>
+            <a:prstGeom prst="rect">
+              <a:avLst/>
+            </a:prstGeom>
+            <a:noFill/>
+            <a:ln>
+              <a:solidFill>
+                <a:srgbClr val="F79646"/>
+              </a:solidFill>
+            </a:ln>
+          </p:spPr>
+          <p:style>
+            <a:lnRef idx="2">
+              <a:schemeClr val="accent6">
+                <a:shade val="50000"/>
+              </a:schemeClr>
+            </a:lnRef>
+            <a:fillRef idx="1">
+              <a:schemeClr val="accent6"/>
+            </a:fillRef>
+            <a:effectRef idx="0">
+              <a:schemeClr val="accent6"/>
+            </a:effectRef>
+            <a:fontRef idx="minor">
+              <a:schemeClr val="lt1"/>
+            </a:fontRef>
+          </p:style>
+          <p:txBody>
+            <a:bodyPr rtlCol="0" anchor="ctr"/>
+            <a:lstStyle/>
+            <a:p>
+              <a:pPr algn="ctr"/>
+              <a:r>
+                <a:rPr lang="en-US" sz="1400" dirty="0" smtClean="0">
+                  <a:solidFill>
+                    <a:srgbClr val="FF0000"/>
+                  </a:solidFill>
+                </a:rPr>
+                <a:t>BP</a:t>
+              </a:r>
+              <a:endParaRPr lang="en-US" sz="1400" dirty="0">
+                <a:solidFill>
+                  <a:srgbClr val="FF0000"/>
+                </a:solidFill>
+              </a:endParaRPr>
+            </a:p>
+          </p:txBody>
+        </p:sp>
+        <p:sp>
+          <p:nvSpPr>
+            <p:cNvPr id="70" name="Rectangle 69"/>
+            <p:cNvSpPr/>
+            <p:nvPr/>
+          </p:nvSpPr>
+          <p:spPr>
+            <a:xfrm>
+              <a:off x="4819452" y="3066797"/>
+              <a:ext cx="941075" cy="677900"/>
+            </a:xfrm>
+            <a:prstGeom prst="rect">
+              <a:avLst/>
+            </a:prstGeom>
+            <a:solidFill>
+              <a:srgbClr val="F79646">
+                <a:alpha val="20000"/>
+              </a:srgbClr>
+            </a:solidFill>
+            <a:ln>
+              <a:solidFill>
+                <a:srgbClr val="F79646"/>
+              </a:solidFill>
+            </a:ln>
+          </p:spPr>
+          <p:style>
+            <a:lnRef idx="2">
+              <a:schemeClr val="accent6">
+                <a:shade val="50000"/>
+              </a:schemeClr>
+            </a:lnRef>
+            <a:fillRef idx="1">
+              <a:schemeClr val="accent6"/>
+            </a:fillRef>
+            <a:effectRef idx="0">
+              <a:schemeClr val="accent6"/>
+            </a:effectRef>
+            <a:fontRef idx="minor">
+              <a:schemeClr val="lt1"/>
+            </a:fontRef>
+          </p:style>
+          <p:txBody>
+            <a:bodyPr rtlCol="0" anchor="ctr"/>
+            <a:lstStyle/>
+            <a:p>
+              <a:pPr algn="ctr"/>
+              <a:r>
+                <a:rPr lang="en-US" sz="1400" dirty="0">
+                  <a:solidFill>
+                    <a:schemeClr val="tx1"/>
+                  </a:solidFill>
+                </a:rPr>
+                <a:t>n</a:t>
+              </a:r>
+              <a:r>
+                <a:rPr lang="en-US" sz="1400" dirty="0" smtClean="0">
+                  <a:solidFill>
+                    <a:schemeClr val="tx1"/>
+                  </a:solidFill>
+                </a:rPr>
+                <a:t>euron</a:t>
+              </a:r>
+              <a:br>
+                <a:rPr lang="en-US" sz="1400" dirty="0" smtClean="0">
+                  <a:solidFill>
+                    <a:schemeClr val="tx1"/>
+                  </a:solidFill>
+                </a:rPr>
+              </a:br>
+              <a:r>
+                <a:rPr lang="en-US" sz="1400" dirty="0" smtClean="0">
+                  <a:solidFill>
+                    <a:schemeClr val="tx1"/>
+                  </a:solidFill>
+                </a:rPr>
+                <a:t>abs-layer</a:t>
+              </a:r>
+              <a:br>
+                <a:rPr lang="en-US" sz="1400" dirty="0" smtClean="0">
+                  <a:solidFill>
+                    <a:schemeClr val="tx1"/>
+                  </a:solidFill>
+                </a:rPr>
+              </a:br>
+              <a:endParaRPr lang="en-US" sz="1400" dirty="0">
+                <a:solidFill>
+                  <a:schemeClr val="tx1"/>
+                </a:solidFill>
+              </a:endParaRPr>
+            </a:p>
+          </p:txBody>
+        </p:sp>
+        <p:sp>
+          <p:nvSpPr>
+            <p:cNvPr id="71" name="Rectangle 70"/>
+            <p:cNvSpPr/>
+            <p:nvPr/>
+          </p:nvSpPr>
+          <p:spPr>
+            <a:xfrm>
+              <a:off x="4819451" y="3505200"/>
+              <a:ext cx="941075" cy="239497"/>
+            </a:xfrm>
+            <a:prstGeom prst="rect">
+              <a:avLst/>
+            </a:prstGeom>
+            <a:noFill/>
+            <a:ln>
+              <a:solidFill>
+                <a:srgbClr val="F79646"/>
+              </a:solidFill>
+            </a:ln>
+          </p:spPr>
+          <p:style>
+            <a:lnRef idx="2">
+              <a:schemeClr val="accent6">
+                <a:shade val="50000"/>
+              </a:schemeClr>
+            </a:lnRef>
+            <a:fillRef idx="1">
+              <a:schemeClr val="accent6"/>
+            </a:fillRef>
+            <a:effectRef idx="0">
+              <a:schemeClr val="accent6"/>
+            </a:effectRef>
+            <a:fontRef idx="minor">
+              <a:schemeClr val="lt1"/>
+            </a:fontRef>
+          </p:style>
+          <p:txBody>
+            <a:bodyPr rtlCol="0" anchor="ctr"/>
+            <a:lstStyle/>
+            <a:p>
+              <a:pPr algn="ctr"/>
+              <a:r>
+                <a:rPr lang="en-US" sz="1400" dirty="0">
+                  <a:solidFill>
+                    <a:srgbClr val="FF0000"/>
+                  </a:solidFill>
+                </a:rPr>
+                <a:t>l</a:t>
+              </a:r>
+              <a:r>
+                <a:rPr lang="en-US" sz="1400" dirty="0" smtClean="0">
+                  <a:solidFill>
+                    <a:srgbClr val="FF0000"/>
+                  </a:solidFill>
+                </a:rPr>
+                <a:t>og-sig</a:t>
+              </a:r>
+              <a:endParaRPr lang="en-US" sz="1400" dirty="0">
+                <a:solidFill>
+                  <a:srgbClr val="FF0000"/>
+                </a:solidFill>
+              </a:endParaRPr>
+            </a:p>
+          </p:txBody>
+        </p:sp>
+        <p:sp>
+          <p:nvSpPr>
+            <p:cNvPr id="73" name="Rectangle 72"/>
+            <p:cNvSpPr/>
+            <p:nvPr/>
+          </p:nvSpPr>
+          <p:spPr>
+            <a:xfrm>
+              <a:off x="6198042" y="3066404"/>
+              <a:ext cx="941075" cy="677900"/>
+            </a:xfrm>
+            <a:prstGeom prst="rect">
+              <a:avLst/>
+            </a:prstGeom>
+            <a:solidFill>
+              <a:srgbClr val="F79646">
+                <a:alpha val="20000"/>
+              </a:srgbClr>
+            </a:solidFill>
+            <a:ln>
+              <a:solidFill>
+                <a:srgbClr val="F79646"/>
+              </a:solidFill>
+            </a:ln>
+          </p:spPr>
+          <p:style>
+            <a:lnRef idx="2">
+              <a:schemeClr val="accent6">
+                <a:shade val="50000"/>
+              </a:schemeClr>
+            </a:lnRef>
+            <a:fillRef idx="1">
+              <a:schemeClr val="accent6"/>
+            </a:fillRef>
+            <a:effectRef idx="0">
+              <a:schemeClr val="accent6"/>
+            </a:effectRef>
+            <a:fontRef idx="minor">
+              <a:schemeClr val="lt1"/>
+            </a:fontRef>
+          </p:style>
+          <p:txBody>
+            <a:bodyPr rtlCol="0" anchor="ctr"/>
+            <a:lstStyle/>
+            <a:p>
+              <a:pPr algn="ctr"/>
+              <a:r>
+                <a:rPr lang="en-US" sz="1400" dirty="0" smtClean="0">
+                  <a:solidFill>
+                    <a:schemeClr val="tx1"/>
+                  </a:solidFill>
+                </a:rPr>
+                <a:t>target</a:t>
+              </a:r>
+              <a:br>
+                <a:rPr lang="en-US" sz="1400" dirty="0" smtClean="0">
+                  <a:solidFill>
+                    <a:schemeClr val="tx1"/>
+                  </a:solidFill>
+                </a:rPr>
+              </a:br>
+              <a:r>
+                <a:rPr lang="en-US" sz="1400" dirty="0" smtClean="0">
+                  <a:solidFill>
+                    <a:schemeClr val="tx1"/>
+                  </a:solidFill>
+                </a:rPr>
+                <a:t>abs-layer</a:t>
+              </a:r>
+              <a:endParaRPr lang="en-US" sz="1400" dirty="0">
+                <a:solidFill>
+                  <a:schemeClr val="tx1"/>
+                </a:solidFill>
+              </a:endParaRPr>
+            </a:p>
+          </p:txBody>
+        </p:sp>
+        <p:sp>
+          <p:nvSpPr>
+            <p:cNvPr id="75" name="Rectangle 74"/>
+            <p:cNvSpPr/>
+            <p:nvPr/>
+          </p:nvSpPr>
+          <p:spPr>
+            <a:xfrm>
+              <a:off x="2174442" y="3981197"/>
+              <a:ext cx="941075" cy="677900"/>
+            </a:xfrm>
+            <a:prstGeom prst="rect">
+              <a:avLst/>
+            </a:prstGeom>
+            <a:solidFill>
+              <a:srgbClr val="F79646">
+                <a:alpha val="20000"/>
+              </a:srgbClr>
+            </a:solidFill>
+            <a:ln>
+              <a:solidFill>
+                <a:srgbClr val="F79646"/>
+              </a:solidFill>
+            </a:ln>
+          </p:spPr>
+          <p:style>
+            <a:lnRef idx="2">
+              <a:schemeClr val="accent6">
+                <a:shade val="50000"/>
+              </a:schemeClr>
+            </a:lnRef>
+            <a:fillRef idx="1">
+              <a:schemeClr val="accent6"/>
+            </a:fillRef>
+            <a:effectRef idx="0">
+              <a:schemeClr val="accent6"/>
+            </a:effectRef>
+            <a:fontRef idx="minor">
+              <a:schemeClr val="lt1"/>
+            </a:fontRef>
+          </p:style>
+          <p:txBody>
+            <a:bodyPr rtlCol="0" anchor="ctr"/>
+            <a:lstStyle/>
+            <a:p>
+              <a:pPr algn="ctr"/>
+              <a:r>
+                <a:rPr lang="en-US" sz="1400" dirty="0" smtClean="0">
+                  <a:solidFill>
+                    <a:schemeClr val="tx1"/>
+                  </a:solidFill>
+                </a:rPr>
+                <a:t>bias</a:t>
+              </a:r>
+              <a:br>
+                <a:rPr lang="en-US" sz="1400" dirty="0" smtClean="0">
+                  <a:solidFill>
+                    <a:schemeClr val="tx1"/>
+                  </a:solidFill>
+                </a:rPr>
+              </a:br>
+              <a:r>
+                <a:rPr lang="en-US" sz="1400" dirty="0" smtClean="0">
+                  <a:solidFill>
+                    <a:schemeClr val="tx1"/>
+                  </a:solidFill>
+                </a:rPr>
+                <a:t>abs-layer</a:t>
+              </a:r>
+              <a:endParaRPr lang="en-US" sz="1400" dirty="0">
+                <a:solidFill>
+                  <a:schemeClr val="tx1"/>
+                </a:solidFill>
+              </a:endParaRPr>
+            </a:p>
+          </p:txBody>
+        </p:sp>
+        <p:sp>
+          <p:nvSpPr>
+            <p:cNvPr id="76" name="Rectangle 75"/>
+            <p:cNvSpPr/>
+            <p:nvPr/>
+          </p:nvSpPr>
+          <p:spPr>
+            <a:xfrm>
+              <a:off x="3457662" y="3981197"/>
+              <a:ext cx="941075" cy="677900"/>
+            </a:xfrm>
+            <a:prstGeom prst="rect">
+              <a:avLst/>
+            </a:prstGeom>
+            <a:solidFill>
+              <a:srgbClr val="F79646">
+                <a:alpha val="20000"/>
+              </a:srgbClr>
+            </a:solidFill>
+            <a:ln>
+              <a:solidFill>
+                <a:srgbClr val="F79646"/>
+              </a:solidFill>
+            </a:ln>
+          </p:spPr>
+          <p:style>
+            <a:lnRef idx="2">
+              <a:schemeClr val="accent6">
+                <a:shade val="50000"/>
+              </a:schemeClr>
+            </a:lnRef>
+            <a:fillRef idx="1">
+              <a:schemeClr val="accent6"/>
+            </a:fillRef>
+            <a:effectRef idx="0">
+              <a:schemeClr val="accent6"/>
+            </a:effectRef>
+            <a:fontRef idx="minor">
+              <a:schemeClr val="lt1"/>
+            </a:fontRef>
+          </p:style>
+          <p:txBody>
+            <a:bodyPr rtlCol="0" anchor="ctr"/>
+            <a:lstStyle/>
+            <a:p>
+              <a:pPr algn="ctr"/>
+              <a:r>
+                <a:rPr lang="en-US" sz="1400" dirty="0" smtClean="0">
+                  <a:solidFill>
+                    <a:schemeClr val="tx1"/>
+                  </a:solidFill>
+                </a:rPr>
+                <a:t>weight</a:t>
+              </a:r>
+              <a:br>
+                <a:rPr lang="en-US" sz="1400" dirty="0" smtClean="0">
+                  <a:solidFill>
+                    <a:schemeClr val="tx1"/>
+                  </a:solidFill>
+                </a:rPr>
+              </a:br>
+              <a:r>
+                <a:rPr lang="en-US" sz="1400" dirty="0" smtClean="0">
+                  <a:solidFill>
+                    <a:schemeClr val="tx1"/>
+                  </a:solidFill>
+                </a:rPr>
+                <a:t>abs-layer</a:t>
+              </a:r>
+              <a:br>
+                <a:rPr lang="en-US" sz="1400" dirty="0" smtClean="0">
+                  <a:solidFill>
+                    <a:schemeClr val="tx1"/>
+                  </a:solidFill>
+                </a:rPr>
+              </a:br>
+              <a:endParaRPr lang="en-US" sz="1400" dirty="0">
+                <a:solidFill>
+                  <a:schemeClr val="tx1"/>
+                </a:solidFill>
+              </a:endParaRPr>
+            </a:p>
+          </p:txBody>
+        </p:sp>
+        <p:sp>
+          <p:nvSpPr>
+            <p:cNvPr id="77" name="Rectangle 76"/>
+            <p:cNvSpPr/>
+            <p:nvPr/>
+          </p:nvSpPr>
+          <p:spPr>
+            <a:xfrm>
+              <a:off x="3457661" y="4419993"/>
+              <a:ext cx="941076" cy="239497"/>
+            </a:xfrm>
+            <a:prstGeom prst="rect">
+              <a:avLst/>
+            </a:prstGeom>
+            <a:noFill/>
+            <a:ln>
+              <a:solidFill>
+                <a:srgbClr val="F79646"/>
+              </a:solidFill>
+            </a:ln>
+          </p:spPr>
+          <p:style>
+            <a:lnRef idx="2">
+              <a:schemeClr val="accent6">
+                <a:shade val="50000"/>
+              </a:schemeClr>
+            </a:lnRef>
+            <a:fillRef idx="1">
+              <a:schemeClr val="accent6"/>
+            </a:fillRef>
+            <a:effectRef idx="0">
+              <a:schemeClr val="accent6"/>
+            </a:effectRef>
+            <a:fontRef idx="minor">
+              <a:schemeClr val="lt1"/>
+            </a:fontRef>
+          </p:style>
+          <p:txBody>
+            <a:bodyPr rtlCol="0" anchor="ctr"/>
+            <a:lstStyle/>
+            <a:p>
+              <a:pPr algn="ctr"/>
+              <a:r>
+                <a:rPr lang="en-US" sz="1400" dirty="0" smtClean="0">
+                  <a:solidFill>
+                    <a:srgbClr val="FF0000"/>
+                  </a:solidFill>
+                </a:rPr>
+                <a:t>BP</a:t>
+              </a:r>
+              <a:endParaRPr lang="en-US" sz="1400" dirty="0">
+                <a:solidFill>
+                  <a:srgbClr val="FF0000"/>
+                </a:solidFill>
+              </a:endParaRPr>
+            </a:p>
+          </p:txBody>
+        </p:sp>
+        <p:cxnSp>
+          <p:nvCxnSpPr>
+            <p:cNvPr id="113" name="Straight Arrow Connector 112"/>
+            <p:cNvCxnSpPr>
+              <a:stCxn id="66" idx="3"/>
+              <a:endCxn id="68" idx="1"/>
+            </p:cNvCxnSpPr>
+            <p:nvPr/>
+          </p:nvCxnSpPr>
+          <p:spPr>
+            <a:xfrm flipV="1">
+              <a:off x="3115518" y="3405354"/>
+              <a:ext cx="342145" cy="393"/>
+            </a:xfrm>
+            <a:prstGeom prst="straightConnector1">
+              <a:avLst/>
+            </a:prstGeom>
+            <a:ln w="12700">
+              <a:tailEnd type="arrow"/>
+            </a:ln>
+          </p:spPr>
+          <p:style>
+            <a:lnRef idx="1">
+              <a:schemeClr val="accent1"/>
+            </a:lnRef>
+            <a:fillRef idx="0">
+              <a:schemeClr val="accent1"/>
+            </a:fillRef>
+            <a:effectRef idx="0">
+              <a:schemeClr val="accent1"/>
+            </a:effectRef>
+            <a:fontRef idx="minor">
+              <a:schemeClr val="tx1"/>
+            </a:fontRef>
+          </p:style>
+        </p:cxnSp>
+        <p:cxnSp>
+          <p:nvCxnSpPr>
+            <p:cNvPr id="114" name="Straight Arrow Connector 113"/>
+            <p:cNvCxnSpPr>
+              <a:stCxn id="68" idx="3"/>
+              <a:endCxn id="70" idx="1"/>
+            </p:cNvCxnSpPr>
+            <p:nvPr/>
+          </p:nvCxnSpPr>
+          <p:spPr>
+            <a:xfrm>
+              <a:off x="4398738" y="3405354"/>
+              <a:ext cx="420714" cy="393"/>
+            </a:xfrm>
+            <a:prstGeom prst="straightConnector1">
+              <a:avLst/>
+            </a:prstGeom>
+            <a:ln w="12700">
+              <a:tailEnd type="arrow"/>
+            </a:ln>
+          </p:spPr>
+          <p:style>
+            <a:lnRef idx="1">
+              <a:schemeClr val="accent1"/>
+            </a:lnRef>
+            <a:fillRef idx="0">
+              <a:schemeClr val="accent1"/>
+            </a:fillRef>
+            <a:effectRef idx="0">
+              <a:schemeClr val="accent1"/>
+            </a:effectRef>
+            <a:fontRef idx="minor">
+              <a:schemeClr val="tx1"/>
+            </a:fontRef>
+          </p:style>
+        </p:cxnSp>
+        <p:cxnSp>
+          <p:nvCxnSpPr>
+            <p:cNvPr id="115" name="Straight Arrow Connector 114"/>
+            <p:cNvCxnSpPr>
+              <a:stCxn id="70" idx="3"/>
+              <a:endCxn id="73" idx="1"/>
+            </p:cNvCxnSpPr>
+            <p:nvPr/>
+          </p:nvCxnSpPr>
+          <p:spPr>
+            <a:xfrm flipV="1">
+              <a:off x="5760527" y="3405354"/>
+              <a:ext cx="437515" cy="393"/>
+            </a:xfrm>
+            <a:prstGeom prst="straightConnector1">
+              <a:avLst/>
+            </a:prstGeom>
+            <a:ln w="12700">
+              <a:tailEnd type="arrow"/>
+            </a:ln>
+          </p:spPr>
+          <p:style>
+            <a:lnRef idx="1">
+              <a:schemeClr val="accent1"/>
+            </a:lnRef>
+            <a:fillRef idx="0">
+              <a:schemeClr val="accent1"/>
+            </a:fillRef>
+            <a:effectRef idx="0">
+              <a:schemeClr val="accent1"/>
+            </a:effectRef>
+            <a:fontRef idx="minor">
+              <a:schemeClr val="tx1"/>
+            </a:fontRef>
+          </p:style>
+        </p:cxnSp>
+        <p:cxnSp>
+          <p:nvCxnSpPr>
+            <p:cNvPr id="116" name="Straight Arrow Connector 115"/>
+            <p:cNvCxnSpPr>
+              <a:stCxn id="75" idx="3"/>
+              <a:endCxn id="76" idx="1"/>
+            </p:cNvCxnSpPr>
+            <p:nvPr/>
+          </p:nvCxnSpPr>
+          <p:spPr>
+            <a:xfrm>
+              <a:off x="3115517" y="4320147"/>
+              <a:ext cx="342145" cy="0"/>
+            </a:xfrm>
+            <a:prstGeom prst="straightConnector1">
+              <a:avLst/>
+            </a:prstGeom>
+            <a:ln w="12700">
+              <a:tailEnd type="arrow"/>
+            </a:ln>
+          </p:spPr>
+          <p:style>
+            <a:lnRef idx="1">
+              <a:schemeClr val="accent1"/>
+            </a:lnRef>
+            <a:fillRef idx="0">
+              <a:schemeClr val="accent1"/>
+            </a:fillRef>
+            <a:effectRef idx="0">
+              <a:schemeClr val="accent1"/>
+            </a:effectRef>
+            <a:fontRef idx="minor">
+              <a:schemeClr val="tx1"/>
+            </a:fontRef>
+          </p:style>
+        </p:cxnSp>
+        <p:cxnSp>
+          <p:nvCxnSpPr>
+            <p:cNvPr id="117" name="Straight Arrow Connector 116"/>
+            <p:cNvCxnSpPr>
+              <a:stCxn id="76" idx="3"/>
+              <a:endCxn id="70" idx="2"/>
+            </p:cNvCxnSpPr>
+            <p:nvPr/>
+          </p:nvCxnSpPr>
+          <p:spPr>
+            <a:xfrm flipV="1">
+              <a:off x="4398737" y="3744697"/>
+              <a:ext cx="891253" cy="575450"/>
+            </a:xfrm>
+            <a:prstGeom prst="bentConnector2">
+              <a:avLst/>
+            </a:prstGeom>
+            <a:ln w="12700">
+              <a:tailEnd type="arrow"/>
+            </a:ln>
+          </p:spPr>
+          <p:style>
+            <a:lnRef idx="1">
+              <a:schemeClr val="accent1"/>
+            </a:lnRef>
+            <a:fillRef idx="0">
+              <a:schemeClr val="accent1"/>
+            </a:fillRef>
+            <a:effectRef idx="0">
+              <a:schemeClr val="accent1"/>
+            </a:effectRef>
+            <a:fontRef idx="minor">
+              <a:schemeClr val="tx1"/>
+            </a:fontRef>
+          </p:style>
+        </p:cxnSp>
+        <p:cxnSp>
+          <p:nvCxnSpPr>
+            <p:cNvPr id="120" name="Straight Arrow Connector 119"/>
+            <p:cNvCxnSpPr>
+              <a:stCxn id="61" idx="1"/>
+              <a:endCxn id="20" idx="3"/>
+            </p:cNvCxnSpPr>
+            <p:nvPr/>
+          </p:nvCxnSpPr>
+          <p:spPr>
+            <a:xfrm flipH="1">
+              <a:off x="5081598" y="2491347"/>
+              <a:ext cx="428734" cy="0"/>
+            </a:xfrm>
+            <a:prstGeom prst="straightConnector1">
+              <a:avLst/>
+            </a:prstGeom>
+            <a:ln w="12700">
+              <a:tailEnd type="arrow"/>
+            </a:ln>
+          </p:spPr>
+          <p:style>
+            <a:lnRef idx="1">
+              <a:schemeClr val="accent1"/>
+            </a:lnRef>
+            <a:fillRef idx="0">
+              <a:schemeClr val="accent1"/>
+            </a:fillRef>
+            <a:effectRef idx="0">
+              <a:schemeClr val="accent1"/>
+            </a:effectRef>
+            <a:fontRef idx="minor">
+              <a:schemeClr val="tx1"/>
+            </a:fontRef>
+          </p:style>
+        </p:cxnSp>
+        <p:cxnSp>
+          <p:nvCxnSpPr>
+            <p:cNvPr id="124" name="Straight Arrow Connector 123"/>
+            <p:cNvCxnSpPr>
+              <a:stCxn id="20" idx="2"/>
+              <a:endCxn id="70" idx="1"/>
+            </p:cNvCxnSpPr>
+            <p:nvPr/>
+          </p:nvCxnSpPr>
+          <p:spPr>
+            <a:xfrm rot="16200000" flipH="1">
+              <a:off x="4427531" y="3013826"/>
+              <a:ext cx="575450" cy="208391"/>
+            </a:xfrm>
+            <a:prstGeom prst="bentConnector2">
+              <a:avLst/>
+            </a:prstGeom>
+            <a:ln w="12700">
+              <a:tailEnd type="arrow"/>
+            </a:ln>
+          </p:spPr>
+          <p:style>
+            <a:lnRef idx="1">
+              <a:schemeClr val="accent1"/>
+            </a:lnRef>
+            <a:fillRef idx="0">
+              <a:schemeClr val="accent1"/>
+            </a:fillRef>
+            <a:effectRef idx="0">
+              <a:schemeClr val="accent1"/>
+            </a:effectRef>
+            <a:fontRef idx="minor">
+              <a:schemeClr val="tx1"/>
+            </a:fontRef>
+          </p:style>
+        </p:cxnSp>
+        <p:cxnSp>
+          <p:nvCxnSpPr>
+            <p:cNvPr id="32" name="Straight Arrow Connector 31"/>
+            <p:cNvCxnSpPr/>
+            <p:nvPr/>
+          </p:nvCxnSpPr>
+          <p:spPr>
+            <a:xfrm>
+              <a:off x="3115517" y="2491347"/>
+              <a:ext cx="342146" cy="575057"/>
+            </a:xfrm>
+            <a:prstGeom prst="straightConnector1">
+              <a:avLst/>
+            </a:prstGeom>
+            <a:ln w="28575">
+              <a:solidFill>
+                <a:schemeClr val="tx1"/>
+              </a:solidFill>
+              <a:prstDash val="sysDot"/>
+              <a:headEnd type="none" w="med" len="med"/>
+              <a:tailEnd type="triangle" w="med" len="lg"/>
+            </a:ln>
+          </p:spPr>
+          <p:style>
+            <a:lnRef idx="1">
+              <a:schemeClr val="accent1"/>
+            </a:lnRef>
+            <a:fillRef idx="0">
+              <a:schemeClr val="accent1"/>
+            </a:fillRef>
+            <a:effectRef idx="0">
+              <a:schemeClr val="accent1"/>
+            </a:effectRef>
+            <a:fontRef idx="minor">
+              <a:schemeClr val="tx1"/>
+            </a:fontRef>
+          </p:style>
+        </p:cxnSp>
+        <p:cxnSp>
+          <p:nvCxnSpPr>
+            <p:cNvPr id="45" name="Straight Arrow Connector 44"/>
+            <p:cNvCxnSpPr/>
+            <p:nvPr/>
+          </p:nvCxnSpPr>
+          <p:spPr>
+            <a:xfrm flipH="1" flipV="1">
+              <a:off x="5760527" y="3744305"/>
+              <a:ext cx="437516" cy="575842"/>
+            </a:xfrm>
+            <a:prstGeom prst="straightConnector1">
+              <a:avLst/>
+            </a:prstGeom>
+            <a:ln w="28575">
+              <a:solidFill>
+                <a:schemeClr val="tx1"/>
+              </a:solidFill>
+              <a:prstDash val="sysDot"/>
+              <a:headEnd type="none" w="med" len="med"/>
+              <a:tailEnd type="triangle" w="med" len="lg"/>
+            </a:ln>
+          </p:spPr>
+          <p:style>
+            <a:lnRef idx="1">
+              <a:schemeClr val="accent1"/>
+            </a:lnRef>
+            <a:fillRef idx="0">
+              <a:schemeClr val="accent1"/>
+            </a:fillRef>
+            <a:effectRef idx="0">
+              <a:schemeClr val="accent1"/>
+            </a:effectRef>
+            <a:fontRef idx="minor">
+              <a:schemeClr val="tx1"/>
+            </a:fontRef>
+          </p:style>
+        </p:cxnSp>
+        <p:cxnSp>
+          <p:nvCxnSpPr>
+            <p:cNvPr id="119" name="Straight Arrow Connector 118"/>
+            <p:cNvCxnSpPr>
+              <a:stCxn id="70" idx="3"/>
+              <a:endCxn id="61" idx="2"/>
+            </p:cNvCxnSpPr>
+            <p:nvPr/>
+          </p:nvCxnSpPr>
+          <p:spPr>
+            <a:xfrm flipV="1">
+              <a:off x="5760527" y="2830297"/>
+              <a:ext cx="220343" cy="575450"/>
+            </a:xfrm>
+            <a:prstGeom prst="bentConnector2">
+              <a:avLst/>
+            </a:prstGeom>
+            <a:ln w="12700">
+              <a:tailEnd type="arrow"/>
+            </a:ln>
+          </p:spPr>
+          <p:style>
+            <a:lnRef idx="1">
+              <a:schemeClr val="accent1"/>
+            </a:lnRef>
+            <a:fillRef idx="0">
+              <a:schemeClr val="accent1"/>
+            </a:fillRef>
+            <a:effectRef idx="0">
+              <a:schemeClr val="accent1"/>
+            </a:effectRef>
+            <a:fontRef idx="minor">
+              <a:schemeClr val="tx1"/>
+            </a:fontRef>
+          </p:style>
+        </p:cxnSp>
+      </p:grpSp>
+    </p:spTree>
+    <p:extLst>
+      <p:ext uri="{BB962C8B-B14F-4D97-AF65-F5344CB8AC3E}">
+        <p14:creationId xmlns:p14="http://schemas.microsoft.com/office/powerpoint/2010/main" val="185987740"/>
+      </p:ext>
+    </p:extLst>
+  </p:cSld>
+  <p:clrMapOvr>
+    <a:masterClrMapping/>
+  </p:clrMapOvr>
+  <p:timing>
+    <p:tnLst>
+      <p:par>
+        <p:cTn id="1" dur="indefinite" restart="never" nodeType="tmRoot"/>
+      </p:par>
+    </p:tnLst>
+  </p:timing>
 </p:sld>
 </file>
 
@@ -19377,7 +22480,7 @@
         </p:nvGrpSpPr>
         <p:grpSpPr>
           <a:xfrm>
-            <a:off x="1667413" y="1458304"/>
+            <a:off x="1868321" y="2133331"/>
             <a:ext cx="5657751" cy="2319410"/>
             <a:chOff x="1667413" y="1458304"/>
             <a:chExt cx="5657751" cy="2319410"/>
@@ -22346,10 +25449,1826 @@
   <p:clrMapOvr>
     <a:masterClrMapping/>
   </p:clrMapOvr>
+  <p:timing>
+    <p:tnLst>
+      <p:par>
+        <p:cTn id="1" dur="indefinite" restart="never" nodeType="tmRoot"/>
+      </p:par>
+    </p:tnLst>
+  </p:timing>
 </p:sld>
 </file>
 
 <file path=ppt/slides/slide8.xml><?xml version="1.0" encoding="utf-8"?>
+<p:sld xmlns:a="http://schemas.openxmlformats.org/drawingml/2006/main" xmlns:r="http://schemas.openxmlformats.org/officeDocument/2006/relationships" xmlns:p="http://schemas.openxmlformats.org/presentationml/2006/main">
+  <p:cSld>
+    <p:spTree>
+      <p:nvGrpSpPr>
+        <p:cNvPr id="1" name=""/>
+        <p:cNvGrpSpPr/>
+        <p:nvPr/>
+      </p:nvGrpSpPr>
+      <p:grpSpPr>
+        <a:xfrm>
+          <a:off x="0" y="0"/>
+          <a:ext cx="0" cy="0"/>
+          <a:chOff x="0" y="0"/>
+          <a:chExt cx="0" cy="0"/>
+        </a:xfrm>
+      </p:grpSpPr>
+      <p:cxnSp>
+        <p:nvCxnSpPr>
+          <p:cNvPr id="103" name="Straight Arrow Connector 102"/>
+          <p:cNvCxnSpPr/>
+          <p:nvPr/>
+        </p:nvCxnSpPr>
+        <p:spPr>
+          <a:xfrm flipH="1">
+            <a:off x="9448800" y="5081781"/>
+            <a:ext cx="28371" cy="1056072"/>
+          </a:xfrm>
+          <a:prstGeom prst="straightConnector1">
+            <a:avLst/>
+          </a:prstGeom>
+          <a:ln w="19050">
+            <a:tailEnd type="arrow"/>
+          </a:ln>
+        </p:spPr>
+        <p:style>
+          <a:lnRef idx="1">
+            <a:schemeClr val="accent1"/>
+          </a:lnRef>
+          <a:fillRef idx="0">
+            <a:schemeClr val="accent1"/>
+          </a:fillRef>
+          <a:effectRef idx="0">
+            <a:schemeClr val="accent1"/>
+          </a:effectRef>
+          <a:fontRef idx="minor">
+            <a:schemeClr val="tx1"/>
+          </a:fontRef>
+        </p:style>
+      </p:cxnSp>
+      <p:grpSp>
+        <p:nvGrpSpPr>
+          <p:cNvPr id="81" name="Group 80"/>
+          <p:cNvGrpSpPr/>
+          <p:nvPr/>
+        </p:nvGrpSpPr>
+        <p:grpSpPr>
+          <a:xfrm>
+            <a:off x="1627910" y="304800"/>
+            <a:ext cx="5839690" cy="6197355"/>
+            <a:chOff x="1069110" y="203445"/>
+            <a:chExt cx="5839690" cy="6197355"/>
+          </a:xfrm>
+        </p:grpSpPr>
+        <p:sp>
+          <p:nvSpPr>
+            <p:cNvPr id="65" name="Rounded Rectangle 64"/>
+            <p:cNvSpPr/>
+            <p:nvPr/>
+          </p:nvSpPr>
+          <p:spPr>
+            <a:xfrm>
+              <a:off x="1818369" y="3890967"/>
+              <a:ext cx="1981202" cy="1378053"/>
+            </a:xfrm>
+            <a:prstGeom prst="roundRect">
+              <a:avLst/>
+            </a:prstGeom>
+            <a:solidFill>
+              <a:srgbClr val="F79646">
+                <a:alpha val="20000"/>
+              </a:srgbClr>
+            </a:solidFill>
+            <a:ln>
+              <a:solidFill>
+                <a:srgbClr val="F79646"/>
+              </a:solidFill>
+            </a:ln>
+          </p:spPr>
+          <p:style>
+            <a:lnRef idx="2">
+              <a:schemeClr val="accent6">
+                <a:shade val="50000"/>
+              </a:schemeClr>
+            </a:lnRef>
+            <a:fillRef idx="1">
+              <a:schemeClr val="accent6"/>
+            </a:fillRef>
+            <a:effectRef idx="0">
+              <a:schemeClr val="accent6"/>
+            </a:effectRef>
+            <a:fontRef idx="minor">
+              <a:schemeClr val="lt1"/>
+            </a:fontRef>
+          </p:style>
+          <p:txBody>
+            <a:bodyPr rtlCol="0" anchor="ctr"/>
+            <a:lstStyle/>
+            <a:p>
+              <a:pPr algn="ctr"/>
+              <a:r>
+                <a:rPr lang="en-US" sz="1600" dirty="0">
+                  <a:solidFill>
+                    <a:schemeClr val="tx1"/>
+                  </a:solidFill>
+                </a:rPr>
+                <a:t>d</a:t>
+              </a:r>
+              <a:r>
+                <a:rPr lang="en-US" sz="1600" dirty="0" smtClean="0">
+                  <a:solidFill>
+                    <a:schemeClr val="tx1"/>
+                  </a:solidFill>
+                </a:rPr>
+                <a:t>educe </a:t>
+              </a:r>
+              <a:r>
+                <a:rPr lang="en-US" sz="1600" dirty="0" smtClean="0">
+                  <a:solidFill>
+                    <a:schemeClr val="tx1"/>
+                  </a:solidFill>
+                </a:rPr>
+                <a:t>type</a:t>
+              </a:r>
+              <a:br>
+                <a:rPr lang="en-US" sz="1600" dirty="0" smtClean="0">
+                  <a:solidFill>
+                    <a:schemeClr val="tx1"/>
+                  </a:solidFill>
+                </a:rPr>
+              </a:br>
+              <a:r>
+                <a:rPr lang="en-US" sz="1600" dirty="0" smtClean="0">
+                  <a:solidFill>
+                    <a:schemeClr val="tx1"/>
+                  </a:solidFill>
+                </a:rPr>
+                <a:t>(learning</a:t>
+              </a:r>
+              <a:r>
+                <a:rPr lang="en-US" sz="1600" dirty="0">
+                  <a:solidFill>
+                    <a:schemeClr val="tx1"/>
+                  </a:solidFill>
+                </a:rPr>
+                <a:t> </a:t>
+              </a:r>
+              <a:r>
+                <a:rPr lang="en-US" sz="1600" dirty="0" smtClean="0">
+                  <a:solidFill>
+                    <a:schemeClr val="tx1"/>
+                  </a:solidFill>
+                </a:rPr>
+                <a:t>algorithm,</a:t>
+              </a:r>
+              <a:br>
+                <a:rPr lang="en-US" sz="1600" dirty="0" smtClean="0">
+                  <a:solidFill>
+                    <a:schemeClr val="tx1"/>
+                  </a:solidFill>
+                </a:rPr>
+              </a:br>
+              <a:r>
+                <a:rPr lang="en-US" sz="1600" dirty="0" smtClean="0">
+                  <a:solidFill>
+                    <a:schemeClr val="tx1"/>
+                  </a:solidFill>
+                </a:rPr>
+                <a:t>transfer function,</a:t>
+              </a:r>
+              <a:br>
+                <a:rPr lang="en-US" sz="1600" dirty="0" smtClean="0">
+                  <a:solidFill>
+                    <a:schemeClr val="tx1"/>
+                  </a:solidFill>
+                </a:rPr>
+              </a:br>
+              <a:r>
+                <a:rPr lang="en-US" sz="1600" dirty="0" smtClean="0">
+                  <a:solidFill>
+                    <a:schemeClr val="tx1"/>
+                  </a:solidFill>
+                </a:rPr>
+                <a:t>error function,</a:t>
+              </a:r>
+              <a:br>
+                <a:rPr lang="en-US" sz="1600" dirty="0" smtClean="0">
+                  <a:solidFill>
+                    <a:schemeClr val="tx1"/>
+                  </a:solidFill>
+                </a:rPr>
+              </a:br>
+              <a:r>
+                <a:rPr lang="en-US" sz="1600" dirty="0" smtClean="0">
+                  <a:solidFill>
+                    <a:schemeClr val="tx1"/>
+                  </a:solidFill>
+                </a:rPr>
+                <a:t>network topology)</a:t>
+              </a:r>
+              <a:endParaRPr lang="en-US" sz="1600" dirty="0">
+                <a:solidFill>
+                  <a:schemeClr val="tx1"/>
+                </a:solidFill>
+              </a:endParaRPr>
+            </a:p>
+          </p:txBody>
+        </p:sp>
+        <p:sp>
+          <p:nvSpPr>
+            <p:cNvPr id="59" name="Rounded Rectangle 58"/>
+            <p:cNvSpPr/>
+            <p:nvPr/>
+          </p:nvSpPr>
+          <p:spPr>
+            <a:xfrm>
+              <a:off x="1818369" y="1720951"/>
+              <a:ext cx="1981202" cy="374549"/>
+            </a:xfrm>
+            <a:prstGeom prst="roundRect">
+              <a:avLst/>
+            </a:prstGeom>
+            <a:solidFill>
+              <a:srgbClr val="F79646">
+                <a:alpha val="20000"/>
+              </a:srgbClr>
+            </a:solidFill>
+            <a:ln>
+              <a:solidFill>
+                <a:srgbClr val="F79646"/>
+              </a:solidFill>
+            </a:ln>
+          </p:spPr>
+          <p:style>
+            <a:lnRef idx="2">
+              <a:schemeClr val="accent6">
+                <a:shade val="50000"/>
+              </a:schemeClr>
+            </a:lnRef>
+            <a:fillRef idx="1">
+              <a:schemeClr val="accent6"/>
+            </a:fillRef>
+            <a:effectRef idx="0">
+              <a:schemeClr val="accent6"/>
+            </a:effectRef>
+            <a:fontRef idx="minor">
+              <a:schemeClr val="lt1"/>
+            </a:fontRef>
+          </p:style>
+          <p:txBody>
+            <a:bodyPr rtlCol="0" anchor="ctr"/>
+            <a:lstStyle/>
+            <a:p>
+              <a:pPr algn="ctr"/>
+              <a:r>
+                <a:rPr lang="en-US" sz="1600" dirty="0" smtClean="0">
+                  <a:solidFill>
+                    <a:schemeClr val="tx1"/>
+                  </a:solidFill>
+                </a:rPr>
+                <a:t>compile code</a:t>
+              </a:r>
+              <a:endParaRPr lang="en-US" sz="1600" dirty="0">
+                <a:solidFill>
+                  <a:schemeClr val="tx1"/>
+                </a:solidFill>
+              </a:endParaRPr>
+            </a:p>
+          </p:txBody>
+        </p:sp>
+        <p:sp>
+          <p:nvSpPr>
+            <p:cNvPr id="60" name="TextBox 59"/>
+            <p:cNvSpPr txBox="1"/>
+            <p:nvPr/>
+          </p:nvSpPr>
+          <p:spPr>
+            <a:xfrm>
+              <a:off x="4846302" y="203445"/>
+              <a:ext cx="1356397" cy="584775"/>
+            </a:xfrm>
+            <a:prstGeom prst="rect">
+              <a:avLst/>
+            </a:prstGeom>
+            <a:noFill/>
+          </p:spPr>
+          <p:txBody>
+            <a:bodyPr wrap="none" rtlCol="0">
+              <a:spAutoFit/>
+            </a:bodyPr>
+            <a:lstStyle/>
+            <a:p>
+              <a:pPr algn="ctr"/>
+              <a:r>
+                <a:rPr lang="en-US" sz="1600" dirty="0" smtClean="0"/>
+                <a:t>compile-time</a:t>
+              </a:r>
+              <a:br>
+                <a:rPr lang="en-US" sz="1600" dirty="0" smtClean="0"/>
+              </a:br>
+              <a:r>
+                <a:rPr lang="en-US" sz="1600" dirty="0" smtClean="0"/>
+                <a:t>generalization</a:t>
+              </a:r>
+            </a:p>
+          </p:txBody>
+        </p:sp>
+        <p:cxnSp>
+          <p:nvCxnSpPr>
+            <p:cNvPr id="7" name="Straight Connector 6"/>
+            <p:cNvCxnSpPr/>
+            <p:nvPr/>
+          </p:nvCxnSpPr>
+          <p:spPr>
+            <a:xfrm>
+              <a:off x="4368800" y="301928"/>
+              <a:ext cx="0" cy="6022672"/>
+            </a:xfrm>
+            <a:prstGeom prst="line">
+              <a:avLst/>
+            </a:prstGeom>
+            <a:ln w="19050">
+              <a:solidFill>
+                <a:schemeClr val="tx1"/>
+              </a:solidFill>
+              <a:prstDash val="sysDot"/>
+            </a:ln>
+          </p:spPr>
+          <p:style>
+            <a:lnRef idx="1">
+              <a:schemeClr val="accent1"/>
+            </a:lnRef>
+            <a:fillRef idx="0">
+              <a:schemeClr val="accent1"/>
+            </a:fillRef>
+            <a:effectRef idx="0">
+              <a:schemeClr val="accent1"/>
+            </a:effectRef>
+            <a:fontRef idx="minor">
+              <a:schemeClr val="tx1"/>
+            </a:fontRef>
+          </p:style>
+        </p:cxnSp>
+        <p:sp>
+          <p:nvSpPr>
+            <p:cNvPr id="76" name="TextBox 75"/>
+            <p:cNvSpPr txBox="1"/>
+            <p:nvPr/>
+          </p:nvSpPr>
+          <p:spPr>
+            <a:xfrm>
+              <a:off x="2130770" y="203691"/>
+              <a:ext cx="1356397" cy="584775"/>
+            </a:xfrm>
+            <a:prstGeom prst="rect">
+              <a:avLst/>
+            </a:prstGeom>
+            <a:noFill/>
+          </p:spPr>
+          <p:txBody>
+            <a:bodyPr wrap="none" rtlCol="0">
+              <a:spAutoFit/>
+            </a:bodyPr>
+            <a:lstStyle/>
+            <a:p>
+              <a:pPr algn="ctr"/>
+              <a:r>
+                <a:rPr lang="en-US" sz="1600" dirty="0" smtClean="0"/>
+                <a:t>run-time</a:t>
+              </a:r>
+              <a:br>
+                <a:rPr lang="en-US" sz="1600" dirty="0" smtClean="0"/>
+              </a:br>
+              <a:r>
+                <a:rPr lang="en-US" sz="1600" dirty="0" smtClean="0"/>
+                <a:t>generalization</a:t>
+              </a:r>
+            </a:p>
+          </p:txBody>
+        </p:sp>
+        <p:cxnSp>
+          <p:nvCxnSpPr>
+            <p:cNvPr id="77" name="Straight Connector 76"/>
+            <p:cNvCxnSpPr/>
+            <p:nvPr/>
+          </p:nvCxnSpPr>
+          <p:spPr>
+            <a:xfrm>
+              <a:off x="1361496" y="2920425"/>
+              <a:ext cx="5547304" cy="0"/>
+            </a:xfrm>
+            <a:prstGeom prst="line">
+              <a:avLst/>
+            </a:prstGeom>
+            <a:ln w="19050">
+              <a:solidFill>
+                <a:schemeClr val="tx1"/>
+              </a:solidFill>
+              <a:prstDash val="sysDot"/>
+            </a:ln>
+          </p:spPr>
+          <p:style>
+            <a:lnRef idx="1">
+              <a:schemeClr val="accent1"/>
+            </a:lnRef>
+            <a:fillRef idx="0">
+              <a:schemeClr val="accent1"/>
+            </a:fillRef>
+            <a:effectRef idx="0">
+              <a:schemeClr val="accent1"/>
+            </a:effectRef>
+            <a:fontRef idx="minor">
+              <a:schemeClr val="tx1"/>
+            </a:fontRef>
+          </p:style>
+        </p:cxnSp>
+        <p:sp>
+          <p:nvSpPr>
+            <p:cNvPr id="106" name="TextBox 105"/>
+            <p:cNvSpPr txBox="1"/>
+            <p:nvPr/>
+          </p:nvSpPr>
+          <p:spPr>
+            <a:xfrm rot="16200000">
+              <a:off x="865272" y="1615837"/>
+              <a:ext cx="992451" cy="584775"/>
+            </a:xfrm>
+            <a:prstGeom prst="rect">
+              <a:avLst/>
+            </a:prstGeom>
+            <a:noFill/>
+          </p:spPr>
+          <p:txBody>
+            <a:bodyPr wrap="none" rtlCol="0">
+              <a:spAutoFit/>
+            </a:bodyPr>
+            <a:lstStyle/>
+            <a:p>
+              <a:pPr algn="ctr"/>
+              <a:r>
+                <a:rPr lang="en-US" sz="1600" dirty="0" smtClean="0"/>
+                <a:t>compiling</a:t>
+              </a:r>
+              <a:br>
+                <a:rPr lang="en-US" sz="1600" dirty="0" smtClean="0"/>
+              </a:br>
+              <a:r>
+                <a:rPr lang="en-US" sz="1600" dirty="0" smtClean="0"/>
+                <a:t>period</a:t>
+              </a:r>
+            </a:p>
+          </p:txBody>
+        </p:sp>
+        <p:sp>
+          <p:nvSpPr>
+            <p:cNvPr id="107" name="TextBox 106"/>
+            <p:cNvSpPr txBox="1"/>
+            <p:nvPr/>
+          </p:nvSpPr>
+          <p:spPr>
+            <a:xfrm rot="16200000">
+              <a:off x="946961" y="4066937"/>
+              <a:ext cx="829073" cy="584775"/>
+            </a:xfrm>
+            <a:prstGeom prst="rect">
+              <a:avLst/>
+            </a:prstGeom>
+            <a:noFill/>
+          </p:spPr>
+          <p:txBody>
+            <a:bodyPr wrap="none" rtlCol="0">
+              <a:spAutoFit/>
+            </a:bodyPr>
+            <a:lstStyle/>
+            <a:p>
+              <a:pPr algn="ctr"/>
+              <a:r>
+                <a:rPr lang="en-US" sz="1600" dirty="0" smtClean="0"/>
+                <a:t>running</a:t>
+              </a:r>
+              <a:br>
+                <a:rPr lang="en-US" sz="1600" dirty="0" smtClean="0"/>
+              </a:br>
+              <a:r>
+                <a:rPr lang="en-US" sz="1600" dirty="0" smtClean="0"/>
+                <a:t>period</a:t>
+              </a:r>
+            </a:p>
+          </p:txBody>
+        </p:sp>
+        <p:sp>
+          <p:nvSpPr>
+            <p:cNvPr id="142" name="Rounded Rectangle 141"/>
+            <p:cNvSpPr/>
+            <p:nvPr/>
+          </p:nvSpPr>
+          <p:spPr>
+            <a:xfrm>
+              <a:off x="4533902" y="1013127"/>
+              <a:ext cx="1981200" cy="374549"/>
+            </a:xfrm>
+            <a:prstGeom prst="roundRect">
+              <a:avLst/>
+            </a:prstGeom>
+            <a:solidFill>
+              <a:srgbClr val="F79646">
+                <a:alpha val="20000"/>
+              </a:srgbClr>
+            </a:solidFill>
+            <a:ln>
+              <a:solidFill>
+                <a:srgbClr val="F79646"/>
+              </a:solidFill>
+            </a:ln>
+          </p:spPr>
+          <p:style>
+            <a:lnRef idx="2">
+              <a:schemeClr val="accent6">
+                <a:shade val="50000"/>
+              </a:schemeClr>
+            </a:lnRef>
+            <a:fillRef idx="1">
+              <a:schemeClr val="accent6"/>
+            </a:fillRef>
+            <a:effectRef idx="0">
+              <a:schemeClr val="accent6"/>
+            </a:effectRef>
+            <a:fontRef idx="minor">
+              <a:schemeClr val="lt1"/>
+            </a:fontRef>
+          </p:style>
+          <p:txBody>
+            <a:bodyPr rtlCol="0" anchor="ctr"/>
+            <a:lstStyle/>
+            <a:p>
+              <a:pPr algn="ctr"/>
+              <a:r>
+                <a:rPr lang="en-US" sz="1600" dirty="0" smtClean="0">
+                  <a:solidFill>
+                    <a:schemeClr val="tx1"/>
+                  </a:solidFill>
+                </a:rPr>
+                <a:t>compile code</a:t>
+              </a:r>
+              <a:endParaRPr lang="en-US" sz="1600" dirty="0">
+                <a:solidFill>
+                  <a:schemeClr val="tx1"/>
+                </a:solidFill>
+              </a:endParaRPr>
+            </a:p>
+          </p:txBody>
+        </p:sp>
+        <p:sp>
+          <p:nvSpPr>
+            <p:cNvPr id="143" name="Rounded Rectangle 142"/>
+            <p:cNvSpPr/>
+            <p:nvPr/>
+          </p:nvSpPr>
+          <p:spPr>
+            <a:xfrm>
+              <a:off x="4533900" y="1387675"/>
+              <a:ext cx="1981202" cy="1378053"/>
+            </a:xfrm>
+            <a:prstGeom prst="roundRect">
+              <a:avLst/>
+            </a:prstGeom>
+            <a:solidFill>
+              <a:srgbClr val="F79646">
+                <a:alpha val="20000"/>
+              </a:srgbClr>
+            </a:solidFill>
+            <a:ln>
+              <a:solidFill>
+                <a:srgbClr val="F79646"/>
+              </a:solidFill>
+            </a:ln>
+          </p:spPr>
+          <p:style>
+            <a:lnRef idx="2">
+              <a:schemeClr val="accent6">
+                <a:shade val="50000"/>
+              </a:schemeClr>
+            </a:lnRef>
+            <a:fillRef idx="1">
+              <a:schemeClr val="accent6"/>
+            </a:fillRef>
+            <a:effectRef idx="0">
+              <a:schemeClr val="accent6"/>
+            </a:effectRef>
+            <a:fontRef idx="minor">
+              <a:schemeClr val="lt1"/>
+            </a:fontRef>
+          </p:style>
+          <p:txBody>
+            <a:bodyPr rtlCol="0" anchor="ctr"/>
+            <a:lstStyle/>
+            <a:p>
+              <a:pPr algn="ctr"/>
+              <a:r>
+                <a:rPr lang="en-US" sz="1600" dirty="0">
+                  <a:solidFill>
+                    <a:schemeClr val="tx1"/>
+                  </a:solidFill>
+                </a:rPr>
+                <a:t>d</a:t>
+              </a:r>
+              <a:r>
+                <a:rPr lang="en-US" sz="1600" dirty="0" smtClean="0">
+                  <a:solidFill>
+                    <a:schemeClr val="tx1"/>
+                  </a:solidFill>
+                </a:rPr>
+                <a:t>educe </a:t>
+              </a:r>
+              <a:r>
+                <a:rPr lang="en-US" sz="1600" dirty="0" smtClean="0">
+                  <a:solidFill>
+                    <a:schemeClr val="tx1"/>
+                  </a:solidFill>
+                </a:rPr>
+                <a:t>type</a:t>
+              </a:r>
+              <a:br>
+                <a:rPr lang="en-US" sz="1600" dirty="0" smtClean="0">
+                  <a:solidFill>
+                    <a:schemeClr val="tx1"/>
+                  </a:solidFill>
+                </a:rPr>
+              </a:br>
+              <a:r>
+                <a:rPr lang="en-US" sz="1600" dirty="0" smtClean="0">
+                  <a:solidFill>
+                    <a:schemeClr val="tx1"/>
+                  </a:solidFill>
+                </a:rPr>
+                <a:t>(learning</a:t>
+              </a:r>
+              <a:r>
+                <a:rPr lang="en-US" sz="1600" dirty="0">
+                  <a:solidFill>
+                    <a:schemeClr val="tx1"/>
+                  </a:solidFill>
+                </a:rPr>
+                <a:t> </a:t>
+              </a:r>
+              <a:r>
+                <a:rPr lang="en-US" sz="1600" dirty="0" smtClean="0">
+                  <a:solidFill>
+                    <a:schemeClr val="tx1"/>
+                  </a:solidFill>
+                </a:rPr>
+                <a:t>algorithm,</a:t>
+              </a:r>
+              <a:br>
+                <a:rPr lang="en-US" sz="1600" dirty="0" smtClean="0">
+                  <a:solidFill>
+                    <a:schemeClr val="tx1"/>
+                  </a:solidFill>
+                </a:rPr>
+              </a:br>
+              <a:r>
+                <a:rPr lang="en-US" sz="1600" dirty="0" smtClean="0">
+                  <a:solidFill>
+                    <a:schemeClr val="tx1"/>
+                  </a:solidFill>
+                </a:rPr>
+                <a:t>transfer function,</a:t>
+              </a:r>
+              <a:br>
+                <a:rPr lang="en-US" sz="1600" dirty="0" smtClean="0">
+                  <a:solidFill>
+                    <a:schemeClr val="tx1"/>
+                  </a:solidFill>
+                </a:rPr>
+              </a:br>
+              <a:r>
+                <a:rPr lang="en-US" sz="1600" dirty="0" smtClean="0">
+                  <a:solidFill>
+                    <a:schemeClr val="tx1"/>
+                  </a:solidFill>
+                </a:rPr>
+                <a:t>error function,</a:t>
+              </a:r>
+              <a:br>
+                <a:rPr lang="en-US" sz="1600" dirty="0" smtClean="0">
+                  <a:solidFill>
+                    <a:schemeClr val="tx1"/>
+                  </a:solidFill>
+                </a:rPr>
+              </a:br>
+              <a:r>
+                <a:rPr lang="en-US" sz="1600" dirty="0" smtClean="0">
+                  <a:solidFill>
+                    <a:schemeClr val="tx1"/>
+                  </a:solidFill>
+                </a:rPr>
+                <a:t>network topology)</a:t>
+              </a:r>
+              <a:endParaRPr lang="en-US" sz="1600" dirty="0">
+                <a:solidFill>
+                  <a:schemeClr val="tx1"/>
+                </a:solidFill>
+              </a:endParaRPr>
+            </a:p>
+          </p:txBody>
+        </p:sp>
+        <p:sp>
+          <p:nvSpPr>
+            <p:cNvPr id="144" name="Rounded Rectangle 143"/>
+            <p:cNvSpPr/>
+            <p:nvPr/>
+          </p:nvSpPr>
+          <p:spPr>
+            <a:xfrm>
+              <a:off x="4533902" y="4172051"/>
+              <a:ext cx="1981200" cy="374549"/>
+            </a:xfrm>
+            <a:prstGeom prst="roundRect">
+              <a:avLst/>
+            </a:prstGeom>
+            <a:solidFill>
+              <a:srgbClr val="F79646">
+                <a:alpha val="20000"/>
+              </a:srgbClr>
+            </a:solidFill>
+            <a:ln>
+              <a:solidFill>
+                <a:srgbClr val="F79646"/>
+              </a:solidFill>
+            </a:ln>
+          </p:spPr>
+          <p:style>
+            <a:lnRef idx="2">
+              <a:schemeClr val="accent6">
+                <a:shade val="50000"/>
+              </a:schemeClr>
+            </a:lnRef>
+            <a:fillRef idx="1">
+              <a:schemeClr val="accent6"/>
+            </a:fillRef>
+            <a:effectRef idx="0">
+              <a:schemeClr val="accent6"/>
+            </a:effectRef>
+            <a:fontRef idx="minor">
+              <a:schemeClr val="lt1"/>
+            </a:fontRef>
+          </p:style>
+          <p:txBody>
+            <a:bodyPr rtlCol="0" anchor="ctr"/>
+            <a:lstStyle/>
+            <a:p>
+              <a:pPr algn="ctr"/>
+              <a:r>
+                <a:rPr lang="en-US" sz="1600" dirty="0">
+                  <a:solidFill>
+                    <a:schemeClr val="tx1"/>
+                  </a:solidFill>
+                </a:rPr>
+                <a:t>r</a:t>
+              </a:r>
+              <a:r>
+                <a:rPr lang="en-US" sz="1600" dirty="0" smtClean="0">
+                  <a:solidFill>
+                    <a:schemeClr val="tx1"/>
+                  </a:solidFill>
+                </a:rPr>
+                <a:t>un code</a:t>
+              </a:r>
+              <a:endParaRPr lang="en-US" sz="1600" dirty="0">
+                <a:solidFill>
+                  <a:schemeClr val="tx1"/>
+                </a:solidFill>
+              </a:endParaRPr>
+            </a:p>
+          </p:txBody>
+        </p:sp>
+        <p:sp>
+          <p:nvSpPr>
+            <p:cNvPr id="145" name="Rounded Rectangle 144"/>
+            <p:cNvSpPr/>
+            <p:nvPr/>
+          </p:nvSpPr>
+          <p:spPr>
+            <a:xfrm>
+              <a:off x="1818369" y="3516419"/>
+              <a:ext cx="1981202" cy="374549"/>
+            </a:xfrm>
+            <a:prstGeom prst="roundRect">
+              <a:avLst/>
+            </a:prstGeom>
+            <a:solidFill>
+              <a:srgbClr val="F79646">
+                <a:alpha val="20000"/>
+              </a:srgbClr>
+            </a:solidFill>
+            <a:ln>
+              <a:solidFill>
+                <a:srgbClr val="F79646"/>
+              </a:solidFill>
+            </a:ln>
+          </p:spPr>
+          <p:style>
+            <a:lnRef idx="2">
+              <a:schemeClr val="accent6">
+                <a:shade val="50000"/>
+              </a:schemeClr>
+            </a:lnRef>
+            <a:fillRef idx="1">
+              <a:schemeClr val="accent6"/>
+            </a:fillRef>
+            <a:effectRef idx="0">
+              <a:schemeClr val="accent6"/>
+            </a:effectRef>
+            <a:fontRef idx="minor">
+              <a:schemeClr val="lt1"/>
+            </a:fontRef>
+          </p:style>
+          <p:txBody>
+            <a:bodyPr rtlCol="0" anchor="ctr"/>
+            <a:lstStyle/>
+            <a:p>
+              <a:pPr algn="ctr"/>
+              <a:r>
+                <a:rPr lang="en-US" sz="1600" dirty="0" smtClean="0">
+                  <a:solidFill>
+                    <a:schemeClr val="tx1"/>
+                  </a:solidFill>
+                </a:rPr>
+                <a:t>run </a:t>
+              </a:r>
+              <a:r>
+                <a:rPr lang="en-US" sz="1600" dirty="0" smtClean="0">
+                  <a:solidFill>
+                    <a:schemeClr val="tx1"/>
+                  </a:solidFill>
+                </a:rPr>
+                <a:t>code</a:t>
+              </a:r>
+              <a:endParaRPr lang="en-US" sz="1600" dirty="0">
+                <a:solidFill>
+                  <a:schemeClr val="tx1"/>
+                </a:solidFill>
+              </a:endParaRPr>
+            </a:p>
+          </p:txBody>
+        </p:sp>
+        <p:cxnSp>
+          <p:nvCxnSpPr>
+            <p:cNvPr id="152" name="Straight Arrow Connector 151"/>
+            <p:cNvCxnSpPr>
+              <a:stCxn id="111" idx="4"/>
+              <a:endCxn id="145" idx="0"/>
+            </p:cNvCxnSpPr>
+            <p:nvPr/>
+          </p:nvCxnSpPr>
+          <p:spPr>
+            <a:xfrm>
+              <a:off x="2808970" y="3300518"/>
+              <a:ext cx="0" cy="215901"/>
+            </a:xfrm>
+            <a:prstGeom prst="straightConnector1">
+              <a:avLst/>
+            </a:prstGeom>
+            <a:ln w="19050">
+              <a:tailEnd type="arrow"/>
+            </a:ln>
+          </p:spPr>
+          <p:style>
+            <a:lnRef idx="1">
+              <a:schemeClr val="accent1"/>
+            </a:lnRef>
+            <a:fillRef idx="0">
+              <a:schemeClr val="accent1"/>
+            </a:fillRef>
+            <a:effectRef idx="0">
+              <a:schemeClr val="accent1"/>
+            </a:effectRef>
+            <a:fontRef idx="minor">
+              <a:schemeClr val="tx1"/>
+            </a:fontRef>
+          </p:style>
+        </p:cxnSp>
+        <p:cxnSp>
+          <p:nvCxnSpPr>
+            <p:cNvPr id="40" name="Elbow Connector 39"/>
+            <p:cNvCxnSpPr>
+              <a:stCxn id="65" idx="2"/>
+              <a:endCxn id="111" idx="6"/>
+            </p:cNvCxnSpPr>
+            <p:nvPr/>
+          </p:nvCxnSpPr>
+          <p:spPr>
+            <a:xfrm rot="5400000" flipH="1" flipV="1">
+              <a:off x="1824719" y="4249895"/>
+              <a:ext cx="2003376" cy="34874"/>
+            </a:xfrm>
+            <a:prstGeom prst="bentConnector4">
+              <a:avLst>
+                <a:gd name="adj1" fmla="val -16737"/>
+                <a:gd name="adj2" fmla="val 3414079"/>
+              </a:avLst>
+            </a:prstGeom>
+            <a:ln w="19050">
+              <a:tailEnd type="arrow"/>
+            </a:ln>
+          </p:spPr>
+          <p:style>
+            <a:lnRef idx="1">
+              <a:schemeClr val="accent1"/>
+            </a:lnRef>
+            <a:fillRef idx="0">
+              <a:schemeClr val="accent1"/>
+            </a:fillRef>
+            <a:effectRef idx="0">
+              <a:schemeClr val="accent1"/>
+            </a:effectRef>
+            <a:fontRef idx="minor">
+              <a:schemeClr val="tx1"/>
+            </a:fontRef>
+          </p:style>
+        </p:cxnSp>
+        <p:sp>
+          <p:nvSpPr>
+            <p:cNvPr id="111" name="Oval 110"/>
+            <p:cNvSpPr/>
+            <p:nvPr/>
+          </p:nvSpPr>
+          <p:spPr>
+            <a:xfrm>
+              <a:off x="2774096" y="3230770"/>
+              <a:ext cx="69748" cy="69748"/>
+            </a:xfrm>
+            <a:prstGeom prst="ellipse">
+              <a:avLst/>
+            </a:prstGeom>
+            <a:solidFill>
+              <a:srgbClr val="F79646">
+                <a:alpha val="20000"/>
+              </a:srgbClr>
+            </a:solidFill>
+            <a:ln>
+              <a:noFill/>
+            </a:ln>
+          </p:spPr>
+          <p:style>
+            <a:lnRef idx="2">
+              <a:schemeClr val="accent6">
+                <a:shade val="50000"/>
+              </a:schemeClr>
+            </a:lnRef>
+            <a:fillRef idx="1">
+              <a:schemeClr val="accent6"/>
+            </a:fillRef>
+            <a:effectRef idx="0">
+              <a:schemeClr val="accent6"/>
+            </a:effectRef>
+            <a:fontRef idx="minor">
+              <a:schemeClr val="lt1"/>
+            </a:fontRef>
+          </p:style>
+          <p:txBody>
+            <a:bodyPr rtlCol="0" anchor="ctr"/>
+            <a:lstStyle/>
+            <a:p>
+              <a:pPr algn="ctr"/>
+              <a:endParaRPr lang="en-US" sz="1600">
+                <a:solidFill>
+                  <a:schemeClr val="tx1"/>
+                </a:solidFill>
+              </a:endParaRPr>
+            </a:p>
+          </p:txBody>
+        </p:sp>
+        <p:sp>
+          <p:nvSpPr>
+            <p:cNvPr id="176" name="Oval 175"/>
+            <p:cNvSpPr/>
+            <p:nvPr/>
+          </p:nvSpPr>
+          <p:spPr>
+            <a:xfrm>
+              <a:off x="2774096" y="3065670"/>
+              <a:ext cx="69748" cy="69748"/>
+            </a:xfrm>
+            <a:prstGeom prst="ellipse">
+              <a:avLst/>
+            </a:prstGeom>
+            <a:solidFill>
+              <a:srgbClr val="F79646">
+                <a:alpha val="20000"/>
+              </a:srgbClr>
+            </a:solidFill>
+            <a:ln>
+              <a:noFill/>
+            </a:ln>
+          </p:spPr>
+          <p:style>
+            <a:lnRef idx="2">
+              <a:schemeClr val="accent6">
+                <a:shade val="50000"/>
+              </a:schemeClr>
+            </a:lnRef>
+            <a:fillRef idx="1">
+              <a:schemeClr val="accent6"/>
+            </a:fillRef>
+            <a:effectRef idx="0">
+              <a:schemeClr val="accent6"/>
+            </a:effectRef>
+            <a:fontRef idx="minor">
+              <a:schemeClr val="lt1"/>
+            </a:fontRef>
+          </p:style>
+          <p:txBody>
+            <a:bodyPr rtlCol="0" anchor="ctr"/>
+            <a:lstStyle/>
+            <a:p>
+              <a:pPr algn="ctr"/>
+              <a:endParaRPr lang="en-US" sz="1600">
+                <a:solidFill>
+                  <a:schemeClr val="tx1"/>
+                </a:solidFill>
+              </a:endParaRPr>
+            </a:p>
+          </p:txBody>
+        </p:sp>
+        <p:cxnSp>
+          <p:nvCxnSpPr>
+            <p:cNvPr id="177" name="Elbow Connector 176"/>
+            <p:cNvCxnSpPr>
+              <a:stCxn id="65" idx="2"/>
+              <a:endCxn id="176" idx="6"/>
+            </p:cNvCxnSpPr>
+            <p:nvPr/>
+          </p:nvCxnSpPr>
+          <p:spPr>
+            <a:xfrm rot="5400000" flipH="1" flipV="1">
+              <a:off x="1742169" y="4167345"/>
+              <a:ext cx="2168476" cy="34874"/>
+            </a:xfrm>
+            <a:prstGeom prst="bentConnector4">
+              <a:avLst>
+                <a:gd name="adj1" fmla="val -39971"/>
+                <a:gd name="adj2" fmla="val 3949406"/>
+              </a:avLst>
+            </a:prstGeom>
+            <a:ln w="19050">
+              <a:tailEnd type="arrow"/>
+            </a:ln>
+          </p:spPr>
+          <p:style>
+            <a:lnRef idx="1">
+              <a:schemeClr val="accent1"/>
+            </a:lnRef>
+            <a:fillRef idx="0">
+              <a:schemeClr val="accent1"/>
+            </a:fillRef>
+            <a:effectRef idx="0">
+              <a:schemeClr val="accent1"/>
+            </a:effectRef>
+            <a:fontRef idx="minor">
+              <a:schemeClr val="tx1"/>
+            </a:fontRef>
+          </p:style>
+        </p:cxnSp>
+        <p:cxnSp>
+          <p:nvCxnSpPr>
+            <p:cNvPr id="124" name="Straight Connector 123"/>
+            <p:cNvCxnSpPr>
+              <a:stCxn id="176" idx="4"/>
+              <a:endCxn id="111" idx="4"/>
+            </p:cNvCxnSpPr>
+            <p:nvPr/>
+          </p:nvCxnSpPr>
+          <p:spPr>
+            <a:xfrm>
+              <a:off x="2808970" y="3135418"/>
+              <a:ext cx="0" cy="165100"/>
+            </a:xfrm>
+            <a:prstGeom prst="line">
+              <a:avLst/>
+            </a:prstGeom>
+            <a:ln w="19050"/>
+          </p:spPr>
+          <p:style>
+            <a:lnRef idx="1">
+              <a:schemeClr val="accent1"/>
+            </a:lnRef>
+            <a:fillRef idx="0">
+              <a:schemeClr val="accent1"/>
+            </a:fillRef>
+            <a:effectRef idx="0">
+              <a:schemeClr val="accent1"/>
+            </a:effectRef>
+            <a:fontRef idx="minor">
+              <a:schemeClr val="tx1"/>
+            </a:fontRef>
+          </p:style>
+        </p:cxnSp>
+        <p:cxnSp>
+          <p:nvCxnSpPr>
+            <p:cNvPr id="186" name="Straight Connector 185"/>
+            <p:cNvCxnSpPr>
+              <a:stCxn id="59" idx="2"/>
+              <a:endCxn id="176" idx="4"/>
+            </p:cNvCxnSpPr>
+            <p:nvPr/>
+          </p:nvCxnSpPr>
+          <p:spPr>
+            <a:xfrm>
+              <a:off x="2808970" y="2095500"/>
+              <a:ext cx="0" cy="1039918"/>
+            </a:xfrm>
+            <a:prstGeom prst="line">
+              <a:avLst/>
+            </a:prstGeom>
+            <a:ln w="19050"/>
+          </p:spPr>
+          <p:style>
+            <a:lnRef idx="1">
+              <a:schemeClr val="accent1"/>
+            </a:lnRef>
+            <a:fillRef idx="0">
+              <a:schemeClr val="accent1"/>
+            </a:fillRef>
+            <a:effectRef idx="0">
+              <a:schemeClr val="accent1"/>
+            </a:effectRef>
+            <a:fontRef idx="minor">
+              <a:schemeClr val="tx1"/>
+            </a:fontRef>
+          </p:style>
+        </p:cxnSp>
+        <mc:AlternateContent xmlns:mc="http://schemas.openxmlformats.org/markup-compatibility/2006">
+          <mc:Choice xmlns:a14="http://schemas.microsoft.com/office/drawing/2010/main" Requires="a14">
+            <p:sp>
+              <p:nvSpPr>
+                <p:cNvPr id="195" name="TextBox 194"/>
+                <p:cNvSpPr txBox="1"/>
+                <p:nvPr/>
+              </p:nvSpPr>
+              <p:spPr>
+                <a:xfrm>
+                  <a:off x="2808969" y="5292150"/>
+                  <a:ext cx="944809" cy="584775"/>
+                </a:xfrm>
+                <a:prstGeom prst="rect">
+                  <a:avLst/>
+                </a:prstGeom>
+                <a:noFill/>
+              </p:spPr>
+              <p:txBody>
+                <a:bodyPr wrap="none" rtlCol="0">
+                  <a:spAutoFit/>
+                </a:bodyPr>
+                <a:lstStyle/>
+                <a:p>
+                  <a:pPr algn="ctr"/>
+                  <a:r>
+                    <a:rPr lang="en-US" sz="1600" dirty="0" smtClean="0"/>
+                    <a:t>multiple</a:t>
+                  </a:r>
+                  <a:br>
+                    <a:rPr lang="en-US" sz="1600" dirty="0" smtClean="0"/>
+                  </a:br>
+                  <a:r>
+                    <a:rPr lang="en-US" sz="1600" dirty="0" smtClean="0"/>
+                    <a:t>epochs </a:t>
+                  </a:r>
+                  <a14:m>
+                    <m:oMath xmlns:m="http://schemas.openxmlformats.org/officeDocument/2006/math">
+                      <m:r>
+                        <a:rPr lang="en-US" sz="1600" b="0" i="1" smtClean="0">
+                          <a:latin typeface="Cambria Math"/>
+                        </a:rPr>
+                        <m:t>𝑛</m:t>
+                      </m:r>
+                    </m:oMath>
+                  </a14:m>
+                  <a:endParaRPr lang="en-US" sz="1600" dirty="0" smtClean="0"/>
+                </a:p>
+              </p:txBody>
+            </p:sp>
+          </mc:Choice>
+          <mc:Fallback>
+            <p:sp>
+              <p:nvSpPr>
+                <p:cNvPr id="195" name="TextBox 194"/>
+                <p:cNvSpPr txBox="1">
+                  <a:spLocks noRot="1" noChangeAspect="1" noMove="1" noResize="1" noEditPoints="1" noAdjustHandles="1" noChangeArrowheads="1" noChangeShapeType="1" noTextEdit="1"/>
+                </p:cNvSpPr>
+                <p:nvPr/>
+              </p:nvSpPr>
+              <p:spPr>
+                <a:xfrm>
+                  <a:off x="2808969" y="5292150"/>
+                  <a:ext cx="944809" cy="584775"/>
+                </a:xfrm>
+                <a:prstGeom prst="rect">
+                  <a:avLst/>
+                </a:prstGeom>
+                <a:blipFill rotWithShape="1">
+                  <a:blip r:embed="rId3"/>
+                  <a:stretch>
+                    <a:fillRect l="-3226" t="-3125" b="-12500"/>
+                  </a:stretch>
+                </a:blipFill>
+              </p:spPr>
+              <p:txBody>
+                <a:bodyPr/>
+                <a:lstStyle/>
+                <a:p>
+                  <a:r>
+                    <a:rPr lang="en-US">
+                      <a:noFill/>
+                    </a:rPr>
+                    <a:t> </a:t>
+                  </a:r>
+                </a:p>
+              </p:txBody>
+            </p:sp>
+          </mc:Fallback>
+        </mc:AlternateContent>
+        <mc:AlternateContent xmlns:mc="http://schemas.openxmlformats.org/markup-compatibility/2006">
+          <mc:Choice xmlns:a14="http://schemas.microsoft.com/office/drawing/2010/main" Requires="a14">
+            <p:sp>
+              <p:nvSpPr>
+                <p:cNvPr id="200" name="TextBox 199"/>
+                <p:cNvSpPr txBox="1"/>
+                <p:nvPr/>
+              </p:nvSpPr>
+              <p:spPr>
+                <a:xfrm>
+                  <a:off x="2844394" y="5816025"/>
+                  <a:ext cx="873957" cy="584775"/>
+                </a:xfrm>
+                <a:prstGeom prst="rect">
+                  <a:avLst/>
+                </a:prstGeom>
+                <a:noFill/>
+              </p:spPr>
+              <p:txBody>
+                <a:bodyPr wrap="none" rtlCol="0">
+                  <a:spAutoFit/>
+                </a:bodyPr>
+                <a:lstStyle/>
+                <a:p>
+                  <a:pPr algn="ctr"/>
+                  <a:r>
+                    <a:rPr lang="en-US" sz="1600" dirty="0" smtClean="0"/>
+                    <a:t>multiple</a:t>
+                  </a:r>
+                  <a:br>
+                    <a:rPr lang="en-US" sz="1600" dirty="0" smtClean="0"/>
+                  </a:br>
+                  <a:r>
+                    <a:rPr lang="en-US" sz="1600" dirty="0" smtClean="0"/>
+                    <a:t>runs </a:t>
+                  </a:r>
+                  <a14:m>
+                    <m:oMath xmlns:m="http://schemas.openxmlformats.org/officeDocument/2006/math">
+                      <m:r>
+                        <a:rPr lang="en-US" sz="1600" b="0" i="1" smtClean="0">
+                          <a:latin typeface="Cambria Math"/>
+                        </a:rPr>
+                        <m:t>𝑚</m:t>
+                      </m:r>
+                    </m:oMath>
+                  </a14:m>
+                  <a:endParaRPr lang="en-US" sz="1600" dirty="0" smtClean="0"/>
+                </a:p>
+              </p:txBody>
+            </p:sp>
+          </mc:Choice>
+          <mc:Fallback>
+            <p:sp>
+              <p:nvSpPr>
+                <p:cNvPr id="200" name="TextBox 199"/>
+                <p:cNvSpPr txBox="1">
+                  <a:spLocks noRot="1" noChangeAspect="1" noMove="1" noResize="1" noEditPoints="1" noAdjustHandles="1" noChangeArrowheads="1" noChangeShapeType="1" noTextEdit="1"/>
+                </p:cNvSpPr>
+                <p:nvPr/>
+              </p:nvSpPr>
+              <p:spPr>
+                <a:xfrm>
+                  <a:off x="2844394" y="5816025"/>
+                  <a:ext cx="873957" cy="584775"/>
+                </a:xfrm>
+                <a:prstGeom prst="rect">
+                  <a:avLst/>
+                </a:prstGeom>
+                <a:blipFill rotWithShape="1">
+                  <a:blip r:embed="rId4"/>
+                  <a:stretch>
+                    <a:fillRect l="-2778" t="-3125" r="-2778" b="-12500"/>
+                  </a:stretch>
+                </a:blipFill>
+              </p:spPr>
+              <p:txBody>
+                <a:bodyPr/>
+                <a:lstStyle/>
+                <a:p>
+                  <a:r>
+                    <a:rPr lang="en-US">
+                      <a:noFill/>
+                    </a:rPr>
+                    <a:t> </a:t>
+                  </a:r>
+                </a:p>
+              </p:txBody>
+            </p:sp>
+          </mc:Fallback>
+        </mc:AlternateContent>
+        <p:cxnSp>
+          <p:nvCxnSpPr>
+            <p:cNvPr id="207" name="Elbow Connector 206"/>
+            <p:cNvCxnSpPr>
+              <a:stCxn id="144" idx="2"/>
+              <a:endCxn id="212" idx="6"/>
+            </p:cNvCxnSpPr>
+            <p:nvPr/>
+          </p:nvCxnSpPr>
+          <p:spPr>
+            <a:xfrm rot="5400000" flipH="1" flipV="1">
+              <a:off x="4901933" y="3889159"/>
+              <a:ext cx="1280010" cy="34872"/>
+            </a:xfrm>
+            <a:prstGeom prst="bentConnector4">
+              <a:avLst>
+                <a:gd name="adj1" fmla="val -82152"/>
+                <a:gd name="adj2" fmla="val 3365107"/>
+              </a:avLst>
+            </a:prstGeom>
+            <a:ln w="19050">
+              <a:tailEnd type="arrow"/>
+            </a:ln>
+          </p:spPr>
+          <p:style>
+            <a:lnRef idx="1">
+              <a:schemeClr val="accent1"/>
+            </a:lnRef>
+            <a:fillRef idx="0">
+              <a:schemeClr val="accent1"/>
+            </a:fillRef>
+            <a:effectRef idx="0">
+              <a:schemeClr val="accent1"/>
+            </a:effectRef>
+            <a:fontRef idx="minor">
+              <a:schemeClr val="tx1"/>
+            </a:fontRef>
+          </p:style>
+        </p:cxnSp>
+        <p:cxnSp>
+          <p:nvCxnSpPr>
+            <p:cNvPr id="208" name="Elbow Connector 207"/>
+            <p:cNvCxnSpPr>
+              <a:stCxn id="144" idx="2"/>
+              <a:endCxn id="213" idx="6"/>
+            </p:cNvCxnSpPr>
+            <p:nvPr/>
+          </p:nvCxnSpPr>
+          <p:spPr>
+            <a:xfrm rot="5400000" flipH="1" flipV="1">
+              <a:off x="4818911" y="3806136"/>
+              <a:ext cx="1446055" cy="34874"/>
+            </a:xfrm>
+            <a:prstGeom prst="bentConnector4">
+              <a:avLst>
+                <a:gd name="adj1" fmla="val -109343"/>
+                <a:gd name="adj2" fmla="val 3889316"/>
+              </a:avLst>
+            </a:prstGeom>
+            <a:ln w="19050">
+              <a:tailEnd type="arrow"/>
+            </a:ln>
+          </p:spPr>
+          <p:style>
+            <a:lnRef idx="1">
+              <a:schemeClr val="accent1"/>
+            </a:lnRef>
+            <a:fillRef idx="0">
+              <a:schemeClr val="accent1"/>
+            </a:fillRef>
+            <a:effectRef idx="0">
+              <a:schemeClr val="accent1"/>
+            </a:effectRef>
+            <a:fontRef idx="minor">
+              <a:schemeClr val="tx1"/>
+            </a:fontRef>
+          </p:style>
+        </p:cxnSp>
+        <mc:AlternateContent xmlns:mc="http://schemas.openxmlformats.org/markup-compatibility/2006">
+          <mc:Choice xmlns:a14="http://schemas.microsoft.com/office/drawing/2010/main" Requires="a14">
+            <p:sp>
+              <p:nvSpPr>
+                <p:cNvPr id="209" name="TextBox 208"/>
+                <p:cNvSpPr txBox="1"/>
+                <p:nvPr/>
+              </p:nvSpPr>
+              <p:spPr>
+                <a:xfrm>
+                  <a:off x="5524502" y="5292149"/>
+                  <a:ext cx="944809" cy="584775"/>
+                </a:xfrm>
+                <a:prstGeom prst="rect">
+                  <a:avLst/>
+                </a:prstGeom>
+                <a:noFill/>
+              </p:spPr>
+              <p:txBody>
+                <a:bodyPr wrap="none" rtlCol="0">
+                  <a:spAutoFit/>
+                </a:bodyPr>
+                <a:lstStyle/>
+                <a:p>
+                  <a:pPr algn="ctr"/>
+                  <a:r>
+                    <a:rPr lang="en-US" sz="1600" dirty="0" smtClean="0"/>
+                    <a:t>multiple</a:t>
+                  </a:r>
+                  <a:br>
+                    <a:rPr lang="en-US" sz="1600" dirty="0" smtClean="0"/>
+                  </a:br>
+                  <a:r>
+                    <a:rPr lang="en-US" sz="1600" dirty="0" smtClean="0"/>
+                    <a:t>epochs </a:t>
+                  </a:r>
+                  <a14:m>
+                    <m:oMath xmlns:m="http://schemas.openxmlformats.org/officeDocument/2006/math">
+                      <m:r>
+                        <a:rPr lang="en-US" sz="1600" b="0" i="1" smtClean="0">
+                          <a:latin typeface="Cambria Math"/>
+                        </a:rPr>
+                        <m:t>𝑛</m:t>
+                      </m:r>
+                    </m:oMath>
+                  </a14:m>
+                  <a:endParaRPr lang="en-US" sz="1600" dirty="0" smtClean="0"/>
+                </a:p>
+              </p:txBody>
+            </p:sp>
+          </mc:Choice>
+          <mc:Fallback>
+            <p:sp>
+              <p:nvSpPr>
+                <p:cNvPr id="209" name="TextBox 208"/>
+                <p:cNvSpPr txBox="1">
+                  <a:spLocks noRot="1" noChangeAspect="1" noMove="1" noResize="1" noEditPoints="1" noAdjustHandles="1" noChangeArrowheads="1" noChangeShapeType="1" noTextEdit="1"/>
+                </p:cNvSpPr>
+                <p:nvPr/>
+              </p:nvSpPr>
+              <p:spPr>
+                <a:xfrm>
+                  <a:off x="5524502" y="5292149"/>
+                  <a:ext cx="944809" cy="584775"/>
+                </a:xfrm>
+                <a:prstGeom prst="rect">
+                  <a:avLst/>
+                </a:prstGeom>
+                <a:blipFill rotWithShape="1">
+                  <a:blip r:embed="rId5"/>
+                  <a:stretch>
+                    <a:fillRect l="-3226" t="-3125" b="-12500"/>
+                  </a:stretch>
+                </a:blipFill>
+              </p:spPr>
+              <p:txBody>
+                <a:bodyPr/>
+                <a:lstStyle/>
+                <a:p>
+                  <a:r>
+                    <a:rPr lang="en-US">
+                      <a:noFill/>
+                    </a:rPr>
+                    <a:t> </a:t>
+                  </a:r>
+                </a:p>
+              </p:txBody>
+            </p:sp>
+          </mc:Fallback>
+        </mc:AlternateContent>
+        <mc:AlternateContent xmlns:mc="http://schemas.openxmlformats.org/markup-compatibility/2006">
+          <mc:Choice xmlns:a14="http://schemas.microsoft.com/office/drawing/2010/main" Requires="a14">
+            <p:sp>
+              <p:nvSpPr>
+                <p:cNvPr id="210" name="TextBox 209"/>
+                <p:cNvSpPr txBox="1"/>
+                <p:nvPr/>
+              </p:nvSpPr>
+              <p:spPr>
+                <a:xfrm>
+                  <a:off x="5524500" y="5816024"/>
+                  <a:ext cx="873957" cy="584775"/>
+                </a:xfrm>
+                <a:prstGeom prst="rect">
+                  <a:avLst/>
+                </a:prstGeom>
+                <a:noFill/>
+              </p:spPr>
+              <p:txBody>
+                <a:bodyPr wrap="none" rtlCol="0">
+                  <a:spAutoFit/>
+                </a:bodyPr>
+                <a:lstStyle/>
+                <a:p>
+                  <a:pPr algn="ctr"/>
+                  <a:r>
+                    <a:rPr lang="en-US" sz="1600" dirty="0" smtClean="0"/>
+                    <a:t>multiple</a:t>
+                  </a:r>
+                  <a:br>
+                    <a:rPr lang="en-US" sz="1600" dirty="0" smtClean="0"/>
+                  </a:br>
+                  <a:r>
+                    <a:rPr lang="en-US" sz="1600" dirty="0" smtClean="0"/>
+                    <a:t>runs </a:t>
+                  </a:r>
+                  <a14:m>
+                    <m:oMath xmlns:m="http://schemas.openxmlformats.org/officeDocument/2006/math">
+                      <m:r>
+                        <a:rPr lang="en-US" sz="1600" b="0" i="1" smtClean="0">
+                          <a:latin typeface="Cambria Math"/>
+                        </a:rPr>
+                        <m:t>𝑚</m:t>
+                      </m:r>
+                    </m:oMath>
+                  </a14:m>
+                  <a:endParaRPr lang="en-US" sz="1600" dirty="0" smtClean="0"/>
+                </a:p>
+              </p:txBody>
+            </p:sp>
+          </mc:Choice>
+          <mc:Fallback>
+            <p:sp>
+              <p:nvSpPr>
+                <p:cNvPr id="210" name="TextBox 209"/>
+                <p:cNvSpPr txBox="1">
+                  <a:spLocks noRot="1" noChangeAspect="1" noMove="1" noResize="1" noEditPoints="1" noAdjustHandles="1" noChangeArrowheads="1" noChangeShapeType="1" noTextEdit="1"/>
+                </p:cNvSpPr>
+                <p:nvPr/>
+              </p:nvSpPr>
+              <p:spPr>
+                <a:xfrm>
+                  <a:off x="5524500" y="5816024"/>
+                  <a:ext cx="873957" cy="584775"/>
+                </a:xfrm>
+                <a:prstGeom prst="rect">
+                  <a:avLst/>
+                </a:prstGeom>
+                <a:blipFill rotWithShape="1">
+                  <a:blip r:embed="rId6"/>
+                  <a:stretch>
+                    <a:fillRect l="-3497" t="-3125" r="-2797" b="-12500"/>
+                  </a:stretch>
+                </a:blipFill>
+              </p:spPr>
+              <p:txBody>
+                <a:bodyPr/>
+                <a:lstStyle/>
+                <a:p>
+                  <a:r>
+                    <a:rPr lang="en-US">
+                      <a:noFill/>
+                    </a:rPr>
+                    <a:t> </a:t>
+                  </a:r>
+                </a:p>
+              </p:txBody>
+            </p:sp>
+          </mc:Fallback>
+        </mc:AlternateContent>
+        <p:cxnSp>
+          <p:nvCxnSpPr>
+            <p:cNvPr id="211" name="Straight Arrow Connector 210"/>
+            <p:cNvCxnSpPr>
+              <a:stCxn id="212" idx="4"/>
+              <a:endCxn id="144" idx="0"/>
+            </p:cNvCxnSpPr>
+            <p:nvPr/>
+          </p:nvCxnSpPr>
+          <p:spPr>
+            <a:xfrm>
+              <a:off x="5524500" y="3301464"/>
+              <a:ext cx="2" cy="870587"/>
+            </a:xfrm>
+            <a:prstGeom prst="straightConnector1">
+              <a:avLst/>
+            </a:prstGeom>
+            <a:ln w="19050">
+              <a:tailEnd type="arrow"/>
+            </a:ln>
+          </p:spPr>
+          <p:style>
+            <a:lnRef idx="1">
+              <a:schemeClr val="accent1"/>
+            </a:lnRef>
+            <a:fillRef idx="0">
+              <a:schemeClr val="accent1"/>
+            </a:fillRef>
+            <a:effectRef idx="0">
+              <a:schemeClr val="accent1"/>
+            </a:effectRef>
+            <a:fontRef idx="minor">
+              <a:schemeClr val="tx1"/>
+            </a:fontRef>
+          </p:style>
+        </p:cxnSp>
+        <p:sp>
+          <p:nvSpPr>
+            <p:cNvPr id="212" name="Oval 211"/>
+            <p:cNvSpPr/>
+            <p:nvPr/>
+          </p:nvSpPr>
+          <p:spPr>
+            <a:xfrm>
+              <a:off x="5489626" y="3231716"/>
+              <a:ext cx="69748" cy="69748"/>
+            </a:xfrm>
+            <a:prstGeom prst="ellipse">
+              <a:avLst/>
+            </a:prstGeom>
+            <a:solidFill>
+              <a:srgbClr val="F79646">
+                <a:alpha val="20000"/>
+              </a:srgbClr>
+            </a:solidFill>
+            <a:ln>
+              <a:noFill/>
+            </a:ln>
+          </p:spPr>
+          <p:style>
+            <a:lnRef idx="2">
+              <a:schemeClr val="accent6">
+                <a:shade val="50000"/>
+              </a:schemeClr>
+            </a:lnRef>
+            <a:fillRef idx="1">
+              <a:schemeClr val="accent6"/>
+            </a:fillRef>
+            <a:effectRef idx="0">
+              <a:schemeClr val="accent6"/>
+            </a:effectRef>
+            <a:fontRef idx="minor">
+              <a:schemeClr val="lt1"/>
+            </a:fontRef>
+          </p:style>
+          <p:txBody>
+            <a:bodyPr rtlCol="0" anchor="ctr"/>
+            <a:lstStyle/>
+            <a:p>
+              <a:pPr algn="ctr"/>
+              <a:endParaRPr lang="en-US" sz="1600">
+                <a:solidFill>
+                  <a:schemeClr val="tx1"/>
+                </a:solidFill>
+              </a:endParaRPr>
+            </a:p>
+          </p:txBody>
+        </p:sp>
+        <p:sp>
+          <p:nvSpPr>
+            <p:cNvPr id="213" name="Oval 212"/>
+            <p:cNvSpPr/>
+            <p:nvPr/>
+          </p:nvSpPr>
+          <p:spPr>
+            <a:xfrm>
+              <a:off x="5489628" y="3065671"/>
+              <a:ext cx="69748" cy="69748"/>
+            </a:xfrm>
+            <a:prstGeom prst="ellipse">
+              <a:avLst/>
+            </a:prstGeom>
+            <a:solidFill>
+              <a:srgbClr val="F79646">
+                <a:alpha val="20000"/>
+              </a:srgbClr>
+            </a:solidFill>
+            <a:ln>
+              <a:noFill/>
+            </a:ln>
+          </p:spPr>
+          <p:style>
+            <a:lnRef idx="2">
+              <a:schemeClr val="accent6">
+                <a:shade val="50000"/>
+              </a:schemeClr>
+            </a:lnRef>
+            <a:fillRef idx="1">
+              <a:schemeClr val="accent6"/>
+            </a:fillRef>
+            <a:effectRef idx="0">
+              <a:schemeClr val="accent6"/>
+            </a:effectRef>
+            <a:fontRef idx="minor">
+              <a:schemeClr val="lt1"/>
+            </a:fontRef>
+          </p:style>
+          <p:txBody>
+            <a:bodyPr rtlCol="0" anchor="ctr"/>
+            <a:lstStyle/>
+            <a:p>
+              <a:pPr algn="ctr"/>
+              <a:endParaRPr lang="en-US" sz="1600">
+                <a:solidFill>
+                  <a:schemeClr val="tx1"/>
+                </a:solidFill>
+              </a:endParaRPr>
+            </a:p>
+          </p:txBody>
+        </p:sp>
+        <p:cxnSp>
+          <p:nvCxnSpPr>
+            <p:cNvPr id="214" name="Straight Connector 213"/>
+            <p:cNvCxnSpPr>
+              <a:stCxn id="213" idx="4"/>
+              <a:endCxn id="212" idx="4"/>
+            </p:cNvCxnSpPr>
+            <p:nvPr/>
+          </p:nvCxnSpPr>
+          <p:spPr>
+            <a:xfrm flipH="1">
+              <a:off x="5524500" y="3135419"/>
+              <a:ext cx="2" cy="166045"/>
+            </a:xfrm>
+            <a:prstGeom prst="line">
+              <a:avLst/>
+            </a:prstGeom>
+            <a:ln w="19050"/>
+          </p:spPr>
+          <p:style>
+            <a:lnRef idx="1">
+              <a:schemeClr val="accent1"/>
+            </a:lnRef>
+            <a:fillRef idx="0">
+              <a:schemeClr val="accent1"/>
+            </a:fillRef>
+            <a:effectRef idx="0">
+              <a:schemeClr val="accent1"/>
+            </a:effectRef>
+            <a:fontRef idx="minor">
+              <a:schemeClr val="tx1"/>
+            </a:fontRef>
+          </p:style>
+        </p:cxnSp>
+        <p:cxnSp>
+          <p:nvCxnSpPr>
+            <p:cNvPr id="215" name="Straight Connector 214"/>
+            <p:cNvCxnSpPr>
+              <a:stCxn id="143" idx="2"/>
+              <a:endCxn id="213" idx="4"/>
+            </p:cNvCxnSpPr>
+            <p:nvPr/>
+          </p:nvCxnSpPr>
+          <p:spPr>
+            <a:xfrm>
+              <a:off x="5524501" y="2765728"/>
+              <a:ext cx="1" cy="369691"/>
+            </a:xfrm>
+            <a:prstGeom prst="line">
+              <a:avLst/>
+            </a:prstGeom>
+            <a:ln w="19050"/>
+          </p:spPr>
+          <p:style>
+            <a:lnRef idx="1">
+              <a:schemeClr val="accent1"/>
+            </a:lnRef>
+            <a:fillRef idx="0">
+              <a:schemeClr val="accent1"/>
+            </a:fillRef>
+            <a:effectRef idx="0">
+              <a:schemeClr val="accent1"/>
+            </a:effectRef>
+            <a:fontRef idx="minor">
+              <a:schemeClr val="tx1"/>
+            </a:fontRef>
+          </p:style>
+        </p:cxnSp>
+      </p:grpSp>
+    </p:spTree>
+    <p:extLst>
+      <p:ext uri="{BB962C8B-B14F-4D97-AF65-F5344CB8AC3E}">
+        <p14:creationId xmlns:p14="http://schemas.microsoft.com/office/powerpoint/2010/main" val="285514895"/>
+      </p:ext>
+    </p:extLst>
+  </p:cSld>
+  <p:clrMapOvr>
+    <a:masterClrMapping/>
+  </p:clrMapOvr>
+  <p:timing>
+    <p:tnLst>
+      <p:par>
+        <p:cTn id="1" dur="indefinite" restart="never" nodeType="tmRoot"/>
+      </p:par>
+    </p:tnLst>
+  </p:timing>
+</p:sld>
+</file>
+
+<file path=ppt/slides/slide9.xml><?xml version="1.0" encoding="utf-8"?>
 <p:sld xmlns:a="http://schemas.openxmlformats.org/drawingml/2006/main" xmlns:r="http://schemas.openxmlformats.org/officeDocument/2006/relationships" xmlns:p="http://schemas.openxmlformats.org/presentationml/2006/main">
   <p:cSld>
     <p:spTree>
@@ -22575,11 +27494,7 @@
               </a:br>
               <a:r>
                 <a:rPr lang="en-US" sz="1200" dirty="0" smtClean="0"/>
-                <a:t>module</a:t>
-              </a:r>
-              <a:r>
-                <a:rPr lang="en-US" sz="1200" dirty="0" smtClean="0"/>
-                <a:t>:</a:t>
+                <a:t>module:</a:t>
               </a:r>
             </a:p>
             <a:p>
@@ -22698,10 +27613,6 @@
                 <a:rPr lang="en-US" sz="1200" i="1" dirty="0" smtClean="0"/>
                 <a:t>scalable</a:t>
               </a:r>
-              <a:r>
-                <a:rPr lang="en-US" sz="1200" i="1" dirty="0" smtClean="0"/>
-                <a:t/>
-              </a:r>
               <a:br>
                 <a:rPr lang="en-US" sz="1200" i="1" dirty="0" smtClean="0"/>
               </a:br>
@@ -22722,11 +27633,7 @@
               </a:br>
               <a:r>
                 <a:rPr lang="en-US" sz="1200" i="1" dirty="0" smtClean="0"/>
-                <a:t>back-propagation </a:t>
-              </a:r>
-              <a:r>
-                <a:rPr lang="en-US" sz="1200" i="1" dirty="0" smtClean="0"/>
-                <a:t>algorithms</a:t>
+                <a:t>back-propagation algorithms</a:t>
               </a:r>
               <a:endParaRPr lang="en-US" sz="1200" i="1" dirty="0"/>
             </a:p>
@@ -22773,11 +27680,7 @@
             <a:p>
               <a:r>
                 <a:rPr lang="en-US" sz="1200" i="1" dirty="0" smtClean="0"/>
-                <a:t>scalable </a:t>
-              </a:r>
-              <a:r>
-                <a:rPr lang="en-US" sz="1200" i="1" dirty="0" smtClean="0"/>
-                <a:t>for other</a:t>
+                <a:t>scalable for other</a:t>
               </a:r>
               <a:br>
                 <a:rPr lang="en-US" sz="1200" i="1" dirty="0" smtClean="0"/>
@@ -22795,90 +27698,6 @@
     <p:extLst>
       <p:ext uri="{BB962C8B-B14F-4D97-AF65-F5344CB8AC3E}">
         <p14:creationId xmlns:p14="http://schemas.microsoft.com/office/powerpoint/2010/main" val="795875027"/>
-      </p:ext>
-    </p:extLst>
-  </p:cSld>
-  <p:clrMapOvr>
-    <a:masterClrMapping/>
-  </p:clrMapOvr>
-</p:sld>
-</file>
-
-<file path=ppt/slides/slide9.xml><?xml version="1.0" encoding="utf-8"?>
-<p:sld xmlns:a="http://schemas.openxmlformats.org/drawingml/2006/main" xmlns:r="http://schemas.openxmlformats.org/officeDocument/2006/relationships" xmlns:p="http://schemas.openxmlformats.org/presentationml/2006/main">
-  <p:cSld>
-    <p:spTree>
-      <p:nvGrpSpPr>
-        <p:cNvPr id="1" name=""/>
-        <p:cNvGrpSpPr/>
-        <p:nvPr/>
-      </p:nvGrpSpPr>
-      <p:grpSpPr>
-        <a:xfrm>
-          <a:off x="0" y="0"/>
-          <a:ext cx="0" cy="0"/>
-          <a:chOff x="0" y="0"/>
-          <a:chExt cx="0" cy="0"/>
-        </a:xfrm>
-      </p:grpSpPr>
-      <p:pic>
-        <p:nvPicPr>
-          <p:cNvPr id="1026" name="Picture 2"/>
-          <p:cNvPicPr>
-            <a:picLocks noChangeAspect="1" noChangeArrowheads="1"/>
-          </p:cNvPicPr>
-          <p:nvPr/>
-        </p:nvPicPr>
-        <p:blipFill>
-          <a:blip r:embed="rId2">
-            <a:extLst>
-              <a:ext uri="{28A0092B-C50C-407E-A947-70E740481C1C}">
-                <a14:useLocalDpi xmlns:a14="http://schemas.microsoft.com/office/drawing/2010/main" val="0"/>
-              </a:ext>
-            </a:extLst>
-          </a:blip>
-          <a:srcRect/>
-          <a:stretch>
-            <a:fillRect/>
-          </a:stretch>
-        </p:blipFill>
-        <p:spPr bwMode="auto">
-          <a:xfrm>
-            <a:off x="938214" y="914400"/>
-            <a:ext cx="7267575" cy="4572000"/>
-          </a:xfrm>
-          <a:prstGeom prst="rect">
-            <a:avLst/>
-          </a:prstGeom>
-          <a:noFill/>
-          <a:ln>
-            <a:noFill/>
-          </a:ln>
-          <a:extLst>
-            <a:ext uri="{909E8E84-426E-40DD-AFC4-6F175D3DCCD1}">
-              <a14:hiddenFill xmlns:a14="http://schemas.microsoft.com/office/drawing/2010/main">
-                <a:solidFill>
-                  <a:schemeClr val="accent1"/>
-                </a:solidFill>
-              </a14:hiddenFill>
-            </a:ext>
-            <a:ext uri="{91240B29-F687-4F45-9708-019B960494DF}">
-              <a14:hiddenLine xmlns:a14="http://schemas.microsoft.com/office/drawing/2010/main" w="9525">
-                <a:solidFill>
-                  <a:schemeClr val="tx1"/>
-                </a:solidFill>
-                <a:miter lim="800000"/>
-                <a:headEnd/>
-                <a:tailEnd/>
-              </a14:hiddenLine>
-            </a:ext>
-          </a:extLst>
-        </p:spPr>
-      </p:pic>
-    </p:spTree>
-    <p:extLst>
-      <p:ext uri="{BB962C8B-B14F-4D97-AF65-F5344CB8AC3E}">
-        <p14:creationId xmlns:p14="http://schemas.microsoft.com/office/powerpoint/2010/main" val="1176222862"/>
       </p:ext>
     </p:extLst>
   </p:cSld>
@@ -23169,4 +27988,289 @@
   <a:objectDefaults/>
   <a:extraClrSchemeLst/>
 </a:theme>
+</file>
+
+<file path=ppt/theme/theme2.xml><?xml version="1.0" encoding="utf-8"?>
+<a:theme xmlns:a="http://schemas.openxmlformats.org/drawingml/2006/main" name="Office Theme">
+  <a:themeElements>
+    <a:clrScheme name="Office">
+      <a:dk1>
+        <a:sysClr val="windowText" lastClr="000000"/>
+      </a:dk1>
+      <a:lt1>
+        <a:sysClr val="window" lastClr="FFFFFF"/>
+      </a:lt1>
+      <a:dk2>
+        <a:srgbClr val="1F497D"/>
+      </a:dk2>
+      <a:lt2>
+        <a:srgbClr val="EEECE1"/>
+      </a:lt2>
+      <a:accent1>
+        <a:srgbClr val="4F81BD"/>
+      </a:accent1>
+      <a:accent2>
+        <a:srgbClr val="C0504D"/>
+      </a:accent2>
+      <a:accent3>
+        <a:srgbClr val="9BBB59"/>
+      </a:accent3>
+      <a:accent4>
+        <a:srgbClr val="8064A2"/>
+      </a:accent4>
+      <a:accent5>
+        <a:srgbClr val="4BACC6"/>
+      </a:accent5>
+      <a:accent6>
+        <a:srgbClr val="F79646"/>
+      </a:accent6>
+      <a:hlink>
+        <a:srgbClr val="0000FF"/>
+      </a:hlink>
+      <a:folHlink>
+        <a:srgbClr val="800080"/>
+      </a:folHlink>
+    </a:clrScheme>
+    <a:fontScheme name="Office">
+      <a:majorFont>
+        <a:latin typeface="Calibri"/>
+        <a:ea typeface=""/>
+        <a:cs typeface=""/>
+        <a:font script="Jpan" typeface="ＭＳ Ｐゴシック"/>
+        <a:font script="Hang" typeface="맑은 고딕"/>
+        <a:font script="Hans" typeface="宋体"/>
+        <a:font script="Hant" typeface="新細明體"/>
+        <a:font script="Arab" typeface="Times New Roman"/>
+        <a:font script="Hebr" typeface="Times New Roman"/>
+        <a:font script="Thai" typeface="Angsana New"/>
+        <a:font script="Ethi" typeface="Nyala"/>
+        <a:font script="Beng" typeface="Vrinda"/>
+        <a:font script="Gujr" typeface="Shruti"/>
+        <a:font script="Khmr" typeface="MoolBoran"/>
+        <a:font script="Knda" typeface="Tunga"/>
+        <a:font script="Guru" typeface="Raavi"/>
+        <a:font script="Cans" typeface="Euphemia"/>
+        <a:font script="Cher" typeface="Plantagenet Cherokee"/>
+        <a:font script="Yiii" typeface="Microsoft Yi Baiti"/>
+        <a:font script="Tibt" typeface="Microsoft Himalaya"/>
+        <a:font script="Thaa" typeface="MV Boli"/>
+        <a:font script="Deva" typeface="Mangal"/>
+        <a:font script="Telu" typeface="Gautami"/>
+        <a:font script="Taml" typeface="Latha"/>
+        <a:font script="Syrc" typeface="Estrangelo Edessa"/>
+        <a:font script="Orya" typeface="Kalinga"/>
+        <a:font script="Mlym" typeface="Kartika"/>
+        <a:font script="Laoo" typeface="DokChampa"/>
+        <a:font script="Sinh" typeface="Iskoola Pota"/>
+        <a:font script="Mong" typeface="Mongolian Baiti"/>
+        <a:font script="Viet" typeface="Times New Roman"/>
+        <a:font script="Uigh" typeface="Microsoft Uighur"/>
+        <a:font script="Geor" typeface="Sylfaen"/>
+      </a:majorFont>
+      <a:minorFont>
+        <a:latin typeface="Calibri"/>
+        <a:ea typeface=""/>
+        <a:cs typeface=""/>
+        <a:font script="Jpan" typeface="ＭＳ Ｐゴシック"/>
+        <a:font script="Hang" typeface="맑은 고딕"/>
+        <a:font script="Hans" typeface="宋体"/>
+        <a:font script="Hant" typeface="新細明體"/>
+        <a:font script="Arab" typeface="Arial"/>
+        <a:font script="Hebr" typeface="Arial"/>
+        <a:font script="Thai" typeface="Cordia New"/>
+        <a:font script="Ethi" typeface="Nyala"/>
+        <a:font script="Beng" typeface="Vrinda"/>
+        <a:font script="Gujr" typeface="Shruti"/>
+        <a:font script="Khmr" typeface="DaunPenh"/>
+        <a:font script="Knda" typeface="Tunga"/>
+        <a:font script="Guru" typeface="Raavi"/>
+        <a:font script="Cans" typeface="Euphemia"/>
+        <a:font script="Cher" typeface="Plantagenet Cherokee"/>
+        <a:font script="Yiii" typeface="Microsoft Yi Baiti"/>
+        <a:font script="Tibt" typeface="Microsoft Himalaya"/>
+        <a:font script="Thaa" typeface="MV Boli"/>
+        <a:font script="Deva" typeface="Mangal"/>
+        <a:font script="Telu" typeface="Gautami"/>
+        <a:font script="Taml" typeface="Latha"/>
+        <a:font script="Syrc" typeface="Estrangelo Edessa"/>
+        <a:font script="Orya" typeface="Kalinga"/>
+        <a:font script="Mlym" typeface="Kartika"/>
+        <a:font script="Laoo" typeface="DokChampa"/>
+        <a:font script="Sinh" typeface="Iskoola Pota"/>
+        <a:font script="Mong" typeface="Mongolian Baiti"/>
+        <a:font script="Viet" typeface="Arial"/>
+        <a:font script="Uigh" typeface="Microsoft Uighur"/>
+        <a:font script="Geor" typeface="Sylfaen"/>
+      </a:minorFont>
+    </a:fontScheme>
+    <a:fmtScheme name="Office">
+      <a:fillStyleLst>
+        <a:solidFill>
+          <a:schemeClr val="phClr"/>
+        </a:solidFill>
+        <a:gradFill rotWithShape="1">
+          <a:gsLst>
+            <a:gs pos="0">
+              <a:schemeClr val="phClr">
+                <a:tint val="50000"/>
+                <a:satMod val="300000"/>
+              </a:schemeClr>
+            </a:gs>
+            <a:gs pos="35000">
+              <a:schemeClr val="phClr">
+                <a:tint val="37000"/>
+                <a:satMod val="300000"/>
+              </a:schemeClr>
+            </a:gs>
+            <a:gs pos="100000">
+              <a:schemeClr val="phClr">
+                <a:tint val="15000"/>
+                <a:satMod val="350000"/>
+              </a:schemeClr>
+            </a:gs>
+          </a:gsLst>
+          <a:lin ang="16200000" scaled="1"/>
+        </a:gradFill>
+        <a:gradFill rotWithShape="1">
+          <a:gsLst>
+            <a:gs pos="0">
+              <a:schemeClr val="phClr">
+                <a:shade val="51000"/>
+                <a:satMod val="130000"/>
+              </a:schemeClr>
+            </a:gs>
+            <a:gs pos="80000">
+              <a:schemeClr val="phClr">
+                <a:shade val="93000"/>
+                <a:satMod val="130000"/>
+              </a:schemeClr>
+            </a:gs>
+            <a:gs pos="100000">
+              <a:schemeClr val="phClr">
+                <a:shade val="94000"/>
+                <a:satMod val="135000"/>
+              </a:schemeClr>
+            </a:gs>
+          </a:gsLst>
+          <a:lin ang="16200000" scaled="0"/>
+        </a:gradFill>
+      </a:fillStyleLst>
+      <a:lnStyleLst>
+        <a:ln w="9525" cap="flat" cmpd="sng" algn="ctr">
+          <a:solidFill>
+            <a:schemeClr val="phClr">
+              <a:shade val="95000"/>
+              <a:satMod val="105000"/>
+            </a:schemeClr>
+          </a:solidFill>
+          <a:prstDash val="solid"/>
+        </a:ln>
+        <a:ln w="25400" cap="flat" cmpd="sng" algn="ctr">
+          <a:solidFill>
+            <a:schemeClr val="phClr"/>
+          </a:solidFill>
+          <a:prstDash val="solid"/>
+        </a:ln>
+        <a:ln w="38100" cap="flat" cmpd="sng" algn="ctr">
+          <a:solidFill>
+            <a:schemeClr val="phClr"/>
+          </a:solidFill>
+          <a:prstDash val="solid"/>
+        </a:ln>
+      </a:lnStyleLst>
+      <a:effectStyleLst>
+        <a:effectStyle>
+          <a:effectLst>
+            <a:outerShdw blurRad="40000" dist="20000" dir="5400000" rotWithShape="0">
+              <a:srgbClr val="000000">
+                <a:alpha val="38000"/>
+              </a:srgbClr>
+            </a:outerShdw>
+          </a:effectLst>
+        </a:effectStyle>
+        <a:effectStyle>
+          <a:effectLst>
+            <a:outerShdw blurRad="40000" dist="23000" dir="5400000" rotWithShape="0">
+              <a:srgbClr val="000000">
+                <a:alpha val="35000"/>
+              </a:srgbClr>
+            </a:outerShdw>
+          </a:effectLst>
+        </a:effectStyle>
+        <a:effectStyle>
+          <a:effectLst>
+            <a:outerShdw blurRad="40000" dist="23000" dir="5400000" rotWithShape="0">
+              <a:srgbClr val="000000">
+                <a:alpha val="35000"/>
+              </a:srgbClr>
+            </a:outerShdw>
+          </a:effectLst>
+          <a:scene3d>
+            <a:camera prst="orthographicFront">
+              <a:rot lat="0" lon="0" rev="0"/>
+            </a:camera>
+            <a:lightRig rig="threePt" dir="t">
+              <a:rot lat="0" lon="0" rev="1200000"/>
+            </a:lightRig>
+          </a:scene3d>
+          <a:sp3d>
+            <a:bevelT w="63500" h="25400"/>
+          </a:sp3d>
+        </a:effectStyle>
+      </a:effectStyleLst>
+      <a:bgFillStyleLst>
+        <a:solidFill>
+          <a:schemeClr val="phClr"/>
+        </a:solidFill>
+        <a:gradFill rotWithShape="1">
+          <a:gsLst>
+            <a:gs pos="0">
+              <a:schemeClr val="phClr">
+                <a:tint val="40000"/>
+                <a:satMod val="350000"/>
+              </a:schemeClr>
+            </a:gs>
+            <a:gs pos="40000">
+              <a:schemeClr val="phClr">
+                <a:tint val="45000"/>
+                <a:shade val="99000"/>
+                <a:satMod val="350000"/>
+              </a:schemeClr>
+            </a:gs>
+            <a:gs pos="100000">
+              <a:schemeClr val="phClr">
+                <a:shade val="20000"/>
+                <a:satMod val="255000"/>
+              </a:schemeClr>
+            </a:gs>
+          </a:gsLst>
+          <a:path path="circle">
+            <a:fillToRect l="50000" t="-80000" r="50000" b="180000"/>
+          </a:path>
+        </a:gradFill>
+        <a:gradFill rotWithShape="1">
+          <a:gsLst>
+            <a:gs pos="0">
+              <a:schemeClr val="phClr">
+                <a:tint val="80000"/>
+                <a:satMod val="300000"/>
+              </a:schemeClr>
+            </a:gs>
+            <a:gs pos="100000">
+              <a:schemeClr val="phClr">
+                <a:shade val="30000"/>
+                <a:satMod val="200000"/>
+              </a:schemeClr>
+            </a:gs>
+          </a:gsLst>
+          <a:path path="circle">
+            <a:fillToRect l="50000" t="50000" r="50000" b="50000"/>
+          </a:path>
+        </a:gradFill>
+      </a:bgFillStyleLst>
+    </a:fmtScheme>
+  </a:themeElements>
+  <a:objectDefaults/>
+  <a:extraClrSchemeLst/>
+</a:theme>
 </file>
--- a/trunk/pic/pic.pptx
+++ b/trunk/pic/pic.pptx
@@ -201,7 +201,7 @@
           <a:p>
             <a:fld id="{40F2FB96-7D30-4672-9E6D-9816F53C8FB8}" type="datetimeFigureOut">
               <a:rPr lang="en-US" smtClean="0"/>
-              <a:t>12/27/2014</a:t>
+              <a:t>12/31/2014</a:t>
             </a:fld>
             <a:endParaRPr lang="en-US"/>
           </a:p>
@@ -903,7 +903,7 @@
             <a:fld id="{1D8BD707-D9CF-40AE-B4C6-C98DA3205C09}" type="datetimeFigureOut">
               <a:rPr lang="en-US" smtClean="0"/>
               <a:pPr/>
-              <a:t>12/27/2014</a:t>
+              <a:t>12/31/2014</a:t>
             </a:fld>
             <a:endParaRPr lang="en-US"/>
           </a:p>
@@ -1070,7 +1070,7 @@
             <a:fld id="{1D8BD707-D9CF-40AE-B4C6-C98DA3205C09}" type="datetimeFigureOut">
               <a:rPr lang="en-US" smtClean="0"/>
               <a:pPr/>
-              <a:t>12/27/2014</a:t>
+              <a:t>12/31/2014</a:t>
             </a:fld>
             <a:endParaRPr lang="en-US"/>
           </a:p>
@@ -1247,7 +1247,7 @@
             <a:fld id="{1D8BD707-D9CF-40AE-B4C6-C98DA3205C09}" type="datetimeFigureOut">
               <a:rPr lang="en-US" smtClean="0"/>
               <a:pPr/>
-              <a:t>12/27/2014</a:t>
+              <a:t>12/31/2014</a:t>
             </a:fld>
             <a:endParaRPr lang="en-US"/>
           </a:p>
@@ -1414,7 +1414,7 @@
             <a:fld id="{1D8BD707-D9CF-40AE-B4C6-C98DA3205C09}" type="datetimeFigureOut">
               <a:rPr lang="en-US" smtClean="0"/>
               <a:pPr/>
-              <a:t>12/27/2014</a:t>
+              <a:t>12/31/2014</a:t>
             </a:fld>
             <a:endParaRPr lang="en-US"/>
           </a:p>
@@ -1657,7 +1657,7 @@
             <a:fld id="{1D8BD707-D9CF-40AE-B4C6-C98DA3205C09}" type="datetimeFigureOut">
               <a:rPr lang="en-US" smtClean="0"/>
               <a:pPr/>
-              <a:t>12/27/2014</a:t>
+              <a:t>12/31/2014</a:t>
             </a:fld>
             <a:endParaRPr lang="en-US"/>
           </a:p>
@@ -1942,7 +1942,7 @@
             <a:fld id="{1D8BD707-D9CF-40AE-B4C6-C98DA3205C09}" type="datetimeFigureOut">
               <a:rPr lang="en-US" smtClean="0"/>
               <a:pPr/>
-              <a:t>12/27/2014</a:t>
+              <a:t>12/31/2014</a:t>
             </a:fld>
             <a:endParaRPr lang="en-US"/>
           </a:p>
@@ -2361,7 +2361,7 @@
             <a:fld id="{1D8BD707-D9CF-40AE-B4C6-C98DA3205C09}" type="datetimeFigureOut">
               <a:rPr lang="en-US" smtClean="0"/>
               <a:pPr/>
-              <a:t>12/27/2014</a:t>
+              <a:t>12/31/2014</a:t>
             </a:fld>
             <a:endParaRPr lang="en-US"/>
           </a:p>
@@ -2476,7 +2476,7 @@
             <a:fld id="{1D8BD707-D9CF-40AE-B4C6-C98DA3205C09}" type="datetimeFigureOut">
               <a:rPr lang="en-US" smtClean="0"/>
               <a:pPr/>
-              <a:t>12/27/2014</a:t>
+              <a:t>12/31/2014</a:t>
             </a:fld>
             <a:endParaRPr lang="en-US"/>
           </a:p>
@@ -2568,7 +2568,7 @@
             <a:fld id="{1D8BD707-D9CF-40AE-B4C6-C98DA3205C09}" type="datetimeFigureOut">
               <a:rPr lang="en-US" smtClean="0"/>
               <a:pPr/>
-              <a:t>12/27/2014</a:t>
+              <a:t>12/31/2014</a:t>
             </a:fld>
             <a:endParaRPr lang="en-US"/>
           </a:p>
@@ -2842,7 +2842,7 @@
             <a:fld id="{1D8BD707-D9CF-40AE-B4C6-C98DA3205C09}" type="datetimeFigureOut">
               <a:rPr lang="en-US" smtClean="0"/>
               <a:pPr/>
-              <a:t>12/27/2014</a:t>
+              <a:t>12/31/2014</a:t>
             </a:fld>
             <a:endParaRPr lang="en-US"/>
           </a:p>
@@ -3092,7 +3092,7 @@
             <a:fld id="{1D8BD707-D9CF-40AE-B4C6-C98DA3205C09}" type="datetimeFigureOut">
               <a:rPr lang="en-US" smtClean="0"/>
               <a:pPr/>
-              <a:t>12/27/2014</a:t>
+              <a:t>12/31/2014</a:t>
             </a:fld>
             <a:endParaRPr lang="en-US"/>
           </a:p>
@@ -3302,7 +3302,7 @@
             <a:fld id="{1D8BD707-D9CF-40AE-B4C6-C98DA3205C09}" type="datetimeFigureOut">
               <a:rPr lang="en-US" smtClean="0"/>
               <a:pPr/>
-              <a:t>12/27/2014</a:t>
+              <a:t>12/31/2014</a:t>
             </a:fld>
             <a:endParaRPr lang="en-US"/>
           </a:p>
@@ -5471,7 +5471,7 @@
       </p:grpSpPr>
       <p:pic>
         <p:nvPicPr>
-          <p:cNvPr id="1026" name="Picture 2"/>
+          <p:cNvPr id="1027" name="Picture 3"/>
           <p:cNvPicPr>
             <a:picLocks noChangeAspect="1" noChangeArrowheads="1"/>
           </p:cNvPicPr>
@@ -5492,8 +5492,8 @@
         </p:blipFill>
         <p:spPr bwMode="auto">
           <a:xfrm>
-            <a:off x="938214" y="914400"/>
-            <a:ext cx="7267575" cy="4572000"/>
+            <a:off x="1743075" y="1585913"/>
+            <a:ext cx="5657850" cy="3686175"/>
           </a:xfrm>
           <a:prstGeom prst="rect">
             <a:avLst/>
@@ -5502,6 +5502,7 @@
           <a:ln>
             <a:noFill/>
           </a:ln>
+          <a:effectLst/>
           <a:extLst>
             <a:ext uri="{909E8E84-426E-40DD-AFC4-6F175D3DCCD1}">
               <a14:hiddenFill xmlns:a14="http://schemas.microsoft.com/office/drawing/2010/main">
@@ -5519,6 +5520,15 @@
                 <a:headEnd/>
                 <a:tailEnd/>
               </a14:hiddenLine>
+            </a:ext>
+            <a:ext uri="{AF507438-7753-43E0-B8FC-AC1667EBCBE1}">
+              <a14:hiddenEffects xmlns:a14="http://schemas.microsoft.com/office/drawing/2010/main">
+                <a:effectLst>
+                  <a:outerShdw dist="35921" dir="2700000" algn="ctr" rotWithShape="0">
+                    <a:schemeClr val="bg2"/>
+                  </a:outerShdw>
+                </a:effectLst>
+              </a14:hiddenEffects>
             </a:ext>
           </a:extLst>
         </p:spPr>
@@ -25583,15 +25593,7 @@
                     <a:schemeClr val="tx1"/>
                   </a:solidFill>
                 </a:rPr>
-                <a:t>educe </a:t>
-              </a:r>
-              <a:r>
-                <a:rPr lang="en-US" sz="1600" dirty="0" smtClean="0">
-                  <a:solidFill>
-                    <a:schemeClr val="tx1"/>
-                  </a:solidFill>
-                </a:rPr>
-                <a:t>type</a:t>
+                <a:t>educe type</a:t>
               </a:r>
               <a:br>
                 <a:rPr lang="en-US" sz="1600" dirty="0" smtClean="0">
@@ -26081,15 +26083,7 @@
                     <a:schemeClr val="tx1"/>
                   </a:solidFill>
                 </a:rPr>
-                <a:t>educe </a:t>
-              </a:r>
-              <a:r>
-                <a:rPr lang="en-US" sz="1600" dirty="0" smtClean="0">
-                  <a:solidFill>
-                    <a:schemeClr val="tx1"/>
-                  </a:solidFill>
-                </a:rPr>
-                <a:t>type</a:t>
+                <a:t>educe type</a:t>
               </a:r>
               <a:br>
                 <a:rPr lang="en-US" sz="1600" dirty="0" smtClean="0">
@@ -26297,15 +26291,7 @@
                     <a:schemeClr val="tx1"/>
                   </a:solidFill>
                 </a:rPr>
-                <a:t>run </a:t>
-              </a:r>
-              <a:r>
-                <a:rPr lang="en-US" sz="1600" dirty="0" smtClean="0">
-                  <a:solidFill>
-                    <a:schemeClr val="tx1"/>
-                  </a:solidFill>
-                </a:rPr>
-                <a:t>code</a:t>
+                <a:t>run code</a:t>
               </a:r>
               <a:endParaRPr lang="en-US" sz="1600" dirty="0">
                 <a:solidFill>
@@ -26601,8 +26587,8 @@
             </a:fontRef>
           </p:style>
         </p:cxnSp>
-        <mc:AlternateContent xmlns:mc="http://schemas.openxmlformats.org/markup-compatibility/2006">
-          <mc:Choice xmlns:a14="http://schemas.microsoft.com/office/drawing/2010/main" Requires="a14">
+        <mc:AlternateContent xmlns:mc="http://schemas.openxmlformats.org/markup-compatibility/2006" xmlns:a14="http://schemas.microsoft.com/office/drawing/2010/main">
+          <mc:Choice Requires="a14">
             <p:sp>
               <p:nvSpPr>
                 <p:cNvPr id="195" name="TextBox 194"/>
@@ -26652,7 +26638,7 @@
               </p:txBody>
             </p:sp>
           </mc:Choice>
-          <mc:Fallback>
+          <mc:Fallback xmlns="">
             <p:sp>
               <p:nvSpPr>
                 <p:cNvPr id="195" name="TextBox 194"/>
@@ -26691,8 +26677,8 @@
             </p:sp>
           </mc:Fallback>
         </mc:AlternateContent>
-        <mc:AlternateContent xmlns:mc="http://schemas.openxmlformats.org/markup-compatibility/2006">
-          <mc:Choice xmlns:a14="http://schemas.microsoft.com/office/drawing/2010/main" Requires="a14">
+        <mc:AlternateContent xmlns:mc="http://schemas.openxmlformats.org/markup-compatibility/2006" xmlns:a14="http://schemas.microsoft.com/office/drawing/2010/main">
+          <mc:Choice Requires="a14">
             <p:sp>
               <p:nvSpPr>
                 <p:cNvPr id="200" name="TextBox 199"/>
@@ -26742,7 +26728,7 @@
               </p:txBody>
             </p:sp>
           </mc:Choice>
-          <mc:Fallback>
+          <mc:Fallback xmlns="">
             <p:sp>
               <p:nvSpPr>
                 <p:cNvPr id="200" name="TextBox 199"/>
@@ -26859,8 +26845,8 @@
             </a:fontRef>
           </p:style>
         </p:cxnSp>
-        <mc:AlternateContent xmlns:mc="http://schemas.openxmlformats.org/markup-compatibility/2006">
-          <mc:Choice xmlns:a14="http://schemas.microsoft.com/office/drawing/2010/main" Requires="a14">
+        <mc:AlternateContent xmlns:mc="http://schemas.openxmlformats.org/markup-compatibility/2006" xmlns:a14="http://schemas.microsoft.com/office/drawing/2010/main">
+          <mc:Choice Requires="a14">
             <p:sp>
               <p:nvSpPr>
                 <p:cNvPr id="209" name="TextBox 208"/>
@@ -26910,7 +26896,7 @@
               </p:txBody>
             </p:sp>
           </mc:Choice>
-          <mc:Fallback>
+          <mc:Fallback xmlns="">
             <p:sp>
               <p:nvSpPr>
                 <p:cNvPr id="209" name="TextBox 208"/>
@@ -26949,8 +26935,8 @@
             </p:sp>
           </mc:Fallback>
         </mc:AlternateContent>
-        <mc:AlternateContent xmlns:mc="http://schemas.openxmlformats.org/markup-compatibility/2006">
-          <mc:Choice xmlns:a14="http://schemas.microsoft.com/office/drawing/2010/main" Requires="a14">
+        <mc:AlternateContent xmlns:mc="http://schemas.openxmlformats.org/markup-compatibility/2006" xmlns:a14="http://schemas.microsoft.com/office/drawing/2010/main">
+          <mc:Choice Requires="a14">
             <p:sp>
               <p:nvSpPr>
                 <p:cNvPr id="210" name="TextBox 209"/>
@@ -27000,7 +26986,7 @@
               </p:txBody>
             </p:sp>
           </mc:Choice>
-          <mc:Fallback>
+          <mc:Fallback xmlns="">
             <p:sp>
               <p:nvSpPr>
                 <p:cNvPr id="210" name="TextBox 209"/>

--- a/trunk/pic/pic.pptx
+++ b/trunk/pic/pic.pptx
@@ -5582,16 +5582,16 @@
       </p:grpSpPr>
       <p:grpSp>
         <p:nvGrpSpPr>
-          <p:cNvPr id="163" name="Group 162"/>
+          <p:cNvPr id="12" name="Group 11"/>
           <p:cNvGrpSpPr/>
           <p:nvPr/>
         </p:nvGrpSpPr>
         <p:grpSpPr>
           <a:xfrm>
             <a:off x="1321357" y="794190"/>
-            <a:ext cx="6222443" cy="5332288"/>
+            <a:ext cx="6454452" cy="5371737"/>
             <a:chOff x="1321357" y="794190"/>
-            <a:chExt cx="6222443" cy="5332288"/>
+            <a:chExt cx="6454452" cy="5371737"/>
           </a:xfrm>
         </p:grpSpPr>
         <p:sp>
@@ -5602,7 +5602,7 @@
           </p:nvSpPr>
           <p:spPr>
             <a:xfrm>
-              <a:off x="2286000" y="794190"/>
+              <a:off x="1563624" y="794190"/>
               <a:ext cx="1066800" cy="533400"/>
             </a:xfrm>
             <a:prstGeom prst="roundRect">
@@ -5722,7 +5722,7 @@
                           <a:solidFill>
                             <a:schemeClr val="tx1"/>
                           </a:solidFill>
-                          <a:latin typeface="Times New Roman" panose="02020603050405020304" pitchFamily="18" charset="0"/>
+                          <a:latin typeface="Cambria Math" panose="02040503050406030204" pitchFamily="18" charset="0"/>
                           <a:cs typeface="Times New Roman" panose="02020603050405020304" pitchFamily="18" charset="0"/>
                         </a:rPr>
                         <m:t>𝐾</m:t>
@@ -5780,7 +5780,7 @@
                 <a:blipFill rotWithShape="0">
                   <a:blip r:embed="rId2"/>
                   <a:stretch>
-                    <a:fillRect t="-5495" r="-1186" b="-16484"/>
+                    <a:fillRect t="-5495" r="-1581" b="-16484"/>
                   </a:stretch>
                 </a:blipFill>
                 <a:ln w="19050">
@@ -6001,7 +6001,7 @@
           </p:nvSpPr>
           <p:spPr>
             <a:xfrm>
-              <a:off x="2286000" y="5554978"/>
+              <a:off x="1563624" y="5554978"/>
               <a:ext cx="1066800" cy="533400"/>
             </a:xfrm>
             <a:prstGeom prst="roundRect">
@@ -6038,25 +6038,41 @@
             <a:p>
               <a:pPr algn="ctr"/>
               <a:r>
-                <a:rPr lang="en-US" altLang="zh-CN" sz="1600" dirty="0">
+                <a:rPr lang="en-US" altLang="zh-CN" sz="1600" dirty="0" smtClean="0">
                   <a:solidFill>
                     <a:schemeClr val="tx1"/>
                   </a:solidFill>
                   <a:latin typeface="Times New Roman" panose="02020603050405020304" pitchFamily="18" charset="0"/>
                   <a:cs typeface="Times New Roman" panose="02020603050405020304" pitchFamily="18" charset="0"/>
                 </a:rPr>
-                <a:t>s</a:t>
+                <a:t>end</a:t>
               </a:r>
-              <a:r>
-                <a:rPr lang="en-US" sz="1600" dirty="0">
+              <a:br>
+                <a:rPr lang="en-US" altLang="zh-CN" sz="1600" dirty="0" smtClean="0">
                   <a:solidFill>
                     <a:schemeClr val="tx1"/>
                   </a:solidFill>
                   <a:latin typeface="Times New Roman" panose="02020603050405020304" pitchFamily="18" charset="0"/>
                   <a:cs typeface="Times New Roman" panose="02020603050405020304" pitchFamily="18" charset="0"/>
                 </a:rPr>
-                <a:t>tart training</a:t>
+              </a:br>
+              <a:r>
+                <a:rPr lang="en-US" sz="1600" dirty="0" smtClean="0">
+                  <a:solidFill>
+                    <a:schemeClr val="tx1"/>
+                  </a:solidFill>
+                  <a:latin typeface="Times New Roman" panose="02020603050405020304" pitchFamily="18" charset="0"/>
+                  <a:cs typeface="Times New Roman" panose="02020603050405020304" pitchFamily="18" charset="0"/>
+                </a:rPr>
+                <a:t>training</a:t>
               </a:r>
+              <a:endParaRPr lang="en-US" sz="1600" dirty="0">
+                <a:solidFill>
+                  <a:schemeClr val="tx1"/>
+                </a:solidFill>
+                <a:latin typeface="Times New Roman" panose="02020603050405020304" pitchFamily="18" charset="0"/>
+                <a:cs typeface="Times New Roman" panose="02020603050405020304" pitchFamily="18" charset="0"/>
+              </a:endParaRPr>
             </a:p>
           </p:txBody>
         </p:sp>
@@ -6071,8 +6087,8 @@
           </p:nvCxnSpPr>
           <p:spPr>
             <a:xfrm>
-              <a:off x="3352800" y="1060890"/>
-              <a:ext cx="609600" cy="0"/>
+              <a:off x="2630424" y="1060890"/>
+              <a:ext cx="1331976" cy="0"/>
             </a:xfrm>
             <a:prstGeom prst="straightConnector1">
               <a:avLst/>
@@ -6252,7 +6268,7 @@
             </a:xfrm>
             <a:prstGeom prst="bentConnector3">
               <a:avLst>
-                <a:gd name="adj1" fmla="val 50261"/>
+                <a:gd name="adj1" fmla="val 48826"/>
               </a:avLst>
             </a:prstGeom>
             <a:noFill/>
@@ -6423,8 +6439,8 @@
           </p:nvCxnSpPr>
           <p:spPr>
             <a:xfrm flipH="1">
-              <a:off x="3352800" y="5821678"/>
-              <a:ext cx="342900" cy="0"/>
+              <a:off x="2630424" y="5821678"/>
+              <a:ext cx="1065276" cy="0"/>
             </a:xfrm>
             <a:prstGeom prst="straightConnector1">
               <a:avLst/>
@@ -6931,84 +6947,142 @@
             </a:p>
           </p:txBody>
         </p:sp>
-        <p:sp>
-          <p:nvSpPr>
-            <p:cNvPr id="130" name="Parallelogram 129"/>
-            <p:cNvSpPr/>
-            <p:nvPr/>
-          </p:nvSpPr>
-          <p:spPr>
-            <a:xfrm>
-              <a:off x="4767297" y="2220141"/>
-              <a:ext cx="1319417" cy="746762"/>
-            </a:xfrm>
-            <a:prstGeom prst="parallelogram">
-              <a:avLst/>
-            </a:prstGeom>
-            <a:noFill/>
-            <a:ln w="19050">
-              <a:solidFill>
-                <a:schemeClr val="tx1"/>
-              </a:solidFill>
-            </a:ln>
-          </p:spPr>
-          <p:style>
-            <a:lnRef idx="2">
-              <a:schemeClr val="accent1">
-                <a:shade val="50000"/>
-              </a:schemeClr>
-            </a:lnRef>
-            <a:fillRef idx="1">
-              <a:schemeClr val="accent1"/>
-            </a:fillRef>
-            <a:effectRef idx="0">
-              <a:schemeClr val="accent1"/>
-            </a:effectRef>
-            <a:fontRef idx="minor">
-              <a:schemeClr val="lt1"/>
-            </a:fontRef>
-          </p:style>
-          <p:txBody>
-            <a:bodyPr rtlCol="0" anchor="ctr"/>
-            <a:lstStyle/>
-            <a:p>
-              <a:pPr algn="ctr"/>
-              <a:r>
-                <a:rPr lang="en-US" sz="1600" dirty="0">
+        <mc:AlternateContent xmlns:mc="http://schemas.openxmlformats.org/markup-compatibility/2006">
+          <mc:Choice xmlns:a14="http://schemas.microsoft.com/office/drawing/2010/main" Requires="a14">
+            <p:sp>
+              <p:nvSpPr>
+                <p:cNvPr id="130" name="Parallelogram 129"/>
+                <p:cNvSpPr/>
+                <p:nvPr/>
+              </p:nvSpPr>
+              <p:spPr>
+                <a:xfrm>
+                  <a:off x="4767297" y="2220141"/>
+                  <a:ext cx="1319417" cy="746762"/>
+                </a:xfrm>
+                <a:prstGeom prst="parallelogram">
+                  <a:avLst/>
+                </a:prstGeom>
+                <a:noFill/>
+                <a:ln w="19050">
                   <a:solidFill>
                     <a:schemeClr val="tx1"/>
                   </a:solidFill>
-                  <a:latin typeface="Times New Roman" panose="02020603050405020304" pitchFamily="18" charset="0"/>
-                  <a:cs typeface="Times New Roman" panose="02020603050405020304" pitchFamily="18" charset="0"/>
-                </a:rPr>
-                <a:t>K</a:t>
-              </a:r>
-              <a:r>
-                <a:rPr lang="en-US" sz="1600" baseline="30000" dirty="0">
+                </a:ln>
+              </p:spPr>
+              <p:style>
+                <a:lnRef idx="2">
+                  <a:schemeClr val="accent1">
+                    <a:shade val="50000"/>
+                  </a:schemeClr>
+                </a:lnRef>
+                <a:fillRef idx="1">
+                  <a:schemeClr val="accent1"/>
+                </a:fillRef>
+                <a:effectRef idx="0">
+                  <a:schemeClr val="accent1"/>
+                </a:effectRef>
+                <a:fontRef idx="minor">
+                  <a:schemeClr val="lt1"/>
+                </a:fontRef>
+              </p:style>
+              <p:txBody>
+                <a:bodyPr rtlCol="0" anchor="ctr"/>
+                <a:lstStyle/>
+                <a:p>
+                  <a:pPr algn="ctr"/>
+                  <a14:m>
+                    <m:oMath xmlns:m="http://schemas.openxmlformats.org/officeDocument/2006/math">
+                      <m:r>
+                        <a:rPr lang="en-US" sz="1600" i="1" dirty="0" smtClean="0">
+                          <a:solidFill>
+                            <a:schemeClr val="tx1"/>
+                          </a:solidFill>
+                          <a:latin typeface="Cambria Math" panose="02040503050406030204" pitchFamily="18" charset="0"/>
+                          <a:cs typeface="Times New Roman" panose="02020603050405020304" pitchFamily="18" charset="0"/>
+                        </a:rPr>
+                        <m:t>𝐾</m:t>
+                      </m:r>
+                    </m:oMath>
+                  </a14:m>
+                  <a:r>
+                    <a:rPr lang="en-US" sz="1600" baseline="30000" dirty="0" smtClean="0">
+                      <a:solidFill>
+                        <a:schemeClr val="tx1"/>
+                      </a:solidFill>
+                      <a:latin typeface="Times New Roman" panose="02020603050405020304" pitchFamily="18" charset="0"/>
+                      <a:cs typeface="Times New Roman" panose="02020603050405020304" pitchFamily="18" charset="0"/>
+                    </a:rPr>
+                    <a:t>th</a:t>
+                  </a:r>
+                  <a:endParaRPr lang="en-US" sz="1600" baseline="30000" dirty="0">
+                    <a:solidFill>
+                      <a:schemeClr val="tx1"/>
+                    </a:solidFill>
+                    <a:latin typeface="Times New Roman" panose="02020603050405020304" pitchFamily="18" charset="0"/>
+                    <a:cs typeface="Times New Roman" panose="02020603050405020304" pitchFamily="18" charset="0"/>
+                  </a:endParaRPr>
+                </a:p>
+                <a:p>
+                  <a:pPr algn="ctr"/>
+                  <a:r>
+                    <a:rPr lang="en-US" sz="1600" dirty="0">
+                      <a:solidFill>
+                        <a:schemeClr val="tx1"/>
+                      </a:solidFill>
+                      <a:latin typeface="Times New Roman" panose="02020603050405020304" pitchFamily="18" charset="0"/>
+                      <a:cs typeface="Times New Roman" panose="02020603050405020304" pitchFamily="18" charset="0"/>
+                    </a:rPr>
+                    <a:t>partition of data</a:t>
+                  </a:r>
+                </a:p>
+              </p:txBody>
+            </p:sp>
+          </mc:Choice>
+          <mc:Fallback>
+            <p:sp>
+              <p:nvSpPr>
+                <p:cNvPr id="130" name="Parallelogram 129"/>
+                <p:cNvSpPr>
+                  <a:spLocks noRot="1" noChangeAspect="1" noMove="1" noResize="1" noEditPoints="1" noAdjustHandles="1" noChangeArrowheads="1" noChangeShapeType="1" noTextEdit="1"/>
+                </p:cNvSpPr>
+                <p:nvPr/>
+              </p:nvSpPr>
+              <p:spPr>
+                <a:xfrm>
+                  <a:off x="4767297" y="2220141"/>
+                  <a:ext cx="1319417" cy="746762"/>
+                </a:xfrm>
+                <a:prstGeom prst="parallelogram">
+                  <a:avLst/>
+                </a:prstGeom>
+                <a:blipFill rotWithShape="0">
+                  <a:blip r:embed="rId3"/>
+                  <a:stretch>
+                    <a:fillRect t="-2381" b="-12698"/>
+                  </a:stretch>
+                </a:blipFill>
+                <a:ln w="19050">
                   <a:solidFill>
                     <a:schemeClr val="tx1"/>
                   </a:solidFill>
-                  <a:latin typeface="Times New Roman" panose="02020603050405020304" pitchFamily="18" charset="0"/>
-                  <a:cs typeface="Times New Roman" panose="02020603050405020304" pitchFamily="18" charset="0"/>
-                </a:rPr>
-                <a:t>th</a:t>
-              </a:r>
-            </a:p>
-            <a:p>
-              <a:pPr algn="ctr"/>
-              <a:r>
-                <a:rPr lang="en-US" sz="1600" dirty="0">
-                  <a:solidFill>
-                    <a:schemeClr val="tx1"/>
-                  </a:solidFill>
-                  <a:latin typeface="Times New Roman" panose="02020603050405020304" pitchFamily="18" charset="0"/>
-                  <a:cs typeface="Times New Roman" panose="02020603050405020304" pitchFamily="18" charset="0"/>
-                </a:rPr>
-                <a:t>partition of data</a:t>
-              </a:r>
-            </a:p>
-          </p:txBody>
-        </p:sp>
+                </a:ln>
+              </p:spPr>
+              <p:txBody>
+                <a:bodyPr/>
+                <a:lstStyle/>
+                <a:p>
+                  <a:r>
+                    <a:rPr lang="en-US">
+                      <a:noFill/>
+                    </a:rPr>
+                    <a:t> </a:t>
+                  </a:r>
+                </a:p>
+              </p:txBody>
+            </p:sp>
+          </mc:Fallback>
+        </mc:AlternateContent>
         <p:cxnSp>
           <p:nvCxnSpPr>
             <p:cNvPr id="131" name="Straight Arrow Connector 21"/>
@@ -7260,7 +7334,7 @@
                   <a:avLst/>
                 </a:prstGeom>
                 <a:blipFill rotWithShape="0">
-                  <a:blip r:embed="rId3"/>
+                  <a:blip r:embed="rId4"/>
                   <a:stretch>
                     <a:fillRect t="-5455" r="-1255" b="-23636"/>
                   </a:stretch>
@@ -7342,7 +7416,7 @@
                           <a:solidFill>
                             <a:schemeClr val="tx1"/>
                           </a:solidFill>
-                          <a:latin typeface="Times New Roman" panose="02020603050405020304" pitchFamily="18" charset="0"/>
+                          <a:latin typeface="Cambria Math" panose="02040503050406030204" pitchFamily="18" charset="0"/>
                           <a:cs typeface="Times New Roman" panose="02020603050405020304" pitchFamily="18" charset="0"/>
                         </a:rPr>
                         <m:t>𝐾</m:t>
@@ -7398,7 +7472,7 @@
                   <a:avLst/>
                 </a:prstGeom>
                 <a:blipFill rotWithShape="0">
-                  <a:blip r:embed="rId4"/>
+                  <a:blip r:embed="rId5"/>
                   <a:stretch>
                     <a:fillRect t="-6667" b="-16667"/>
                   </a:stretch>
@@ -7490,6 +7564,157 @@
                 <a:solidFill>
                   <a:schemeClr val="tx1"/>
                 </a:solidFill>
+                <a:latin typeface="Times New Roman" panose="02020603050405020304" pitchFamily="18" charset="0"/>
+                <a:cs typeface="Times New Roman" panose="02020603050405020304" pitchFamily="18" charset="0"/>
+              </a:endParaRPr>
+            </a:p>
+          </p:txBody>
+        </p:sp>
+        <p:sp>
+          <p:nvSpPr>
+            <p:cNvPr id="35" name="TextBox 34"/>
+            <p:cNvSpPr txBox="1"/>
+            <p:nvPr/>
+          </p:nvSpPr>
+          <p:spPr>
+            <a:xfrm>
+              <a:off x="3522485" y="5821678"/>
+              <a:ext cx="332142" cy="338554"/>
+            </a:xfrm>
+            <a:prstGeom prst="rect">
+              <a:avLst/>
+            </a:prstGeom>
+            <a:noFill/>
+          </p:spPr>
+          <p:txBody>
+            <a:bodyPr wrap="none" rtlCol="0">
+              <a:spAutoFit/>
+            </a:bodyPr>
+            <a:lstStyle/>
+            <a:p>
+              <a:r>
+                <a:rPr lang="en-US" sz="1600" dirty="0" smtClean="0">
+                  <a:latin typeface="Times New Roman" panose="02020603050405020304" pitchFamily="18" charset="0"/>
+                  <a:cs typeface="Times New Roman" panose="02020603050405020304" pitchFamily="18" charset="0"/>
+                </a:rPr>
+                <a:t>Y</a:t>
+              </a:r>
+              <a:endParaRPr lang="en-US" sz="1600" dirty="0">
+                <a:latin typeface="Times New Roman" panose="02020603050405020304" pitchFamily="18" charset="0"/>
+                <a:cs typeface="Times New Roman" panose="02020603050405020304" pitchFamily="18" charset="0"/>
+              </a:endParaRPr>
+            </a:p>
+          </p:txBody>
+        </p:sp>
+        <p:sp>
+          <p:nvSpPr>
+            <p:cNvPr id="36" name="TextBox 35"/>
+            <p:cNvSpPr txBox="1"/>
+            <p:nvPr/>
+          </p:nvSpPr>
+          <p:spPr>
+            <a:xfrm>
+              <a:off x="5619750" y="5827373"/>
+              <a:ext cx="332142" cy="338554"/>
+            </a:xfrm>
+            <a:prstGeom prst="rect">
+              <a:avLst/>
+            </a:prstGeom>
+            <a:noFill/>
+          </p:spPr>
+          <p:txBody>
+            <a:bodyPr wrap="none" rtlCol="0">
+              <a:spAutoFit/>
+            </a:bodyPr>
+            <a:lstStyle/>
+            <a:p>
+              <a:r>
+                <a:rPr lang="en-US" sz="1600" dirty="0" smtClean="0">
+                  <a:latin typeface="Times New Roman" panose="02020603050405020304" pitchFamily="18" charset="0"/>
+                  <a:cs typeface="Times New Roman" panose="02020603050405020304" pitchFamily="18" charset="0"/>
+                </a:rPr>
+                <a:t>N</a:t>
+              </a:r>
+              <a:endParaRPr lang="en-US" sz="1600" dirty="0">
+                <a:latin typeface="Times New Roman" panose="02020603050405020304" pitchFamily="18" charset="0"/>
+                <a:cs typeface="Times New Roman" panose="02020603050405020304" pitchFamily="18" charset="0"/>
+              </a:endParaRPr>
+            </a:p>
+          </p:txBody>
+        </p:sp>
+        <p:sp>
+          <p:nvSpPr>
+            <p:cNvPr id="37" name="TextBox 36"/>
+            <p:cNvSpPr txBox="1"/>
+            <p:nvPr/>
+          </p:nvSpPr>
+          <p:spPr>
+            <a:xfrm>
+              <a:off x="2699993" y="5477429"/>
+              <a:ext cx="1095103" cy="338554"/>
+            </a:xfrm>
+            <a:prstGeom prst="rect">
+              <a:avLst/>
+            </a:prstGeom>
+            <a:noFill/>
+          </p:spPr>
+          <p:txBody>
+            <a:bodyPr wrap="square" rtlCol="0">
+              <a:spAutoFit/>
+            </a:bodyPr>
+            <a:lstStyle/>
+            <a:p>
+              <a:r>
+                <a:rPr lang="en-US" sz="1600" dirty="0">
+                  <a:latin typeface="Times New Roman" panose="02020603050405020304" pitchFamily="18" charset="0"/>
+                  <a:cs typeface="Times New Roman" panose="02020603050405020304" pitchFamily="18" charset="0"/>
+                </a:rPr>
+                <a:t>o</a:t>
+              </a:r>
+              <a:r>
+                <a:rPr lang="en-US" sz="1600" dirty="0" smtClean="0">
+                  <a:latin typeface="Times New Roman" panose="02020603050405020304" pitchFamily="18" charset="0"/>
+                  <a:cs typeface="Times New Roman" panose="02020603050405020304" pitchFamily="18" charset="0"/>
+                </a:rPr>
+                <a:t>utput NN</a:t>
+              </a:r>
+              <a:endParaRPr lang="en-US" sz="1600" dirty="0">
+                <a:latin typeface="Times New Roman" panose="02020603050405020304" pitchFamily="18" charset="0"/>
+                <a:cs typeface="Times New Roman" panose="02020603050405020304" pitchFamily="18" charset="0"/>
+              </a:endParaRPr>
+            </a:p>
+          </p:txBody>
+        </p:sp>
+        <p:sp>
+          <p:nvSpPr>
+            <p:cNvPr id="39" name="TextBox 38"/>
+            <p:cNvSpPr txBox="1"/>
+            <p:nvPr/>
+          </p:nvSpPr>
+          <p:spPr>
+            <a:xfrm>
+              <a:off x="5486400" y="5483123"/>
+              <a:ext cx="2289409" cy="338554"/>
+            </a:xfrm>
+            <a:prstGeom prst="rect">
+              <a:avLst/>
+            </a:prstGeom>
+            <a:noFill/>
+          </p:spPr>
+          <p:txBody>
+            <a:bodyPr wrap="none" rtlCol="0">
+              <a:spAutoFit/>
+            </a:bodyPr>
+            <a:lstStyle/>
+            <a:p>
+              <a:r>
+                <a:rPr lang="en-US" sz="1600" dirty="0" smtClean="0">
+                  <a:latin typeface="Times New Roman" panose="02020603050405020304" pitchFamily="18" charset="0"/>
+                  <a:cs typeface="Times New Roman" panose="02020603050405020304" pitchFamily="18" charset="0"/>
+                </a:rPr>
+                <a:t>NN with updated weights</a:t>
+              </a:r>
+              <a:endParaRPr lang="en-US" sz="1600" dirty="0">
                 <a:latin typeface="Times New Roman" panose="02020603050405020304" pitchFamily="18" charset="0"/>
                 <a:cs typeface="Times New Roman" panose="02020603050405020304" pitchFamily="18" charset="0"/>
               </a:endParaRPr>
@@ -17544,8 +17769,8 @@
             </a:p>
           </p:txBody>
         </p:sp>
-        <mc:AlternateContent xmlns:mc="http://schemas.openxmlformats.org/markup-compatibility/2006">
-          <mc:Choice xmlns:a14="http://schemas.microsoft.com/office/drawing/2010/main" Requires="a14">
+        <mc:AlternateContent xmlns:mc="http://schemas.openxmlformats.org/markup-compatibility/2006" xmlns:a14="http://schemas.microsoft.com/office/drawing/2010/main">
+          <mc:Choice Requires="a14">
             <p:sp>
               <p:nvSpPr>
                 <p:cNvPr id="421" name="TextBox 420"/>
@@ -17578,6 +17803,7 @@
                   </a:lvl1pPr>
                 </a:lstStyle>
                 <a:p>
+                  <a:pPr/>
                   <a14:m>
                     <m:oMathPara xmlns:m="http://schemas.openxmlformats.org/officeDocument/2006/math">
                       <m:oMathParaPr>
@@ -17587,18 +17813,24 @@
                         <m:sSub>
                           <m:sSubPr>
                             <m:ctrlPr>
-                              <a:rPr lang="en-US"/>
+                              <a:rPr lang="en-US" i="1">
+                                <a:latin typeface="Cambria Math" panose="02040503050406030204" pitchFamily="18" charset="0"/>
+                              </a:rPr>
                             </m:ctrlPr>
                           </m:sSubPr>
                           <m:e>
                             <m:r>
-                              <a:rPr lang="en-US"/>
+                              <a:rPr lang="en-US">
+                                <a:latin typeface="Cambria Math" panose="02040503050406030204" pitchFamily="18" charset="0"/>
+                              </a:rPr>
                               <m:t>𝛿</m:t>
                             </m:r>
                           </m:e>
                           <m:sub>
                             <m:r>
-                              <a:rPr lang="en-US"/>
+                              <a:rPr lang="en-US">
+                                <a:latin typeface="Cambria Math" panose="02040503050406030204" pitchFamily="18" charset="0"/>
+                              </a:rPr>
                               <m:t>10</m:t>
                             </m:r>
                           </m:sub>
@@ -17611,7 +17843,7 @@
               </p:txBody>
             </p:sp>
           </mc:Choice>
-          <mc:Fallback>
+          <mc:Fallback xmlns="">
             <p:sp>
               <p:nvSpPr>
                 <p:cNvPr id="421" name="TextBox 420"/>
@@ -17650,8 +17882,8 @@
             </p:sp>
           </mc:Fallback>
         </mc:AlternateContent>
-        <mc:AlternateContent xmlns:mc="http://schemas.openxmlformats.org/markup-compatibility/2006">
-          <mc:Choice xmlns:a14="http://schemas.microsoft.com/office/drawing/2010/main" Requires="a14">
+        <mc:AlternateContent xmlns:mc="http://schemas.openxmlformats.org/markup-compatibility/2006" xmlns:a14="http://schemas.microsoft.com/office/drawing/2010/main">
+          <mc:Choice Requires="a14">
             <p:sp>
               <p:nvSpPr>
                 <p:cNvPr id="420" name="TextBox 419"/>
@@ -17684,6 +17916,7 @@
                   </a:lvl1pPr>
                 </a:lstStyle>
                 <a:p>
+                  <a:pPr/>
                   <a14:m>
                     <m:oMathPara xmlns:m="http://schemas.openxmlformats.org/officeDocument/2006/math">
                       <m:oMathParaPr>
@@ -17693,18 +17926,24 @@
                         <m:sSub>
                           <m:sSubPr>
                             <m:ctrlPr>
-                              <a:rPr lang="en-US"/>
+                              <a:rPr lang="en-US" i="1">
+                                <a:latin typeface="Cambria Math" panose="02040503050406030204" pitchFamily="18" charset="0"/>
+                              </a:rPr>
                             </m:ctrlPr>
                           </m:sSubPr>
                           <m:e>
                             <m:r>
-                              <a:rPr lang="en-US"/>
+                              <a:rPr lang="en-US">
+                                <a:latin typeface="Cambria Math" panose="02040503050406030204" pitchFamily="18" charset="0"/>
+                              </a:rPr>
                               <m:t>𝛿</m:t>
                             </m:r>
                           </m:e>
                           <m:sub>
                             <m:r>
-                              <a:rPr lang="en-US"/>
+                              <a:rPr lang="en-US">
+                                <a:latin typeface="Cambria Math" panose="02040503050406030204" pitchFamily="18" charset="0"/>
+                              </a:rPr>
                               <m:t>1</m:t>
                             </m:r>
                           </m:sub>
@@ -17717,7 +17956,7 @@
               </p:txBody>
             </p:sp>
           </mc:Choice>
-          <mc:Fallback>
+          <mc:Fallback xmlns="">
             <p:sp>
               <p:nvSpPr>
                 <p:cNvPr id="420" name="TextBox 419"/>
@@ -17874,8 +18113,8 @@
             </a:p>
           </p:txBody>
         </p:sp>
-        <mc:AlternateContent xmlns:mc="http://schemas.openxmlformats.org/markup-compatibility/2006">
-          <mc:Choice xmlns:a14="http://schemas.microsoft.com/office/drawing/2010/main" Requires="a14">
+        <mc:AlternateContent xmlns:mc="http://schemas.openxmlformats.org/markup-compatibility/2006" xmlns:a14="http://schemas.microsoft.com/office/drawing/2010/main">
+          <mc:Choice Requires="a14">
             <p:sp>
               <p:nvSpPr>
                 <p:cNvPr id="203" name="Rectangle 202"/>
@@ -17934,11 +18173,11 @@
                         <m:sSub>
                           <m:sSubPr>
                             <m:ctrlPr>
-                              <a:rPr lang="en-US" sz="1600">
+                              <a:rPr lang="en-US" sz="1600" i="1">
                                 <a:solidFill>
                                   <a:schemeClr val="tx1"/>
                                 </a:solidFill>
-                                <a:latin typeface="Times New Roman" panose="02020603050405020304" pitchFamily="18" charset="0"/>
+                                <a:latin typeface="Cambria Math" panose="02040503050406030204" pitchFamily="18" charset="0"/>
                                 <a:cs typeface="Times New Roman" panose="02020603050405020304" pitchFamily="18" charset="0"/>
                               </a:rPr>
                             </m:ctrlPr>
@@ -17949,7 +18188,7 @@
                                 <a:solidFill>
                                   <a:schemeClr val="tx1"/>
                                 </a:solidFill>
-                                <a:latin typeface="Times New Roman" panose="02020603050405020304" pitchFamily="18" charset="0"/>
+                                <a:latin typeface="Cambria Math" panose="02040503050406030204" pitchFamily="18" charset="0"/>
                                 <a:cs typeface="Times New Roman" panose="02020603050405020304" pitchFamily="18" charset="0"/>
                               </a:rPr>
                               <m:t>𝑓</m:t>
@@ -17961,7 +18200,7 @@
                                 <a:solidFill>
                                   <a:schemeClr val="tx1"/>
                                 </a:solidFill>
-                                <a:latin typeface="Times New Roman" panose="02020603050405020304" pitchFamily="18" charset="0"/>
+                                <a:latin typeface="Cambria Math" panose="02040503050406030204" pitchFamily="18" charset="0"/>
                                 <a:cs typeface="Times New Roman" panose="02020603050405020304" pitchFamily="18" charset="0"/>
                               </a:rPr>
                               <m:t>1</m:t>
@@ -17971,11 +18210,11 @@
                         <m:d>
                           <m:dPr>
                             <m:ctrlPr>
-                              <a:rPr lang="en-US" sz="1600">
+                              <a:rPr lang="en-US" sz="1600" i="1">
                                 <a:solidFill>
                                   <a:schemeClr val="tx1"/>
                                 </a:solidFill>
-                                <a:latin typeface="Times New Roman" panose="02020603050405020304" pitchFamily="18" charset="0"/>
+                                <a:latin typeface="Cambria Math" panose="02040503050406030204" pitchFamily="18" charset="0"/>
                                 <a:cs typeface="Times New Roman" panose="02020603050405020304" pitchFamily="18" charset="0"/>
                               </a:rPr>
                             </m:ctrlPr>
@@ -17986,7 +18225,7 @@
                                 <a:solidFill>
                                   <a:schemeClr val="tx1"/>
                                 </a:solidFill>
-                                <a:latin typeface="Times New Roman" panose="02020603050405020304" pitchFamily="18" charset="0"/>
+                                <a:latin typeface="Cambria Math" panose="02040503050406030204" pitchFamily="18" charset="0"/>
                                 <a:cs typeface="Times New Roman" panose="02020603050405020304" pitchFamily="18" charset="0"/>
                               </a:rPr>
                               <m:t>∙</m:t>
@@ -18007,7 +18246,7 @@
               </p:txBody>
             </p:sp>
           </mc:Choice>
-          <mc:Fallback>
+          <mc:Fallback xmlns="">
             <p:sp>
               <p:nvSpPr>
                 <p:cNvPr id="203" name="Rectangle 202"/>
@@ -18051,8 +18290,8 @@
             </p:sp>
           </mc:Fallback>
         </mc:AlternateContent>
-        <mc:AlternateContent xmlns:mc="http://schemas.openxmlformats.org/markup-compatibility/2006">
-          <mc:Choice xmlns:a14="http://schemas.microsoft.com/office/drawing/2010/main" Requires="a14">
+        <mc:AlternateContent xmlns:mc="http://schemas.openxmlformats.org/markup-compatibility/2006" xmlns:a14="http://schemas.microsoft.com/office/drawing/2010/main">
+          <mc:Choice Requires="a14">
             <p:sp>
               <p:nvSpPr>
                 <p:cNvPr id="204" name="Rectangle 203"/>
@@ -18111,11 +18350,11 @@
                         <m:sSub>
                           <m:sSubPr>
                             <m:ctrlPr>
-                              <a:rPr lang="en-US" sz="1600">
+                              <a:rPr lang="en-US" sz="1600" i="1">
                                 <a:solidFill>
                                   <a:schemeClr val="tx1"/>
                                 </a:solidFill>
-                                <a:latin typeface="Times New Roman" panose="02020603050405020304" pitchFamily="18" charset="0"/>
+                                <a:latin typeface="Cambria Math" panose="02040503050406030204" pitchFamily="18" charset="0"/>
                                 <a:cs typeface="Times New Roman" panose="02020603050405020304" pitchFamily="18" charset="0"/>
                               </a:rPr>
                             </m:ctrlPr>
@@ -18126,7 +18365,7 @@
                                 <a:solidFill>
                                   <a:schemeClr val="tx1"/>
                                 </a:solidFill>
-                                <a:latin typeface="Times New Roman" panose="02020603050405020304" pitchFamily="18" charset="0"/>
+                                <a:latin typeface="Cambria Math" panose="02040503050406030204" pitchFamily="18" charset="0"/>
                                 <a:cs typeface="Times New Roman" panose="02020603050405020304" pitchFamily="18" charset="0"/>
                               </a:rPr>
                               <m:t>𝑓</m:t>
@@ -18138,7 +18377,7 @@
                                 <a:solidFill>
                                   <a:schemeClr val="tx1"/>
                                 </a:solidFill>
-                                <a:latin typeface="Times New Roman" panose="02020603050405020304" pitchFamily="18" charset="0"/>
+                                <a:latin typeface="Cambria Math" panose="02040503050406030204" pitchFamily="18" charset="0"/>
                                 <a:cs typeface="Times New Roman" panose="02020603050405020304" pitchFamily="18" charset="0"/>
                               </a:rPr>
                               <m:t>1</m:t>
@@ -18148,11 +18387,11 @@
                         <m:d>
                           <m:dPr>
                             <m:ctrlPr>
-                              <a:rPr lang="en-US" sz="1600">
+                              <a:rPr lang="en-US" sz="1600" i="1">
                                 <a:solidFill>
                                   <a:schemeClr val="tx1"/>
                                 </a:solidFill>
-                                <a:latin typeface="Times New Roman" panose="02020603050405020304" pitchFamily="18" charset="0"/>
+                                <a:latin typeface="Cambria Math" panose="02040503050406030204" pitchFamily="18" charset="0"/>
                                 <a:cs typeface="Times New Roman" panose="02020603050405020304" pitchFamily="18" charset="0"/>
                               </a:rPr>
                             </m:ctrlPr>
@@ -18163,7 +18402,7 @@
                                 <a:solidFill>
                                   <a:schemeClr val="tx1"/>
                                 </a:solidFill>
-                                <a:latin typeface="Times New Roman" panose="02020603050405020304" pitchFamily="18" charset="0"/>
+                                <a:latin typeface="Cambria Math" panose="02040503050406030204" pitchFamily="18" charset="0"/>
                                 <a:cs typeface="Times New Roman" panose="02020603050405020304" pitchFamily="18" charset="0"/>
                               </a:rPr>
                               <m:t>∙</m:t>
@@ -18184,7 +18423,7 @@
               </p:txBody>
             </p:sp>
           </mc:Choice>
-          <mc:Fallback>
+          <mc:Fallback xmlns="">
             <p:sp>
               <p:nvSpPr>
                 <p:cNvPr id="204" name="Rectangle 203"/>
@@ -18228,8 +18467,8 @@
             </p:sp>
           </mc:Fallback>
         </mc:AlternateContent>
-        <mc:AlternateContent xmlns:mc="http://schemas.openxmlformats.org/markup-compatibility/2006">
-          <mc:Choice xmlns:a14="http://schemas.microsoft.com/office/drawing/2010/main" Requires="a14">
+        <mc:AlternateContent xmlns:mc="http://schemas.openxmlformats.org/markup-compatibility/2006" xmlns:a14="http://schemas.microsoft.com/office/drawing/2010/main">
+          <mc:Choice Requires="a14">
             <p:sp>
               <p:nvSpPr>
                 <p:cNvPr id="207" name="Oval 206"/>
@@ -18293,7 +18532,7 @@
                             <a:solidFill>
                               <a:schemeClr val="tx1"/>
                             </a:solidFill>
-                            <a:latin typeface="Times New Roman" panose="02020603050405020304" pitchFamily="18" charset="0"/>
+                            <a:latin typeface="Cambria Math" panose="02040503050406030204" pitchFamily="18" charset="0"/>
                             <a:cs typeface="Times New Roman" panose="02020603050405020304" pitchFamily="18" charset="0"/>
                           </a:rPr>
                           <m:t>Σ</m:t>
@@ -18312,7 +18551,7 @@
               </p:txBody>
             </p:sp>
           </mc:Choice>
-          <mc:Fallback>
+          <mc:Fallback xmlns="">
             <p:sp>
               <p:nvSpPr>
                 <p:cNvPr id="207" name="Oval 206"/>
@@ -18441,8 +18680,8 @@
             </a:fontRef>
           </p:style>
         </p:cxnSp>
-        <mc:AlternateContent xmlns:mc="http://schemas.openxmlformats.org/markup-compatibility/2006">
-          <mc:Choice xmlns:a14="http://schemas.microsoft.com/office/drawing/2010/main" Requires="a14">
+        <mc:AlternateContent xmlns:mc="http://schemas.openxmlformats.org/markup-compatibility/2006" xmlns:a14="http://schemas.microsoft.com/office/drawing/2010/main">
+          <mc:Choice Requires="a14">
             <p:sp>
               <p:nvSpPr>
                 <p:cNvPr id="212" name="Oval 211"/>
@@ -18506,7 +18745,7 @@
                             <a:solidFill>
                               <a:schemeClr val="tx1"/>
                             </a:solidFill>
-                            <a:latin typeface="Times New Roman" panose="02020603050405020304" pitchFamily="18" charset="0"/>
+                            <a:latin typeface="Cambria Math" panose="02040503050406030204" pitchFamily="18" charset="0"/>
                             <a:cs typeface="Times New Roman" panose="02020603050405020304" pitchFamily="18" charset="0"/>
                           </a:rPr>
                           <m:t>Σ</m:t>
@@ -18525,7 +18764,7 @@
               </p:txBody>
             </p:sp>
           </mc:Choice>
-          <mc:Fallback>
+          <mc:Fallback xmlns="">
             <p:sp>
               <p:nvSpPr>
                 <p:cNvPr id="212" name="Oval 211"/>
@@ -18603,11 +18842,7 @@
             <a:p>
               <a:r>
                 <a:rPr lang="en-US" dirty="0"/>
-                <a:t>n</a:t>
-              </a:r>
-              <a:r>
-                <a:rPr lang="en-US" dirty="0"/>
-                <a:t>euron</a:t>
+                <a:t>neuron</a:t>
               </a:r>
               <a:br>
                 <a:rPr lang="en-US" dirty="0"/>
@@ -18616,12 +18851,11 @@
                 <a:rPr lang="en-US" dirty="0"/>
                 <a:t>abs-layer</a:t>
               </a:r>
-              <a:endParaRPr lang="en-US" dirty="0"/>
             </a:p>
           </p:txBody>
         </p:sp>
-        <mc:AlternateContent xmlns:mc="http://schemas.openxmlformats.org/markup-compatibility/2006">
-          <mc:Choice xmlns:a14="http://schemas.microsoft.com/office/drawing/2010/main" Requires="a14">
+        <mc:AlternateContent xmlns:mc="http://schemas.openxmlformats.org/markup-compatibility/2006" xmlns:a14="http://schemas.microsoft.com/office/drawing/2010/main">
+          <mc:Choice Requires="a14">
             <p:sp>
               <p:nvSpPr>
                 <p:cNvPr id="225" name="Rectangle 224"/>
@@ -18680,11 +18914,11 @@
                         <m:sSub>
                           <m:sSubPr>
                             <m:ctrlPr>
-                              <a:rPr lang="en-US" sz="1600">
+                              <a:rPr lang="en-US" sz="1600" i="1">
                                 <a:solidFill>
                                   <a:schemeClr val="tx1"/>
                                 </a:solidFill>
-                                <a:latin typeface="Times New Roman" panose="02020603050405020304" pitchFamily="18" charset="0"/>
+                                <a:latin typeface="Cambria Math" panose="02040503050406030204" pitchFamily="18" charset="0"/>
                                 <a:cs typeface="Times New Roman" panose="02020603050405020304" pitchFamily="18" charset="0"/>
                               </a:rPr>
                             </m:ctrlPr>
@@ -18695,7 +18929,7 @@
                                 <a:solidFill>
                                   <a:schemeClr val="tx1"/>
                                 </a:solidFill>
-                                <a:latin typeface="Times New Roman" panose="02020603050405020304" pitchFamily="18" charset="0"/>
+                                <a:latin typeface="Cambria Math" panose="02040503050406030204" pitchFamily="18" charset="0"/>
                                 <a:cs typeface="Times New Roman" panose="02020603050405020304" pitchFamily="18" charset="0"/>
                               </a:rPr>
                               <m:t>𝑓</m:t>
@@ -18707,7 +18941,7 @@
                                 <a:solidFill>
                                   <a:schemeClr val="tx1"/>
                                 </a:solidFill>
-                                <a:latin typeface="Times New Roman" panose="02020603050405020304" pitchFamily="18" charset="0"/>
+                                <a:latin typeface="Cambria Math" panose="02040503050406030204" pitchFamily="18" charset="0"/>
                                 <a:cs typeface="Times New Roman" panose="02020603050405020304" pitchFamily="18" charset="0"/>
                               </a:rPr>
                               <m:t>10</m:t>
@@ -18717,11 +18951,11 @@
                         <m:d>
                           <m:dPr>
                             <m:ctrlPr>
-                              <a:rPr lang="en-US" sz="1600">
+                              <a:rPr lang="en-US" sz="1600" i="1">
                                 <a:solidFill>
                                   <a:schemeClr val="tx1"/>
                                 </a:solidFill>
-                                <a:latin typeface="Times New Roman" panose="02020603050405020304" pitchFamily="18" charset="0"/>
+                                <a:latin typeface="Cambria Math" panose="02040503050406030204" pitchFamily="18" charset="0"/>
                                 <a:cs typeface="Times New Roman" panose="02020603050405020304" pitchFamily="18" charset="0"/>
                               </a:rPr>
                             </m:ctrlPr>
@@ -18732,7 +18966,7 @@
                                 <a:solidFill>
                                   <a:schemeClr val="tx1"/>
                                 </a:solidFill>
-                                <a:latin typeface="Times New Roman" panose="02020603050405020304" pitchFamily="18" charset="0"/>
+                                <a:latin typeface="Cambria Math" panose="02040503050406030204" pitchFamily="18" charset="0"/>
                                 <a:cs typeface="Times New Roman" panose="02020603050405020304" pitchFamily="18" charset="0"/>
                               </a:rPr>
                               <m:t>∙</m:t>
@@ -18753,7 +18987,7 @@
               </p:txBody>
             </p:sp>
           </mc:Choice>
-          <mc:Fallback>
+          <mc:Fallback xmlns="">
             <p:sp>
               <p:nvSpPr>
                 <p:cNvPr id="225" name="Rectangle 224"/>
@@ -18797,8 +19031,8 @@
             </p:sp>
           </mc:Fallback>
         </mc:AlternateContent>
-        <mc:AlternateContent xmlns:mc="http://schemas.openxmlformats.org/markup-compatibility/2006">
-          <mc:Choice xmlns:a14="http://schemas.microsoft.com/office/drawing/2010/main" Requires="a14">
+        <mc:AlternateContent xmlns:mc="http://schemas.openxmlformats.org/markup-compatibility/2006" xmlns:a14="http://schemas.microsoft.com/office/drawing/2010/main">
+          <mc:Choice Requires="a14">
             <p:sp>
               <p:nvSpPr>
                 <p:cNvPr id="226" name="Rectangle 225"/>
@@ -18857,11 +19091,11 @@
                         <m:sSub>
                           <m:sSubPr>
                             <m:ctrlPr>
-                              <a:rPr lang="en-US" sz="1600">
+                              <a:rPr lang="en-US" sz="1600" i="1">
                                 <a:solidFill>
                                   <a:schemeClr val="tx1"/>
                                 </a:solidFill>
-                                <a:latin typeface="Times New Roman" panose="02020603050405020304" pitchFamily="18" charset="0"/>
+                                <a:latin typeface="Cambria Math" panose="02040503050406030204" pitchFamily="18" charset="0"/>
                                 <a:cs typeface="Times New Roman" panose="02020603050405020304" pitchFamily="18" charset="0"/>
                               </a:rPr>
                             </m:ctrlPr>
@@ -18872,7 +19106,7 @@
                                 <a:solidFill>
                                   <a:schemeClr val="tx1"/>
                                 </a:solidFill>
-                                <a:latin typeface="Times New Roman" panose="02020603050405020304" pitchFamily="18" charset="0"/>
+                                <a:latin typeface="Cambria Math" panose="02040503050406030204" pitchFamily="18" charset="0"/>
                                 <a:cs typeface="Times New Roman" panose="02020603050405020304" pitchFamily="18" charset="0"/>
                               </a:rPr>
                               <m:t>𝑓</m:t>
@@ -18884,7 +19118,7 @@
                                 <a:solidFill>
                                   <a:schemeClr val="tx1"/>
                                 </a:solidFill>
-                                <a:latin typeface="Times New Roman" panose="02020603050405020304" pitchFamily="18" charset="0"/>
+                                <a:latin typeface="Cambria Math" panose="02040503050406030204" pitchFamily="18" charset="0"/>
                                 <a:cs typeface="Times New Roman" panose="02020603050405020304" pitchFamily="18" charset="0"/>
                               </a:rPr>
                               <m:t>10</m:t>
@@ -18894,11 +19128,11 @@
                         <m:d>
                           <m:dPr>
                             <m:ctrlPr>
-                              <a:rPr lang="en-US" sz="1600">
+                              <a:rPr lang="en-US" sz="1600" i="1">
                                 <a:solidFill>
                                   <a:schemeClr val="tx1"/>
                                 </a:solidFill>
-                                <a:latin typeface="Times New Roman" panose="02020603050405020304" pitchFamily="18" charset="0"/>
+                                <a:latin typeface="Cambria Math" panose="02040503050406030204" pitchFamily="18" charset="0"/>
                                 <a:cs typeface="Times New Roman" panose="02020603050405020304" pitchFamily="18" charset="0"/>
                               </a:rPr>
                             </m:ctrlPr>
@@ -18909,7 +19143,7 @@
                                 <a:solidFill>
                                   <a:schemeClr val="tx1"/>
                                 </a:solidFill>
-                                <a:latin typeface="Times New Roman" panose="02020603050405020304" pitchFamily="18" charset="0"/>
+                                <a:latin typeface="Cambria Math" panose="02040503050406030204" pitchFamily="18" charset="0"/>
                                 <a:cs typeface="Times New Roman" panose="02020603050405020304" pitchFamily="18" charset="0"/>
                               </a:rPr>
                               <m:t>∙</m:t>
@@ -18930,7 +19164,7 @@
               </p:txBody>
             </p:sp>
           </mc:Choice>
-          <mc:Fallback>
+          <mc:Fallback xmlns="">
             <p:sp>
               <p:nvSpPr>
                 <p:cNvPr id="226" name="Rectangle 225"/>
@@ -19008,11 +19242,7 @@
             <a:p>
               <a:r>
                 <a:rPr lang="en-US" dirty="0"/>
-                <a:t>w</a:t>
-              </a:r>
-              <a:r>
-                <a:rPr lang="en-US" dirty="0"/>
-                <a:t>eight</a:t>
+                <a:t>weight</a:t>
               </a:r>
               <a:br>
                 <a:rPr lang="en-US" dirty="0"/>
@@ -19021,12 +19251,11 @@
                 <a:rPr lang="en-US" dirty="0"/>
                 <a:t>abs-layer</a:t>
               </a:r>
-              <a:endParaRPr lang="en-US" dirty="0"/>
             </a:p>
           </p:txBody>
         </p:sp>
-        <mc:AlternateContent xmlns:mc="http://schemas.openxmlformats.org/markup-compatibility/2006">
-          <mc:Choice xmlns:a14="http://schemas.microsoft.com/office/drawing/2010/main" Requires="a14">
+        <mc:AlternateContent xmlns:mc="http://schemas.openxmlformats.org/markup-compatibility/2006" xmlns:a14="http://schemas.microsoft.com/office/drawing/2010/main">
+          <mc:Choice Requires="a14">
             <p:sp>
               <p:nvSpPr>
                 <p:cNvPr id="303" name="Rectangle 302"/>
@@ -19085,11 +19314,11 @@
                         <m:sSub>
                           <m:sSubPr>
                             <m:ctrlPr>
-                              <a:rPr lang="en-US" sz="1600">
+                              <a:rPr lang="en-US" sz="1600" i="1">
                                 <a:solidFill>
                                   <a:schemeClr val="tx1"/>
                                 </a:solidFill>
-                                <a:latin typeface="Times New Roman" panose="02020603050405020304" pitchFamily="18" charset="0"/>
+                                <a:latin typeface="Cambria Math" panose="02040503050406030204" pitchFamily="18" charset="0"/>
                                 <a:cs typeface="Times New Roman" panose="02020603050405020304" pitchFamily="18" charset="0"/>
                               </a:rPr>
                             </m:ctrlPr>
@@ -19100,7 +19329,7 @@
                                 <a:solidFill>
                                   <a:schemeClr val="tx1"/>
                                 </a:solidFill>
-                                <a:latin typeface="Times New Roman" panose="02020603050405020304" pitchFamily="18" charset="0"/>
+                                <a:latin typeface="Cambria Math" panose="02040503050406030204" pitchFamily="18" charset="0"/>
                                 <a:cs typeface="Times New Roman" panose="02020603050405020304" pitchFamily="18" charset="0"/>
                               </a:rPr>
                               <m:t>𝑓</m:t>
@@ -19112,7 +19341,7 @@
                                 <a:solidFill>
                                   <a:schemeClr val="tx1"/>
                                 </a:solidFill>
-                                <a:latin typeface="Times New Roman" panose="02020603050405020304" pitchFamily="18" charset="0"/>
+                                <a:latin typeface="Cambria Math" panose="02040503050406030204" pitchFamily="18" charset="0"/>
                                 <a:cs typeface="Times New Roman" panose="02020603050405020304" pitchFamily="18" charset="0"/>
                               </a:rPr>
                               <m:t>10</m:t>
@@ -19122,11 +19351,11 @@
                         <m:d>
                           <m:dPr>
                             <m:ctrlPr>
-                              <a:rPr lang="en-US" sz="1600">
+                              <a:rPr lang="en-US" sz="1600" i="1">
                                 <a:solidFill>
                                   <a:schemeClr val="tx1"/>
                                 </a:solidFill>
-                                <a:latin typeface="Times New Roman" panose="02020603050405020304" pitchFamily="18" charset="0"/>
+                                <a:latin typeface="Cambria Math" panose="02040503050406030204" pitchFamily="18" charset="0"/>
                                 <a:cs typeface="Times New Roman" panose="02020603050405020304" pitchFamily="18" charset="0"/>
                               </a:rPr>
                             </m:ctrlPr>
@@ -19137,7 +19366,7 @@
                                 <a:solidFill>
                                   <a:schemeClr val="tx1"/>
                                 </a:solidFill>
-                                <a:latin typeface="Times New Roman" panose="02020603050405020304" pitchFamily="18" charset="0"/>
+                                <a:latin typeface="Cambria Math" panose="02040503050406030204" pitchFamily="18" charset="0"/>
                                 <a:cs typeface="Times New Roman" panose="02020603050405020304" pitchFamily="18" charset="0"/>
                               </a:rPr>
                               <m:t>∙</m:t>
@@ -19158,7 +19387,7 @@
               </p:txBody>
             </p:sp>
           </mc:Choice>
-          <mc:Fallback>
+          <mc:Fallback xmlns="">
             <p:sp>
               <p:nvSpPr>
                 <p:cNvPr id="303" name="Rectangle 302"/>
@@ -19202,8 +19431,8 @@
             </p:sp>
           </mc:Fallback>
         </mc:AlternateContent>
-        <mc:AlternateContent xmlns:mc="http://schemas.openxmlformats.org/markup-compatibility/2006">
-          <mc:Choice xmlns:a14="http://schemas.microsoft.com/office/drawing/2010/main" Requires="a14">
+        <mc:AlternateContent xmlns:mc="http://schemas.openxmlformats.org/markup-compatibility/2006" xmlns:a14="http://schemas.microsoft.com/office/drawing/2010/main">
+          <mc:Choice Requires="a14">
             <p:sp>
               <p:nvSpPr>
                 <p:cNvPr id="304" name="Rectangle 303"/>
@@ -19262,11 +19491,11 @@
                         <m:sSub>
                           <m:sSubPr>
                             <m:ctrlPr>
-                              <a:rPr lang="en-US" sz="1600">
+                              <a:rPr lang="en-US" sz="1600" i="1">
                                 <a:solidFill>
                                   <a:schemeClr val="tx1"/>
                                 </a:solidFill>
-                                <a:latin typeface="Times New Roman" panose="02020603050405020304" pitchFamily="18" charset="0"/>
+                                <a:latin typeface="Cambria Math" panose="02040503050406030204" pitchFamily="18" charset="0"/>
                                 <a:cs typeface="Times New Roman" panose="02020603050405020304" pitchFamily="18" charset="0"/>
                               </a:rPr>
                             </m:ctrlPr>
@@ -19277,7 +19506,7 @@
                                 <a:solidFill>
                                   <a:schemeClr val="tx1"/>
                                 </a:solidFill>
-                                <a:latin typeface="Times New Roman" panose="02020603050405020304" pitchFamily="18" charset="0"/>
+                                <a:latin typeface="Cambria Math" panose="02040503050406030204" pitchFamily="18" charset="0"/>
                                 <a:cs typeface="Times New Roman" panose="02020603050405020304" pitchFamily="18" charset="0"/>
                               </a:rPr>
                               <m:t>𝑓</m:t>
@@ -19289,7 +19518,7 @@
                                 <a:solidFill>
                                   <a:schemeClr val="tx1"/>
                                 </a:solidFill>
-                                <a:latin typeface="Times New Roman" panose="02020603050405020304" pitchFamily="18" charset="0"/>
+                                <a:latin typeface="Cambria Math" panose="02040503050406030204" pitchFamily="18" charset="0"/>
                                 <a:cs typeface="Times New Roman" panose="02020603050405020304" pitchFamily="18" charset="0"/>
                               </a:rPr>
                               <m:t>10</m:t>
@@ -19299,11 +19528,11 @@
                         <m:d>
                           <m:dPr>
                             <m:ctrlPr>
-                              <a:rPr lang="en-US" sz="1600">
+                              <a:rPr lang="en-US" sz="1600" i="1">
                                 <a:solidFill>
                                   <a:schemeClr val="tx1"/>
                                 </a:solidFill>
-                                <a:latin typeface="Times New Roman" panose="02020603050405020304" pitchFamily="18" charset="0"/>
+                                <a:latin typeface="Cambria Math" panose="02040503050406030204" pitchFamily="18" charset="0"/>
                                 <a:cs typeface="Times New Roman" panose="02020603050405020304" pitchFamily="18" charset="0"/>
                               </a:rPr>
                             </m:ctrlPr>
@@ -19314,7 +19543,7 @@
                                 <a:solidFill>
                                   <a:schemeClr val="tx1"/>
                                 </a:solidFill>
-                                <a:latin typeface="Times New Roman" panose="02020603050405020304" pitchFamily="18" charset="0"/>
+                                <a:latin typeface="Cambria Math" panose="02040503050406030204" pitchFamily="18" charset="0"/>
                                 <a:cs typeface="Times New Roman" panose="02020603050405020304" pitchFamily="18" charset="0"/>
                               </a:rPr>
                               <m:t>∙</m:t>
@@ -19335,7 +19564,7 @@
               </p:txBody>
             </p:sp>
           </mc:Choice>
-          <mc:Fallback>
+          <mc:Fallback xmlns="">
             <p:sp>
               <p:nvSpPr>
                 <p:cNvPr id="304" name="Rectangle 303"/>
@@ -19438,8 +19667,8 @@
             </a:p>
           </p:txBody>
         </p:sp>
-        <mc:AlternateContent xmlns:mc="http://schemas.openxmlformats.org/markup-compatibility/2006">
-          <mc:Choice xmlns:a14="http://schemas.microsoft.com/office/drawing/2010/main" Requires="a14">
+        <mc:AlternateContent xmlns:mc="http://schemas.openxmlformats.org/markup-compatibility/2006" xmlns:a14="http://schemas.microsoft.com/office/drawing/2010/main">
+          <mc:Choice Requires="a14">
             <p:sp>
               <p:nvSpPr>
                 <p:cNvPr id="323" name="Rectangle 322"/>
@@ -19498,11 +19727,11 @@
                         <m:sSub>
                           <m:sSubPr>
                             <m:ctrlPr>
-                              <a:rPr lang="en-US" sz="1600">
+                              <a:rPr lang="en-US" sz="1600" i="1">
                                 <a:solidFill>
                                   <a:schemeClr val="tx1"/>
                                 </a:solidFill>
-                                <a:latin typeface="Times New Roman" panose="02020603050405020304" pitchFamily="18" charset="0"/>
+                                <a:latin typeface="Cambria Math" panose="02040503050406030204" pitchFamily="18" charset="0"/>
                                 <a:cs typeface="Times New Roman" panose="02020603050405020304" pitchFamily="18" charset="0"/>
                               </a:rPr>
                             </m:ctrlPr>
@@ -19513,7 +19742,7 @@
                                 <a:solidFill>
                                   <a:schemeClr val="tx1"/>
                                 </a:solidFill>
-                                <a:latin typeface="Times New Roman" panose="02020603050405020304" pitchFamily="18" charset="0"/>
+                                <a:latin typeface="Cambria Math" panose="02040503050406030204" pitchFamily="18" charset="0"/>
                                 <a:cs typeface="Times New Roman" panose="02020603050405020304" pitchFamily="18" charset="0"/>
                               </a:rPr>
                               <m:t>𝑓</m:t>
@@ -19525,7 +19754,7 @@
                                 <a:solidFill>
                                   <a:schemeClr val="tx1"/>
                                 </a:solidFill>
-                                <a:latin typeface="Times New Roman" panose="02020603050405020304" pitchFamily="18" charset="0"/>
+                                <a:latin typeface="Cambria Math" panose="02040503050406030204" pitchFamily="18" charset="0"/>
                                 <a:cs typeface="Times New Roman" panose="02020603050405020304" pitchFamily="18" charset="0"/>
                               </a:rPr>
                               <m:t>𝑡</m:t>
@@ -19535,11 +19764,11 @@
                         <m:d>
                           <m:dPr>
                             <m:ctrlPr>
-                              <a:rPr lang="en-US" sz="1600">
+                              <a:rPr lang="en-US" sz="1600" i="1">
                                 <a:solidFill>
                                   <a:schemeClr val="tx1"/>
                                 </a:solidFill>
-                                <a:latin typeface="Times New Roman" panose="02020603050405020304" pitchFamily="18" charset="0"/>
+                                <a:latin typeface="Cambria Math" panose="02040503050406030204" pitchFamily="18" charset="0"/>
                                 <a:cs typeface="Times New Roman" panose="02020603050405020304" pitchFamily="18" charset="0"/>
                               </a:rPr>
                             </m:ctrlPr>
@@ -19550,7 +19779,7 @@
                                 <a:solidFill>
                                   <a:schemeClr val="tx1"/>
                                 </a:solidFill>
-                                <a:latin typeface="Times New Roman" panose="02020603050405020304" pitchFamily="18" charset="0"/>
+                                <a:latin typeface="Cambria Math" panose="02040503050406030204" pitchFamily="18" charset="0"/>
                                 <a:cs typeface="Times New Roman" panose="02020603050405020304" pitchFamily="18" charset="0"/>
                               </a:rPr>
                               <m:t>∙</m:t>
@@ -19571,7 +19800,7 @@
               </p:txBody>
             </p:sp>
           </mc:Choice>
-          <mc:Fallback>
+          <mc:Fallback xmlns="">
             <p:sp>
               <p:nvSpPr>
                 <p:cNvPr id="323" name="Rectangle 322"/>
@@ -19615,8 +19844,8 @@
             </p:sp>
           </mc:Fallback>
         </mc:AlternateContent>
-        <mc:AlternateContent xmlns:mc="http://schemas.openxmlformats.org/markup-compatibility/2006">
-          <mc:Choice xmlns:a14="http://schemas.microsoft.com/office/drawing/2010/main" Requires="a14">
+        <mc:AlternateContent xmlns:mc="http://schemas.openxmlformats.org/markup-compatibility/2006" xmlns:a14="http://schemas.microsoft.com/office/drawing/2010/main">
+          <mc:Choice Requires="a14">
             <p:sp>
               <p:nvSpPr>
                 <p:cNvPr id="324" name="Rectangle 323"/>
@@ -19675,11 +19904,11 @@
                         <m:sSub>
                           <m:sSubPr>
                             <m:ctrlPr>
-                              <a:rPr lang="en-US" sz="1600">
+                              <a:rPr lang="en-US" sz="1600" i="1">
                                 <a:solidFill>
                                   <a:schemeClr val="tx1"/>
                                 </a:solidFill>
-                                <a:latin typeface="Times New Roman" panose="02020603050405020304" pitchFamily="18" charset="0"/>
+                                <a:latin typeface="Cambria Math" panose="02040503050406030204" pitchFamily="18" charset="0"/>
                                 <a:cs typeface="Times New Roman" panose="02020603050405020304" pitchFamily="18" charset="0"/>
                               </a:rPr>
                             </m:ctrlPr>
@@ -19690,7 +19919,7 @@
                                 <a:solidFill>
                                   <a:schemeClr val="tx1"/>
                                 </a:solidFill>
-                                <a:latin typeface="Times New Roman" panose="02020603050405020304" pitchFamily="18" charset="0"/>
+                                <a:latin typeface="Cambria Math" panose="02040503050406030204" pitchFamily="18" charset="0"/>
                                 <a:cs typeface="Times New Roman" panose="02020603050405020304" pitchFamily="18" charset="0"/>
                               </a:rPr>
                               <m:t>𝑓</m:t>
@@ -19702,7 +19931,7 @@
                                 <a:solidFill>
                                   <a:schemeClr val="tx1"/>
                                 </a:solidFill>
-                                <a:latin typeface="Times New Roman" panose="02020603050405020304" pitchFamily="18" charset="0"/>
+                                <a:latin typeface="Cambria Math" panose="02040503050406030204" pitchFamily="18" charset="0"/>
                                 <a:cs typeface="Times New Roman" panose="02020603050405020304" pitchFamily="18" charset="0"/>
                               </a:rPr>
                               <m:t>𝑡</m:t>
@@ -19712,11 +19941,11 @@
                         <m:d>
                           <m:dPr>
                             <m:ctrlPr>
-                              <a:rPr lang="en-US" sz="1600">
+                              <a:rPr lang="en-US" sz="1600" i="1">
                                 <a:solidFill>
                                   <a:schemeClr val="tx1"/>
                                 </a:solidFill>
-                                <a:latin typeface="Times New Roman" panose="02020603050405020304" pitchFamily="18" charset="0"/>
+                                <a:latin typeface="Cambria Math" panose="02040503050406030204" pitchFamily="18" charset="0"/>
                                 <a:cs typeface="Times New Roman" panose="02020603050405020304" pitchFamily="18" charset="0"/>
                               </a:rPr>
                             </m:ctrlPr>
@@ -19727,7 +19956,7 @@
                                 <a:solidFill>
                                   <a:schemeClr val="tx1"/>
                                 </a:solidFill>
-                                <a:latin typeface="Times New Roman" panose="02020603050405020304" pitchFamily="18" charset="0"/>
+                                <a:latin typeface="Cambria Math" panose="02040503050406030204" pitchFamily="18" charset="0"/>
                                 <a:cs typeface="Times New Roman" panose="02020603050405020304" pitchFamily="18" charset="0"/>
                               </a:rPr>
                               <m:t>∙</m:t>
@@ -19748,7 +19977,7 @@
               </p:txBody>
             </p:sp>
           </mc:Choice>
-          <mc:Fallback>
+          <mc:Fallback xmlns="">
             <p:sp>
               <p:nvSpPr>
                 <p:cNvPr id="324" name="Rectangle 323"/>
@@ -19826,15 +20055,7 @@
             <a:p>
               <a:r>
                 <a:rPr lang="en-US" dirty="0"/>
-                <a:t>target</a:t>
-              </a:r>
-              <a:r>
-                <a:rPr lang="en-US" dirty="0"/>
-                <a:t> </a:t>
-              </a:r>
-              <a:r>
-                <a:rPr lang="en-US" dirty="0"/>
-                <a:t>node</a:t>
+                <a:t>target node</a:t>
               </a:r>
               <a:br>
                 <a:rPr lang="en-US" dirty="0"/>
@@ -19843,7 +20064,6 @@
                 <a:rPr lang="en-US" dirty="0"/>
                 <a:t>abs-layer</a:t>
               </a:r>
-              <a:endParaRPr lang="en-US" dirty="0"/>
             </a:p>
           </p:txBody>
         </p:sp>
@@ -19906,8 +20126,8 @@
             </a:p>
           </p:txBody>
         </p:sp>
-        <mc:AlternateContent xmlns:mc="http://schemas.openxmlformats.org/markup-compatibility/2006">
-          <mc:Choice xmlns:a14="http://schemas.microsoft.com/office/drawing/2010/main" Requires="a14">
+        <mc:AlternateContent xmlns:mc="http://schemas.openxmlformats.org/markup-compatibility/2006" xmlns:a14="http://schemas.microsoft.com/office/drawing/2010/main">
+          <mc:Choice Requires="a14">
             <p:sp>
               <p:nvSpPr>
                 <p:cNvPr id="331" name="Rectangle 330"/>
@@ -19966,11 +20186,11 @@
                         <m:sSub>
                           <m:sSubPr>
                             <m:ctrlPr>
-                              <a:rPr lang="en-US" sz="1600">
+                              <a:rPr lang="en-US" sz="1600" i="1">
                                 <a:solidFill>
                                   <a:schemeClr val="tx1"/>
                                 </a:solidFill>
-                                <a:latin typeface="Times New Roman" panose="02020603050405020304" pitchFamily="18" charset="0"/>
+                                <a:latin typeface="Cambria Math" panose="02040503050406030204" pitchFamily="18" charset="0"/>
                                 <a:cs typeface="Times New Roman" panose="02020603050405020304" pitchFamily="18" charset="0"/>
                               </a:rPr>
                             </m:ctrlPr>
@@ -19981,7 +20201,7 @@
                                 <a:solidFill>
                                   <a:schemeClr val="tx1"/>
                                 </a:solidFill>
-                                <a:latin typeface="Times New Roman" panose="02020603050405020304" pitchFamily="18" charset="0"/>
+                                <a:latin typeface="Cambria Math" panose="02040503050406030204" pitchFamily="18" charset="0"/>
                                 <a:cs typeface="Times New Roman" panose="02020603050405020304" pitchFamily="18" charset="0"/>
                               </a:rPr>
                               <m:t>𝑓</m:t>
@@ -19993,7 +20213,7 @@
                                 <a:solidFill>
                                   <a:schemeClr val="tx1"/>
                                 </a:solidFill>
-                                <a:latin typeface="Times New Roman" panose="02020603050405020304" pitchFamily="18" charset="0"/>
+                                <a:latin typeface="Cambria Math" panose="02040503050406030204" pitchFamily="18" charset="0"/>
                                 <a:cs typeface="Times New Roman" panose="02020603050405020304" pitchFamily="18" charset="0"/>
                               </a:rPr>
                               <m:t>0</m:t>
@@ -20003,11 +20223,11 @@
                         <m:d>
                           <m:dPr>
                             <m:ctrlPr>
-                              <a:rPr lang="en-US" sz="1600">
+                              <a:rPr lang="en-US" sz="1600" i="1">
                                 <a:solidFill>
                                   <a:schemeClr val="tx1"/>
                                 </a:solidFill>
-                                <a:latin typeface="Times New Roman" panose="02020603050405020304" pitchFamily="18" charset="0"/>
+                                <a:latin typeface="Cambria Math" panose="02040503050406030204" pitchFamily="18" charset="0"/>
                                 <a:cs typeface="Times New Roman" panose="02020603050405020304" pitchFamily="18" charset="0"/>
                               </a:rPr>
                             </m:ctrlPr>
@@ -20018,7 +20238,7 @@
                                 <a:solidFill>
                                   <a:schemeClr val="tx1"/>
                                 </a:solidFill>
-                                <a:latin typeface="Times New Roman" panose="02020603050405020304" pitchFamily="18" charset="0"/>
+                                <a:latin typeface="Cambria Math" panose="02040503050406030204" pitchFamily="18" charset="0"/>
                                 <a:cs typeface="Times New Roman" panose="02020603050405020304" pitchFamily="18" charset="0"/>
                               </a:rPr>
                               <m:t>∙</m:t>
@@ -20039,7 +20259,7 @@
               </p:txBody>
             </p:sp>
           </mc:Choice>
-          <mc:Fallback>
+          <mc:Fallback xmlns="">
             <p:sp>
               <p:nvSpPr>
                 <p:cNvPr id="331" name="Rectangle 330"/>
@@ -20083,8 +20303,8 @@
             </p:sp>
           </mc:Fallback>
         </mc:AlternateContent>
-        <mc:AlternateContent xmlns:mc="http://schemas.openxmlformats.org/markup-compatibility/2006">
-          <mc:Choice xmlns:a14="http://schemas.microsoft.com/office/drawing/2010/main" Requires="a14">
+        <mc:AlternateContent xmlns:mc="http://schemas.openxmlformats.org/markup-compatibility/2006" xmlns:a14="http://schemas.microsoft.com/office/drawing/2010/main">
+          <mc:Choice Requires="a14">
             <p:sp>
               <p:nvSpPr>
                 <p:cNvPr id="332" name="Rectangle 331"/>
@@ -20143,11 +20363,11 @@
                         <m:sSub>
                           <m:sSubPr>
                             <m:ctrlPr>
-                              <a:rPr lang="en-US" sz="1600">
+                              <a:rPr lang="en-US" sz="1600" i="1">
                                 <a:solidFill>
                                   <a:schemeClr val="tx1"/>
                                 </a:solidFill>
-                                <a:latin typeface="Times New Roman" panose="02020603050405020304" pitchFamily="18" charset="0"/>
+                                <a:latin typeface="Cambria Math" panose="02040503050406030204" pitchFamily="18" charset="0"/>
                                 <a:cs typeface="Times New Roman" panose="02020603050405020304" pitchFamily="18" charset="0"/>
                               </a:rPr>
                             </m:ctrlPr>
@@ -20158,7 +20378,7 @@
                                 <a:solidFill>
                                   <a:schemeClr val="tx1"/>
                                 </a:solidFill>
-                                <a:latin typeface="Times New Roman" panose="02020603050405020304" pitchFamily="18" charset="0"/>
+                                <a:latin typeface="Cambria Math" panose="02040503050406030204" pitchFamily="18" charset="0"/>
                                 <a:cs typeface="Times New Roman" panose="02020603050405020304" pitchFamily="18" charset="0"/>
                               </a:rPr>
                               <m:t>𝑓</m:t>
@@ -20170,7 +20390,7 @@
                                 <a:solidFill>
                                   <a:schemeClr val="tx1"/>
                                 </a:solidFill>
-                                <a:latin typeface="Times New Roman" panose="02020603050405020304" pitchFamily="18" charset="0"/>
+                                <a:latin typeface="Cambria Math" panose="02040503050406030204" pitchFamily="18" charset="0"/>
                                 <a:cs typeface="Times New Roman" panose="02020603050405020304" pitchFamily="18" charset="0"/>
                               </a:rPr>
                               <m:t>0</m:t>
@@ -20180,11 +20400,11 @@
                         <m:d>
                           <m:dPr>
                             <m:ctrlPr>
-                              <a:rPr lang="en-US" sz="1600">
+                              <a:rPr lang="en-US" sz="1600" i="1">
                                 <a:solidFill>
                                   <a:schemeClr val="tx1"/>
                                 </a:solidFill>
-                                <a:latin typeface="Times New Roman" panose="02020603050405020304" pitchFamily="18" charset="0"/>
+                                <a:latin typeface="Cambria Math" panose="02040503050406030204" pitchFamily="18" charset="0"/>
                                 <a:cs typeface="Times New Roman" panose="02020603050405020304" pitchFamily="18" charset="0"/>
                               </a:rPr>
                             </m:ctrlPr>
@@ -20195,7 +20415,7 @@
                                 <a:solidFill>
                                   <a:schemeClr val="tx1"/>
                                 </a:solidFill>
-                                <a:latin typeface="Times New Roman" panose="02020603050405020304" pitchFamily="18" charset="0"/>
+                                <a:latin typeface="Cambria Math" panose="02040503050406030204" pitchFamily="18" charset="0"/>
                                 <a:cs typeface="Times New Roman" panose="02020603050405020304" pitchFamily="18" charset="0"/>
                               </a:rPr>
                               <m:t>∙</m:t>
@@ -20216,7 +20436,7 @@
               </p:txBody>
             </p:sp>
           </mc:Choice>
-          <mc:Fallback>
+          <mc:Fallback xmlns="">
             <p:sp>
               <p:nvSpPr>
                 <p:cNvPr id="332" name="Rectangle 331"/>
@@ -20260,8 +20480,8 @@
             </p:sp>
           </mc:Fallback>
         </mc:AlternateContent>
-        <mc:AlternateContent xmlns:mc="http://schemas.openxmlformats.org/markup-compatibility/2006">
-          <mc:Choice xmlns:a14="http://schemas.microsoft.com/office/drawing/2010/main" Requires="a14">
+        <mc:AlternateContent xmlns:mc="http://schemas.openxmlformats.org/markup-compatibility/2006" xmlns:a14="http://schemas.microsoft.com/office/drawing/2010/main">
+          <mc:Choice Requires="a14">
             <p:sp>
               <p:nvSpPr>
                 <p:cNvPr id="333" name="Oval 332"/>
@@ -20322,7 +20542,7 @@
                             <a:solidFill>
                               <a:schemeClr val="tx1"/>
                             </a:solidFill>
-                            <a:latin typeface="Times New Roman" panose="02020603050405020304" pitchFamily="18" charset="0"/>
+                            <a:latin typeface="Cambria Math" panose="02040503050406030204" pitchFamily="18" charset="0"/>
                             <a:cs typeface="Times New Roman" panose="02020603050405020304" pitchFamily="18" charset="0"/>
                           </a:rPr>
                           <m:t>𝑝</m:t>
@@ -20341,7 +20561,7 @@
               </p:txBody>
             </p:sp>
           </mc:Choice>
-          <mc:Fallback>
+          <mc:Fallback xmlns="">
             <p:sp>
               <p:nvSpPr>
                 <p:cNvPr id="333" name="Oval 332"/>
@@ -20470,8 +20690,8 @@
             </a:fontRef>
           </p:style>
         </p:cxnSp>
-        <mc:AlternateContent xmlns:mc="http://schemas.openxmlformats.org/markup-compatibility/2006">
-          <mc:Choice xmlns:a14="http://schemas.microsoft.com/office/drawing/2010/main" Requires="a14">
+        <mc:AlternateContent xmlns:mc="http://schemas.openxmlformats.org/markup-compatibility/2006" xmlns:a14="http://schemas.microsoft.com/office/drawing/2010/main">
+          <mc:Choice Requires="a14">
             <p:sp>
               <p:nvSpPr>
                 <p:cNvPr id="336" name="Oval 335"/>
@@ -20532,7 +20752,7 @@
                             <a:solidFill>
                               <a:schemeClr val="tx1"/>
                             </a:solidFill>
-                            <a:latin typeface="Times New Roman" panose="02020603050405020304" pitchFamily="18" charset="0"/>
+                            <a:latin typeface="Cambria Math" panose="02040503050406030204" pitchFamily="18" charset="0"/>
                             <a:cs typeface="Times New Roman" panose="02020603050405020304" pitchFamily="18" charset="0"/>
                           </a:rPr>
                           <m:t>𝑝</m:t>
@@ -20551,7 +20771,7 @@
               </p:txBody>
             </p:sp>
           </mc:Choice>
-          <mc:Fallback>
+          <mc:Fallback xmlns="">
             <p:sp>
               <p:nvSpPr>
                 <p:cNvPr id="336" name="Oval 335"/>
@@ -20638,7 +20858,6 @@
                 <a:rPr lang="en-US" dirty="0"/>
                 <a:t>abs-layer</a:t>
               </a:r>
-              <a:endParaRPr lang="en-US" dirty="0"/>
             </a:p>
           </p:txBody>
         </p:sp>
@@ -21072,8 +21291,8 @@
             </a:fontRef>
           </p:style>
         </p:cxnSp>
-        <mc:AlternateContent xmlns:mc="http://schemas.openxmlformats.org/markup-compatibility/2006">
-          <mc:Choice xmlns:a14="http://schemas.microsoft.com/office/drawing/2010/main" Requires="a14">
+        <mc:AlternateContent xmlns:mc="http://schemas.openxmlformats.org/markup-compatibility/2006" xmlns:a14="http://schemas.microsoft.com/office/drawing/2010/main">
+          <mc:Choice Requires="a14">
             <p:sp>
               <p:nvSpPr>
                 <p:cNvPr id="362" name="Oval 361"/>
@@ -21134,7 +21353,7 @@
                             <a:solidFill>
                               <a:schemeClr val="tx1"/>
                             </a:solidFill>
-                            <a:latin typeface="Times New Roman" panose="02020603050405020304" pitchFamily="18" charset="0"/>
+                            <a:latin typeface="Cambria Math" panose="02040503050406030204" pitchFamily="18" charset="0"/>
                             <a:cs typeface="Times New Roman" panose="02020603050405020304" pitchFamily="18" charset="0"/>
                           </a:rPr>
                           <m:t>𝑡</m:t>
@@ -21153,7 +21372,7 @@
               </p:txBody>
             </p:sp>
           </mc:Choice>
-          <mc:Fallback>
+          <mc:Fallback xmlns="">
             <p:sp>
               <p:nvSpPr>
                 <p:cNvPr id="362" name="Oval 361"/>
@@ -21197,8 +21416,8 @@
             </p:sp>
           </mc:Fallback>
         </mc:AlternateContent>
-        <mc:AlternateContent xmlns:mc="http://schemas.openxmlformats.org/markup-compatibility/2006">
-          <mc:Choice xmlns:a14="http://schemas.microsoft.com/office/drawing/2010/main" Requires="a14">
+        <mc:AlternateContent xmlns:mc="http://schemas.openxmlformats.org/markup-compatibility/2006" xmlns:a14="http://schemas.microsoft.com/office/drawing/2010/main">
+          <mc:Choice Requires="a14">
             <p:sp>
               <p:nvSpPr>
                 <p:cNvPr id="363" name="Oval 362"/>
@@ -21259,7 +21478,7 @@
                             <a:solidFill>
                               <a:schemeClr val="tx1"/>
                             </a:solidFill>
-                            <a:latin typeface="Times New Roman" panose="02020603050405020304" pitchFamily="18" charset="0"/>
+                            <a:latin typeface="Cambria Math" panose="02040503050406030204" pitchFamily="18" charset="0"/>
                             <a:cs typeface="Times New Roman" panose="02020603050405020304" pitchFamily="18" charset="0"/>
                           </a:rPr>
                           <m:t>𝑡</m:t>
@@ -21278,7 +21497,7 @@
               </p:txBody>
             </p:sp>
           </mc:Choice>
-          <mc:Fallback>
+          <mc:Fallback xmlns="">
             <p:sp>
               <p:nvSpPr>
                 <p:cNvPr id="363" name="Oval 362"/>
@@ -21408,8 +21627,8 @@
             </a:fontRef>
           </p:style>
         </p:cxnSp>
-        <mc:AlternateContent xmlns:mc="http://schemas.openxmlformats.org/markup-compatibility/2006">
-          <mc:Choice xmlns:a14="http://schemas.microsoft.com/office/drawing/2010/main" Requires="a14">
+        <mc:AlternateContent xmlns:mc="http://schemas.openxmlformats.org/markup-compatibility/2006" xmlns:a14="http://schemas.microsoft.com/office/drawing/2010/main">
+          <mc:Choice Requires="a14">
             <p:sp>
               <p:nvSpPr>
                 <p:cNvPr id="373" name="TextBox 372"/>
@@ -21442,6 +21661,7 @@
                   </a:lvl1pPr>
                 </a:lstStyle>
                 <a:p>
+                  <a:pPr/>
                   <a14:m>
                     <m:oMathPara xmlns:m="http://schemas.openxmlformats.org/officeDocument/2006/math">
                       <m:oMathParaPr>
@@ -21451,18 +21671,24 @@
                         <m:sSub>
                           <m:sSubPr>
                             <m:ctrlPr>
-                              <a:rPr lang="en-US"/>
+                              <a:rPr lang="en-US" i="1">
+                                <a:latin typeface="Cambria Math" panose="02040503050406030204" pitchFamily="18" charset="0"/>
+                              </a:rPr>
                             </m:ctrlPr>
                           </m:sSubPr>
                           <m:e>
                             <m:r>
-                              <a:rPr lang="en-US"/>
+                              <a:rPr lang="en-US">
+                                <a:latin typeface="Cambria Math" panose="02040503050406030204" pitchFamily="18" charset="0"/>
+                              </a:rPr>
                               <m:t>𝑥</m:t>
                             </m:r>
                           </m:e>
                           <m:sub>
                             <m:r>
-                              <a:rPr lang="en-US"/>
+                              <a:rPr lang="en-US">
+                                <a:latin typeface="Cambria Math" panose="02040503050406030204" pitchFamily="18" charset="0"/>
+                              </a:rPr>
                               <m:t>0</m:t>
                             </m:r>
                           </m:sub>
@@ -21475,7 +21701,7 @@
               </p:txBody>
             </p:sp>
           </mc:Choice>
-          <mc:Fallback>
+          <mc:Fallback xmlns="">
             <p:sp>
               <p:nvSpPr>
                 <p:cNvPr id="373" name="TextBox 372"/>
@@ -21514,8 +21740,8 @@
             </p:sp>
           </mc:Fallback>
         </mc:AlternateContent>
-        <mc:AlternateContent xmlns:mc="http://schemas.openxmlformats.org/markup-compatibility/2006">
-          <mc:Choice xmlns:a14="http://schemas.microsoft.com/office/drawing/2010/main" Requires="a14">
+        <mc:AlternateContent xmlns:mc="http://schemas.openxmlformats.org/markup-compatibility/2006" xmlns:a14="http://schemas.microsoft.com/office/drawing/2010/main">
+          <mc:Choice Requires="a14">
             <p:sp>
               <p:nvSpPr>
                 <p:cNvPr id="392" name="TextBox 391"/>
@@ -21548,6 +21774,7 @@
                   </a:lvl1pPr>
                 </a:lstStyle>
                 <a:p>
+                  <a:pPr/>
                   <a14:m>
                     <m:oMathPara xmlns:m="http://schemas.openxmlformats.org/officeDocument/2006/math">
                       <m:oMathParaPr>
@@ -21557,18 +21784,24 @@
                         <m:sSub>
                           <m:sSubPr>
                             <m:ctrlPr>
-                              <a:rPr lang="en-US"/>
+                              <a:rPr lang="en-US" i="1">
+                                <a:latin typeface="Cambria Math" panose="02040503050406030204" pitchFamily="18" charset="0"/>
+                              </a:rPr>
                             </m:ctrlPr>
                           </m:sSubPr>
                           <m:e>
                             <m:r>
-                              <a:rPr lang="en-US"/>
+                              <a:rPr lang="en-US">
+                                <a:latin typeface="Cambria Math" panose="02040503050406030204" pitchFamily="18" charset="0"/>
+                              </a:rPr>
                               <m:t>𝑥</m:t>
                             </m:r>
                           </m:e>
                           <m:sub>
                             <m:r>
-                              <a:rPr lang="en-US"/>
+                              <a:rPr lang="en-US">
+                                <a:latin typeface="Cambria Math" panose="02040503050406030204" pitchFamily="18" charset="0"/>
+                              </a:rPr>
                               <m:t>10</m:t>
                             </m:r>
                           </m:sub>
@@ -21581,7 +21814,7 @@
               </p:txBody>
             </p:sp>
           </mc:Choice>
-          <mc:Fallback>
+          <mc:Fallback xmlns="">
             <p:sp>
               <p:nvSpPr>
                 <p:cNvPr id="392" name="TextBox 391"/>
@@ -21620,8 +21853,8 @@
             </p:sp>
           </mc:Fallback>
         </mc:AlternateContent>
-        <mc:AlternateContent xmlns:mc="http://schemas.openxmlformats.org/markup-compatibility/2006">
-          <mc:Choice xmlns:a14="http://schemas.microsoft.com/office/drawing/2010/main" Requires="a14">
+        <mc:AlternateContent xmlns:mc="http://schemas.openxmlformats.org/markup-compatibility/2006" xmlns:a14="http://schemas.microsoft.com/office/drawing/2010/main">
+          <mc:Choice Requires="a14">
             <p:sp>
               <p:nvSpPr>
                 <p:cNvPr id="398" name="TextBox 397"/>
@@ -21654,6 +21887,7 @@
                   </a:lvl1pPr>
                 </a:lstStyle>
                 <a:p>
+                  <a:pPr/>
                   <a14:m>
                     <m:oMathPara xmlns:m="http://schemas.openxmlformats.org/officeDocument/2006/math">
                       <m:oMathParaPr>
@@ -21663,18 +21897,24 @@
                         <m:sSub>
                           <m:sSubPr>
                             <m:ctrlPr>
-                              <a:rPr lang="en-US"/>
+                              <a:rPr lang="en-US" i="1">
+                                <a:latin typeface="Cambria Math" panose="02040503050406030204" pitchFamily="18" charset="0"/>
+                              </a:rPr>
                             </m:ctrlPr>
                           </m:sSubPr>
                           <m:e>
                             <m:r>
-                              <a:rPr lang="en-US"/>
+                              <a:rPr lang="en-US">
+                                <a:latin typeface="Cambria Math" panose="02040503050406030204" pitchFamily="18" charset="0"/>
+                              </a:rPr>
                               <m:t>𝑜</m:t>
                             </m:r>
                           </m:e>
                           <m:sub>
                             <m:r>
-                              <a:rPr lang="en-US"/>
+                              <a:rPr lang="en-US">
+                                <a:latin typeface="Cambria Math" panose="02040503050406030204" pitchFamily="18" charset="0"/>
+                              </a:rPr>
                               <m:t>1</m:t>
                             </m:r>
                           </m:sub>
@@ -21687,7 +21927,7 @@
               </p:txBody>
             </p:sp>
           </mc:Choice>
-          <mc:Fallback>
+          <mc:Fallback xmlns="">
             <p:sp>
               <p:nvSpPr>
                 <p:cNvPr id="398" name="TextBox 397"/>
@@ -21987,8 +22227,8 @@
             </a:p>
           </p:txBody>
         </p:sp>
-        <mc:AlternateContent xmlns:mc="http://schemas.openxmlformats.org/markup-compatibility/2006">
-          <mc:Choice xmlns:a14="http://schemas.microsoft.com/office/drawing/2010/main" Requires="a14">
+        <mc:AlternateContent xmlns:mc="http://schemas.openxmlformats.org/markup-compatibility/2006" xmlns:a14="http://schemas.microsoft.com/office/drawing/2010/main">
+          <mc:Choice Requires="a14">
             <p:sp>
               <p:nvSpPr>
                 <p:cNvPr id="69" name="Rectangle 68"/>
@@ -22047,11 +22287,11 @@
                         <m:sSub>
                           <m:sSubPr>
                             <m:ctrlPr>
-                              <a:rPr lang="en-US" sz="1600">
+                              <a:rPr lang="en-US" sz="1600" i="1">
                                 <a:solidFill>
                                   <a:schemeClr val="tx1"/>
                                 </a:solidFill>
-                                <a:latin typeface="Times New Roman" panose="02020603050405020304" pitchFamily="18" charset="0"/>
+                                <a:latin typeface="Cambria Math" panose="02040503050406030204" pitchFamily="18" charset="0"/>
                                 <a:cs typeface="Times New Roman" panose="02020603050405020304" pitchFamily="18" charset="0"/>
                               </a:rPr>
                             </m:ctrlPr>
@@ -22062,7 +22302,7 @@
                                 <a:solidFill>
                                   <a:schemeClr val="tx1"/>
                                 </a:solidFill>
-                                <a:latin typeface="Times New Roman" panose="02020603050405020304" pitchFamily="18" charset="0"/>
+                                <a:latin typeface="Cambria Math" panose="02040503050406030204" pitchFamily="18" charset="0"/>
                                 <a:cs typeface="Times New Roman" panose="02020603050405020304" pitchFamily="18" charset="0"/>
                               </a:rPr>
                               <m:t>𝑓</m:t>
@@ -22074,7 +22314,7 @@
                                 <a:solidFill>
                                   <a:schemeClr val="tx1"/>
                                 </a:solidFill>
-                                <a:latin typeface="Times New Roman" panose="02020603050405020304" pitchFamily="18" charset="0"/>
+                                <a:latin typeface="Cambria Math" panose="02040503050406030204" pitchFamily="18" charset="0"/>
                                 <a:cs typeface="Times New Roman" panose="02020603050405020304" pitchFamily="18" charset="0"/>
                               </a:rPr>
                               <m:t>𝑏</m:t>
@@ -22084,11 +22324,11 @@
                         <m:d>
                           <m:dPr>
                             <m:ctrlPr>
-                              <a:rPr lang="en-US" sz="1600">
+                              <a:rPr lang="en-US" sz="1600" i="1">
                                 <a:solidFill>
                                   <a:schemeClr val="tx1"/>
                                 </a:solidFill>
-                                <a:latin typeface="Times New Roman" panose="02020603050405020304" pitchFamily="18" charset="0"/>
+                                <a:latin typeface="Cambria Math" panose="02040503050406030204" pitchFamily="18" charset="0"/>
                                 <a:cs typeface="Times New Roman" panose="02020603050405020304" pitchFamily="18" charset="0"/>
                               </a:rPr>
                             </m:ctrlPr>
@@ -22099,7 +22339,7 @@
                                 <a:solidFill>
                                   <a:schemeClr val="tx1"/>
                                 </a:solidFill>
-                                <a:latin typeface="Times New Roman" panose="02020603050405020304" pitchFamily="18" charset="0"/>
+                                <a:latin typeface="Cambria Math" panose="02040503050406030204" pitchFamily="18" charset="0"/>
                                 <a:cs typeface="Times New Roman" panose="02020603050405020304" pitchFamily="18" charset="0"/>
                               </a:rPr>
                               <m:t>∙</m:t>
@@ -22120,7 +22360,7 @@
               </p:txBody>
             </p:sp>
           </mc:Choice>
-          <mc:Fallback>
+          <mc:Fallback xmlns="">
             <p:sp>
               <p:nvSpPr>
                 <p:cNvPr id="69" name="Rectangle 68"/>
@@ -22164,8 +22404,8 @@
             </p:sp>
           </mc:Fallback>
         </mc:AlternateContent>
-        <mc:AlternateContent xmlns:mc="http://schemas.openxmlformats.org/markup-compatibility/2006">
-          <mc:Choice xmlns:a14="http://schemas.microsoft.com/office/drawing/2010/main" Requires="a14">
+        <mc:AlternateContent xmlns:mc="http://schemas.openxmlformats.org/markup-compatibility/2006" xmlns:a14="http://schemas.microsoft.com/office/drawing/2010/main">
+          <mc:Choice Requires="a14">
             <p:sp>
               <p:nvSpPr>
                 <p:cNvPr id="70" name="Oval 69"/>
@@ -22226,7 +22466,7 @@
                             <a:solidFill>
                               <a:schemeClr val="tx1"/>
                             </a:solidFill>
-                            <a:latin typeface="Times New Roman" panose="02020603050405020304" pitchFamily="18" charset="0"/>
+                            <a:latin typeface="Cambria Math" panose="02040503050406030204" pitchFamily="18" charset="0"/>
                             <a:cs typeface="Times New Roman" panose="02020603050405020304" pitchFamily="18" charset="0"/>
                           </a:rPr>
                           <m:t>1</m:t>
@@ -22245,7 +22485,7 @@
               </p:txBody>
             </p:sp>
           </mc:Choice>
-          <mc:Fallback>
+          <mc:Fallback xmlns="">
             <p:sp>
               <p:nvSpPr>
                 <p:cNvPr id="70" name="Oval 69"/>
@@ -22498,8 +22738,8 @@
             </a:fontRef>
           </p:style>
         </p:cxnSp>
-        <mc:AlternateContent xmlns:mc="http://schemas.openxmlformats.org/markup-compatibility/2006">
-          <mc:Choice xmlns:a14="http://schemas.microsoft.com/office/drawing/2010/main" Requires="a14">
+        <mc:AlternateContent xmlns:mc="http://schemas.openxmlformats.org/markup-compatibility/2006" xmlns:a14="http://schemas.microsoft.com/office/drawing/2010/main">
+          <mc:Choice Requires="a14">
             <p:sp>
               <p:nvSpPr>
                 <p:cNvPr id="77" name="TextBox 76"/>
@@ -22532,6 +22772,7 @@
                   </a:lvl1pPr>
                 </a:lstStyle>
                 <a:p>
+                  <a:pPr/>
                   <a14:m>
                     <m:oMathPara xmlns:m="http://schemas.openxmlformats.org/officeDocument/2006/math">
                       <m:oMathParaPr>
@@ -22541,18 +22782,24 @@
                         <m:sSub>
                           <m:sSubPr>
                             <m:ctrlPr>
-                              <a:rPr lang="en-US"/>
+                              <a:rPr lang="en-US" i="1">
+                                <a:latin typeface="Cambria Math" panose="02040503050406030204" pitchFamily="18" charset="0"/>
+                              </a:rPr>
                             </m:ctrlPr>
                           </m:sSubPr>
                           <m:e>
                             <m:r>
-                              <a:rPr lang="en-US"/>
+                              <a:rPr lang="en-US">
+                                <a:latin typeface="Cambria Math" panose="02040503050406030204" pitchFamily="18" charset="0"/>
+                              </a:rPr>
                               <m:t>𝑥</m:t>
                             </m:r>
                           </m:e>
                           <m:sub>
                             <m:r>
-                              <a:rPr lang="en-US"/>
+                              <a:rPr lang="en-US">
+                                <a:latin typeface="Cambria Math" panose="02040503050406030204" pitchFamily="18" charset="0"/>
+                              </a:rPr>
                               <m:t>𝑏</m:t>
                             </m:r>
                           </m:sub>
@@ -22565,7 +22812,7 @@
               </p:txBody>
             </p:sp>
           </mc:Choice>
-          <mc:Fallback>
+          <mc:Fallback xmlns="">
             <p:sp>
               <p:nvSpPr>
                 <p:cNvPr id="77" name="TextBox 76"/>
@@ -22663,8 +22910,8 @@
             </a:p>
           </p:txBody>
         </p:sp>
-        <mc:AlternateContent xmlns:mc="http://schemas.openxmlformats.org/markup-compatibility/2006">
-          <mc:Choice xmlns:a14="http://schemas.microsoft.com/office/drawing/2010/main" Requires="a14">
+        <mc:AlternateContent xmlns:mc="http://schemas.openxmlformats.org/markup-compatibility/2006" xmlns:a14="http://schemas.microsoft.com/office/drawing/2010/main">
+          <mc:Choice Requires="a14">
             <p:sp>
               <p:nvSpPr>
                 <p:cNvPr id="79" name="Rectangle 78"/>
@@ -22723,11 +22970,11 @@
                         <m:sSub>
                           <m:sSubPr>
                             <m:ctrlPr>
-                              <a:rPr lang="en-US" sz="1600">
+                              <a:rPr lang="en-US" sz="1600" i="1">
                                 <a:solidFill>
                                   <a:schemeClr val="tx1"/>
                                 </a:solidFill>
-                                <a:latin typeface="Times New Roman" panose="02020603050405020304" pitchFamily="18" charset="0"/>
+                                <a:latin typeface="Cambria Math" panose="02040503050406030204" pitchFamily="18" charset="0"/>
                                 <a:cs typeface="Times New Roman" panose="02020603050405020304" pitchFamily="18" charset="0"/>
                               </a:rPr>
                             </m:ctrlPr>
@@ -22738,7 +22985,7 @@
                                 <a:solidFill>
                                   <a:schemeClr val="tx1"/>
                                 </a:solidFill>
-                                <a:latin typeface="Times New Roman" panose="02020603050405020304" pitchFamily="18" charset="0"/>
+                                <a:latin typeface="Cambria Math" panose="02040503050406030204" pitchFamily="18" charset="0"/>
                                 <a:cs typeface="Times New Roman" panose="02020603050405020304" pitchFamily="18" charset="0"/>
                               </a:rPr>
                               <m:t>𝑓</m:t>
@@ -22750,7 +22997,7 @@
                                 <a:solidFill>
                                   <a:schemeClr val="tx1"/>
                                 </a:solidFill>
-                                <a:latin typeface="Times New Roman" panose="02020603050405020304" pitchFamily="18" charset="0"/>
+                                <a:latin typeface="Cambria Math" panose="02040503050406030204" pitchFamily="18" charset="0"/>
                                 <a:cs typeface="Times New Roman" panose="02020603050405020304" pitchFamily="18" charset="0"/>
                               </a:rPr>
                               <m:t>1</m:t>
@@ -22760,7 +23007,7 @@
                                 <a:solidFill>
                                   <a:schemeClr val="tx1"/>
                                 </a:solidFill>
-                                <a:latin typeface="Times New Roman" panose="02020603050405020304" pitchFamily="18" charset="0"/>
+                                <a:latin typeface="Cambria Math" panose="02040503050406030204" pitchFamily="18" charset="0"/>
                                 <a:cs typeface="Times New Roman" panose="02020603050405020304" pitchFamily="18" charset="0"/>
                               </a:rPr>
                               <m:t>𝑏</m:t>
@@ -22770,11 +23017,11 @@
                         <m:d>
                           <m:dPr>
                             <m:ctrlPr>
-                              <a:rPr lang="en-US" sz="1600">
+                              <a:rPr lang="en-US" sz="1600" i="1">
                                 <a:solidFill>
                                   <a:schemeClr val="tx1"/>
                                 </a:solidFill>
-                                <a:latin typeface="Times New Roman" panose="02020603050405020304" pitchFamily="18" charset="0"/>
+                                <a:latin typeface="Cambria Math" panose="02040503050406030204" pitchFamily="18" charset="0"/>
                                 <a:cs typeface="Times New Roman" panose="02020603050405020304" pitchFamily="18" charset="0"/>
                               </a:rPr>
                             </m:ctrlPr>
@@ -22785,7 +23032,7 @@
                                 <a:solidFill>
                                   <a:schemeClr val="tx1"/>
                                 </a:solidFill>
-                                <a:latin typeface="Times New Roman" panose="02020603050405020304" pitchFamily="18" charset="0"/>
+                                <a:latin typeface="Cambria Math" panose="02040503050406030204" pitchFamily="18" charset="0"/>
                                 <a:cs typeface="Times New Roman" panose="02020603050405020304" pitchFamily="18" charset="0"/>
                               </a:rPr>
                               <m:t>∙</m:t>
@@ -22806,7 +23053,7 @@
               </p:txBody>
             </p:sp>
           </mc:Choice>
-          <mc:Fallback>
+          <mc:Fallback xmlns="">
             <p:sp>
               <p:nvSpPr>
                 <p:cNvPr id="79" name="Rectangle 78"/>
@@ -22850,8 +23097,8 @@
             </p:sp>
           </mc:Fallback>
         </mc:AlternateContent>
-        <mc:AlternateContent xmlns:mc="http://schemas.openxmlformats.org/markup-compatibility/2006">
-          <mc:Choice xmlns:a14="http://schemas.microsoft.com/office/drawing/2010/main" Requires="a14">
+        <mc:AlternateContent xmlns:mc="http://schemas.openxmlformats.org/markup-compatibility/2006" xmlns:a14="http://schemas.microsoft.com/office/drawing/2010/main">
+          <mc:Choice Requires="a14">
             <p:sp>
               <p:nvSpPr>
                 <p:cNvPr id="80" name="Rectangle 79"/>
@@ -22910,11 +23157,11 @@
                         <m:sSub>
                           <m:sSubPr>
                             <m:ctrlPr>
-                              <a:rPr lang="en-US" sz="1600">
+                              <a:rPr lang="en-US" sz="1600" i="1">
                                 <a:solidFill>
                                   <a:schemeClr val="tx1"/>
                                 </a:solidFill>
-                                <a:latin typeface="Times New Roman" panose="02020603050405020304" pitchFamily="18" charset="0"/>
+                                <a:latin typeface="Cambria Math" panose="02040503050406030204" pitchFamily="18" charset="0"/>
                                 <a:cs typeface="Times New Roman" panose="02020603050405020304" pitchFamily="18" charset="0"/>
                               </a:rPr>
                             </m:ctrlPr>
@@ -22925,7 +23172,7 @@
                                 <a:solidFill>
                                   <a:schemeClr val="tx1"/>
                                 </a:solidFill>
-                                <a:latin typeface="Times New Roman" panose="02020603050405020304" pitchFamily="18" charset="0"/>
+                                <a:latin typeface="Cambria Math" panose="02040503050406030204" pitchFamily="18" charset="0"/>
                                 <a:cs typeface="Times New Roman" panose="02020603050405020304" pitchFamily="18" charset="0"/>
                               </a:rPr>
                               <m:t>𝑓</m:t>
@@ -22937,7 +23184,7 @@
                                 <a:solidFill>
                                   <a:schemeClr val="tx1"/>
                                 </a:solidFill>
-                                <a:latin typeface="Times New Roman" panose="02020603050405020304" pitchFamily="18" charset="0"/>
+                                <a:latin typeface="Cambria Math" panose="02040503050406030204" pitchFamily="18" charset="0"/>
                                 <a:cs typeface="Times New Roman" panose="02020603050405020304" pitchFamily="18" charset="0"/>
                               </a:rPr>
                               <m:t>1</m:t>
@@ -22947,7 +23194,7 @@
                                 <a:solidFill>
                                   <a:schemeClr val="tx1"/>
                                 </a:solidFill>
-                                <a:latin typeface="Times New Roman" panose="02020603050405020304" pitchFamily="18" charset="0"/>
+                                <a:latin typeface="Cambria Math" panose="02040503050406030204" pitchFamily="18" charset="0"/>
                                 <a:cs typeface="Times New Roman" panose="02020603050405020304" pitchFamily="18" charset="0"/>
                               </a:rPr>
                               <m:t>𝑏</m:t>
@@ -22957,11 +23204,11 @@
                         <m:d>
                           <m:dPr>
                             <m:ctrlPr>
-                              <a:rPr lang="en-US" sz="1600">
+                              <a:rPr lang="en-US" sz="1600" i="1">
                                 <a:solidFill>
                                   <a:schemeClr val="tx1"/>
                                 </a:solidFill>
-                                <a:latin typeface="Times New Roman" panose="02020603050405020304" pitchFamily="18" charset="0"/>
+                                <a:latin typeface="Cambria Math" panose="02040503050406030204" pitchFamily="18" charset="0"/>
                                 <a:cs typeface="Times New Roman" panose="02020603050405020304" pitchFamily="18" charset="0"/>
                               </a:rPr>
                             </m:ctrlPr>
@@ -22972,7 +23219,7 @@
                                 <a:solidFill>
                                   <a:schemeClr val="tx1"/>
                                 </a:solidFill>
-                                <a:latin typeface="Times New Roman" panose="02020603050405020304" pitchFamily="18" charset="0"/>
+                                <a:latin typeface="Cambria Math" panose="02040503050406030204" pitchFamily="18" charset="0"/>
                                 <a:cs typeface="Times New Roman" panose="02020603050405020304" pitchFamily="18" charset="0"/>
                               </a:rPr>
                               <m:t>∙</m:t>
@@ -22993,7 +23240,7 @@
               </p:txBody>
             </p:sp>
           </mc:Choice>
-          <mc:Fallback>
+          <mc:Fallback xmlns="">
             <p:sp>
               <p:nvSpPr>
                 <p:cNvPr id="80" name="Rectangle 79"/>
@@ -23071,11 +23318,7 @@
             <a:p>
               <a:r>
                 <a:rPr lang="en-US" dirty="0"/>
-                <a:t>w</a:t>
-              </a:r>
-              <a:r>
-                <a:rPr lang="en-US" dirty="0"/>
-                <a:t>eight</a:t>
+                <a:t>weight</a:t>
               </a:r>
               <a:br>
                 <a:rPr lang="en-US" dirty="0"/>
@@ -23084,7 +23327,6 @@
                 <a:rPr lang="en-US" dirty="0"/>
                 <a:t>abs-layer</a:t>
               </a:r>
-              <a:endParaRPr lang="en-US" dirty="0"/>
             </a:p>
           </p:txBody>
         </p:sp>
@@ -23174,8 +23416,8 @@
             </a:fontRef>
           </p:style>
         </p:cxnSp>
-        <mc:AlternateContent xmlns:mc="http://schemas.openxmlformats.org/markup-compatibility/2006">
-          <mc:Choice xmlns:a14="http://schemas.microsoft.com/office/drawing/2010/main" Requires="a14">
+        <mc:AlternateContent xmlns:mc="http://schemas.openxmlformats.org/markup-compatibility/2006" xmlns:a14="http://schemas.microsoft.com/office/drawing/2010/main">
+          <mc:Choice Requires="a14">
             <p:sp>
               <p:nvSpPr>
                 <p:cNvPr id="102" name="TextBox 101"/>
@@ -23208,6 +23450,7 @@
                   </a:lvl1pPr>
                 </a:lstStyle>
                 <a:p>
+                  <a:pPr/>
                   <a14:m>
                     <m:oMathPara xmlns:m="http://schemas.openxmlformats.org/officeDocument/2006/math">
                       <m:oMathParaPr>
@@ -23217,22 +23460,30 @@
                         <m:sSub>
                           <m:sSubPr>
                             <m:ctrlPr>
-                              <a:rPr lang="en-US"/>
+                              <a:rPr lang="en-US" i="1">
+                                <a:latin typeface="Cambria Math" panose="02040503050406030204" pitchFamily="18" charset="0"/>
+                              </a:rPr>
                             </m:ctrlPr>
                           </m:sSubPr>
                           <m:e>
                             <m:r>
-                              <a:rPr lang="en-US"/>
+                              <a:rPr lang="en-US">
+                                <a:latin typeface="Cambria Math" panose="02040503050406030204" pitchFamily="18" charset="0"/>
+                              </a:rPr>
                               <m:t>𝛿</m:t>
                             </m:r>
                           </m:e>
                           <m:sub>
                             <m:r>
-                              <a:rPr lang="en-US"/>
+                              <a:rPr lang="en-US">
+                                <a:latin typeface="Cambria Math" panose="02040503050406030204" pitchFamily="18" charset="0"/>
+                              </a:rPr>
                               <m:t>1</m:t>
                             </m:r>
                             <m:r>
-                              <a:rPr lang="en-US"/>
+                              <a:rPr lang="en-US">
+                                <a:latin typeface="Cambria Math" panose="02040503050406030204" pitchFamily="18" charset="0"/>
+                              </a:rPr>
                               <m:t>𝑏</m:t>
                             </m:r>
                           </m:sub>
@@ -23245,7 +23496,7 @@
               </p:txBody>
             </p:sp>
           </mc:Choice>
-          <mc:Fallback>
+          <mc:Fallback xmlns="">
             <p:sp>
               <p:nvSpPr>
                 <p:cNvPr id="102" name="TextBox 101"/>
@@ -23284,8 +23535,8 @@
             </p:sp>
           </mc:Fallback>
         </mc:AlternateContent>
-        <mc:AlternateContent xmlns:mc="http://schemas.openxmlformats.org/markup-compatibility/2006">
-          <mc:Choice xmlns:a14="http://schemas.microsoft.com/office/drawing/2010/main" Requires="a14">
+        <mc:AlternateContent xmlns:mc="http://schemas.openxmlformats.org/markup-compatibility/2006" xmlns:a14="http://schemas.microsoft.com/office/drawing/2010/main">
+          <mc:Choice Requires="a14">
             <p:sp>
               <p:nvSpPr>
                 <p:cNvPr id="103" name="TextBox 102"/>
@@ -23318,6 +23569,7 @@
                   </a:lvl1pPr>
                 </a:lstStyle>
                 <a:p>
+                  <a:pPr/>
                   <a14:m>
                     <m:oMathPara xmlns:m="http://schemas.openxmlformats.org/officeDocument/2006/math">
                       <m:oMathParaPr>
@@ -23327,22 +23579,30 @@
                         <m:sSub>
                           <m:sSubPr>
                             <m:ctrlPr>
-                              <a:rPr lang="en-US"/>
+                              <a:rPr lang="en-US" i="1">
+                                <a:latin typeface="Cambria Math" panose="02040503050406030204" pitchFamily="18" charset="0"/>
+                              </a:rPr>
                             </m:ctrlPr>
                           </m:sSubPr>
                           <m:e>
                             <m:r>
-                              <a:rPr lang="en-US"/>
+                              <a:rPr lang="en-US">
+                                <a:latin typeface="Cambria Math" panose="02040503050406030204" pitchFamily="18" charset="0"/>
+                              </a:rPr>
                               <m:t>𝑥</m:t>
                             </m:r>
                           </m:e>
                           <m:sub>
                             <m:r>
-                              <a:rPr lang="en-US"/>
+                              <a:rPr lang="en-US">
+                                <a:latin typeface="Cambria Math" panose="02040503050406030204" pitchFamily="18" charset="0"/>
+                              </a:rPr>
                               <m:t>1</m:t>
                             </m:r>
                             <m:r>
-                              <a:rPr lang="en-US"/>
+                              <a:rPr lang="en-US">
+                                <a:latin typeface="Cambria Math" panose="02040503050406030204" pitchFamily="18" charset="0"/>
+                              </a:rPr>
                               <m:t>𝑏</m:t>
                             </m:r>
                           </m:sub>
@@ -23355,7 +23615,7 @@
               </p:txBody>
             </p:sp>
           </mc:Choice>
-          <mc:Fallback>
+          <mc:Fallback xmlns="">
             <p:sp>
               <p:nvSpPr>
                 <p:cNvPr id="103" name="TextBox 102"/>
@@ -23510,7 +23770,6 @@
                 <a:rPr lang="en-US" dirty="0"/>
                 <a:t>classic layer without abstraction</a:t>
               </a:r>
-              <a:endParaRPr lang="en-US" dirty="0"/>
             </a:p>
           </p:txBody>
         </p:sp>
@@ -23924,7 +24183,6 @@
                 <a:rPr lang="en-US" dirty="0"/>
                 <a:t>detach</a:t>
               </a:r>
-              <a:endParaRPr lang="en-US" dirty="0"/>
             </a:p>
           </p:txBody>
         </p:sp>
@@ -23964,7 +24222,6 @@
                 <a:rPr lang="en-US" dirty="0"/>
                 <a:t>attach</a:t>
               </a:r>
-              <a:endParaRPr lang="en-US" dirty="0"/>
             </a:p>
           </p:txBody>
         </p:sp>
@@ -24004,7 +24261,6 @@
                 <a:rPr lang="en-US" dirty="0"/>
                 <a:t>replace</a:t>
               </a:r>
-              <a:endParaRPr lang="en-US" dirty="0"/>
             </a:p>
           </p:txBody>
         </p:sp>
@@ -24044,7 +24300,6 @@
                 <a:rPr lang="en-US" dirty="0"/>
                 <a:t>replace</a:t>
               </a:r>
-              <a:endParaRPr lang="en-US" dirty="0"/>
             </a:p>
           </p:txBody>
         </p:sp>
@@ -24082,13 +24337,8 @@
             <a:p>
               <a:r>
                 <a:rPr lang="en-US" dirty="0"/>
-                <a:t>r</a:t>
+                <a:t>recurrent NN</a:t>
               </a:r>
-              <a:r>
-                <a:rPr lang="en-US" dirty="0"/>
-                <a:t>ecurrent NN</a:t>
-              </a:r>
-              <a:endParaRPr lang="en-US" dirty="0"/>
             </a:p>
           </p:txBody>
         </p:sp>
@@ -24126,13 +24376,8 @@
             <a:p>
               <a:r>
                 <a:rPr lang="en-US" dirty="0"/>
-                <a:t>1</a:t>
+                <a:t>1-layer NN</a:t>
               </a:r>
-              <a:r>
-                <a:rPr lang="en-US" dirty="0"/>
-                <a:t>-layer NN</a:t>
-              </a:r>
-              <a:endParaRPr lang="en-US" dirty="0"/>
             </a:p>
           </p:txBody>
         </p:sp>
@@ -24193,17 +24438,7 @@
                   <a:latin typeface="Times New Roman" panose="02020603050405020304" pitchFamily="18" charset="0"/>
                   <a:cs typeface="Times New Roman" panose="02020603050405020304" pitchFamily="18" charset="0"/>
                 </a:rPr>
-                <a:t>n</a:t>
-              </a:r>
-              <a:r>
-                <a:rPr lang="en-US" sz="1600" dirty="0">
-                  <a:solidFill>
-                    <a:schemeClr val="tx1"/>
-                  </a:solidFill>
-                  <a:latin typeface="Times New Roman" panose="02020603050405020304" pitchFamily="18" charset="0"/>
-                  <a:cs typeface="Times New Roman" panose="02020603050405020304" pitchFamily="18" charset="0"/>
-                </a:rPr>
-                <a:t>euron</a:t>
+                <a:t>neuron</a:t>
               </a:r>
               <a:br>
                 <a:rPr lang="en-US" sz="1600" dirty="0">
@@ -24302,13 +24537,6 @@
                 </a:rPr>
                 <a:t>linear</a:t>
               </a:r>
-              <a:endParaRPr lang="en-US" sz="1600" dirty="0">
-                <a:solidFill>
-                  <a:schemeClr val="tx1"/>
-                </a:solidFill>
-                <a:latin typeface="Times New Roman" panose="02020603050405020304" pitchFamily="18" charset="0"/>
-                <a:cs typeface="Times New Roman" panose="02020603050405020304" pitchFamily="18" charset="0"/>
-              </a:endParaRPr>
             </a:p>
           </p:txBody>
         </p:sp>
@@ -24468,13 +24696,6 @@
                 </a:rPr>
                 <a:t>LM</a:t>
               </a:r>
-              <a:endParaRPr lang="en-US" sz="1600" dirty="0">
-                <a:solidFill>
-                  <a:schemeClr val="tx1"/>
-                </a:solidFill>
-                <a:latin typeface="Times New Roman" panose="02020603050405020304" pitchFamily="18" charset="0"/>
-                <a:cs typeface="Times New Roman" panose="02020603050405020304" pitchFamily="18" charset="0"/>
-              </a:endParaRPr>
             </a:p>
           </p:txBody>
         </p:sp>
@@ -24680,13 +24901,6 @@
                 </a:rPr>
                 <a:t>abs-layer</a:t>
               </a:r>
-              <a:endParaRPr lang="en-US" sz="1600" dirty="0">
-                <a:solidFill>
-                  <a:schemeClr val="tx1"/>
-                </a:solidFill>
-                <a:latin typeface="Times New Roman" panose="02020603050405020304" pitchFamily="18" charset="0"/>
-                <a:cs typeface="Times New Roman" panose="02020603050405020304" pitchFamily="18" charset="0"/>
-              </a:endParaRPr>
             </a:p>
           </p:txBody>
         </p:sp>
@@ -24787,13 +25001,6 @@
                 </a:rPr>
                 <a:t>abs-layer</a:t>
               </a:r>
-              <a:endParaRPr lang="en-US" sz="1600" dirty="0">
-                <a:solidFill>
-                  <a:schemeClr val="tx1"/>
-                </a:solidFill>
-                <a:latin typeface="Times New Roman" panose="02020603050405020304" pitchFamily="18" charset="0"/>
-                <a:cs typeface="Times New Roman" panose="02020603050405020304" pitchFamily="18" charset="0"/>
-              </a:endParaRPr>
             </a:p>
           </p:txBody>
         </p:sp>
@@ -24856,13 +25063,6 @@
                 </a:rPr>
                 <a:t>BP</a:t>
               </a:r>
-              <a:endParaRPr lang="en-US" sz="1600" dirty="0">
-                <a:solidFill>
-                  <a:schemeClr val="tx1"/>
-                </a:solidFill>
-                <a:latin typeface="Times New Roman" panose="02020603050405020304" pitchFamily="18" charset="0"/>
-                <a:cs typeface="Times New Roman" panose="02020603050405020304" pitchFamily="18" charset="0"/>
-              </a:endParaRPr>
             </a:p>
           </p:txBody>
         </p:sp>
@@ -24923,17 +25123,7 @@
                   <a:latin typeface="Times New Roman" panose="02020603050405020304" pitchFamily="18" charset="0"/>
                   <a:cs typeface="Times New Roman" panose="02020603050405020304" pitchFamily="18" charset="0"/>
                 </a:rPr>
-                <a:t>n</a:t>
-              </a:r>
-              <a:r>
-                <a:rPr lang="en-US" sz="1600" dirty="0">
-                  <a:solidFill>
-                    <a:schemeClr val="tx1"/>
-                  </a:solidFill>
-                  <a:latin typeface="Times New Roman" panose="02020603050405020304" pitchFamily="18" charset="0"/>
-                  <a:cs typeface="Times New Roman" panose="02020603050405020304" pitchFamily="18" charset="0"/>
-                </a:rPr>
-                <a:t>euron</a:t>
+                <a:t>neuron</a:t>
               </a:r>
               <a:br>
                 <a:rPr lang="en-US" sz="1600" dirty="0">
@@ -25030,25 +25220,8 @@
                   <a:latin typeface="Times New Roman" panose="02020603050405020304" pitchFamily="18" charset="0"/>
                   <a:cs typeface="Times New Roman" panose="02020603050405020304" pitchFamily="18" charset="0"/>
                 </a:rPr>
-                <a:t>l</a:t>
+                <a:t>log-sig</a:t>
               </a:r>
-              <a:r>
-                <a:rPr lang="en-US" sz="1600" dirty="0">
-                  <a:solidFill>
-                    <a:schemeClr val="tx1"/>
-                  </a:solidFill>
-                  <a:latin typeface="Times New Roman" panose="02020603050405020304" pitchFamily="18" charset="0"/>
-                  <a:cs typeface="Times New Roman" panose="02020603050405020304" pitchFamily="18" charset="0"/>
-                </a:rPr>
-                <a:t>og-sig</a:t>
-              </a:r>
-              <a:endParaRPr lang="en-US" sz="1600" dirty="0">
-                <a:solidFill>
-                  <a:schemeClr val="tx1"/>
-                </a:solidFill>
-                <a:latin typeface="Times New Roman" panose="02020603050405020304" pitchFamily="18" charset="0"/>
-                <a:cs typeface="Times New Roman" panose="02020603050405020304" pitchFamily="18" charset="0"/>
-              </a:endParaRPr>
             </a:p>
           </p:txBody>
         </p:sp>
@@ -25130,13 +25303,6 @@
                 </a:rPr>
                 <a:t>abs-layer</a:t>
               </a:r>
-              <a:endParaRPr lang="en-US" sz="1600" dirty="0">
-                <a:solidFill>
-                  <a:schemeClr val="tx1"/>
-                </a:solidFill>
-                <a:latin typeface="Times New Roman" panose="02020603050405020304" pitchFamily="18" charset="0"/>
-                <a:cs typeface="Times New Roman" panose="02020603050405020304" pitchFamily="18" charset="0"/>
-              </a:endParaRPr>
             </a:p>
           </p:txBody>
         </p:sp>
@@ -25218,13 +25384,6 @@
                 </a:rPr>
                 <a:t>abs-layer</a:t>
               </a:r>
-              <a:endParaRPr lang="en-US" sz="1600" dirty="0">
-                <a:solidFill>
-                  <a:schemeClr val="tx1"/>
-                </a:solidFill>
-                <a:latin typeface="Times New Roman" panose="02020603050405020304" pitchFamily="18" charset="0"/>
-                <a:cs typeface="Times New Roman" panose="02020603050405020304" pitchFamily="18" charset="0"/>
-              </a:endParaRPr>
             </a:p>
           </p:txBody>
         </p:sp>
@@ -25384,13 +25543,6 @@
                 </a:rPr>
                 <a:t>BP</a:t>
               </a:r>
-              <a:endParaRPr lang="en-US" sz="1600" dirty="0">
-                <a:solidFill>
-                  <a:schemeClr val="tx1"/>
-                </a:solidFill>
-                <a:latin typeface="Times New Roman" panose="02020603050405020304" pitchFamily="18" charset="0"/>
-                <a:cs typeface="Times New Roman" panose="02020603050405020304" pitchFamily="18" charset="0"/>
-              </a:endParaRPr>
             </a:p>
           </p:txBody>
         </p:sp>
@@ -25930,8 +26082,8 @@
             </a:p>
           </p:txBody>
         </p:sp>
-        <mc:AlternateContent xmlns:mc="http://schemas.openxmlformats.org/markup-compatibility/2006">
-          <mc:Choice xmlns:a14="http://schemas.microsoft.com/office/drawing/2010/main" Requires="a14">
+        <mc:AlternateContent xmlns:mc="http://schemas.openxmlformats.org/markup-compatibility/2006" xmlns:a14="http://schemas.microsoft.com/office/drawing/2010/main">
+          <mc:Choice Requires="a14">
             <p:sp>
               <p:nvSpPr>
                 <p:cNvPr id="101" name="Rounded Rectangle 100"/>
@@ -25994,7 +26146,7 @@
                             <a:solidFill>
                               <a:schemeClr val="tx1"/>
                             </a:solidFill>
-                            <a:latin typeface="Times New Roman" panose="02020603050405020304" pitchFamily="18" charset="0"/>
+                            <a:latin typeface="Cambria Math" panose="02040503050406030204" pitchFamily="18" charset="0"/>
                             <a:cs typeface="Times New Roman" panose="02020603050405020304" pitchFamily="18" charset="0"/>
                           </a:rPr>
                           <m:t>  </m:t>
@@ -26007,7 +26159,7 @@
                             <a:solidFill>
                               <a:schemeClr val="tx1"/>
                             </a:solidFill>
-                            <a:latin typeface="Times New Roman" panose="02020603050405020304" pitchFamily="18" charset="0"/>
+                            <a:latin typeface="Cambria Math" panose="02040503050406030204" pitchFamily="18" charset="0"/>
                             <a:cs typeface="Times New Roman" panose="02020603050405020304" pitchFamily="18" charset="0"/>
                           </a:rPr>
                           <m:t>Σ</m:t>
@@ -26026,7 +26178,7 @@
               </p:txBody>
             </p:sp>
           </mc:Choice>
-          <mc:Fallback>
+          <mc:Fallback xmlns="">
             <p:sp>
               <p:nvSpPr>
                 <p:cNvPr id="101" name="Rounded Rectangle 100"/>
@@ -26133,18 +26285,11 @@
                 </a:rPr>
                 <a:t>output</a:t>
               </a:r>
-              <a:endParaRPr lang="en-US" sz="1600" dirty="0">
-                <a:solidFill>
-                  <a:schemeClr val="tx1"/>
-                </a:solidFill>
-                <a:latin typeface="Times New Roman" panose="02020603050405020304" pitchFamily="18" charset="0"/>
-                <a:cs typeface="Times New Roman" panose="02020603050405020304" pitchFamily="18" charset="0"/>
-              </a:endParaRPr>
             </a:p>
           </p:txBody>
         </p:sp>
-        <mc:AlternateContent xmlns:mc="http://schemas.openxmlformats.org/markup-compatibility/2006">
-          <mc:Choice xmlns:a14="http://schemas.microsoft.com/office/drawing/2010/main" Requires="a14">
+        <mc:AlternateContent xmlns:mc="http://schemas.openxmlformats.org/markup-compatibility/2006" xmlns:a14="http://schemas.microsoft.com/office/drawing/2010/main">
+          <mc:Choice Requires="a14">
             <p:sp>
               <p:nvSpPr>
                 <p:cNvPr id="63" name="Rounded Rectangle 62"/>
@@ -26210,7 +26355,7 @@
                             <a:solidFill>
                               <a:schemeClr val="tx1"/>
                             </a:solidFill>
-                            <a:latin typeface="Times New Roman" panose="02020603050405020304" pitchFamily="18" charset="0"/>
+                            <a:latin typeface="Cambria Math" panose="02040503050406030204" pitchFamily="18" charset="0"/>
                             <a:cs typeface="Times New Roman" panose="02020603050405020304" pitchFamily="18" charset="0"/>
                           </a:rPr>
                           <m:t>Σ</m:t>
@@ -26229,7 +26374,7 @@
               </p:txBody>
             </p:sp>
           </mc:Choice>
-          <mc:Fallback>
+          <mc:Fallback xmlns="">
             <p:sp>
               <p:nvSpPr>
                 <p:cNvPr id="63" name="Rounded Rectangle 62"/>
@@ -26336,18 +26481,11 @@
                 </a:rPr>
                 <a:t>output</a:t>
               </a:r>
-              <a:endParaRPr lang="en-US" sz="1600" dirty="0">
-                <a:solidFill>
-                  <a:schemeClr val="tx1"/>
-                </a:solidFill>
-                <a:latin typeface="Times New Roman" panose="02020603050405020304" pitchFamily="18" charset="0"/>
-                <a:cs typeface="Times New Roman" panose="02020603050405020304" pitchFamily="18" charset="0"/>
-              </a:endParaRPr>
             </a:p>
           </p:txBody>
         </p:sp>
-        <mc:AlternateContent xmlns:mc="http://schemas.openxmlformats.org/markup-compatibility/2006">
-          <mc:Choice xmlns:a14="http://schemas.microsoft.com/office/drawing/2010/main" Requires="a14">
+        <mc:AlternateContent xmlns:mc="http://schemas.openxmlformats.org/markup-compatibility/2006" xmlns:a14="http://schemas.microsoft.com/office/drawing/2010/main">
+          <mc:Choice Requires="a14">
             <p:sp>
               <p:nvSpPr>
                 <p:cNvPr id="4" name="Rectangle 3"/>
@@ -26408,7 +26546,7 @@
                             <a:solidFill>
                               <a:schemeClr val="tx1"/>
                             </a:solidFill>
-                            <a:latin typeface="Times New Roman" panose="02020603050405020304" pitchFamily="18" charset="0"/>
+                            <a:latin typeface="Cambria Math" panose="02040503050406030204" pitchFamily="18" charset="0"/>
                             <a:cs typeface="Times New Roman" panose="02020603050405020304" pitchFamily="18" charset="0"/>
                           </a:rPr>
                           <m:t>𝑓</m:t>
@@ -26416,11 +26554,11 @@
                         <m:d>
                           <m:dPr>
                             <m:ctrlPr>
-                              <a:rPr lang="en-US" sz="1600">
+                              <a:rPr lang="en-US" sz="1600" i="1">
                                 <a:solidFill>
                                   <a:schemeClr val="tx1"/>
                                 </a:solidFill>
-                                <a:latin typeface="Times New Roman" panose="02020603050405020304" pitchFamily="18" charset="0"/>
+                                <a:latin typeface="Cambria Math" panose="02040503050406030204" pitchFamily="18" charset="0"/>
                                 <a:cs typeface="Times New Roman" panose="02020603050405020304" pitchFamily="18" charset="0"/>
                               </a:rPr>
                             </m:ctrlPr>
@@ -26431,7 +26569,7 @@
                                 <a:solidFill>
                                   <a:schemeClr val="tx1"/>
                                 </a:solidFill>
-                                <a:latin typeface="Times New Roman" panose="02020603050405020304" pitchFamily="18" charset="0"/>
+                                <a:latin typeface="Cambria Math" panose="02040503050406030204" pitchFamily="18" charset="0"/>
                                 <a:cs typeface="Times New Roman" panose="02020603050405020304" pitchFamily="18" charset="0"/>
                               </a:rPr>
                               <m:t>∙</m:t>
@@ -26452,7 +26590,7 @@
               </p:txBody>
             </p:sp>
           </mc:Choice>
-          <mc:Fallback>
+          <mc:Fallback xmlns="">
             <p:sp>
               <p:nvSpPr>
                 <p:cNvPr id="4" name="Rectangle 3"/>
@@ -26496,8 +26634,8 @@
             </p:sp>
           </mc:Fallback>
         </mc:AlternateContent>
-        <mc:AlternateContent xmlns:mc="http://schemas.openxmlformats.org/markup-compatibility/2006">
-          <mc:Choice xmlns:a14="http://schemas.microsoft.com/office/drawing/2010/main" Requires="a14">
+        <mc:AlternateContent xmlns:mc="http://schemas.openxmlformats.org/markup-compatibility/2006" xmlns:a14="http://schemas.microsoft.com/office/drawing/2010/main">
+          <mc:Choice Requires="a14">
             <p:sp>
               <p:nvSpPr>
                 <p:cNvPr id="5" name="Rectangle 4"/>
@@ -26556,11 +26694,11 @@
                         <m:sSup>
                           <m:sSupPr>
                             <m:ctrlPr>
-                              <a:rPr lang="en-US" sz="1600">
+                              <a:rPr lang="en-US" sz="1600" i="1">
                                 <a:solidFill>
                                   <a:schemeClr val="tx1"/>
                                 </a:solidFill>
-                                <a:latin typeface="Times New Roman" panose="02020603050405020304" pitchFamily="18" charset="0"/>
+                                <a:latin typeface="Cambria Math" panose="02040503050406030204" pitchFamily="18" charset="0"/>
                                 <a:cs typeface="Times New Roman" panose="02020603050405020304" pitchFamily="18" charset="0"/>
                               </a:rPr>
                             </m:ctrlPr>
@@ -26571,7 +26709,7 @@
                                 <a:solidFill>
                                   <a:schemeClr val="tx1"/>
                                 </a:solidFill>
-                                <a:latin typeface="Times New Roman" panose="02020603050405020304" pitchFamily="18" charset="0"/>
+                                <a:latin typeface="Cambria Math" panose="02040503050406030204" pitchFamily="18" charset="0"/>
                                 <a:cs typeface="Times New Roman" panose="02020603050405020304" pitchFamily="18" charset="0"/>
                               </a:rPr>
                               <m:t>𝑓</m:t>
@@ -26583,7 +26721,7 @@
                                 <a:solidFill>
                                   <a:schemeClr val="tx1"/>
                                 </a:solidFill>
-                                <a:latin typeface="Times New Roman" panose="02020603050405020304" pitchFamily="18" charset="0"/>
+                                <a:latin typeface="Cambria Math" panose="02040503050406030204" pitchFamily="18" charset="0"/>
                                 <a:cs typeface="Times New Roman" panose="02020603050405020304" pitchFamily="18" charset="0"/>
                               </a:rPr>
                               <m:t>′</m:t>
@@ -26593,11 +26731,11 @@
                         <m:d>
                           <m:dPr>
                             <m:ctrlPr>
-                              <a:rPr lang="en-US" sz="1600">
+                              <a:rPr lang="en-US" sz="1600" i="1">
                                 <a:solidFill>
                                   <a:schemeClr val="tx1"/>
                                 </a:solidFill>
-                                <a:latin typeface="Times New Roman" panose="02020603050405020304" pitchFamily="18" charset="0"/>
+                                <a:latin typeface="Cambria Math" panose="02040503050406030204" pitchFamily="18" charset="0"/>
                                 <a:cs typeface="Times New Roman" panose="02020603050405020304" pitchFamily="18" charset="0"/>
                               </a:rPr>
                             </m:ctrlPr>
@@ -26608,7 +26746,7 @@
                                 <a:solidFill>
                                   <a:schemeClr val="tx1"/>
                                 </a:solidFill>
-                                <a:latin typeface="Times New Roman" panose="02020603050405020304" pitchFamily="18" charset="0"/>
+                                <a:latin typeface="Cambria Math" panose="02040503050406030204" pitchFamily="18" charset="0"/>
                                 <a:cs typeface="Times New Roman" panose="02020603050405020304" pitchFamily="18" charset="0"/>
                               </a:rPr>
                               <m:t>∙</m:t>
@@ -26629,7 +26767,7 @@
               </p:txBody>
             </p:sp>
           </mc:Choice>
-          <mc:Fallback>
+          <mc:Fallback xmlns="">
             <p:sp>
               <p:nvSpPr>
                 <p:cNvPr id="5" name="Rectangle 4"/>
@@ -26988,25 +27126,8 @@
                   <a:latin typeface="Times New Roman" panose="02020603050405020304" pitchFamily="18" charset="0"/>
                   <a:cs typeface="Times New Roman" panose="02020603050405020304" pitchFamily="18" charset="0"/>
                 </a:rPr>
-                <a:t>i</a:t>
+                <a:t>input</a:t>
               </a:r>
-              <a:r>
-                <a:rPr lang="en-US" sz="1600" dirty="0">
-                  <a:solidFill>
-                    <a:schemeClr val="tx1"/>
-                  </a:solidFill>
-                  <a:latin typeface="Times New Roman" panose="02020603050405020304" pitchFamily="18" charset="0"/>
-                  <a:cs typeface="Times New Roman" panose="02020603050405020304" pitchFamily="18" charset="0"/>
-                </a:rPr>
-                <a:t>nput</a:t>
-              </a:r>
-              <a:endParaRPr lang="en-US" sz="1600" dirty="0">
-                <a:solidFill>
-                  <a:schemeClr val="tx1"/>
-                </a:solidFill>
-                <a:latin typeface="Times New Roman" panose="02020603050405020304" pitchFamily="18" charset="0"/>
-                <a:cs typeface="Times New Roman" panose="02020603050405020304" pitchFamily="18" charset="0"/>
-              </a:endParaRPr>
             </a:p>
           </p:txBody>
         </p:sp>
@@ -27069,13 +27190,6 @@
                 </a:rPr>
                 <a:t>input</a:t>
               </a:r>
-              <a:endParaRPr lang="en-US" sz="1600" dirty="0">
-                <a:solidFill>
-                  <a:schemeClr val="tx1"/>
-                </a:solidFill>
-                <a:latin typeface="Times New Roman" panose="02020603050405020304" pitchFamily="18" charset="0"/>
-                <a:cs typeface="Times New Roman" panose="02020603050405020304" pitchFamily="18" charset="0"/>
-              </a:endParaRPr>
             </a:p>
           </p:txBody>
         </p:sp>
@@ -27115,7 +27229,6 @@
                 <a:rPr lang="en-US" dirty="0"/>
                 <a:t>feed-forward</a:t>
               </a:r>
-              <a:endParaRPr lang="en-US" dirty="0"/>
             </a:p>
           </p:txBody>
         </p:sp>
@@ -27193,13 +27306,8 @@
             <a:p>
               <a:r>
                 <a:rPr lang="en-US" dirty="0"/>
-                <a:t>b</a:t>
+                <a:t>back-propagation</a:t>
               </a:r>
-              <a:r>
-                <a:rPr lang="en-US" dirty="0"/>
-                <a:t>ack-propagation</a:t>
-              </a:r>
-              <a:endParaRPr lang="en-US" dirty="0"/>
             </a:p>
           </p:txBody>
         </p:sp>
@@ -27302,25 +27410,8 @@
                   <a:latin typeface="Times New Roman" panose="02020603050405020304" pitchFamily="18" charset="0"/>
                   <a:cs typeface="Times New Roman" panose="02020603050405020304" pitchFamily="18" charset="0"/>
                 </a:rPr>
-                <a:t>   </a:t>
+                <a:t>   output</a:t>
               </a:r>
-              <a:r>
-                <a:rPr lang="en-US" sz="1600" dirty="0">
-                  <a:solidFill>
-                    <a:schemeClr val="tx1"/>
-                  </a:solidFill>
-                  <a:latin typeface="Times New Roman" panose="02020603050405020304" pitchFamily="18" charset="0"/>
-                  <a:cs typeface="Times New Roman" panose="02020603050405020304" pitchFamily="18" charset="0"/>
-                </a:rPr>
-                <a:t>output</a:t>
-              </a:r>
-              <a:endParaRPr lang="en-US" sz="1600" dirty="0">
-                <a:solidFill>
-                  <a:schemeClr val="tx1"/>
-                </a:solidFill>
-                <a:latin typeface="Times New Roman" panose="02020603050405020304" pitchFamily="18" charset="0"/>
-                <a:cs typeface="Times New Roman" panose="02020603050405020304" pitchFamily="18" charset="0"/>
-              </a:endParaRPr>
             </a:p>
           </p:txBody>
         </p:sp>
@@ -27383,25 +27474,8 @@
                   <a:latin typeface="Times New Roman" panose="02020603050405020304" pitchFamily="18" charset="0"/>
                   <a:cs typeface="Times New Roman" panose="02020603050405020304" pitchFamily="18" charset="0"/>
                 </a:rPr>
-                <a:t>   </a:t>
+                <a:t>   output</a:t>
               </a:r>
-              <a:r>
-                <a:rPr lang="en-US" sz="1600" dirty="0">
-                  <a:solidFill>
-                    <a:schemeClr val="tx1"/>
-                  </a:solidFill>
-                  <a:latin typeface="Times New Roman" panose="02020603050405020304" pitchFamily="18" charset="0"/>
-                  <a:cs typeface="Times New Roman" panose="02020603050405020304" pitchFamily="18" charset="0"/>
-                </a:rPr>
-                <a:t>output</a:t>
-              </a:r>
-              <a:endParaRPr lang="en-US" sz="1600" dirty="0">
-                <a:solidFill>
-                  <a:schemeClr val="tx1"/>
-                </a:solidFill>
-                <a:latin typeface="Times New Roman" panose="02020603050405020304" pitchFamily="18" charset="0"/>
-                <a:cs typeface="Times New Roman" panose="02020603050405020304" pitchFamily="18" charset="0"/>
-              </a:endParaRPr>
             </a:p>
           </p:txBody>
         </p:sp>
@@ -27464,25 +27538,8 @@
                   <a:latin typeface="Times New Roman" panose="02020603050405020304" pitchFamily="18" charset="0"/>
                   <a:cs typeface="Times New Roman" panose="02020603050405020304" pitchFamily="18" charset="0"/>
                 </a:rPr>
-                <a:t>   </a:t>
+                <a:t>   output</a:t>
               </a:r>
-              <a:r>
-                <a:rPr lang="en-US" sz="1600" dirty="0">
-                  <a:solidFill>
-                    <a:schemeClr val="tx1"/>
-                  </a:solidFill>
-                  <a:latin typeface="Times New Roman" panose="02020603050405020304" pitchFamily="18" charset="0"/>
-                  <a:cs typeface="Times New Roman" panose="02020603050405020304" pitchFamily="18" charset="0"/>
-                </a:rPr>
-                <a:t>output</a:t>
-              </a:r>
-              <a:endParaRPr lang="en-US" sz="1600" dirty="0">
-                <a:solidFill>
-                  <a:schemeClr val="tx1"/>
-                </a:solidFill>
-                <a:latin typeface="Times New Roman" panose="02020603050405020304" pitchFamily="18" charset="0"/>
-                <a:cs typeface="Times New Roman" panose="02020603050405020304" pitchFamily="18" charset="0"/>
-              </a:endParaRPr>
             </a:p>
           </p:txBody>
         </p:sp>
@@ -27545,13 +27602,6 @@
                 </a:rPr>
                 <a:t>output</a:t>
               </a:r>
-              <a:endParaRPr lang="en-US" sz="1600" dirty="0">
-                <a:solidFill>
-                  <a:schemeClr val="tx1"/>
-                </a:solidFill>
-                <a:latin typeface="Times New Roman" panose="02020603050405020304" pitchFamily="18" charset="0"/>
-                <a:cs typeface="Times New Roman" panose="02020603050405020304" pitchFamily="18" charset="0"/>
-              </a:endParaRPr>
             </a:p>
           </p:txBody>
         </p:sp>
@@ -27614,13 +27664,6 @@
                 </a:rPr>
                 <a:t>output</a:t>
               </a:r>
-              <a:endParaRPr lang="en-US" sz="1600" dirty="0">
-                <a:solidFill>
-                  <a:schemeClr val="tx1"/>
-                </a:solidFill>
-                <a:latin typeface="Times New Roman" panose="02020603050405020304" pitchFamily="18" charset="0"/>
-                <a:cs typeface="Times New Roman" panose="02020603050405020304" pitchFamily="18" charset="0"/>
-              </a:endParaRPr>
             </a:p>
           </p:txBody>
         </p:sp>
@@ -27683,13 +27726,6 @@
                 </a:rPr>
                 <a:t>output</a:t>
               </a:r>
-              <a:endParaRPr lang="en-US" sz="1600" dirty="0">
-                <a:solidFill>
-                  <a:schemeClr val="tx1"/>
-                </a:solidFill>
-                <a:latin typeface="Times New Roman" panose="02020603050405020304" pitchFamily="18" charset="0"/>
-                <a:cs typeface="Times New Roman" panose="02020603050405020304" pitchFamily="18" charset="0"/>
-              </a:endParaRPr>
             </a:p>
           </p:txBody>
         </p:sp>
@@ -27921,8 +27957,8 @@
             </a:fontRef>
           </p:style>
         </p:cxnSp>
-        <mc:AlternateContent xmlns:mc="http://schemas.openxmlformats.org/markup-compatibility/2006">
-          <mc:Choice xmlns:a14="http://schemas.microsoft.com/office/drawing/2010/main" Requires="a14">
+        <mc:AlternateContent xmlns:mc="http://schemas.openxmlformats.org/markup-compatibility/2006" xmlns:a14="http://schemas.microsoft.com/office/drawing/2010/main">
+          <mc:Choice Requires="a14">
             <p:sp>
               <p:nvSpPr>
                 <p:cNvPr id="47" name="Rounded Rectangle 46"/>
@@ -27988,7 +28024,7 @@
                             <a:solidFill>
                               <a:schemeClr val="tx1"/>
                             </a:solidFill>
-                            <a:latin typeface="Times New Roman" panose="02020603050405020304" pitchFamily="18" charset="0"/>
+                            <a:latin typeface="Cambria Math" panose="02040503050406030204" pitchFamily="18" charset="0"/>
                             <a:cs typeface="Times New Roman" panose="02020603050405020304" pitchFamily="18" charset="0"/>
                           </a:rPr>
                           <m:t>Σ</m:t>
@@ -28007,7 +28043,7 @@
               </p:txBody>
             </p:sp>
           </mc:Choice>
-          <mc:Fallback>
+          <mc:Fallback xmlns="">
             <p:sp>
               <p:nvSpPr>
                 <p:cNvPr id="47" name="Rounded Rectangle 46"/>
@@ -28112,18 +28148,11 @@
                 </a:rPr>
                 <a:t>input</a:t>
               </a:r>
-              <a:endParaRPr lang="en-US" sz="1600" dirty="0">
-                <a:solidFill>
-                  <a:schemeClr val="tx1"/>
-                </a:solidFill>
-                <a:latin typeface="Times New Roman" panose="02020603050405020304" pitchFamily="18" charset="0"/>
-                <a:cs typeface="Times New Roman" panose="02020603050405020304" pitchFamily="18" charset="0"/>
-              </a:endParaRPr>
             </a:p>
           </p:txBody>
         </p:sp>
-        <mc:AlternateContent xmlns:mc="http://schemas.openxmlformats.org/markup-compatibility/2006">
-          <mc:Choice xmlns:a14="http://schemas.microsoft.com/office/drawing/2010/main" Requires="a14">
+        <mc:AlternateContent xmlns:mc="http://schemas.openxmlformats.org/markup-compatibility/2006" xmlns:a14="http://schemas.microsoft.com/office/drawing/2010/main">
+          <mc:Choice Requires="a14">
             <p:sp>
               <p:nvSpPr>
                 <p:cNvPr id="49" name="Rounded Rectangle 48"/>
@@ -28189,7 +28218,7 @@
                             <a:solidFill>
                               <a:schemeClr val="tx1"/>
                             </a:solidFill>
-                            <a:latin typeface="Times New Roman" panose="02020603050405020304" pitchFamily="18" charset="0"/>
+                            <a:latin typeface="Cambria Math" panose="02040503050406030204" pitchFamily="18" charset="0"/>
                             <a:cs typeface="Times New Roman" panose="02020603050405020304" pitchFamily="18" charset="0"/>
                           </a:rPr>
                           <m:t>Σ</m:t>
@@ -28208,7 +28237,7 @@
               </p:txBody>
             </p:sp>
           </mc:Choice>
-          <mc:Fallback>
+          <mc:Fallback xmlns="">
             <p:sp>
               <p:nvSpPr>
                 <p:cNvPr id="49" name="Rounded Rectangle 48"/>
@@ -28313,18 +28342,11 @@
                 </a:rPr>
                 <a:t>input</a:t>
               </a:r>
-              <a:endParaRPr lang="en-US" sz="1600" dirty="0">
-                <a:solidFill>
-                  <a:schemeClr val="tx1"/>
-                </a:solidFill>
-                <a:latin typeface="Times New Roman" panose="02020603050405020304" pitchFamily="18" charset="0"/>
-                <a:cs typeface="Times New Roman" panose="02020603050405020304" pitchFamily="18" charset="0"/>
-              </a:endParaRPr>
             </a:p>
           </p:txBody>
         </p:sp>
-        <mc:AlternateContent xmlns:mc="http://schemas.openxmlformats.org/markup-compatibility/2006">
-          <mc:Choice xmlns:a14="http://schemas.microsoft.com/office/drawing/2010/main" Requires="a14">
+        <mc:AlternateContent xmlns:mc="http://schemas.openxmlformats.org/markup-compatibility/2006" xmlns:a14="http://schemas.microsoft.com/office/drawing/2010/main">
+          <mc:Choice Requires="a14">
             <p:sp>
               <p:nvSpPr>
                 <p:cNvPr id="53" name="Rounded Rectangle 52"/>
@@ -28390,7 +28412,7 @@
                             <a:solidFill>
                               <a:schemeClr val="tx1"/>
                             </a:solidFill>
-                            <a:latin typeface="Times New Roman" panose="02020603050405020304" pitchFamily="18" charset="0"/>
+                            <a:latin typeface="Cambria Math" panose="02040503050406030204" pitchFamily="18" charset="0"/>
                             <a:cs typeface="Times New Roman" panose="02020603050405020304" pitchFamily="18" charset="0"/>
                           </a:rPr>
                           <m:t>Σ</m:t>
@@ -28409,7 +28431,7 @@
               </p:txBody>
             </p:sp>
           </mc:Choice>
-          <mc:Fallback>
+          <mc:Fallback xmlns="">
             <p:sp>
               <p:nvSpPr>
                 <p:cNvPr id="53" name="Rounded Rectangle 52"/>
@@ -28514,13 +28536,6 @@
                 </a:rPr>
                 <a:t>input</a:t>
               </a:r>
-              <a:endParaRPr lang="en-US" sz="1600" dirty="0">
-                <a:solidFill>
-                  <a:schemeClr val="tx1"/>
-                </a:solidFill>
-                <a:latin typeface="Times New Roman" panose="02020603050405020304" pitchFamily="18" charset="0"/>
-                <a:cs typeface="Times New Roman" panose="02020603050405020304" pitchFamily="18" charset="0"/>
-              </a:endParaRPr>
             </a:p>
           </p:txBody>
         </p:sp>
@@ -28710,8 +28725,8 @@
             </a:p>
           </p:txBody>
         </p:sp>
-        <mc:AlternateContent xmlns:mc="http://schemas.openxmlformats.org/markup-compatibility/2006">
-          <mc:Choice xmlns:a14="http://schemas.microsoft.com/office/drawing/2010/main" Requires="a14">
+        <mc:AlternateContent xmlns:mc="http://schemas.openxmlformats.org/markup-compatibility/2006" xmlns:a14="http://schemas.microsoft.com/office/drawing/2010/main">
+          <mc:Choice Requires="a14">
             <p:sp>
               <p:nvSpPr>
                 <p:cNvPr id="68" name="Rounded Rectangle 67"/>
@@ -28774,7 +28789,7 @@
                             <a:solidFill>
                               <a:schemeClr val="tx1"/>
                             </a:solidFill>
-                            <a:latin typeface="Times New Roman" panose="02020603050405020304" pitchFamily="18" charset="0"/>
+                            <a:latin typeface="Cambria Math" panose="02040503050406030204" pitchFamily="18" charset="0"/>
                             <a:cs typeface="Times New Roman" panose="02020603050405020304" pitchFamily="18" charset="0"/>
                           </a:rPr>
                           <m:t>  </m:t>
@@ -28787,7 +28802,7 @@
                             <a:solidFill>
                               <a:schemeClr val="tx1"/>
                             </a:solidFill>
-                            <a:latin typeface="Times New Roman" panose="02020603050405020304" pitchFamily="18" charset="0"/>
+                            <a:latin typeface="Cambria Math" panose="02040503050406030204" pitchFamily="18" charset="0"/>
                             <a:cs typeface="Times New Roman" panose="02020603050405020304" pitchFamily="18" charset="0"/>
                           </a:rPr>
                           <m:t>Σ</m:t>
@@ -28806,7 +28821,7 @@
               </p:txBody>
             </p:sp>
           </mc:Choice>
-          <mc:Fallback>
+          <mc:Fallback xmlns="">
             <p:sp>
               <p:nvSpPr>
                 <p:cNvPr id="68" name="Rounded Rectangle 67"/>
@@ -28911,18 +28926,11 @@
                 </a:rPr>
                 <a:t>input</a:t>
               </a:r>
-              <a:endParaRPr lang="en-US" sz="1600" dirty="0">
-                <a:solidFill>
-                  <a:schemeClr val="tx1"/>
-                </a:solidFill>
-                <a:latin typeface="Times New Roman" panose="02020603050405020304" pitchFamily="18" charset="0"/>
-                <a:cs typeface="Times New Roman" panose="02020603050405020304" pitchFamily="18" charset="0"/>
-              </a:endParaRPr>
             </a:p>
           </p:txBody>
         </p:sp>
-        <mc:AlternateContent xmlns:mc="http://schemas.openxmlformats.org/markup-compatibility/2006">
-          <mc:Choice xmlns:a14="http://schemas.microsoft.com/office/drawing/2010/main" Requires="a14">
+        <mc:AlternateContent xmlns:mc="http://schemas.openxmlformats.org/markup-compatibility/2006" xmlns:a14="http://schemas.microsoft.com/office/drawing/2010/main">
+          <mc:Choice Requires="a14">
             <p:sp>
               <p:nvSpPr>
                 <p:cNvPr id="71" name="Rounded Rectangle 70"/>
@@ -28985,7 +28993,7 @@
                             <a:solidFill>
                               <a:schemeClr val="tx1"/>
                             </a:solidFill>
-                            <a:latin typeface="Times New Roman" panose="02020603050405020304" pitchFamily="18" charset="0"/>
+                            <a:latin typeface="Cambria Math" panose="02040503050406030204" pitchFamily="18" charset="0"/>
                             <a:cs typeface="Times New Roman" panose="02020603050405020304" pitchFamily="18" charset="0"/>
                           </a:rPr>
                           <m:t>  </m:t>
@@ -28998,7 +29006,7 @@
                             <a:solidFill>
                               <a:schemeClr val="tx1"/>
                             </a:solidFill>
-                            <a:latin typeface="Times New Roman" panose="02020603050405020304" pitchFamily="18" charset="0"/>
+                            <a:latin typeface="Cambria Math" panose="02040503050406030204" pitchFamily="18" charset="0"/>
                             <a:cs typeface="Times New Roman" panose="02020603050405020304" pitchFamily="18" charset="0"/>
                           </a:rPr>
                           <m:t>Σ</m:t>
@@ -29017,7 +29025,7 @@
               </p:txBody>
             </p:sp>
           </mc:Choice>
-          <mc:Fallback>
+          <mc:Fallback xmlns="">
             <p:sp>
               <p:nvSpPr>
                 <p:cNvPr id="71" name="Rounded Rectangle 70"/>
@@ -29122,18 +29130,11 @@
                 </a:rPr>
                 <a:t>input</a:t>
               </a:r>
-              <a:endParaRPr lang="en-US" sz="1600" dirty="0">
-                <a:solidFill>
-                  <a:schemeClr val="tx1"/>
-                </a:solidFill>
-                <a:latin typeface="Times New Roman" panose="02020603050405020304" pitchFamily="18" charset="0"/>
-                <a:cs typeface="Times New Roman" panose="02020603050405020304" pitchFamily="18" charset="0"/>
-              </a:endParaRPr>
             </a:p>
           </p:txBody>
         </p:sp>
-        <mc:AlternateContent xmlns:mc="http://schemas.openxmlformats.org/markup-compatibility/2006">
-          <mc:Choice xmlns:a14="http://schemas.microsoft.com/office/drawing/2010/main" Requires="a14">
+        <mc:AlternateContent xmlns:mc="http://schemas.openxmlformats.org/markup-compatibility/2006" xmlns:a14="http://schemas.microsoft.com/office/drawing/2010/main">
+          <mc:Choice Requires="a14">
             <p:sp>
               <p:nvSpPr>
                 <p:cNvPr id="73" name="Rounded Rectangle 72"/>
@@ -29196,7 +29197,7 @@
                             <a:solidFill>
                               <a:schemeClr val="tx1"/>
                             </a:solidFill>
-                            <a:latin typeface="Times New Roman" panose="02020603050405020304" pitchFamily="18" charset="0"/>
+                            <a:latin typeface="Cambria Math" panose="02040503050406030204" pitchFamily="18" charset="0"/>
                             <a:cs typeface="Times New Roman" panose="02020603050405020304" pitchFamily="18" charset="0"/>
                           </a:rPr>
                           <m:t>  </m:t>
@@ -29209,7 +29210,7 @@
                             <a:solidFill>
                               <a:schemeClr val="tx1"/>
                             </a:solidFill>
-                            <a:latin typeface="Times New Roman" panose="02020603050405020304" pitchFamily="18" charset="0"/>
+                            <a:latin typeface="Cambria Math" panose="02040503050406030204" pitchFamily="18" charset="0"/>
                             <a:cs typeface="Times New Roman" panose="02020603050405020304" pitchFamily="18" charset="0"/>
                           </a:rPr>
                           <m:t>Σ</m:t>
@@ -29228,7 +29229,7 @@
               </p:txBody>
             </p:sp>
           </mc:Choice>
-          <mc:Fallback>
+          <mc:Fallback xmlns="">
             <p:sp>
               <p:nvSpPr>
                 <p:cNvPr id="73" name="Rounded Rectangle 72"/>
@@ -29333,13 +29334,6 @@
                 </a:rPr>
                 <a:t>input</a:t>
               </a:r>
-              <a:endParaRPr lang="en-US" sz="1600" dirty="0">
-                <a:solidFill>
-                  <a:schemeClr val="tx1"/>
-                </a:solidFill>
-                <a:latin typeface="Times New Roman" panose="02020603050405020304" pitchFamily="18" charset="0"/>
-                <a:cs typeface="Times New Roman" panose="02020603050405020304" pitchFamily="18" charset="0"/>
-              </a:endParaRPr>
             </a:p>
           </p:txBody>
         </p:sp>
@@ -29629,7 +29623,6 @@
                 <a:rPr lang="en-US" dirty="0"/>
                 <a:t>node</a:t>
               </a:r>
-              <a:endParaRPr lang="en-US" dirty="0"/>
             </a:p>
           </p:txBody>
         </p:sp>
@@ -29837,17 +29830,7 @@
                   <a:latin typeface="Times New Roman" panose="02020603050405020304" pitchFamily="18" charset="0"/>
                   <a:cs typeface="Times New Roman" panose="02020603050405020304" pitchFamily="18" charset="0"/>
                 </a:rPr>
-                <a:t>d</a:t>
-              </a:r>
-              <a:r>
-                <a:rPr lang="en-US" sz="1600" dirty="0">
-                  <a:solidFill>
-                    <a:schemeClr val="tx1"/>
-                  </a:solidFill>
-                  <a:latin typeface="Times New Roman" panose="02020603050405020304" pitchFamily="18" charset="0"/>
-                  <a:cs typeface="Times New Roman" panose="02020603050405020304" pitchFamily="18" charset="0"/>
-                </a:rPr>
-                <a:t>educe type</a:t>
+                <a:t>deduce type</a:t>
               </a:r>
               <a:br>
                 <a:rPr lang="en-US" sz="1600" dirty="0">
@@ -29866,27 +29849,7 @@
                   <a:latin typeface="Times New Roman" panose="02020603050405020304" pitchFamily="18" charset="0"/>
                   <a:cs typeface="Times New Roman" panose="02020603050405020304" pitchFamily="18" charset="0"/>
                 </a:rPr>
-                <a:t>(learning</a:t>
-              </a:r>
-              <a:r>
-                <a:rPr lang="en-US" sz="1600" dirty="0">
-                  <a:solidFill>
-                    <a:schemeClr val="tx1"/>
-                  </a:solidFill>
-                  <a:latin typeface="Times New Roman" panose="02020603050405020304" pitchFamily="18" charset="0"/>
-                  <a:cs typeface="Times New Roman" panose="02020603050405020304" pitchFamily="18" charset="0"/>
-                </a:rPr>
-                <a:t> </a:t>
-              </a:r>
-              <a:r>
-                <a:rPr lang="en-US" sz="1600" dirty="0">
-                  <a:solidFill>
-                    <a:schemeClr val="tx1"/>
-                  </a:solidFill>
-                  <a:latin typeface="Times New Roman" panose="02020603050405020304" pitchFamily="18" charset="0"/>
-                  <a:cs typeface="Times New Roman" panose="02020603050405020304" pitchFamily="18" charset="0"/>
-                </a:rPr>
-                <a:t>algorithm,</a:t>
+                <a:t>(learning algorithm,</a:t>
               </a:r>
               <a:br>
                 <a:rPr lang="en-US" sz="1600" dirty="0">
@@ -29945,13 +29908,6 @@
                 </a:rPr>
                 <a:t>network topology)</a:t>
               </a:r>
-              <a:endParaRPr lang="en-US" sz="1600" dirty="0">
-                <a:solidFill>
-                  <a:schemeClr val="tx1"/>
-                </a:solidFill>
-                <a:latin typeface="Times New Roman" panose="02020603050405020304" pitchFamily="18" charset="0"/>
-                <a:cs typeface="Times New Roman" panose="02020603050405020304" pitchFamily="18" charset="0"/>
-              </a:endParaRPr>
             </a:p>
           </p:txBody>
         </p:sp>
@@ -30012,13 +29968,6 @@
                 </a:rPr>
                 <a:t>compile code</a:t>
               </a:r>
-              <a:endParaRPr lang="en-US" sz="1600" dirty="0">
-                <a:solidFill>
-                  <a:schemeClr val="tx1"/>
-                </a:solidFill>
-                <a:latin typeface="Times New Roman" panose="02020603050405020304" pitchFamily="18" charset="0"/>
-                <a:cs typeface="Times New Roman" panose="02020603050405020304" pitchFamily="18" charset="0"/>
-              </a:endParaRPr>
             </a:p>
           </p:txBody>
         </p:sp>
@@ -30336,13 +30285,6 @@
                 </a:rPr>
                 <a:t>compile code</a:t>
               </a:r>
-              <a:endParaRPr lang="en-US" sz="1600" dirty="0">
-                <a:solidFill>
-                  <a:schemeClr val="tx1"/>
-                </a:solidFill>
-                <a:latin typeface="Times New Roman" panose="02020603050405020304" pitchFamily="18" charset="0"/>
-                <a:cs typeface="Times New Roman" panose="02020603050405020304" pitchFamily="18" charset="0"/>
-              </a:endParaRPr>
             </a:p>
           </p:txBody>
         </p:sp>
@@ -30401,17 +30343,7 @@
                   <a:latin typeface="Times New Roman" panose="02020603050405020304" pitchFamily="18" charset="0"/>
                   <a:cs typeface="Times New Roman" panose="02020603050405020304" pitchFamily="18" charset="0"/>
                 </a:rPr>
-                <a:t>d</a:t>
-              </a:r>
-              <a:r>
-                <a:rPr lang="en-US" sz="1600" dirty="0">
-                  <a:solidFill>
-                    <a:schemeClr val="tx1"/>
-                  </a:solidFill>
-                  <a:latin typeface="Times New Roman" panose="02020603050405020304" pitchFamily="18" charset="0"/>
-                  <a:cs typeface="Times New Roman" panose="02020603050405020304" pitchFamily="18" charset="0"/>
-                </a:rPr>
-                <a:t>educe type</a:t>
+                <a:t>deduce type</a:t>
               </a:r>
               <a:br>
                 <a:rPr lang="en-US" sz="1600" dirty="0">
@@ -30499,13 +30431,6 @@
                 </a:rPr>
                 <a:t>network topology)</a:t>
               </a:r>
-              <a:endParaRPr lang="en-US" sz="1600" dirty="0">
-                <a:solidFill>
-                  <a:schemeClr val="tx1"/>
-                </a:solidFill>
-                <a:latin typeface="Times New Roman" panose="02020603050405020304" pitchFamily="18" charset="0"/>
-                <a:cs typeface="Times New Roman" panose="02020603050405020304" pitchFamily="18" charset="0"/>
-              </a:endParaRPr>
             </a:p>
           </p:txBody>
         </p:sp>
@@ -30564,25 +30489,8 @@
                   <a:latin typeface="Times New Roman" panose="02020603050405020304" pitchFamily="18" charset="0"/>
                   <a:cs typeface="Times New Roman" panose="02020603050405020304" pitchFamily="18" charset="0"/>
                 </a:rPr>
-                <a:t>r</a:t>
+                <a:t>run code</a:t>
               </a:r>
-              <a:r>
-                <a:rPr lang="en-US" sz="1600" dirty="0">
-                  <a:solidFill>
-                    <a:schemeClr val="tx1"/>
-                  </a:solidFill>
-                  <a:latin typeface="Times New Roman" panose="02020603050405020304" pitchFamily="18" charset="0"/>
-                  <a:cs typeface="Times New Roman" panose="02020603050405020304" pitchFamily="18" charset="0"/>
-                </a:rPr>
-                <a:t>un code</a:t>
-              </a:r>
-              <a:endParaRPr lang="en-US" sz="1600" dirty="0">
-                <a:solidFill>
-                  <a:schemeClr val="tx1"/>
-                </a:solidFill>
-                <a:latin typeface="Times New Roman" panose="02020603050405020304" pitchFamily="18" charset="0"/>
-                <a:cs typeface="Times New Roman" panose="02020603050405020304" pitchFamily="18" charset="0"/>
-              </a:endParaRPr>
             </a:p>
           </p:txBody>
         </p:sp>
@@ -30643,13 +30551,6 @@
                 </a:rPr>
                 <a:t>run code</a:t>
               </a:r>
-              <a:endParaRPr lang="en-US" sz="1600" dirty="0">
-                <a:solidFill>
-                  <a:schemeClr val="tx1"/>
-                </a:solidFill>
-                <a:latin typeface="Times New Roman" panose="02020603050405020304" pitchFamily="18" charset="0"/>
-                <a:cs typeface="Times New Roman" panose="02020603050405020304" pitchFamily="18" charset="0"/>
-              </a:endParaRPr>
             </a:p>
           </p:txBody>
         </p:sp>
@@ -30786,8 +30687,8 @@
             </a:fontRef>
           </p:style>
         </p:cxnSp>
-        <mc:AlternateContent xmlns:mc="http://schemas.openxmlformats.org/markup-compatibility/2006">
-          <mc:Choice xmlns:a14="http://schemas.microsoft.com/office/drawing/2010/main" Requires="a14">
+        <mc:AlternateContent xmlns:mc="http://schemas.openxmlformats.org/markup-compatibility/2006" xmlns:a14="http://schemas.microsoft.com/office/drawing/2010/main">
+          <mc:Choice Requires="a14">
             <p:sp>
               <p:nvSpPr>
                 <p:cNvPr id="195" name="TextBox 194"/>
@@ -30834,7 +30735,9 @@
                   <a14:m>
                     <m:oMath xmlns:m="http://schemas.openxmlformats.org/officeDocument/2006/math">
                       <m:r>
-                        <a:rPr lang="en-US"/>
+                        <a:rPr lang="en-US">
+                          <a:latin typeface="Cambria Math" panose="02040503050406030204" pitchFamily="18" charset="0"/>
+                        </a:rPr>
                         <m:t>𝑛</m:t>
                       </m:r>
                     </m:oMath>
@@ -30844,7 +30747,7 @@
               </p:txBody>
             </p:sp>
           </mc:Choice>
-          <mc:Fallback>
+          <mc:Fallback xmlns="">
             <p:sp>
               <p:nvSpPr>
                 <p:cNvPr id="195" name="TextBox 194"/>
@@ -30883,8 +30786,8 @@
             </p:sp>
           </mc:Fallback>
         </mc:AlternateContent>
-        <mc:AlternateContent xmlns:mc="http://schemas.openxmlformats.org/markup-compatibility/2006">
-          <mc:Choice xmlns:a14="http://schemas.microsoft.com/office/drawing/2010/main" Requires="a14">
+        <mc:AlternateContent xmlns:mc="http://schemas.openxmlformats.org/markup-compatibility/2006" xmlns:a14="http://schemas.microsoft.com/office/drawing/2010/main">
+          <mc:Choice Requires="a14">
             <p:sp>
               <p:nvSpPr>
                 <p:cNvPr id="200" name="TextBox 199"/>
@@ -30931,7 +30834,9 @@
                   <a14:m>
                     <m:oMath xmlns:m="http://schemas.openxmlformats.org/officeDocument/2006/math">
                       <m:r>
-                        <a:rPr lang="en-US"/>
+                        <a:rPr lang="en-US">
+                          <a:latin typeface="Cambria Math" panose="02040503050406030204" pitchFamily="18" charset="0"/>
+                        </a:rPr>
                         <m:t>𝑚</m:t>
                       </m:r>
                     </m:oMath>
@@ -30941,7 +30846,7 @@
               </p:txBody>
             </p:sp>
           </mc:Choice>
-          <mc:Fallback>
+          <mc:Fallback xmlns="">
             <p:sp>
               <p:nvSpPr>
                 <p:cNvPr id="200" name="TextBox 199"/>
@@ -31070,8 +30975,8 @@
             </a:fontRef>
           </p:style>
         </p:cxnSp>
-        <mc:AlternateContent xmlns:mc="http://schemas.openxmlformats.org/markup-compatibility/2006">
-          <mc:Choice xmlns:a14="http://schemas.microsoft.com/office/drawing/2010/main" Requires="a14">
+        <mc:AlternateContent xmlns:mc="http://schemas.openxmlformats.org/markup-compatibility/2006" xmlns:a14="http://schemas.microsoft.com/office/drawing/2010/main">
+          <mc:Choice Requires="a14">
             <p:sp>
               <p:nvSpPr>
                 <p:cNvPr id="209" name="TextBox 208"/>
@@ -31118,7 +31023,9 @@
                   <a14:m>
                     <m:oMath xmlns:m="http://schemas.openxmlformats.org/officeDocument/2006/math">
                       <m:r>
-                        <a:rPr lang="en-US"/>
+                        <a:rPr lang="en-US">
+                          <a:latin typeface="Cambria Math" panose="02040503050406030204" pitchFamily="18" charset="0"/>
+                        </a:rPr>
                         <m:t>𝑛</m:t>
                       </m:r>
                     </m:oMath>
@@ -31128,7 +31035,7 @@
               </p:txBody>
             </p:sp>
           </mc:Choice>
-          <mc:Fallback>
+          <mc:Fallback xmlns="">
             <p:sp>
               <p:nvSpPr>
                 <p:cNvPr id="209" name="TextBox 208"/>
@@ -31167,8 +31074,8 @@
             </p:sp>
           </mc:Fallback>
         </mc:AlternateContent>
-        <mc:AlternateContent xmlns:mc="http://schemas.openxmlformats.org/markup-compatibility/2006">
-          <mc:Choice xmlns:a14="http://schemas.microsoft.com/office/drawing/2010/main" Requires="a14">
+        <mc:AlternateContent xmlns:mc="http://schemas.openxmlformats.org/markup-compatibility/2006" xmlns:a14="http://schemas.microsoft.com/office/drawing/2010/main">
+          <mc:Choice Requires="a14">
             <p:sp>
               <p:nvSpPr>
                 <p:cNvPr id="210" name="TextBox 209"/>
@@ -31215,7 +31122,9 @@
                   <a14:m>
                     <m:oMath xmlns:m="http://schemas.openxmlformats.org/officeDocument/2006/math">
                       <m:r>
-                        <a:rPr lang="en-US"/>
+                        <a:rPr lang="en-US">
+                          <a:latin typeface="Cambria Math" panose="02040503050406030204" pitchFamily="18" charset="0"/>
+                        </a:rPr>
                         <m:t>𝑚</m:t>
                       </m:r>
                     </m:oMath>
@@ -31225,7 +31134,7 @@
               </p:txBody>
             </p:sp>
           </mc:Choice>
-          <mc:Fallback>
+          <mc:Fallback xmlns="">
             <p:sp>
               <p:nvSpPr>
                 <p:cNvPr id="210" name="TextBox 209"/>
